--- a/4th_credit/survey.pptx
+++ b/4th_credit/survey.pptx
@@ -5,19 +5,27 @@
     <p:sldMasterId id="2147483648" r:id="rId1"/>
   </p:sldMasterIdLst>
   <p:notesMasterIdLst>
-    <p:notesMasterId r:id="rId12"/>
+    <p:notesMasterId r:id="rId20"/>
   </p:notesMasterIdLst>
   <p:sldIdLst>
-    <p:sldId id="257" r:id="rId2"/>
-    <p:sldId id="258" r:id="rId3"/>
-    <p:sldId id="259" r:id="rId4"/>
-    <p:sldId id="260" r:id="rId5"/>
-    <p:sldId id="261" r:id="rId6"/>
-    <p:sldId id="262" r:id="rId7"/>
-    <p:sldId id="263" r:id="rId8"/>
-    <p:sldId id="264" r:id="rId9"/>
-    <p:sldId id="265" r:id="rId10"/>
-    <p:sldId id="266" r:id="rId11"/>
+    <p:sldId id="276" r:id="rId2"/>
+    <p:sldId id="257" r:id="rId3"/>
+    <p:sldId id="258" r:id="rId4"/>
+    <p:sldId id="259" r:id="rId5"/>
+    <p:sldId id="260" r:id="rId6"/>
+    <p:sldId id="261" r:id="rId7"/>
+    <p:sldId id="262" r:id="rId8"/>
+    <p:sldId id="263" r:id="rId9"/>
+    <p:sldId id="264" r:id="rId10"/>
+    <p:sldId id="265" r:id="rId11"/>
+    <p:sldId id="266" r:id="rId12"/>
+    <p:sldId id="269" r:id="rId13"/>
+    <p:sldId id="270" r:id="rId14"/>
+    <p:sldId id="271" r:id="rId15"/>
+    <p:sldId id="272" r:id="rId16"/>
+    <p:sldId id="273" r:id="rId17"/>
+    <p:sldId id="274" r:id="rId18"/>
+    <p:sldId id="275" r:id="rId19"/>
   </p:sldIdLst>
   <p:sldSz cx="9144000" cy="6858000" type="screen4x3"/>
   <p:notesSz cx="6858000" cy="9144000"/>
@@ -689,7 +697,7 @@
           <a:p>
             <a:fld id="{149F80AD-52BE-7A4F-B91C-4C42B0AA28B8}" type="slidenum">
               <a:rPr lang="en-US" smtClean="0"/>
-              <a:t>4</a:t>
+              <a:t>5</a:t>
             </a:fld>
             <a:endParaRPr lang="en-US"/>
           </a:p>
@@ -699,6 +707,544 @@
     <p:extLst>
       <p:ext uri="{BB962C8B-B14F-4D97-AF65-F5344CB8AC3E}">
         <p14:creationId xmlns:p14="http://schemas.microsoft.com/office/powerpoint/2010/main" val="855854588"/>
+      </p:ext>
+    </p:extLst>
+  </p:cSld>
+  <p:clrMapOvr>
+    <a:masterClrMapping/>
+  </p:clrMapOvr>
+</p:notes>
+</file>
+
+<file path=ppt/notesSlides/notesSlide2.xml><?xml version="1.0" encoding="utf-8"?>
+<p:notes xmlns:a="http://schemas.openxmlformats.org/drawingml/2006/main" xmlns:r="http://schemas.openxmlformats.org/officeDocument/2006/relationships" xmlns:p="http://schemas.openxmlformats.org/presentationml/2006/main">
+  <p:cSld>
+    <p:spTree>
+      <p:nvGrpSpPr>
+        <p:cNvPr id="1" name=""/>
+        <p:cNvGrpSpPr/>
+        <p:nvPr/>
+      </p:nvGrpSpPr>
+      <p:grpSpPr>
+        <a:xfrm>
+          <a:off x="0" y="0"/>
+          <a:ext cx="0" cy="0"/>
+          <a:chOff x="0" y="0"/>
+          <a:chExt cx="0" cy="0"/>
+        </a:xfrm>
+      </p:grpSpPr>
+      <p:sp>
+        <p:nvSpPr>
+          <p:cNvPr id="2" name="Slide Image Placeholder 1"/>
+          <p:cNvSpPr>
+            <a:spLocks noGrp="1" noRot="1" noChangeAspect="1"/>
+          </p:cNvSpPr>
+          <p:nvPr>
+            <p:ph type="sldImg"/>
+          </p:nvPr>
+        </p:nvSpPr>
+        <p:spPr/>
+      </p:sp>
+      <p:sp>
+        <p:nvSpPr>
+          <p:cNvPr id="3" name="Notes Placeholder 2"/>
+          <p:cNvSpPr>
+            <a:spLocks noGrp="1"/>
+          </p:cNvSpPr>
+          <p:nvPr>
+            <p:ph type="body" idx="1"/>
+          </p:nvPr>
+        </p:nvSpPr>
+        <p:spPr/>
+        <p:txBody>
+          <a:bodyPr/>
+          <a:lstStyle/>
+          <a:p>
+            <a:r>
+              <a:rPr lang="en-US" dirty="0" smtClean="0"/>
+              <a:t>https://</a:t>
+            </a:r>
+            <a:r>
+              <a:rPr lang="en-US" dirty="0" err="1" smtClean="0"/>
+              <a:t>technet.microsoft.com</a:t>
+            </a:r>
+            <a:r>
+              <a:rPr lang="en-US" dirty="0" smtClean="0"/>
+              <a:t>/en-us/library/bb496993.aspx</a:t>
+            </a:r>
+          </a:p>
+          <a:p>
+            <a:r>
+              <a:rPr lang="en-US" dirty="0" smtClean="0"/>
+              <a:t>http://</a:t>
+            </a:r>
+            <a:r>
+              <a:rPr lang="en-US" dirty="0" err="1" smtClean="0"/>
+              <a:t>stackoverflow.com</a:t>
+            </a:r>
+            <a:r>
+              <a:rPr lang="en-US" dirty="0" smtClean="0"/>
+              <a:t>/questions/47845/why-is-creating-a-new-process-more-expensive-on-windows-than-linux</a:t>
+            </a:r>
+          </a:p>
+          <a:p>
+            <a:endParaRPr lang="en-US" dirty="0" smtClean="0"/>
+          </a:p>
+        </p:txBody>
+      </p:sp>
+      <p:sp>
+        <p:nvSpPr>
+          <p:cNvPr id="4" name="Slide Number Placeholder 3"/>
+          <p:cNvSpPr>
+            <a:spLocks noGrp="1"/>
+          </p:cNvSpPr>
+          <p:nvPr>
+            <p:ph type="sldNum" sz="quarter" idx="10"/>
+          </p:nvPr>
+        </p:nvSpPr>
+        <p:spPr/>
+        <p:txBody>
+          <a:bodyPr/>
+          <a:lstStyle/>
+          <a:p>
+            <a:fld id="{E226A506-95AD-6A4D-8EF1-31DC07EF1D3F}" type="slidenum">
+              <a:rPr lang="en-US" smtClean="0"/>
+              <a:t>12</a:t>
+            </a:fld>
+            <a:endParaRPr lang="en-US"/>
+          </a:p>
+        </p:txBody>
+      </p:sp>
+    </p:spTree>
+    <p:extLst>
+      <p:ext uri="{BB962C8B-B14F-4D97-AF65-F5344CB8AC3E}">
+        <p14:creationId xmlns:p14="http://schemas.microsoft.com/office/powerpoint/2010/main" val="4183011617"/>
+      </p:ext>
+    </p:extLst>
+  </p:cSld>
+  <p:clrMapOvr>
+    <a:masterClrMapping/>
+  </p:clrMapOvr>
+</p:notes>
+</file>
+
+<file path=ppt/notesSlides/notesSlide3.xml><?xml version="1.0" encoding="utf-8"?>
+<p:notes xmlns:a="http://schemas.openxmlformats.org/drawingml/2006/main" xmlns:r="http://schemas.openxmlformats.org/officeDocument/2006/relationships" xmlns:p="http://schemas.openxmlformats.org/presentationml/2006/main">
+  <p:cSld>
+    <p:spTree>
+      <p:nvGrpSpPr>
+        <p:cNvPr id="1" name=""/>
+        <p:cNvGrpSpPr/>
+        <p:nvPr/>
+      </p:nvGrpSpPr>
+      <p:grpSpPr>
+        <a:xfrm>
+          <a:off x="0" y="0"/>
+          <a:ext cx="0" cy="0"/>
+          <a:chOff x="0" y="0"/>
+          <a:chExt cx="0" cy="0"/>
+        </a:xfrm>
+      </p:grpSpPr>
+      <p:sp>
+        <p:nvSpPr>
+          <p:cNvPr id="2" name="Slide Image Placeholder 1"/>
+          <p:cNvSpPr>
+            <a:spLocks noGrp="1" noRot="1" noChangeAspect="1"/>
+          </p:cNvSpPr>
+          <p:nvPr>
+            <p:ph type="sldImg"/>
+          </p:nvPr>
+        </p:nvSpPr>
+        <p:spPr/>
+      </p:sp>
+      <p:sp>
+        <p:nvSpPr>
+          <p:cNvPr id="3" name="Notes Placeholder 2"/>
+          <p:cNvSpPr>
+            <a:spLocks noGrp="1"/>
+          </p:cNvSpPr>
+          <p:nvPr>
+            <p:ph type="body" idx="1"/>
+          </p:nvPr>
+        </p:nvSpPr>
+        <p:spPr/>
+        <p:txBody>
+          <a:bodyPr/>
+          <a:lstStyle/>
+          <a:p>
+            <a:r>
+              <a:rPr lang="en-US" dirty="0" smtClean="0"/>
+              <a:t>https://</a:t>
+            </a:r>
+            <a:r>
+              <a:rPr lang="en-US" dirty="0" err="1" smtClean="0"/>
+              <a:t>msdn.microsoft.com</a:t>
+            </a:r>
+            <a:r>
+              <a:rPr lang="en-US" dirty="0" smtClean="0"/>
+              <a:t>/en-us/library/windows/desktop/ms685100%28v=vs.85%29.aspx</a:t>
+            </a:r>
+          </a:p>
+          <a:p>
+            <a:endParaRPr lang="en-US" dirty="0"/>
+          </a:p>
+        </p:txBody>
+      </p:sp>
+      <p:sp>
+        <p:nvSpPr>
+          <p:cNvPr id="4" name="Slide Number Placeholder 3"/>
+          <p:cNvSpPr>
+            <a:spLocks noGrp="1"/>
+          </p:cNvSpPr>
+          <p:nvPr>
+            <p:ph type="sldNum" sz="quarter" idx="10"/>
+          </p:nvPr>
+        </p:nvSpPr>
+        <p:spPr/>
+        <p:txBody>
+          <a:bodyPr/>
+          <a:lstStyle/>
+          <a:p>
+            <a:fld id="{E226A506-95AD-6A4D-8EF1-31DC07EF1D3F}" type="slidenum">
+              <a:rPr lang="en-US" smtClean="0"/>
+              <a:t>13</a:t>
+            </a:fld>
+            <a:endParaRPr lang="en-US"/>
+          </a:p>
+        </p:txBody>
+      </p:sp>
+    </p:spTree>
+    <p:extLst>
+      <p:ext uri="{BB962C8B-B14F-4D97-AF65-F5344CB8AC3E}">
+        <p14:creationId xmlns:p14="http://schemas.microsoft.com/office/powerpoint/2010/main" val="2511433862"/>
+      </p:ext>
+    </p:extLst>
+  </p:cSld>
+  <p:clrMapOvr>
+    <a:masterClrMapping/>
+  </p:clrMapOvr>
+</p:notes>
+</file>
+
+<file path=ppt/notesSlides/notesSlide4.xml><?xml version="1.0" encoding="utf-8"?>
+<p:notes xmlns:a="http://schemas.openxmlformats.org/drawingml/2006/main" xmlns:r="http://schemas.openxmlformats.org/officeDocument/2006/relationships" xmlns:p="http://schemas.openxmlformats.org/presentationml/2006/main">
+  <p:cSld>
+    <p:spTree>
+      <p:nvGrpSpPr>
+        <p:cNvPr id="1" name=""/>
+        <p:cNvGrpSpPr/>
+        <p:nvPr/>
+      </p:nvGrpSpPr>
+      <p:grpSpPr>
+        <a:xfrm>
+          <a:off x="0" y="0"/>
+          <a:ext cx="0" cy="0"/>
+          <a:chOff x="0" y="0"/>
+          <a:chExt cx="0" cy="0"/>
+        </a:xfrm>
+      </p:grpSpPr>
+      <p:sp>
+        <p:nvSpPr>
+          <p:cNvPr id="6" name="Rectangle 7"/>
+          <p:cNvSpPr>
+            <a:spLocks noGrp="1" noChangeArrowheads="1"/>
+          </p:cNvSpPr>
+          <p:nvPr>
+            <p:ph type="sldNum" sz="quarter" idx="5"/>
+          </p:nvPr>
+        </p:nvSpPr>
+        <p:spPr>
+          <a:ln/>
+        </p:spPr>
+        <p:txBody>
+          <a:bodyPr/>
+          <a:lstStyle/>
+          <a:p>
+            <a:fld id="{CA18FE8F-F3F8-344C-AE95-922A8D9DBAE6}" type="slidenum">
+              <a:rPr lang="en-GB"/>
+              <a:pPr/>
+              <a:t>16</a:t>
+            </a:fld>
+            <a:endParaRPr lang="en-GB"/>
+          </a:p>
+        </p:txBody>
+      </p:sp>
+      <p:sp>
+        <p:nvSpPr>
+          <p:cNvPr id="406530" name="Rectangle 2"/>
+          <p:cNvSpPr>
+            <a:spLocks noGrp="1" noRot="1" noChangeAspect="1" noChangeArrowheads="1" noTextEdit="1"/>
+          </p:cNvSpPr>
+          <p:nvPr>
+            <p:ph type="sldImg"/>
+          </p:nvPr>
+        </p:nvSpPr>
+        <p:spPr bwMode="auto">
+          <a:xfrm>
+            <a:off x="1143000" y="685800"/>
+            <a:ext cx="4572000" cy="3429000"/>
+          </a:xfrm>
+          <a:prstGeom prst="rect">
+            <a:avLst/>
+          </a:prstGeom>
+          <a:solidFill>
+            <a:srgbClr val="FFFFFF"/>
+          </a:solidFill>
+          <a:ln>
+            <a:solidFill>
+              <a:srgbClr val="000000"/>
+            </a:solidFill>
+            <a:miter lim="800000"/>
+            <a:headEnd/>
+            <a:tailEnd/>
+          </a:ln>
+          <a:extLst>
+            <a:ext uri="{FAA26D3D-D897-4be2-8F04-BA451C77F1D7}">
+              <ma14:placeholderFlag xmlns:ma14="http://schemas.microsoft.com/office/mac/drawingml/2011/main" val="1"/>
+            </a:ext>
+          </a:extLst>
+        </p:spPr>
+      </p:sp>
+    </p:spTree>
+  </p:cSld>
+  <p:clrMapOvr>
+    <a:masterClrMapping/>
+  </p:clrMapOvr>
+</p:notes>
+</file>
+
+<file path=ppt/notesSlides/notesSlide5.xml><?xml version="1.0" encoding="utf-8"?>
+<p:notes xmlns:a="http://schemas.openxmlformats.org/drawingml/2006/main" xmlns:r="http://schemas.openxmlformats.org/officeDocument/2006/relationships" xmlns:p="http://schemas.openxmlformats.org/presentationml/2006/main">
+  <p:cSld>
+    <p:spTree>
+      <p:nvGrpSpPr>
+        <p:cNvPr id="1" name=""/>
+        <p:cNvGrpSpPr/>
+        <p:nvPr/>
+      </p:nvGrpSpPr>
+      <p:grpSpPr>
+        <a:xfrm>
+          <a:off x="0" y="0"/>
+          <a:ext cx="0" cy="0"/>
+          <a:chOff x="0" y="0"/>
+          <a:chExt cx="0" cy="0"/>
+        </a:xfrm>
+      </p:grpSpPr>
+      <p:sp>
+        <p:nvSpPr>
+          <p:cNvPr id="6" name="Rectangle 7"/>
+          <p:cNvSpPr>
+            <a:spLocks noGrp="1" noChangeArrowheads="1"/>
+          </p:cNvSpPr>
+          <p:nvPr>
+            <p:ph type="sldNum" sz="quarter" idx="5"/>
+          </p:nvPr>
+        </p:nvSpPr>
+        <p:spPr>
+          <a:ln/>
+        </p:spPr>
+        <p:txBody>
+          <a:bodyPr/>
+          <a:lstStyle/>
+          <a:p>
+            <a:fld id="{765C45FD-DEEF-1F46-B0C3-E55AB7241905}" type="slidenum">
+              <a:rPr lang="en-GB"/>
+              <a:pPr/>
+              <a:t>17</a:t>
+            </a:fld>
+            <a:endParaRPr lang="en-GB"/>
+          </a:p>
+        </p:txBody>
+      </p:sp>
+      <p:sp>
+        <p:nvSpPr>
+          <p:cNvPr id="420866" name="Rectangle 2"/>
+          <p:cNvSpPr>
+            <a:spLocks noGrp="1" noRot="1" noChangeAspect="1" noChangeArrowheads="1" noTextEdit="1"/>
+          </p:cNvSpPr>
+          <p:nvPr>
+            <p:ph type="sldImg"/>
+          </p:nvPr>
+        </p:nvSpPr>
+        <p:spPr bwMode="auto">
+          <a:xfrm>
+            <a:off x="1143000" y="685800"/>
+            <a:ext cx="4572000" cy="3429000"/>
+          </a:xfrm>
+          <a:prstGeom prst="rect">
+            <a:avLst/>
+          </a:prstGeom>
+          <a:solidFill>
+            <a:srgbClr val="FFFFFF"/>
+          </a:solidFill>
+          <a:ln>
+            <a:solidFill>
+              <a:srgbClr val="000000"/>
+            </a:solidFill>
+            <a:miter lim="800000"/>
+            <a:headEnd/>
+            <a:tailEnd/>
+          </a:ln>
+          <a:extLst>
+            <a:ext uri="{FAA26D3D-D897-4be2-8F04-BA451C77F1D7}">
+              <ma14:placeholderFlag xmlns:ma14="http://schemas.microsoft.com/office/mac/drawingml/2011/main" val="1"/>
+            </a:ext>
+          </a:extLst>
+        </p:spPr>
+      </p:sp>
+      <p:sp>
+        <p:nvSpPr>
+          <p:cNvPr id="2" name="Notes Placeholder 1"/>
+          <p:cNvSpPr>
+            <a:spLocks noGrp="1"/>
+          </p:cNvSpPr>
+          <p:nvPr>
+            <p:ph type="body" idx="1"/>
+          </p:nvPr>
+        </p:nvSpPr>
+        <p:spPr/>
+        <p:txBody>
+          <a:bodyPr/>
+          <a:lstStyle/>
+          <a:p>
+            <a:r>
+              <a:rPr lang="en-US" dirty="0" smtClean="0"/>
+              <a:t>https://</a:t>
+            </a:r>
+            <a:r>
+              <a:rPr lang="en-US" dirty="0" err="1" smtClean="0"/>
+              <a:t>technet.microsoft.com</a:t>
+            </a:r>
+            <a:r>
+              <a:rPr lang="en-US" dirty="0" smtClean="0"/>
+              <a:t>/en-us/library/dn319078.aspx</a:t>
+            </a:r>
+            <a:endParaRPr lang="en-US" dirty="0"/>
+          </a:p>
+        </p:txBody>
+      </p:sp>
+    </p:spTree>
+  </p:cSld>
+  <p:clrMapOvr>
+    <a:masterClrMapping/>
+  </p:clrMapOvr>
+</p:notes>
+</file>
+
+<file path=ppt/notesSlides/notesSlide6.xml><?xml version="1.0" encoding="utf-8"?>
+<p:notes xmlns:a="http://schemas.openxmlformats.org/drawingml/2006/main" xmlns:r="http://schemas.openxmlformats.org/officeDocument/2006/relationships" xmlns:p="http://schemas.openxmlformats.org/presentationml/2006/main">
+  <p:cSld>
+    <p:spTree>
+      <p:nvGrpSpPr>
+        <p:cNvPr id="1" name=""/>
+        <p:cNvGrpSpPr/>
+        <p:nvPr/>
+      </p:nvGrpSpPr>
+      <p:grpSpPr>
+        <a:xfrm>
+          <a:off x="0" y="0"/>
+          <a:ext cx="0" cy="0"/>
+          <a:chOff x="0" y="0"/>
+          <a:chExt cx="0" cy="0"/>
+        </a:xfrm>
+      </p:grpSpPr>
+      <p:sp>
+        <p:nvSpPr>
+          <p:cNvPr id="2" name="Slide Image Placeholder 1"/>
+          <p:cNvSpPr>
+            <a:spLocks noGrp="1" noRot="1" noChangeAspect="1"/>
+          </p:cNvSpPr>
+          <p:nvPr>
+            <p:ph type="sldImg"/>
+          </p:nvPr>
+        </p:nvSpPr>
+        <p:spPr/>
+      </p:sp>
+      <p:sp>
+        <p:nvSpPr>
+          <p:cNvPr id="3" name="Notes Placeholder 2"/>
+          <p:cNvSpPr>
+            <a:spLocks noGrp="1"/>
+          </p:cNvSpPr>
+          <p:nvPr>
+            <p:ph type="body" idx="1"/>
+          </p:nvPr>
+        </p:nvSpPr>
+        <p:spPr/>
+        <p:txBody>
+          <a:bodyPr/>
+          <a:lstStyle/>
+          <a:p>
+            <a:r>
+              <a:rPr lang="en-US" dirty="0" smtClean="0"/>
+              <a:t>http://</a:t>
+            </a:r>
+            <a:r>
+              <a:rPr lang="en-US" dirty="0" err="1" smtClean="0"/>
+              <a:t>unix.stackexchange.com</a:t>
+            </a:r>
+            <a:r>
+              <a:rPr lang="en-US" dirty="0" smtClean="0"/>
+              <a:t>/questions/49299/what-is-linux-doing-differently-that-allows-me-to-remove-replace-files-where-win</a:t>
+            </a:r>
+          </a:p>
+          <a:p>
+            <a:r>
+              <a:rPr lang="en-US" dirty="0" smtClean="0"/>
+              <a:t>http://</a:t>
+            </a:r>
+            <a:r>
+              <a:rPr lang="en-US" dirty="0" err="1" smtClean="0"/>
+              <a:t>blog.httrack.com</a:t>
+            </a:r>
+            <a:r>
+              <a:rPr lang="en-US" dirty="0" smtClean="0"/>
+              <a:t>/blog/2013/10/05/creating-</a:t>
+            </a:r>
+            <a:r>
+              <a:rPr lang="en-US" dirty="0" err="1" smtClean="0"/>
+              <a:t>deletable</a:t>
+            </a:r>
+            <a:r>
+              <a:rPr lang="en-US" dirty="0" smtClean="0"/>
+              <a:t>-and-movable-files-on-windows/</a:t>
+            </a:r>
+          </a:p>
+          <a:p>
+            <a:endParaRPr lang="en-US" dirty="0" smtClean="0"/>
+          </a:p>
+          <a:p>
+            <a:endParaRPr lang="en-US" dirty="0"/>
+          </a:p>
+        </p:txBody>
+      </p:sp>
+      <p:sp>
+        <p:nvSpPr>
+          <p:cNvPr id="4" name="Slide Number Placeholder 3"/>
+          <p:cNvSpPr>
+            <a:spLocks noGrp="1"/>
+          </p:cNvSpPr>
+          <p:nvPr>
+            <p:ph type="sldNum" sz="quarter" idx="10"/>
+          </p:nvPr>
+        </p:nvSpPr>
+        <p:spPr/>
+        <p:txBody>
+          <a:bodyPr/>
+          <a:lstStyle/>
+          <a:p>
+            <a:fld id="{E226A506-95AD-6A4D-8EF1-31DC07EF1D3F}" type="slidenum">
+              <a:rPr lang="en-US" smtClean="0"/>
+              <a:t>18</a:t>
+            </a:fld>
+            <a:endParaRPr lang="en-US"/>
+          </a:p>
+        </p:txBody>
+      </p:sp>
+    </p:spTree>
+    <p:extLst>
+      <p:ext uri="{BB962C8B-B14F-4D97-AF65-F5344CB8AC3E}">
+        <p14:creationId xmlns:p14="http://schemas.microsoft.com/office/powerpoint/2010/main" val="2735013116"/>
       </p:ext>
     </p:extLst>
   </p:cSld>
@@ -3708,29 +4254,10 @@
         </p:nvSpPr>
         <p:spPr/>
         <p:txBody>
-          <a:bodyPr>
-            <a:normAutofit fontScale="90000"/>
-          </a:bodyPr>
+          <a:bodyPr/>
           <a:lstStyle/>
           <a:p>
-            <a:r>
-              <a:rPr lang="en-US" sz="5400" dirty="0" smtClean="0">
-                <a:latin typeface="Arial Black"/>
-                <a:cs typeface="Arial Black"/>
-              </a:rPr>
-              <a:t> </a:t>
-            </a:r>
-            <a:r>
-              <a:rPr lang="en-US" dirty="0" smtClean="0">
-                <a:latin typeface="Arial Black"/>
-                <a:cs typeface="Arial Black"/>
-              </a:rPr>
-              <a:t>Device Driver Architecture</a:t>
-            </a:r>
-            <a:endParaRPr lang="en-US" dirty="0">
-              <a:latin typeface="Arial Black"/>
-              <a:cs typeface="Arial Black"/>
-            </a:endParaRPr>
+            <a:endParaRPr lang="en-US" dirty="0"/>
           </a:p>
         </p:txBody>
       </p:sp>
@@ -3749,84 +4276,20 @@
           <a:bodyPr/>
           <a:lstStyle/>
           <a:p>
-            <a:pPr marL="285750" indent="-285750" algn="just"/>
-            <a:r>
-              <a:rPr lang="en-US" dirty="0"/>
-              <a:t>Both Windows and Linux support addition of device  driver modules in runtime</a:t>
-            </a:r>
-          </a:p>
-          <a:p>
-            <a:pPr marL="285750" indent="-285750" algn="just"/>
-            <a:r>
-              <a:rPr lang="en-US" dirty="0"/>
-              <a:t>Driver module expose callback routines</a:t>
-            </a:r>
-          </a:p>
-          <a:p>
-            <a:pPr lvl="1" algn="just">
-              <a:buFont typeface="Arial"/>
-              <a:buChar char="•"/>
-            </a:pPr>
-            <a:r>
-              <a:rPr lang="en-US" sz="3200" dirty="0" smtClean="0"/>
-              <a:t>Driver Initialization</a:t>
-            </a:r>
-          </a:p>
-          <a:p>
-            <a:pPr lvl="1" algn="just">
-              <a:buFont typeface="Arial"/>
-              <a:buChar char="•"/>
-            </a:pPr>
-            <a:r>
-              <a:rPr lang="en-US" sz="3200" dirty="0" smtClean="0"/>
-              <a:t>IO functionality</a:t>
-            </a:r>
-          </a:p>
-          <a:p>
-            <a:pPr lvl="1" algn="just">
-              <a:buFont typeface="Arial"/>
-              <a:buChar char="•"/>
-            </a:pPr>
-            <a:r>
-              <a:rPr lang="en-US" sz="3200" dirty="0" smtClean="0"/>
-              <a:t>Device add/remove</a:t>
-            </a:r>
-          </a:p>
-          <a:p>
-            <a:pPr lvl="1" algn="just">
-              <a:buFont typeface="Arial"/>
-              <a:buChar char="•"/>
-            </a:pPr>
-            <a:r>
-              <a:rPr lang="en-US" sz="3200" dirty="0" smtClean="0"/>
-              <a:t>Driver unload</a:t>
-            </a:r>
-          </a:p>
-          <a:p>
-            <a:pPr marL="0" indent="0">
-              <a:buNone/>
-            </a:pPr>
-            <a:endParaRPr lang="en-US" dirty="0"/>
+            <a:endParaRPr lang="en-US"/>
           </a:p>
         </p:txBody>
       </p:sp>
     </p:spTree>
     <p:extLst>
       <p:ext uri="{BB962C8B-B14F-4D97-AF65-F5344CB8AC3E}">
-        <p14:creationId xmlns:p14="http://schemas.microsoft.com/office/powerpoint/2010/main" val="2926970501"/>
+        <p14:creationId xmlns:p14="http://schemas.microsoft.com/office/powerpoint/2010/main" val="971913882"/>
       </p:ext>
     </p:extLst>
   </p:cSld>
   <p:clrMapOvr>
     <a:masterClrMapping/>
   </p:clrMapOvr>
-  <p:timing>
-    <p:tnLst>
-      <p:par>
-        <p:cTn xmlns:p14="http://schemas.microsoft.com/office/powerpoint/2010/main" id="1" dur="indefinite" restart="never" nodeType="tmRoot"/>
-      </p:par>
-    </p:tnLst>
-  </p:timing>
 </p:sld>
 </file>
 
@@ -3859,6 +4322,95 @@
         </p:nvSpPr>
         <p:spPr/>
         <p:txBody>
+          <a:bodyPr/>
+          <a:lstStyle/>
+          <a:p>
+            <a:r>
+              <a:rPr lang="en-US" dirty="0" smtClean="0">
+                <a:latin typeface="Arial Black"/>
+                <a:cs typeface="Arial Black"/>
+              </a:rPr>
+              <a:t>Linux Driver Stack</a:t>
+            </a:r>
+            <a:endParaRPr lang="en-US" dirty="0">
+              <a:latin typeface="Arial Black"/>
+              <a:cs typeface="Arial Black"/>
+            </a:endParaRPr>
+          </a:p>
+        </p:txBody>
+      </p:sp>
+      <p:pic>
+        <p:nvPicPr>
+          <p:cNvPr id="4" name="Picture 3" descr="Screen Shot 2015-04-07 at 8.47.19 PM.png"/>
+          <p:cNvPicPr>
+            <a:picLocks noChangeAspect="1"/>
+          </p:cNvPicPr>
+          <p:nvPr/>
+        </p:nvPicPr>
+        <p:blipFill>
+          <a:blip r:embed="rId2">
+            <a:extLst>
+              <a:ext uri="{28A0092B-C50C-407E-A947-70E740481C1C}">
+                <a14:useLocalDpi xmlns:a14="http://schemas.microsoft.com/office/drawing/2010/main" val="0"/>
+              </a:ext>
+            </a:extLst>
+          </a:blip>
+          <a:stretch>
+            <a:fillRect/>
+          </a:stretch>
+        </p:blipFill>
+        <p:spPr>
+          <a:xfrm>
+            <a:off x="457199" y="1417638"/>
+            <a:ext cx="7946783" cy="4673600"/>
+          </a:xfrm>
+          <a:prstGeom prst="rect">
+            <a:avLst/>
+          </a:prstGeom>
+        </p:spPr>
+      </p:pic>
+    </p:spTree>
+    <p:extLst>
+      <p:ext uri="{BB962C8B-B14F-4D97-AF65-F5344CB8AC3E}">
+        <p14:creationId xmlns:p14="http://schemas.microsoft.com/office/powerpoint/2010/main" val="513198885"/>
+      </p:ext>
+    </p:extLst>
+  </p:cSld>
+  <p:clrMapOvr>
+    <a:masterClrMapping/>
+  </p:clrMapOvr>
+</p:sld>
+</file>
+
+<file path=ppt/slides/slide11.xml><?xml version="1.0" encoding="utf-8"?>
+<p:sld xmlns:a="http://schemas.openxmlformats.org/drawingml/2006/main" xmlns:r="http://schemas.openxmlformats.org/officeDocument/2006/relationships" xmlns:p="http://schemas.openxmlformats.org/presentationml/2006/main">
+  <p:cSld>
+    <p:spTree>
+      <p:nvGrpSpPr>
+        <p:cNvPr id="1" name=""/>
+        <p:cNvGrpSpPr/>
+        <p:nvPr/>
+      </p:nvGrpSpPr>
+      <p:grpSpPr>
+        <a:xfrm>
+          <a:off x="0" y="0"/>
+          <a:ext cx="0" cy="0"/>
+          <a:chOff x="0" y="0"/>
+          <a:chExt cx="0" cy="0"/>
+        </a:xfrm>
+      </p:grpSpPr>
+      <p:sp>
+        <p:nvSpPr>
+          <p:cNvPr id="2" name="Title 1"/>
+          <p:cNvSpPr>
+            <a:spLocks noGrp="1"/>
+          </p:cNvSpPr>
+          <p:nvPr>
+            <p:ph type="title"/>
+          </p:nvPr>
+        </p:nvSpPr>
+        <p:spPr/>
+        <p:txBody>
           <a:bodyPr>
             <a:normAutofit fontScale="90000"/>
           </a:bodyPr>
@@ -4040,6 +4592,5639 @@
   <p:clrMapOvr>
     <a:masterClrMapping/>
   </p:clrMapOvr>
+</p:sld>
+</file>
+
+<file path=ppt/slides/slide12.xml><?xml version="1.0" encoding="utf-8"?>
+<p:sld xmlns:a="http://schemas.openxmlformats.org/drawingml/2006/main" xmlns:r="http://schemas.openxmlformats.org/officeDocument/2006/relationships" xmlns:p="http://schemas.openxmlformats.org/presentationml/2006/main">
+  <p:cSld>
+    <p:spTree>
+      <p:nvGrpSpPr>
+        <p:cNvPr id="1" name=""/>
+        <p:cNvGrpSpPr/>
+        <p:nvPr/>
+      </p:nvGrpSpPr>
+      <p:grpSpPr>
+        <a:xfrm>
+          <a:off x="0" y="0"/>
+          <a:ext cx="0" cy="0"/>
+          <a:chOff x="0" y="0"/>
+          <a:chExt cx="0" cy="0"/>
+        </a:xfrm>
+      </p:grpSpPr>
+      <p:sp>
+        <p:nvSpPr>
+          <p:cNvPr id="2" name="Title 1"/>
+          <p:cNvSpPr>
+            <a:spLocks noGrp="1"/>
+          </p:cNvSpPr>
+          <p:nvPr>
+            <p:ph type="title"/>
+          </p:nvPr>
+        </p:nvSpPr>
+        <p:spPr/>
+        <p:txBody>
+          <a:bodyPr/>
+          <a:lstStyle/>
+          <a:p>
+            <a:r>
+              <a:rPr lang="en-US" dirty="0" smtClean="0"/>
+              <a:t>Process Management</a:t>
+            </a:r>
+            <a:endParaRPr lang="en-US" dirty="0"/>
+          </a:p>
+        </p:txBody>
+      </p:sp>
+      <p:sp>
+        <p:nvSpPr>
+          <p:cNvPr id="3" name="Content Placeholder 2"/>
+          <p:cNvSpPr>
+            <a:spLocks noGrp="1"/>
+          </p:cNvSpPr>
+          <p:nvPr>
+            <p:ph idx="1"/>
+          </p:nvPr>
+        </p:nvSpPr>
+        <p:spPr/>
+        <p:txBody>
+          <a:bodyPr>
+            <a:normAutofit fontScale="55000" lnSpcReduction="20000"/>
+          </a:bodyPr>
+          <a:lstStyle/>
+          <a:p>
+            <a:r>
+              <a:rPr lang="en-US" dirty="0" smtClean="0"/>
+              <a:t>DLL </a:t>
+            </a:r>
+            <a:r>
+              <a:rPr lang="en-US" dirty="0" err="1" smtClean="0"/>
+              <a:t>Vs</a:t>
+            </a:r>
+            <a:r>
+              <a:rPr lang="en-US" dirty="0" smtClean="0"/>
+              <a:t> Shared libraries</a:t>
+            </a:r>
+          </a:p>
+          <a:p>
+            <a:pPr lvl="1"/>
+            <a:r>
+              <a:rPr lang="en-US" dirty="0" smtClean="0"/>
+              <a:t>linked to load at particular address in memory.</a:t>
+            </a:r>
+          </a:p>
+          <a:p>
+            <a:pPr lvl="1"/>
+            <a:r>
+              <a:rPr lang="en-US" dirty="0" smtClean="0"/>
+              <a:t>Shared libraries are compiled to use position independent code. </a:t>
+            </a:r>
+          </a:p>
+          <a:p>
+            <a:pPr lvl="1"/>
+            <a:r>
+              <a:rPr lang="en-US" dirty="0" smtClean="0"/>
+              <a:t>Faster startup speed. but slower runtime speed. </a:t>
+            </a:r>
+          </a:p>
+          <a:p>
+            <a:pPr lvl="1"/>
+            <a:r>
+              <a:rPr lang="en-US" dirty="0" smtClean="0"/>
+              <a:t>Lazy binding of functions in shared library.</a:t>
+            </a:r>
+          </a:p>
+          <a:p>
+            <a:r>
+              <a:rPr lang="en-US" dirty="0" smtClean="0"/>
+              <a:t>Efficient process creation </a:t>
+            </a:r>
+            <a:r>
+              <a:rPr lang="en-US" dirty="0" err="1" smtClean="0"/>
+              <a:t>Vs</a:t>
+            </a:r>
+            <a:r>
+              <a:rPr lang="en-US" dirty="0" smtClean="0"/>
+              <a:t> Efficient thread creation</a:t>
+            </a:r>
+          </a:p>
+          <a:p>
+            <a:pPr lvl="1"/>
+            <a:r>
+              <a:rPr lang="en-US" dirty="0" smtClean="0"/>
+              <a:t>fork() </a:t>
+            </a:r>
+            <a:r>
+              <a:rPr lang="en-US" dirty="0" err="1" smtClean="0"/>
+              <a:t>vs</a:t>
+            </a:r>
+            <a:r>
+              <a:rPr lang="en-US" dirty="0" smtClean="0"/>
+              <a:t> </a:t>
+            </a:r>
+            <a:r>
+              <a:rPr lang="en-US" dirty="0" err="1" smtClean="0"/>
+              <a:t>createProcess</a:t>
+            </a:r>
+            <a:r>
+              <a:rPr lang="en-US" dirty="0" smtClean="0"/>
+              <a:t>()</a:t>
+            </a:r>
+          </a:p>
+          <a:p>
+            <a:pPr lvl="1"/>
+            <a:r>
+              <a:rPr lang="en-US" dirty="0" err="1" smtClean="0"/>
+              <a:t>multiprocess</a:t>
+            </a:r>
+            <a:r>
+              <a:rPr lang="en-US" dirty="0" smtClean="0"/>
+              <a:t> applications translate to multithreaded in windows. </a:t>
+            </a:r>
+          </a:p>
+          <a:p>
+            <a:pPr lvl="1"/>
+            <a:r>
+              <a:rPr lang="en-US" dirty="0" smtClean="0"/>
+              <a:t>No inherent parent/child relationship.</a:t>
+            </a:r>
+          </a:p>
+          <a:p>
+            <a:r>
+              <a:rPr lang="en-US" dirty="0" smtClean="0"/>
+              <a:t>OOM Killer! : Low memory situations.</a:t>
+            </a:r>
+          </a:p>
+          <a:p>
+            <a:pPr lvl="1"/>
+            <a:r>
+              <a:rPr lang="en-US" dirty="0" smtClean="0"/>
+              <a:t>Windows has no Out of Memory Killer. </a:t>
+            </a:r>
+          </a:p>
+          <a:p>
+            <a:r>
+              <a:rPr lang="en-US" dirty="0" smtClean="0"/>
+              <a:t>Daemon </a:t>
+            </a:r>
+            <a:r>
+              <a:rPr lang="en-US" dirty="0" err="1" smtClean="0"/>
+              <a:t>Vs</a:t>
+            </a:r>
+            <a:r>
+              <a:rPr lang="en-US" dirty="0" smtClean="0"/>
+              <a:t> Services </a:t>
+            </a:r>
+          </a:p>
+          <a:p>
+            <a:pPr lvl="1"/>
+            <a:r>
+              <a:rPr lang="en-US" dirty="0" smtClean="0"/>
+              <a:t>Unix : Daemons </a:t>
+            </a:r>
+          </a:p>
+          <a:p>
+            <a:pPr lvl="2"/>
+            <a:r>
+              <a:rPr lang="en-US" dirty="0" smtClean="0"/>
+              <a:t>A daemon is a process that detaches itself from the terminal and runs disconnected in the background, waiting for requests and responding to them. </a:t>
+            </a:r>
+          </a:p>
+          <a:p>
+            <a:pPr lvl="1"/>
+            <a:r>
+              <a:rPr lang="en-US" dirty="0" smtClean="0"/>
+              <a:t>Windows : Services : </a:t>
+            </a:r>
+          </a:p>
+          <a:p>
+            <a:pPr lvl="2"/>
+            <a:r>
+              <a:rPr lang="en-US" dirty="0" smtClean="0"/>
+              <a:t>A service is a special type of application that is available on Windows and runs in the background with special privileges.</a:t>
+            </a:r>
+            <a:endParaRPr lang="en-US" dirty="0"/>
+          </a:p>
+        </p:txBody>
+      </p:sp>
+    </p:spTree>
+    <p:extLst>
+      <p:ext uri="{BB962C8B-B14F-4D97-AF65-F5344CB8AC3E}">
+        <p14:creationId xmlns:p14="http://schemas.microsoft.com/office/powerpoint/2010/main" val="1682959650"/>
+      </p:ext>
+    </p:extLst>
+  </p:cSld>
+  <p:clrMapOvr>
+    <a:masterClrMapping/>
+  </p:clrMapOvr>
+  <p:timing>
+    <p:tnLst>
+      <p:par>
+        <p:cTn xmlns:p14="http://schemas.microsoft.com/office/powerpoint/2010/main" id="1" dur="indefinite" restart="never" nodeType="tmRoot">
+          <p:childTnLst>
+            <p:seq concurrent="1" nextAc="seek">
+              <p:cTn id="2" dur="indefinite" nodeType="mainSeq">
+                <p:childTnLst>
+                  <p:par>
+                    <p:cTn id="3" fill="hold">
+                      <p:stCondLst>
+                        <p:cond delay="indefinite"/>
+                      </p:stCondLst>
+                      <p:childTnLst>
+                        <p:par>
+                          <p:cTn id="4" fill="hold">
+                            <p:stCondLst>
+                              <p:cond delay="0"/>
+                            </p:stCondLst>
+                            <p:childTnLst>
+                              <p:par>
+                                <p:cTn id="5" presetID="1" presetClass="entr" presetSubtype="0" fill="hold" grpId="0" nodeType="clickEffect">
+                                  <p:stCondLst>
+                                    <p:cond delay="0"/>
+                                  </p:stCondLst>
+                                  <p:childTnLst>
+                                    <p:set>
+                                      <p:cBhvr>
+                                        <p:cTn id="6" dur="1" fill="hold">
+                                          <p:stCondLst>
+                                            <p:cond delay="0"/>
+                                          </p:stCondLst>
+                                        </p:cTn>
+                                        <p:tgtEl>
+                                          <p:spTgt spid="3">
+                                            <p:txEl>
+                                              <p:pRg st="0" end="0"/>
+                                            </p:txEl>
+                                          </p:spTgt>
+                                        </p:tgtEl>
+                                        <p:attrNameLst>
+                                          <p:attrName>style.visibility</p:attrName>
+                                        </p:attrNameLst>
+                                      </p:cBhvr>
+                                      <p:to>
+                                        <p:strVal val="visible"/>
+                                      </p:to>
+                                    </p:set>
+                                  </p:childTnLst>
+                                </p:cTn>
+                              </p:par>
+                              <p:par>
+                                <p:cTn id="7" presetID="1" presetClass="entr" presetSubtype="0" fill="hold" grpId="0" nodeType="withEffect">
+                                  <p:stCondLst>
+                                    <p:cond delay="0"/>
+                                  </p:stCondLst>
+                                  <p:childTnLst>
+                                    <p:set>
+                                      <p:cBhvr>
+                                        <p:cTn id="8" dur="1" fill="hold">
+                                          <p:stCondLst>
+                                            <p:cond delay="0"/>
+                                          </p:stCondLst>
+                                        </p:cTn>
+                                        <p:tgtEl>
+                                          <p:spTgt spid="3">
+                                            <p:txEl>
+                                              <p:pRg st="1" end="1"/>
+                                            </p:txEl>
+                                          </p:spTgt>
+                                        </p:tgtEl>
+                                        <p:attrNameLst>
+                                          <p:attrName>style.visibility</p:attrName>
+                                        </p:attrNameLst>
+                                      </p:cBhvr>
+                                      <p:to>
+                                        <p:strVal val="visible"/>
+                                      </p:to>
+                                    </p:set>
+                                  </p:childTnLst>
+                                </p:cTn>
+                              </p:par>
+                              <p:par>
+                                <p:cTn id="9" presetID="1" presetClass="entr" presetSubtype="0" fill="hold" grpId="0" nodeType="withEffect">
+                                  <p:stCondLst>
+                                    <p:cond delay="0"/>
+                                  </p:stCondLst>
+                                  <p:childTnLst>
+                                    <p:set>
+                                      <p:cBhvr>
+                                        <p:cTn id="10" dur="1" fill="hold">
+                                          <p:stCondLst>
+                                            <p:cond delay="0"/>
+                                          </p:stCondLst>
+                                        </p:cTn>
+                                        <p:tgtEl>
+                                          <p:spTgt spid="3">
+                                            <p:txEl>
+                                              <p:pRg st="2" end="2"/>
+                                            </p:txEl>
+                                          </p:spTgt>
+                                        </p:tgtEl>
+                                        <p:attrNameLst>
+                                          <p:attrName>style.visibility</p:attrName>
+                                        </p:attrNameLst>
+                                      </p:cBhvr>
+                                      <p:to>
+                                        <p:strVal val="visible"/>
+                                      </p:to>
+                                    </p:set>
+                                  </p:childTnLst>
+                                </p:cTn>
+                              </p:par>
+                              <p:par>
+                                <p:cTn id="11" presetID="1" presetClass="entr" presetSubtype="0" fill="hold" grpId="0" nodeType="withEffect">
+                                  <p:stCondLst>
+                                    <p:cond delay="0"/>
+                                  </p:stCondLst>
+                                  <p:childTnLst>
+                                    <p:set>
+                                      <p:cBhvr>
+                                        <p:cTn id="12" dur="1" fill="hold">
+                                          <p:stCondLst>
+                                            <p:cond delay="0"/>
+                                          </p:stCondLst>
+                                        </p:cTn>
+                                        <p:tgtEl>
+                                          <p:spTgt spid="3">
+                                            <p:txEl>
+                                              <p:pRg st="3" end="3"/>
+                                            </p:txEl>
+                                          </p:spTgt>
+                                        </p:tgtEl>
+                                        <p:attrNameLst>
+                                          <p:attrName>style.visibility</p:attrName>
+                                        </p:attrNameLst>
+                                      </p:cBhvr>
+                                      <p:to>
+                                        <p:strVal val="visible"/>
+                                      </p:to>
+                                    </p:set>
+                                  </p:childTnLst>
+                                </p:cTn>
+                              </p:par>
+                              <p:par>
+                                <p:cTn id="13" presetID="1" presetClass="entr" presetSubtype="0" fill="hold" grpId="0" nodeType="withEffect">
+                                  <p:stCondLst>
+                                    <p:cond delay="0"/>
+                                  </p:stCondLst>
+                                  <p:childTnLst>
+                                    <p:set>
+                                      <p:cBhvr>
+                                        <p:cTn id="14" dur="1" fill="hold">
+                                          <p:stCondLst>
+                                            <p:cond delay="0"/>
+                                          </p:stCondLst>
+                                        </p:cTn>
+                                        <p:tgtEl>
+                                          <p:spTgt spid="3">
+                                            <p:txEl>
+                                              <p:pRg st="4" end="4"/>
+                                            </p:txEl>
+                                          </p:spTgt>
+                                        </p:tgtEl>
+                                        <p:attrNameLst>
+                                          <p:attrName>style.visibility</p:attrName>
+                                        </p:attrNameLst>
+                                      </p:cBhvr>
+                                      <p:to>
+                                        <p:strVal val="visible"/>
+                                      </p:to>
+                                    </p:set>
+                                  </p:childTnLst>
+                                </p:cTn>
+                              </p:par>
+                            </p:childTnLst>
+                          </p:cTn>
+                        </p:par>
+                      </p:childTnLst>
+                    </p:cTn>
+                  </p:par>
+                  <p:par>
+                    <p:cTn id="15" fill="hold">
+                      <p:stCondLst>
+                        <p:cond delay="indefinite"/>
+                      </p:stCondLst>
+                      <p:childTnLst>
+                        <p:par>
+                          <p:cTn id="16" fill="hold">
+                            <p:stCondLst>
+                              <p:cond delay="0"/>
+                            </p:stCondLst>
+                            <p:childTnLst>
+                              <p:par>
+                                <p:cTn id="17" presetID="1" presetClass="entr" presetSubtype="0" fill="hold" grpId="0" nodeType="clickEffect">
+                                  <p:stCondLst>
+                                    <p:cond delay="0"/>
+                                  </p:stCondLst>
+                                  <p:childTnLst>
+                                    <p:set>
+                                      <p:cBhvr>
+                                        <p:cTn id="18" dur="1" fill="hold">
+                                          <p:stCondLst>
+                                            <p:cond delay="0"/>
+                                          </p:stCondLst>
+                                        </p:cTn>
+                                        <p:tgtEl>
+                                          <p:spTgt spid="3">
+                                            <p:txEl>
+                                              <p:pRg st="5" end="5"/>
+                                            </p:txEl>
+                                          </p:spTgt>
+                                        </p:tgtEl>
+                                        <p:attrNameLst>
+                                          <p:attrName>style.visibility</p:attrName>
+                                        </p:attrNameLst>
+                                      </p:cBhvr>
+                                      <p:to>
+                                        <p:strVal val="visible"/>
+                                      </p:to>
+                                    </p:set>
+                                  </p:childTnLst>
+                                </p:cTn>
+                              </p:par>
+                              <p:par>
+                                <p:cTn id="19" presetID="1" presetClass="entr" presetSubtype="0" fill="hold" grpId="0" nodeType="withEffect">
+                                  <p:stCondLst>
+                                    <p:cond delay="0"/>
+                                  </p:stCondLst>
+                                  <p:childTnLst>
+                                    <p:set>
+                                      <p:cBhvr>
+                                        <p:cTn id="20" dur="1" fill="hold">
+                                          <p:stCondLst>
+                                            <p:cond delay="0"/>
+                                          </p:stCondLst>
+                                        </p:cTn>
+                                        <p:tgtEl>
+                                          <p:spTgt spid="3">
+                                            <p:txEl>
+                                              <p:pRg st="6" end="6"/>
+                                            </p:txEl>
+                                          </p:spTgt>
+                                        </p:tgtEl>
+                                        <p:attrNameLst>
+                                          <p:attrName>style.visibility</p:attrName>
+                                        </p:attrNameLst>
+                                      </p:cBhvr>
+                                      <p:to>
+                                        <p:strVal val="visible"/>
+                                      </p:to>
+                                    </p:set>
+                                  </p:childTnLst>
+                                </p:cTn>
+                              </p:par>
+                              <p:par>
+                                <p:cTn id="21" presetID="1" presetClass="entr" presetSubtype="0" fill="hold" grpId="0" nodeType="withEffect">
+                                  <p:stCondLst>
+                                    <p:cond delay="0"/>
+                                  </p:stCondLst>
+                                  <p:childTnLst>
+                                    <p:set>
+                                      <p:cBhvr>
+                                        <p:cTn id="22" dur="1" fill="hold">
+                                          <p:stCondLst>
+                                            <p:cond delay="0"/>
+                                          </p:stCondLst>
+                                        </p:cTn>
+                                        <p:tgtEl>
+                                          <p:spTgt spid="3">
+                                            <p:txEl>
+                                              <p:pRg st="7" end="7"/>
+                                            </p:txEl>
+                                          </p:spTgt>
+                                        </p:tgtEl>
+                                        <p:attrNameLst>
+                                          <p:attrName>style.visibility</p:attrName>
+                                        </p:attrNameLst>
+                                      </p:cBhvr>
+                                      <p:to>
+                                        <p:strVal val="visible"/>
+                                      </p:to>
+                                    </p:set>
+                                  </p:childTnLst>
+                                </p:cTn>
+                              </p:par>
+                              <p:par>
+                                <p:cTn id="23" presetID="1" presetClass="entr" presetSubtype="0" fill="hold" grpId="0" nodeType="withEffect">
+                                  <p:stCondLst>
+                                    <p:cond delay="0"/>
+                                  </p:stCondLst>
+                                  <p:childTnLst>
+                                    <p:set>
+                                      <p:cBhvr>
+                                        <p:cTn id="24" dur="1" fill="hold">
+                                          <p:stCondLst>
+                                            <p:cond delay="0"/>
+                                          </p:stCondLst>
+                                        </p:cTn>
+                                        <p:tgtEl>
+                                          <p:spTgt spid="3">
+                                            <p:txEl>
+                                              <p:pRg st="8" end="8"/>
+                                            </p:txEl>
+                                          </p:spTgt>
+                                        </p:tgtEl>
+                                        <p:attrNameLst>
+                                          <p:attrName>style.visibility</p:attrName>
+                                        </p:attrNameLst>
+                                      </p:cBhvr>
+                                      <p:to>
+                                        <p:strVal val="visible"/>
+                                      </p:to>
+                                    </p:set>
+                                  </p:childTnLst>
+                                </p:cTn>
+                              </p:par>
+                            </p:childTnLst>
+                          </p:cTn>
+                        </p:par>
+                      </p:childTnLst>
+                    </p:cTn>
+                  </p:par>
+                  <p:par>
+                    <p:cTn id="25" fill="hold">
+                      <p:stCondLst>
+                        <p:cond delay="indefinite"/>
+                      </p:stCondLst>
+                      <p:childTnLst>
+                        <p:par>
+                          <p:cTn id="26" fill="hold">
+                            <p:stCondLst>
+                              <p:cond delay="0"/>
+                            </p:stCondLst>
+                            <p:childTnLst>
+                              <p:par>
+                                <p:cTn id="27" presetID="1" presetClass="entr" presetSubtype="0" fill="hold" grpId="0" nodeType="clickEffect">
+                                  <p:stCondLst>
+                                    <p:cond delay="0"/>
+                                  </p:stCondLst>
+                                  <p:childTnLst>
+                                    <p:set>
+                                      <p:cBhvr>
+                                        <p:cTn id="28" dur="1" fill="hold">
+                                          <p:stCondLst>
+                                            <p:cond delay="0"/>
+                                          </p:stCondLst>
+                                        </p:cTn>
+                                        <p:tgtEl>
+                                          <p:spTgt spid="3">
+                                            <p:txEl>
+                                              <p:pRg st="9" end="9"/>
+                                            </p:txEl>
+                                          </p:spTgt>
+                                        </p:tgtEl>
+                                        <p:attrNameLst>
+                                          <p:attrName>style.visibility</p:attrName>
+                                        </p:attrNameLst>
+                                      </p:cBhvr>
+                                      <p:to>
+                                        <p:strVal val="visible"/>
+                                      </p:to>
+                                    </p:set>
+                                  </p:childTnLst>
+                                </p:cTn>
+                              </p:par>
+                              <p:par>
+                                <p:cTn id="29" presetID="1" presetClass="entr" presetSubtype="0" fill="hold" grpId="0" nodeType="withEffect">
+                                  <p:stCondLst>
+                                    <p:cond delay="0"/>
+                                  </p:stCondLst>
+                                  <p:childTnLst>
+                                    <p:set>
+                                      <p:cBhvr>
+                                        <p:cTn id="30" dur="1" fill="hold">
+                                          <p:stCondLst>
+                                            <p:cond delay="0"/>
+                                          </p:stCondLst>
+                                        </p:cTn>
+                                        <p:tgtEl>
+                                          <p:spTgt spid="3">
+                                            <p:txEl>
+                                              <p:pRg st="10" end="10"/>
+                                            </p:txEl>
+                                          </p:spTgt>
+                                        </p:tgtEl>
+                                        <p:attrNameLst>
+                                          <p:attrName>style.visibility</p:attrName>
+                                        </p:attrNameLst>
+                                      </p:cBhvr>
+                                      <p:to>
+                                        <p:strVal val="visible"/>
+                                      </p:to>
+                                    </p:set>
+                                  </p:childTnLst>
+                                </p:cTn>
+                              </p:par>
+                            </p:childTnLst>
+                          </p:cTn>
+                        </p:par>
+                      </p:childTnLst>
+                    </p:cTn>
+                  </p:par>
+                  <p:par>
+                    <p:cTn id="31" fill="hold">
+                      <p:stCondLst>
+                        <p:cond delay="indefinite"/>
+                      </p:stCondLst>
+                      <p:childTnLst>
+                        <p:par>
+                          <p:cTn id="32" fill="hold">
+                            <p:stCondLst>
+                              <p:cond delay="0"/>
+                            </p:stCondLst>
+                            <p:childTnLst>
+                              <p:par>
+                                <p:cTn id="33" presetID="1" presetClass="entr" presetSubtype="0" fill="hold" grpId="0" nodeType="clickEffect">
+                                  <p:stCondLst>
+                                    <p:cond delay="0"/>
+                                  </p:stCondLst>
+                                  <p:childTnLst>
+                                    <p:set>
+                                      <p:cBhvr>
+                                        <p:cTn id="34" dur="1" fill="hold">
+                                          <p:stCondLst>
+                                            <p:cond delay="0"/>
+                                          </p:stCondLst>
+                                        </p:cTn>
+                                        <p:tgtEl>
+                                          <p:spTgt spid="3">
+                                            <p:txEl>
+                                              <p:pRg st="11" end="11"/>
+                                            </p:txEl>
+                                          </p:spTgt>
+                                        </p:tgtEl>
+                                        <p:attrNameLst>
+                                          <p:attrName>style.visibility</p:attrName>
+                                        </p:attrNameLst>
+                                      </p:cBhvr>
+                                      <p:to>
+                                        <p:strVal val="visible"/>
+                                      </p:to>
+                                    </p:set>
+                                  </p:childTnLst>
+                                </p:cTn>
+                              </p:par>
+                              <p:par>
+                                <p:cTn id="35" presetID="1" presetClass="entr" presetSubtype="0" fill="hold" grpId="0" nodeType="withEffect">
+                                  <p:stCondLst>
+                                    <p:cond delay="0"/>
+                                  </p:stCondLst>
+                                  <p:childTnLst>
+                                    <p:set>
+                                      <p:cBhvr>
+                                        <p:cTn id="36" dur="1" fill="hold">
+                                          <p:stCondLst>
+                                            <p:cond delay="0"/>
+                                          </p:stCondLst>
+                                        </p:cTn>
+                                        <p:tgtEl>
+                                          <p:spTgt spid="3">
+                                            <p:txEl>
+                                              <p:pRg st="12" end="12"/>
+                                            </p:txEl>
+                                          </p:spTgt>
+                                        </p:tgtEl>
+                                        <p:attrNameLst>
+                                          <p:attrName>style.visibility</p:attrName>
+                                        </p:attrNameLst>
+                                      </p:cBhvr>
+                                      <p:to>
+                                        <p:strVal val="visible"/>
+                                      </p:to>
+                                    </p:set>
+                                  </p:childTnLst>
+                                </p:cTn>
+                              </p:par>
+                              <p:par>
+                                <p:cTn id="37" presetID="1" presetClass="entr" presetSubtype="0" fill="hold" grpId="0" nodeType="withEffect">
+                                  <p:stCondLst>
+                                    <p:cond delay="0"/>
+                                  </p:stCondLst>
+                                  <p:childTnLst>
+                                    <p:set>
+                                      <p:cBhvr>
+                                        <p:cTn id="38" dur="1" fill="hold">
+                                          <p:stCondLst>
+                                            <p:cond delay="0"/>
+                                          </p:stCondLst>
+                                        </p:cTn>
+                                        <p:tgtEl>
+                                          <p:spTgt spid="3">
+                                            <p:txEl>
+                                              <p:pRg st="13" end="13"/>
+                                            </p:txEl>
+                                          </p:spTgt>
+                                        </p:tgtEl>
+                                        <p:attrNameLst>
+                                          <p:attrName>style.visibility</p:attrName>
+                                        </p:attrNameLst>
+                                      </p:cBhvr>
+                                      <p:to>
+                                        <p:strVal val="visible"/>
+                                      </p:to>
+                                    </p:set>
+                                  </p:childTnLst>
+                                </p:cTn>
+                              </p:par>
+                              <p:par>
+                                <p:cTn id="39" presetID="1" presetClass="entr" presetSubtype="0" fill="hold" grpId="0" nodeType="withEffect">
+                                  <p:stCondLst>
+                                    <p:cond delay="0"/>
+                                  </p:stCondLst>
+                                  <p:childTnLst>
+                                    <p:set>
+                                      <p:cBhvr>
+                                        <p:cTn id="40" dur="1" fill="hold">
+                                          <p:stCondLst>
+                                            <p:cond delay="0"/>
+                                          </p:stCondLst>
+                                        </p:cTn>
+                                        <p:tgtEl>
+                                          <p:spTgt spid="3">
+                                            <p:txEl>
+                                              <p:pRg st="14" end="14"/>
+                                            </p:txEl>
+                                          </p:spTgt>
+                                        </p:tgtEl>
+                                        <p:attrNameLst>
+                                          <p:attrName>style.visibility</p:attrName>
+                                        </p:attrNameLst>
+                                      </p:cBhvr>
+                                      <p:to>
+                                        <p:strVal val="visible"/>
+                                      </p:to>
+                                    </p:set>
+                                  </p:childTnLst>
+                                </p:cTn>
+                              </p:par>
+                              <p:par>
+                                <p:cTn id="41" presetID="1" presetClass="entr" presetSubtype="0" fill="hold" grpId="0" nodeType="withEffect">
+                                  <p:stCondLst>
+                                    <p:cond delay="0"/>
+                                  </p:stCondLst>
+                                  <p:childTnLst>
+                                    <p:set>
+                                      <p:cBhvr>
+                                        <p:cTn id="42" dur="1" fill="hold">
+                                          <p:stCondLst>
+                                            <p:cond delay="0"/>
+                                          </p:stCondLst>
+                                        </p:cTn>
+                                        <p:tgtEl>
+                                          <p:spTgt spid="3">
+                                            <p:txEl>
+                                              <p:pRg st="15" end="15"/>
+                                            </p:txEl>
+                                          </p:spTgt>
+                                        </p:tgtEl>
+                                        <p:attrNameLst>
+                                          <p:attrName>style.visibility</p:attrName>
+                                        </p:attrNameLst>
+                                      </p:cBhvr>
+                                      <p:to>
+                                        <p:strVal val="visible"/>
+                                      </p:to>
+                                    </p:set>
+                                  </p:childTnLst>
+                                </p:cTn>
+                              </p:par>
+                            </p:childTnLst>
+                          </p:cTn>
+                        </p:par>
+                      </p:childTnLst>
+                    </p:cTn>
+                  </p:par>
+                </p:childTnLst>
+              </p:cTn>
+              <p:prevCondLst>
+                <p:cond evt="onPrev" delay="0">
+                  <p:tgtEl>
+                    <p:sldTgt/>
+                  </p:tgtEl>
+                </p:cond>
+              </p:prevCondLst>
+              <p:nextCondLst>
+                <p:cond evt="onNext" delay="0">
+                  <p:tgtEl>
+                    <p:sldTgt/>
+                  </p:tgtEl>
+                </p:cond>
+              </p:nextCondLst>
+            </p:seq>
+          </p:childTnLst>
+        </p:cTn>
+      </p:par>
+    </p:tnLst>
+    <p:bldLst>
+      <p:bldP spid="3" grpId="0" build="p"/>
+    </p:bldLst>
+  </p:timing>
+</p:sld>
+</file>
+
+<file path=ppt/slides/slide13.xml><?xml version="1.0" encoding="utf-8"?>
+<p:sld xmlns:a="http://schemas.openxmlformats.org/drawingml/2006/main" xmlns:r="http://schemas.openxmlformats.org/officeDocument/2006/relationships" xmlns:p="http://schemas.openxmlformats.org/presentationml/2006/main">
+  <p:cSld>
+    <p:spTree>
+      <p:nvGrpSpPr>
+        <p:cNvPr id="1" name=""/>
+        <p:cNvGrpSpPr/>
+        <p:nvPr/>
+      </p:nvGrpSpPr>
+      <p:grpSpPr>
+        <a:xfrm>
+          <a:off x="0" y="0"/>
+          <a:ext cx="0" cy="0"/>
+          <a:chOff x="0" y="0"/>
+          <a:chExt cx="0" cy="0"/>
+        </a:xfrm>
+      </p:grpSpPr>
+      <p:sp>
+        <p:nvSpPr>
+          <p:cNvPr id="2" name="Title 1"/>
+          <p:cNvSpPr>
+            <a:spLocks noGrp="1"/>
+          </p:cNvSpPr>
+          <p:nvPr>
+            <p:ph type="title"/>
+          </p:nvPr>
+        </p:nvSpPr>
+        <p:spPr/>
+        <p:txBody>
+          <a:bodyPr/>
+          <a:lstStyle/>
+          <a:p>
+            <a:r>
+              <a:rPr lang="en-US" dirty="0" smtClean="0"/>
+              <a:t>Process Management (</a:t>
+            </a:r>
+            <a:r>
+              <a:rPr lang="en-US" dirty="0" err="1" smtClean="0"/>
+              <a:t>Cont</a:t>
+            </a:r>
+            <a:r>
+              <a:rPr lang="en-US" dirty="0" smtClean="0"/>
+              <a:t>)</a:t>
+            </a:r>
+            <a:endParaRPr lang="en-US" dirty="0"/>
+          </a:p>
+        </p:txBody>
+      </p:sp>
+      <p:sp>
+        <p:nvSpPr>
+          <p:cNvPr id="3" name="Content Placeholder 2"/>
+          <p:cNvSpPr>
+            <a:spLocks noGrp="1"/>
+          </p:cNvSpPr>
+          <p:nvPr>
+            <p:ph idx="1"/>
+          </p:nvPr>
+        </p:nvSpPr>
+        <p:spPr/>
+        <p:txBody>
+          <a:bodyPr>
+            <a:normAutofit fontScale="77500" lnSpcReduction="20000"/>
+          </a:bodyPr>
+          <a:lstStyle/>
+          <a:p>
+            <a:r>
+              <a:rPr lang="en-US" sz="2500" dirty="0"/>
+              <a:t>Windows</a:t>
+            </a:r>
+          </a:p>
+          <a:p>
+            <a:pPr lvl="1"/>
+            <a:r>
+              <a:rPr lang="en-US" sz="2500" dirty="0"/>
+              <a:t>Two scheduling classes</a:t>
+            </a:r>
+          </a:p>
+          <a:p>
+            <a:pPr lvl="2"/>
+            <a:r>
+              <a:rPr lang="en-US" sz="2500" dirty="0"/>
+              <a:t>“Real time” (fixed) - priority 16-31</a:t>
+            </a:r>
+          </a:p>
+          <a:p>
+            <a:pPr lvl="2"/>
+            <a:r>
+              <a:rPr lang="en-US" sz="2500" dirty="0"/>
+              <a:t>Dynamic - priority 1-15</a:t>
+            </a:r>
+          </a:p>
+          <a:p>
+            <a:pPr lvl="1"/>
+            <a:r>
+              <a:rPr lang="en-US" sz="2500" dirty="0"/>
+              <a:t>Higher priorities are favored</a:t>
+            </a:r>
+          </a:p>
+          <a:p>
+            <a:pPr lvl="2"/>
+            <a:r>
+              <a:rPr lang="en-US" sz="2500" dirty="0"/>
+              <a:t>Priorities of dynamic threads get boosted on wakeups</a:t>
+            </a:r>
+          </a:p>
+          <a:p>
+            <a:pPr lvl="2"/>
+            <a:r>
+              <a:rPr lang="en-US" sz="2500" dirty="0"/>
+              <a:t>Thread priorities are never lowered</a:t>
+            </a:r>
+          </a:p>
+          <a:p>
+            <a:r>
+              <a:rPr lang="en-US" sz="2500" dirty="0" smtClean="0"/>
+              <a:t>Linux</a:t>
+            </a:r>
+          </a:p>
+          <a:p>
+            <a:pPr lvl="1"/>
+            <a:r>
+              <a:rPr lang="en-US" dirty="0" smtClean="0"/>
+              <a:t>Has 3 scheduling classes:</a:t>
+            </a:r>
+          </a:p>
+          <a:p>
+            <a:pPr lvl="2"/>
+            <a:r>
+              <a:rPr lang="en-US" dirty="0" smtClean="0"/>
+              <a:t>Normal – priority 100-139</a:t>
+            </a:r>
+          </a:p>
+          <a:p>
+            <a:pPr lvl="2"/>
+            <a:r>
+              <a:rPr lang="en-US" dirty="0" smtClean="0"/>
+              <a:t>Fixed Round Robin – priority 0-99</a:t>
+            </a:r>
+          </a:p>
+          <a:p>
+            <a:pPr lvl="2"/>
+            <a:r>
+              <a:rPr lang="en-US" dirty="0" smtClean="0"/>
+              <a:t>Fixed FIFO – priority 0-99</a:t>
+            </a:r>
+          </a:p>
+          <a:p>
+            <a:pPr lvl="2"/>
+            <a:r>
+              <a:rPr lang="en-US" dirty="0" smtClean="0"/>
+              <a:t>Lower priorities are favored </a:t>
+            </a:r>
+          </a:p>
+          <a:p>
+            <a:pPr lvl="1"/>
+            <a:r>
+              <a:rPr lang="en-US" dirty="0" smtClean="0"/>
+              <a:t>Priorities of normal threads go up (decay) as they use CPU</a:t>
+            </a:r>
+          </a:p>
+          <a:p>
+            <a:pPr lvl="1"/>
+            <a:r>
+              <a:rPr lang="en-US" dirty="0" smtClean="0"/>
+              <a:t>Priorities of interactive threads go down (boost)</a:t>
+            </a:r>
+            <a:endParaRPr lang="en-US" dirty="0"/>
+          </a:p>
+        </p:txBody>
+      </p:sp>
+    </p:spTree>
+    <p:extLst>
+      <p:ext uri="{BB962C8B-B14F-4D97-AF65-F5344CB8AC3E}">
+        <p14:creationId xmlns:p14="http://schemas.microsoft.com/office/powerpoint/2010/main" val="48598421"/>
+      </p:ext>
+    </p:extLst>
+  </p:cSld>
+  <p:clrMapOvr>
+    <a:masterClrMapping/>
+  </p:clrMapOvr>
+  <p:timing>
+    <p:tnLst>
+      <p:par>
+        <p:cTn xmlns:p14="http://schemas.microsoft.com/office/powerpoint/2010/main" id="1" dur="indefinite" restart="never" nodeType="tmRoot"/>
+      </p:par>
+    </p:tnLst>
+  </p:timing>
+</p:sld>
+</file>
+
+<file path=ppt/slides/slide14.xml><?xml version="1.0" encoding="utf-8"?>
+<p:sld xmlns:a="http://schemas.openxmlformats.org/drawingml/2006/main" xmlns:r="http://schemas.openxmlformats.org/officeDocument/2006/relationships" xmlns:p="http://schemas.openxmlformats.org/presentationml/2006/main">
+  <p:cSld>
+    <p:spTree>
+      <p:nvGrpSpPr>
+        <p:cNvPr id="1" name=""/>
+        <p:cNvGrpSpPr/>
+        <p:nvPr/>
+      </p:nvGrpSpPr>
+      <p:grpSpPr>
+        <a:xfrm>
+          <a:off x="0" y="0"/>
+          <a:ext cx="0" cy="0"/>
+          <a:chOff x="0" y="0"/>
+          <a:chExt cx="0" cy="0"/>
+        </a:xfrm>
+      </p:grpSpPr>
+      <p:grpSp>
+        <p:nvGrpSpPr>
+          <p:cNvPr id="4" name="Group 3"/>
+          <p:cNvGrpSpPr>
+            <a:grpSpLocks/>
+          </p:cNvGrpSpPr>
+          <p:nvPr/>
+        </p:nvGrpSpPr>
+        <p:grpSpPr bwMode="auto">
+          <a:xfrm>
+            <a:off x="381000" y="1331913"/>
+            <a:ext cx="2454275" cy="5221287"/>
+            <a:chOff x="240" y="839"/>
+            <a:chExt cx="1546" cy="3289"/>
+          </a:xfrm>
+        </p:grpSpPr>
+        <p:sp>
+          <p:nvSpPr>
+            <p:cNvPr id="5" name="Rectangle 4"/>
+            <p:cNvSpPr>
+              <a:spLocks noChangeArrowheads="1"/>
+            </p:cNvSpPr>
+            <p:nvPr/>
+          </p:nvSpPr>
+          <p:spPr bwMode="auto">
+            <a:xfrm>
+              <a:off x="960" y="2304"/>
+              <a:ext cx="384" cy="1344"/>
+            </a:xfrm>
+            <a:prstGeom prst="rect">
+              <a:avLst/>
+            </a:prstGeom>
+            <a:gradFill rotWithShape="1">
+              <a:gsLst>
+                <a:gs pos="0">
+                  <a:schemeClr val="bg1"/>
+                </a:gs>
+                <a:gs pos="100000">
+                  <a:schemeClr val="accent1"/>
+                </a:gs>
+              </a:gsLst>
+              <a:lin ang="5400000" scaled="1"/>
+            </a:gradFill>
+            <a:ln w="9525">
+              <a:solidFill>
+                <a:schemeClr val="tx1"/>
+              </a:solidFill>
+              <a:miter lim="800000"/>
+              <a:headEnd/>
+              <a:tailEnd type="none" w="lg" len="med"/>
+            </a:ln>
+            <a:effectLst/>
+            <a:extLst>
+              <a:ext uri="{AF507438-7753-43e0-B8FC-AC1667EBCBE1}">
+                <a14:hiddenEffects xmlns:a14="http://schemas.microsoft.com/office/drawing/2010/main">
+                  <a:effectLst>
+                    <a:outerShdw blurRad="63500" dist="38099" dir="2700000" algn="ctr" rotWithShape="0">
+                      <a:schemeClr val="bg2">
+                        <a:alpha val="74998"/>
+                      </a:schemeClr>
+                    </a:outerShdw>
+                  </a:effectLst>
+                </a14:hiddenEffects>
+              </a:ext>
+            </a:extLst>
+          </p:spPr>
+          <p:txBody>
+            <a:bodyPr wrap="none" anchor="ctr">
+              <a:spAutoFit/>
+            </a:bodyPr>
+            <a:lstStyle/>
+            <a:p>
+              <a:endParaRPr lang="en-US"/>
+            </a:p>
+          </p:txBody>
+        </p:sp>
+        <p:sp>
+          <p:nvSpPr>
+            <p:cNvPr id="6" name="Rectangle 5"/>
+            <p:cNvSpPr>
+              <a:spLocks noChangeArrowheads="1"/>
+            </p:cNvSpPr>
+            <p:nvPr/>
+          </p:nvSpPr>
+          <p:spPr bwMode="auto">
+            <a:xfrm>
+              <a:off x="960" y="960"/>
+              <a:ext cx="384" cy="1344"/>
+            </a:xfrm>
+            <a:prstGeom prst="rect">
+              <a:avLst/>
+            </a:prstGeom>
+            <a:gradFill rotWithShape="1">
+              <a:gsLst>
+                <a:gs pos="0">
+                  <a:schemeClr val="tx2"/>
+                </a:gs>
+                <a:gs pos="100000">
+                  <a:schemeClr val="accent2"/>
+                </a:gs>
+              </a:gsLst>
+              <a:lin ang="5400000" scaled="1"/>
+            </a:gradFill>
+            <a:ln w="9525">
+              <a:solidFill>
+                <a:schemeClr val="tx1"/>
+              </a:solidFill>
+              <a:miter lim="800000"/>
+              <a:headEnd/>
+              <a:tailEnd type="none" w="lg" len="med"/>
+            </a:ln>
+            <a:effectLst/>
+            <a:extLst>
+              <a:ext uri="{AF507438-7753-43e0-B8FC-AC1667EBCBE1}">
+                <a14:hiddenEffects xmlns:a14="http://schemas.microsoft.com/office/drawing/2010/main">
+                  <a:effectLst>
+                    <a:outerShdw blurRad="63500" dist="38099" dir="2700000" algn="ctr" rotWithShape="0">
+                      <a:schemeClr val="bg2">
+                        <a:alpha val="74998"/>
+                      </a:schemeClr>
+                    </a:outerShdw>
+                  </a:effectLst>
+                </a14:hiddenEffects>
+              </a:ext>
+            </a:extLst>
+          </p:spPr>
+          <p:txBody>
+            <a:bodyPr wrap="none" anchor="ctr">
+              <a:spAutoFit/>
+            </a:bodyPr>
+            <a:lstStyle/>
+            <a:p>
+              <a:endParaRPr lang="en-US"/>
+            </a:p>
+          </p:txBody>
+        </p:sp>
+        <p:sp>
+          <p:nvSpPr>
+            <p:cNvPr id="7" name="Text Box 6"/>
+            <p:cNvSpPr txBox="1">
+              <a:spLocks noChangeArrowheads="1"/>
+            </p:cNvSpPr>
+            <p:nvPr/>
+          </p:nvSpPr>
+          <p:spPr bwMode="auto">
+            <a:xfrm>
+              <a:off x="614" y="839"/>
+              <a:ext cx="276" cy="231"/>
+            </a:xfrm>
+            <a:prstGeom prst="rect">
+              <a:avLst/>
+            </a:prstGeom>
+            <a:noFill/>
+            <a:ln>
+              <a:noFill/>
+            </a:ln>
+            <a:effectLst/>
+            <a:extLst>
+              <a:ext uri="{909E8E84-426E-40dd-AFC4-6F175D3DCCD1}">
+                <a14:hiddenFill xmlns:a14="http://schemas.microsoft.com/office/drawing/2010/main">
+                  <a:gradFill rotWithShape="1">
+                    <a:gsLst>
+                      <a:gs pos="0">
+                        <a:schemeClr val="bg1"/>
+                      </a:gs>
+                      <a:gs pos="100000">
+                        <a:schemeClr val="accent1"/>
+                      </a:gs>
+                    </a:gsLst>
+                    <a:lin ang="5400000" scaled="1"/>
+                  </a:gradFill>
+                </a14:hiddenFill>
+              </a:ext>
+              <a:ext uri="{91240B29-F687-4f45-9708-019B960494DF}">
+                <a14:hiddenLine xmlns:a14="http://schemas.microsoft.com/office/drawing/2010/main" w="9525">
+                  <a:solidFill>
+                    <a:schemeClr val="tx1"/>
+                  </a:solidFill>
+                  <a:miter lim="800000"/>
+                  <a:headEnd/>
+                  <a:tailEnd type="none" w="lg" len="med"/>
+                </a14:hiddenLine>
+              </a:ext>
+              <a:ext uri="{AF507438-7753-43e0-B8FC-AC1667EBCBE1}">
+                <a14:hiddenEffects xmlns:a14="http://schemas.microsoft.com/office/drawing/2010/main">
+                  <a:effectLst>
+                    <a:outerShdw blurRad="63500" dist="38099" dir="2700000" algn="ctr" rotWithShape="0">
+                      <a:schemeClr val="bg2">
+                        <a:alpha val="74998"/>
+                      </a:schemeClr>
+                    </a:outerShdw>
+                  </a:effectLst>
+                </a14:hiddenEffects>
+              </a:ext>
+            </a:extLst>
+          </p:spPr>
+          <p:txBody>
+            <a:bodyPr wrap="none">
+              <a:spAutoFit/>
+            </a:bodyPr>
+            <a:lstStyle/>
+            <a:p>
+              <a:r>
+                <a:rPr lang="en-US" sz="1800" dirty="0"/>
+                <a:t>31</a:t>
+              </a:r>
+            </a:p>
+          </p:txBody>
+        </p:sp>
+        <p:sp>
+          <p:nvSpPr>
+            <p:cNvPr id="8" name="Text Box 7"/>
+            <p:cNvSpPr txBox="1">
+              <a:spLocks noChangeArrowheads="1"/>
+            </p:cNvSpPr>
+            <p:nvPr/>
+          </p:nvSpPr>
+          <p:spPr bwMode="auto">
+            <a:xfrm>
+              <a:off x="624" y="2304"/>
+              <a:ext cx="276" cy="231"/>
+            </a:xfrm>
+            <a:prstGeom prst="rect">
+              <a:avLst/>
+            </a:prstGeom>
+            <a:noFill/>
+            <a:ln>
+              <a:noFill/>
+            </a:ln>
+            <a:effectLst/>
+            <a:extLst>
+              <a:ext uri="{909E8E84-426E-40dd-AFC4-6F175D3DCCD1}">
+                <a14:hiddenFill xmlns:a14="http://schemas.microsoft.com/office/drawing/2010/main">
+                  <a:gradFill rotWithShape="1">
+                    <a:gsLst>
+                      <a:gs pos="0">
+                        <a:schemeClr val="bg1"/>
+                      </a:gs>
+                      <a:gs pos="100000">
+                        <a:schemeClr val="accent1"/>
+                      </a:gs>
+                    </a:gsLst>
+                    <a:lin ang="5400000" scaled="1"/>
+                  </a:gradFill>
+                </a14:hiddenFill>
+              </a:ext>
+              <a:ext uri="{91240B29-F687-4f45-9708-019B960494DF}">
+                <a14:hiddenLine xmlns:a14="http://schemas.microsoft.com/office/drawing/2010/main" w="9525">
+                  <a:solidFill>
+                    <a:schemeClr val="tx1"/>
+                  </a:solidFill>
+                  <a:miter lim="800000"/>
+                  <a:headEnd/>
+                  <a:tailEnd type="none" w="lg" len="med"/>
+                </a14:hiddenLine>
+              </a:ext>
+              <a:ext uri="{AF507438-7753-43e0-B8FC-AC1667EBCBE1}">
+                <a14:hiddenEffects xmlns:a14="http://schemas.microsoft.com/office/drawing/2010/main">
+                  <a:effectLst>
+                    <a:outerShdw blurRad="63500" dist="38099" dir="2700000" algn="ctr" rotWithShape="0">
+                      <a:schemeClr val="bg2">
+                        <a:alpha val="74998"/>
+                      </a:schemeClr>
+                    </a:outerShdw>
+                  </a:effectLst>
+                </a14:hiddenEffects>
+              </a:ext>
+            </a:extLst>
+          </p:spPr>
+          <p:txBody>
+            <a:bodyPr wrap="none">
+              <a:spAutoFit/>
+            </a:bodyPr>
+            <a:lstStyle/>
+            <a:p>
+              <a:r>
+                <a:rPr lang="en-US" sz="1800"/>
+                <a:t>15</a:t>
+              </a:r>
+            </a:p>
+          </p:txBody>
+        </p:sp>
+        <p:sp>
+          <p:nvSpPr>
+            <p:cNvPr id="9" name="Text Box 8"/>
+            <p:cNvSpPr txBox="1">
+              <a:spLocks noChangeArrowheads="1"/>
+            </p:cNvSpPr>
+            <p:nvPr/>
+          </p:nvSpPr>
+          <p:spPr bwMode="auto">
+            <a:xfrm>
+              <a:off x="614" y="2039"/>
+              <a:ext cx="276" cy="231"/>
+            </a:xfrm>
+            <a:prstGeom prst="rect">
+              <a:avLst/>
+            </a:prstGeom>
+            <a:noFill/>
+            <a:ln>
+              <a:noFill/>
+            </a:ln>
+            <a:effectLst/>
+            <a:extLst>
+              <a:ext uri="{909E8E84-426E-40dd-AFC4-6F175D3DCCD1}">
+                <a14:hiddenFill xmlns:a14="http://schemas.microsoft.com/office/drawing/2010/main">
+                  <a:gradFill rotWithShape="1">
+                    <a:gsLst>
+                      <a:gs pos="0">
+                        <a:schemeClr val="bg1"/>
+                      </a:gs>
+                      <a:gs pos="100000">
+                        <a:schemeClr val="accent1"/>
+                      </a:gs>
+                    </a:gsLst>
+                    <a:lin ang="5400000" scaled="1"/>
+                  </a:gradFill>
+                </a14:hiddenFill>
+              </a:ext>
+              <a:ext uri="{91240B29-F687-4f45-9708-019B960494DF}">
+                <a14:hiddenLine xmlns:a14="http://schemas.microsoft.com/office/drawing/2010/main" w="9525">
+                  <a:solidFill>
+                    <a:schemeClr val="tx1"/>
+                  </a:solidFill>
+                  <a:miter lim="800000"/>
+                  <a:headEnd/>
+                  <a:tailEnd type="none" w="lg" len="med"/>
+                </a14:hiddenLine>
+              </a:ext>
+              <a:ext uri="{AF507438-7753-43e0-B8FC-AC1667EBCBE1}">
+                <a14:hiddenEffects xmlns:a14="http://schemas.microsoft.com/office/drawing/2010/main">
+                  <a:effectLst>
+                    <a:outerShdw blurRad="63500" dist="38099" dir="2700000" algn="ctr" rotWithShape="0">
+                      <a:schemeClr val="bg2">
+                        <a:alpha val="74998"/>
+                      </a:schemeClr>
+                    </a:outerShdw>
+                  </a:effectLst>
+                </a14:hiddenEffects>
+              </a:ext>
+            </a:extLst>
+          </p:spPr>
+          <p:txBody>
+            <a:bodyPr wrap="none">
+              <a:spAutoFit/>
+            </a:bodyPr>
+            <a:lstStyle/>
+            <a:p>
+              <a:r>
+                <a:rPr lang="en-US" sz="1800"/>
+                <a:t>16</a:t>
+              </a:r>
+            </a:p>
+          </p:txBody>
+        </p:sp>
+        <p:sp>
+          <p:nvSpPr>
+            <p:cNvPr id="10" name="Text Box 9"/>
+            <p:cNvSpPr txBox="1">
+              <a:spLocks noChangeArrowheads="1"/>
+            </p:cNvSpPr>
+            <p:nvPr/>
+          </p:nvSpPr>
+          <p:spPr bwMode="auto">
+            <a:xfrm>
+              <a:off x="758" y="3575"/>
+              <a:ext cx="196" cy="231"/>
+            </a:xfrm>
+            <a:prstGeom prst="rect">
+              <a:avLst/>
+            </a:prstGeom>
+            <a:noFill/>
+            <a:ln>
+              <a:noFill/>
+            </a:ln>
+            <a:effectLst/>
+            <a:extLst>
+              <a:ext uri="{909E8E84-426E-40dd-AFC4-6F175D3DCCD1}">
+                <a14:hiddenFill xmlns:a14="http://schemas.microsoft.com/office/drawing/2010/main">
+                  <a:gradFill rotWithShape="1">
+                    <a:gsLst>
+                      <a:gs pos="0">
+                        <a:schemeClr val="bg1"/>
+                      </a:gs>
+                      <a:gs pos="100000">
+                        <a:schemeClr val="accent1"/>
+                      </a:gs>
+                    </a:gsLst>
+                    <a:lin ang="5400000" scaled="1"/>
+                  </a:gradFill>
+                </a14:hiddenFill>
+              </a:ext>
+              <a:ext uri="{91240B29-F687-4f45-9708-019B960494DF}">
+                <a14:hiddenLine xmlns:a14="http://schemas.microsoft.com/office/drawing/2010/main" w="9525">
+                  <a:solidFill>
+                    <a:schemeClr val="tx1"/>
+                  </a:solidFill>
+                  <a:miter lim="800000"/>
+                  <a:headEnd/>
+                  <a:tailEnd type="none" w="lg" len="med"/>
+                </a14:hiddenLine>
+              </a:ext>
+              <a:ext uri="{AF507438-7753-43e0-B8FC-AC1667EBCBE1}">
+                <a14:hiddenEffects xmlns:a14="http://schemas.microsoft.com/office/drawing/2010/main">
+                  <a:effectLst>
+                    <a:outerShdw blurRad="63500" dist="38099" dir="2700000" algn="ctr" rotWithShape="0">
+                      <a:schemeClr val="bg2">
+                        <a:alpha val="74998"/>
+                      </a:schemeClr>
+                    </a:outerShdw>
+                  </a:effectLst>
+                </a14:hiddenEffects>
+              </a:ext>
+            </a:extLst>
+          </p:spPr>
+          <p:txBody>
+            <a:bodyPr wrap="none">
+              <a:spAutoFit/>
+            </a:bodyPr>
+            <a:lstStyle/>
+            <a:p>
+              <a:r>
+                <a:rPr lang="en-US" sz="1800"/>
+                <a:t>0</a:t>
+              </a:r>
+            </a:p>
+          </p:txBody>
+        </p:sp>
+        <p:sp>
+          <p:nvSpPr>
+            <p:cNvPr id="11" name="Text Box 10"/>
+            <p:cNvSpPr txBox="1">
+              <a:spLocks noChangeArrowheads="1"/>
+            </p:cNvSpPr>
+            <p:nvPr/>
+          </p:nvSpPr>
+          <p:spPr bwMode="auto">
+            <a:xfrm>
+              <a:off x="432" y="1440"/>
+              <a:ext cx="468" cy="231"/>
+            </a:xfrm>
+            <a:prstGeom prst="rect">
+              <a:avLst/>
+            </a:prstGeom>
+            <a:noFill/>
+            <a:ln>
+              <a:noFill/>
+            </a:ln>
+            <a:effectLst/>
+            <a:extLst>
+              <a:ext uri="{909E8E84-426E-40dd-AFC4-6F175D3DCCD1}">
+                <a14:hiddenFill xmlns:a14="http://schemas.microsoft.com/office/drawing/2010/main">
+                  <a:gradFill rotWithShape="1">
+                    <a:gsLst>
+                      <a:gs pos="0">
+                        <a:schemeClr val="bg1"/>
+                      </a:gs>
+                      <a:gs pos="100000">
+                        <a:schemeClr val="accent1"/>
+                      </a:gs>
+                    </a:gsLst>
+                    <a:lin ang="5400000" scaled="1"/>
+                  </a:gradFill>
+                </a14:hiddenFill>
+              </a:ext>
+              <a:ext uri="{91240B29-F687-4f45-9708-019B960494DF}">
+                <a14:hiddenLine xmlns:a14="http://schemas.microsoft.com/office/drawing/2010/main" w="9525">
+                  <a:solidFill>
+                    <a:schemeClr val="tx1"/>
+                  </a:solidFill>
+                  <a:miter lim="800000"/>
+                  <a:headEnd/>
+                  <a:tailEnd type="none" w="lg" len="med"/>
+                </a14:hiddenLine>
+              </a:ext>
+              <a:ext uri="{AF507438-7753-43e0-B8FC-AC1667EBCBE1}">
+                <a14:hiddenEffects xmlns:a14="http://schemas.microsoft.com/office/drawing/2010/main">
+                  <a:effectLst>
+                    <a:outerShdw blurRad="63500" dist="38099" dir="2700000" algn="ctr" rotWithShape="0">
+                      <a:schemeClr val="bg2">
+                        <a:alpha val="74998"/>
+                      </a:schemeClr>
+                    </a:outerShdw>
+                  </a:effectLst>
+                </a14:hiddenEffects>
+              </a:ext>
+            </a:extLst>
+          </p:spPr>
+          <p:txBody>
+            <a:bodyPr wrap="none">
+              <a:spAutoFit/>
+            </a:bodyPr>
+            <a:lstStyle/>
+            <a:p>
+              <a:r>
+                <a:rPr lang="en-US" sz="1800"/>
+                <a:t>Fixed</a:t>
+              </a:r>
+            </a:p>
+          </p:txBody>
+        </p:sp>
+        <p:sp>
+          <p:nvSpPr>
+            <p:cNvPr id="12" name="Text Box 11"/>
+            <p:cNvSpPr txBox="1">
+              <a:spLocks noChangeArrowheads="1"/>
+            </p:cNvSpPr>
+            <p:nvPr/>
+          </p:nvSpPr>
+          <p:spPr bwMode="auto">
+            <a:xfrm>
+              <a:off x="240" y="2784"/>
+              <a:ext cx="676" cy="231"/>
+            </a:xfrm>
+            <a:prstGeom prst="rect">
+              <a:avLst/>
+            </a:prstGeom>
+            <a:noFill/>
+            <a:ln>
+              <a:noFill/>
+            </a:ln>
+            <a:effectLst/>
+            <a:extLst>
+              <a:ext uri="{909E8E84-426E-40dd-AFC4-6F175D3DCCD1}">
+                <a14:hiddenFill xmlns:a14="http://schemas.microsoft.com/office/drawing/2010/main">
+                  <a:gradFill rotWithShape="1">
+                    <a:gsLst>
+                      <a:gs pos="0">
+                        <a:schemeClr val="bg1"/>
+                      </a:gs>
+                      <a:gs pos="100000">
+                        <a:schemeClr val="accent1"/>
+                      </a:gs>
+                    </a:gsLst>
+                    <a:lin ang="5400000" scaled="1"/>
+                  </a:gradFill>
+                </a14:hiddenFill>
+              </a:ext>
+              <a:ext uri="{91240B29-F687-4f45-9708-019B960494DF}">
+                <a14:hiddenLine xmlns:a14="http://schemas.microsoft.com/office/drawing/2010/main" w="9525">
+                  <a:solidFill>
+                    <a:schemeClr val="tx1"/>
+                  </a:solidFill>
+                  <a:miter lim="800000"/>
+                  <a:headEnd/>
+                  <a:tailEnd type="none" w="lg" len="med"/>
+                </a14:hiddenLine>
+              </a:ext>
+              <a:ext uri="{AF507438-7753-43e0-B8FC-AC1667EBCBE1}">
+                <a14:hiddenEffects xmlns:a14="http://schemas.microsoft.com/office/drawing/2010/main">
+                  <a:effectLst>
+                    <a:outerShdw blurRad="63500" dist="38099" dir="2700000" algn="ctr" rotWithShape="0">
+                      <a:schemeClr val="bg2">
+                        <a:alpha val="74998"/>
+                      </a:schemeClr>
+                    </a:outerShdw>
+                  </a:effectLst>
+                </a14:hiddenEffects>
+              </a:ext>
+            </a:extLst>
+          </p:spPr>
+          <p:txBody>
+            <a:bodyPr wrap="none">
+              <a:spAutoFit/>
+            </a:bodyPr>
+            <a:lstStyle/>
+            <a:p>
+              <a:r>
+                <a:rPr lang="en-US" sz="1800"/>
+                <a:t>Dynamic</a:t>
+              </a:r>
+            </a:p>
+          </p:txBody>
+        </p:sp>
+        <p:sp>
+          <p:nvSpPr>
+            <p:cNvPr id="13" name="Rectangle 12"/>
+            <p:cNvSpPr>
+              <a:spLocks noChangeArrowheads="1"/>
+            </p:cNvSpPr>
+            <p:nvPr/>
+          </p:nvSpPr>
+          <p:spPr bwMode="auto">
+            <a:xfrm>
+              <a:off x="960" y="2976"/>
+              <a:ext cx="384" cy="48"/>
+            </a:xfrm>
+            <a:prstGeom prst="rect">
+              <a:avLst/>
+            </a:prstGeom>
+            <a:solidFill>
+              <a:schemeClr val="folHlink"/>
+            </a:solidFill>
+            <a:ln w="9525">
+              <a:solidFill>
+                <a:schemeClr val="tx1"/>
+              </a:solidFill>
+              <a:miter lim="800000"/>
+              <a:headEnd/>
+              <a:tailEnd type="none" w="lg" len="med"/>
+            </a:ln>
+            <a:effectLst/>
+            <a:extLst>
+              <a:ext uri="{AF507438-7753-43e0-B8FC-AC1667EBCBE1}">
+                <a14:hiddenEffects xmlns:a14="http://schemas.microsoft.com/office/drawing/2010/main">
+                  <a:effectLst>
+                    <a:outerShdw blurRad="63500" dist="38099" dir="2700000" algn="ctr" rotWithShape="0">
+                      <a:schemeClr val="bg2">
+                        <a:alpha val="74998"/>
+                      </a:schemeClr>
+                    </a:outerShdw>
+                  </a:effectLst>
+                </a14:hiddenEffects>
+              </a:ext>
+            </a:extLst>
+          </p:spPr>
+          <p:txBody>
+            <a:bodyPr wrap="none" anchor="ctr">
+              <a:spAutoFit/>
+            </a:bodyPr>
+            <a:lstStyle/>
+            <a:p>
+              <a:endParaRPr lang="en-US"/>
+            </a:p>
+          </p:txBody>
+        </p:sp>
+        <p:sp>
+          <p:nvSpPr>
+            <p:cNvPr id="14" name="Line 13"/>
+            <p:cNvSpPr>
+              <a:spLocks noChangeShapeType="1"/>
+            </p:cNvSpPr>
+            <p:nvPr/>
+          </p:nvSpPr>
+          <p:spPr bwMode="auto">
+            <a:xfrm flipV="1">
+              <a:off x="1440" y="2592"/>
+              <a:ext cx="0" cy="384"/>
+            </a:xfrm>
+            <a:prstGeom prst="line">
+              <a:avLst/>
+            </a:prstGeom>
+            <a:noFill/>
+            <a:ln w="9525">
+              <a:solidFill>
+                <a:schemeClr val="tx1"/>
+              </a:solidFill>
+              <a:round/>
+              <a:headEnd/>
+              <a:tailEnd type="triangle" w="lg" len="med"/>
+            </a:ln>
+            <a:effectLst/>
+            <a:extLst>
+              <a:ext uri="{909E8E84-426E-40dd-AFC4-6F175D3DCCD1}">
+                <a14:hiddenFill xmlns:a14="http://schemas.microsoft.com/office/drawing/2010/main">
+                  <a:noFill/>
+                </a14:hiddenFill>
+              </a:ext>
+              <a:ext uri="{AF507438-7753-43e0-B8FC-AC1667EBCBE1}">
+                <a14:hiddenEffects xmlns:a14="http://schemas.microsoft.com/office/drawing/2010/main">
+                  <a:effectLst>
+                    <a:outerShdw blurRad="63500" dist="38099" dir="2700000" algn="ctr" rotWithShape="0">
+                      <a:schemeClr val="bg2">
+                        <a:alpha val="74998"/>
+                      </a:schemeClr>
+                    </a:outerShdw>
+                  </a:effectLst>
+                </a14:hiddenEffects>
+              </a:ext>
+            </a:extLst>
+          </p:spPr>
+          <p:txBody>
+            <a:bodyPr wrap="none">
+              <a:spAutoFit/>
+            </a:bodyPr>
+            <a:lstStyle/>
+            <a:p>
+              <a:endParaRPr lang="en-US"/>
+            </a:p>
+          </p:txBody>
+        </p:sp>
+        <p:sp>
+          <p:nvSpPr>
+            <p:cNvPr id="15" name="Text Box 14"/>
+            <p:cNvSpPr txBox="1">
+              <a:spLocks noChangeArrowheads="1"/>
+            </p:cNvSpPr>
+            <p:nvPr/>
+          </p:nvSpPr>
+          <p:spPr bwMode="auto">
+            <a:xfrm>
+              <a:off x="1478" y="2663"/>
+              <a:ext cx="308" cy="231"/>
+            </a:xfrm>
+            <a:prstGeom prst="rect">
+              <a:avLst/>
+            </a:prstGeom>
+            <a:noFill/>
+            <a:ln>
+              <a:noFill/>
+            </a:ln>
+            <a:effectLst/>
+            <a:extLst>
+              <a:ext uri="{909E8E84-426E-40dd-AFC4-6F175D3DCCD1}">
+                <a14:hiddenFill xmlns:a14="http://schemas.microsoft.com/office/drawing/2010/main">
+                  <a:gradFill rotWithShape="1">
+                    <a:gsLst>
+                      <a:gs pos="0">
+                        <a:schemeClr val="bg1"/>
+                      </a:gs>
+                      <a:gs pos="100000">
+                        <a:schemeClr val="accent1"/>
+                      </a:gs>
+                    </a:gsLst>
+                    <a:lin ang="5400000" scaled="1"/>
+                  </a:gradFill>
+                </a14:hiddenFill>
+              </a:ext>
+              <a:ext uri="{91240B29-F687-4f45-9708-019B960494DF}">
+                <a14:hiddenLine xmlns:a14="http://schemas.microsoft.com/office/drawing/2010/main" w="9525">
+                  <a:solidFill>
+                    <a:schemeClr val="tx1"/>
+                  </a:solidFill>
+                  <a:miter lim="800000"/>
+                  <a:headEnd/>
+                  <a:tailEnd type="none" w="lg" len="med"/>
+                </a14:hiddenLine>
+              </a:ext>
+              <a:ext uri="{AF507438-7753-43e0-B8FC-AC1667EBCBE1}">
+                <a14:hiddenEffects xmlns:a14="http://schemas.microsoft.com/office/drawing/2010/main">
+                  <a:effectLst>
+                    <a:outerShdw blurRad="63500" dist="38099" dir="2700000" algn="ctr" rotWithShape="0">
+                      <a:schemeClr val="bg2">
+                        <a:alpha val="74998"/>
+                      </a:schemeClr>
+                    </a:outerShdw>
+                  </a:effectLst>
+                </a14:hiddenEffects>
+              </a:ext>
+            </a:extLst>
+          </p:spPr>
+          <p:txBody>
+            <a:bodyPr wrap="none">
+              <a:spAutoFit/>
+            </a:bodyPr>
+            <a:lstStyle/>
+            <a:p>
+              <a:r>
+                <a:rPr lang="en-US" sz="1800"/>
+                <a:t>I/O</a:t>
+              </a:r>
+            </a:p>
+          </p:txBody>
+        </p:sp>
+        <p:sp>
+          <p:nvSpPr>
+            <p:cNvPr id="16" name="Text Box 15"/>
+            <p:cNvSpPr txBox="1">
+              <a:spLocks noChangeArrowheads="1"/>
+            </p:cNvSpPr>
+            <p:nvPr/>
+          </p:nvSpPr>
+          <p:spPr bwMode="auto">
+            <a:xfrm>
+              <a:off x="720" y="3840"/>
+              <a:ext cx="895" cy="288"/>
+            </a:xfrm>
+            <a:prstGeom prst="rect">
+              <a:avLst/>
+            </a:prstGeom>
+            <a:noFill/>
+            <a:ln>
+              <a:noFill/>
+            </a:ln>
+            <a:effectLst/>
+            <a:extLst>
+              <a:ext uri="{909E8E84-426E-40dd-AFC4-6F175D3DCCD1}">
+                <a14:hiddenFill xmlns:a14="http://schemas.microsoft.com/office/drawing/2010/main">
+                  <a:gradFill rotWithShape="1">
+                    <a:gsLst>
+                      <a:gs pos="0">
+                        <a:schemeClr val="bg1"/>
+                      </a:gs>
+                      <a:gs pos="100000">
+                        <a:schemeClr val="accent1"/>
+                      </a:gs>
+                    </a:gsLst>
+                    <a:lin ang="5400000" scaled="1"/>
+                  </a:gradFill>
+                </a14:hiddenFill>
+              </a:ext>
+              <a:ext uri="{91240B29-F687-4f45-9708-019B960494DF}">
+                <a14:hiddenLine xmlns:a14="http://schemas.microsoft.com/office/drawing/2010/main" w="9525">
+                  <a:solidFill>
+                    <a:schemeClr val="tx1"/>
+                  </a:solidFill>
+                  <a:miter lim="800000"/>
+                  <a:headEnd/>
+                  <a:tailEnd type="none" w="lg" len="med"/>
+                </a14:hiddenLine>
+              </a:ext>
+              <a:ext uri="{AF507438-7753-43e0-B8FC-AC1667EBCBE1}">
+                <a14:hiddenEffects xmlns:a14="http://schemas.microsoft.com/office/drawing/2010/main">
+                  <a:effectLst>
+                    <a:outerShdw blurRad="63500" dist="38099" dir="2700000" algn="ctr" rotWithShape="0">
+                      <a:schemeClr val="bg2">
+                        <a:alpha val="74998"/>
+                      </a:schemeClr>
+                    </a:outerShdw>
+                  </a:effectLst>
+                </a14:hiddenEffects>
+              </a:ext>
+            </a:extLst>
+          </p:spPr>
+          <p:txBody>
+            <a:bodyPr wrap="none">
+              <a:spAutoFit/>
+            </a:bodyPr>
+            <a:lstStyle/>
+            <a:p>
+              <a:r>
+                <a:rPr lang="en-US" sz="2400">
+                  <a:solidFill>
+                    <a:schemeClr val="accent2"/>
+                  </a:solidFill>
+                </a:rPr>
+                <a:t>Windows</a:t>
+              </a:r>
+            </a:p>
+          </p:txBody>
+        </p:sp>
+      </p:grpSp>
+      <p:grpSp>
+        <p:nvGrpSpPr>
+          <p:cNvPr id="17" name="Group 16"/>
+          <p:cNvGrpSpPr>
+            <a:grpSpLocks/>
+          </p:cNvGrpSpPr>
+          <p:nvPr/>
+        </p:nvGrpSpPr>
+        <p:grpSpPr bwMode="auto">
+          <a:xfrm>
+            <a:off x="3962400" y="1331913"/>
+            <a:ext cx="4019550" cy="5221287"/>
+            <a:chOff x="2496" y="839"/>
+            <a:chExt cx="2532" cy="3289"/>
+          </a:xfrm>
+        </p:grpSpPr>
+        <p:grpSp>
+          <p:nvGrpSpPr>
+            <p:cNvPr id="18" name="Group 17"/>
+            <p:cNvGrpSpPr>
+              <a:grpSpLocks/>
+            </p:cNvGrpSpPr>
+            <p:nvPr/>
+          </p:nvGrpSpPr>
+          <p:grpSpPr bwMode="auto">
+            <a:xfrm>
+              <a:off x="2496" y="839"/>
+              <a:ext cx="2532" cy="2871"/>
+              <a:chOff x="2496" y="839"/>
+              <a:chExt cx="2532" cy="2871"/>
+            </a:xfrm>
+          </p:grpSpPr>
+          <p:sp>
+            <p:nvSpPr>
+              <p:cNvPr id="20" name="Rectangle 18"/>
+              <p:cNvSpPr>
+                <a:spLocks noChangeArrowheads="1"/>
+              </p:cNvSpPr>
+              <p:nvPr/>
+            </p:nvSpPr>
+            <p:spPr bwMode="auto">
+              <a:xfrm>
+                <a:off x="3984" y="2880"/>
+                <a:ext cx="384" cy="720"/>
+              </a:xfrm>
+              <a:prstGeom prst="rect">
+                <a:avLst/>
+              </a:prstGeom>
+              <a:gradFill rotWithShape="1">
+                <a:gsLst>
+                  <a:gs pos="0">
+                    <a:schemeClr val="bg1"/>
+                  </a:gs>
+                  <a:gs pos="100000">
+                    <a:schemeClr val="accent1"/>
+                  </a:gs>
+                </a:gsLst>
+                <a:lin ang="5400000" scaled="1"/>
+              </a:gradFill>
+              <a:ln w="9525">
+                <a:solidFill>
+                  <a:schemeClr val="tx1"/>
+                </a:solidFill>
+                <a:miter lim="800000"/>
+                <a:headEnd/>
+                <a:tailEnd type="none" w="lg" len="med"/>
+              </a:ln>
+              <a:effectLst/>
+              <a:extLst>
+                <a:ext uri="{AF507438-7753-43e0-B8FC-AC1667EBCBE1}">
+                  <a14:hiddenEffects xmlns:a14="http://schemas.microsoft.com/office/drawing/2010/main">
+                    <a:effectLst>
+                      <a:outerShdw blurRad="63500" dist="38099" dir="2700000" algn="ctr" rotWithShape="0">
+                        <a:schemeClr val="bg2">
+                          <a:alpha val="74998"/>
+                        </a:schemeClr>
+                      </a:outerShdw>
+                    </a:effectLst>
+                  </a14:hiddenEffects>
+                </a:ext>
+              </a:extLst>
+            </p:spPr>
+            <p:txBody>
+              <a:bodyPr anchor="ctr">
+                <a:spAutoFit/>
+              </a:bodyPr>
+              <a:lstStyle/>
+              <a:p>
+                <a:endParaRPr lang="en-US"/>
+              </a:p>
+            </p:txBody>
+          </p:sp>
+          <p:sp>
+            <p:nvSpPr>
+              <p:cNvPr id="21" name="Rectangle 19"/>
+              <p:cNvSpPr>
+                <a:spLocks noChangeArrowheads="1"/>
+              </p:cNvSpPr>
+              <p:nvPr/>
+            </p:nvSpPr>
+            <p:spPr bwMode="auto">
+              <a:xfrm>
+                <a:off x="3984" y="960"/>
+                <a:ext cx="384" cy="1920"/>
+              </a:xfrm>
+              <a:prstGeom prst="rect">
+                <a:avLst/>
+              </a:prstGeom>
+              <a:gradFill rotWithShape="1">
+                <a:gsLst>
+                  <a:gs pos="0">
+                    <a:schemeClr val="tx2"/>
+                  </a:gs>
+                  <a:gs pos="100000">
+                    <a:schemeClr val="accent2"/>
+                  </a:gs>
+                </a:gsLst>
+                <a:lin ang="5400000" scaled="1"/>
+              </a:gradFill>
+              <a:ln w="9525">
+                <a:solidFill>
+                  <a:schemeClr val="tx1"/>
+                </a:solidFill>
+                <a:miter lim="800000"/>
+                <a:headEnd/>
+                <a:tailEnd type="none" w="lg" len="med"/>
+              </a:ln>
+              <a:effectLst/>
+              <a:extLst>
+                <a:ext uri="{AF507438-7753-43e0-B8FC-AC1667EBCBE1}">
+                  <a14:hiddenEffects xmlns:a14="http://schemas.microsoft.com/office/drawing/2010/main">
+                    <a:effectLst>
+                      <a:outerShdw blurRad="63500" dist="38099" dir="2700000" algn="ctr" rotWithShape="0">
+                        <a:schemeClr val="bg2">
+                          <a:alpha val="74998"/>
+                        </a:schemeClr>
+                      </a:outerShdw>
+                    </a:effectLst>
+                  </a14:hiddenEffects>
+                </a:ext>
+              </a:extLst>
+            </p:spPr>
+            <p:txBody>
+              <a:bodyPr anchor="ctr">
+                <a:spAutoFit/>
+              </a:bodyPr>
+              <a:lstStyle/>
+              <a:p>
+                <a:endParaRPr lang="en-US"/>
+              </a:p>
+            </p:txBody>
+          </p:sp>
+          <p:sp>
+            <p:nvSpPr>
+              <p:cNvPr id="22" name="Text Box 20"/>
+              <p:cNvSpPr txBox="1">
+                <a:spLocks noChangeArrowheads="1"/>
+              </p:cNvSpPr>
+              <p:nvPr/>
+            </p:nvSpPr>
+            <p:spPr bwMode="auto">
+              <a:xfrm>
+                <a:off x="3542" y="3479"/>
+                <a:ext cx="356" cy="231"/>
+              </a:xfrm>
+              <a:prstGeom prst="rect">
+                <a:avLst/>
+              </a:prstGeom>
+              <a:noFill/>
+              <a:ln>
+                <a:noFill/>
+              </a:ln>
+              <a:effectLst/>
+              <a:extLst>
+                <a:ext uri="{909E8E84-426E-40dd-AFC4-6F175D3DCCD1}">
+                  <a14:hiddenFill xmlns:a14="http://schemas.microsoft.com/office/drawing/2010/main">
+                    <a:gradFill rotWithShape="1">
+                      <a:gsLst>
+                        <a:gs pos="0">
+                          <a:schemeClr val="bg1"/>
+                        </a:gs>
+                        <a:gs pos="100000">
+                          <a:schemeClr val="accent1"/>
+                        </a:gs>
+                      </a:gsLst>
+                      <a:lin ang="5400000" scaled="1"/>
+                    </a:gradFill>
+                  </a14:hiddenFill>
+                </a:ext>
+                <a:ext uri="{91240B29-F687-4f45-9708-019B960494DF}">
+                  <a14:hiddenLine xmlns:a14="http://schemas.microsoft.com/office/drawing/2010/main" w="9525">
+                    <a:solidFill>
+                      <a:schemeClr val="tx1"/>
+                    </a:solidFill>
+                    <a:miter lim="800000"/>
+                    <a:headEnd/>
+                    <a:tailEnd type="none" w="lg" len="med"/>
+                  </a14:hiddenLine>
+                </a:ext>
+                <a:ext uri="{AF507438-7753-43e0-B8FC-AC1667EBCBE1}">
+                  <a14:hiddenEffects xmlns:a14="http://schemas.microsoft.com/office/drawing/2010/main">
+                    <a:effectLst>
+                      <a:outerShdw blurRad="63500" dist="38099" dir="2700000" algn="ctr" rotWithShape="0">
+                        <a:schemeClr val="bg2">
+                          <a:alpha val="74998"/>
+                        </a:schemeClr>
+                      </a:outerShdw>
+                    </a:effectLst>
+                  </a14:hiddenEffects>
+                </a:ext>
+              </a:extLst>
+            </p:spPr>
+            <p:txBody>
+              <a:bodyPr wrap="none">
+                <a:spAutoFit/>
+              </a:bodyPr>
+              <a:lstStyle/>
+              <a:p>
+                <a:r>
+                  <a:rPr lang="en-US" sz="1800"/>
+                  <a:t>140</a:t>
+                </a:r>
+              </a:p>
+            </p:txBody>
+          </p:sp>
+          <p:sp>
+            <p:nvSpPr>
+              <p:cNvPr id="23" name="Text Box 21"/>
+              <p:cNvSpPr txBox="1">
+                <a:spLocks noChangeArrowheads="1"/>
+              </p:cNvSpPr>
+              <p:nvPr/>
+            </p:nvSpPr>
+            <p:spPr bwMode="auto">
+              <a:xfrm>
+                <a:off x="3552" y="2784"/>
+                <a:ext cx="356" cy="231"/>
+              </a:xfrm>
+              <a:prstGeom prst="rect">
+                <a:avLst/>
+              </a:prstGeom>
+              <a:noFill/>
+              <a:ln>
+                <a:noFill/>
+              </a:ln>
+              <a:effectLst/>
+              <a:extLst>
+                <a:ext uri="{909E8E84-426E-40dd-AFC4-6F175D3DCCD1}">
+                  <a14:hiddenFill xmlns:a14="http://schemas.microsoft.com/office/drawing/2010/main">
+                    <a:gradFill rotWithShape="1">
+                      <a:gsLst>
+                        <a:gs pos="0">
+                          <a:schemeClr val="bg1"/>
+                        </a:gs>
+                        <a:gs pos="100000">
+                          <a:schemeClr val="accent1"/>
+                        </a:gs>
+                      </a:gsLst>
+                      <a:lin ang="5400000" scaled="1"/>
+                    </a:gradFill>
+                  </a14:hiddenFill>
+                </a:ext>
+                <a:ext uri="{91240B29-F687-4f45-9708-019B960494DF}">
+                  <a14:hiddenLine xmlns:a14="http://schemas.microsoft.com/office/drawing/2010/main" w="9525">
+                    <a:solidFill>
+                      <a:schemeClr val="tx1"/>
+                    </a:solidFill>
+                    <a:miter lim="800000"/>
+                    <a:headEnd/>
+                    <a:tailEnd type="none" w="lg" len="med"/>
+                  </a14:hiddenLine>
+                </a:ext>
+                <a:ext uri="{AF507438-7753-43e0-B8FC-AC1667EBCBE1}">
+                  <a14:hiddenEffects xmlns:a14="http://schemas.microsoft.com/office/drawing/2010/main">
+                    <a:effectLst>
+                      <a:outerShdw blurRad="63500" dist="38099" dir="2700000" algn="ctr" rotWithShape="0">
+                        <a:schemeClr val="bg2">
+                          <a:alpha val="74998"/>
+                        </a:schemeClr>
+                      </a:outerShdw>
+                    </a:effectLst>
+                  </a14:hiddenEffects>
+                </a:ext>
+              </a:extLst>
+            </p:spPr>
+            <p:txBody>
+              <a:bodyPr wrap="none">
+                <a:spAutoFit/>
+              </a:bodyPr>
+              <a:lstStyle/>
+              <a:p>
+                <a:r>
+                  <a:rPr lang="en-US" sz="1800"/>
+                  <a:t>100</a:t>
+                </a:r>
+              </a:p>
+            </p:txBody>
+          </p:sp>
+          <p:sp>
+            <p:nvSpPr>
+              <p:cNvPr id="24" name="Text Box 22"/>
+              <p:cNvSpPr txBox="1">
+                <a:spLocks noChangeArrowheads="1"/>
+              </p:cNvSpPr>
+              <p:nvPr/>
+            </p:nvSpPr>
+            <p:spPr bwMode="auto">
+              <a:xfrm>
+                <a:off x="3638" y="2567"/>
+                <a:ext cx="276" cy="231"/>
+              </a:xfrm>
+              <a:prstGeom prst="rect">
+                <a:avLst/>
+              </a:prstGeom>
+              <a:noFill/>
+              <a:ln>
+                <a:noFill/>
+              </a:ln>
+              <a:effectLst/>
+              <a:extLst>
+                <a:ext uri="{909E8E84-426E-40dd-AFC4-6F175D3DCCD1}">
+                  <a14:hiddenFill xmlns:a14="http://schemas.microsoft.com/office/drawing/2010/main">
+                    <a:gradFill rotWithShape="1">
+                      <a:gsLst>
+                        <a:gs pos="0">
+                          <a:schemeClr val="bg1"/>
+                        </a:gs>
+                        <a:gs pos="100000">
+                          <a:schemeClr val="accent1"/>
+                        </a:gs>
+                      </a:gsLst>
+                      <a:lin ang="5400000" scaled="1"/>
+                    </a:gradFill>
+                  </a14:hiddenFill>
+                </a:ext>
+                <a:ext uri="{91240B29-F687-4f45-9708-019B960494DF}">
+                  <a14:hiddenLine xmlns:a14="http://schemas.microsoft.com/office/drawing/2010/main" w="9525">
+                    <a:solidFill>
+                      <a:schemeClr val="tx1"/>
+                    </a:solidFill>
+                    <a:miter lim="800000"/>
+                    <a:headEnd/>
+                    <a:tailEnd type="none" w="lg" len="med"/>
+                  </a14:hiddenLine>
+                </a:ext>
+                <a:ext uri="{AF507438-7753-43e0-B8FC-AC1667EBCBE1}">
+                  <a14:hiddenEffects xmlns:a14="http://schemas.microsoft.com/office/drawing/2010/main">
+                    <a:effectLst>
+                      <a:outerShdw blurRad="63500" dist="38099" dir="2700000" algn="ctr" rotWithShape="0">
+                        <a:schemeClr val="bg2">
+                          <a:alpha val="74998"/>
+                        </a:schemeClr>
+                      </a:outerShdw>
+                    </a:effectLst>
+                  </a14:hiddenEffects>
+                </a:ext>
+              </a:extLst>
+            </p:spPr>
+            <p:txBody>
+              <a:bodyPr wrap="none">
+                <a:spAutoFit/>
+              </a:bodyPr>
+              <a:lstStyle/>
+              <a:p>
+                <a:r>
+                  <a:rPr lang="en-US" sz="1800"/>
+                  <a:t>99</a:t>
+                </a:r>
+              </a:p>
+            </p:txBody>
+          </p:sp>
+          <p:sp>
+            <p:nvSpPr>
+              <p:cNvPr id="25" name="Text Box 23"/>
+              <p:cNvSpPr txBox="1">
+                <a:spLocks noChangeArrowheads="1"/>
+              </p:cNvSpPr>
+              <p:nvPr/>
+            </p:nvSpPr>
+            <p:spPr bwMode="auto">
+              <a:xfrm>
+                <a:off x="3734" y="839"/>
+                <a:ext cx="196" cy="231"/>
+              </a:xfrm>
+              <a:prstGeom prst="rect">
+                <a:avLst/>
+              </a:prstGeom>
+              <a:noFill/>
+              <a:ln>
+                <a:noFill/>
+              </a:ln>
+              <a:effectLst/>
+              <a:extLst>
+                <a:ext uri="{909E8E84-426E-40dd-AFC4-6F175D3DCCD1}">
+                  <a14:hiddenFill xmlns:a14="http://schemas.microsoft.com/office/drawing/2010/main">
+                    <a:gradFill rotWithShape="1">
+                      <a:gsLst>
+                        <a:gs pos="0">
+                          <a:schemeClr val="bg1"/>
+                        </a:gs>
+                        <a:gs pos="100000">
+                          <a:schemeClr val="accent1"/>
+                        </a:gs>
+                      </a:gsLst>
+                      <a:lin ang="5400000" scaled="1"/>
+                    </a:gradFill>
+                  </a14:hiddenFill>
+                </a:ext>
+                <a:ext uri="{91240B29-F687-4f45-9708-019B960494DF}">
+                  <a14:hiddenLine xmlns:a14="http://schemas.microsoft.com/office/drawing/2010/main" w="9525">
+                    <a:solidFill>
+                      <a:schemeClr val="tx1"/>
+                    </a:solidFill>
+                    <a:miter lim="800000"/>
+                    <a:headEnd/>
+                    <a:tailEnd type="none" w="lg" len="med"/>
+                  </a14:hiddenLine>
+                </a:ext>
+                <a:ext uri="{AF507438-7753-43e0-B8FC-AC1667EBCBE1}">
+                  <a14:hiddenEffects xmlns:a14="http://schemas.microsoft.com/office/drawing/2010/main">
+                    <a:effectLst>
+                      <a:outerShdw blurRad="63500" dist="38099" dir="2700000" algn="ctr" rotWithShape="0">
+                        <a:schemeClr val="bg2">
+                          <a:alpha val="74998"/>
+                        </a:schemeClr>
+                      </a:outerShdw>
+                    </a:effectLst>
+                  </a14:hiddenEffects>
+                </a:ext>
+              </a:extLst>
+            </p:spPr>
+            <p:txBody>
+              <a:bodyPr wrap="none">
+                <a:spAutoFit/>
+              </a:bodyPr>
+              <a:lstStyle/>
+              <a:p>
+                <a:r>
+                  <a:rPr lang="en-US" sz="1800"/>
+                  <a:t>0</a:t>
+                </a:r>
+              </a:p>
+            </p:txBody>
+          </p:sp>
+          <p:sp>
+            <p:nvSpPr>
+              <p:cNvPr id="26" name="Text Box 24"/>
+              <p:cNvSpPr txBox="1">
+                <a:spLocks noChangeArrowheads="1"/>
+              </p:cNvSpPr>
+              <p:nvPr/>
+            </p:nvSpPr>
+            <p:spPr bwMode="auto">
+              <a:xfrm>
+                <a:off x="3072" y="1536"/>
+                <a:ext cx="836" cy="231"/>
+              </a:xfrm>
+              <a:prstGeom prst="rect">
+                <a:avLst/>
+              </a:prstGeom>
+              <a:noFill/>
+              <a:ln>
+                <a:noFill/>
+              </a:ln>
+              <a:effectLst/>
+              <a:extLst>
+                <a:ext uri="{909E8E84-426E-40dd-AFC4-6F175D3DCCD1}">
+                  <a14:hiddenFill xmlns:a14="http://schemas.microsoft.com/office/drawing/2010/main">
+                    <a:gradFill rotWithShape="1">
+                      <a:gsLst>
+                        <a:gs pos="0">
+                          <a:schemeClr val="bg1"/>
+                        </a:gs>
+                        <a:gs pos="100000">
+                          <a:schemeClr val="accent1"/>
+                        </a:gs>
+                      </a:gsLst>
+                      <a:lin ang="5400000" scaled="1"/>
+                    </a:gradFill>
+                  </a14:hiddenFill>
+                </a:ext>
+                <a:ext uri="{91240B29-F687-4f45-9708-019B960494DF}">
+                  <a14:hiddenLine xmlns:a14="http://schemas.microsoft.com/office/drawing/2010/main" w="9525">
+                    <a:solidFill>
+                      <a:schemeClr val="tx1"/>
+                    </a:solidFill>
+                    <a:miter lim="800000"/>
+                    <a:headEnd/>
+                    <a:tailEnd type="none" w="lg" len="med"/>
+                  </a14:hiddenLine>
+                </a:ext>
+                <a:ext uri="{AF507438-7753-43e0-B8FC-AC1667EBCBE1}">
+                  <a14:hiddenEffects xmlns:a14="http://schemas.microsoft.com/office/drawing/2010/main">
+                    <a:effectLst>
+                      <a:outerShdw blurRad="63500" dist="38099" dir="2700000" algn="ctr" rotWithShape="0">
+                        <a:schemeClr val="bg2">
+                          <a:alpha val="74998"/>
+                        </a:schemeClr>
+                      </a:outerShdw>
+                    </a:effectLst>
+                  </a14:hiddenEffects>
+                </a:ext>
+              </a:extLst>
+            </p:spPr>
+            <p:txBody>
+              <a:bodyPr wrap="none">
+                <a:spAutoFit/>
+              </a:bodyPr>
+              <a:lstStyle/>
+              <a:p>
+                <a:r>
+                  <a:rPr lang="en-US" sz="1800"/>
+                  <a:t>Fixed FIFO</a:t>
+                </a:r>
+              </a:p>
+            </p:txBody>
+          </p:sp>
+          <p:sp>
+            <p:nvSpPr>
+              <p:cNvPr id="27" name="Text Box 25"/>
+              <p:cNvSpPr txBox="1">
+                <a:spLocks noChangeArrowheads="1"/>
+              </p:cNvSpPr>
+              <p:nvPr/>
+            </p:nvSpPr>
+            <p:spPr bwMode="auto">
+              <a:xfrm>
+                <a:off x="4512" y="1968"/>
+                <a:ext cx="116" cy="231"/>
+              </a:xfrm>
+              <a:prstGeom prst="rect">
+                <a:avLst/>
+              </a:prstGeom>
+              <a:noFill/>
+              <a:ln>
+                <a:noFill/>
+              </a:ln>
+              <a:effectLst/>
+              <a:extLst>
+                <a:ext uri="{909E8E84-426E-40dd-AFC4-6F175D3DCCD1}">
+                  <a14:hiddenFill xmlns:a14="http://schemas.microsoft.com/office/drawing/2010/main">
+                    <a:gradFill rotWithShape="1">
+                      <a:gsLst>
+                        <a:gs pos="0">
+                          <a:schemeClr val="bg1"/>
+                        </a:gs>
+                        <a:gs pos="100000">
+                          <a:schemeClr val="accent1"/>
+                        </a:gs>
+                      </a:gsLst>
+                      <a:lin ang="5400000" scaled="1"/>
+                    </a:gradFill>
+                  </a14:hiddenFill>
+                </a:ext>
+                <a:ext uri="{91240B29-F687-4f45-9708-019B960494DF}">
+                  <a14:hiddenLine xmlns:a14="http://schemas.microsoft.com/office/drawing/2010/main" w="9525">
+                    <a:solidFill>
+                      <a:schemeClr val="tx1"/>
+                    </a:solidFill>
+                    <a:miter lim="800000"/>
+                    <a:headEnd/>
+                    <a:tailEnd type="none" w="lg" len="med"/>
+                  </a14:hiddenLine>
+                </a:ext>
+                <a:ext uri="{AF507438-7753-43e0-B8FC-AC1667EBCBE1}">
+                  <a14:hiddenEffects xmlns:a14="http://schemas.microsoft.com/office/drawing/2010/main">
+                    <a:effectLst>
+                      <a:outerShdw blurRad="63500" dist="38099" dir="2700000" algn="ctr" rotWithShape="0">
+                        <a:schemeClr val="bg2">
+                          <a:alpha val="74998"/>
+                        </a:schemeClr>
+                      </a:outerShdw>
+                    </a:effectLst>
+                  </a14:hiddenEffects>
+                </a:ext>
+              </a:extLst>
+            </p:spPr>
+            <p:txBody>
+              <a:bodyPr wrap="none">
+                <a:spAutoFit/>
+              </a:bodyPr>
+              <a:lstStyle/>
+              <a:p>
+                <a:endParaRPr lang="en-US" sz="1800"/>
+              </a:p>
+            </p:txBody>
+          </p:sp>
+          <p:sp>
+            <p:nvSpPr>
+              <p:cNvPr id="28" name="Text Box 26"/>
+              <p:cNvSpPr txBox="1">
+                <a:spLocks noChangeArrowheads="1"/>
+              </p:cNvSpPr>
+              <p:nvPr/>
+            </p:nvSpPr>
+            <p:spPr bwMode="auto">
+              <a:xfrm>
+                <a:off x="2496" y="1776"/>
+                <a:ext cx="1357" cy="231"/>
+              </a:xfrm>
+              <a:prstGeom prst="rect">
+                <a:avLst/>
+              </a:prstGeom>
+              <a:noFill/>
+              <a:ln>
+                <a:noFill/>
+              </a:ln>
+              <a:effectLst/>
+              <a:extLst>
+                <a:ext uri="{909E8E84-426E-40dd-AFC4-6F175D3DCCD1}">
+                  <a14:hiddenFill xmlns:a14="http://schemas.microsoft.com/office/drawing/2010/main">
+                    <a:gradFill rotWithShape="1">
+                      <a:gsLst>
+                        <a:gs pos="0">
+                          <a:schemeClr val="bg1"/>
+                        </a:gs>
+                        <a:gs pos="100000">
+                          <a:schemeClr val="accent1"/>
+                        </a:gs>
+                      </a:gsLst>
+                      <a:lin ang="5400000" scaled="1"/>
+                    </a:gradFill>
+                  </a14:hiddenFill>
+                </a:ext>
+                <a:ext uri="{91240B29-F687-4f45-9708-019B960494DF}">
+                  <a14:hiddenLine xmlns:a14="http://schemas.microsoft.com/office/drawing/2010/main" w="9525">
+                    <a:solidFill>
+                      <a:schemeClr val="tx1"/>
+                    </a:solidFill>
+                    <a:miter lim="800000"/>
+                    <a:headEnd/>
+                    <a:tailEnd type="none" w="lg" len="med"/>
+                  </a14:hiddenLine>
+                </a:ext>
+                <a:ext uri="{AF507438-7753-43e0-B8FC-AC1667EBCBE1}">
+                  <a14:hiddenEffects xmlns:a14="http://schemas.microsoft.com/office/drawing/2010/main">
+                    <a:effectLst>
+                      <a:outerShdw blurRad="63500" dist="38099" dir="2700000" algn="ctr" rotWithShape="0">
+                        <a:schemeClr val="bg2">
+                          <a:alpha val="74998"/>
+                        </a:schemeClr>
+                      </a:outerShdw>
+                    </a:effectLst>
+                  </a14:hiddenEffects>
+                </a:ext>
+              </a:extLst>
+            </p:spPr>
+            <p:txBody>
+              <a:bodyPr wrap="none">
+                <a:spAutoFit/>
+              </a:bodyPr>
+              <a:lstStyle/>
+              <a:p>
+                <a:r>
+                  <a:rPr lang="en-US" sz="1800"/>
+                  <a:t>Fixed Round-Robin</a:t>
+                </a:r>
+              </a:p>
+            </p:txBody>
+          </p:sp>
+          <p:sp>
+            <p:nvSpPr>
+              <p:cNvPr id="29" name="Text Box 27"/>
+              <p:cNvSpPr txBox="1">
+                <a:spLocks noChangeArrowheads="1"/>
+              </p:cNvSpPr>
+              <p:nvPr/>
+            </p:nvSpPr>
+            <p:spPr bwMode="auto">
+              <a:xfrm>
+                <a:off x="3312" y="3120"/>
+                <a:ext cx="580" cy="231"/>
+              </a:xfrm>
+              <a:prstGeom prst="rect">
+                <a:avLst/>
+              </a:prstGeom>
+              <a:noFill/>
+              <a:ln>
+                <a:noFill/>
+              </a:ln>
+              <a:effectLst/>
+              <a:extLst>
+                <a:ext uri="{909E8E84-426E-40dd-AFC4-6F175D3DCCD1}">
+                  <a14:hiddenFill xmlns:a14="http://schemas.microsoft.com/office/drawing/2010/main">
+                    <a:gradFill rotWithShape="1">
+                      <a:gsLst>
+                        <a:gs pos="0">
+                          <a:schemeClr val="bg1"/>
+                        </a:gs>
+                        <a:gs pos="100000">
+                          <a:schemeClr val="accent1"/>
+                        </a:gs>
+                      </a:gsLst>
+                      <a:lin ang="5400000" scaled="1"/>
+                    </a:gradFill>
+                  </a14:hiddenFill>
+                </a:ext>
+                <a:ext uri="{91240B29-F687-4f45-9708-019B960494DF}">
+                  <a14:hiddenLine xmlns:a14="http://schemas.microsoft.com/office/drawing/2010/main" w="9525">
+                    <a:solidFill>
+                      <a:schemeClr val="tx1"/>
+                    </a:solidFill>
+                    <a:miter lim="800000"/>
+                    <a:headEnd/>
+                    <a:tailEnd type="none" w="lg" len="med"/>
+                  </a14:hiddenLine>
+                </a:ext>
+                <a:ext uri="{AF507438-7753-43e0-B8FC-AC1667EBCBE1}">
+                  <a14:hiddenEffects xmlns:a14="http://schemas.microsoft.com/office/drawing/2010/main">
+                    <a:effectLst>
+                      <a:outerShdw blurRad="63500" dist="38099" dir="2700000" algn="ctr" rotWithShape="0">
+                        <a:schemeClr val="bg2">
+                          <a:alpha val="74998"/>
+                        </a:schemeClr>
+                      </a:outerShdw>
+                    </a:effectLst>
+                  </a14:hiddenEffects>
+                </a:ext>
+              </a:extLst>
+            </p:spPr>
+            <p:txBody>
+              <a:bodyPr wrap="none">
+                <a:spAutoFit/>
+              </a:bodyPr>
+              <a:lstStyle/>
+              <a:p>
+                <a:r>
+                  <a:rPr lang="en-US" sz="1800"/>
+                  <a:t>Normal</a:t>
+                </a:r>
+              </a:p>
+            </p:txBody>
+          </p:sp>
+          <p:sp>
+            <p:nvSpPr>
+              <p:cNvPr id="30" name="Rectangle 28"/>
+              <p:cNvSpPr>
+                <a:spLocks noChangeArrowheads="1"/>
+              </p:cNvSpPr>
+              <p:nvPr/>
+            </p:nvSpPr>
+            <p:spPr bwMode="auto">
+              <a:xfrm>
+                <a:off x="3984" y="3216"/>
+                <a:ext cx="384" cy="48"/>
+              </a:xfrm>
+              <a:prstGeom prst="rect">
+                <a:avLst/>
+              </a:prstGeom>
+              <a:solidFill>
+                <a:schemeClr val="folHlink"/>
+              </a:solidFill>
+              <a:ln w="9525">
+                <a:solidFill>
+                  <a:schemeClr val="tx1"/>
+                </a:solidFill>
+                <a:miter lim="800000"/>
+                <a:headEnd/>
+                <a:tailEnd type="none" w="lg" len="med"/>
+              </a:ln>
+              <a:effectLst/>
+              <a:extLst>
+                <a:ext uri="{AF507438-7753-43e0-B8FC-AC1667EBCBE1}">
+                  <a14:hiddenEffects xmlns:a14="http://schemas.microsoft.com/office/drawing/2010/main">
+                    <a:effectLst>
+                      <a:outerShdw blurRad="63500" dist="38099" dir="2700000" algn="ctr" rotWithShape="0">
+                        <a:schemeClr val="bg2">
+                          <a:alpha val="74998"/>
+                        </a:schemeClr>
+                      </a:outerShdw>
+                    </a:effectLst>
+                  </a14:hiddenEffects>
+                </a:ext>
+              </a:extLst>
+            </p:spPr>
+            <p:txBody>
+              <a:bodyPr wrap="none" anchor="ctr">
+                <a:spAutoFit/>
+              </a:bodyPr>
+              <a:lstStyle/>
+              <a:p>
+                <a:endParaRPr lang="en-US"/>
+              </a:p>
+            </p:txBody>
+          </p:sp>
+          <p:sp>
+            <p:nvSpPr>
+              <p:cNvPr id="31" name="Line 29"/>
+              <p:cNvSpPr>
+                <a:spLocks noChangeShapeType="1"/>
+              </p:cNvSpPr>
+              <p:nvPr/>
+            </p:nvSpPr>
+            <p:spPr bwMode="auto">
+              <a:xfrm>
+                <a:off x="4512" y="3264"/>
+                <a:ext cx="0" cy="192"/>
+              </a:xfrm>
+              <a:prstGeom prst="line">
+                <a:avLst/>
+              </a:prstGeom>
+              <a:noFill/>
+              <a:ln w="9525">
+                <a:solidFill>
+                  <a:schemeClr val="tx1"/>
+                </a:solidFill>
+                <a:round/>
+                <a:headEnd/>
+                <a:tailEnd type="triangle" w="lg" len="med"/>
+              </a:ln>
+              <a:effectLst/>
+              <a:extLst>
+                <a:ext uri="{909E8E84-426E-40dd-AFC4-6F175D3DCCD1}">
+                  <a14:hiddenFill xmlns:a14="http://schemas.microsoft.com/office/drawing/2010/main">
+                    <a:noFill/>
+                  </a14:hiddenFill>
+                </a:ext>
+                <a:ext uri="{AF507438-7753-43e0-B8FC-AC1667EBCBE1}">
+                  <a14:hiddenEffects xmlns:a14="http://schemas.microsoft.com/office/drawing/2010/main">
+                    <a:effectLst>
+                      <a:outerShdw blurRad="63500" dist="38099" dir="2700000" algn="ctr" rotWithShape="0">
+                        <a:schemeClr val="bg2">
+                          <a:alpha val="74998"/>
+                        </a:schemeClr>
+                      </a:outerShdw>
+                    </a:effectLst>
+                  </a14:hiddenEffects>
+                </a:ext>
+              </a:extLst>
+            </p:spPr>
+            <p:txBody>
+              <a:bodyPr>
+                <a:spAutoFit/>
+              </a:bodyPr>
+              <a:lstStyle/>
+              <a:p>
+                <a:endParaRPr lang="en-US"/>
+              </a:p>
+            </p:txBody>
+          </p:sp>
+          <p:sp>
+            <p:nvSpPr>
+              <p:cNvPr id="32" name="Line 30"/>
+              <p:cNvSpPr>
+                <a:spLocks noChangeShapeType="1"/>
+              </p:cNvSpPr>
+              <p:nvPr/>
+            </p:nvSpPr>
+            <p:spPr bwMode="auto">
+              <a:xfrm flipV="1">
+                <a:off x="4512" y="3024"/>
+                <a:ext cx="0" cy="192"/>
+              </a:xfrm>
+              <a:prstGeom prst="line">
+                <a:avLst/>
+              </a:prstGeom>
+              <a:noFill/>
+              <a:ln w="9525">
+                <a:solidFill>
+                  <a:schemeClr val="tx1"/>
+                </a:solidFill>
+                <a:round/>
+                <a:headEnd/>
+                <a:tailEnd type="triangle" w="lg" len="med"/>
+              </a:ln>
+              <a:effectLst/>
+              <a:extLst>
+                <a:ext uri="{909E8E84-426E-40dd-AFC4-6F175D3DCCD1}">
+                  <a14:hiddenFill xmlns:a14="http://schemas.microsoft.com/office/drawing/2010/main">
+                    <a:noFill/>
+                  </a14:hiddenFill>
+                </a:ext>
+                <a:ext uri="{AF507438-7753-43e0-B8FC-AC1667EBCBE1}">
+                  <a14:hiddenEffects xmlns:a14="http://schemas.microsoft.com/office/drawing/2010/main">
+                    <a:effectLst>
+                      <a:outerShdw blurRad="63500" dist="38099" dir="2700000" algn="ctr" rotWithShape="0">
+                        <a:schemeClr val="bg2">
+                          <a:alpha val="74998"/>
+                        </a:schemeClr>
+                      </a:outerShdw>
+                    </a:effectLst>
+                  </a14:hiddenEffects>
+                </a:ext>
+              </a:extLst>
+            </p:spPr>
+            <p:txBody>
+              <a:bodyPr>
+                <a:spAutoFit/>
+              </a:bodyPr>
+              <a:lstStyle/>
+              <a:p>
+                <a:endParaRPr lang="en-US"/>
+              </a:p>
+            </p:txBody>
+          </p:sp>
+          <p:sp>
+            <p:nvSpPr>
+              <p:cNvPr id="33" name="Text Box 31"/>
+              <p:cNvSpPr txBox="1">
+                <a:spLocks noChangeArrowheads="1"/>
+              </p:cNvSpPr>
+              <p:nvPr/>
+            </p:nvSpPr>
+            <p:spPr bwMode="auto">
+              <a:xfrm>
+                <a:off x="4608" y="3312"/>
+                <a:ext cx="420" cy="231"/>
+              </a:xfrm>
+              <a:prstGeom prst="rect">
+                <a:avLst/>
+              </a:prstGeom>
+              <a:noFill/>
+              <a:ln>
+                <a:noFill/>
+              </a:ln>
+              <a:effectLst/>
+              <a:extLst>
+                <a:ext uri="{909E8E84-426E-40dd-AFC4-6F175D3DCCD1}">
+                  <a14:hiddenFill xmlns:a14="http://schemas.microsoft.com/office/drawing/2010/main">
+                    <a:gradFill rotWithShape="1">
+                      <a:gsLst>
+                        <a:gs pos="0">
+                          <a:schemeClr val="bg1"/>
+                        </a:gs>
+                        <a:gs pos="100000">
+                          <a:schemeClr val="accent1"/>
+                        </a:gs>
+                      </a:gsLst>
+                      <a:lin ang="5400000" scaled="1"/>
+                    </a:gradFill>
+                  </a14:hiddenFill>
+                </a:ext>
+                <a:ext uri="{91240B29-F687-4f45-9708-019B960494DF}">
+                  <a14:hiddenLine xmlns:a14="http://schemas.microsoft.com/office/drawing/2010/main" w="9525">
+                    <a:solidFill>
+                      <a:schemeClr val="tx1"/>
+                    </a:solidFill>
+                    <a:miter lim="800000"/>
+                    <a:headEnd/>
+                    <a:tailEnd type="none" w="lg" len="med"/>
+                  </a14:hiddenLine>
+                </a:ext>
+                <a:ext uri="{AF507438-7753-43e0-B8FC-AC1667EBCBE1}">
+                  <a14:hiddenEffects xmlns:a14="http://schemas.microsoft.com/office/drawing/2010/main">
+                    <a:effectLst>
+                      <a:outerShdw blurRad="63500" dist="38099" dir="2700000" algn="ctr" rotWithShape="0">
+                        <a:schemeClr val="bg2">
+                          <a:alpha val="74998"/>
+                        </a:schemeClr>
+                      </a:outerShdw>
+                    </a:effectLst>
+                  </a14:hiddenEffects>
+                </a:ext>
+              </a:extLst>
+            </p:spPr>
+            <p:txBody>
+              <a:bodyPr wrap="none">
+                <a:spAutoFit/>
+              </a:bodyPr>
+              <a:lstStyle/>
+              <a:p>
+                <a:r>
+                  <a:rPr lang="en-US" sz="1800"/>
+                  <a:t>CPU</a:t>
+                </a:r>
+              </a:p>
+            </p:txBody>
+          </p:sp>
+          <p:sp>
+            <p:nvSpPr>
+              <p:cNvPr id="34" name="Text Box 32"/>
+              <p:cNvSpPr txBox="1">
+                <a:spLocks noChangeArrowheads="1"/>
+              </p:cNvSpPr>
+              <p:nvPr/>
+            </p:nvSpPr>
+            <p:spPr bwMode="auto">
+              <a:xfrm>
+                <a:off x="4608" y="2976"/>
+                <a:ext cx="308" cy="231"/>
+              </a:xfrm>
+              <a:prstGeom prst="rect">
+                <a:avLst/>
+              </a:prstGeom>
+              <a:noFill/>
+              <a:ln>
+                <a:noFill/>
+              </a:ln>
+              <a:effectLst/>
+              <a:extLst>
+                <a:ext uri="{909E8E84-426E-40dd-AFC4-6F175D3DCCD1}">
+                  <a14:hiddenFill xmlns:a14="http://schemas.microsoft.com/office/drawing/2010/main">
+                    <a:gradFill rotWithShape="1">
+                      <a:gsLst>
+                        <a:gs pos="0">
+                          <a:schemeClr val="bg1"/>
+                        </a:gs>
+                        <a:gs pos="100000">
+                          <a:schemeClr val="accent1"/>
+                        </a:gs>
+                      </a:gsLst>
+                      <a:lin ang="5400000" scaled="1"/>
+                    </a:gradFill>
+                  </a14:hiddenFill>
+                </a:ext>
+                <a:ext uri="{91240B29-F687-4f45-9708-019B960494DF}">
+                  <a14:hiddenLine xmlns:a14="http://schemas.microsoft.com/office/drawing/2010/main" w="9525">
+                    <a:solidFill>
+                      <a:schemeClr val="tx1"/>
+                    </a:solidFill>
+                    <a:miter lim="800000"/>
+                    <a:headEnd/>
+                    <a:tailEnd type="none" w="lg" len="med"/>
+                  </a14:hiddenLine>
+                </a:ext>
+                <a:ext uri="{AF507438-7753-43e0-B8FC-AC1667EBCBE1}">
+                  <a14:hiddenEffects xmlns:a14="http://schemas.microsoft.com/office/drawing/2010/main">
+                    <a:effectLst>
+                      <a:outerShdw blurRad="63500" dist="38099" dir="2700000" algn="ctr" rotWithShape="0">
+                        <a:schemeClr val="bg2">
+                          <a:alpha val="74998"/>
+                        </a:schemeClr>
+                      </a:outerShdw>
+                    </a:effectLst>
+                  </a14:hiddenEffects>
+                </a:ext>
+              </a:extLst>
+            </p:spPr>
+            <p:txBody>
+              <a:bodyPr wrap="none">
+                <a:spAutoFit/>
+              </a:bodyPr>
+              <a:lstStyle/>
+              <a:p>
+                <a:r>
+                  <a:rPr lang="en-US" sz="1800"/>
+                  <a:t>I/O</a:t>
+                </a:r>
+              </a:p>
+            </p:txBody>
+          </p:sp>
+        </p:grpSp>
+        <p:sp>
+          <p:nvSpPr>
+            <p:cNvPr id="19" name="Text Box 33"/>
+            <p:cNvSpPr txBox="1">
+              <a:spLocks noChangeArrowheads="1"/>
+            </p:cNvSpPr>
+            <p:nvPr/>
+          </p:nvSpPr>
+          <p:spPr bwMode="auto">
+            <a:xfrm>
+              <a:off x="3696" y="3840"/>
+              <a:ext cx="575" cy="288"/>
+            </a:xfrm>
+            <a:prstGeom prst="rect">
+              <a:avLst/>
+            </a:prstGeom>
+            <a:noFill/>
+            <a:ln>
+              <a:noFill/>
+            </a:ln>
+            <a:effectLst/>
+            <a:extLst>
+              <a:ext uri="{909E8E84-426E-40dd-AFC4-6F175D3DCCD1}">
+                <a14:hiddenFill xmlns:a14="http://schemas.microsoft.com/office/drawing/2010/main">
+                  <a:gradFill rotWithShape="1">
+                    <a:gsLst>
+                      <a:gs pos="0">
+                        <a:schemeClr val="bg1"/>
+                      </a:gs>
+                      <a:gs pos="100000">
+                        <a:schemeClr val="accent1"/>
+                      </a:gs>
+                    </a:gsLst>
+                    <a:lin ang="5400000" scaled="1"/>
+                  </a:gradFill>
+                </a14:hiddenFill>
+              </a:ext>
+              <a:ext uri="{91240B29-F687-4f45-9708-019B960494DF}">
+                <a14:hiddenLine xmlns:a14="http://schemas.microsoft.com/office/drawing/2010/main" w="9525">
+                  <a:solidFill>
+                    <a:schemeClr val="tx1"/>
+                  </a:solidFill>
+                  <a:miter lim="800000"/>
+                  <a:headEnd/>
+                  <a:tailEnd type="none" w="lg" len="med"/>
+                </a14:hiddenLine>
+              </a:ext>
+              <a:ext uri="{AF507438-7753-43e0-B8FC-AC1667EBCBE1}">
+                <a14:hiddenEffects xmlns:a14="http://schemas.microsoft.com/office/drawing/2010/main">
+                  <a:effectLst>
+                    <a:outerShdw blurRad="63500" dist="38099" dir="2700000" algn="ctr" rotWithShape="0">
+                      <a:schemeClr val="bg2">
+                        <a:alpha val="74998"/>
+                      </a:schemeClr>
+                    </a:outerShdw>
+                  </a:effectLst>
+                </a14:hiddenEffects>
+              </a:ext>
+            </a:extLst>
+          </p:spPr>
+          <p:txBody>
+            <a:bodyPr wrap="none">
+              <a:spAutoFit/>
+            </a:bodyPr>
+            <a:lstStyle/>
+            <a:p>
+              <a:r>
+                <a:rPr lang="en-US" sz="2400">
+                  <a:solidFill>
+                    <a:schemeClr val="accent2"/>
+                  </a:solidFill>
+                </a:rPr>
+                <a:t>Linux</a:t>
+              </a:r>
+            </a:p>
+          </p:txBody>
+        </p:sp>
+      </p:grpSp>
+      <p:sp>
+        <p:nvSpPr>
+          <p:cNvPr id="35" name="Title 1"/>
+          <p:cNvSpPr>
+            <a:spLocks noGrp="1"/>
+          </p:cNvSpPr>
+          <p:nvPr>
+            <p:ph type="title"/>
+          </p:nvPr>
+        </p:nvSpPr>
+        <p:spPr>
+          <a:xfrm>
+            <a:off x="457200" y="274638"/>
+            <a:ext cx="8229600" cy="1143000"/>
+          </a:xfrm>
+        </p:spPr>
+        <p:txBody>
+          <a:bodyPr/>
+          <a:lstStyle/>
+          <a:p>
+            <a:r>
+              <a:rPr lang="en-US" dirty="0" smtClean="0"/>
+              <a:t>Process Management (</a:t>
+            </a:r>
+            <a:r>
+              <a:rPr lang="en-US" dirty="0" err="1" smtClean="0"/>
+              <a:t>Cont</a:t>
+            </a:r>
+            <a:r>
+              <a:rPr lang="en-US" dirty="0" smtClean="0"/>
+              <a:t>)</a:t>
+            </a:r>
+            <a:endParaRPr lang="en-US" dirty="0"/>
+          </a:p>
+        </p:txBody>
+      </p:sp>
+    </p:spTree>
+    <p:extLst>
+      <p:ext uri="{BB962C8B-B14F-4D97-AF65-F5344CB8AC3E}">
+        <p14:creationId xmlns:p14="http://schemas.microsoft.com/office/powerpoint/2010/main" val="3619737570"/>
+      </p:ext>
+    </p:extLst>
+  </p:cSld>
+  <p:clrMapOvr>
+    <a:masterClrMapping/>
+  </p:clrMapOvr>
+  <p:timing>
+    <p:tnLst>
+      <p:par>
+        <p:cTn xmlns:p14="http://schemas.microsoft.com/office/powerpoint/2010/main" id="1" dur="indefinite" restart="never" nodeType="tmRoot">
+          <p:childTnLst>
+            <p:seq concurrent="1" nextAc="seek">
+              <p:cTn id="2" dur="indefinite" nodeType="mainSeq">
+                <p:childTnLst>
+                  <p:par>
+                    <p:cTn id="3" fill="hold">
+                      <p:stCondLst>
+                        <p:cond delay="indefinite"/>
+                      </p:stCondLst>
+                      <p:childTnLst>
+                        <p:par>
+                          <p:cTn id="4" fill="hold">
+                            <p:stCondLst>
+                              <p:cond delay="0"/>
+                            </p:stCondLst>
+                            <p:childTnLst>
+                              <p:par>
+                                <p:cTn id="5" presetID="2" presetClass="entr" presetSubtype="2" fill="hold" nodeType="clickEffect">
+                                  <p:stCondLst>
+                                    <p:cond delay="0"/>
+                                  </p:stCondLst>
+                                  <p:childTnLst>
+                                    <p:set>
+                                      <p:cBhvr>
+                                        <p:cTn id="6" dur="1" fill="hold">
+                                          <p:stCondLst>
+                                            <p:cond delay="0"/>
+                                          </p:stCondLst>
+                                        </p:cTn>
+                                        <p:tgtEl>
+                                          <p:spTgt spid="17"/>
+                                        </p:tgtEl>
+                                        <p:attrNameLst>
+                                          <p:attrName>style.visibility</p:attrName>
+                                        </p:attrNameLst>
+                                      </p:cBhvr>
+                                      <p:to>
+                                        <p:strVal val="visible"/>
+                                      </p:to>
+                                    </p:set>
+                                    <p:anim calcmode="lin" valueType="num">
+                                      <p:cBhvr additive="base">
+                                        <p:cTn id="7" dur="500" fill="hold"/>
+                                        <p:tgtEl>
+                                          <p:spTgt spid="17"/>
+                                        </p:tgtEl>
+                                        <p:attrNameLst>
+                                          <p:attrName>ppt_x</p:attrName>
+                                        </p:attrNameLst>
+                                      </p:cBhvr>
+                                      <p:tavLst>
+                                        <p:tav tm="0">
+                                          <p:val>
+                                            <p:strVal val="1+#ppt_w/2"/>
+                                          </p:val>
+                                        </p:tav>
+                                        <p:tav tm="100000">
+                                          <p:val>
+                                            <p:strVal val="#ppt_x"/>
+                                          </p:val>
+                                        </p:tav>
+                                      </p:tavLst>
+                                    </p:anim>
+                                    <p:anim calcmode="lin" valueType="num">
+                                      <p:cBhvr additive="base">
+                                        <p:cTn id="8" dur="500" fill="hold"/>
+                                        <p:tgtEl>
+                                          <p:spTgt spid="17"/>
+                                        </p:tgtEl>
+                                        <p:attrNameLst>
+                                          <p:attrName>ppt_y</p:attrName>
+                                        </p:attrNameLst>
+                                      </p:cBhvr>
+                                      <p:tavLst>
+                                        <p:tav tm="0">
+                                          <p:val>
+                                            <p:strVal val="#ppt_y"/>
+                                          </p:val>
+                                        </p:tav>
+                                        <p:tav tm="100000">
+                                          <p:val>
+                                            <p:strVal val="#ppt_y"/>
+                                          </p:val>
+                                        </p:tav>
+                                      </p:tavLst>
+                                    </p:anim>
+                                  </p:childTnLst>
+                                </p:cTn>
+                              </p:par>
+                            </p:childTnLst>
+                          </p:cTn>
+                        </p:par>
+                      </p:childTnLst>
+                    </p:cTn>
+                  </p:par>
+                </p:childTnLst>
+              </p:cTn>
+              <p:prevCondLst>
+                <p:cond evt="onPrev" delay="0">
+                  <p:tgtEl>
+                    <p:sldTgt/>
+                  </p:tgtEl>
+                </p:cond>
+              </p:prevCondLst>
+              <p:nextCondLst>
+                <p:cond evt="onNext" delay="0">
+                  <p:tgtEl>
+                    <p:sldTgt/>
+                  </p:tgtEl>
+                </p:cond>
+              </p:nextCondLst>
+            </p:seq>
+          </p:childTnLst>
+        </p:cTn>
+      </p:par>
+    </p:tnLst>
+  </p:timing>
+</p:sld>
+</file>
+
+<file path=ppt/slides/slide15.xml><?xml version="1.0" encoding="utf-8"?>
+<p:sld xmlns:a="http://schemas.openxmlformats.org/drawingml/2006/main" xmlns:r="http://schemas.openxmlformats.org/officeDocument/2006/relationships" xmlns:p="http://schemas.openxmlformats.org/presentationml/2006/main">
+  <p:cSld>
+    <p:spTree>
+      <p:nvGrpSpPr>
+        <p:cNvPr id="1" name=""/>
+        <p:cNvGrpSpPr/>
+        <p:nvPr/>
+      </p:nvGrpSpPr>
+      <p:grpSpPr>
+        <a:xfrm>
+          <a:off x="0" y="0"/>
+          <a:ext cx="0" cy="0"/>
+          <a:chOff x="0" y="0"/>
+          <a:chExt cx="0" cy="0"/>
+        </a:xfrm>
+      </p:grpSpPr>
+      <p:sp>
+        <p:nvSpPr>
+          <p:cNvPr id="4" name="Slide Number Placeholder 4"/>
+          <p:cNvSpPr>
+            <a:spLocks noGrp="1"/>
+          </p:cNvSpPr>
+          <p:nvPr>
+            <p:ph type="sldNum" sz="quarter" idx="11"/>
+          </p:nvPr>
+        </p:nvSpPr>
+        <p:spPr/>
+        <p:txBody>
+          <a:bodyPr/>
+          <a:lstStyle/>
+          <a:p>
+            <a:fld id="{AC5725B7-D7BB-A947-B5D1-2F64D543B1B7}" type="slidenum">
+              <a:rPr lang="en-GB"/>
+              <a:pPr/>
+              <a:t>15</a:t>
+            </a:fld>
+            <a:endParaRPr lang="en-GB"/>
+          </a:p>
+        </p:txBody>
+      </p:sp>
+      <p:sp>
+        <p:nvSpPr>
+          <p:cNvPr id="473090" name="Rectangle 1026"/>
+          <p:cNvSpPr>
+            <a:spLocks noGrp="1" noChangeArrowheads="1"/>
+          </p:cNvSpPr>
+          <p:nvPr>
+            <p:ph type="title"/>
+          </p:nvPr>
+        </p:nvSpPr>
+        <p:spPr/>
+        <p:txBody>
+          <a:bodyPr/>
+          <a:lstStyle/>
+          <a:p>
+            <a:r>
+              <a:rPr lang="en-US"/>
+              <a:t>Linux Scheduling Details</a:t>
+            </a:r>
+          </a:p>
+        </p:txBody>
+      </p:sp>
+      <p:sp>
+        <p:nvSpPr>
+          <p:cNvPr id="473091" name="Rectangle 1027"/>
+          <p:cNvSpPr>
+            <a:spLocks noGrp="1" noChangeArrowheads="1"/>
+          </p:cNvSpPr>
+          <p:nvPr>
+            <p:ph type="body" idx="1"/>
+          </p:nvPr>
+        </p:nvSpPr>
+        <p:spPr>
+          <a:xfrm>
+            <a:off x="457200" y="1371600"/>
+            <a:ext cx="4012854" cy="5008563"/>
+          </a:xfrm>
+        </p:spPr>
+        <p:txBody>
+          <a:bodyPr>
+            <a:normAutofit/>
+          </a:bodyPr>
+          <a:lstStyle/>
+          <a:p>
+            <a:pPr>
+              <a:lnSpc>
+                <a:spcPct val="90000"/>
+              </a:lnSpc>
+            </a:pPr>
+            <a:r>
+              <a:rPr lang="en-US" sz="2400" dirty="0"/>
+              <a:t>D</a:t>
+            </a:r>
+            <a:r>
+              <a:rPr lang="en-US" sz="2400" dirty="0" smtClean="0"/>
+              <a:t>ynamic </a:t>
+            </a:r>
+            <a:r>
+              <a:rPr lang="en-US" sz="2400" dirty="0"/>
+              <a:t>priority policy </a:t>
+            </a:r>
+          </a:p>
+          <a:p>
+            <a:pPr lvl="1">
+              <a:lnSpc>
+                <a:spcPct val="90000"/>
+              </a:lnSpc>
+            </a:pPr>
+            <a:r>
+              <a:rPr lang="en-US" sz="2000" dirty="0" smtClean="0"/>
+              <a:t>Threads </a:t>
+            </a:r>
+            <a:r>
+              <a:rPr lang="en-US" sz="2000" dirty="0"/>
+              <a:t>that block frequently (I/O bound) will have their priority gradually increased</a:t>
+            </a:r>
+          </a:p>
+          <a:p>
+            <a:pPr lvl="1">
+              <a:lnSpc>
+                <a:spcPct val="90000"/>
+              </a:lnSpc>
+            </a:pPr>
+            <a:r>
+              <a:rPr lang="en-US" sz="2000" dirty="0"/>
+              <a:t>Threads that always exhaust their time slice (CPU bound) will have their priority gradually decreased</a:t>
+            </a:r>
+          </a:p>
+          <a:p>
+            <a:pPr>
+              <a:lnSpc>
+                <a:spcPct val="90000"/>
+              </a:lnSpc>
+            </a:pPr>
+            <a:r>
+              <a:rPr lang="en-US" sz="2400" b="1" dirty="0" smtClean="0"/>
+              <a:t>Nice() </a:t>
+            </a:r>
+          </a:p>
+          <a:p>
+            <a:pPr lvl="1">
+              <a:lnSpc>
+                <a:spcPct val="90000"/>
+              </a:lnSpc>
+            </a:pPr>
+            <a:r>
+              <a:rPr lang="en-US" sz="2000" dirty="0" smtClean="0"/>
+              <a:t>-</a:t>
+            </a:r>
+            <a:r>
+              <a:rPr lang="en-US" sz="2000" dirty="0"/>
+              <a:t>20 to +20 </a:t>
+            </a:r>
+          </a:p>
+          <a:p>
+            <a:pPr>
+              <a:lnSpc>
+                <a:spcPct val="90000"/>
+              </a:lnSpc>
+            </a:pPr>
+            <a:r>
+              <a:rPr lang="en-US" sz="2400" dirty="0" smtClean="0"/>
+              <a:t>Dynamic </a:t>
+            </a:r>
+            <a:r>
+              <a:rPr lang="en-US" sz="2400" dirty="0"/>
+              <a:t>priority policy threads have static priority zero </a:t>
+            </a:r>
+          </a:p>
+        </p:txBody>
+      </p:sp>
+      <p:sp>
+        <p:nvSpPr>
+          <p:cNvPr id="5" name="Rectangle 1027"/>
+          <p:cNvSpPr txBox="1">
+            <a:spLocks noChangeArrowheads="1"/>
+          </p:cNvSpPr>
+          <p:nvPr/>
+        </p:nvSpPr>
+        <p:spPr>
+          <a:xfrm>
+            <a:off x="4885620" y="1371600"/>
+            <a:ext cx="3801180" cy="4856163"/>
+          </a:xfrm>
+          <a:prstGeom prst="rect">
+            <a:avLst/>
+          </a:prstGeom>
+        </p:spPr>
+        <p:txBody>
+          <a:bodyPr vert="horz" lIns="91440" tIns="45720" rIns="91440" bIns="45720" rtlCol="0">
+            <a:normAutofit fontScale="92500" lnSpcReduction="10000"/>
+          </a:bodyPr>
+          <a:lstStyle>
+            <a:lvl1pPr marL="342900" indent="-342900" algn="l" defTabSz="457200" rtl="0" eaLnBrk="1" latinLnBrk="0" hangingPunct="1">
+              <a:spcBef>
+                <a:spcPct val="20000"/>
+              </a:spcBef>
+              <a:buFont typeface="Arial"/>
+              <a:buChar char="•"/>
+              <a:defRPr sz="3200" kern="1200">
+                <a:solidFill>
+                  <a:schemeClr val="tx1"/>
+                </a:solidFill>
+                <a:latin typeface="+mn-lt"/>
+                <a:ea typeface="+mn-ea"/>
+                <a:cs typeface="+mn-cs"/>
+              </a:defRPr>
+            </a:lvl1pPr>
+            <a:lvl2pPr marL="742950" indent="-285750" algn="l" defTabSz="457200" rtl="0" eaLnBrk="1" latinLnBrk="0" hangingPunct="1">
+              <a:spcBef>
+                <a:spcPct val="20000"/>
+              </a:spcBef>
+              <a:buFont typeface="Arial"/>
+              <a:buChar char="–"/>
+              <a:defRPr sz="2800" kern="1200">
+                <a:solidFill>
+                  <a:schemeClr val="tx1"/>
+                </a:solidFill>
+                <a:latin typeface="+mn-lt"/>
+                <a:ea typeface="+mn-ea"/>
+                <a:cs typeface="+mn-cs"/>
+              </a:defRPr>
+            </a:lvl2pPr>
+            <a:lvl3pPr marL="1143000" indent="-228600" algn="l" defTabSz="457200" rtl="0" eaLnBrk="1" latinLnBrk="0" hangingPunct="1">
+              <a:spcBef>
+                <a:spcPct val="20000"/>
+              </a:spcBef>
+              <a:buFont typeface="Arial"/>
+              <a:buChar char="•"/>
+              <a:defRPr sz="2400" kern="1200">
+                <a:solidFill>
+                  <a:schemeClr val="tx1"/>
+                </a:solidFill>
+                <a:latin typeface="+mn-lt"/>
+                <a:ea typeface="+mn-ea"/>
+                <a:cs typeface="+mn-cs"/>
+              </a:defRPr>
+            </a:lvl3pPr>
+            <a:lvl4pPr marL="1600200" indent="-228600" algn="l" defTabSz="457200" rtl="0" eaLnBrk="1" latinLnBrk="0" hangingPunct="1">
+              <a:spcBef>
+                <a:spcPct val="20000"/>
+              </a:spcBef>
+              <a:buFont typeface="Arial"/>
+              <a:buChar char="–"/>
+              <a:defRPr sz="2000" kern="1200">
+                <a:solidFill>
+                  <a:schemeClr val="tx1"/>
+                </a:solidFill>
+                <a:latin typeface="+mn-lt"/>
+                <a:ea typeface="+mn-ea"/>
+                <a:cs typeface="+mn-cs"/>
+              </a:defRPr>
+            </a:lvl4pPr>
+            <a:lvl5pPr marL="2057400" indent="-228600" algn="l" defTabSz="457200" rtl="0" eaLnBrk="1" latinLnBrk="0" hangingPunct="1">
+              <a:spcBef>
+                <a:spcPct val="20000"/>
+              </a:spcBef>
+              <a:buFont typeface="Arial"/>
+              <a:buChar char="»"/>
+              <a:defRPr sz="2000" kern="1200">
+                <a:solidFill>
+                  <a:schemeClr val="tx1"/>
+                </a:solidFill>
+                <a:latin typeface="+mn-lt"/>
+                <a:ea typeface="+mn-ea"/>
+                <a:cs typeface="+mn-cs"/>
+              </a:defRPr>
+            </a:lvl5pPr>
+            <a:lvl6pPr marL="2514600" indent="-228600" algn="l" defTabSz="457200" rtl="0" eaLnBrk="1" latinLnBrk="0" hangingPunct="1">
+              <a:spcBef>
+                <a:spcPct val="20000"/>
+              </a:spcBef>
+              <a:buFont typeface="Arial"/>
+              <a:buChar char="•"/>
+              <a:defRPr sz="2000" kern="1200">
+                <a:solidFill>
+                  <a:schemeClr val="tx1"/>
+                </a:solidFill>
+                <a:latin typeface="+mn-lt"/>
+                <a:ea typeface="+mn-ea"/>
+                <a:cs typeface="+mn-cs"/>
+              </a:defRPr>
+            </a:lvl6pPr>
+            <a:lvl7pPr marL="2971800" indent="-228600" algn="l" defTabSz="457200" rtl="0" eaLnBrk="1" latinLnBrk="0" hangingPunct="1">
+              <a:spcBef>
+                <a:spcPct val="20000"/>
+              </a:spcBef>
+              <a:buFont typeface="Arial"/>
+              <a:buChar char="•"/>
+              <a:defRPr sz="2000" kern="1200">
+                <a:solidFill>
+                  <a:schemeClr val="tx1"/>
+                </a:solidFill>
+                <a:latin typeface="+mn-lt"/>
+                <a:ea typeface="+mn-ea"/>
+                <a:cs typeface="+mn-cs"/>
+              </a:defRPr>
+            </a:lvl7pPr>
+            <a:lvl8pPr marL="3429000" indent="-228600" algn="l" defTabSz="457200" rtl="0" eaLnBrk="1" latinLnBrk="0" hangingPunct="1">
+              <a:spcBef>
+                <a:spcPct val="20000"/>
+              </a:spcBef>
+              <a:buFont typeface="Arial"/>
+              <a:buChar char="•"/>
+              <a:defRPr sz="2000" kern="1200">
+                <a:solidFill>
+                  <a:schemeClr val="tx1"/>
+                </a:solidFill>
+                <a:latin typeface="+mn-lt"/>
+                <a:ea typeface="+mn-ea"/>
+                <a:cs typeface="+mn-cs"/>
+              </a:defRPr>
+            </a:lvl8pPr>
+            <a:lvl9pPr marL="3886200" indent="-228600" algn="l" defTabSz="457200" rtl="0" eaLnBrk="1" latinLnBrk="0" hangingPunct="1">
+              <a:spcBef>
+                <a:spcPct val="20000"/>
+              </a:spcBef>
+              <a:buFont typeface="Arial"/>
+              <a:buChar char="•"/>
+              <a:defRPr sz="2000" kern="1200">
+                <a:solidFill>
+                  <a:schemeClr val="tx1"/>
+                </a:solidFill>
+                <a:latin typeface="+mn-lt"/>
+                <a:ea typeface="+mn-ea"/>
+                <a:cs typeface="+mn-cs"/>
+              </a:defRPr>
+            </a:lvl9pPr>
+          </a:lstStyle>
+          <a:p>
+            <a:pPr>
+              <a:lnSpc>
+                <a:spcPct val="90000"/>
+              </a:lnSpc>
+            </a:pPr>
+            <a:r>
+              <a:rPr lang="en-US" sz="2400" dirty="0" smtClean="0"/>
+              <a:t>Most threads run in variable priority levels</a:t>
+            </a:r>
+          </a:p>
+          <a:p>
+            <a:pPr lvl="1">
+              <a:lnSpc>
+                <a:spcPct val="90000"/>
+              </a:lnSpc>
+            </a:pPr>
+            <a:r>
+              <a:rPr lang="en-US" sz="2000" dirty="0" smtClean="0"/>
+              <a:t>Priorities 1-15; </a:t>
+            </a:r>
+          </a:p>
+          <a:p>
+            <a:pPr lvl="1">
+              <a:lnSpc>
+                <a:spcPct val="90000"/>
+              </a:lnSpc>
+            </a:pPr>
+            <a:r>
+              <a:rPr lang="en-US" sz="2000" dirty="0" smtClean="0"/>
+              <a:t>Threads that complete I/O operations experience priority boosts (but never higher than 15)</a:t>
+            </a:r>
+          </a:p>
+          <a:p>
+            <a:pPr lvl="1">
+              <a:lnSpc>
+                <a:spcPct val="90000"/>
+              </a:lnSpc>
+            </a:pPr>
+            <a:r>
+              <a:rPr lang="en-US" sz="2000" dirty="0" smtClean="0"/>
+              <a:t>A thread’s priority will never be below base priority</a:t>
+            </a:r>
+          </a:p>
+          <a:p>
+            <a:r>
+              <a:rPr lang="en-US" sz="2400" b="1" dirty="0" err="1" smtClean="0"/>
+              <a:t>SetThreadPriority</a:t>
+            </a:r>
+            <a:r>
+              <a:rPr lang="en-US" sz="2400" dirty="0" smtClean="0"/>
+              <a:t>()</a:t>
+            </a:r>
+          </a:p>
+          <a:p>
+            <a:pPr lvl="1"/>
+            <a:r>
+              <a:rPr lang="en-US" sz="2000" dirty="0" smtClean="0"/>
+              <a:t>Has MACROS to set priority level within each priority class</a:t>
+            </a:r>
+          </a:p>
+          <a:p>
+            <a:pPr lvl="1"/>
+            <a:r>
+              <a:rPr lang="en-US" sz="2000" dirty="0" smtClean="0"/>
+              <a:t>Windows will dynamically adjust priorities for non-</a:t>
+            </a:r>
+            <a:r>
+              <a:rPr lang="en-US" sz="2000" dirty="0" err="1" smtClean="0"/>
+              <a:t>realtime</a:t>
+            </a:r>
+            <a:r>
+              <a:rPr lang="en-US" sz="2000" dirty="0" smtClean="0"/>
+              <a:t> threads</a:t>
+            </a:r>
+            <a:endParaRPr lang="en-US" sz="1800" dirty="0"/>
+          </a:p>
+        </p:txBody>
+      </p:sp>
+    </p:spTree>
+    <p:extLst>
+      <p:ext uri="{BB962C8B-B14F-4D97-AF65-F5344CB8AC3E}">
+        <p14:creationId xmlns:p14="http://schemas.microsoft.com/office/powerpoint/2010/main" val="728758694"/>
+      </p:ext>
+    </p:extLst>
+  </p:cSld>
+  <p:clrMapOvr>
+    <a:masterClrMapping/>
+  </p:clrMapOvr>
+  <mc:AlternateContent xmlns:mc="http://schemas.openxmlformats.org/markup-compatibility/2006" xmlns:p14="http://schemas.microsoft.com/office/powerpoint/2010/main">
+    <mc:Choice Requires="p14">
+      <p:transition spd="slow" p14:dur="2000"/>
+    </mc:Choice>
+    <mc:Fallback xmlns="">
+      <p:transition xmlns:p14="http://schemas.microsoft.com/office/powerpoint/2010/main" spd="slow"/>
+    </mc:Fallback>
+  </mc:AlternateContent>
+  <p:timing>
+    <p:tnLst>
+      <p:par>
+        <p:cTn xmlns:p14="http://schemas.microsoft.com/office/powerpoint/2010/main" id="1" dur="indefinite" restart="never" nodeType="tmRoot"/>
+      </p:par>
+    </p:tnLst>
+  </p:timing>
+</p:sld>
+</file>
+
+<file path=ppt/slides/slide16.xml><?xml version="1.0" encoding="utf-8"?>
+<p:sld xmlns:a="http://schemas.openxmlformats.org/drawingml/2006/main" xmlns:r="http://schemas.openxmlformats.org/officeDocument/2006/relationships" xmlns:p="http://schemas.openxmlformats.org/presentationml/2006/main">
+  <p:cSld>
+    <p:spTree>
+      <p:nvGrpSpPr>
+        <p:cNvPr id="1" name=""/>
+        <p:cNvGrpSpPr/>
+        <p:nvPr/>
+      </p:nvGrpSpPr>
+      <p:grpSpPr>
+        <a:xfrm>
+          <a:off x="0" y="0"/>
+          <a:ext cx="0" cy="0"/>
+          <a:chOff x="0" y="0"/>
+          <a:chExt cx="0" cy="0"/>
+        </a:xfrm>
+      </p:grpSpPr>
+      <p:sp>
+        <p:nvSpPr>
+          <p:cNvPr id="20" name="Slide Number Placeholder 4"/>
+          <p:cNvSpPr>
+            <a:spLocks noGrp="1"/>
+          </p:cNvSpPr>
+          <p:nvPr>
+            <p:ph type="sldNum" sz="quarter" idx="11"/>
+          </p:nvPr>
+        </p:nvSpPr>
+        <p:spPr/>
+        <p:txBody>
+          <a:bodyPr/>
+          <a:lstStyle/>
+          <a:p>
+            <a:fld id="{9C9B1318-2050-E645-8AA4-FBE213CE0DC6}" type="slidenum">
+              <a:rPr lang="en-GB"/>
+              <a:pPr/>
+              <a:t>16</a:t>
+            </a:fld>
+            <a:endParaRPr lang="en-GB"/>
+          </a:p>
+        </p:txBody>
+      </p:sp>
+      <p:sp>
+        <p:nvSpPr>
+          <p:cNvPr id="405506" name="Rectangle 2"/>
+          <p:cNvSpPr>
+            <a:spLocks noGrp="1" noChangeArrowheads="1"/>
+          </p:cNvSpPr>
+          <p:nvPr>
+            <p:ph type="title"/>
+          </p:nvPr>
+        </p:nvSpPr>
+        <p:spPr>
+          <a:xfrm>
+            <a:off x="457200" y="220663"/>
+            <a:ext cx="8229600" cy="714375"/>
+          </a:xfrm>
+        </p:spPr>
+        <p:txBody>
+          <a:bodyPr>
+            <a:normAutofit fontScale="90000"/>
+          </a:bodyPr>
+          <a:lstStyle/>
+          <a:p>
+            <a:r>
+              <a:rPr lang="en-US"/>
+              <a:t>Scheduling Timeslices</a:t>
+            </a:r>
+          </a:p>
+        </p:txBody>
+      </p:sp>
+      <p:sp>
+        <p:nvSpPr>
+          <p:cNvPr id="405507" name="Rectangle 3"/>
+          <p:cNvSpPr>
+            <a:spLocks noGrp="1" noChangeArrowheads="1"/>
+          </p:cNvSpPr>
+          <p:nvPr>
+            <p:ph type="body" idx="1"/>
+          </p:nvPr>
+        </p:nvSpPr>
+        <p:spPr>
+          <a:xfrm>
+            <a:off x="457200" y="981075"/>
+            <a:ext cx="4095750" cy="5459413"/>
+          </a:xfrm>
+          <a:noFill/>
+          <a:ln/>
+        </p:spPr>
+        <p:txBody>
+          <a:bodyPr/>
+          <a:lstStyle/>
+          <a:p>
+            <a:pPr>
+              <a:buFontTx/>
+              <a:buNone/>
+            </a:pPr>
+            <a:r>
+              <a:rPr lang="en-US" sz="2400" dirty="0">
+                <a:solidFill>
+                  <a:srgbClr val="FF9933"/>
+                </a:solidFill>
+              </a:rPr>
+              <a:t>Windows</a:t>
+            </a:r>
+          </a:p>
+          <a:p>
+            <a:r>
+              <a:rPr lang="en-US" sz="2400" dirty="0"/>
+              <a:t>The thread </a:t>
+            </a:r>
+            <a:r>
+              <a:rPr lang="en-US" sz="2400" dirty="0" err="1"/>
+              <a:t>timeslice</a:t>
+            </a:r>
+            <a:r>
+              <a:rPr lang="en-US" sz="2400" dirty="0"/>
+              <a:t> (quantum) is 10ms-120ms</a:t>
+            </a:r>
+          </a:p>
+          <a:p>
+            <a:pPr lvl="1"/>
+            <a:r>
+              <a:rPr lang="en-US" sz="2000" dirty="0"/>
+              <a:t>When quanta can vary, has one of 2 values</a:t>
+            </a:r>
+          </a:p>
+          <a:p>
+            <a:r>
+              <a:rPr lang="en-US" sz="2400" dirty="0"/>
+              <a:t>Reentrant and </a:t>
+            </a:r>
+            <a:r>
+              <a:rPr lang="en-US" sz="2400" dirty="0" err="1"/>
+              <a:t>preemptible</a:t>
+            </a:r>
+            <a:r>
+              <a:rPr lang="en-US" sz="2400" dirty="0"/>
+              <a:t>  </a:t>
+            </a:r>
+          </a:p>
+        </p:txBody>
+      </p:sp>
+      <p:grpSp>
+        <p:nvGrpSpPr>
+          <p:cNvPr id="405508" name="Group 4"/>
+          <p:cNvGrpSpPr>
+            <a:grpSpLocks/>
+          </p:cNvGrpSpPr>
+          <p:nvPr/>
+        </p:nvGrpSpPr>
+        <p:grpSpPr bwMode="auto">
+          <a:xfrm>
+            <a:off x="457200" y="4800600"/>
+            <a:ext cx="4267200" cy="1673225"/>
+            <a:chOff x="288" y="3024"/>
+            <a:chExt cx="2688" cy="1054"/>
+          </a:xfrm>
+        </p:grpSpPr>
+        <p:sp>
+          <p:nvSpPr>
+            <p:cNvPr id="405509" name="Rectangle 5"/>
+            <p:cNvSpPr>
+              <a:spLocks noChangeArrowheads="1"/>
+            </p:cNvSpPr>
+            <p:nvPr/>
+          </p:nvSpPr>
+          <p:spPr bwMode="auto">
+            <a:xfrm>
+              <a:off x="576" y="3024"/>
+              <a:ext cx="2064" cy="237"/>
+            </a:xfrm>
+            <a:prstGeom prst="rect">
+              <a:avLst/>
+            </a:prstGeom>
+            <a:gradFill rotWithShape="1">
+              <a:gsLst>
+                <a:gs pos="0">
+                  <a:schemeClr val="bg1"/>
+                </a:gs>
+                <a:gs pos="100000">
+                  <a:schemeClr val="accent1"/>
+                </a:gs>
+              </a:gsLst>
+              <a:lin ang="5400000" scaled="1"/>
+            </a:gradFill>
+            <a:ln w="9525">
+              <a:solidFill>
+                <a:schemeClr val="tx1"/>
+              </a:solidFill>
+              <a:miter lim="800000"/>
+              <a:headEnd/>
+              <a:tailEnd type="none" w="lg" len="med"/>
+            </a:ln>
+            <a:effectLst/>
+            <a:extLst>
+              <a:ext uri="{AF507438-7753-43e0-B8FC-AC1667EBCBE1}">
+                <a14:hiddenEffects xmlns:a14="http://schemas.microsoft.com/office/drawing/2010/main">
+                  <a:effectLst>
+                    <a:outerShdw blurRad="63500" dist="38099" dir="2700000" algn="ctr" rotWithShape="0">
+                      <a:schemeClr val="bg2">
+                        <a:alpha val="74998"/>
+                      </a:schemeClr>
+                    </a:outerShdw>
+                  </a:effectLst>
+                </a14:hiddenEffects>
+              </a:ext>
+            </a:extLst>
+          </p:spPr>
+          <p:txBody>
+            <a:bodyPr anchor="ctr">
+              <a:spAutoFit/>
+            </a:bodyPr>
+            <a:lstStyle/>
+            <a:p>
+              <a:pPr algn="ctr"/>
+              <a:r>
+                <a:rPr lang="en-US" sz="1800"/>
+                <a:t>Fixed: 120ms</a:t>
+              </a:r>
+            </a:p>
+          </p:txBody>
+        </p:sp>
+        <p:sp>
+          <p:nvSpPr>
+            <p:cNvPr id="405510" name="Rectangle 6"/>
+            <p:cNvSpPr>
+              <a:spLocks noChangeArrowheads="1"/>
+            </p:cNvSpPr>
+            <p:nvPr/>
+          </p:nvSpPr>
+          <p:spPr bwMode="auto">
+            <a:xfrm>
+              <a:off x="603" y="3457"/>
+              <a:ext cx="474" cy="237"/>
+            </a:xfrm>
+            <a:prstGeom prst="rect">
+              <a:avLst/>
+            </a:prstGeom>
+            <a:gradFill rotWithShape="1">
+              <a:gsLst>
+                <a:gs pos="0">
+                  <a:schemeClr val="bg1"/>
+                </a:gs>
+                <a:gs pos="100000">
+                  <a:schemeClr val="accent1"/>
+                </a:gs>
+              </a:gsLst>
+              <a:lin ang="5400000" scaled="1"/>
+            </a:gradFill>
+            <a:ln w="9525">
+              <a:solidFill>
+                <a:schemeClr val="tx1"/>
+              </a:solidFill>
+              <a:miter lim="800000"/>
+              <a:headEnd/>
+              <a:tailEnd type="none" w="lg" len="med"/>
+            </a:ln>
+            <a:effectLst/>
+            <a:extLst>
+              <a:ext uri="{AF507438-7753-43e0-B8FC-AC1667EBCBE1}">
+                <a14:hiddenEffects xmlns:a14="http://schemas.microsoft.com/office/drawing/2010/main">
+                  <a:effectLst>
+                    <a:outerShdw blurRad="63500" dist="38099" dir="2700000" algn="ctr" rotWithShape="0">
+                      <a:schemeClr val="bg2">
+                        <a:alpha val="74998"/>
+                      </a:schemeClr>
+                    </a:outerShdw>
+                  </a:effectLst>
+                </a14:hiddenEffects>
+              </a:ext>
+            </a:extLst>
+          </p:spPr>
+          <p:txBody>
+            <a:bodyPr wrap="none" anchor="ctr">
+              <a:spAutoFit/>
+            </a:bodyPr>
+            <a:lstStyle/>
+            <a:p>
+              <a:pPr algn="ctr"/>
+              <a:r>
+                <a:rPr lang="en-US" sz="1800"/>
+                <a:t>20ms</a:t>
+              </a:r>
+            </a:p>
+          </p:txBody>
+        </p:sp>
+        <p:sp>
+          <p:nvSpPr>
+            <p:cNvPr id="405511" name="Rectangle 7"/>
+            <p:cNvSpPr>
+              <a:spLocks noChangeArrowheads="1"/>
+            </p:cNvSpPr>
+            <p:nvPr/>
+          </p:nvSpPr>
+          <p:spPr bwMode="auto">
+            <a:xfrm>
+              <a:off x="576" y="3841"/>
+              <a:ext cx="1344" cy="237"/>
+            </a:xfrm>
+            <a:prstGeom prst="rect">
+              <a:avLst/>
+            </a:prstGeom>
+            <a:gradFill rotWithShape="1">
+              <a:gsLst>
+                <a:gs pos="0">
+                  <a:schemeClr val="bg1"/>
+                </a:gs>
+                <a:gs pos="100000">
+                  <a:schemeClr val="accent1"/>
+                </a:gs>
+              </a:gsLst>
+              <a:lin ang="5400000" scaled="1"/>
+            </a:gradFill>
+            <a:ln w="9525">
+              <a:solidFill>
+                <a:schemeClr val="tx1"/>
+              </a:solidFill>
+              <a:miter lim="800000"/>
+              <a:headEnd/>
+              <a:tailEnd type="none" w="lg" len="med"/>
+            </a:ln>
+            <a:effectLst/>
+            <a:extLst>
+              <a:ext uri="{AF507438-7753-43e0-B8FC-AC1667EBCBE1}">
+                <a14:hiddenEffects xmlns:a14="http://schemas.microsoft.com/office/drawing/2010/main">
+                  <a:effectLst>
+                    <a:outerShdw blurRad="63500" dist="38099" dir="2700000" algn="ctr" rotWithShape="0">
+                      <a:schemeClr val="bg2">
+                        <a:alpha val="74998"/>
+                      </a:schemeClr>
+                    </a:outerShdw>
+                  </a:effectLst>
+                </a14:hiddenEffects>
+              </a:ext>
+            </a:extLst>
+          </p:spPr>
+          <p:txBody>
+            <a:bodyPr anchor="ctr">
+              <a:spAutoFit/>
+            </a:bodyPr>
+            <a:lstStyle/>
+            <a:p>
+              <a:pPr algn="ctr"/>
+              <a:r>
+                <a:rPr lang="en-US" sz="1800"/>
+                <a:t>Foreground: 60ms</a:t>
+              </a:r>
+            </a:p>
+          </p:txBody>
+        </p:sp>
+        <p:sp>
+          <p:nvSpPr>
+            <p:cNvPr id="405512" name="Line 8"/>
+            <p:cNvSpPr>
+              <a:spLocks noChangeShapeType="1"/>
+            </p:cNvSpPr>
+            <p:nvPr/>
+          </p:nvSpPr>
+          <p:spPr bwMode="auto">
+            <a:xfrm>
+              <a:off x="288" y="3360"/>
+              <a:ext cx="2688" cy="0"/>
+            </a:xfrm>
+            <a:prstGeom prst="line">
+              <a:avLst/>
+            </a:prstGeom>
+            <a:noFill/>
+            <a:ln w="9525">
+              <a:solidFill>
+                <a:schemeClr val="tx1"/>
+              </a:solidFill>
+              <a:round/>
+              <a:headEnd/>
+              <a:tailEnd type="none" w="lg" len="med"/>
+            </a:ln>
+            <a:effectLst/>
+            <a:extLst>
+              <a:ext uri="{909E8E84-426E-40dd-AFC4-6F175D3DCCD1}">
+                <a14:hiddenFill xmlns:a14="http://schemas.microsoft.com/office/drawing/2010/main">
+                  <a:noFill/>
+                </a14:hiddenFill>
+              </a:ext>
+              <a:ext uri="{AF507438-7753-43e0-B8FC-AC1667EBCBE1}">
+                <a14:hiddenEffects xmlns:a14="http://schemas.microsoft.com/office/drawing/2010/main">
+                  <a:effectLst>
+                    <a:outerShdw blurRad="63500" dist="38099" dir="2700000" algn="ctr" rotWithShape="0">
+                      <a:schemeClr val="bg2">
+                        <a:alpha val="74998"/>
+                      </a:schemeClr>
+                    </a:outerShdw>
+                  </a:effectLst>
+                </a14:hiddenEffects>
+              </a:ext>
+            </a:extLst>
+          </p:spPr>
+          <p:txBody>
+            <a:bodyPr>
+              <a:spAutoFit/>
+            </a:bodyPr>
+            <a:lstStyle/>
+            <a:p>
+              <a:endParaRPr lang="en-US"/>
+            </a:p>
+          </p:txBody>
+        </p:sp>
+        <p:sp>
+          <p:nvSpPr>
+            <p:cNvPr id="405513" name="Text Box 9"/>
+            <p:cNvSpPr txBox="1">
+              <a:spLocks noChangeArrowheads="1"/>
+            </p:cNvSpPr>
+            <p:nvPr/>
+          </p:nvSpPr>
+          <p:spPr bwMode="auto">
+            <a:xfrm>
+              <a:off x="1152" y="3504"/>
+              <a:ext cx="885" cy="231"/>
+            </a:xfrm>
+            <a:prstGeom prst="rect">
+              <a:avLst/>
+            </a:prstGeom>
+            <a:noFill/>
+            <a:ln>
+              <a:noFill/>
+            </a:ln>
+            <a:effectLst/>
+            <a:extLst>
+              <a:ext uri="{909E8E84-426E-40dd-AFC4-6F175D3DCCD1}">
+                <a14:hiddenFill xmlns:a14="http://schemas.microsoft.com/office/drawing/2010/main">
+                  <a:gradFill rotWithShape="1">
+                    <a:gsLst>
+                      <a:gs pos="0">
+                        <a:schemeClr val="bg1"/>
+                      </a:gs>
+                      <a:gs pos="100000">
+                        <a:schemeClr val="accent1"/>
+                      </a:gs>
+                    </a:gsLst>
+                    <a:lin ang="5400000" scaled="1"/>
+                  </a:gradFill>
+                </a14:hiddenFill>
+              </a:ext>
+              <a:ext uri="{91240B29-F687-4f45-9708-019B960494DF}">
+                <a14:hiddenLine xmlns:a14="http://schemas.microsoft.com/office/drawing/2010/main" w="9525">
+                  <a:solidFill>
+                    <a:schemeClr val="tx1"/>
+                  </a:solidFill>
+                  <a:miter lim="800000"/>
+                  <a:headEnd/>
+                  <a:tailEnd type="none" w="lg" len="med"/>
+                </a14:hiddenLine>
+              </a:ext>
+              <a:ext uri="{AF507438-7753-43e0-B8FC-AC1667EBCBE1}">
+                <a14:hiddenEffects xmlns:a14="http://schemas.microsoft.com/office/drawing/2010/main">
+                  <a:effectLst>
+                    <a:outerShdw blurRad="63500" dist="38099" dir="2700000" algn="ctr" rotWithShape="0">
+                      <a:schemeClr val="bg2">
+                        <a:alpha val="74998"/>
+                      </a:schemeClr>
+                    </a:outerShdw>
+                  </a:effectLst>
+                </a14:hiddenEffects>
+              </a:ext>
+            </a:extLst>
+          </p:spPr>
+          <p:txBody>
+            <a:bodyPr wrap="none">
+              <a:spAutoFit/>
+            </a:bodyPr>
+            <a:lstStyle/>
+            <a:p>
+              <a:r>
+                <a:rPr lang="en-US" sz="1800"/>
+                <a:t>Background</a:t>
+              </a:r>
+            </a:p>
+          </p:txBody>
+        </p:sp>
+      </p:grpSp>
+      <p:grpSp>
+        <p:nvGrpSpPr>
+          <p:cNvPr id="405514" name="Group 10"/>
+          <p:cNvGrpSpPr>
+            <a:grpSpLocks/>
+          </p:cNvGrpSpPr>
+          <p:nvPr/>
+        </p:nvGrpSpPr>
+        <p:grpSpPr bwMode="auto">
+          <a:xfrm>
+            <a:off x="4664075" y="981075"/>
+            <a:ext cx="4175125" cy="5518150"/>
+            <a:chOff x="2938" y="618"/>
+            <a:chExt cx="2630" cy="3476"/>
+          </a:xfrm>
+        </p:grpSpPr>
+        <p:sp>
+          <p:nvSpPr>
+            <p:cNvPr id="405515" name="Rectangle 11"/>
+            <p:cNvSpPr>
+              <a:spLocks noChangeArrowheads="1"/>
+            </p:cNvSpPr>
+            <p:nvPr/>
+          </p:nvSpPr>
+          <p:spPr bwMode="auto">
+            <a:xfrm>
+              <a:off x="2988" y="618"/>
+              <a:ext cx="2580" cy="3476"/>
+            </a:xfrm>
+            <a:prstGeom prst="rect">
+              <a:avLst/>
+            </a:prstGeom>
+            <a:noFill/>
+            <a:ln>
+              <a:noFill/>
+            </a:ln>
+            <a:effectLst/>
+            <a:extLst>
+              <a:ext uri="{909E8E84-426E-40dd-AFC4-6F175D3DCCD1}">
+                <a14:hiddenFill xmlns:a14="http://schemas.microsoft.com/office/drawing/2010/main">
+                  <a:solidFill>
+                    <a:schemeClr val="accent1"/>
+                  </a:solidFill>
+                </a14:hiddenFill>
+              </a:ext>
+              <a:ext uri="{91240B29-F687-4f45-9708-019B960494DF}">
+                <a14:hiddenLine xmlns:a14="http://schemas.microsoft.com/office/drawing/2010/main" w="9525">
+                  <a:solidFill>
+                    <a:schemeClr val="tx1"/>
+                  </a:solidFill>
+                  <a:miter lim="800000"/>
+                  <a:headEnd/>
+                  <a:tailEnd/>
+                </a14:hiddenLine>
+              </a:ext>
+              <a:ext uri="{AF507438-7753-43e0-B8FC-AC1667EBCBE1}">
+                <a14:hiddenEffects xmlns:a14="http://schemas.microsoft.com/office/drawing/2010/main">
+                  <a:effectLst>
+                    <a:outerShdw blurRad="63500" dist="38099" dir="2700000" algn="ctr" rotWithShape="0">
+                      <a:schemeClr val="bg2">
+                        <a:alpha val="74998"/>
+                      </a:schemeClr>
+                    </a:outerShdw>
+                  </a:effectLst>
+                </a14:hiddenEffects>
+              </a:ext>
+            </a:extLst>
+          </p:spPr>
+          <p:txBody>
+            <a:bodyPr/>
+            <a:lstStyle/>
+            <a:p>
+              <a:pPr marL="357188" indent="-357188">
+                <a:lnSpc>
+                  <a:spcPct val="80000"/>
+                </a:lnSpc>
+                <a:spcBef>
+                  <a:spcPct val="20000"/>
+                </a:spcBef>
+                <a:spcAft>
+                  <a:spcPct val="20000"/>
+                </a:spcAft>
+                <a:buSzPct val="110000"/>
+              </a:pPr>
+              <a:r>
+                <a:rPr lang="en-US" sz="2400" dirty="0" smtClean="0">
+                  <a:solidFill>
+                    <a:srgbClr val="FF9933"/>
+                  </a:solidFill>
+                </a:rPr>
+                <a:t>Linux</a:t>
+              </a:r>
+              <a:endParaRPr lang="en-US" sz="2400" dirty="0">
+                <a:solidFill>
+                  <a:srgbClr val="FF9933"/>
+                </a:solidFill>
+                <a:effectLst>
+                  <a:outerShdw blurRad="38100" dist="38100" dir="2700000" algn="tl">
+                    <a:srgbClr val="000000"/>
+                  </a:outerShdw>
+                </a:effectLst>
+              </a:endParaRPr>
+            </a:p>
+            <a:p>
+              <a:pPr marL="357188" indent="-357188">
+                <a:spcBef>
+                  <a:spcPct val="20000"/>
+                </a:spcBef>
+                <a:spcAft>
+                  <a:spcPct val="20000"/>
+                </a:spcAft>
+                <a:buSzPct val="110000"/>
+                <a:buFont typeface="Arial"/>
+                <a:buChar char="•"/>
+              </a:pPr>
+              <a:r>
+                <a:rPr lang="en-US" sz="2400" dirty="0"/>
+                <a:t>The thread quantum is 10ms-</a:t>
+              </a:r>
+              <a:r>
+                <a:rPr lang="en-US" sz="2400" dirty="0" smtClean="0"/>
+                <a:t>200ms</a:t>
+              </a:r>
+            </a:p>
+            <a:p>
+              <a:pPr marL="742950" lvl="1" indent="-285750">
+                <a:spcBef>
+                  <a:spcPct val="20000"/>
+                </a:spcBef>
+                <a:spcAft>
+                  <a:spcPct val="20000"/>
+                </a:spcAft>
+                <a:buSzPct val="110000"/>
+                <a:buFont typeface="Arial"/>
+                <a:buChar char="–"/>
+              </a:pPr>
+              <a:r>
+                <a:rPr lang="en-US" sz="2000" dirty="0"/>
+                <a:t>Default </a:t>
+              </a:r>
+              <a:r>
+                <a:rPr lang="en-US" sz="2000" dirty="0"/>
+                <a:t>is 100ms</a:t>
+              </a:r>
+            </a:p>
+            <a:p>
+              <a:pPr marL="742950" lvl="1" indent="-285750">
+                <a:spcBef>
+                  <a:spcPct val="20000"/>
+                </a:spcBef>
+                <a:spcAft>
+                  <a:spcPct val="20000"/>
+                </a:spcAft>
+                <a:buSzPct val="110000"/>
+                <a:buFont typeface="Arial"/>
+                <a:buChar char="–"/>
+              </a:pPr>
+              <a:r>
+                <a:rPr lang="en-US" sz="2000" dirty="0"/>
+                <a:t>Varies across entire range based on priority, which is based on interactivity level</a:t>
+              </a:r>
+            </a:p>
+            <a:p>
+              <a:pPr marL="357188" indent="-357188">
+                <a:lnSpc>
+                  <a:spcPct val="80000"/>
+                </a:lnSpc>
+                <a:spcBef>
+                  <a:spcPct val="20000"/>
+                </a:spcBef>
+                <a:spcAft>
+                  <a:spcPct val="20000"/>
+                </a:spcAft>
+                <a:buSzPct val="110000"/>
+                <a:buFont typeface="Arial"/>
+                <a:buChar char="•"/>
+              </a:pPr>
+              <a:r>
+                <a:rPr lang="en-US" sz="2400" dirty="0"/>
+                <a:t>Reentrant and </a:t>
+              </a:r>
+              <a:r>
+                <a:rPr lang="en-US" sz="2400" dirty="0" err="1"/>
+                <a:t>preemptible</a:t>
+              </a:r>
+              <a:r>
+                <a:rPr lang="en-US" sz="2400" dirty="0"/>
+                <a:t> </a:t>
+              </a:r>
+            </a:p>
+          </p:txBody>
+        </p:sp>
+        <p:grpSp>
+          <p:nvGrpSpPr>
+            <p:cNvPr id="405516" name="Group 12"/>
+            <p:cNvGrpSpPr>
+              <a:grpSpLocks/>
+            </p:cNvGrpSpPr>
+            <p:nvPr/>
+          </p:nvGrpSpPr>
+          <p:grpSpPr bwMode="auto">
+            <a:xfrm>
+              <a:off x="2938" y="3456"/>
+              <a:ext cx="2602" cy="550"/>
+              <a:chOff x="2938" y="3456"/>
+              <a:chExt cx="2602" cy="550"/>
+            </a:xfrm>
+          </p:grpSpPr>
+          <p:sp>
+            <p:nvSpPr>
+              <p:cNvPr id="405517" name="Rectangle 13"/>
+              <p:cNvSpPr>
+                <a:spLocks noChangeArrowheads="1"/>
+              </p:cNvSpPr>
+              <p:nvPr/>
+            </p:nvSpPr>
+            <p:spPr bwMode="auto">
+              <a:xfrm>
+                <a:off x="3130" y="3769"/>
+                <a:ext cx="1200" cy="237"/>
+              </a:xfrm>
+              <a:prstGeom prst="rect">
+                <a:avLst/>
+              </a:prstGeom>
+              <a:gradFill rotWithShape="1">
+                <a:gsLst>
+                  <a:gs pos="0">
+                    <a:schemeClr val="bg1"/>
+                  </a:gs>
+                  <a:gs pos="100000">
+                    <a:schemeClr val="accent1"/>
+                  </a:gs>
+                </a:gsLst>
+                <a:lin ang="5400000" scaled="1"/>
+              </a:gradFill>
+              <a:ln w="9525">
+                <a:solidFill>
+                  <a:schemeClr val="tx1"/>
+                </a:solidFill>
+                <a:miter lim="800000"/>
+                <a:headEnd/>
+                <a:tailEnd type="none" w="lg" len="med"/>
+              </a:ln>
+              <a:effectLst/>
+              <a:extLst>
+                <a:ext uri="{AF507438-7753-43e0-B8FC-AC1667EBCBE1}">
+                  <a14:hiddenEffects xmlns:a14="http://schemas.microsoft.com/office/drawing/2010/main">
+                    <a:effectLst>
+                      <a:outerShdw blurRad="63500" dist="38099" dir="2700000" algn="ctr" rotWithShape="0">
+                        <a:schemeClr val="bg2">
+                          <a:alpha val="74998"/>
+                        </a:schemeClr>
+                      </a:outerShdw>
+                    </a:effectLst>
+                  </a14:hiddenEffects>
+                </a:ext>
+              </a:extLst>
+            </p:spPr>
+            <p:txBody>
+              <a:bodyPr anchor="ctr">
+                <a:spAutoFit/>
+              </a:bodyPr>
+              <a:lstStyle/>
+              <a:p>
+                <a:pPr algn="ctr"/>
+                <a:r>
+                  <a:rPr lang="en-US" sz="1800"/>
+                  <a:t>100ms</a:t>
+                </a:r>
+              </a:p>
+            </p:txBody>
+          </p:sp>
+          <p:sp>
+            <p:nvSpPr>
+              <p:cNvPr id="405518" name="Line 14"/>
+              <p:cNvSpPr>
+                <a:spLocks noChangeShapeType="1"/>
+              </p:cNvSpPr>
+              <p:nvPr/>
+            </p:nvSpPr>
+            <p:spPr bwMode="auto">
+              <a:xfrm flipH="1">
+                <a:off x="3466" y="3625"/>
+                <a:ext cx="1152" cy="0"/>
+              </a:xfrm>
+              <a:prstGeom prst="line">
+                <a:avLst/>
+              </a:prstGeom>
+              <a:noFill/>
+              <a:ln w="9525">
+                <a:solidFill>
+                  <a:schemeClr val="tx1"/>
+                </a:solidFill>
+                <a:round/>
+                <a:headEnd/>
+                <a:tailEnd type="triangle" w="lg" len="med"/>
+              </a:ln>
+              <a:effectLst/>
+              <a:extLst>
+                <a:ext uri="{909E8E84-426E-40dd-AFC4-6F175D3DCCD1}">
+                  <a14:hiddenFill xmlns:a14="http://schemas.microsoft.com/office/drawing/2010/main">
+                    <a:noFill/>
+                  </a14:hiddenFill>
+                </a:ext>
+                <a:ext uri="{AF507438-7753-43e0-B8FC-AC1667EBCBE1}">
+                  <a14:hiddenEffects xmlns:a14="http://schemas.microsoft.com/office/drawing/2010/main">
+                    <a:effectLst>
+                      <a:outerShdw blurRad="63500" dist="38099" dir="2700000" algn="ctr" rotWithShape="0">
+                        <a:schemeClr val="bg2">
+                          <a:alpha val="74998"/>
+                        </a:schemeClr>
+                      </a:outerShdw>
+                    </a:effectLst>
+                  </a14:hiddenEffects>
+                </a:ext>
+              </a:extLst>
+            </p:spPr>
+            <p:txBody>
+              <a:bodyPr wrap="none">
+                <a:spAutoFit/>
+              </a:bodyPr>
+              <a:lstStyle/>
+              <a:p>
+                <a:endParaRPr lang="en-US"/>
+              </a:p>
+            </p:txBody>
+          </p:sp>
+          <p:sp>
+            <p:nvSpPr>
+              <p:cNvPr id="405519" name="Line 15"/>
+              <p:cNvSpPr>
+                <a:spLocks noChangeShapeType="1"/>
+              </p:cNvSpPr>
+              <p:nvPr/>
+            </p:nvSpPr>
+            <p:spPr bwMode="auto">
+              <a:xfrm>
+                <a:off x="3466" y="3529"/>
+                <a:ext cx="0" cy="192"/>
+              </a:xfrm>
+              <a:prstGeom prst="line">
+                <a:avLst/>
+              </a:prstGeom>
+              <a:noFill/>
+              <a:ln w="9525">
+                <a:solidFill>
+                  <a:schemeClr val="tx1"/>
+                </a:solidFill>
+                <a:round/>
+                <a:headEnd/>
+                <a:tailEnd type="none" w="lg" len="med"/>
+              </a:ln>
+              <a:effectLst/>
+              <a:extLst>
+                <a:ext uri="{909E8E84-426E-40dd-AFC4-6F175D3DCCD1}">
+                  <a14:hiddenFill xmlns:a14="http://schemas.microsoft.com/office/drawing/2010/main">
+                    <a:noFill/>
+                  </a14:hiddenFill>
+                </a:ext>
+                <a:ext uri="{AF507438-7753-43e0-B8FC-AC1667EBCBE1}">
+                  <a14:hiddenEffects xmlns:a14="http://schemas.microsoft.com/office/drawing/2010/main">
+                    <a:effectLst>
+                      <a:outerShdw blurRad="63500" dist="38099" dir="2700000" algn="ctr" rotWithShape="0">
+                        <a:schemeClr val="bg2">
+                          <a:alpha val="74998"/>
+                        </a:schemeClr>
+                      </a:outerShdw>
+                    </a:effectLst>
+                  </a14:hiddenEffects>
+                </a:ext>
+              </a:extLst>
+            </p:spPr>
+            <p:txBody>
+              <a:bodyPr wrap="none">
+                <a:spAutoFit/>
+              </a:bodyPr>
+              <a:lstStyle/>
+              <a:p>
+                <a:endParaRPr lang="en-US"/>
+              </a:p>
+            </p:txBody>
+          </p:sp>
+          <p:sp>
+            <p:nvSpPr>
+              <p:cNvPr id="405520" name="Line 16"/>
+              <p:cNvSpPr>
+                <a:spLocks noChangeShapeType="1"/>
+              </p:cNvSpPr>
+              <p:nvPr/>
+            </p:nvSpPr>
+            <p:spPr bwMode="auto">
+              <a:xfrm>
+                <a:off x="4618" y="3625"/>
+                <a:ext cx="336" cy="0"/>
+              </a:xfrm>
+              <a:prstGeom prst="line">
+                <a:avLst/>
+              </a:prstGeom>
+              <a:noFill/>
+              <a:ln w="9525">
+                <a:solidFill>
+                  <a:schemeClr val="tx1"/>
+                </a:solidFill>
+                <a:round/>
+                <a:headEnd/>
+                <a:tailEnd type="triangle" w="lg" len="med"/>
+              </a:ln>
+              <a:effectLst/>
+              <a:extLst>
+                <a:ext uri="{909E8E84-426E-40dd-AFC4-6F175D3DCCD1}">
+                  <a14:hiddenFill xmlns:a14="http://schemas.microsoft.com/office/drawing/2010/main">
+                    <a:noFill/>
+                  </a14:hiddenFill>
+                </a:ext>
+                <a:ext uri="{AF507438-7753-43e0-B8FC-AC1667EBCBE1}">
+                  <a14:hiddenEffects xmlns:a14="http://schemas.microsoft.com/office/drawing/2010/main">
+                    <a:effectLst>
+                      <a:outerShdw blurRad="63500" dist="38099" dir="2700000" algn="ctr" rotWithShape="0">
+                        <a:schemeClr val="bg2">
+                          <a:alpha val="74998"/>
+                        </a:schemeClr>
+                      </a:outerShdw>
+                    </a:effectLst>
+                  </a14:hiddenEffects>
+                </a:ext>
+              </a:extLst>
+            </p:spPr>
+            <p:txBody>
+              <a:bodyPr wrap="none">
+                <a:spAutoFit/>
+              </a:bodyPr>
+              <a:lstStyle/>
+              <a:p>
+                <a:endParaRPr lang="en-US"/>
+              </a:p>
+            </p:txBody>
+          </p:sp>
+          <p:sp>
+            <p:nvSpPr>
+              <p:cNvPr id="405521" name="Line 17"/>
+              <p:cNvSpPr>
+                <a:spLocks noChangeShapeType="1"/>
+              </p:cNvSpPr>
+              <p:nvPr/>
+            </p:nvSpPr>
+            <p:spPr bwMode="auto">
+              <a:xfrm>
+                <a:off x="4954" y="3481"/>
+                <a:ext cx="0" cy="240"/>
+              </a:xfrm>
+              <a:prstGeom prst="line">
+                <a:avLst/>
+              </a:prstGeom>
+              <a:noFill/>
+              <a:ln w="9525">
+                <a:solidFill>
+                  <a:schemeClr val="tx1"/>
+                </a:solidFill>
+                <a:round/>
+                <a:headEnd/>
+                <a:tailEnd type="none" w="lg" len="med"/>
+              </a:ln>
+              <a:effectLst/>
+              <a:extLst>
+                <a:ext uri="{909E8E84-426E-40dd-AFC4-6F175D3DCCD1}">
+                  <a14:hiddenFill xmlns:a14="http://schemas.microsoft.com/office/drawing/2010/main">
+                    <a:noFill/>
+                  </a14:hiddenFill>
+                </a:ext>
+                <a:ext uri="{AF507438-7753-43e0-B8FC-AC1667EBCBE1}">
+                  <a14:hiddenEffects xmlns:a14="http://schemas.microsoft.com/office/drawing/2010/main">
+                    <a:effectLst>
+                      <a:outerShdw blurRad="63500" dist="38099" dir="2700000" algn="ctr" rotWithShape="0">
+                        <a:schemeClr val="bg2">
+                          <a:alpha val="74998"/>
+                        </a:schemeClr>
+                      </a:outerShdw>
+                    </a:effectLst>
+                  </a14:hiddenEffects>
+                </a:ext>
+              </a:extLst>
+            </p:spPr>
+            <p:txBody>
+              <a:bodyPr>
+                <a:spAutoFit/>
+              </a:bodyPr>
+              <a:lstStyle/>
+              <a:p>
+                <a:endParaRPr lang="en-US"/>
+              </a:p>
+            </p:txBody>
+          </p:sp>
+          <p:sp>
+            <p:nvSpPr>
+              <p:cNvPr id="405522" name="Text Box 18"/>
+              <p:cNvSpPr txBox="1">
+                <a:spLocks noChangeArrowheads="1"/>
+              </p:cNvSpPr>
+              <p:nvPr/>
+            </p:nvSpPr>
+            <p:spPr bwMode="auto">
+              <a:xfrm>
+                <a:off x="4992" y="3456"/>
+                <a:ext cx="548" cy="231"/>
+              </a:xfrm>
+              <a:prstGeom prst="rect">
+                <a:avLst/>
+              </a:prstGeom>
+              <a:noFill/>
+              <a:ln>
+                <a:noFill/>
+              </a:ln>
+              <a:effectLst/>
+              <a:extLst>
+                <a:ext uri="{909E8E84-426E-40dd-AFC4-6F175D3DCCD1}">
+                  <a14:hiddenFill xmlns:a14="http://schemas.microsoft.com/office/drawing/2010/main">
+                    <a:gradFill rotWithShape="1">
+                      <a:gsLst>
+                        <a:gs pos="0">
+                          <a:schemeClr val="bg1"/>
+                        </a:gs>
+                        <a:gs pos="100000">
+                          <a:schemeClr val="accent1"/>
+                        </a:gs>
+                      </a:gsLst>
+                      <a:lin ang="5400000" scaled="1"/>
+                    </a:gradFill>
+                  </a14:hiddenFill>
+                </a:ext>
+                <a:ext uri="{91240B29-F687-4f45-9708-019B960494DF}">
+                  <a14:hiddenLine xmlns:a14="http://schemas.microsoft.com/office/drawing/2010/main" w="9525">
+                    <a:solidFill>
+                      <a:schemeClr val="tx1"/>
+                    </a:solidFill>
+                    <a:miter lim="800000"/>
+                    <a:headEnd/>
+                    <a:tailEnd type="none" w="lg" len="med"/>
+                  </a14:hiddenLine>
+                </a:ext>
+                <a:ext uri="{AF507438-7753-43e0-B8FC-AC1667EBCBE1}">
+                  <a14:hiddenEffects xmlns:a14="http://schemas.microsoft.com/office/drawing/2010/main">
+                    <a:effectLst>
+                      <a:outerShdw blurRad="63500" dist="38099" dir="2700000" algn="ctr" rotWithShape="0">
+                        <a:schemeClr val="bg2">
+                          <a:alpha val="74998"/>
+                        </a:schemeClr>
+                      </a:outerShdw>
+                    </a:effectLst>
+                  </a14:hiddenEffects>
+                </a:ext>
+              </a:extLst>
+            </p:spPr>
+            <p:txBody>
+              <a:bodyPr wrap="none">
+                <a:spAutoFit/>
+              </a:bodyPr>
+              <a:lstStyle/>
+              <a:p>
+                <a:r>
+                  <a:rPr lang="en-US" sz="1800"/>
+                  <a:t>200ms</a:t>
+                </a:r>
+              </a:p>
+            </p:txBody>
+          </p:sp>
+          <p:sp>
+            <p:nvSpPr>
+              <p:cNvPr id="405523" name="Text Box 19"/>
+              <p:cNvSpPr txBox="1">
+                <a:spLocks noChangeArrowheads="1"/>
+              </p:cNvSpPr>
+              <p:nvPr/>
+            </p:nvSpPr>
+            <p:spPr bwMode="auto">
+              <a:xfrm>
+                <a:off x="2938" y="3481"/>
+                <a:ext cx="468" cy="231"/>
+              </a:xfrm>
+              <a:prstGeom prst="rect">
+                <a:avLst/>
+              </a:prstGeom>
+              <a:noFill/>
+              <a:ln>
+                <a:noFill/>
+              </a:ln>
+              <a:effectLst/>
+              <a:extLst>
+                <a:ext uri="{909E8E84-426E-40dd-AFC4-6F175D3DCCD1}">
+                  <a14:hiddenFill xmlns:a14="http://schemas.microsoft.com/office/drawing/2010/main">
+                    <a:gradFill rotWithShape="1">
+                      <a:gsLst>
+                        <a:gs pos="0">
+                          <a:schemeClr val="bg1"/>
+                        </a:gs>
+                        <a:gs pos="100000">
+                          <a:schemeClr val="accent1"/>
+                        </a:gs>
+                      </a:gsLst>
+                      <a:lin ang="5400000" scaled="1"/>
+                    </a:gradFill>
+                  </a14:hiddenFill>
+                </a:ext>
+                <a:ext uri="{91240B29-F687-4f45-9708-019B960494DF}">
+                  <a14:hiddenLine xmlns:a14="http://schemas.microsoft.com/office/drawing/2010/main" w="9525">
+                    <a:solidFill>
+                      <a:schemeClr val="tx1"/>
+                    </a:solidFill>
+                    <a:miter lim="800000"/>
+                    <a:headEnd/>
+                    <a:tailEnd type="none" w="lg" len="med"/>
+                  </a14:hiddenLine>
+                </a:ext>
+                <a:ext uri="{AF507438-7753-43e0-B8FC-AC1667EBCBE1}">
+                  <a14:hiddenEffects xmlns:a14="http://schemas.microsoft.com/office/drawing/2010/main">
+                    <a:effectLst>
+                      <a:outerShdw blurRad="63500" dist="38099" dir="2700000" algn="ctr" rotWithShape="0">
+                        <a:schemeClr val="bg2">
+                          <a:alpha val="74998"/>
+                        </a:schemeClr>
+                      </a:outerShdw>
+                    </a:effectLst>
+                  </a14:hiddenEffects>
+                </a:ext>
+              </a:extLst>
+            </p:spPr>
+            <p:txBody>
+              <a:bodyPr wrap="none">
+                <a:spAutoFit/>
+              </a:bodyPr>
+              <a:lstStyle/>
+              <a:p>
+                <a:r>
+                  <a:rPr lang="en-US" sz="1800"/>
+                  <a:t>10ms</a:t>
+                </a:r>
+              </a:p>
+            </p:txBody>
+          </p:sp>
+        </p:grpSp>
+      </p:grpSp>
+    </p:spTree>
+    <p:extLst>
+      <p:ext uri="{BB962C8B-B14F-4D97-AF65-F5344CB8AC3E}">
+        <p14:creationId xmlns:p14="http://schemas.microsoft.com/office/powerpoint/2010/main" val="492986009"/>
+      </p:ext>
+    </p:extLst>
+  </p:cSld>
+  <p:clrMapOvr>
+    <a:masterClrMapping/>
+  </p:clrMapOvr>
+  <mc:AlternateContent xmlns:mc="http://schemas.openxmlformats.org/markup-compatibility/2006" xmlns:p14="http://schemas.microsoft.com/office/powerpoint/2010/main">
+    <mc:Choice Requires="p14">
+      <p:transition spd="slow" p14:dur="2000"/>
+    </mc:Choice>
+    <mc:Fallback xmlns="">
+      <p:transition xmlns:p14="http://schemas.microsoft.com/office/powerpoint/2010/main" spd="slow"/>
+    </mc:Fallback>
+  </mc:AlternateContent>
+  <p:timing>
+    <p:tnLst>
+      <p:par>
+        <p:cTn xmlns:p14="http://schemas.microsoft.com/office/powerpoint/2010/main" id="1" dur="indefinite" restart="never" nodeType="tmRoot">
+          <p:childTnLst>
+            <p:seq concurrent="1" nextAc="seek">
+              <p:cTn id="2" dur="indefinite" nodeType="mainSeq">
+                <p:childTnLst>
+                  <p:par>
+                    <p:cTn id="3" fill="hold" nodeType="clickPar">
+                      <p:stCondLst>
+                        <p:cond delay="indefinite"/>
+                      </p:stCondLst>
+                      <p:childTnLst>
+                        <p:par>
+                          <p:cTn id="4" fill="hold" nodeType="withGroup">
+                            <p:stCondLst>
+                              <p:cond delay="0"/>
+                            </p:stCondLst>
+                            <p:childTnLst>
+                              <p:par>
+                                <p:cTn id="5" presetID="2" presetClass="entr" presetSubtype="2" fill="hold" nodeType="clickEffect">
+                                  <p:stCondLst>
+                                    <p:cond delay="0"/>
+                                  </p:stCondLst>
+                                  <p:childTnLst>
+                                    <p:set>
+                                      <p:cBhvr>
+                                        <p:cTn id="6" dur="1" fill="hold">
+                                          <p:stCondLst>
+                                            <p:cond delay="0"/>
+                                          </p:stCondLst>
+                                        </p:cTn>
+                                        <p:tgtEl>
+                                          <p:spTgt spid="405514"/>
+                                        </p:tgtEl>
+                                        <p:attrNameLst>
+                                          <p:attrName>style.visibility</p:attrName>
+                                        </p:attrNameLst>
+                                      </p:cBhvr>
+                                      <p:to>
+                                        <p:strVal val="visible"/>
+                                      </p:to>
+                                    </p:set>
+                                    <p:anim calcmode="lin" valueType="num">
+                                      <p:cBhvr additive="base">
+                                        <p:cTn id="7" dur="500" fill="hold"/>
+                                        <p:tgtEl>
+                                          <p:spTgt spid="405514"/>
+                                        </p:tgtEl>
+                                        <p:attrNameLst>
+                                          <p:attrName>ppt_x</p:attrName>
+                                        </p:attrNameLst>
+                                      </p:cBhvr>
+                                      <p:tavLst>
+                                        <p:tav tm="0">
+                                          <p:val>
+                                            <p:strVal val="1+#ppt_w/2"/>
+                                          </p:val>
+                                        </p:tav>
+                                        <p:tav tm="100000">
+                                          <p:val>
+                                            <p:strVal val="#ppt_x"/>
+                                          </p:val>
+                                        </p:tav>
+                                      </p:tavLst>
+                                    </p:anim>
+                                    <p:anim calcmode="lin" valueType="num">
+                                      <p:cBhvr additive="base">
+                                        <p:cTn id="8" dur="500" fill="hold"/>
+                                        <p:tgtEl>
+                                          <p:spTgt spid="405514"/>
+                                        </p:tgtEl>
+                                        <p:attrNameLst>
+                                          <p:attrName>ppt_y</p:attrName>
+                                        </p:attrNameLst>
+                                      </p:cBhvr>
+                                      <p:tavLst>
+                                        <p:tav tm="0">
+                                          <p:val>
+                                            <p:strVal val="#ppt_y"/>
+                                          </p:val>
+                                        </p:tav>
+                                        <p:tav tm="100000">
+                                          <p:val>
+                                            <p:strVal val="#ppt_y"/>
+                                          </p:val>
+                                        </p:tav>
+                                      </p:tavLst>
+                                    </p:anim>
+                                  </p:childTnLst>
+                                </p:cTn>
+                              </p:par>
+                            </p:childTnLst>
+                          </p:cTn>
+                        </p:par>
+                      </p:childTnLst>
+                    </p:cTn>
+                  </p:par>
+                </p:childTnLst>
+              </p:cTn>
+              <p:prevCondLst>
+                <p:cond evt="onPrev" delay="0">
+                  <p:tgtEl>
+                    <p:sldTgt/>
+                  </p:tgtEl>
+                </p:cond>
+              </p:prevCondLst>
+              <p:nextCondLst>
+                <p:cond evt="onNext" delay="0">
+                  <p:tgtEl>
+                    <p:sldTgt/>
+                  </p:tgtEl>
+                </p:cond>
+              </p:nextCondLst>
+            </p:seq>
+          </p:childTnLst>
+        </p:cTn>
+      </p:par>
+    </p:tnLst>
+  </p:timing>
+</p:sld>
+</file>
+
+<file path=ppt/slides/slide17.xml><?xml version="1.0" encoding="utf-8"?>
+<p:sld xmlns:a="http://schemas.openxmlformats.org/drawingml/2006/main" xmlns:r="http://schemas.openxmlformats.org/officeDocument/2006/relationships" xmlns:p="http://schemas.openxmlformats.org/presentationml/2006/main">
+  <p:cSld>
+    <p:spTree>
+      <p:nvGrpSpPr>
+        <p:cNvPr id="1" name=""/>
+        <p:cNvGrpSpPr/>
+        <p:nvPr/>
+      </p:nvGrpSpPr>
+      <p:grpSpPr>
+        <a:xfrm>
+          <a:off x="0" y="0"/>
+          <a:ext cx="0" cy="0"/>
+          <a:chOff x="0" y="0"/>
+          <a:chExt cx="0" cy="0"/>
+        </a:xfrm>
+      </p:grpSpPr>
+      <p:sp>
+        <p:nvSpPr>
+          <p:cNvPr id="5" name="Slide Number Placeholder 4"/>
+          <p:cNvSpPr>
+            <a:spLocks noGrp="1"/>
+          </p:cNvSpPr>
+          <p:nvPr>
+            <p:ph type="sldNum" sz="quarter" idx="11"/>
+          </p:nvPr>
+        </p:nvSpPr>
+        <p:spPr/>
+        <p:txBody>
+          <a:bodyPr/>
+          <a:lstStyle/>
+          <a:p>
+            <a:fld id="{40C40BD7-E18B-5C4E-B1EA-FA08CBF24F05}" type="slidenum">
+              <a:rPr lang="en-GB"/>
+              <a:pPr/>
+              <a:t>17</a:t>
+            </a:fld>
+            <a:endParaRPr lang="en-GB"/>
+          </a:p>
+        </p:txBody>
+      </p:sp>
+      <p:sp>
+        <p:nvSpPr>
+          <p:cNvPr id="419842" name="Rectangle 2"/>
+          <p:cNvSpPr>
+            <a:spLocks noGrp="1" noChangeArrowheads="1"/>
+          </p:cNvSpPr>
+          <p:nvPr>
+            <p:ph type="title"/>
+          </p:nvPr>
+        </p:nvSpPr>
+        <p:spPr>
+          <a:xfrm>
+            <a:off x="457200" y="220663"/>
+            <a:ext cx="8229600" cy="714375"/>
+          </a:xfrm>
+        </p:spPr>
+        <p:txBody>
+          <a:bodyPr>
+            <a:normAutofit fontScale="90000"/>
+          </a:bodyPr>
+          <a:lstStyle/>
+          <a:p>
+            <a:r>
+              <a:rPr lang="en-US"/>
+              <a:t>Security</a:t>
+            </a:r>
+          </a:p>
+        </p:txBody>
+      </p:sp>
+      <p:sp>
+        <p:nvSpPr>
+          <p:cNvPr id="419843" name="Rectangle 3"/>
+          <p:cNvSpPr>
+            <a:spLocks noGrp="1" noChangeArrowheads="1"/>
+          </p:cNvSpPr>
+          <p:nvPr>
+            <p:ph type="body" idx="1"/>
+          </p:nvPr>
+        </p:nvSpPr>
+        <p:spPr>
+          <a:xfrm>
+            <a:off x="457200" y="981075"/>
+            <a:ext cx="4095750" cy="5459413"/>
+          </a:xfrm>
+          <a:noFill/>
+          <a:ln/>
+        </p:spPr>
+        <p:txBody>
+          <a:bodyPr/>
+          <a:lstStyle/>
+          <a:p>
+            <a:pPr>
+              <a:lnSpc>
+                <a:spcPct val="80000"/>
+              </a:lnSpc>
+              <a:buFontTx/>
+              <a:buNone/>
+            </a:pPr>
+            <a:r>
+              <a:rPr lang="en-US" sz="2000" dirty="0">
+                <a:solidFill>
+                  <a:srgbClr val="FF9933"/>
+                </a:solidFill>
+              </a:rPr>
+              <a:t>Windows</a:t>
+            </a:r>
+          </a:p>
+          <a:p>
+            <a:pPr>
+              <a:lnSpc>
+                <a:spcPct val="80000"/>
+              </a:lnSpc>
+            </a:pPr>
+            <a:r>
+              <a:rPr lang="en-US" sz="1600" dirty="0"/>
+              <a:t>Very flexible security model based on Access Control Lists</a:t>
+            </a:r>
+          </a:p>
+          <a:p>
+            <a:pPr>
+              <a:lnSpc>
+                <a:spcPct val="80000"/>
+              </a:lnSpc>
+            </a:pPr>
+            <a:r>
+              <a:rPr lang="en-US" sz="1600" dirty="0"/>
+              <a:t>Users are defined with</a:t>
+            </a:r>
+          </a:p>
+          <a:p>
+            <a:pPr lvl="1">
+              <a:lnSpc>
+                <a:spcPct val="80000"/>
+              </a:lnSpc>
+            </a:pPr>
+            <a:r>
+              <a:rPr lang="en-US" sz="1400" dirty="0"/>
+              <a:t>Privileges</a:t>
+            </a:r>
+          </a:p>
+          <a:p>
+            <a:pPr lvl="1">
+              <a:lnSpc>
+                <a:spcPct val="80000"/>
+              </a:lnSpc>
+            </a:pPr>
+            <a:r>
+              <a:rPr lang="en-US" sz="1400" dirty="0"/>
+              <a:t>Member groups</a:t>
+            </a:r>
+          </a:p>
+          <a:p>
+            <a:pPr>
+              <a:lnSpc>
+                <a:spcPct val="80000"/>
+              </a:lnSpc>
+            </a:pPr>
+            <a:r>
+              <a:rPr lang="en-US" sz="1600" dirty="0"/>
+              <a:t>Security can be applied to any Object Manager object</a:t>
+            </a:r>
+          </a:p>
+          <a:p>
+            <a:pPr lvl="1">
+              <a:lnSpc>
+                <a:spcPct val="80000"/>
+              </a:lnSpc>
+            </a:pPr>
+            <a:r>
+              <a:rPr lang="en-US" sz="1400" dirty="0"/>
+              <a:t>Files, processes, synchronization objects, …</a:t>
+            </a:r>
+          </a:p>
+          <a:p>
+            <a:pPr>
+              <a:lnSpc>
+                <a:spcPct val="80000"/>
+              </a:lnSpc>
+            </a:pPr>
+            <a:r>
+              <a:rPr lang="en-US" sz="1600" dirty="0"/>
+              <a:t>Supports auditing</a:t>
+            </a:r>
+          </a:p>
+        </p:txBody>
+      </p:sp>
+      <p:sp>
+        <p:nvSpPr>
+          <p:cNvPr id="419844" name="Rectangle 4"/>
+          <p:cNvSpPr>
+            <a:spLocks noChangeArrowheads="1"/>
+          </p:cNvSpPr>
+          <p:nvPr/>
+        </p:nvSpPr>
+        <p:spPr bwMode="auto">
+          <a:xfrm>
+            <a:off x="4743450" y="981075"/>
+            <a:ext cx="4095750" cy="5518150"/>
+          </a:xfrm>
+          <a:prstGeom prst="rect">
+            <a:avLst/>
+          </a:prstGeom>
+          <a:noFill/>
+          <a:ln>
+            <a:noFill/>
+          </a:ln>
+          <a:effectLst/>
+          <a:extLst>
+            <a:ext uri="{909E8E84-426E-40dd-AFC4-6F175D3DCCD1}">
+              <a14:hiddenFill xmlns:a14="http://schemas.microsoft.com/office/drawing/2010/main">
+                <a:solidFill>
+                  <a:schemeClr val="accent1"/>
+                </a:solidFill>
+              </a14:hiddenFill>
+            </a:ext>
+            <a:ext uri="{91240B29-F687-4f45-9708-019B960494DF}">
+              <a14:hiddenLine xmlns:a14="http://schemas.microsoft.com/office/drawing/2010/main" w="9525">
+                <a:solidFill>
+                  <a:schemeClr val="tx1"/>
+                </a:solidFill>
+                <a:miter lim="800000"/>
+                <a:headEnd/>
+                <a:tailEnd/>
+              </a14:hiddenLine>
+            </a:ext>
+            <a:ext uri="{AF507438-7753-43e0-B8FC-AC1667EBCBE1}">
+              <a14:hiddenEffects xmlns:a14="http://schemas.microsoft.com/office/drawing/2010/main">
+                <a:effectLst>
+                  <a:outerShdw blurRad="63500" dist="38099" dir="2700000" algn="ctr" rotWithShape="0">
+                    <a:schemeClr val="bg2">
+                      <a:alpha val="74998"/>
+                    </a:schemeClr>
+                  </a:outerShdw>
+                </a:effectLst>
+              </a14:hiddenEffects>
+            </a:ext>
+          </a:extLst>
+        </p:spPr>
+        <p:txBody>
+          <a:bodyPr/>
+          <a:lstStyle/>
+          <a:p>
+            <a:pPr marL="357188" indent="-357188">
+              <a:lnSpc>
+                <a:spcPct val="70000"/>
+              </a:lnSpc>
+              <a:spcBef>
+                <a:spcPct val="20000"/>
+              </a:spcBef>
+              <a:spcAft>
+                <a:spcPct val="20000"/>
+              </a:spcAft>
+              <a:buSzPct val="110000"/>
+            </a:pPr>
+            <a:r>
+              <a:rPr lang="en-US" dirty="0">
+                <a:solidFill>
+                  <a:srgbClr val="FF9933"/>
+                </a:solidFill>
+                <a:effectLst>
+                  <a:outerShdw blurRad="38100" dist="38100" dir="2700000" algn="tl">
+                    <a:srgbClr val="000000"/>
+                  </a:outerShdw>
+                </a:effectLst>
+              </a:rPr>
+              <a:t>Linux</a:t>
+            </a:r>
+          </a:p>
+          <a:p>
+            <a:pPr marL="285750" indent="-285750">
+              <a:lnSpc>
+                <a:spcPct val="80000"/>
+              </a:lnSpc>
+              <a:spcBef>
+                <a:spcPct val="20000"/>
+              </a:spcBef>
+              <a:spcAft>
+                <a:spcPct val="20000"/>
+              </a:spcAft>
+              <a:buSzPct val="110000"/>
+              <a:buFont typeface="Arial"/>
+              <a:buChar char="•"/>
+            </a:pPr>
+            <a:r>
+              <a:rPr lang="en-US" sz="1600" dirty="0"/>
+              <a:t>Two models: </a:t>
+            </a:r>
+            <a:endParaRPr lang="en-US" sz="1600" dirty="0" smtClean="0"/>
+          </a:p>
+          <a:p>
+            <a:pPr marL="742950" lvl="1" indent="-285750">
+              <a:lnSpc>
+                <a:spcPct val="80000"/>
+              </a:lnSpc>
+              <a:spcBef>
+                <a:spcPct val="20000"/>
+              </a:spcBef>
+              <a:spcAft>
+                <a:spcPct val="20000"/>
+              </a:spcAft>
+              <a:buSzPct val="110000"/>
+              <a:buFont typeface="Arial"/>
+              <a:buChar char="–"/>
+            </a:pPr>
+            <a:r>
+              <a:rPr lang="en-US" sz="1400" dirty="0"/>
+              <a:t>Standard </a:t>
+            </a:r>
+            <a:r>
+              <a:rPr lang="en-US" sz="1400" dirty="0"/>
+              <a:t>UNIX </a:t>
+            </a:r>
+            <a:r>
+              <a:rPr lang="en-US" sz="1400" dirty="0"/>
+              <a:t>model</a:t>
+            </a:r>
+          </a:p>
+          <a:p>
+            <a:pPr marL="742950" lvl="1" indent="-285750">
+              <a:lnSpc>
+                <a:spcPct val="80000"/>
+              </a:lnSpc>
+              <a:spcBef>
+                <a:spcPct val="20000"/>
+              </a:spcBef>
+              <a:spcAft>
+                <a:spcPct val="20000"/>
+              </a:spcAft>
+              <a:buSzPct val="110000"/>
+              <a:buFont typeface="Arial"/>
+              <a:buChar char="–"/>
+            </a:pPr>
+            <a:r>
+              <a:rPr lang="en-US" sz="1400" dirty="0"/>
+              <a:t>Access </a:t>
+            </a:r>
+            <a:r>
+              <a:rPr lang="en-US" sz="1400" dirty="0"/>
+              <a:t>Control Lists (</a:t>
+            </a:r>
+            <a:r>
+              <a:rPr lang="en-US" sz="1400" dirty="0" err="1"/>
+              <a:t>SELinux</a:t>
+            </a:r>
+            <a:r>
+              <a:rPr lang="en-US" sz="1400" dirty="0"/>
+              <a:t>)</a:t>
+            </a:r>
+          </a:p>
+          <a:p>
+            <a:pPr marL="285750" indent="-285750">
+              <a:lnSpc>
+                <a:spcPct val="80000"/>
+              </a:lnSpc>
+              <a:spcBef>
+                <a:spcPct val="20000"/>
+              </a:spcBef>
+              <a:spcAft>
+                <a:spcPct val="20000"/>
+              </a:spcAft>
+              <a:buSzPct val="110000"/>
+              <a:buFont typeface="Arial"/>
+              <a:buChar char="•"/>
+            </a:pPr>
+            <a:r>
+              <a:rPr lang="en-US" sz="1600" dirty="0"/>
+              <a:t>Users are </a:t>
+            </a:r>
+            <a:r>
+              <a:rPr lang="en-US" sz="1600" dirty="0" smtClean="0"/>
+              <a:t>defined with:</a:t>
+            </a:r>
+          </a:p>
+          <a:p>
+            <a:pPr marL="742950" lvl="1" indent="-285750">
+              <a:lnSpc>
+                <a:spcPct val="80000"/>
+              </a:lnSpc>
+              <a:spcBef>
+                <a:spcPct val="20000"/>
+              </a:spcBef>
+              <a:spcAft>
+                <a:spcPct val="20000"/>
+              </a:spcAft>
+              <a:buSzPct val="110000"/>
+              <a:buFont typeface="Arial"/>
+              <a:buChar char="–"/>
+            </a:pPr>
+            <a:r>
+              <a:rPr lang="en-US" sz="1400" dirty="0"/>
+              <a:t>Capabilities </a:t>
+            </a:r>
+            <a:r>
+              <a:rPr lang="en-US" sz="1400" dirty="0"/>
+              <a:t>(privileges</a:t>
+            </a:r>
+            <a:r>
+              <a:rPr lang="en-US" sz="1400" dirty="0"/>
+              <a:t>)</a:t>
+            </a:r>
+          </a:p>
+          <a:p>
+            <a:pPr marL="742950" lvl="1" indent="-285750">
+              <a:lnSpc>
+                <a:spcPct val="80000"/>
+              </a:lnSpc>
+              <a:spcBef>
+                <a:spcPct val="20000"/>
+              </a:spcBef>
+              <a:spcAft>
+                <a:spcPct val="20000"/>
+              </a:spcAft>
+              <a:buSzPct val="110000"/>
+              <a:buFont typeface="Arial"/>
+              <a:buChar char="–"/>
+            </a:pPr>
+            <a:r>
+              <a:rPr lang="en-US" sz="1400" dirty="0"/>
+              <a:t>Member </a:t>
+            </a:r>
+            <a:r>
+              <a:rPr lang="en-US" sz="1400" dirty="0"/>
+              <a:t>groups</a:t>
+            </a:r>
+          </a:p>
+          <a:p>
+            <a:pPr marL="285750" indent="-285750">
+              <a:lnSpc>
+                <a:spcPct val="80000"/>
+              </a:lnSpc>
+              <a:spcBef>
+                <a:spcPct val="20000"/>
+              </a:spcBef>
+              <a:spcAft>
+                <a:spcPct val="20000"/>
+              </a:spcAft>
+              <a:buSzPct val="110000"/>
+              <a:buFont typeface="Arial"/>
+              <a:buChar char="•"/>
+            </a:pPr>
+            <a:r>
+              <a:rPr lang="en-US" sz="1600" dirty="0"/>
+              <a:t>Security is implemented on an object-by-object basis</a:t>
+            </a:r>
+          </a:p>
+          <a:p>
+            <a:pPr marL="285750" indent="-285750">
+              <a:lnSpc>
+                <a:spcPct val="80000"/>
+              </a:lnSpc>
+              <a:spcBef>
+                <a:spcPct val="20000"/>
+              </a:spcBef>
+              <a:spcAft>
+                <a:spcPct val="20000"/>
+              </a:spcAft>
+              <a:buSzPct val="110000"/>
+              <a:buFont typeface="Arial"/>
+              <a:buChar char="•"/>
+            </a:pPr>
+            <a:r>
+              <a:rPr lang="en-US" sz="1600" dirty="0"/>
+              <a:t>Has no built-in auditing </a:t>
+            </a:r>
+            <a:r>
+              <a:rPr lang="en-US" sz="1600" dirty="0" smtClean="0"/>
+              <a:t>support</a:t>
+            </a:r>
+            <a:endParaRPr lang="en-US" sz="1600" dirty="0"/>
+          </a:p>
+        </p:txBody>
+      </p:sp>
+    </p:spTree>
+    <p:extLst>
+      <p:ext uri="{BB962C8B-B14F-4D97-AF65-F5344CB8AC3E}">
+        <p14:creationId xmlns:p14="http://schemas.microsoft.com/office/powerpoint/2010/main" val="2190145331"/>
+      </p:ext>
+    </p:extLst>
+  </p:cSld>
+  <p:clrMapOvr>
+    <a:masterClrMapping/>
+  </p:clrMapOvr>
+  <mc:AlternateContent xmlns:mc="http://schemas.openxmlformats.org/markup-compatibility/2006" xmlns:p14="http://schemas.microsoft.com/office/powerpoint/2010/main">
+    <mc:Choice Requires="p14">
+      <p:transition spd="slow" p14:dur="2000"/>
+    </mc:Choice>
+    <mc:Fallback xmlns="">
+      <p:transition xmlns:p14="http://schemas.microsoft.com/office/powerpoint/2010/main" spd="slow"/>
+    </mc:Fallback>
+  </mc:AlternateContent>
+  <p:timing>
+    <p:tnLst>
+      <p:par>
+        <p:cTn xmlns:p14="http://schemas.microsoft.com/office/powerpoint/2010/main" id="1" dur="indefinite" restart="never" nodeType="tmRoot">
+          <p:childTnLst>
+            <p:seq concurrent="1" nextAc="seek">
+              <p:cTn id="2" dur="indefinite" nodeType="mainSeq">
+                <p:childTnLst>
+                  <p:par>
+                    <p:cTn id="3" fill="hold" nodeType="clickPar">
+                      <p:stCondLst>
+                        <p:cond delay="indefinite"/>
+                      </p:stCondLst>
+                      <p:childTnLst>
+                        <p:par>
+                          <p:cTn id="4" fill="hold" nodeType="withGroup">
+                            <p:stCondLst>
+                              <p:cond delay="0"/>
+                            </p:stCondLst>
+                            <p:childTnLst>
+                              <p:par>
+                                <p:cTn id="5" presetID="2" presetClass="entr" presetSubtype="2" fill="hold" grpId="0" nodeType="clickEffect">
+                                  <p:stCondLst>
+                                    <p:cond delay="0"/>
+                                  </p:stCondLst>
+                                  <p:childTnLst>
+                                    <p:set>
+                                      <p:cBhvr>
+                                        <p:cTn id="6" dur="1" fill="hold">
+                                          <p:stCondLst>
+                                            <p:cond delay="0"/>
+                                          </p:stCondLst>
+                                        </p:cTn>
+                                        <p:tgtEl>
+                                          <p:spTgt spid="419844"/>
+                                        </p:tgtEl>
+                                        <p:attrNameLst>
+                                          <p:attrName>style.visibility</p:attrName>
+                                        </p:attrNameLst>
+                                      </p:cBhvr>
+                                      <p:to>
+                                        <p:strVal val="visible"/>
+                                      </p:to>
+                                    </p:set>
+                                    <p:anim calcmode="lin" valueType="num">
+                                      <p:cBhvr additive="base">
+                                        <p:cTn id="7" dur="500" fill="hold"/>
+                                        <p:tgtEl>
+                                          <p:spTgt spid="419844"/>
+                                        </p:tgtEl>
+                                        <p:attrNameLst>
+                                          <p:attrName>ppt_x</p:attrName>
+                                        </p:attrNameLst>
+                                      </p:cBhvr>
+                                      <p:tavLst>
+                                        <p:tav tm="0">
+                                          <p:val>
+                                            <p:strVal val="1+#ppt_w/2"/>
+                                          </p:val>
+                                        </p:tav>
+                                        <p:tav tm="100000">
+                                          <p:val>
+                                            <p:strVal val="#ppt_x"/>
+                                          </p:val>
+                                        </p:tav>
+                                      </p:tavLst>
+                                    </p:anim>
+                                    <p:anim calcmode="lin" valueType="num">
+                                      <p:cBhvr additive="base">
+                                        <p:cTn id="8" dur="500" fill="hold"/>
+                                        <p:tgtEl>
+                                          <p:spTgt spid="419844"/>
+                                        </p:tgtEl>
+                                        <p:attrNameLst>
+                                          <p:attrName>ppt_y</p:attrName>
+                                        </p:attrNameLst>
+                                      </p:cBhvr>
+                                      <p:tavLst>
+                                        <p:tav tm="0">
+                                          <p:val>
+                                            <p:strVal val="#ppt_y"/>
+                                          </p:val>
+                                        </p:tav>
+                                        <p:tav tm="100000">
+                                          <p:val>
+                                            <p:strVal val="#ppt_y"/>
+                                          </p:val>
+                                        </p:tav>
+                                      </p:tavLst>
+                                    </p:anim>
+                                  </p:childTnLst>
+                                </p:cTn>
+                              </p:par>
+                            </p:childTnLst>
+                          </p:cTn>
+                        </p:par>
+                      </p:childTnLst>
+                    </p:cTn>
+                  </p:par>
+                </p:childTnLst>
+              </p:cTn>
+              <p:prevCondLst>
+                <p:cond evt="onPrev" delay="0">
+                  <p:tgtEl>
+                    <p:sldTgt/>
+                  </p:tgtEl>
+                </p:cond>
+              </p:prevCondLst>
+              <p:nextCondLst>
+                <p:cond evt="onNext" delay="0">
+                  <p:tgtEl>
+                    <p:sldTgt/>
+                  </p:tgtEl>
+                </p:cond>
+              </p:nextCondLst>
+            </p:seq>
+          </p:childTnLst>
+        </p:cTn>
+      </p:par>
+    </p:tnLst>
+    <p:bldLst>
+      <p:bldP spid="419844" grpId="0" autoUpdateAnimBg="0"/>
+    </p:bldLst>
+  </p:timing>
+</p:sld>
+</file>
+
+<file path=ppt/slides/slide18.xml><?xml version="1.0" encoding="utf-8"?>
+<p:sld xmlns:a="http://schemas.openxmlformats.org/drawingml/2006/main" xmlns:r="http://schemas.openxmlformats.org/officeDocument/2006/relationships" xmlns:p="http://schemas.openxmlformats.org/presentationml/2006/main">
+  <p:cSld>
+    <p:spTree>
+      <p:nvGrpSpPr>
+        <p:cNvPr id="1" name=""/>
+        <p:cNvGrpSpPr/>
+        <p:nvPr/>
+      </p:nvGrpSpPr>
+      <p:grpSpPr>
+        <a:xfrm>
+          <a:off x="0" y="0"/>
+          <a:ext cx="0" cy="0"/>
+          <a:chOff x="0" y="0"/>
+          <a:chExt cx="0" cy="0"/>
+        </a:xfrm>
+      </p:grpSpPr>
+      <p:sp>
+        <p:nvSpPr>
+          <p:cNvPr id="2" name="Title 1"/>
+          <p:cNvSpPr>
+            <a:spLocks noGrp="1"/>
+          </p:cNvSpPr>
+          <p:nvPr>
+            <p:ph type="title"/>
+          </p:nvPr>
+        </p:nvSpPr>
+        <p:spPr/>
+        <p:txBody>
+          <a:bodyPr/>
+          <a:lstStyle/>
+          <a:p>
+            <a:r>
+              <a:rPr lang="en-US" dirty="0" smtClean="0"/>
+              <a:t>File System</a:t>
+            </a:r>
+            <a:endParaRPr lang="en-US" dirty="0"/>
+          </a:p>
+        </p:txBody>
+      </p:sp>
+      <p:sp>
+        <p:nvSpPr>
+          <p:cNvPr id="3" name="Content Placeholder 2"/>
+          <p:cNvSpPr>
+            <a:spLocks noGrp="1"/>
+          </p:cNvSpPr>
+          <p:nvPr>
+            <p:ph idx="1"/>
+          </p:nvPr>
+        </p:nvSpPr>
+        <p:spPr/>
+        <p:txBody>
+          <a:bodyPr>
+            <a:normAutofit lnSpcReduction="10000"/>
+          </a:bodyPr>
+          <a:lstStyle/>
+          <a:p>
+            <a:r>
+              <a:rPr lang="en-US" dirty="0" smtClean="0"/>
+              <a:t>Everything is a file</a:t>
+            </a:r>
+          </a:p>
+          <a:p>
+            <a:pPr lvl="1"/>
+            <a:r>
+              <a:rPr lang="en-US" dirty="0" err="1" smtClean="0"/>
+              <a:t>Inode</a:t>
+            </a:r>
+            <a:r>
+              <a:rPr lang="en-US" dirty="0" smtClean="0"/>
+              <a:t> </a:t>
+            </a:r>
+            <a:r>
+              <a:rPr lang="en-US" dirty="0" err="1" smtClean="0"/>
+              <a:t>Vs</a:t>
+            </a:r>
+            <a:r>
+              <a:rPr lang="en-US" dirty="0" smtClean="0"/>
+              <a:t> NTFS</a:t>
+            </a:r>
+          </a:p>
+          <a:p>
+            <a:pPr lvl="1"/>
+            <a:r>
+              <a:rPr lang="en-US" dirty="0" smtClean="0"/>
+              <a:t>Rename/delete file while its open</a:t>
+            </a:r>
+          </a:p>
+          <a:p>
+            <a:pPr lvl="2"/>
+            <a:r>
+              <a:rPr lang="en-US" dirty="0" smtClean="0"/>
+              <a:t>Default in </a:t>
+            </a:r>
+            <a:r>
+              <a:rPr lang="en-US" dirty="0" err="1" smtClean="0"/>
+              <a:t>linux</a:t>
+            </a:r>
+            <a:endParaRPr lang="en-US" dirty="0" smtClean="0"/>
+          </a:p>
+          <a:p>
+            <a:pPr lvl="2"/>
+            <a:r>
+              <a:rPr lang="en-US" dirty="0" smtClean="0"/>
+              <a:t>NTFS Support : C library </a:t>
+            </a:r>
+            <a:r>
+              <a:rPr lang="en-US" dirty="0" err="1" smtClean="0"/>
+              <a:t>fopen</a:t>
+            </a:r>
+            <a:r>
+              <a:rPr lang="en-US" dirty="0" smtClean="0"/>
+              <a:t> FILE_SHARE_DELETE</a:t>
+            </a:r>
+          </a:p>
+          <a:p>
+            <a:r>
+              <a:rPr lang="en-US" dirty="0" smtClean="0"/>
+              <a:t>Boot Process directory sort </a:t>
+            </a:r>
+          </a:p>
+          <a:p>
+            <a:r>
+              <a:rPr lang="en-US" dirty="0" smtClean="0"/>
+              <a:t>Merged program / documentation directories </a:t>
+            </a:r>
+          </a:p>
+          <a:p>
+            <a:pPr lvl="1"/>
+            <a:r>
+              <a:rPr lang="en-US" dirty="0" smtClean="0"/>
+              <a:t>No per application space for files</a:t>
+            </a:r>
+          </a:p>
+          <a:p>
+            <a:r>
+              <a:rPr lang="en-US" dirty="0" smtClean="0"/>
+              <a:t>Transparent network file system access</a:t>
+            </a:r>
+            <a:endParaRPr lang="en-US" dirty="0"/>
+          </a:p>
+        </p:txBody>
+      </p:sp>
+    </p:spTree>
+    <p:extLst>
+      <p:ext uri="{BB962C8B-B14F-4D97-AF65-F5344CB8AC3E}">
+        <p14:creationId xmlns:p14="http://schemas.microsoft.com/office/powerpoint/2010/main" val="4217624738"/>
+      </p:ext>
+    </p:extLst>
+  </p:cSld>
+  <p:clrMapOvr>
+    <a:masterClrMapping/>
+  </p:clrMapOvr>
+  <p:timing>
+    <p:tnLst>
+      <p:par>
+        <p:cTn xmlns:p14="http://schemas.microsoft.com/office/powerpoint/2010/main" id="1" dur="indefinite" restart="never" nodeType="tmRoot"/>
+      </p:par>
+    </p:tnLst>
+  </p:timing>
 </p:sld>
 </file>
 
@@ -4078,11 +10263,18 @@
           <a:lstStyle/>
           <a:p>
             <a:r>
+              <a:rPr lang="en-US" sz="5400" dirty="0" smtClean="0">
+                <a:latin typeface="Arial Black"/>
+                <a:cs typeface="Arial Black"/>
+              </a:rPr>
+              <a:t> </a:t>
+            </a:r>
+            <a:r>
               <a:rPr lang="en-US" dirty="0" smtClean="0">
                 <a:latin typeface="Arial Black"/>
                 <a:cs typeface="Arial Black"/>
               </a:rPr>
-              <a:t>Windows Driver Architecture</a:t>
+              <a:t>Device Driver Architecture</a:t>
             </a:r>
             <a:endParaRPr lang="en-US" dirty="0">
               <a:latin typeface="Arial Black"/>
@@ -4106,65 +10298,71 @@
           <a:bodyPr/>
           <a:lstStyle/>
           <a:p>
-            <a:r>
-              <a:rPr lang="en-US" dirty="0" smtClean="0"/>
-              <a:t>Two broad classes</a:t>
-            </a:r>
-          </a:p>
-          <a:p>
-            <a:pPr lvl="1"/>
-            <a:r>
-              <a:rPr lang="en-US" dirty="0" smtClean="0"/>
-              <a:t>Legacy</a:t>
-            </a:r>
-          </a:p>
-          <a:p>
-            <a:pPr lvl="1"/>
-            <a:r>
-              <a:rPr lang="en-US" dirty="0" smtClean="0"/>
-              <a:t>PnP(Plug and Play)</a:t>
-            </a:r>
-          </a:p>
-          <a:p>
-            <a:pPr lvl="1"/>
-            <a:endParaRPr lang="en-US" dirty="0"/>
-          </a:p>
-          <a:p>
-            <a:pPr lvl="1"/>
-            <a:endParaRPr lang="en-US" dirty="0" smtClean="0"/>
-          </a:p>
-          <a:p>
-            <a:r>
-              <a:rPr lang="en-US" dirty="0" smtClean="0"/>
-              <a:t>PnP Driver Characteristics</a:t>
-            </a:r>
-          </a:p>
-          <a:p>
-            <a:pPr lvl="1"/>
-            <a:r>
-              <a:rPr lang="en-US" dirty="0" smtClean="0"/>
-              <a:t>Loaded On Demand</a:t>
-            </a:r>
-          </a:p>
-          <a:p>
-            <a:pPr lvl="1"/>
-            <a:r>
-              <a:rPr lang="en-US" dirty="0" smtClean="0"/>
-              <a:t>Does not consume  extra resources</a:t>
-            </a:r>
-          </a:p>
-          <a:p>
-            <a:pPr marL="457200" lvl="1" indent="0">
+            <a:pPr marL="285750" indent="-285750" algn="just"/>
+            <a:r>
+              <a:rPr lang="en-US" dirty="0"/>
+              <a:t>Both Windows and Linux support addition of device  driver modules in runtime</a:t>
+            </a:r>
+          </a:p>
+          <a:p>
+            <a:pPr marL="285750" indent="-285750" algn="just"/>
+            <a:r>
+              <a:rPr lang="en-US" dirty="0"/>
+              <a:t>Driver module expose callback routines</a:t>
+            </a:r>
+          </a:p>
+          <a:p>
+            <a:pPr lvl="1" algn="just">
+              <a:buFont typeface="Arial"/>
+              <a:buChar char="•"/>
+            </a:pPr>
+            <a:r>
+              <a:rPr lang="en-US" sz="3200" dirty="0" smtClean="0"/>
+              <a:t>Driver Initialization</a:t>
+            </a:r>
+          </a:p>
+          <a:p>
+            <a:pPr lvl="1" algn="just">
+              <a:buFont typeface="Arial"/>
+              <a:buChar char="•"/>
+            </a:pPr>
+            <a:r>
+              <a:rPr lang="en-US" sz="3200" dirty="0" smtClean="0"/>
+              <a:t>IO functionality</a:t>
+            </a:r>
+          </a:p>
+          <a:p>
+            <a:pPr lvl="1" algn="just">
+              <a:buFont typeface="Arial"/>
+              <a:buChar char="•"/>
+            </a:pPr>
+            <a:r>
+              <a:rPr lang="en-US" sz="3200" dirty="0" smtClean="0"/>
+              <a:t>Device add/remove</a:t>
+            </a:r>
+          </a:p>
+          <a:p>
+            <a:pPr lvl="1" algn="just">
+              <a:buFont typeface="Arial"/>
+              <a:buChar char="•"/>
+            </a:pPr>
+            <a:r>
+              <a:rPr lang="en-US" sz="3200" dirty="0" smtClean="0"/>
+              <a:t>Driver unload</a:t>
+            </a:r>
+          </a:p>
+          <a:p>
+            <a:pPr marL="0" indent="0">
               <a:buNone/>
             </a:pPr>
-            <a:endParaRPr lang="en-US" dirty="0" smtClean="0"/>
+            <a:endParaRPr lang="en-US" dirty="0"/>
           </a:p>
         </p:txBody>
       </p:sp>
     </p:spTree>
     <p:extLst>
       <p:ext uri="{BB962C8B-B14F-4D97-AF65-F5344CB8AC3E}">
-        <p14:creationId xmlns:p14="http://schemas.microsoft.com/office/powerpoint/2010/main" val="715153443"/>
+        <p14:creationId xmlns:p14="http://schemas.microsoft.com/office/powerpoint/2010/main" val="2926970501"/>
       </p:ext>
     </p:extLst>
   </p:cSld>
@@ -4220,6 +10418,144 @@
                 <a:latin typeface="Arial Black"/>
                 <a:cs typeface="Arial Black"/>
               </a:rPr>
+              <a:t>Windows Driver Architecture</a:t>
+            </a:r>
+            <a:endParaRPr lang="en-US" dirty="0">
+              <a:latin typeface="Arial Black"/>
+              <a:cs typeface="Arial Black"/>
+            </a:endParaRPr>
+          </a:p>
+        </p:txBody>
+      </p:sp>
+      <p:sp>
+        <p:nvSpPr>
+          <p:cNvPr id="3" name="Content Placeholder 2"/>
+          <p:cNvSpPr>
+            <a:spLocks noGrp="1"/>
+          </p:cNvSpPr>
+          <p:nvPr>
+            <p:ph idx="1"/>
+          </p:nvPr>
+        </p:nvSpPr>
+        <p:spPr/>
+        <p:txBody>
+          <a:bodyPr/>
+          <a:lstStyle/>
+          <a:p>
+            <a:r>
+              <a:rPr lang="en-US" dirty="0" smtClean="0"/>
+              <a:t>Two broad classes</a:t>
+            </a:r>
+          </a:p>
+          <a:p>
+            <a:pPr lvl="1"/>
+            <a:r>
+              <a:rPr lang="en-US" dirty="0" smtClean="0"/>
+              <a:t>Legacy</a:t>
+            </a:r>
+          </a:p>
+          <a:p>
+            <a:pPr lvl="1"/>
+            <a:r>
+              <a:rPr lang="en-US" dirty="0" smtClean="0"/>
+              <a:t>PnP(Plug and Play)</a:t>
+            </a:r>
+          </a:p>
+          <a:p>
+            <a:pPr lvl="1"/>
+            <a:endParaRPr lang="en-US" dirty="0"/>
+          </a:p>
+          <a:p>
+            <a:pPr lvl="1"/>
+            <a:endParaRPr lang="en-US" dirty="0" smtClean="0"/>
+          </a:p>
+          <a:p>
+            <a:r>
+              <a:rPr lang="en-US" dirty="0" smtClean="0"/>
+              <a:t>PnP Driver Characteristics</a:t>
+            </a:r>
+          </a:p>
+          <a:p>
+            <a:pPr lvl="1"/>
+            <a:r>
+              <a:rPr lang="en-US" dirty="0" smtClean="0"/>
+              <a:t>Loaded On Demand</a:t>
+            </a:r>
+          </a:p>
+          <a:p>
+            <a:pPr lvl="1"/>
+            <a:r>
+              <a:rPr lang="en-US" dirty="0" smtClean="0"/>
+              <a:t>Does not consume  extra resources</a:t>
+            </a:r>
+          </a:p>
+          <a:p>
+            <a:pPr marL="457200" lvl="1" indent="0">
+              <a:buNone/>
+            </a:pPr>
+            <a:endParaRPr lang="en-US" dirty="0" smtClean="0"/>
+          </a:p>
+        </p:txBody>
+      </p:sp>
+    </p:spTree>
+    <p:extLst>
+      <p:ext uri="{BB962C8B-B14F-4D97-AF65-F5344CB8AC3E}">
+        <p14:creationId xmlns:p14="http://schemas.microsoft.com/office/powerpoint/2010/main" val="715153443"/>
+      </p:ext>
+    </p:extLst>
+  </p:cSld>
+  <p:clrMapOvr>
+    <a:masterClrMapping/>
+  </p:clrMapOvr>
+  <p:timing>
+    <p:tnLst>
+      <p:par>
+        <p:cTn xmlns:p14="http://schemas.microsoft.com/office/powerpoint/2010/main" id="1" dur="indefinite" restart="never" nodeType="tmRoot"/>
+      </p:par>
+    </p:tnLst>
+  </p:timing>
+</p:sld>
+</file>
+
+<file path=ppt/slides/slide4.xml><?xml version="1.0" encoding="utf-8"?>
+<p:sld xmlns:a="http://schemas.openxmlformats.org/drawingml/2006/main" xmlns:r="http://schemas.openxmlformats.org/officeDocument/2006/relationships" xmlns:p="http://schemas.openxmlformats.org/presentationml/2006/main">
+  <p:cSld>
+    <p:spTree>
+      <p:nvGrpSpPr>
+        <p:cNvPr id="1" name=""/>
+        <p:cNvGrpSpPr/>
+        <p:nvPr/>
+      </p:nvGrpSpPr>
+      <p:grpSpPr>
+        <a:xfrm>
+          <a:off x="0" y="0"/>
+          <a:ext cx="0" cy="0"/>
+          <a:chOff x="0" y="0"/>
+          <a:chExt cx="0" cy="0"/>
+        </a:xfrm>
+      </p:grpSpPr>
+      <p:sp>
+        <p:nvSpPr>
+          <p:cNvPr id="2" name="Title 1"/>
+          <p:cNvSpPr>
+            <a:spLocks noGrp="1"/>
+          </p:cNvSpPr>
+          <p:nvPr>
+            <p:ph type="title"/>
+          </p:nvPr>
+        </p:nvSpPr>
+        <p:spPr/>
+        <p:txBody>
+          <a:bodyPr>
+            <a:normAutofit fontScale="90000"/>
+          </a:bodyPr>
+          <a:lstStyle/>
+          <a:p>
+            <a:r>
+              <a:rPr lang="en-US" dirty="0" smtClean="0">
+                <a:latin typeface="Arial Black"/>
+                <a:cs typeface="Arial Black"/>
+              </a:rPr>
               <a:t>Windows Driver Model(WDM)</a:t>
             </a:r>
             <a:endParaRPr lang="en-US" dirty="0">
@@ -4348,7 +10684,7 @@
 </p:sld>
 </file>
 
-<file path=ppt/slides/slide4.xml><?xml version="1.0" encoding="utf-8"?>
+<file path=ppt/slides/slide5.xml><?xml version="1.0" encoding="utf-8"?>
 <p:sld xmlns:a="http://schemas.openxmlformats.org/drawingml/2006/main" xmlns:r="http://schemas.openxmlformats.org/officeDocument/2006/relationships" xmlns:p="http://schemas.openxmlformats.org/presentationml/2006/main">
   <p:cSld>
     <p:spTree>
@@ -4462,154 +10798,6 @@
 </p:sld>
 </file>
 
-<file path=ppt/slides/slide5.xml><?xml version="1.0" encoding="utf-8"?>
-<p:sld xmlns:a="http://schemas.openxmlformats.org/drawingml/2006/main" xmlns:r="http://schemas.openxmlformats.org/officeDocument/2006/relationships" xmlns:p="http://schemas.openxmlformats.org/presentationml/2006/main">
-  <p:cSld>
-    <p:spTree>
-      <p:nvGrpSpPr>
-        <p:cNvPr id="1" name=""/>
-        <p:cNvGrpSpPr/>
-        <p:nvPr/>
-      </p:nvGrpSpPr>
-      <p:grpSpPr>
-        <a:xfrm>
-          <a:off x="0" y="0"/>
-          <a:ext cx="0" cy="0"/>
-          <a:chOff x="0" y="0"/>
-          <a:chExt cx="0" cy="0"/>
-        </a:xfrm>
-      </p:grpSpPr>
-      <p:sp>
-        <p:nvSpPr>
-          <p:cNvPr id="2" name="Title 1"/>
-          <p:cNvSpPr>
-            <a:spLocks noGrp="1"/>
-          </p:cNvSpPr>
-          <p:nvPr>
-            <p:ph type="title"/>
-          </p:nvPr>
-        </p:nvSpPr>
-        <p:spPr>
-          <a:xfrm>
-            <a:off x="457200" y="274638"/>
-            <a:ext cx="8451022" cy="1143000"/>
-          </a:xfrm>
-        </p:spPr>
-        <p:txBody>
-          <a:bodyPr>
-            <a:normAutofit/>
-          </a:bodyPr>
-          <a:lstStyle/>
-          <a:p>
-            <a:r>
-              <a:rPr lang="en-US" sz="3600" dirty="0" smtClean="0">
-                <a:latin typeface="Arial Black"/>
-                <a:cs typeface="Arial Black"/>
-              </a:rPr>
-              <a:t>WDM Driver Primary callbacks</a:t>
-            </a:r>
-            <a:endParaRPr lang="en-US" sz="3600" dirty="0">
-              <a:latin typeface="Arial Black"/>
-              <a:cs typeface="Arial Black"/>
-            </a:endParaRPr>
-          </a:p>
-        </p:txBody>
-      </p:sp>
-      <p:sp>
-        <p:nvSpPr>
-          <p:cNvPr id="3" name="Content Placeholder 2"/>
-          <p:cNvSpPr>
-            <a:spLocks noGrp="1"/>
-          </p:cNvSpPr>
-          <p:nvPr>
-            <p:ph idx="1"/>
-          </p:nvPr>
-        </p:nvSpPr>
-        <p:spPr/>
-        <p:txBody>
-          <a:bodyPr>
-            <a:normAutofit/>
-          </a:bodyPr>
-          <a:lstStyle/>
-          <a:p>
-            <a:pPr algn="just"/>
-            <a:r>
-              <a:rPr lang="en-US" dirty="0" err="1"/>
-              <a:t>DriverEntry</a:t>
-            </a:r>
-            <a:r>
-              <a:rPr lang="en-US" dirty="0"/>
-              <a:t>() </a:t>
-            </a:r>
-          </a:p>
-          <a:p>
-            <a:pPr lvl="1" algn="just"/>
-            <a:r>
-              <a:rPr lang="en-US" dirty="0"/>
-              <a:t>Driver load and resource initialization</a:t>
-            </a:r>
-          </a:p>
-          <a:p>
-            <a:pPr algn="just"/>
-            <a:r>
-              <a:rPr lang="en-US" dirty="0" err="1"/>
-              <a:t>AddDevice</a:t>
-            </a:r>
-            <a:r>
-              <a:rPr lang="en-US" dirty="0"/>
-              <a:t>() </a:t>
-            </a:r>
-          </a:p>
-          <a:p>
-            <a:pPr lvl="1" algn="just"/>
-            <a:r>
-              <a:rPr lang="en-US" dirty="0"/>
-              <a:t>Device Object create and resource allocation</a:t>
-            </a:r>
-          </a:p>
-          <a:p>
-            <a:pPr lvl="1" algn="just"/>
-            <a:r>
-              <a:rPr lang="en-US" dirty="0"/>
-              <a:t>128 GUIDs generated for Device Identifier</a:t>
-            </a:r>
-          </a:p>
-          <a:p>
-            <a:pPr lvl="1" algn="just"/>
-            <a:r>
-              <a:rPr lang="en-US" dirty="0"/>
-              <a:t>Driver registers the GUID for a device</a:t>
-            </a:r>
-          </a:p>
-          <a:p>
-            <a:pPr algn="just"/>
-            <a:r>
-              <a:rPr lang="en-US" dirty="0"/>
-              <a:t>Dispatch()</a:t>
-            </a:r>
-          </a:p>
-          <a:p>
-            <a:pPr lvl="1" algn="just"/>
-            <a:r>
-              <a:rPr lang="en-US" dirty="0"/>
-              <a:t>Handles IO requests(sent as IRP)</a:t>
-            </a:r>
-          </a:p>
-        </p:txBody>
-      </p:sp>
-    </p:spTree>
-    <p:extLst>
-      <p:ext uri="{BB962C8B-B14F-4D97-AF65-F5344CB8AC3E}">
-        <p14:creationId xmlns:p14="http://schemas.microsoft.com/office/powerpoint/2010/main" val="1575657690"/>
-      </p:ext>
-    </p:extLst>
-  </p:cSld>
-  <p:clrMapOvr>
-    <a:masterClrMapping/>
-  </p:clrMapOvr>
-</p:sld>
-</file>
-
 <file path=ppt/slides/slide6.xml><?xml version="1.0" encoding="utf-8"?>
 <p:sld xmlns:a="http://schemas.openxmlformats.org/drawingml/2006/main" xmlns:r="http://schemas.openxmlformats.org/officeDocument/2006/relationships" xmlns:p="http://schemas.openxmlformats.org/presentationml/2006/main">
   <p:cSld>
@@ -4637,6 +10825,42 @@
             <p:ph type="title"/>
           </p:nvPr>
         </p:nvSpPr>
+        <p:spPr>
+          <a:xfrm>
+            <a:off x="457200" y="274638"/>
+            <a:ext cx="8451022" cy="1143000"/>
+          </a:xfrm>
+        </p:spPr>
+        <p:txBody>
+          <a:bodyPr>
+            <a:normAutofit/>
+          </a:bodyPr>
+          <a:lstStyle/>
+          <a:p>
+            <a:r>
+              <a:rPr lang="en-US" sz="3600" dirty="0" smtClean="0">
+                <a:latin typeface="Arial Black"/>
+                <a:cs typeface="Arial Black"/>
+              </a:rPr>
+              <a:t>WDM Driver Primary callbacks</a:t>
+            </a:r>
+            <a:endParaRPr lang="en-US" sz="3600" dirty="0">
+              <a:latin typeface="Arial Black"/>
+              <a:cs typeface="Arial Black"/>
+            </a:endParaRPr>
+          </a:p>
+        </p:txBody>
+      </p:sp>
+      <p:sp>
+        <p:nvSpPr>
+          <p:cNvPr id="3" name="Content Placeholder 2"/>
+          <p:cNvSpPr>
+            <a:spLocks noGrp="1"/>
+          </p:cNvSpPr>
+          <p:nvPr>
+            <p:ph idx="1"/>
+          </p:nvPr>
+        </p:nvSpPr>
         <p:spPr/>
         <p:txBody>
           <a:bodyPr>
@@ -4644,100 +10868,67 @@
           </a:bodyPr>
           <a:lstStyle/>
           <a:p>
-            <a:r>
-              <a:rPr lang="en-US" sz="4000" dirty="0" smtClean="0">
-                <a:latin typeface="Arial Black"/>
-                <a:cs typeface="Arial Black"/>
-              </a:rPr>
-              <a:t>WDM IO User-Kernel Space</a:t>
-            </a:r>
-            <a:endParaRPr lang="en-US" sz="4000" dirty="0">
-              <a:latin typeface="Arial Black"/>
-              <a:cs typeface="Arial Black"/>
-            </a:endParaRPr>
-          </a:p>
-        </p:txBody>
-      </p:sp>
-      <p:sp>
-        <p:nvSpPr>
-          <p:cNvPr id="3" name="Content Placeholder 2"/>
-          <p:cNvSpPr>
-            <a:spLocks noGrp="1"/>
-          </p:cNvSpPr>
-          <p:nvPr>
-            <p:ph idx="1"/>
-          </p:nvPr>
-        </p:nvSpPr>
-        <p:spPr/>
-        <p:txBody>
-          <a:bodyPr>
-            <a:normAutofit fontScale="92500" lnSpcReduction="20000"/>
-          </a:bodyPr>
-          <a:lstStyle/>
-          <a:p>
+            <a:pPr algn="just"/>
+            <a:r>
+              <a:rPr lang="en-US" dirty="0" err="1"/>
+              <a:t>DriverEntry</a:t>
+            </a:r>
             <a:r>
               <a:rPr lang="en-US" dirty="0"/>
-              <a:t>Three primary ways</a:t>
-            </a:r>
-          </a:p>
-          <a:p>
+              <a:t>() </a:t>
+            </a:r>
+          </a:p>
+          <a:p>
+            <a:pPr lvl="1" algn="just"/>
             <a:r>
               <a:rPr lang="en-US" dirty="0"/>
-              <a:t>Buffered IO</a:t>
-            </a:r>
-          </a:p>
-          <a:p>
-            <a:pPr lvl="1"/>
+              <a:t>Driver load and resource initialization</a:t>
+            </a:r>
+          </a:p>
+          <a:p>
+            <a:pPr algn="just"/>
+            <a:r>
+              <a:rPr lang="en-US" dirty="0" err="1"/>
+              <a:t>AddDevice</a:t>
+            </a:r>
             <a:r>
               <a:rPr lang="en-US" dirty="0"/>
-              <a:t>Kernel buffer allocated</a:t>
-            </a:r>
-          </a:p>
-          <a:p>
-            <a:pPr lvl="1"/>
+              <a:t>() </a:t>
+            </a:r>
+          </a:p>
+          <a:p>
+            <a:pPr lvl="1" algn="just"/>
             <a:r>
               <a:rPr lang="en-US" dirty="0"/>
-              <a:t>OS validates buffer before copying contents</a:t>
-            </a:r>
-          </a:p>
-          <a:p>
+              <a:t>Device Object create and resource allocation</a:t>
+            </a:r>
+          </a:p>
+          <a:p>
+            <a:pPr lvl="1" algn="just"/>
             <a:r>
               <a:rPr lang="en-US" dirty="0"/>
-              <a:t>Direct IO</a:t>
-            </a:r>
-          </a:p>
-          <a:p>
-            <a:pPr lvl="1"/>
+              <a:t>128 GUIDs generated for Device Identifier</a:t>
+            </a:r>
+          </a:p>
+          <a:p>
+            <a:pPr lvl="1" algn="just"/>
             <a:r>
               <a:rPr lang="en-US" dirty="0"/>
-              <a:t>User space locked memory allocated</a:t>
-            </a:r>
-          </a:p>
-          <a:p>
-            <a:pPr lvl="1"/>
+              <a:t>Driver registers the GUID for a device</a:t>
+            </a:r>
+          </a:p>
+          <a:p>
+            <a:pPr algn="just"/>
             <a:r>
               <a:rPr lang="en-US" dirty="0"/>
-              <a:t>Memory Descriptor List(MDL) passed on to driver via IRP</a:t>
-            </a:r>
-          </a:p>
-          <a:p>
-            <a:pPr lvl="1"/>
+              <a:t>Dispatch()</a:t>
+            </a:r>
+          </a:p>
+          <a:p>
+            <a:pPr lvl="1" algn="just"/>
             <a:r>
               <a:rPr lang="en-US" dirty="0"/>
-              <a:t>Driver initiates DMA to/from buffer using MDL info</a:t>
-            </a:r>
-          </a:p>
-          <a:p>
-            <a:r>
-              <a:rPr lang="en-US" dirty="0"/>
-              <a:t>Method Neither IO </a:t>
-            </a:r>
-          </a:p>
-          <a:p>
-            <a:pPr lvl="1"/>
-            <a:r>
-              <a:rPr lang="en-US" dirty="0"/>
-              <a:t>User space virtual pointer passed to driver</a:t>
+              <a:t>Handles IO requests(sent as IRP)</a:t>
             </a:r>
           </a:p>
         </p:txBody>
@@ -4745,7 +10936,7 @@
     </p:spTree>
     <p:extLst>
       <p:ext uri="{BB962C8B-B14F-4D97-AF65-F5344CB8AC3E}">
-        <p14:creationId xmlns:p14="http://schemas.microsoft.com/office/powerpoint/2010/main" val="1243093642"/>
+        <p14:creationId xmlns:p14="http://schemas.microsoft.com/office/powerpoint/2010/main" val="1575657690"/>
       </p:ext>
     </p:extLst>
   </p:cSld>
@@ -4794,7 +10985,7 @@
                 <a:latin typeface="Arial Black"/>
                 <a:cs typeface="Arial Black"/>
               </a:rPr>
-              <a:t>Linux Driver Architecture</a:t>
+              <a:t>WDM IO User-Kernel Space</a:t>
             </a:r>
             <a:endParaRPr lang="en-US" sz="4000" dirty="0">
               <a:latin typeface="Arial Black"/>
@@ -4815,50 +11006,74 @@
         </p:nvSpPr>
         <p:spPr/>
         <p:txBody>
-          <a:bodyPr/>
+          <a:bodyPr>
+            <a:normAutofit fontScale="92500" lnSpcReduction="20000"/>
+          </a:bodyPr>
           <a:lstStyle/>
           <a:p>
             <a:r>
               <a:rPr lang="en-US" dirty="0"/>
-              <a:t>Drivers in Linux represented as modules</a:t>
+              <a:t>Three primary ways</a:t>
             </a:r>
           </a:p>
           <a:p>
             <a:r>
               <a:rPr lang="en-US" dirty="0"/>
-              <a:t>Communication between modules done using  function call</a:t>
-            </a:r>
-          </a:p>
-          <a:p>
+              <a:t>Buffered IO</a:t>
+            </a:r>
+          </a:p>
+          <a:p>
+            <a:pPr lvl="1"/>
             <a:r>
               <a:rPr lang="en-US" dirty="0"/>
-              <a:t>Modules can export public function to a symbol table maintained by kernel</a:t>
-            </a:r>
-          </a:p>
-          <a:p>
-            <a:r>
-              <a:rPr lang="en-US" dirty="0" err="1"/>
-              <a:t>module_init</a:t>
-            </a:r>
+              <a:t>Kernel buffer allocated</a:t>
+            </a:r>
+          </a:p>
+          <a:p>
+            <a:pPr lvl="1"/>
             <a:r>
               <a:rPr lang="en-US" dirty="0"/>
-              <a:t> and </a:t>
-            </a:r>
-            <a:r>
-              <a:rPr lang="en-US" dirty="0" err="1"/>
-              <a:t>module_exit</a:t>
-            </a:r>
+              <a:t>OS validates buffer before copying contents</a:t>
+            </a:r>
+          </a:p>
+          <a:p>
             <a:r>
               <a:rPr lang="en-US" dirty="0"/>
-              <a:t> macros to initialize/unload driver(analogous to </a:t>
-            </a:r>
-            <a:r>
-              <a:rPr lang="en-US" dirty="0" err="1"/>
-              <a:t>DriverEntry</a:t>
-            </a:r>
+              <a:t>Direct IO</a:t>
+            </a:r>
+          </a:p>
+          <a:p>
+            <a:pPr lvl="1"/>
             <a:r>
               <a:rPr lang="en-US" dirty="0"/>
-              <a:t>())</a:t>
+              <a:t>User space locked memory allocated</a:t>
+            </a:r>
+          </a:p>
+          <a:p>
+            <a:pPr lvl="1"/>
+            <a:r>
+              <a:rPr lang="en-US" dirty="0"/>
+              <a:t>Memory Descriptor List(MDL) passed on to driver via IRP</a:t>
+            </a:r>
+          </a:p>
+          <a:p>
+            <a:pPr lvl="1"/>
+            <a:r>
+              <a:rPr lang="en-US" dirty="0"/>
+              <a:t>Driver initiates DMA to/from buffer using MDL info</a:t>
+            </a:r>
+          </a:p>
+          <a:p>
+            <a:r>
+              <a:rPr lang="en-US" dirty="0"/>
+              <a:t>Method Neither IO </a:t>
+            </a:r>
+          </a:p>
+          <a:p>
+            <a:pPr lvl="1"/>
+            <a:r>
+              <a:rPr lang="en-US" dirty="0"/>
+              <a:t>User space virtual pointer passed to driver</a:t>
             </a:r>
           </a:p>
         </p:txBody>
@@ -4866,7 +11081,7 @@
     </p:spTree>
     <p:extLst>
       <p:ext uri="{BB962C8B-B14F-4D97-AF65-F5344CB8AC3E}">
-        <p14:creationId xmlns:p14="http://schemas.microsoft.com/office/powerpoint/2010/main" val="3679262061"/>
+        <p14:creationId xmlns:p14="http://schemas.microsoft.com/office/powerpoint/2010/main" val="1243093642"/>
       </p:ext>
     </p:extLst>
   </p:cSld>
@@ -4906,18 +11121,18 @@
         <p:spPr/>
         <p:txBody>
           <a:bodyPr>
-            <a:noAutofit/>
+            <a:normAutofit/>
           </a:bodyPr>
           <a:lstStyle/>
           <a:p>
             <a:r>
-              <a:rPr lang="en-US" sz="3600" dirty="0" smtClean="0">
+              <a:rPr lang="en-US" sz="4000" dirty="0" smtClean="0">
                 <a:latin typeface="Arial Black"/>
                 <a:cs typeface="Arial Black"/>
               </a:rPr>
-              <a:t>Key Features Linux Device Driver</a:t>
-            </a:r>
-            <a:endParaRPr lang="en-US" sz="3600" dirty="0">
+              <a:t>Linux Driver Architecture</a:t>
+            </a:r>
+            <a:endParaRPr lang="en-US" sz="4000" dirty="0">
               <a:latin typeface="Arial Black"/>
               <a:cs typeface="Arial Black"/>
             </a:endParaRPr>
@@ -4936,48 +11151,50 @@
         </p:nvSpPr>
         <p:spPr/>
         <p:txBody>
-          <a:bodyPr>
-            <a:normAutofit fontScale="92500"/>
-          </a:bodyPr>
+          <a:bodyPr/>
           <a:lstStyle/>
           <a:p>
             <a:r>
               <a:rPr lang="en-US" dirty="0"/>
-              <a:t>No clear distinction of layered modules(no notion of filter, functional and bus driver as in Windows)</a:t>
+              <a:t>Drivers in Linux represented as modules</a:t>
             </a:r>
           </a:p>
           <a:p>
             <a:r>
               <a:rPr lang="en-US" dirty="0"/>
-              <a:t>Devices are named using major and minor numbers</a:t>
-            </a:r>
-          </a:p>
-          <a:p>
-            <a:pPr lvl="1"/>
+              <a:t>Communication between modules done using  function call</a:t>
+            </a:r>
+          </a:p>
+          <a:p>
             <a:r>
               <a:rPr lang="en-US" dirty="0"/>
-              <a:t>major numbers in range 0 to 255</a:t>
-            </a:r>
-          </a:p>
-          <a:p>
-            <a:pPr lvl="1"/>
+              <a:t>Modules can export public function to a symbol table maintained by kernel</a:t>
+            </a:r>
+          </a:p>
+          <a:p>
+            <a:r>
+              <a:rPr lang="en-US" dirty="0" err="1"/>
+              <a:t>module_init</a:t>
+            </a:r>
             <a:r>
               <a:rPr lang="en-US" dirty="0"/>
-              <a:t>Each driver for a major device number can manage additional 256 minor numbers</a:t>
-            </a:r>
-          </a:p>
-          <a:p>
-            <a:pPr lvl="1"/>
+              <a:t> and </a:t>
+            </a:r>
+            <a:r>
+              <a:rPr lang="en-US" dirty="0" err="1"/>
+              <a:t>module_exit</a:t>
+            </a:r>
             <a:r>
               <a:rPr lang="en-US" dirty="0"/>
-              <a:t>At one time, maximum 256 usable devices handles</a:t>
-            </a:r>
-          </a:p>
-          <a:p>
-            <a:pPr lvl="1"/>
+              <a:t> macros to initialize/unload driver(analogous to </a:t>
+            </a:r>
+            <a:r>
+              <a:rPr lang="en-US" dirty="0" err="1"/>
+              <a:t>DriverEntry</a:t>
+            </a:r>
             <a:r>
               <a:rPr lang="en-US" dirty="0"/>
-              <a:t>Possible to gain access to 65536(256 X 256) devices</a:t>
+              <a:t>())</a:t>
             </a:r>
           </a:p>
         </p:txBody>
@@ -4985,7 +11202,7 @@
     </p:spTree>
     <p:extLst>
       <p:ext uri="{BB962C8B-B14F-4D97-AF65-F5344CB8AC3E}">
-        <p14:creationId xmlns:p14="http://schemas.microsoft.com/office/powerpoint/2010/main" val="1920966851"/>
+        <p14:creationId xmlns:p14="http://schemas.microsoft.com/office/powerpoint/2010/main" val="3679262061"/>
       </p:ext>
     </p:extLst>
   </p:cSld>
@@ -5024,57 +11241,87 @@
         </p:nvSpPr>
         <p:spPr/>
         <p:txBody>
-          <a:bodyPr/>
+          <a:bodyPr>
+            <a:noAutofit/>
+          </a:bodyPr>
           <a:lstStyle/>
           <a:p>
             <a:r>
-              <a:rPr lang="en-US" dirty="0" smtClean="0">
+              <a:rPr lang="en-US" sz="3600" dirty="0" smtClean="0">
                 <a:latin typeface="Arial Black"/>
                 <a:cs typeface="Arial Black"/>
               </a:rPr>
-              <a:t>Linux Driver Stack</a:t>
-            </a:r>
-            <a:endParaRPr lang="en-US" dirty="0">
+              <a:t>Key Features Linux Device Driver</a:t>
+            </a:r>
+            <a:endParaRPr lang="en-US" sz="3600" dirty="0">
               <a:latin typeface="Arial Black"/>
               <a:cs typeface="Arial Black"/>
             </a:endParaRPr>
           </a:p>
         </p:txBody>
       </p:sp>
-      <p:pic>
-        <p:nvPicPr>
-          <p:cNvPr id="4" name="Picture 3" descr="Screen Shot 2015-04-07 at 8.47.19 PM.png"/>
-          <p:cNvPicPr>
-            <a:picLocks noChangeAspect="1"/>
-          </p:cNvPicPr>
-          <p:nvPr/>
-        </p:nvPicPr>
-        <p:blipFill>
-          <a:blip r:embed="rId2">
-            <a:extLst>
-              <a:ext uri="{28A0092B-C50C-407E-A947-70E740481C1C}">
-                <a14:useLocalDpi xmlns:a14="http://schemas.microsoft.com/office/drawing/2010/main" val="0"/>
-              </a:ext>
-            </a:extLst>
-          </a:blip>
-          <a:stretch>
-            <a:fillRect/>
-          </a:stretch>
-        </p:blipFill>
-        <p:spPr>
-          <a:xfrm>
-            <a:off x="457199" y="1417638"/>
-            <a:ext cx="7946783" cy="4673600"/>
-          </a:xfrm>
-          <a:prstGeom prst="rect">
-            <a:avLst/>
-          </a:prstGeom>
-        </p:spPr>
-      </p:pic>
+      <p:sp>
+        <p:nvSpPr>
+          <p:cNvPr id="3" name="Content Placeholder 2"/>
+          <p:cNvSpPr>
+            <a:spLocks noGrp="1"/>
+          </p:cNvSpPr>
+          <p:nvPr>
+            <p:ph idx="1"/>
+          </p:nvPr>
+        </p:nvSpPr>
+        <p:spPr/>
+        <p:txBody>
+          <a:bodyPr>
+            <a:normAutofit fontScale="92500"/>
+          </a:bodyPr>
+          <a:lstStyle/>
+          <a:p>
+            <a:r>
+              <a:rPr lang="en-US" dirty="0"/>
+              <a:t>No clear distinction of layered modules(no notion of filter, functional and bus driver as in Windows)</a:t>
+            </a:r>
+          </a:p>
+          <a:p>
+            <a:r>
+              <a:rPr lang="en-US" dirty="0"/>
+              <a:t>Devices are named using major and minor numbers</a:t>
+            </a:r>
+          </a:p>
+          <a:p>
+            <a:pPr lvl="1"/>
+            <a:r>
+              <a:rPr lang="en-US" dirty="0"/>
+              <a:t>major numbers in range 0 to 255</a:t>
+            </a:r>
+          </a:p>
+          <a:p>
+            <a:pPr lvl="1"/>
+            <a:r>
+              <a:rPr lang="en-US" dirty="0"/>
+              <a:t>Each driver for a major device number can manage additional 256 minor numbers</a:t>
+            </a:r>
+          </a:p>
+          <a:p>
+            <a:pPr lvl="1"/>
+            <a:r>
+              <a:rPr lang="en-US" dirty="0"/>
+              <a:t>At one time, maximum 256 usable devices handles</a:t>
+            </a:r>
+          </a:p>
+          <a:p>
+            <a:pPr lvl="1"/>
+            <a:r>
+              <a:rPr lang="en-US" dirty="0"/>
+              <a:t>Possible to gain access to 65536(256 X 256) devices</a:t>
+            </a:r>
+          </a:p>
+        </p:txBody>
+      </p:sp>
     </p:spTree>
     <p:extLst>
       <p:ext uri="{BB962C8B-B14F-4D97-AF65-F5344CB8AC3E}">
-        <p14:creationId xmlns:p14="http://schemas.microsoft.com/office/powerpoint/2010/main" val="513198885"/>
+        <p14:creationId xmlns:p14="http://schemas.microsoft.com/office/powerpoint/2010/main" val="1920966851"/>
       </p:ext>
     </p:extLst>
   </p:cSld>

--- a/4th_credit/survey.pptx
+++ b/4th_credit/survey.pptx
@@ -2,30 +2,32 @@
 <file path=ppt/presentation.xml><?xml version="1.0" encoding="utf-8"?>
 <p:presentation xmlns:a="http://schemas.openxmlformats.org/drawingml/2006/main" xmlns:r="http://schemas.openxmlformats.org/officeDocument/2006/relationships" xmlns:p="http://schemas.openxmlformats.org/presentationml/2006/main" saveSubsetFonts="1" autoCompressPictures="0">
   <p:sldMasterIdLst>
-    <p:sldMasterId id="2147483648" r:id="rId1"/>
+    <p:sldMasterId id="2147483784" r:id="rId1"/>
   </p:sldMasterIdLst>
   <p:notesMasterIdLst>
-    <p:notesMasterId r:id="rId20"/>
+    <p:notesMasterId r:id="rId22"/>
   </p:notesMasterIdLst>
   <p:sldIdLst>
     <p:sldId id="276" r:id="rId2"/>
-    <p:sldId id="257" r:id="rId3"/>
-    <p:sldId id="258" r:id="rId4"/>
-    <p:sldId id="259" r:id="rId5"/>
-    <p:sldId id="260" r:id="rId6"/>
-    <p:sldId id="261" r:id="rId7"/>
-    <p:sldId id="262" r:id="rId8"/>
-    <p:sldId id="263" r:id="rId9"/>
-    <p:sldId id="264" r:id="rId10"/>
-    <p:sldId id="265" r:id="rId11"/>
-    <p:sldId id="266" r:id="rId12"/>
-    <p:sldId id="269" r:id="rId13"/>
-    <p:sldId id="270" r:id="rId14"/>
-    <p:sldId id="271" r:id="rId15"/>
-    <p:sldId id="272" r:id="rId16"/>
-    <p:sldId id="273" r:id="rId17"/>
-    <p:sldId id="274" r:id="rId18"/>
-    <p:sldId id="275" r:id="rId19"/>
+    <p:sldId id="278" r:id="rId3"/>
+    <p:sldId id="257" r:id="rId4"/>
+    <p:sldId id="258" r:id="rId5"/>
+    <p:sldId id="259" r:id="rId6"/>
+    <p:sldId id="260" r:id="rId7"/>
+    <p:sldId id="261" r:id="rId8"/>
+    <p:sldId id="262" r:id="rId9"/>
+    <p:sldId id="263" r:id="rId10"/>
+    <p:sldId id="264" r:id="rId11"/>
+    <p:sldId id="265" r:id="rId12"/>
+    <p:sldId id="266" r:id="rId13"/>
+    <p:sldId id="269" r:id="rId14"/>
+    <p:sldId id="277" r:id="rId15"/>
+    <p:sldId id="270" r:id="rId16"/>
+    <p:sldId id="271" r:id="rId17"/>
+    <p:sldId id="272" r:id="rId18"/>
+    <p:sldId id="273" r:id="rId19"/>
+    <p:sldId id="274" r:id="rId20"/>
+    <p:sldId id="275" r:id="rId21"/>
   </p:sldIdLst>
   <p:sldSz cx="9144000" cy="6858000" type="screen4x3"/>
   <p:notesSz cx="6858000" cy="9144000"/>
@@ -697,7 +699,7 @@
           <a:p>
             <a:fld id="{149F80AD-52BE-7A4F-B91C-4C42B0AA28B8}" type="slidenum">
               <a:rPr lang="en-US" smtClean="0"/>
-              <a:t>5</a:t>
+              <a:t>6</a:t>
             </a:fld>
             <a:endParaRPr lang="en-US"/>
           </a:p>
@@ -809,7 +811,7 @@
           <a:p>
             <a:fld id="{E226A506-95AD-6A4D-8EF1-31DC07EF1D3F}" type="slidenum">
               <a:rPr lang="en-US" smtClean="0"/>
-              <a:t>12</a:t>
+              <a:t>13</a:t>
             </a:fld>
             <a:endParaRPr lang="en-US"/>
           </a:p>
@@ -907,7 +909,7 @@
           <a:p>
             <a:fld id="{E226A506-95AD-6A4D-8EF1-31DC07EF1D3F}" type="slidenum">
               <a:rPr lang="en-US" smtClean="0"/>
-              <a:t>13</a:t>
+              <a:t>15</a:t>
             </a:fld>
             <a:endParaRPr lang="en-US"/>
           </a:p>
@@ -963,7 +965,7 @@
             <a:fld id="{CA18FE8F-F3F8-344C-AE95-922A8D9DBAE6}" type="slidenum">
               <a:rPr lang="en-GB"/>
               <a:pPr/>
-              <a:t>16</a:t>
+              <a:t>18</a:t>
             </a:fld>
             <a:endParaRPr lang="en-GB"/>
           </a:p>
@@ -1050,7 +1052,7 @@
             <a:fld id="{765C45FD-DEEF-1F46-B0C3-E55AB7241905}" type="slidenum">
               <a:rPr lang="en-GB"/>
               <a:pPr/>
-              <a:t>17</a:t>
+              <a:t>19</a:t>
             </a:fld>
             <a:endParaRPr lang="en-GB"/>
           </a:p>
@@ -1235,7 +1237,7 @@
           <a:p>
             <a:fld id="{E226A506-95AD-6A4D-8EF1-31DC07EF1D3F}" type="slidenum">
               <a:rPr lang="en-US" smtClean="0"/>
-              <a:t>18</a:t>
+              <a:t>20</a:t>
             </a:fld>
             <a:endParaRPr lang="en-US"/>
           </a:p>
@@ -1255,8 +1257,13 @@
 </file>
 
 <file path=ppt/slideLayouts/slideLayout1.xml><?xml version="1.0" encoding="utf-8"?>
-<p:sldLayout xmlns:a="http://schemas.openxmlformats.org/drawingml/2006/main" xmlns:r="http://schemas.openxmlformats.org/officeDocument/2006/relationships" xmlns:p="http://schemas.openxmlformats.org/presentationml/2006/main" type="title" preserve="1">
+<p:sldLayout xmlns:a="http://schemas.openxmlformats.org/drawingml/2006/main" xmlns:r="http://schemas.openxmlformats.org/officeDocument/2006/relationships" xmlns:p="http://schemas.openxmlformats.org/presentationml/2006/main" showMasterSp="0" type="title" preserve="1">
   <p:cSld name="Title Slide">
+    <p:bg>
+      <p:bgRef idx="1001">
+        <a:schemeClr val="bg2"/>
+      </p:bgRef>
+    </p:bg>
     <p:spTree>
       <p:nvGrpSpPr>
         <p:cNvPr id="1" name=""/>
@@ -1273,7 +1280,149 @@
       </p:grpSpPr>
       <p:sp>
         <p:nvSpPr>
-          <p:cNvPr id="2" name="Title 1"/>
+          <p:cNvPr id="7" name="Rectangle 6"/>
+          <p:cNvSpPr/>
+          <p:nvPr/>
+        </p:nvSpPr>
+        <p:spPr bwMode="white">
+          <a:xfrm>
+            <a:off x="0" y="5971032"/>
+            <a:ext cx="9144000" cy="886968"/>
+          </a:xfrm>
+          <a:prstGeom prst="rect">
+            <a:avLst/>
+          </a:prstGeom>
+          <a:solidFill>
+            <a:srgbClr val="FFFFFF"/>
+          </a:solidFill>
+          <a:ln w="50800" cap="rnd" cmpd="dbl" algn="ctr">
+            <a:noFill/>
+            <a:prstDash val="solid"/>
+          </a:ln>
+          <a:effectLst/>
+        </p:spPr>
+        <p:style>
+          <a:lnRef idx="3">
+            <a:schemeClr val="lt1"/>
+          </a:lnRef>
+          <a:fillRef idx="1">
+            <a:schemeClr val="accent1"/>
+          </a:fillRef>
+          <a:effectRef idx="1">
+            <a:schemeClr val="accent1"/>
+          </a:effectRef>
+          <a:fontRef idx="minor">
+            <a:schemeClr val="lt1"/>
+          </a:fontRef>
+        </p:style>
+        <p:txBody>
+          <a:bodyPr anchor="ctr"/>
+          <a:lstStyle/>
+          <a:p>
+            <a:pPr algn="ctr" eaLnBrk="1" latinLnBrk="0" hangingPunct="1"/>
+            <a:endParaRPr kumimoji="0" lang="en-US"/>
+          </a:p>
+        </p:txBody>
+      </p:sp>
+      <p:sp>
+        <p:nvSpPr>
+          <p:cNvPr id="10" name="Rectangle 9"/>
+          <p:cNvSpPr/>
+          <p:nvPr/>
+        </p:nvSpPr>
+        <p:spPr>
+          <a:xfrm>
+            <a:off x="-9144" y="6053328"/>
+            <a:ext cx="2249424" cy="713232"/>
+          </a:xfrm>
+          <a:prstGeom prst="rect">
+            <a:avLst/>
+          </a:prstGeom>
+          <a:solidFill>
+            <a:schemeClr val="accent2">
+              <a:alpha val="100000"/>
+            </a:schemeClr>
+          </a:solidFill>
+          <a:ln w="50800" cap="rnd" cmpd="dbl" algn="ctr">
+            <a:noFill/>
+            <a:prstDash val="solid"/>
+          </a:ln>
+          <a:effectLst/>
+        </p:spPr>
+        <p:style>
+          <a:lnRef idx="3">
+            <a:schemeClr val="lt1"/>
+          </a:lnRef>
+          <a:fillRef idx="1">
+            <a:schemeClr val="accent1"/>
+          </a:fillRef>
+          <a:effectRef idx="1">
+            <a:schemeClr val="accent1"/>
+          </a:effectRef>
+          <a:fontRef idx="minor">
+            <a:schemeClr val="lt1"/>
+          </a:fontRef>
+        </p:style>
+        <p:txBody>
+          <a:bodyPr anchor="ctr"/>
+          <a:lstStyle/>
+          <a:p>
+            <a:pPr algn="ctr" eaLnBrk="1" latinLnBrk="0" hangingPunct="1"/>
+            <a:endParaRPr kumimoji="0" lang="en-US"/>
+          </a:p>
+        </p:txBody>
+      </p:sp>
+      <p:sp>
+        <p:nvSpPr>
+          <p:cNvPr id="11" name="Rectangle 10"/>
+          <p:cNvSpPr/>
+          <p:nvPr/>
+        </p:nvSpPr>
+        <p:spPr>
+          <a:xfrm>
+            <a:off x="2359152" y="6044184"/>
+            <a:ext cx="6784848" cy="713232"/>
+          </a:xfrm>
+          <a:prstGeom prst="rect">
+            <a:avLst/>
+          </a:prstGeom>
+          <a:solidFill>
+            <a:schemeClr val="accent1">
+              <a:alpha val="100000"/>
+            </a:schemeClr>
+          </a:solidFill>
+          <a:ln w="50800" cap="rnd" cmpd="dbl" algn="ctr">
+            <a:noFill/>
+            <a:prstDash val="solid"/>
+          </a:ln>
+          <a:effectLst/>
+        </p:spPr>
+        <p:style>
+          <a:lnRef idx="3">
+            <a:schemeClr val="lt1"/>
+          </a:lnRef>
+          <a:fillRef idx="1">
+            <a:schemeClr val="accent1"/>
+          </a:fillRef>
+          <a:effectRef idx="1">
+            <a:schemeClr val="accent1"/>
+          </a:effectRef>
+          <a:fontRef idx="minor">
+            <a:schemeClr val="lt1"/>
+          </a:fontRef>
+        </p:style>
+        <p:txBody>
+          <a:bodyPr anchor="ctr"/>
+          <a:lstStyle/>
+          <a:p>
+            <a:pPr algn="ctr" eaLnBrk="1" latinLnBrk="0" hangingPunct="1"/>
+            <a:endParaRPr kumimoji="0" lang="en-US"/>
+          </a:p>
+        </p:txBody>
+      </p:sp>
+      <p:sp>
+        <p:nvSpPr>
+          <p:cNvPr id="8" name="Title 7"/>
           <p:cNvSpPr>
             <a:spLocks noGrp="1"/>
           </p:cNvSpPr>
@@ -1283,25 +1432,29 @@
         </p:nvSpPr>
         <p:spPr>
           <a:xfrm>
-            <a:off x="685800" y="2130425"/>
-            <a:ext cx="7772400" cy="1470025"/>
+            <a:off x="2362200" y="4038600"/>
+            <a:ext cx="6477000" cy="1828800"/>
           </a:xfrm>
         </p:spPr>
         <p:txBody>
-          <a:bodyPr/>
-          <a:lstStyle/>
-          <a:p>
-            <a:r>
-              <a:rPr lang="en-US" smtClean="0"/>
+          <a:bodyPr anchor="b"/>
+          <a:lstStyle>
+            <a:lvl1pPr>
+              <a:defRPr cap="all" baseline="0"/>
+            </a:lvl1pPr>
+          </a:lstStyle>
+          <a:p>
+            <a:r>
+              <a:rPr kumimoji="0" lang="en-US" smtClean="0"/>
               <a:t>Click to edit Master title style</a:t>
             </a:r>
-            <a:endParaRPr lang="en-US"/>
-          </a:p>
-        </p:txBody>
-      </p:sp>
-      <p:sp>
-        <p:nvSpPr>
-          <p:cNvPr id="3" name="Subtitle 2"/>
+            <a:endParaRPr kumimoji="0" lang="en-US"/>
+          </a:p>
+        </p:txBody>
+      </p:sp>
+      <p:sp>
+        <p:nvSpPr>
+          <p:cNvPr id="9" name="Subtitle 8"/>
           <p:cNvSpPr>
             <a:spLocks noGrp="1"/>
           </p:cNvSpPr>
@@ -1311,116 +1464,60 @@
         </p:nvSpPr>
         <p:spPr>
           <a:xfrm>
-            <a:off x="1371600" y="3886200"/>
-            <a:ext cx="6400800" cy="1752600"/>
+            <a:off x="2362200" y="6050037"/>
+            <a:ext cx="6705600" cy="685800"/>
           </a:xfrm>
         </p:spPr>
         <p:txBody>
-          <a:bodyPr/>
+          <a:bodyPr anchor="ctr">
+            <a:normAutofit/>
+          </a:bodyPr>
           <a:lstStyle>
-            <a:lvl1pPr marL="0" indent="0" algn="ctr">
+            <a:lvl1pPr marL="0" indent="0" algn="l">
               <a:buNone/>
-              <a:defRPr>
+              <a:defRPr sz="2600">
                 <a:solidFill>
-                  <a:schemeClr val="tx1">
-                    <a:tint val="75000"/>
-                  </a:schemeClr>
+                  <a:srgbClr val="FFFFFF"/>
                 </a:solidFill>
               </a:defRPr>
             </a:lvl1pPr>
             <a:lvl2pPr marL="457200" indent="0" algn="ctr">
               <a:buNone/>
-              <a:defRPr>
-                <a:solidFill>
-                  <a:schemeClr val="tx1">
-                    <a:tint val="75000"/>
-                  </a:schemeClr>
-                </a:solidFill>
-              </a:defRPr>
             </a:lvl2pPr>
             <a:lvl3pPr marL="914400" indent="0" algn="ctr">
               <a:buNone/>
-              <a:defRPr>
-                <a:solidFill>
-                  <a:schemeClr val="tx1">
-                    <a:tint val="75000"/>
-                  </a:schemeClr>
-                </a:solidFill>
-              </a:defRPr>
             </a:lvl3pPr>
             <a:lvl4pPr marL="1371600" indent="0" algn="ctr">
               <a:buNone/>
-              <a:defRPr>
-                <a:solidFill>
-                  <a:schemeClr val="tx1">
-                    <a:tint val="75000"/>
-                  </a:schemeClr>
-                </a:solidFill>
-              </a:defRPr>
             </a:lvl4pPr>
             <a:lvl5pPr marL="1828800" indent="0" algn="ctr">
               <a:buNone/>
-              <a:defRPr>
-                <a:solidFill>
-                  <a:schemeClr val="tx1">
-                    <a:tint val="75000"/>
-                  </a:schemeClr>
-                </a:solidFill>
-              </a:defRPr>
             </a:lvl5pPr>
             <a:lvl6pPr marL="2286000" indent="0" algn="ctr">
               <a:buNone/>
-              <a:defRPr>
-                <a:solidFill>
-                  <a:schemeClr val="tx1">
-                    <a:tint val="75000"/>
-                  </a:schemeClr>
-                </a:solidFill>
-              </a:defRPr>
             </a:lvl6pPr>
             <a:lvl7pPr marL="2743200" indent="0" algn="ctr">
               <a:buNone/>
-              <a:defRPr>
-                <a:solidFill>
-                  <a:schemeClr val="tx1">
-                    <a:tint val="75000"/>
-                  </a:schemeClr>
-                </a:solidFill>
-              </a:defRPr>
             </a:lvl7pPr>
             <a:lvl8pPr marL="3200400" indent="0" algn="ctr">
               <a:buNone/>
-              <a:defRPr>
-                <a:solidFill>
-                  <a:schemeClr val="tx1">
-                    <a:tint val="75000"/>
-                  </a:schemeClr>
-                </a:solidFill>
-              </a:defRPr>
             </a:lvl8pPr>
             <a:lvl9pPr marL="3657600" indent="0" algn="ctr">
               <a:buNone/>
-              <a:defRPr>
-                <a:solidFill>
-                  <a:schemeClr val="tx1">
-                    <a:tint val="75000"/>
-                  </a:schemeClr>
-                </a:solidFill>
-              </a:defRPr>
             </a:lvl9pPr>
           </a:lstStyle>
           <a:p>
             <a:r>
-              <a:rPr lang="en-US" smtClean="0"/>
+              <a:rPr kumimoji="0" lang="en-US" smtClean="0"/>
               <a:t>Click to edit Master subtitle style</a:t>
             </a:r>
-            <a:endParaRPr lang="en-US"/>
-          </a:p>
-        </p:txBody>
-      </p:sp>
-      <p:sp>
-        <p:nvSpPr>
-          <p:cNvPr id="4" name="Date Placeholder 3"/>
+            <a:endParaRPr kumimoji="0" lang="en-US"/>
+          </a:p>
+        </p:txBody>
+      </p:sp>
+      <p:sp>
+        <p:nvSpPr>
+          <p:cNvPr id="28" name="Date Placeholder 27"/>
           <p:cNvSpPr>
             <a:spLocks noGrp="1"/>
           </p:cNvSpPr>
@@ -1428,10 +1525,25 @@
             <p:ph type="dt" sz="half" idx="10"/>
           </p:nvPr>
         </p:nvSpPr>
-        <p:spPr/>
-        <p:txBody>
-          <a:bodyPr/>
-          <a:lstStyle/>
+        <p:spPr>
+          <a:xfrm>
+            <a:off x="76200" y="6068699"/>
+            <a:ext cx="2057400" cy="685800"/>
+          </a:xfrm>
+        </p:spPr>
+        <p:txBody>
+          <a:bodyPr>
+            <a:noAutofit/>
+          </a:bodyPr>
+          <a:lstStyle>
+            <a:lvl1pPr algn="ctr">
+              <a:defRPr sz="2000">
+                <a:solidFill>
+                  <a:srgbClr val="FFFFFF"/>
+                </a:solidFill>
+              </a:defRPr>
+            </a:lvl1pPr>
+          </a:lstStyle>
           <a:p>
             <a:fld id="{78A60172-FDF1-A54D-8FF0-F1EF9537053A}" type="datetimeFigureOut">
               <a:rPr lang="en-US" smtClean="0"/>
@@ -1443,7 +1555,7 @@
       </p:sp>
       <p:sp>
         <p:nvSpPr>
-          <p:cNvPr id="5" name="Footer Placeholder 4"/>
+          <p:cNvPr id="17" name="Footer Placeholder 16"/>
           <p:cNvSpPr>
             <a:spLocks noGrp="1"/>
           </p:cNvSpPr>
@@ -1451,10 +1563,23 @@
             <p:ph type="ftr" sz="quarter" idx="11"/>
           </p:nvPr>
         </p:nvSpPr>
-        <p:spPr/>
+        <p:spPr>
+          <a:xfrm>
+            <a:off x="2085393" y="236538"/>
+            <a:ext cx="5867400" cy="365125"/>
+          </a:xfrm>
+        </p:spPr>
         <p:txBody>
           <a:bodyPr/>
-          <a:lstStyle/>
+          <a:lstStyle>
+            <a:lvl1pPr algn="r">
+              <a:defRPr>
+                <a:solidFill>
+                  <a:schemeClr val="tx2"/>
+                </a:solidFill>
+              </a:defRPr>
+            </a:lvl1pPr>
+          </a:lstStyle>
           <a:p>
             <a:endParaRPr lang="en-US"/>
           </a:p>
@@ -1462,7 +1587,7 @@
       </p:sp>
       <p:sp>
         <p:nvSpPr>
-          <p:cNvPr id="6" name="Slide Number Placeholder 5"/>
+          <p:cNvPr id="29" name="Slide Number Placeholder 28"/>
           <p:cNvSpPr>
             <a:spLocks noGrp="1"/>
           </p:cNvSpPr>
@@ -1470,10 +1595,23 @@
             <p:ph type="sldNum" sz="quarter" idx="12"/>
           </p:nvPr>
         </p:nvSpPr>
-        <p:spPr/>
+        <p:spPr>
+          <a:xfrm>
+            <a:off x="8001000" y="228600"/>
+            <a:ext cx="838200" cy="381000"/>
+          </a:xfrm>
+        </p:spPr>
         <p:txBody>
           <a:bodyPr/>
-          <a:lstStyle/>
+          <a:lstStyle>
+            <a:lvl1pPr>
+              <a:defRPr>
+                <a:solidFill>
+                  <a:schemeClr val="tx2"/>
+                </a:solidFill>
+              </a:defRPr>
+            </a:lvl1pPr>
+          </a:lstStyle>
           <a:p>
             <a:fld id="{24329C5F-7579-844A-B269-C6442F70D5D0}" type="slidenum">
               <a:rPr lang="en-US" smtClean="0"/>
@@ -1484,14 +1622,9 @@
         </p:txBody>
       </p:sp>
     </p:spTree>
-    <p:extLst>
-      <p:ext uri="{BB962C8B-B14F-4D97-AF65-F5344CB8AC3E}">
-        <p14:creationId xmlns:p14="http://schemas.microsoft.com/office/powerpoint/2010/main" val="197136803"/>
-      </p:ext>
-    </p:extLst>
   </p:cSld>
   <p:clrMapOvr>
-    <a:masterClrMapping/>
+    <a:overrideClrMapping bg1="dk1" tx1="lt1" bg2="dk2" tx2="lt2" accent1="accent1" accent2="accent2" accent3="accent3" accent4="accent4" accent5="accent5" accent6="accent6" hlink="hlink" folHlink="folHlink"/>
   </p:clrMapOvr>
 </p:sldLayout>
 </file>
@@ -1529,10 +1662,10 @@
           <a:lstStyle/>
           <a:p>
             <a:r>
-              <a:rPr lang="en-US" smtClean="0"/>
+              <a:rPr kumimoji="0" lang="en-US" smtClean="0"/>
               <a:t>Click to edit Master title style</a:t>
             </a:r>
-            <a:endParaRPr lang="en-US"/>
+            <a:endParaRPr kumimoji="0" lang="en-US"/>
           </a:p>
         </p:txBody>
       </p:sp>
@@ -1551,40 +1684,40 @@
           <a:bodyPr vert="eaVert"/>
           <a:lstStyle/>
           <a:p>
-            <a:pPr lvl="0"/>
+            <a:pPr lvl="0" eaLnBrk="1" latinLnBrk="0" hangingPunct="1"/>
             <a:r>
               <a:rPr lang="en-US" smtClean="0"/>
               <a:t>Click to edit Master text styles</a:t>
             </a:r>
           </a:p>
           <a:p>
-            <a:pPr lvl="1"/>
+            <a:pPr lvl="1" eaLnBrk="1" latinLnBrk="0" hangingPunct="1"/>
             <a:r>
               <a:rPr lang="en-US" smtClean="0"/>
               <a:t>Second level</a:t>
             </a:r>
           </a:p>
           <a:p>
-            <a:pPr lvl="2"/>
+            <a:pPr lvl="2" eaLnBrk="1" latinLnBrk="0" hangingPunct="1"/>
             <a:r>
               <a:rPr lang="en-US" smtClean="0"/>
               <a:t>Third level</a:t>
             </a:r>
           </a:p>
           <a:p>
-            <a:pPr lvl="3"/>
+            <a:pPr lvl="3" eaLnBrk="1" latinLnBrk="0" hangingPunct="1"/>
             <a:r>
               <a:rPr lang="en-US" smtClean="0"/>
               <a:t>Fourth level</a:t>
             </a:r>
           </a:p>
           <a:p>
-            <a:pPr lvl="4"/>
+            <a:pPr lvl="4" eaLnBrk="1" latinLnBrk="0" hangingPunct="1"/>
             <a:r>
               <a:rPr lang="en-US" smtClean="0"/>
               <a:t>Fifth level</a:t>
             </a:r>
-            <a:endParaRPr lang="en-US"/>
+            <a:endParaRPr kumimoji="0" lang="en-US"/>
           </a:p>
         </p:txBody>
       </p:sp>
@@ -1654,11 +1787,6 @@
         </p:txBody>
       </p:sp>
     </p:spTree>
-    <p:extLst>
-      <p:ext uri="{BB962C8B-B14F-4D97-AF65-F5344CB8AC3E}">
-        <p14:creationId xmlns:p14="http://schemas.microsoft.com/office/powerpoint/2010/main" val="837511210"/>
-      </p:ext>
-    </p:extLst>
   </p:cSld>
   <p:clrMapOvr>
     <a:masterClrMapping/>
@@ -1667,8 +1795,13 @@
 </file>
 
 <file path=ppt/slideLayouts/slideLayout11.xml><?xml version="1.0" encoding="utf-8"?>
-<p:sldLayout xmlns:a="http://schemas.openxmlformats.org/drawingml/2006/main" xmlns:r="http://schemas.openxmlformats.org/officeDocument/2006/relationships" xmlns:p="http://schemas.openxmlformats.org/presentationml/2006/main" type="vertTitleAndTx" preserve="1">
+<p:sldLayout xmlns:a="http://schemas.openxmlformats.org/drawingml/2006/main" xmlns:r="http://schemas.openxmlformats.org/officeDocument/2006/relationships" xmlns:p="http://schemas.openxmlformats.org/presentationml/2006/main" showMasterSp="0" type="vertTitleAndTx" preserve="1">
   <p:cSld name="Vertical Title and Text">
+    <p:bg>
+      <p:bgRef idx="1001">
+        <a:schemeClr val="bg1"/>
+      </p:bgRef>
+    </p:bg>
     <p:spTree>
       <p:nvGrpSpPr>
         <p:cNvPr id="1" name=""/>
@@ -1695,8 +1828,8 @@
         </p:nvSpPr>
         <p:spPr>
           <a:xfrm>
-            <a:off x="6629400" y="274638"/>
-            <a:ext cx="2057400" cy="5851525"/>
+            <a:off x="6553200" y="609600"/>
+            <a:ext cx="2057400" cy="5516563"/>
           </a:xfrm>
         </p:spPr>
         <p:txBody>
@@ -1704,10 +1837,10 @@
           <a:lstStyle/>
           <a:p>
             <a:r>
-              <a:rPr lang="en-US" smtClean="0"/>
+              <a:rPr kumimoji="0" lang="en-US" smtClean="0"/>
               <a:t>Click to edit Master title style</a:t>
             </a:r>
-            <a:endParaRPr lang="en-US"/>
+            <a:endParaRPr kumimoji="0" lang="en-US"/>
           </a:p>
         </p:txBody>
       </p:sp>
@@ -1723,48 +1856,48 @@
         </p:nvSpPr>
         <p:spPr>
           <a:xfrm>
-            <a:off x="457200" y="274638"/>
-            <a:ext cx="6019800" cy="5851525"/>
+            <a:off x="457200" y="609600"/>
+            <a:ext cx="5562600" cy="5516564"/>
           </a:xfrm>
         </p:spPr>
         <p:txBody>
           <a:bodyPr vert="eaVert"/>
           <a:lstStyle/>
           <a:p>
-            <a:pPr lvl="0"/>
+            <a:pPr lvl="0" eaLnBrk="1" latinLnBrk="0" hangingPunct="1"/>
             <a:r>
               <a:rPr lang="en-US" smtClean="0"/>
               <a:t>Click to edit Master text styles</a:t>
             </a:r>
           </a:p>
           <a:p>
-            <a:pPr lvl="1"/>
+            <a:pPr lvl="1" eaLnBrk="1" latinLnBrk="0" hangingPunct="1"/>
             <a:r>
               <a:rPr lang="en-US" smtClean="0"/>
               <a:t>Second level</a:t>
             </a:r>
           </a:p>
           <a:p>
-            <a:pPr lvl="2"/>
+            <a:pPr lvl="2" eaLnBrk="1" latinLnBrk="0" hangingPunct="1"/>
             <a:r>
               <a:rPr lang="en-US" smtClean="0"/>
               <a:t>Third level</a:t>
             </a:r>
           </a:p>
           <a:p>
-            <a:pPr lvl="3"/>
+            <a:pPr lvl="3" eaLnBrk="1" latinLnBrk="0" hangingPunct="1"/>
             <a:r>
               <a:rPr lang="en-US" smtClean="0"/>
               <a:t>Fourth level</a:t>
             </a:r>
           </a:p>
           <a:p>
-            <a:pPr lvl="4"/>
+            <a:pPr lvl="4" eaLnBrk="1" latinLnBrk="0" hangingPunct="1"/>
             <a:r>
               <a:rPr lang="en-US" smtClean="0"/>
               <a:t>Fifth level</a:t>
             </a:r>
-            <a:endParaRPr lang="en-US"/>
+            <a:endParaRPr kumimoji="0" lang="en-US"/>
           </a:p>
         </p:txBody>
       </p:sp>
@@ -1778,7 +1911,12 @@
             <p:ph type="dt" sz="half" idx="10"/>
           </p:nvPr>
         </p:nvSpPr>
-        <p:spPr/>
+        <p:spPr>
+          <a:xfrm>
+            <a:off x="6553200" y="6248402"/>
+            <a:ext cx="2209800" cy="365125"/>
+          </a:xfrm>
+        </p:spPr>
         <p:txBody>
           <a:bodyPr/>
           <a:lstStyle/>
@@ -1801,12 +1939,152 @@
             <p:ph type="ftr" sz="quarter" idx="11"/>
           </p:nvPr>
         </p:nvSpPr>
-        <p:spPr/>
+        <p:spPr>
+          <a:xfrm>
+            <a:off x="457201" y="6248207"/>
+            <a:ext cx="5573483" cy="365125"/>
+          </a:xfrm>
+        </p:spPr>
         <p:txBody>
           <a:bodyPr/>
           <a:lstStyle/>
           <a:p>
             <a:endParaRPr lang="en-US"/>
+          </a:p>
+        </p:txBody>
+      </p:sp>
+      <p:sp>
+        <p:nvSpPr>
+          <p:cNvPr id="7" name="Rectangle 6"/>
+          <p:cNvSpPr/>
+          <p:nvPr/>
+        </p:nvSpPr>
+        <p:spPr bwMode="white">
+          <a:xfrm>
+            <a:off x="6096318" y="0"/>
+            <a:ext cx="320040" cy="6858000"/>
+          </a:xfrm>
+          <a:prstGeom prst="rect">
+            <a:avLst/>
+          </a:prstGeom>
+          <a:solidFill>
+            <a:srgbClr val="FFFFFF"/>
+          </a:solidFill>
+          <a:ln w="19050" cap="flat" cmpd="sng" algn="ctr">
+            <a:noFill/>
+            <a:prstDash val="solid"/>
+          </a:ln>
+        </p:spPr>
+        <p:style>
+          <a:lnRef idx="2">
+            <a:schemeClr val="accent1"/>
+          </a:lnRef>
+          <a:fillRef idx="1">
+            <a:schemeClr val="accent1"/>
+          </a:fillRef>
+          <a:effectRef idx="0">
+            <a:schemeClr val="accent1"/>
+          </a:effectRef>
+          <a:fontRef idx="minor">
+            <a:schemeClr val="lt1"/>
+          </a:fontRef>
+        </p:style>
+        <p:txBody>
+          <a:bodyPr rtlCol="0" anchor="ctr"/>
+          <a:lstStyle/>
+          <a:p>
+            <a:pPr algn="ctr" eaLnBrk="1" latinLnBrk="0" hangingPunct="1"/>
+            <a:endParaRPr kumimoji="0" lang="en-US"/>
+          </a:p>
+        </p:txBody>
+      </p:sp>
+      <p:sp>
+        <p:nvSpPr>
+          <p:cNvPr id="8" name="Rectangle 7"/>
+          <p:cNvSpPr/>
+          <p:nvPr/>
+        </p:nvSpPr>
+        <p:spPr>
+          <a:xfrm>
+            <a:off x="6142038" y="609600"/>
+            <a:ext cx="228600" cy="6248400"/>
+          </a:xfrm>
+          <a:prstGeom prst="rect">
+            <a:avLst/>
+          </a:prstGeom>
+          <a:solidFill>
+            <a:schemeClr val="accent1"/>
+          </a:solidFill>
+          <a:ln w="19050" cap="flat" cmpd="sng" algn="ctr">
+            <a:noFill/>
+            <a:prstDash val="solid"/>
+          </a:ln>
+        </p:spPr>
+        <p:style>
+          <a:lnRef idx="2">
+            <a:schemeClr val="accent1"/>
+          </a:lnRef>
+          <a:fillRef idx="1">
+            <a:schemeClr val="accent1"/>
+          </a:fillRef>
+          <a:effectRef idx="0">
+            <a:schemeClr val="accent1"/>
+          </a:effectRef>
+          <a:fontRef idx="minor">
+            <a:schemeClr val="lt1"/>
+          </a:fontRef>
+        </p:style>
+        <p:txBody>
+          <a:bodyPr rtlCol="0" anchor="ctr"/>
+          <a:lstStyle/>
+          <a:p>
+            <a:pPr algn="ctr" eaLnBrk="1" latinLnBrk="0" hangingPunct="1"/>
+            <a:endParaRPr kumimoji="0" lang="en-US"/>
+          </a:p>
+        </p:txBody>
+      </p:sp>
+      <p:sp>
+        <p:nvSpPr>
+          <p:cNvPr id="9" name="Rectangle 8"/>
+          <p:cNvSpPr/>
+          <p:nvPr/>
+        </p:nvSpPr>
+        <p:spPr>
+          <a:xfrm>
+            <a:off x="6142038" y="0"/>
+            <a:ext cx="228600" cy="533400"/>
+          </a:xfrm>
+          <a:prstGeom prst="rect">
+            <a:avLst/>
+          </a:prstGeom>
+          <a:solidFill>
+            <a:schemeClr val="accent2"/>
+          </a:solidFill>
+          <a:ln w="19050" cap="flat" cmpd="sng" algn="ctr">
+            <a:noFill/>
+            <a:prstDash val="solid"/>
+          </a:ln>
+        </p:spPr>
+        <p:style>
+          <a:lnRef idx="2">
+            <a:schemeClr val="accent1"/>
+          </a:lnRef>
+          <a:fillRef idx="1">
+            <a:schemeClr val="accent1"/>
+          </a:fillRef>
+          <a:effectRef idx="0">
+            <a:schemeClr val="accent1"/>
+          </a:effectRef>
+          <a:fontRef idx="minor">
+            <a:schemeClr val="lt1"/>
+          </a:fontRef>
+        </p:style>
+        <p:txBody>
+          <a:bodyPr rtlCol="0" anchor="ctr"/>
+          <a:lstStyle/>
+          <a:p>
+            <a:pPr algn="ctr" eaLnBrk="1" latinLnBrk="0" hangingPunct="1"/>
+            <a:endParaRPr kumimoji="0" lang="en-US"/>
           </a:p>
         </p:txBody>
       </p:sp>
@@ -1820,7 +2098,12 @@
             <p:ph type="sldNum" sz="quarter" idx="12"/>
           </p:nvPr>
         </p:nvSpPr>
-        <p:spPr/>
+        <p:spPr>
+          <a:xfrm rot="5400000">
+            <a:off x="5989638" y="144462"/>
+            <a:ext cx="533400" cy="244476"/>
+          </a:xfrm>
+        </p:spPr>
         <p:txBody>
           <a:bodyPr/>
           <a:lstStyle/>
@@ -1834,14 +2117,9 @@
         </p:txBody>
       </p:sp>
     </p:spTree>
-    <p:extLst>
-      <p:ext uri="{BB962C8B-B14F-4D97-AF65-F5344CB8AC3E}">
-        <p14:creationId xmlns:p14="http://schemas.microsoft.com/office/powerpoint/2010/main" val="2071461536"/>
-      </p:ext>
-    </p:extLst>
   </p:cSld>
   <p:clrMapOvr>
-    <a:masterClrMapping/>
+    <a:overrideClrMapping bg1="lt1" tx1="dk1" bg2="lt2" tx2="dk2" accent1="accent1" accent2="accent2" accent3="accent3" accent4="accent4" accent5="accent5" accent6="accent6" hlink="hlink" folHlink="folHlink"/>
   </p:clrMapOvr>
 </p:sldLayout>
 </file>
@@ -1873,68 +2151,21 @@
             <p:ph type="title"/>
           </p:nvPr>
         </p:nvSpPr>
-        <p:spPr/>
+        <p:spPr>
+          <a:xfrm>
+            <a:off x="612648" y="228600"/>
+            <a:ext cx="8153400" cy="990600"/>
+          </a:xfrm>
+        </p:spPr>
         <p:txBody>
           <a:bodyPr/>
           <a:lstStyle/>
           <a:p>
             <a:r>
-              <a:rPr lang="en-US" smtClean="0"/>
+              <a:rPr kumimoji="0" lang="en-US" smtClean="0"/>
               <a:t>Click to edit Master title style</a:t>
             </a:r>
-            <a:endParaRPr lang="en-US"/>
-          </a:p>
-        </p:txBody>
-      </p:sp>
-      <p:sp>
-        <p:nvSpPr>
-          <p:cNvPr id="3" name="Content Placeholder 2"/>
-          <p:cNvSpPr>
-            <a:spLocks noGrp="1"/>
-          </p:cNvSpPr>
-          <p:nvPr>
-            <p:ph idx="1"/>
-          </p:nvPr>
-        </p:nvSpPr>
-        <p:spPr/>
-        <p:txBody>
-          <a:bodyPr/>
-          <a:lstStyle/>
-          <a:p>
-            <a:pPr lvl="0"/>
-            <a:r>
-              <a:rPr lang="en-US" smtClean="0"/>
-              <a:t>Click to edit Master text styles</a:t>
-            </a:r>
-          </a:p>
-          <a:p>
-            <a:pPr lvl="1"/>
-            <a:r>
-              <a:rPr lang="en-US" smtClean="0"/>
-              <a:t>Second level</a:t>
-            </a:r>
-          </a:p>
-          <a:p>
-            <a:pPr lvl="2"/>
-            <a:r>
-              <a:rPr lang="en-US" smtClean="0"/>
-              <a:t>Third level</a:t>
-            </a:r>
-          </a:p>
-          <a:p>
-            <a:pPr lvl="3"/>
-            <a:r>
-              <a:rPr lang="en-US" smtClean="0"/>
-              <a:t>Fourth level</a:t>
-            </a:r>
-          </a:p>
-          <a:p>
-            <a:pPr lvl="4"/>
-            <a:r>
-              <a:rPr lang="en-US" smtClean="0"/>
-              <a:t>Fifth level</a:t>
-            </a:r>
-            <a:endParaRPr lang="en-US"/>
+            <a:endParaRPr kumimoji="0" lang="en-US"/>
           </a:p>
         </p:txBody>
       </p:sp>
@@ -1993,7 +2224,15 @@
         <p:spPr/>
         <p:txBody>
           <a:bodyPr/>
-          <a:lstStyle/>
+          <a:lstStyle>
+            <a:lvl1pPr>
+              <a:defRPr>
+                <a:solidFill>
+                  <a:srgbClr val="FFFFFF"/>
+                </a:solidFill>
+              </a:defRPr>
+            </a:lvl1pPr>
+          </a:lstStyle>
           <a:p>
             <a:fld id="{24329C5F-7579-844A-B269-C6442F70D5D0}" type="slidenum">
               <a:rPr lang="en-US" smtClean="0"/>
@@ -2003,12 +2242,64 @@
           </a:p>
         </p:txBody>
       </p:sp>
+      <p:sp>
+        <p:nvSpPr>
+          <p:cNvPr id="8" name="Content Placeholder 7"/>
+          <p:cNvSpPr>
+            <a:spLocks noGrp="1"/>
+          </p:cNvSpPr>
+          <p:nvPr>
+            <p:ph sz="quarter" idx="1"/>
+          </p:nvPr>
+        </p:nvSpPr>
+        <p:spPr>
+          <a:xfrm>
+            <a:off x="612648" y="1600200"/>
+            <a:ext cx="8153400" cy="4495800"/>
+          </a:xfrm>
+        </p:spPr>
+        <p:txBody>
+          <a:bodyPr/>
+          <a:lstStyle/>
+          <a:p>
+            <a:pPr lvl="0" eaLnBrk="1" latinLnBrk="0" hangingPunct="1"/>
+            <a:r>
+              <a:rPr lang="en-US" smtClean="0"/>
+              <a:t>Click to edit Master text styles</a:t>
+            </a:r>
+          </a:p>
+          <a:p>
+            <a:pPr lvl="1" eaLnBrk="1" latinLnBrk="0" hangingPunct="1"/>
+            <a:r>
+              <a:rPr lang="en-US" smtClean="0"/>
+              <a:t>Second level</a:t>
+            </a:r>
+          </a:p>
+          <a:p>
+            <a:pPr lvl="2" eaLnBrk="1" latinLnBrk="0" hangingPunct="1"/>
+            <a:r>
+              <a:rPr lang="en-US" smtClean="0"/>
+              <a:t>Third level</a:t>
+            </a:r>
+          </a:p>
+          <a:p>
+            <a:pPr lvl="3" eaLnBrk="1" latinLnBrk="0" hangingPunct="1"/>
+            <a:r>
+              <a:rPr lang="en-US" smtClean="0"/>
+              <a:t>Fourth level</a:t>
+            </a:r>
+          </a:p>
+          <a:p>
+            <a:pPr lvl="4" eaLnBrk="1" latinLnBrk="0" hangingPunct="1"/>
+            <a:r>
+              <a:rPr lang="en-US" smtClean="0"/>
+              <a:t>Fifth level</a:t>
+            </a:r>
+            <a:endParaRPr kumimoji="0" lang="en-US"/>
+          </a:p>
+        </p:txBody>
+      </p:sp>
     </p:spTree>
-    <p:extLst>
-      <p:ext uri="{BB962C8B-B14F-4D97-AF65-F5344CB8AC3E}">
-        <p14:creationId xmlns:p14="http://schemas.microsoft.com/office/powerpoint/2010/main" val="1168940736"/>
-      </p:ext>
-    </p:extLst>
   </p:cSld>
   <p:clrMapOvr>
     <a:masterClrMapping/>
@@ -2017,8 +2308,13 @@
 </file>
 
 <file path=ppt/slideLayouts/slideLayout3.xml><?xml version="1.0" encoding="utf-8"?>
-<p:sldLayout xmlns:a="http://schemas.openxmlformats.org/drawingml/2006/main" xmlns:r="http://schemas.openxmlformats.org/officeDocument/2006/relationships" xmlns:p="http://schemas.openxmlformats.org/presentationml/2006/main" type="secHead" preserve="1">
+<p:sldLayout xmlns:a="http://schemas.openxmlformats.org/drawingml/2006/main" xmlns:r="http://schemas.openxmlformats.org/officeDocument/2006/relationships" xmlns:p="http://schemas.openxmlformats.org/presentationml/2006/main" showMasterSp="0" type="secHead" preserve="1">
   <p:cSld name="Section Header">
+    <p:bg>
+      <p:bgRef idx="1003">
+        <a:schemeClr val="bg1"/>
+      </p:bgRef>
+    </p:bg>
     <p:spTree>
       <p:nvGrpSpPr>
         <p:cNvPr id="1" name=""/>
@@ -2035,38 +2331,6 @@
       </p:grpSpPr>
       <p:sp>
         <p:nvSpPr>
-          <p:cNvPr id="2" name="Title 1"/>
-          <p:cNvSpPr>
-            <a:spLocks noGrp="1"/>
-          </p:cNvSpPr>
-          <p:nvPr>
-            <p:ph type="title"/>
-          </p:nvPr>
-        </p:nvSpPr>
-        <p:spPr>
-          <a:xfrm>
-            <a:off x="722313" y="4406900"/>
-            <a:ext cx="7772400" cy="1362075"/>
-          </a:xfrm>
-        </p:spPr>
-        <p:txBody>
-          <a:bodyPr anchor="t"/>
-          <a:lstStyle>
-            <a:lvl1pPr algn="l">
-              <a:defRPr sz="4000" b="1" cap="all"/>
-            </a:lvl1pPr>
-          </a:lstStyle>
-          <a:p>
-            <a:r>
-              <a:rPr lang="en-US" smtClean="0"/>
-              <a:t>Click to edit Master title style</a:t>
-            </a:r>
-            <a:endParaRPr lang="en-US"/>
-          </a:p>
-        </p:txBody>
-      </p:sp>
-      <p:sp>
-        <p:nvSpPr>
           <p:cNvPr id="3" name="Text Placeholder 2"/>
           <p:cNvSpPr>
             <a:spLocks noGrp="1"/>
@@ -2077,24 +2341,22 @@
         </p:nvSpPr>
         <p:spPr>
           <a:xfrm>
-            <a:off x="722313" y="2906713"/>
-            <a:ext cx="7772400" cy="1500187"/>
+            <a:off x="1371600" y="2743200"/>
+            <a:ext cx="7123113" cy="1673225"/>
           </a:xfrm>
         </p:spPr>
         <p:txBody>
-          <a:bodyPr anchor="b"/>
+          <a:bodyPr anchor="t"/>
           <a:lstStyle>
             <a:lvl1pPr marL="0" indent="0">
               <a:buNone/>
-              <a:defRPr sz="2000">
+              <a:defRPr sz="2800">
                 <a:solidFill>
-                  <a:schemeClr val="tx1">
-                    <a:tint val="75000"/>
-                  </a:schemeClr>
+                  <a:schemeClr val="tx2"/>
                 </a:solidFill>
               </a:defRPr>
             </a:lvl1pPr>
-            <a:lvl2pPr marL="457200" indent="0">
+            <a:lvl2pPr>
               <a:buNone/>
               <a:defRPr sz="1800">
                 <a:solidFill>
@@ -2104,7 +2366,7 @@
                 </a:solidFill>
               </a:defRPr>
             </a:lvl2pPr>
-            <a:lvl3pPr marL="914400" indent="0">
+            <a:lvl3pPr>
               <a:buNone/>
               <a:defRPr sz="1600">
                 <a:solidFill>
@@ -2114,7 +2376,7 @@
                 </a:solidFill>
               </a:defRPr>
             </a:lvl3pPr>
-            <a:lvl4pPr marL="1371600" indent="0">
+            <a:lvl4pPr>
               <a:buNone/>
               <a:defRPr sz="1400">
                 <a:solidFill>
@@ -2124,7 +2386,7 @@
                 </a:solidFill>
               </a:defRPr>
             </a:lvl4pPr>
-            <a:lvl5pPr marL="1828800" indent="0">
+            <a:lvl5pPr>
               <a:buNone/>
               <a:defRPr sz="1400">
                 <a:solidFill>
@@ -2134,59 +2396,198 @@
                 </a:solidFill>
               </a:defRPr>
             </a:lvl5pPr>
-            <a:lvl6pPr marL="2286000" indent="0">
+          </a:lstStyle>
+          <a:p>
+            <a:pPr lvl="0" eaLnBrk="1" latinLnBrk="0" hangingPunct="1"/>
+            <a:r>
+              <a:rPr kumimoji="0" lang="en-US" smtClean="0"/>
+              <a:t>Click to edit Master text styles</a:t>
+            </a:r>
+          </a:p>
+        </p:txBody>
+      </p:sp>
+      <p:sp>
+        <p:nvSpPr>
+          <p:cNvPr id="7" name="Rectangle 6"/>
+          <p:cNvSpPr/>
+          <p:nvPr/>
+        </p:nvSpPr>
+        <p:spPr bwMode="white">
+          <a:xfrm>
+            <a:off x="0" y="1524000"/>
+            <a:ext cx="9144000" cy="1143000"/>
+          </a:xfrm>
+          <a:prstGeom prst="rect">
+            <a:avLst/>
+          </a:prstGeom>
+          <a:solidFill>
+            <a:srgbClr val="FFFFFF"/>
+          </a:solidFill>
+          <a:ln w="50800" cap="rnd" cmpd="dbl" algn="ctr">
+            <a:noFill/>
+            <a:prstDash val="solid"/>
+          </a:ln>
+          <a:effectLst/>
+        </p:spPr>
+        <p:style>
+          <a:lnRef idx="3">
+            <a:schemeClr val="lt1"/>
+          </a:lnRef>
+          <a:fillRef idx="1">
+            <a:schemeClr val="accent1"/>
+          </a:fillRef>
+          <a:effectRef idx="1">
+            <a:schemeClr val="accent1"/>
+          </a:effectRef>
+          <a:fontRef idx="minor">
+            <a:schemeClr val="lt1"/>
+          </a:fontRef>
+        </p:style>
+        <p:txBody>
+          <a:bodyPr anchor="ctr"/>
+          <a:lstStyle/>
+          <a:p>
+            <a:pPr algn="ctr" eaLnBrk="1" latinLnBrk="0" hangingPunct="1"/>
+            <a:endParaRPr kumimoji="0" lang="en-US"/>
+          </a:p>
+        </p:txBody>
+      </p:sp>
+      <p:sp>
+        <p:nvSpPr>
+          <p:cNvPr id="8" name="Rectangle 7"/>
+          <p:cNvSpPr/>
+          <p:nvPr/>
+        </p:nvSpPr>
+        <p:spPr>
+          <a:xfrm>
+            <a:off x="0" y="1600200"/>
+            <a:ext cx="1295400" cy="990600"/>
+          </a:xfrm>
+          <a:prstGeom prst="rect">
+            <a:avLst/>
+          </a:prstGeom>
+          <a:solidFill>
+            <a:schemeClr val="accent2">
+              <a:alpha val="100000"/>
+            </a:schemeClr>
+          </a:solidFill>
+          <a:ln w="50800" cap="rnd" cmpd="dbl" algn="ctr">
+            <a:noFill/>
+            <a:prstDash val="solid"/>
+          </a:ln>
+          <a:effectLst/>
+        </p:spPr>
+        <p:style>
+          <a:lnRef idx="3">
+            <a:schemeClr val="lt1"/>
+          </a:lnRef>
+          <a:fillRef idx="1">
+            <a:schemeClr val="accent1"/>
+          </a:fillRef>
+          <a:effectRef idx="1">
+            <a:schemeClr val="accent1"/>
+          </a:effectRef>
+          <a:fontRef idx="minor">
+            <a:schemeClr val="lt1"/>
+          </a:fontRef>
+        </p:style>
+        <p:txBody>
+          <a:bodyPr anchor="ctr"/>
+          <a:lstStyle/>
+          <a:p>
+            <a:pPr algn="ctr" eaLnBrk="1" latinLnBrk="0" hangingPunct="1"/>
+            <a:endParaRPr kumimoji="0" lang="en-US"/>
+          </a:p>
+        </p:txBody>
+      </p:sp>
+      <p:sp>
+        <p:nvSpPr>
+          <p:cNvPr id="9" name="Rectangle 8"/>
+          <p:cNvSpPr/>
+          <p:nvPr/>
+        </p:nvSpPr>
+        <p:spPr>
+          <a:xfrm>
+            <a:off x="1371600" y="1600200"/>
+            <a:ext cx="7772400" cy="990600"/>
+          </a:xfrm>
+          <a:prstGeom prst="rect">
+            <a:avLst/>
+          </a:prstGeom>
+          <a:solidFill>
+            <a:schemeClr val="accent1">
+              <a:alpha val="100000"/>
+            </a:schemeClr>
+          </a:solidFill>
+          <a:ln w="50800" cap="rnd" cmpd="dbl" algn="ctr">
+            <a:noFill/>
+            <a:prstDash val="solid"/>
+          </a:ln>
+          <a:effectLst/>
+        </p:spPr>
+        <p:style>
+          <a:lnRef idx="3">
+            <a:schemeClr val="lt1"/>
+          </a:lnRef>
+          <a:fillRef idx="1">
+            <a:schemeClr val="accent1"/>
+          </a:fillRef>
+          <a:effectRef idx="1">
+            <a:schemeClr val="accent1"/>
+          </a:effectRef>
+          <a:fontRef idx="minor">
+            <a:schemeClr val="lt1"/>
+          </a:fontRef>
+        </p:style>
+        <p:txBody>
+          <a:bodyPr anchor="ctr"/>
+          <a:lstStyle/>
+          <a:p>
+            <a:pPr algn="ctr" eaLnBrk="1" latinLnBrk="0" hangingPunct="1"/>
+            <a:endParaRPr kumimoji="0" lang="en-US"/>
+          </a:p>
+        </p:txBody>
+      </p:sp>
+      <p:sp>
+        <p:nvSpPr>
+          <p:cNvPr id="2" name="Title 1"/>
+          <p:cNvSpPr>
+            <a:spLocks noGrp="1"/>
+          </p:cNvSpPr>
+          <p:nvPr>
+            <p:ph type="title"/>
+          </p:nvPr>
+        </p:nvSpPr>
+        <p:spPr>
+          <a:xfrm>
+            <a:off x="1371600" y="1600200"/>
+            <a:ext cx="7620000" cy="990600"/>
+          </a:xfrm>
+        </p:spPr>
+        <p:txBody>
+          <a:bodyPr/>
+          <a:lstStyle>
+            <a:lvl1pPr algn="l">
               <a:buNone/>
-              <a:defRPr sz="1400">
+              <a:defRPr sz="4400" b="0" cap="none">
                 <a:solidFill>
-                  <a:schemeClr val="tx1">
-                    <a:tint val="75000"/>
-                  </a:schemeClr>
+                  <a:srgbClr val="FFFFFF"/>
                 </a:solidFill>
               </a:defRPr>
-            </a:lvl6pPr>
-            <a:lvl7pPr marL="2743200" indent="0">
-              <a:buNone/>
-              <a:defRPr sz="1400">
-                <a:solidFill>
-                  <a:schemeClr val="tx1">
-                    <a:tint val="75000"/>
-                  </a:schemeClr>
-                </a:solidFill>
-              </a:defRPr>
-            </a:lvl7pPr>
-            <a:lvl8pPr marL="3200400" indent="0">
-              <a:buNone/>
-              <a:defRPr sz="1400">
-                <a:solidFill>
-                  <a:schemeClr val="tx1">
-                    <a:tint val="75000"/>
-                  </a:schemeClr>
-                </a:solidFill>
-              </a:defRPr>
-            </a:lvl8pPr>
-            <a:lvl9pPr marL="3657600" indent="0">
-              <a:buNone/>
-              <a:defRPr sz="1400">
-                <a:solidFill>
-                  <a:schemeClr val="tx1">
-                    <a:tint val="75000"/>
-                  </a:schemeClr>
-                </a:solidFill>
-              </a:defRPr>
-            </a:lvl9pPr>
+            </a:lvl1pPr>
           </a:lstStyle>
           <a:p>
-            <a:pPr lvl="0"/>
-            <a:r>
-              <a:rPr lang="en-US" smtClean="0"/>
-              <a:t>Click to edit Master text styles</a:t>
-            </a:r>
-          </a:p>
-        </p:txBody>
-      </p:sp>
-      <p:sp>
-        <p:nvSpPr>
-          <p:cNvPr id="4" name="Date Placeholder 3"/>
+            <a:r>
+              <a:rPr kumimoji="0" lang="en-US" smtClean="0"/>
+              <a:t>Click to edit Master title style</a:t>
+            </a:r>
+            <a:endParaRPr kumimoji="0" lang="en-US"/>
+          </a:p>
+        </p:txBody>
+      </p:sp>
+      <p:sp>
+        <p:nvSpPr>
+          <p:cNvPr id="12" name="Date Placeholder 11"/>
           <p:cNvSpPr>
             <a:spLocks noGrp="1"/>
           </p:cNvSpPr>
@@ -2209,37 +2610,33 @@
       </p:sp>
       <p:sp>
         <p:nvSpPr>
-          <p:cNvPr id="5" name="Footer Placeholder 4"/>
+          <p:cNvPr id="13" name="Slide Number Placeholder 12"/>
           <p:cNvSpPr>
             <a:spLocks noGrp="1"/>
           </p:cNvSpPr>
           <p:nvPr>
-            <p:ph type="ftr" sz="quarter" idx="11"/>
+            <p:ph type="sldNum" sz="quarter" idx="11"/>
           </p:nvPr>
         </p:nvSpPr>
-        <p:spPr/>
-        <p:txBody>
-          <a:bodyPr/>
-          <a:lstStyle/>
-          <a:p>
-            <a:endParaRPr lang="en-US"/>
-          </a:p>
-        </p:txBody>
-      </p:sp>
-      <p:sp>
-        <p:nvSpPr>
-          <p:cNvPr id="6" name="Slide Number Placeholder 5"/>
-          <p:cNvSpPr>
-            <a:spLocks noGrp="1"/>
-          </p:cNvSpPr>
-          <p:nvPr>
-            <p:ph type="sldNum" sz="quarter" idx="12"/>
-          </p:nvPr>
-        </p:nvSpPr>
-        <p:spPr/>
-        <p:txBody>
-          <a:bodyPr/>
-          <a:lstStyle/>
+        <p:spPr>
+          <a:xfrm>
+            <a:off x="0" y="1752600"/>
+            <a:ext cx="1295400" cy="701676"/>
+          </a:xfrm>
+        </p:spPr>
+        <p:txBody>
+          <a:bodyPr>
+            <a:noAutofit/>
+          </a:bodyPr>
+          <a:lstStyle>
+            <a:lvl1pPr>
+              <a:defRPr sz="2400">
+                <a:solidFill>
+                  <a:srgbClr val="FFFFFF"/>
+                </a:solidFill>
+              </a:defRPr>
+            </a:lvl1pPr>
+          </a:lstStyle>
           <a:p>
             <a:fld id="{24329C5F-7579-844A-B269-C6442F70D5D0}" type="slidenum">
               <a:rPr lang="en-US" smtClean="0"/>
@@ -2249,15 +2646,29 @@
           </a:p>
         </p:txBody>
       </p:sp>
+      <p:sp>
+        <p:nvSpPr>
+          <p:cNvPr id="14" name="Footer Placeholder 13"/>
+          <p:cNvSpPr>
+            <a:spLocks noGrp="1"/>
+          </p:cNvSpPr>
+          <p:nvPr>
+            <p:ph type="ftr" sz="quarter" idx="12"/>
+          </p:nvPr>
+        </p:nvSpPr>
+        <p:spPr/>
+        <p:txBody>
+          <a:bodyPr/>
+          <a:lstStyle/>
+          <a:p>
+            <a:endParaRPr lang="en-US"/>
+          </a:p>
+        </p:txBody>
+      </p:sp>
     </p:spTree>
-    <p:extLst>
-      <p:ext uri="{BB962C8B-B14F-4D97-AF65-F5344CB8AC3E}">
-        <p14:creationId xmlns:p14="http://schemas.microsoft.com/office/powerpoint/2010/main" val="2179191494"/>
-      </p:ext>
-    </p:extLst>
   </p:cSld>
   <p:clrMapOvr>
-    <a:masterClrMapping/>
+    <a:overrideClrMapping bg1="lt1" tx1="dk1" bg2="lt2" tx2="dk2" accent1="accent1" accent2="accent2" accent3="accent3" accent4="accent4" accent5="accent5" accent6="accent6" hlink="hlink" folHlink="folHlink"/>
   </p:clrMapOvr>
 </p:sldLayout>
 </file>
@@ -2295,196 +2706,140 @@
           <a:lstStyle/>
           <a:p>
             <a:r>
-              <a:rPr lang="en-US" smtClean="0"/>
+              <a:rPr kumimoji="0" lang="en-US" smtClean="0"/>
               <a:t>Click to edit Master title style</a:t>
             </a:r>
-            <a:endParaRPr lang="en-US"/>
-          </a:p>
-        </p:txBody>
-      </p:sp>
-      <p:sp>
-        <p:nvSpPr>
-          <p:cNvPr id="3" name="Content Placeholder 2"/>
+            <a:endParaRPr kumimoji="0" lang="en-US"/>
+          </a:p>
+        </p:txBody>
+      </p:sp>
+      <p:sp>
+        <p:nvSpPr>
+          <p:cNvPr id="9" name="Content Placeholder 8"/>
           <p:cNvSpPr>
             <a:spLocks noGrp="1"/>
           </p:cNvSpPr>
           <p:nvPr>
-            <p:ph sz="half" idx="1"/>
+            <p:ph sz="quarter" idx="1"/>
           </p:nvPr>
         </p:nvSpPr>
         <p:spPr>
           <a:xfrm>
-            <a:off x="457200" y="1600200"/>
-            <a:ext cx="4038600" cy="4525963"/>
+            <a:off x="609600" y="1589567"/>
+            <a:ext cx="3886200" cy="4572000"/>
           </a:xfrm>
         </p:spPr>
         <p:txBody>
           <a:bodyPr/>
-          <a:lstStyle>
-            <a:lvl1pPr>
-              <a:defRPr sz="2800"/>
-            </a:lvl1pPr>
-            <a:lvl2pPr>
-              <a:defRPr sz="2400"/>
-            </a:lvl2pPr>
-            <a:lvl3pPr>
-              <a:defRPr sz="2000"/>
-            </a:lvl3pPr>
-            <a:lvl4pPr>
-              <a:defRPr sz="1800"/>
-            </a:lvl4pPr>
-            <a:lvl5pPr>
-              <a:defRPr sz="1800"/>
-            </a:lvl5pPr>
-            <a:lvl6pPr>
-              <a:defRPr sz="1800"/>
-            </a:lvl6pPr>
-            <a:lvl7pPr>
-              <a:defRPr sz="1800"/>
-            </a:lvl7pPr>
-            <a:lvl8pPr>
-              <a:defRPr sz="1800"/>
-            </a:lvl8pPr>
-            <a:lvl9pPr>
-              <a:defRPr sz="1800"/>
-            </a:lvl9pPr>
-          </a:lstStyle>
-          <a:p>
-            <a:pPr lvl="0"/>
+          <a:lstStyle/>
+          <a:p>
+            <a:pPr lvl="0" eaLnBrk="1" latinLnBrk="0" hangingPunct="1"/>
             <a:r>
               <a:rPr lang="en-US" smtClean="0"/>
               <a:t>Click to edit Master text styles</a:t>
             </a:r>
           </a:p>
           <a:p>
-            <a:pPr lvl="1"/>
+            <a:pPr lvl="1" eaLnBrk="1" latinLnBrk="0" hangingPunct="1"/>
             <a:r>
               <a:rPr lang="en-US" smtClean="0"/>
               <a:t>Second level</a:t>
             </a:r>
           </a:p>
           <a:p>
-            <a:pPr lvl="2"/>
+            <a:pPr lvl="2" eaLnBrk="1" latinLnBrk="0" hangingPunct="1"/>
             <a:r>
               <a:rPr lang="en-US" smtClean="0"/>
               <a:t>Third level</a:t>
             </a:r>
           </a:p>
           <a:p>
-            <a:pPr lvl="3"/>
+            <a:pPr lvl="3" eaLnBrk="1" latinLnBrk="0" hangingPunct="1"/>
             <a:r>
               <a:rPr lang="en-US" smtClean="0"/>
               <a:t>Fourth level</a:t>
             </a:r>
           </a:p>
           <a:p>
-            <a:pPr lvl="4"/>
+            <a:pPr lvl="4" eaLnBrk="1" latinLnBrk="0" hangingPunct="1"/>
             <a:r>
               <a:rPr lang="en-US" smtClean="0"/>
               <a:t>Fifth level</a:t>
             </a:r>
-            <a:endParaRPr lang="en-US"/>
-          </a:p>
-        </p:txBody>
-      </p:sp>
-      <p:sp>
-        <p:nvSpPr>
-          <p:cNvPr id="4" name="Content Placeholder 3"/>
+            <a:endParaRPr kumimoji="0" lang="en-US"/>
+          </a:p>
+        </p:txBody>
+      </p:sp>
+      <p:sp>
+        <p:nvSpPr>
+          <p:cNvPr id="11" name="Content Placeholder 10"/>
           <p:cNvSpPr>
             <a:spLocks noGrp="1"/>
           </p:cNvSpPr>
           <p:nvPr>
-            <p:ph sz="half" idx="2"/>
+            <p:ph sz="quarter" idx="2"/>
           </p:nvPr>
         </p:nvSpPr>
         <p:spPr>
           <a:xfrm>
-            <a:off x="4648200" y="1600200"/>
-            <a:ext cx="4038600" cy="4525963"/>
+            <a:off x="4844901" y="1589567"/>
+            <a:ext cx="3886200" cy="4572000"/>
           </a:xfrm>
         </p:spPr>
         <p:txBody>
           <a:bodyPr/>
-          <a:lstStyle>
-            <a:lvl1pPr>
-              <a:defRPr sz="2800"/>
-            </a:lvl1pPr>
-            <a:lvl2pPr>
-              <a:defRPr sz="2400"/>
-            </a:lvl2pPr>
-            <a:lvl3pPr>
-              <a:defRPr sz="2000"/>
-            </a:lvl3pPr>
-            <a:lvl4pPr>
-              <a:defRPr sz="1800"/>
-            </a:lvl4pPr>
-            <a:lvl5pPr>
-              <a:defRPr sz="1800"/>
-            </a:lvl5pPr>
-            <a:lvl6pPr>
-              <a:defRPr sz="1800"/>
-            </a:lvl6pPr>
-            <a:lvl7pPr>
-              <a:defRPr sz="1800"/>
-            </a:lvl7pPr>
-            <a:lvl8pPr>
-              <a:defRPr sz="1800"/>
-            </a:lvl8pPr>
-            <a:lvl9pPr>
-              <a:defRPr sz="1800"/>
-            </a:lvl9pPr>
-          </a:lstStyle>
-          <a:p>
-            <a:pPr lvl="0"/>
+          <a:lstStyle/>
+          <a:p>
+            <a:pPr lvl="0" eaLnBrk="1" latinLnBrk="0" hangingPunct="1"/>
             <a:r>
               <a:rPr lang="en-US" smtClean="0"/>
               <a:t>Click to edit Master text styles</a:t>
             </a:r>
           </a:p>
           <a:p>
-            <a:pPr lvl="1"/>
+            <a:pPr lvl="1" eaLnBrk="1" latinLnBrk="0" hangingPunct="1"/>
             <a:r>
               <a:rPr lang="en-US" smtClean="0"/>
               <a:t>Second level</a:t>
             </a:r>
           </a:p>
           <a:p>
-            <a:pPr lvl="2"/>
+            <a:pPr lvl="2" eaLnBrk="1" latinLnBrk="0" hangingPunct="1"/>
             <a:r>
               <a:rPr lang="en-US" smtClean="0"/>
               <a:t>Third level</a:t>
             </a:r>
           </a:p>
           <a:p>
-            <a:pPr lvl="3"/>
+            <a:pPr lvl="3" eaLnBrk="1" latinLnBrk="0" hangingPunct="1"/>
             <a:r>
               <a:rPr lang="en-US" smtClean="0"/>
               <a:t>Fourth level</a:t>
             </a:r>
           </a:p>
           <a:p>
-            <a:pPr lvl="4"/>
+            <a:pPr lvl="4" eaLnBrk="1" latinLnBrk="0" hangingPunct="1"/>
             <a:r>
               <a:rPr lang="en-US" smtClean="0"/>
               <a:t>Fifth level</a:t>
             </a:r>
-            <a:endParaRPr lang="en-US"/>
-          </a:p>
-        </p:txBody>
-      </p:sp>
-      <p:sp>
-        <p:nvSpPr>
-          <p:cNvPr id="5" name="Date Placeholder 4"/>
+            <a:endParaRPr kumimoji="0" lang="en-US"/>
+          </a:p>
+        </p:txBody>
+      </p:sp>
+      <p:sp>
+        <p:nvSpPr>
+          <p:cNvPr id="8" name="Date Placeholder 7"/>
           <p:cNvSpPr>
             <a:spLocks noGrp="1"/>
           </p:cNvSpPr>
           <p:nvPr>
-            <p:ph type="dt" sz="half" idx="10"/>
+            <p:ph type="dt" sz="half" idx="15"/>
           </p:nvPr>
         </p:nvSpPr>
         <p:spPr/>
         <p:txBody>
-          <a:bodyPr/>
+          <a:bodyPr rtlCol="0"/>
           <a:lstStyle/>
           <a:p>
             <a:fld id="{78A60172-FDF1-A54D-8FF0-F1EF9537053A}" type="datetimeFigureOut">
@@ -2497,36 +2852,17 @@
       </p:sp>
       <p:sp>
         <p:nvSpPr>
-          <p:cNvPr id="6" name="Footer Placeholder 5"/>
+          <p:cNvPr id="10" name="Slide Number Placeholder 9"/>
           <p:cNvSpPr>
             <a:spLocks noGrp="1"/>
           </p:cNvSpPr>
           <p:nvPr>
-            <p:ph type="ftr" sz="quarter" idx="11"/>
+            <p:ph type="sldNum" sz="quarter" idx="16"/>
           </p:nvPr>
         </p:nvSpPr>
         <p:spPr/>
         <p:txBody>
-          <a:bodyPr/>
-          <a:lstStyle/>
-          <a:p>
-            <a:endParaRPr lang="en-US"/>
-          </a:p>
-        </p:txBody>
-      </p:sp>
-      <p:sp>
-        <p:nvSpPr>
-          <p:cNvPr id="7" name="Slide Number Placeholder 6"/>
-          <p:cNvSpPr>
-            <a:spLocks noGrp="1"/>
-          </p:cNvSpPr>
-          <p:nvPr>
-            <p:ph type="sldNum" sz="quarter" idx="12"/>
-          </p:nvPr>
-        </p:nvSpPr>
-        <p:spPr/>
-        <p:txBody>
-          <a:bodyPr/>
+          <a:bodyPr rtlCol="0"/>
           <a:lstStyle/>
           <a:p>
             <a:fld id="{24329C5F-7579-844A-B269-C6442F70D5D0}" type="slidenum">
@@ -2537,12 +2873,26 @@
           </a:p>
         </p:txBody>
       </p:sp>
+      <p:sp>
+        <p:nvSpPr>
+          <p:cNvPr id="12" name="Footer Placeholder 11"/>
+          <p:cNvSpPr>
+            <a:spLocks noGrp="1"/>
+          </p:cNvSpPr>
+          <p:nvPr>
+            <p:ph type="ftr" sz="quarter" idx="17"/>
+          </p:nvPr>
+        </p:nvSpPr>
+        <p:spPr/>
+        <p:txBody>
+          <a:bodyPr rtlCol="0"/>
+          <a:lstStyle/>
+          <a:p>
+            <a:endParaRPr lang="en-US"/>
+          </a:p>
+        </p:txBody>
+      </p:sp>
     </p:spTree>
-    <p:extLst>
-      <p:ext uri="{BB962C8B-B14F-4D97-AF65-F5344CB8AC3E}">
-        <p14:creationId xmlns:p14="http://schemas.microsoft.com/office/powerpoint/2010/main" val="1055591417"/>
-      </p:ext>
-    </p:extLst>
   </p:cSld>
   <p:clrMapOvr>
     <a:masterClrMapping/>
@@ -2577,9 +2927,14 @@
             <p:ph type="title"/>
           </p:nvPr>
         </p:nvSpPr>
-        <p:spPr/>
-        <p:txBody>
-          <a:bodyPr/>
+        <p:spPr>
+          <a:xfrm>
+            <a:off x="533400" y="273050"/>
+            <a:ext cx="8153400" cy="869950"/>
+          </a:xfrm>
+        </p:spPr>
+        <p:txBody>
+          <a:bodyPr anchor="ctr"/>
           <a:lstStyle>
             <a:lvl1pPr>
               <a:defRPr/>
@@ -2587,231 +2942,73 @@
           </a:lstStyle>
           <a:p>
             <a:r>
-              <a:rPr lang="en-US" smtClean="0"/>
+              <a:rPr kumimoji="0" lang="en-US" smtClean="0"/>
               <a:t>Click to edit Master title style</a:t>
             </a:r>
-            <a:endParaRPr lang="en-US"/>
-          </a:p>
-        </p:txBody>
-      </p:sp>
-      <p:sp>
-        <p:nvSpPr>
-          <p:cNvPr id="3" name="Text Placeholder 2"/>
+            <a:endParaRPr kumimoji="0" lang="en-US"/>
+          </a:p>
+        </p:txBody>
+      </p:sp>
+      <p:sp>
+        <p:nvSpPr>
+          <p:cNvPr id="11" name="Content Placeholder 10"/>
           <p:cNvSpPr>
             <a:spLocks noGrp="1"/>
           </p:cNvSpPr>
           <p:nvPr>
-            <p:ph type="body" idx="1"/>
+            <p:ph sz="quarter" idx="2"/>
           </p:nvPr>
         </p:nvSpPr>
         <p:spPr>
           <a:xfrm>
-            <a:off x="457200" y="1535113"/>
-            <a:ext cx="4040188" cy="639762"/>
+            <a:off x="609600" y="2438400"/>
+            <a:ext cx="3886200" cy="3581400"/>
           </a:xfrm>
         </p:spPr>
         <p:txBody>
-          <a:bodyPr anchor="b"/>
-          <a:lstStyle>
-            <a:lvl1pPr marL="0" indent="0">
-              <a:buNone/>
-              <a:defRPr sz="2400" b="1"/>
-            </a:lvl1pPr>
-            <a:lvl2pPr marL="457200" indent="0">
-              <a:buNone/>
-              <a:defRPr sz="2000" b="1"/>
-            </a:lvl2pPr>
-            <a:lvl3pPr marL="914400" indent="0">
-              <a:buNone/>
-              <a:defRPr sz="1800" b="1"/>
-            </a:lvl3pPr>
-            <a:lvl4pPr marL="1371600" indent="0">
-              <a:buNone/>
-              <a:defRPr sz="1600" b="1"/>
-            </a:lvl4pPr>
-            <a:lvl5pPr marL="1828800" indent="0">
-              <a:buNone/>
-              <a:defRPr sz="1600" b="1"/>
-            </a:lvl5pPr>
-            <a:lvl6pPr marL="2286000" indent="0">
-              <a:buNone/>
-              <a:defRPr sz="1600" b="1"/>
-            </a:lvl6pPr>
-            <a:lvl7pPr marL="2743200" indent="0">
-              <a:buNone/>
-              <a:defRPr sz="1600" b="1"/>
-            </a:lvl7pPr>
-            <a:lvl8pPr marL="3200400" indent="0">
-              <a:buNone/>
-              <a:defRPr sz="1600" b="1"/>
-            </a:lvl8pPr>
-            <a:lvl9pPr marL="3657600" indent="0">
-              <a:buNone/>
-              <a:defRPr sz="1600" b="1"/>
-            </a:lvl9pPr>
-          </a:lstStyle>
-          <a:p>
-            <a:pPr lvl="0"/>
+          <a:bodyPr/>
+          <a:lstStyle/>
+          <a:p>
+            <a:pPr lvl="0" eaLnBrk="1" latinLnBrk="0" hangingPunct="1"/>
             <a:r>
               <a:rPr lang="en-US" smtClean="0"/>
               <a:t>Click to edit Master text styles</a:t>
             </a:r>
           </a:p>
-        </p:txBody>
-      </p:sp>
-      <p:sp>
-        <p:nvSpPr>
-          <p:cNvPr id="4" name="Content Placeholder 3"/>
-          <p:cNvSpPr>
-            <a:spLocks noGrp="1"/>
-          </p:cNvSpPr>
-          <p:nvPr>
-            <p:ph sz="half" idx="2"/>
-          </p:nvPr>
-        </p:nvSpPr>
-        <p:spPr>
-          <a:xfrm>
-            <a:off x="457200" y="2174875"/>
-            <a:ext cx="4040188" cy="3951288"/>
-          </a:xfrm>
-        </p:spPr>
-        <p:txBody>
-          <a:bodyPr/>
-          <a:lstStyle>
-            <a:lvl1pPr>
-              <a:defRPr sz="2400"/>
-            </a:lvl1pPr>
-            <a:lvl2pPr>
-              <a:defRPr sz="2000"/>
-            </a:lvl2pPr>
-            <a:lvl3pPr>
-              <a:defRPr sz="1800"/>
-            </a:lvl3pPr>
-            <a:lvl4pPr>
-              <a:defRPr sz="1600"/>
-            </a:lvl4pPr>
-            <a:lvl5pPr>
-              <a:defRPr sz="1600"/>
-            </a:lvl5pPr>
-            <a:lvl6pPr>
-              <a:defRPr sz="1600"/>
-            </a:lvl6pPr>
-            <a:lvl7pPr>
-              <a:defRPr sz="1600"/>
-            </a:lvl7pPr>
-            <a:lvl8pPr>
-              <a:defRPr sz="1600"/>
-            </a:lvl8pPr>
-            <a:lvl9pPr>
-              <a:defRPr sz="1600"/>
-            </a:lvl9pPr>
-          </a:lstStyle>
-          <a:p>
-            <a:pPr lvl="0"/>
-            <a:r>
-              <a:rPr lang="en-US" smtClean="0"/>
-              <a:t>Click to edit Master text styles</a:t>
-            </a:r>
-          </a:p>
-          <a:p>
-            <a:pPr lvl="1"/>
+          <a:p>
+            <a:pPr lvl="1" eaLnBrk="1" latinLnBrk="0" hangingPunct="1"/>
             <a:r>
               <a:rPr lang="en-US" smtClean="0"/>
               <a:t>Second level</a:t>
             </a:r>
           </a:p>
           <a:p>
-            <a:pPr lvl="2"/>
+            <a:pPr lvl="2" eaLnBrk="1" latinLnBrk="0" hangingPunct="1"/>
             <a:r>
               <a:rPr lang="en-US" smtClean="0"/>
               <a:t>Third level</a:t>
             </a:r>
           </a:p>
           <a:p>
-            <a:pPr lvl="3"/>
+            <a:pPr lvl="3" eaLnBrk="1" latinLnBrk="0" hangingPunct="1"/>
             <a:r>
               <a:rPr lang="en-US" smtClean="0"/>
               <a:t>Fourth level</a:t>
             </a:r>
           </a:p>
           <a:p>
-            <a:pPr lvl="4"/>
+            <a:pPr lvl="4" eaLnBrk="1" latinLnBrk="0" hangingPunct="1"/>
             <a:r>
               <a:rPr lang="en-US" smtClean="0"/>
               <a:t>Fifth level</a:t>
             </a:r>
-            <a:endParaRPr lang="en-US"/>
-          </a:p>
-        </p:txBody>
-      </p:sp>
-      <p:sp>
-        <p:nvSpPr>
-          <p:cNvPr id="5" name="Text Placeholder 4"/>
-          <p:cNvSpPr>
-            <a:spLocks noGrp="1"/>
-          </p:cNvSpPr>
-          <p:nvPr>
-            <p:ph type="body" sz="quarter" idx="3"/>
-          </p:nvPr>
-        </p:nvSpPr>
-        <p:spPr>
-          <a:xfrm>
-            <a:off x="4645025" y="1535113"/>
-            <a:ext cx="4041775" cy="639762"/>
-          </a:xfrm>
-        </p:spPr>
-        <p:txBody>
-          <a:bodyPr anchor="b"/>
-          <a:lstStyle>
-            <a:lvl1pPr marL="0" indent="0">
-              <a:buNone/>
-              <a:defRPr sz="2400" b="1"/>
-            </a:lvl1pPr>
-            <a:lvl2pPr marL="457200" indent="0">
-              <a:buNone/>
-              <a:defRPr sz="2000" b="1"/>
-            </a:lvl2pPr>
-            <a:lvl3pPr marL="914400" indent="0">
-              <a:buNone/>
-              <a:defRPr sz="1800" b="1"/>
-            </a:lvl3pPr>
-            <a:lvl4pPr marL="1371600" indent="0">
-              <a:buNone/>
-              <a:defRPr sz="1600" b="1"/>
-            </a:lvl4pPr>
-            <a:lvl5pPr marL="1828800" indent="0">
-              <a:buNone/>
-              <a:defRPr sz="1600" b="1"/>
-            </a:lvl5pPr>
-            <a:lvl6pPr marL="2286000" indent="0">
-              <a:buNone/>
-              <a:defRPr sz="1600" b="1"/>
-            </a:lvl6pPr>
-            <a:lvl7pPr marL="2743200" indent="0">
-              <a:buNone/>
-              <a:defRPr sz="1600" b="1"/>
-            </a:lvl7pPr>
-            <a:lvl8pPr marL="3200400" indent="0">
-              <a:buNone/>
-              <a:defRPr sz="1600" b="1"/>
-            </a:lvl8pPr>
-            <a:lvl9pPr marL="3657600" indent="0">
-              <a:buNone/>
-              <a:defRPr sz="1600" b="1"/>
-            </a:lvl9pPr>
-          </a:lstStyle>
-          <a:p>
-            <a:pPr lvl="0"/>
-            <a:r>
-              <a:rPr lang="en-US" smtClean="0"/>
-              <a:t>Click to edit Master text styles</a:t>
-            </a:r>
-          </a:p>
-        </p:txBody>
-      </p:sp>
-      <p:sp>
-        <p:nvSpPr>
-          <p:cNvPr id="6" name="Content Placeholder 5"/>
+            <a:endParaRPr kumimoji="0" lang="en-US"/>
+          </a:p>
+        </p:txBody>
+      </p:sp>
+      <p:sp>
+        <p:nvSpPr>
+          <p:cNvPr id="13" name="Content Placeholder 12"/>
           <p:cNvSpPr>
             <a:spLocks noGrp="1"/>
           </p:cNvSpPr>
@@ -2821,92 +3018,64 @@
         </p:nvSpPr>
         <p:spPr>
           <a:xfrm>
-            <a:off x="4645025" y="2174875"/>
-            <a:ext cx="4041775" cy="3951288"/>
+            <a:off x="4800600" y="2438400"/>
+            <a:ext cx="3886200" cy="3581400"/>
           </a:xfrm>
         </p:spPr>
         <p:txBody>
           <a:bodyPr/>
-          <a:lstStyle>
-            <a:lvl1pPr>
-              <a:defRPr sz="2400"/>
-            </a:lvl1pPr>
-            <a:lvl2pPr>
-              <a:defRPr sz="2000"/>
-            </a:lvl2pPr>
-            <a:lvl3pPr>
-              <a:defRPr sz="1800"/>
-            </a:lvl3pPr>
-            <a:lvl4pPr>
-              <a:defRPr sz="1600"/>
-            </a:lvl4pPr>
-            <a:lvl5pPr>
-              <a:defRPr sz="1600"/>
-            </a:lvl5pPr>
-            <a:lvl6pPr>
-              <a:defRPr sz="1600"/>
-            </a:lvl6pPr>
-            <a:lvl7pPr>
-              <a:defRPr sz="1600"/>
-            </a:lvl7pPr>
-            <a:lvl8pPr>
-              <a:defRPr sz="1600"/>
-            </a:lvl8pPr>
-            <a:lvl9pPr>
-              <a:defRPr sz="1600"/>
-            </a:lvl9pPr>
-          </a:lstStyle>
-          <a:p>
-            <a:pPr lvl="0"/>
+          <a:lstStyle/>
+          <a:p>
+            <a:pPr lvl="0" eaLnBrk="1" latinLnBrk="0" hangingPunct="1"/>
             <a:r>
               <a:rPr lang="en-US" smtClean="0"/>
               <a:t>Click to edit Master text styles</a:t>
             </a:r>
           </a:p>
           <a:p>
-            <a:pPr lvl="1"/>
+            <a:pPr lvl="1" eaLnBrk="1" latinLnBrk="0" hangingPunct="1"/>
             <a:r>
               <a:rPr lang="en-US" smtClean="0"/>
               <a:t>Second level</a:t>
             </a:r>
           </a:p>
           <a:p>
-            <a:pPr lvl="2"/>
+            <a:pPr lvl="2" eaLnBrk="1" latinLnBrk="0" hangingPunct="1"/>
             <a:r>
               <a:rPr lang="en-US" smtClean="0"/>
               <a:t>Third level</a:t>
             </a:r>
           </a:p>
           <a:p>
-            <a:pPr lvl="3"/>
+            <a:pPr lvl="3" eaLnBrk="1" latinLnBrk="0" hangingPunct="1"/>
             <a:r>
               <a:rPr lang="en-US" smtClean="0"/>
               <a:t>Fourth level</a:t>
             </a:r>
           </a:p>
           <a:p>
-            <a:pPr lvl="4"/>
+            <a:pPr lvl="4" eaLnBrk="1" latinLnBrk="0" hangingPunct="1"/>
             <a:r>
               <a:rPr lang="en-US" smtClean="0"/>
               <a:t>Fifth level</a:t>
             </a:r>
-            <a:endParaRPr lang="en-US"/>
-          </a:p>
-        </p:txBody>
-      </p:sp>
-      <p:sp>
-        <p:nvSpPr>
-          <p:cNvPr id="7" name="Date Placeholder 6"/>
+            <a:endParaRPr kumimoji="0" lang="en-US"/>
+          </a:p>
+        </p:txBody>
+      </p:sp>
+      <p:sp>
+        <p:nvSpPr>
+          <p:cNvPr id="10" name="Date Placeholder 9"/>
           <p:cNvSpPr>
             <a:spLocks noGrp="1"/>
           </p:cNvSpPr>
           <p:nvPr>
-            <p:ph type="dt" sz="half" idx="10"/>
+            <p:ph type="dt" sz="half" idx="15"/>
           </p:nvPr>
         </p:nvSpPr>
         <p:spPr/>
         <p:txBody>
-          <a:bodyPr/>
+          <a:bodyPr rtlCol="0"/>
           <a:lstStyle/>
           <a:p>
             <a:fld id="{78A60172-FDF1-A54D-8FF0-F1EF9537053A}" type="datetimeFigureOut">
@@ -2919,36 +3088,17 @@
       </p:sp>
       <p:sp>
         <p:nvSpPr>
-          <p:cNvPr id="8" name="Footer Placeholder 7"/>
+          <p:cNvPr id="12" name="Slide Number Placeholder 11"/>
           <p:cNvSpPr>
             <a:spLocks noGrp="1"/>
           </p:cNvSpPr>
           <p:nvPr>
-            <p:ph type="ftr" sz="quarter" idx="11"/>
+            <p:ph type="sldNum" sz="quarter" idx="16"/>
           </p:nvPr>
         </p:nvSpPr>
         <p:spPr/>
         <p:txBody>
-          <a:bodyPr/>
-          <a:lstStyle/>
-          <a:p>
-            <a:endParaRPr lang="en-US"/>
-          </a:p>
-        </p:txBody>
-      </p:sp>
-      <p:sp>
-        <p:nvSpPr>
-          <p:cNvPr id="9" name="Slide Number Placeholder 8"/>
-          <p:cNvSpPr>
-            <a:spLocks noGrp="1"/>
-          </p:cNvSpPr>
-          <p:nvPr>
-            <p:ph type="sldNum" sz="quarter" idx="12"/>
-          </p:nvPr>
-        </p:nvSpPr>
-        <p:spPr/>
-        <p:txBody>
-          <a:bodyPr/>
+          <a:bodyPr rtlCol="0"/>
           <a:lstStyle/>
           <a:p>
             <a:fld id="{24329C5F-7579-844A-B269-C6442F70D5D0}" type="slidenum">
@@ -2959,12 +3109,108 @@
           </a:p>
         </p:txBody>
       </p:sp>
+      <p:sp>
+        <p:nvSpPr>
+          <p:cNvPr id="14" name="Footer Placeholder 13"/>
+          <p:cNvSpPr>
+            <a:spLocks noGrp="1"/>
+          </p:cNvSpPr>
+          <p:nvPr>
+            <p:ph type="ftr" sz="quarter" idx="17"/>
+          </p:nvPr>
+        </p:nvSpPr>
+        <p:spPr/>
+        <p:txBody>
+          <a:bodyPr rtlCol="0"/>
+          <a:lstStyle/>
+          <a:p>
+            <a:endParaRPr lang="en-US"/>
+          </a:p>
+        </p:txBody>
+      </p:sp>
+      <p:sp>
+        <p:nvSpPr>
+          <p:cNvPr id="16" name="Text Placeholder 15"/>
+          <p:cNvSpPr>
+            <a:spLocks noGrp="1"/>
+          </p:cNvSpPr>
+          <p:nvPr>
+            <p:ph type="body" sz="quarter" idx="1"/>
+          </p:nvPr>
+        </p:nvSpPr>
+        <p:spPr>
+          <a:xfrm>
+            <a:off x="609600" y="1752600"/>
+            <a:ext cx="3886200" cy="640080"/>
+          </a:xfrm>
+          <a:solidFill>
+            <a:schemeClr val="accent2"/>
+          </a:solidFill>
+        </p:spPr>
+        <p:txBody>
+          <a:bodyPr rtlCol="0" anchor="ctr"/>
+          <a:lstStyle>
+            <a:lvl1pPr marL="0" indent="0">
+              <a:buFontTx/>
+              <a:buNone/>
+              <a:defRPr sz="2000" b="1">
+                <a:solidFill>
+                  <a:srgbClr val="FFFFFF"/>
+                </a:solidFill>
+              </a:defRPr>
+            </a:lvl1pPr>
+          </a:lstStyle>
+          <a:p>
+            <a:pPr lvl="0" eaLnBrk="1" latinLnBrk="0" hangingPunct="1"/>
+            <a:r>
+              <a:rPr kumimoji="0" lang="en-US" smtClean="0"/>
+              <a:t>Click to edit Master text styles</a:t>
+            </a:r>
+          </a:p>
+        </p:txBody>
+      </p:sp>
+      <p:sp>
+        <p:nvSpPr>
+          <p:cNvPr id="15" name="Text Placeholder 14"/>
+          <p:cNvSpPr>
+            <a:spLocks noGrp="1"/>
+          </p:cNvSpPr>
+          <p:nvPr>
+            <p:ph type="body" sz="quarter" idx="3"/>
+          </p:nvPr>
+        </p:nvSpPr>
+        <p:spPr>
+          <a:xfrm>
+            <a:off x="4800600" y="1752600"/>
+            <a:ext cx="3886200" cy="640080"/>
+          </a:xfrm>
+          <a:solidFill>
+            <a:schemeClr val="accent4"/>
+          </a:solidFill>
+        </p:spPr>
+        <p:txBody>
+          <a:bodyPr rtlCol="0" anchor="ctr"/>
+          <a:lstStyle>
+            <a:lvl1pPr marL="0" indent="0">
+              <a:buFontTx/>
+              <a:buNone/>
+              <a:defRPr sz="2000" b="1">
+                <a:solidFill>
+                  <a:srgbClr val="FFFFFF"/>
+                </a:solidFill>
+              </a:defRPr>
+            </a:lvl1pPr>
+          </a:lstStyle>
+          <a:p>
+            <a:pPr lvl="0" eaLnBrk="1" latinLnBrk="0" hangingPunct="1"/>
+            <a:r>
+              <a:rPr kumimoji="0" lang="en-US" smtClean="0"/>
+              <a:t>Click to edit Master text styles</a:t>
+            </a:r>
+          </a:p>
+        </p:txBody>
+      </p:sp>
     </p:spTree>
-    <p:extLst>
-      <p:ext uri="{BB962C8B-B14F-4D97-AF65-F5344CB8AC3E}">
-        <p14:creationId xmlns:p14="http://schemas.microsoft.com/office/powerpoint/2010/main" val="3422365629"/>
-      </p:ext>
-    </p:extLst>
   </p:cSld>
   <p:clrMapOvr>
     <a:masterClrMapping/>
@@ -3005,10 +3251,10 @@
           <a:lstStyle/>
           <a:p>
             <a:r>
-              <a:rPr lang="en-US" smtClean="0"/>
+              <a:rPr kumimoji="0" lang="en-US" smtClean="0"/>
               <a:t>Click to edit Master title style</a:t>
             </a:r>
-            <a:endParaRPr lang="en-US"/>
+            <a:endParaRPr kumimoji="0" lang="en-US"/>
           </a:p>
         </p:txBody>
       </p:sp>
@@ -3067,7 +3313,15 @@
         <p:spPr/>
         <p:txBody>
           <a:bodyPr/>
-          <a:lstStyle/>
+          <a:lstStyle>
+            <a:lvl1pPr>
+              <a:defRPr>
+                <a:solidFill>
+                  <a:srgbClr val="FFFFFF"/>
+                </a:solidFill>
+              </a:defRPr>
+            </a:lvl1pPr>
+          </a:lstStyle>
           <a:p>
             <a:fld id="{24329C5F-7579-844A-B269-C6442F70D5D0}" type="slidenum">
               <a:rPr lang="en-US" smtClean="0"/>
@@ -3078,11 +3332,6 @@
         </p:txBody>
       </p:sp>
     </p:spTree>
-    <p:extLst>
-      <p:ext uri="{BB962C8B-B14F-4D97-AF65-F5344CB8AC3E}">
-        <p14:creationId xmlns:p14="http://schemas.microsoft.com/office/powerpoint/2010/main" val="2242006607"/>
-      </p:ext>
-    </p:extLst>
   </p:cSld>
   <p:clrMapOvr>
     <a:masterClrMapping/>
@@ -3091,7 +3340,7 @@
 </file>
 
 <file path=ppt/slideLayouts/slideLayout7.xml><?xml version="1.0" encoding="utf-8"?>
-<p:sldLayout xmlns:a="http://schemas.openxmlformats.org/drawingml/2006/main" xmlns:r="http://schemas.openxmlformats.org/officeDocument/2006/relationships" xmlns:p="http://schemas.openxmlformats.org/presentationml/2006/main" type="blank" preserve="1">
+<p:sldLayout xmlns:a="http://schemas.openxmlformats.org/drawingml/2006/main" xmlns:r="http://schemas.openxmlformats.org/officeDocument/2006/relationships" xmlns:p="http://schemas.openxmlformats.org/presentationml/2006/main" showMasterSp="0" type="blank" preserve="1">
   <p:cSld name="Blank">
     <p:spTree>
       <p:nvGrpSpPr>
@@ -3159,10 +3408,23 @@
             <p:ph type="sldNum" sz="quarter" idx="12"/>
           </p:nvPr>
         </p:nvSpPr>
-        <p:spPr/>
+        <p:spPr>
+          <a:xfrm>
+            <a:off x="0" y="6248400"/>
+            <a:ext cx="533400" cy="381000"/>
+          </a:xfrm>
+        </p:spPr>
         <p:txBody>
           <a:bodyPr/>
-          <a:lstStyle/>
+          <a:lstStyle>
+            <a:lvl1pPr>
+              <a:defRPr>
+                <a:solidFill>
+                  <a:schemeClr val="tx2"/>
+                </a:solidFill>
+              </a:defRPr>
+            </a:lvl1pPr>
+          </a:lstStyle>
           <a:p>
             <a:fld id="{24329C5F-7579-844A-B269-C6442F70D5D0}" type="slidenum">
               <a:rPr lang="en-US" smtClean="0"/>
@@ -3173,11 +3435,6 @@
         </p:txBody>
       </p:sp>
     </p:spTree>
-    <p:extLst>
-      <p:ext uri="{BB962C8B-B14F-4D97-AF65-F5344CB8AC3E}">
-        <p14:creationId xmlns:p14="http://schemas.microsoft.com/office/powerpoint/2010/main" val="305241375"/>
-      </p:ext>
-    </p:extLst>
   </p:cSld>
   <p:clrMapOvr>
     <a:masterClrMapping/>
@@ -3214,173 +3471,24 @@
         </p:nvSpPr>
         <p:spPr>
           <a:xfrm>
-            <a:off x="457200" y="273050"/>
-            <a:ext cx="3008313" cy="1162050"/>
+            <a:off x="609600" y="273050"/>
+            <a:ext cx="8077200" cy="869950"/>
           </a:xfrm>
         </p:spPr>
         <p:txBody>
-          <a:bodyPr anchor="b"/>
+          <a:bodyPr anchor="ctr"/>
           <a:lstStyle>
             <a:lvl1pPr algn="l">
-              <a:defRPr sz="2000" b="1"/>
+              <a:buNone/>
+              <a:defRPr sz="4400" b="0"/>
             </a:lvl1pPr>
           </a:lstStyle>
           <a:p>
             <a:r>
-              <a:rPr lang="en-US" smtClean="0"/>
+              <a:rPr kumimoji="0" lang="en-US" smtClean="0"/>
               <a:t>Click to edit Master title style</a:t>
             </a:r>
-            <a:endParaRPr lang="en-US"/>
-          </a:p>
-        </p:txBody>
-      </p:sp>
-      <p:sp>
-        <p:nvSpPr>
-          <p:cNvPr id="3" name="Content Placeholder 2"/>
-          <p:cNvSpPr>
-            <a:spLocks noGrp="1"/>
-          </p:cNvSpPr>
-          <p:nvPr>
-            <p:ph idx="1"/>
-          </p:nvPr>
-        </p:nvSpPr>
-        <p:spPr>
-          <a:xfrm>
-            <a:off x="3575050" y="273050"/>
-            <a:ext cx="5111750" cy="5853113"/>
-          </a:xfrm>
-        </p:spPr>
-        <p:txBody>
-          <a:bodyPr/>
-          <a:lstStyle>
-            <a:lvl1pPr>
-              <a:defRPr sz="3200"/>
-            </a:lvl1pPr>
-            <a:lvl2pPr>
-              <a:defRPr sz="2800"/>
-            </a:lvl2pPr>
-            <a:lvl3pPr>
-              <a:defRPr sz="2400"/>
-            </a:lvl3pPr>
-            <a:lvl4pPr>
-              <a:defRPr sz="2000"/>
-            </a:lvl4pPr>
-            <a:lvl5pPr>
-              <a:defRPr sz="2000"/>
-            </a:lvl5pPr>
-            <a:lvl6pPr>
-              <a:defRPr sz="2000"/>
-            </a:lvl6pPr>
-            <a:lvl7pPr>
-              <a:defRPr sz="2000"/>
-            </a:lvl7pPr>
-            <a:lvl8pPr>
-              <a:defRPr sz="2000"/>
-            </a:lvl8pPr>
-            <a:lvl9pPr>
-              <a:defRPr sz="2000"/>
-            </a:lvl9pPr>
-          </a:lstStyle>
-          <a:p>
-            <a:pPr lvl="0"/>
-            <a:r>
-              <a:rPr lang="en-US" smtClean="0"/>
-              <a:t>Click to edit Master text styles</a:t>
-            </a:r>
-          </a:p>
-          <a:p>
-            <a:pPr lvl="1"/>
-            <a:r>
-              <a:rPr lang="en-US" smtClean="0"/>
-              <a:t>Second level</a:t>
-            </a:r>
-          </a:p>
-          <a:p>
-            <a:pPr lvl="2"/>
-            <a:r>
-              <a:rPr lang="en-US" smtClean="0"/>
-              <a:t>Third level</a:t>
-            </a:r>
-          </a:p>
-          <a:p>
-            <a:pPr lvl="3"/>
-            <a:r>
-              <a:rPr lang="en-US" smtClean="0"/>
-              <a:t>Fourth level</a:t>
-            </a:r>
-          </a:p>
-          <a:p>
-            <a:pPr lvl="4"/>
-            <a:r>
-              <a:rPr lang="en-US" smtClean="0"/>
-              <a:t>Fifth level</a:t>
-            </a:r>
-            <a:endParaRPr lang="en-US"/>
-          </a:p>
-        </p:txBody>
-      </p:sp>
-      <p:sp>
-        <p:nvSpPr>
-          <p:cNvPr id="4" name="Text Placeholder 3"/>
-          <p:cNvSpPr>
-            <a:spLocks noGrp="1"/>
-          </p:cNvSpPr>
-          <p:nvPr>
-            <p:ph type="body" sz="half" idx="2"/>
-          </p:nvPr>
-        </p:nvSpPr>
-        <p:spPr>
-          <a:xfrm>
-            <a:off x="457200" y="1435100"/>
-            <a:ext cx="3008313" cy="4691063"/>
-          </a:xfrm>
-        </p:spPr>
-        <p:txBody>
-          <a:bodyPr/>
-          <a:lstStyle>
-            <a:lvl1pPr marL="0" indent="0">
-              <a:buNone/>
-              <a:defRPr sz="1400"/>
-            </a:lvl1pPr>
-            <a:lvl2pPr marL="457200" indent="0">
-              <a:buNone/>
-              <a:defRPr sz="1200"/>
-            </a:lvl2pPr>
-            <a:lvl3pPr marL="914400" indent="0">
-              <a:buNone/>
-              <a:defRPr sz="1000"/>
-            </a:lvl3pPr>
-            <a:lvl4pPr marL="1371600" indent="0">
-              <a:buNone/>
-              <a:defRPr sz="900"/>
-            </a:lvl4pPr>
-            <a:lvl5pPr marL="1828800" indent="0">
-              <a:buNone/>
-              <a:defRPr sz="900"/>
-            </a:lvl5pPr>
-            <a:lvl6pPr marL="2286000" indent="0">
-              <a:buNone/>
-              <a:defRPr sz="900"/>
-            </a:lvl6pPr>
-            <a:lvl7pPr marL="2743200" indent="0">
-              <a:buNone/>
-              <a:defRPr sz="900"/>
-            </a:lvl7pPr>
-            <a:lvl8pPr marL="3200400" indent="0">
-              <a:buNone/>
-              <a:defRPr sz="900"/>
-            </a:lvl8pPr>
-            <a:lvl9pPr marL="3657600" indent="0">
-              <a:buNone/>
-              <a:defRPr sz="900"/>
-            </a:lvl9pPr>
-          </a:lstStyle>
-          <a:p>
-            <a:pPr lvl="0"/>
-            <a:r>
-              <a:rPr lang="en-US" smtClean="0"/>
-              <a:t>Click to edit Master text styles</a:t>
-            </a:r>
+            <a:endParaRPr kumimoji="0" lang="en-US"/>
           </a:p>
         </p:txBody>
       </p:sp>
@@ -3439,7 +3547,15 @@
         <p:spPr/>
         <p:txBody>
           <a:bodyPr/>
-          <a:lstStyle/>
+          <a:lstStyle>
+            <a:lvl1pPr>
+              <a:defRPr>
+                <a:solidFill>
+                  <a:srgbClr val="FFFFFF"/>
+                </a:solidFill>
+              </a:defRPr>
+            </a:lvl1pPr>
+          </a:lstStyle>
           <a:p>
             <a:fld id="{24329C5F-7579-844A-B269-C6442F70D5D0}" type="slidenum">
               <a:rPr lang="en-US" smtClean="0"/>
@@ -3449,12 +3565,138 @@
           </a:p>
         </p:txBody>
       </p:sp>
+      <p:sp>
+        <p:nvSpPr>
+          <p:cNvPr id="3" name="Text Placeholder 2"/>
+          <p:cNvSpPr>
+            <a:spLocks noGrp="1"/>
+          </p:cNvSpPr>
+          <p:nvPr>
+            <p:ph type="body" idx="2"/>
+          </p:nvPr>
+        </p:nvSpPr>
+        <p:spPr>
+          <a:xfrm>
+            <a:off x="609600" y="1752600"/>
+            <a:ext cx="1600200" cy="4343400"/>
+          </a:xfrm>
+          <a:ln w="50800" cap="sq" cmpd="dbl" algn="ctr">
+            <a:solidFill>
+              <a:schemeClr val="accent2"/>
+            </a:solidFill>
+            <a:prstDash val="solid"/>
+            <a:miter lim="800000"/>
+          </a:ln>
+          <a:effectLst/>
+        </p:spPr>
+        <p:style>
+          <a:lnRef idx="3">
+            <a:schemeClr val="lt1"/>
+          </a:lnRef>
+          <a:fillRef idx="1">
+            <a:schemeClr val="accent2"/>
+          </a:fillRef>
+          <a:effectRef idx="1">
+            <a:schemeClr val="accent2"/>
+          </a:effectRef>
+          <a:fontRef idx="minor">
+            <a:schemeClr val="lt1"/>
+          </a:fontRef>
+        </p:style>
+        <p:txBody>
+          <a:bodyPr lIns="137160" tIns="182880" rIns="137160" bIns="91440"/>
+          <a:lstStyle>
+            <a:lvl1pPr marL="0" indent="0">
+              <a:spcAft>
+                <a:spcPts val="1000"/>
+              </a:spcAft>
+              <a:buNone/>
+              <a:defRPr sz="1800"/>
+            </a:lvl1pPr>
+            <a:lvl2pPr>
+              <a:buNone/>
+              <a:defRPr sz="1200"/>
+            </a:lvl2pPr>
+            <a:lvl3pPr>
+              <a:buNone/>
+              <a:defRPr sz="1000"/>
+            </a:lvl3pPr>
+            <a:lvl4pPr>
+              <a:buNone/>
+              <a:defRPr sz="900"/>
+            </a:lvl4pPr>
+            <a:lvl5pPr>
+              <a:buNone/>
+              <a:defRPr sz="900"/>
+            </a:lvl5pPr>
+          </a:lstStyle>
+          <a:p>
+            <a:pPr lvl="0" eaLnBrk="1" latinLnBrk="0" hangingPunct="1"/>
+            <a:r>
+              <a:rPr kumimoji="0" lang="en-US" smtClean="0"/>
+              <a:t>Click to edit Master text styles</a:t>
+            </a:r>
+          </a:p>
+        </p:txBody>
+      </p:sp>
+      <p:sp>
+        <p:nvSpPr>
+          <p:cNvPr id="9" name="Content Placeholder 8"/>
+          <p:cNvSpPr>
+            <a:spLocks noGrp="1"/>
+          </p:cNvSpPr>
+          <p:nvPr>
+            <p:ph sz="quarter" idx="1"/>
+          </p:nvPr>
+        </p:nvSpPr>
+        <p:spPr>
+          <a:xfrm>
+            <a:off x="2362200" y="1752600"/>
+            <a:ext cx="6400800" cy="4419600"/>
+          </a:xfrm>
+        </p:spPr>
+        <p:txBody>
+          <a:bodyPr/>
+          <a:lstStyle/>
+          <a:p>
+            <a:pPr lvl="0" eaLnBrk="1" latinLnBrk="0" hangingPunct="1"/>
+            <a:r>
+              <a:rPr lang="en-US" smtClean="0"/>
+              <a:t>Click to edit Master text styles</a:t>
+            </a:r>
+          </a:p>
+          <a:p>
+            <a:pPr lvl="1" eaLnBrk="1" latinLnBrk="0" hangingPunct="1"/>
+            <a:r>
+              <a:rPr lang="en-US" smtClean="0"/>
+              <a:t>Second level</a:t>
+            </a:r>
+          </a:p>
+          <a:p>
+            <a:pPr lvl="2" eaLnBrk="1" latinLnBrk="0" hangingPunct="1"/>
+            <a:r>
+              <a:rPr lang="en-US" smtClean="0"/>
+              <a:t>Third level</a:t>
+            </a:r>
+          </a:p>
+          <a:p>
+            <a:pPr lvl="3" eaLnBrk="1" latinLnBrk="0" hangingPunct="1"/>
+            <a:r>
+              <a:rPr lang="en-US" smtClean="0"/>
+              <a:t>Fourth level</a:t>
+            </a:r>
+          </a:p>
+          <a:p>
+            <a:pPr lvl="4" eaLnBrk="1" latinLnBrk="0" hangingPunct="1"/>
+            <a:r>
+              <a:rPr lang="en-US" smtClean="0"/>
+              <a:t>Fifth level</a:t>
+            </a:r>
+            <a:endParaRPr kumimoji="0" lang="en-US"/>
+          </a:p>
+        </p:txBody>
+      </p:sp>
     </p:spTree>
-    <p:extLst>
-      <p:ext uri="{BB962C8B-B14F-4D97-AF65-F5344CB8AC3E}">
-        <p14:creationId xmlns:p14="http://schemas.microsoft.com/office/powerpoint/2010/main" val="74363711"/>
-      </p:ext>
-    </p:extLst>
   </p:cSld>
   <p:clrMapOvr>
     <a:masterClrMapping/>
@@ -3463,8 +3705,13 @@
 </file>
 
 <file path=ppt/slideLayouts/slideLayout9.xml><?xml version="1.0" encoding="utf-8"?>
-<p:sldLayout xmlns:a="http://schemas.openxmlformats.org/drawingml/2006/main" xmlns:r="http://schemas.openxmlformats.org/officeDocument/2006/relationships" xmlns:p="http://schemas.openxmlformats.org/presentationml/2006/main" type="picTx" preserve="1">
+<p:sldLayout xmlns:a="http://schemas.openxmlformats.org/drawingml/2006/main" xmlns:r="http://schemas.openxmlformats.org/officeDocument/2006/relationships" xmlns:p="http://schemas.openxmlformats.org/presentationml/2006/main" showMasterSp="0" type="picTx" preserve="1">
   <p:cSld name="Picture with Caption">
+    <p:bg>
+      <p:bgRef idx="1003">
+        <a:schemeClr val="bg2"/>
+      </p:bgRef>
+    </p:bg>
     <p:spTree>
       <p:nvGrpSpPr>
         <p:cNvPr id="1" name=""/>
@@ -3481,6 +3728,202 @@
       </p:grpSpPr>
       <p:sp>
         <p:nvSpPr>
+          <p:cNvPr id="4" name="Text Placeholder 3"/>
+          <p:cNvSpPr>
+            <a:spLocks noGrp="1"/>
+          </p:cNvSpPr>
+          <p:nvPr>
+            <p:ph type="body" sz="half" idx="2"/>
+          </p:nvPr>
+        </p:nvSpPr>
+        <p:spPr>
+          <a:xfrm>
+            <a:off x="1600200" y="5486400"/>
+            <a:ext cx="7315200" cy="685800"/>
+          </a:xfrm>
+        </p:spPr>
+        <p:txBody>
+          <a:bodyPr/>
+          <a:lstStyle>
+            <a:lvl1pPr marL="0" indent="0">
+              <a:buFontTx/>
+              <a:buNone/>
+              <a:defRPr sz="1700"/>
+            </a:lvl1pPr>
+            <a:lvl2pPr>
+              <a:buFontTx/>
+              <a:buNone/>
+              <a:defRPr sz="1200"/>
+            </a:lvl2pPr>
+            <a:lvl3pPr>
+              <a:buFontTx/>
+              <a:buNone/>
+              <a:defRPr sz="1000"/>
+            </a:lvl3pPr>
+            <a:lvl4pPr>
+              <a:buFontTx/>
+              <a:buNone/>
+              <a:defRPr sz="900"/>
+            </a:lvl4pPr>
+            <a:lvl5pPr>
+              <a:buFontTx/>
+              <a:buNone/>
+              <a:defRPr sz="900"/>
+            </a:lvl5pPr>
+          </a:lstStyle>
+          <a:p>
+            <a:pPr lvl="0" eaLnBrk="1" latinLnBrk="0" hangingPunct="1"/>
+            <a:r>
+              <a:rPr kumimoji="0" lang="en-US" smtClean="0"/>
+              <a:t>Click to edit Master text styles</a:t>
+            </a:r>
+          </a:p>
+        </p:txBody>
+      </p:sp>
+      <p:sp>
+        <p:nvSpPr>
+          <p:cNvPr id="8" name="Rectangle 7"/>
+          <p:cNvSpPr/>
+          <p:nvPr/>
+        </p:nvSpPr>
+        <p:spPr bwMode="white">
+          <a:xfrm>
+            <a:off x="-9144" y="4572000"/>
+            <a:ext cx="9144000" cy="886968"/>
+          </a:xfrm>
+          <a:prstGeom prst="rect">
+            <a:avLst/>
+          </a:prstGeom>
+          <a:solidFill>
+            <a:srgbClr val="FFFFFF"/>
+          </a:solidFill>
+          <a:ln w="50800" cap="rnd" cmpd="dbl" algn="ctr">
+            <a:noFill/>
+            <a:prstDash val="solid"/>
+          </a:ln>
+          <a:effectLst/>
+        </p:spPr>
+        <p:style>
+          <a:lnRef idx="3">
+            <a:schemeClr val="lt1"/>
+          </a:lnRef>
+          <a:fillRef idx="1">
+            <a:schemeClr val="accent1"/>
+          </a:fillRef>
+          <a:effectRef idx="1">
+            <a:schemeClr val="accent1"/>
+          </a:effectRef>
+          <a:fontRef idx="minor">
+            <a:schemeClr val="lt1"/>
+          </a:fontRef>
+        </p:style>
+        <p:txBody>
+          <a:bodyPr anchor="ctr"/>
+          <a:lstStyle/>
+          <a:p>
+            <a:pPr algn="ctr" eaLnBrk="1" latinLnBrk="0" hangingPunct="1"/>
+            <a:endParaRPr kumimoji="0" lang="en-US"/>
+          </a:p>
+        </p:txBody>
+      </p:sp>
+      <p:sp>
+        <p:nvSpPr>
+          <p:cNvPr id="9" name="Rectangle 8"/>
+          <p:cNvSpPr/>
+          <p:nvPr/>
+        </p:nvSpPr>
+        <p:spPr>
+          <a:xfrm>
+            <a:off x="-9144" y="4663440"/>
+            <a:ext cx="1463040" cy="713232"/>
+          </a:xfrm>
+          <a:prstGeom prst="rect">
+            <a:avLst/>
+          </a:prstGeom>
+          <a:solidFill>
+            <a:schemeClr val="accent2">
+              <a:alpha val="100000"/>
+            </a:schemeClr>
+          </a:solidFill>
+          <a:ln w="50800" cap="rnd" cmpd="dbl" algn="ctr">
+            <a:noFill/>
+            <a:prstDash val="solid"/>
+          </a:ln>
+          <a:effectLst/>
+        </p:spPr>
+        <p:style>
+          <a:lnRef idx="3">
+            <a:schemeClr val="lt1"/>
+          </a:lnRef>
+          <a:fillRef idx="1">
+            <a:schemeClr val="accent1"/>
+          </a:fillRef>
+          <a:effectRef idx="1">
+            <a:schemeClr val="accent1"/>
+          </a:effectRef>
+          <a:fontRef idx="minor">
+            <a:schemeClr val="lt1"/>
+          </a:fontRef>
+        </p:style>
+        <p:txBody>
+          <a:bodyPr anchor="ctr"/>
+          <a:lstStyle/>
+          <a:p>
+            <a:pPr algn="ctr" eaLnBrk="1" latinLnBrk="0" hangingPunct="1"/>
+            <a:endParaRPr kumimoji="0" lang="en-US"/>
+          </a:p>
+        </p:txBody>
+      </p:sp>
+      <p:sp>
+        <p:nvSpPr>
+          <p:cNvPr id="10" name="Rectangle 9"/>
+          <p:cNvSpPr/>
+          <p:nvPr/>
+        </p:nvSpPr>
+        <p:spPr>
+          <a:xfrm>
+            <a:off x="1545336" y="4654296"/>
+            <a:ext cx="7598664" cy="713232"/>
+          </a:xfrm>
+          <a:prstGeom prst="rect">
+            <a:avLst/>
+          </a:prstGeom>
+          <a:solidFill>
+            <a:schemeClr val="accent1">
+              <a:alpha val="100000"/>
+            </a:schemeClr>
+          </a:solidFill>
+          <a:ln w="50800" cap="rnd" cmpd="dbl" algn="ctr">
+            <a:noFill/>
+            <a:prstDash val="solid"/>
+          </a:ln>
+          <a:effectLst/>
+        </p:spPr>
+        <p:style>
+          <a:lnRef idx="3">
+            <a:schemeClr val="lt1"/>
+          </a:lnRef>
+          <a:fillRef idx="1">
+            <a:schemeClr val="accent1"/>
+          </a:fillRef>
+          <a:effectRef idx="1">
+            <a:schemeClr val="accent1"/>
+          </a:effectRef>
+          <a:fontRef idx="minor">
+            <a:schemeClr val="lt1"/>
+          </a:fontRef>
+        </p:style>
+        <p:txBody>
+          <a:bodyPr anchor="ctr"/>
+          <a:lstStyle/>
+          <a:p>
+            <a:pPr algn="ctr" eaLnBrk="1" latinLnBrk="0" hangingPunct="1"/>
+            <a:endParaRPr kumimoji="0" lang="en-US"/>
+          </a:p>
+        </p:txBody>
+      </p:sp>
+      <p:sp>
+        <p:nvSpPr>
           <p:cNvPr id="2" name="Title 1"/>
           <p:cNvSpPr>
             <a:spLocks noGrp="1"/>
@@ -3491,22 +3934,157 @@
         </p:nvSpPr>
         <p:spPr>
           <a:xfrm>
-            <a:off x="1792288" y="4800600"/>
-            <a:ext cx="5486400" cy="566738"/>
+            <a:off x="1600200" y="4648200"/>
+            <a:ext cx="7315200" cy="685800"/>
           </a:xfrm>
         </p:spPr>
         <p:txBody>
-          <a:bodyPr anchor="b"/>
+          <a:bodyPr anchor="ctr"/>
           <a:lstStyle>
             <a:lvl1pPr algn="l">
-              <a:defRPr sz="2000" b="1"/>
+              <a:buNone/>
+              <a:defRPr sz="2800" b="0">
+                <a:solidFill>
+                  <a:srgbClr val="FFFFFF"/>
+                </a:solidFill>
+              </a:defRPr>
             </a:lvl1pPr>
           </a:lstStyle>
           <a:p>
             <a:r>
+              <a:rPr kumimoji="0" lang="en-US" smtClean="0"/>
+              <a:t>Click to edit Master title style</a:t>
+            </a:r>
+            <a:endParaRPr kumimoji="0" lang="en-US"/>
+          </a:p>
+        </p:txBody>
+      </p:sp>
+      <p:sp>
+        <p:nvSpPr>
+          <p:cNvPr id="11" name="Rectangle 10"/>
+          <p:cNvSpPr/>
+          <p:nvPr/>
+        </p:nvSpPr>
+        <p:spPr bwMode="white">
+          <a:xfrm>
+            <a:off x="1447800" y="0"/>
+            <a:ext cx="100584" cy="6867144"/>
+          </a:xfrm>
+          <a:prstGeom prst="rect">
+            <a:avLst/>
+          </a:prstGeom>
+          <a:solidFill>
+            <a:srgbClr val="FFFFFF"/>
+          </a:solidFill>
+          <a:ln w="50800" cap="rnd" cmpd="dbl" algn="ctr">
+            <a:noFill/>
+            <a:prstDash val="solid"/>
+          </a:ln>
+          <a:effectLst/>
+        </p:spPr>
+        <p:style>
+          <a:lnRef idx="3">
+            <a:schemeClr val="lt1"/>
+          </a:lnRef>
+          <a:fillRef idx="1">
+            <a:schemeClr val="accent1"/>
+          </a:fillRef>
+          <a:effectRef idx="1">
+            <a:schemeClr val="accent1"/>
+          </a:effectRef>
+          <a:fontRef idx="minor">
+            <a:schemeClr val="lt1"/>
+          </a:fontRef>
+        </p:style>
+        <p:txBody>
+          <a:bodyPr anchor="ctr"/>
+          <a:lstStyle/>
+          <a:p>
+            <a:pPr algn="ctr" eaLnBrk="1" latinLnBrk="0" hangingPunct="1"/>
+            <a:endParaRPr kumimoji="0" lang="en-US"/>
+          </a:p>
+        </p:txBody>
+      </p:sp>
+      <p:sp>
+        <p:nvSpPr>
+          <p:cNvPr id="12" name="Date Placeholder 11"/>
+          <p:cNvSpPr>
+            <a:spLocks noGrp="1"/>
+          </p:cNvSpPr>
+          <p:nvPr>
+            <p:ph type="dt" sz="half" idx="10"/>
+          </p:nvPr>
+        </p:nvSpPr>
+        <p:spPr>
+          <a:xfrm>
+            <a:off x="6248400" y="6248400"/>
+            <a:ext cx="2667000" cy="365125"/>
+          </a:xfrm>
+        </p:spPr>
+        <p:txBody>
+          <a:bodyPr rtlCol="0"/>
+          <a:lstStyle/>
+          <a:p>
+            <a:fld id="{78A60172-FDF1-A54D-8FF0-F1EF9537053A}" type="datetimeFigureOut">
               <a:rPr lang="en-US" smtClean="0"/>
-              <a:t>Click to edit Master title style</a:t>
-            </a:r>
+              <a:t>4/9/15</a:t>
+            </a:fld>
+            <a:endParaRPr lang="en-US"/>
+          </a:p>
+        </p:txBody>
+      </p:sp>
+      <p:sp>
+        <p:nvSpPr>
+          <p:cNvPr id="13" name="Slide Number Placeholder 12"/>
+          <p:cNvSpPr>
+            <a:spLocks noGrp="1"/>
+          </p:cNvSpPr>
+          <p:nvPr>
+            <p:ph type="sldNum" sz="quarter" idx="11"/>
+          </p:nvPr>
+        </p:nvSpPr>
+        <p:spPr>
+          <a:xfrm>
+            <a:off x="0" y="4667249"/>
+            <a:ext cx="1447800" cy="663578"/>
+          </a:xfrm>
+        </p:spPr>
+        <p:txBody>
+          <a:bodyPr rtlCol="0"/>
+          <a:lstStyle>
+            <a:lvl1pPr>
+              <a:defRPr sz="2800"/>
+            </a:lvl1pPr>
+          </a:lstStyle>
+          <a:p>
+            <a:fld id="{24329C5F-7579-844A-B269-C6442F70D5D0}" type="slidenum">
+              <a:rPr lang="en-US" smtClean="0"/>
+              <a:t>‹#›</a:t>
+            </a:fld>
+            <a:endParaRPr lang="en-US"/>
+          </a:p>
+        </p:txBody>
+      </p:sp>
+      <p:sp>
+        <p:nvSpPr>
+          <p:cNvPr id="14" name="Footer Placeholder 13"/>
+          <p:cNvSpPr>
+            <a:spLocks noGrp="1"/>
+          </p:cNvSpPr>
+          <p:nvPr>
+            <p:ph type="ftr" sz="quarter" idx="12"/>
+          </p:nvPr>
+        </p:nvSpPr>
+        <p:spPr>
+          <a:xfrm>
+            <a:off x="1600200" y="6248206"/>
+            <a:ext cx="4572000" cy="365125"/>
+          </a:xfrm>
+        </p:spPr>
+        <p:txBody>
+          <a:bodyPr rtlCol="0"/>
+          <a:lstStyle/>
+          <a:p>
             <a:endParaRPr lang="en-US"/>
           </a:p>
         </p:txBody>
@@ -3523,9 +4101,17 @@
         </p:nvSpPr>
         <p:spPr>
           <a:xfrm>
-            <a:off x="1792288" y="612775"/>
-            <a:ext cx="5486400" cy="4114800"/>
+            <a:off x="1560576" y="0"/>
+            <a:ext cx="7583424" cy="4568952"/>
           </a:xfrm>
+          <a:solidFill>
+            <a:schemeClr val="accent1">
+              <a:tint val="40000"/>
+            </a:schemeClr>
+          </a:solidFill>
+          <a:ln>
+            <a:noFill/>
+          </a:ln>
         </p:spPr>
         <p:txBody>
           <a:bodyPr/>
@@ -3534,183 +4120,20 @@
               <a:buNone/>
               <a:defRPr sz="3200"/>
             </a:lvl1pPr>
-            <a:lvl2pPr marL="457200" indent="0">
-              <a:buNone/>
-              <a:defRPr sz="2800"/>
-            </a:lvl2pPr>
-            <a:lvl3pPr marL="914400" indent="0">
-              <a:buNone/>
-              <a:defRPr sz="2400"/>
-            </a:lvl3pPr>
-            <a:lvl4pPr marL="1371600" indent="0">
-              <a:buNone/>
-              <a:defRPr sz="2000"/>
-            </a:lvl4pPr>
-            <a:lvl5pPr marL="1828800" indent="0">
-              <a:buNone/>
-              <a:defRPr sz="2000"/>
-            </a:lvl5pPr>
-            <a:lvl6pPr marL="2286000" indent="0">
-              <a:buNone/>
-              <a:defRPr sz="2000"/>
-            </a:lvl6pPr>
-            <a:lvl7pPr marL="2743200" indent="0">
-              <a:buNone/>
-              <a:defRPr sz="2000"/>
-            </a:lvl7pPr>
-            <a:lvl8pPr marL="3200400" indent="0">
-              <a:buNone/>
-              <a:defRPr sz="2000"/>
-            </a:lvl8pPr>
-            <a:lvl9pPr marL="3657600" indent="0">
-              <a:buNone/>
-              <a:defRPr sz="2000"/>
-            </a:lvl9pPr>
           </a:lstStyle>
           <a:p>
-            <a:endParaRPr lang="en-US"/>
-          </a:p>
-        </p:txBody>
-      </p:sp>
-      <p:sp>
-        <p:nvSpPr>
-          <p:cNvPr id="4" name="Text Placeholder 3"/>
-          <p:cNvSpPr>
-            <a:spLocks noGrp="1"/>
-          </p:cNvSpPr>
-          <p:nvPr>
-            <p:ph type="body" sz="half" idx="2"/>
-          </p:nvPr>
-        </p:nvSpPr>
-        <p:spPr>
-          <a:xfrm>
-            <a:off x="1792288" y="5367338"/>
-            <a:ext cx="5486400" cy="804862"/>
-          </a:xfrm>
-        </p:spPr>
-        <p:txBody>
-          <a:bodyPr/>
-          <a:lstStyle>
-            <a:lvl1pPr marL="0" indent="0">
-              <a:buNone/>
-              <a:defRPr sz="1400"/>
-            </a:lvl1pPr>
-            <a:lvl2pPr marL="457200" indent="0">
-              <a:buNone/>
-              <a:defRPr sz="1200"/>
-            </a:lvl2pPr>
-            <a:lvl3pPr marL="914400" indent="0">
-              <a:buNone/>
-              <a:defRPr sz="1000"/>
-            </a:lvl3pPr>
-            <a:lvl4pPr marL="1371600" indent="0">
-              <a:buNone/>
-              <a:defRPr sz="900"/>
-            </a:lvl4pPr>
-            <a:lvl5pPr marL="1828800" indent="0">
-              <a:buNone/>
-              <a:defRPr sz="900"/>
-            </a:lvl5pPr>
-            <a:lvl6pPr marL="2286000" indent="0">
-              <a:buNone/>
-              <a:defRPr sz="900"/>
-            </a:lvl6pPr>
-            <a:lvl7pPr marL="2743200" indent="0">
-              <a:buNone/>
-              <a:defRPr sz="900"/>
-            </a:lvl7pPr>
-            <a:lvl8pPr marL="3200400" indent="0">
-              <a:buNone/>
-              <a:defRPr sz="900"/>
-            </a:lvl8pPr>
-            <a:lvl9pPr marL="3657600" indent="0">
-              <a:buNone/>
-              <a:defRPr sz="900"/>
-            </a:lvl9pPr>
-          </a:lstStyle>
-          <a:p>
-            <a:pPr lvl="0"/>
-            <a:r>
-              <a:rPr lang="en-US" smtClean="0"/>
-              <a:t>Click to edit Master text styles</a:t>
-            </a:r>
-          </a:p>
-        </p:txBody>
-      </p:sp>
-      <p:sp>
-        <p:nvSpPr>
-          <p:cNvPr id="5" name="Date Placeholder 4"/>
-          <p:cNvSpPr>
-            <a:spLocks noGrp="1"/>
-          </p:cNvSpPr>
-          <p:nvPr>
-            <p:ph type="dt" sz="half" idx="10"/>
-          </p:nvPr>
-        </p:nvSpPr>
-        <p:spPr/>
-        <p:txBody>
-          <a:bodyPr/>
-          <a:lstStyle/>
-          <a:p>
-            <a:fld id="{78A60172-FDF1-A54D-8FF0-F1EF9537053A}" type="datetimeFigureOut">
-              <a:rPr lang="en-US" smtClean="0"/>
-              <a:t>4/9/15</a:t>
-            </a:fld>
-            <a:endParaRPr lang="en-US"/>
-          </a:p>
-        </p:txBody>
-      </p:sp>
-      <p:sp>
-        <p:nvSpPr>
-          <p:cNvPr id="6" name="Footer Placeholder 5"/>
-          <p:cNvSpPr>
-            <a:spLocks noGrp="1"/>
-          </p:cNvSpPr>
-          <p:nvPr>
-            <p:ph type="ftr" sz="quarter" idx="11"/>
-          </p:nvPr>
-        </p:nvSpPr>
-        <p:spPr/>
-        <p:txBody>
-          <a:bodyPr/>
-          <a:lstStyle/>
-          <a:p>
-            <a:endParaRPr lang="en-US"/>
-          </a:p>
-        </p:txBody>
-      </p:sp>
-      <p:sp>
-        <p:nvSpPr>
-          <p:cNvPr id="7" name="Slide Number Placeholder 6"/>
-          <p:cNvSpPr>
-            <a:spLocks noGrp="1"/>
-          </p:cNvSpPr>
-          <p:nvPr>
-            <p:ph type="sldNum" sz="quarter" idx="12"/>
-          </p:nvPr>
-        </p:nvSpPr>
-        <p:spPr/>
-        <p:txBody>
-          <a:bodyPr/>
-          <a:lstStyle/>
-          <a:p>
-            <a:fld id="{24329C5F-7579-844A-B269-C6442F70D5D0}" type="slidenum">
-              <a:rPr lang="en-US" smtClean="0"/>
-              <a:t>‹#›</a:t>
-            </a:fld>
-            <a:endParaRPr lang="en-US"/>
+            <a:r>
+              <a:rPr kumimoji="0" lang="en-US" smtClean="0"/>
+              <a:t>Drag picture to placeholder or click icon to add</a:t>
+            </a:r>
+            <a:endParaRPr kumimoji="0" lang="en-US" dirty="0"/>
           </a:p>
         </p:txBody>
       </p:sp>
     </p:spTree>
-    <p:extLst>
-      <p:ext uri="{BB962C8B-B14F-4D97-AF65-F5344CB8AC3E}">
-        <p14:creationId xmlns:p14="http://schemas.microsoft.com/office/powerpoint/2010/main" val="3313032935"/>
-      </p:ext>
-    </p:extLst>
   </p:cSld>
   <p:clrMapOvr>
-    <a:masterClrMapping/>
+    <a:overrideClrMapping bg1="lt1" tx1="dk1" bg2="lt2" tx2="dk2" accent1="accent1" accent2="accent2" accent3="accent3" accent4="accent4" accent5="accent5" accent6="accent6" hlink="hlink" folHlink="folHlink"/>
   </p:clrMapOvr>
 </p:sldLayout>
 </file>
@@ -3739,7 +4162,7 @@
       </p:grpSpPr>
       <p:sp>
         <p:nvSpPr>
-          <p:cNvPr id="2" name="Title Placeholder 1"/>
+          <p:cNvPr id="22" name="Title Placeholder 21"/>
           <p:cNvSpPr>
             <a:spLocks noGrp="1"/>
           </p:cNvSpPr>
@@ -3749,30 +4172,30 @@
         </p:nvSpPr>
         <p:spPr>
           <a:xfrm>
-            <a:off x="457200" y="274638"/>
-            <a:ext cx="8229600" cy="1143000"/>
+            <a:off x="609600" y="228600"/>
+            <a:ext cx="8153400" cy="990600"/>
           </a:xfrm>
           <a:prstGeom prst="rect">
             <a:avLst/>
           </a:prstGeom>
         </p:spPr>
         <p:txBody>
-          <a:bodyPr vert="horz" lIns="91440" tIns="45720" rIns="91440" bIns="45720" rtlCol="0" anchor="ctr">
+          <a:bodyPr vert="horz" anchor="ctr">
             <a:normAutofit/>
           </a:bodyPr>
           <a:lstStyle/>
           <a:p>
             <a:r>
-              <a:rPr lang="en-US" smtClean="0"/>
+              <a:rPr kumimoji="0" lang="en-US" dirty="0" smtClean="0"/>
               <a:t>Click to edit Master title style</a:t>
             </a:r>
-            <a:endParaRPr lang="en-US"/>
-          </a:p>
-        </p:txBody>
-      </p:sp>
-      <p:sp>
-        <p:nvSpPr>
-          <p:cNvPr id="3" name="Text Placeholder 2"/>
+            <a:endParaRPr kumimoji="0" lang="en-US" dirty="0"/>
+          </a:p>
+        </p:txBody>
+      </p:sp>
+      <p:sp>
+        <p:nvSpPr>
+          <p:cNvPr id="13" name="Text Placeholder 12"/>
           <p:cNvSpPr>
             <a:spLocks noGrp="1"/>
           </p:cNvSpPr>
@@ -3782,59 +4205,59 @@
         </p:nvSpPr>
         <p:spPr>
           <a:xfrm>
-            <a:off x="457200" y="1600200"/>
-            <a:ext cx="8229600" cy="4525963"/>
+            <a:off x="612648" y="1600200"/>
+            <a:ext cx="8153400" cy="4526280"/>
           </a:xfrm>
           <a:prstGeom prst="rect">
             <a:avLst/>
           </a:prstGeom>
         </p:spPr>
         <p:txBody>
-          <a:bodyPr vert="horz" lIns="91440" tIns="45720" rIns="91440" bIns="45720" rtlCol="0">
+          <a:bodyPr vert="horz">
             <a:normAutofit/>
           </a:bodyPr>
           <a:lstStyle/>
           <a:p>
-            <a:pPr lvl="0"/>
-            <a:r>
-              <a:rPr lang="en-US" smtClean="0"/>
+            <a:pPr lvl="0" eaLnBrk="1" latinLnBrk="0" hangingPunct="1"/>
+            <a:r>
+              <a:rPr kumimoji="0" lang="en-US" dirty="0" smtClean="0"/>
               <a:t>Click to edit Master text styles</a:t>
             </a:r>
           </a:p>
           <a:p>
-            <a:pPr lvl="1"/>
-            <a:r>
-              <a:rPr lang="en-US" smtClean="0"/>
+            <a:pPr lvl="1" eaLnBrk="1" latinLnBrk="0" hangingPunct="1"/>
+            <a:r>
+              <a:rPr kumimoji="0" lang="en-US" dirty="0" smtClean="0"/>
               <a:t>Second level</a:t>
             </a:r>
           </a:p>
           <a:p>
-            <a:pPr lvl="2"/>
-            <a:r>
-              <a:rPr lang="en-US" smtClean="0"/>
+            <a:pPr lvl="2" eaLnBrk="1" latinLnBrk="0" hangingPunct="1"/>
+            <a:r>
+              <a:rPr kumimoji="0" lang="en-US" dirty="0" smtClean="0"/>
               <a:t>Third level</a:t>
             </a:r>
           </a:p>
           <a:p>
-            <a:pPr lvl="3"/>
-            <a:r>
-              <a:rPr lang="en-US" smtClean="0"/>
+            <a:pPr lvl="3" eaLnBrk="1" latinLnBrk="0" hangingPunct="1"/>
+            <a:r>
+              <a:rPr kumimoji="0" lang="en-US" dirty="0" smtClean="0"/>
               <a:t>Fourth level</a:t>
             </a:r>
           </a:p>
           <a:p>
-            <a:pPr lvl="4"/>
-            <a:r>
-              <a:rPr lang="en-US" smtClean="0"/>
+            <a:pPr lvl="4" eaLnBrk="1" latinLnBrk="0" hangingPunct="1"/>
+            <a:r>
+              <a:rPr kumimoji="0" lang="en-US" dirty="0" smtClean="0"/>
               <a:t>Fifth level</a:t>
             </a:r>
-            <a:endParaRPr lang="en-US"/>
-          </a:p>
-        </p:txBody>
-      </p:sp>
-      <p:sp>
-        <p:nvSpPr>
-          <p:cNvPr id="4" name="Date Placeholder 3"/>
+            <a:endParaRPr kumimoji="0" lang="en-US" dirty="0"/>
+          </a:p>
+        </p:txBody>
+      </p:sp>
+      <p:sp>
+        <p:nvSpPr>
+          <p:cNvPr id="14" name="Date Placeholder 13"/>
           <p:cNvSpPr>
             <a:spLocks noGrp="1"/>
           </p:cNvSpPr>
@@ -3844,22 +4267,20 @@
         </p:nvSpPr>
         <p:spPr>
           <a:xfrm>
-            <a:off x="457200" y="6356350"/>
-            <a:ext cx="2133600" cy="365125"/>
+            <a:off x="6096000" y="6248400"/>
+            <a:ext cx="2667000" cy="365125"/>
           </a:xfrm>
           <a:prstGeom prst="rect">
             <a:avLst/>
           </a:prstGeom>
         </p:spPr>
         <p:txBody>
-          <a:bodyPr vert="horz" lIns="91440" tIns="45720" rIns="91440" bIns="45720" rtlCol="0" anchor="ctr"/>
+          <a:bodyPr vert="horz" anchor="ctr" anchorCtr="0"/>
           <a:lstStyle>
-            <a:lvl1pPr algn="l">
-              <a:defRPr sz="1200">
+            <a:lvl1pPr algn="l" eaLnBrk="1" latinLnBrk="0" hangingPunct="1">
+              <a:defRPr kumimoji="0" sz="1400">
                 <a:solidFill>
-                  <a:schemeClr val="tx1">
-                    <a:tint val="75000"/>
-                  </a:schemeClr>
+                  <a:schemeClr val="tx2"/>
                 </a:solidFill>
               </a:defRPr>
             </a:lvl1pPr>
@@ -3875,7 +4296,7 @@
       </p:sp>
       <p:sp>
         <p:nvSpPr>
-          <p:cNvPr id="5" name="Footer Placeholder 4"/>
+          <p:cNvPr id="3" name="Footer Placeholder 2"/>
           <p:cNvSpPr>
             <a:spLocks noGrp="1"/>
           </p:cNvSpPr>
@@ -3885,22 +4306,20 @@
         </p:nvSpPr>
         <p:spPr>
           <a:xfrm>
-            <a:off x="3124200" y="6356350"/>
-            <a:ext cx="2895600" cy="365125"/>
+            <a:off x="609600" y="6248206"/>
+            <a:ext cx="5421083" cy="365125"/>
           </a:xfrm>
           <a:prstGeom prst="rect">
             <a:avLst/>
           </a:prstGeom>
         </p:spPr>
         <p:txBody>
-          <a:bodyPr vert="horz" lIns="91440" tIns="45720" rIns="91440" bIns="45720" rtlCol="0" anchor="ctr"/>
+          <a:bodyPr vert="horz" anchor="ctr"/>
           <a:lstStyle>
-            <a:lvl1pPr algn="ctr">
-              <a:defRPr sz="1200">
+            <a:lvl1pPr algn="r" eaLnBrk="1" latinLnBrk="0" hangingPunct="1">
+              <a:defRPr kumimoji="0" sz="1400">
                 <a:solidFill>
-                  <a:schemeClr val="tx1">
-                    <a:tint val="75000"/>
-                  </a:schemeClr>
+                  <a:schemeClr val="tx2"/>
                 </a:solidFill>
               </a:defRPr>
             </a:lvl1pPr>
@@ -3912,7 +4331,149 @@
       </p:sp>
       <p:sp>
         <p:nvSpPr>
-          <p:cNvPr id="6" name="Slide Number Placeholder 5"/>
+          <p:cNvPr id="7" name="Rectangle 6"/>
+          <p:cNvSpPr/>
+          <p:nvPr/>
+        </p:nvSpPr>
+        <p:spPr bwMode="white">
+          <a:xfrm>
+            <a:off x="0" y="1234440"/>
+            <a:ext cx="9144000" cy="320040"/>
+          </a:xfrm>
+          <a:prstGeom prst="rect">
+            <a:avLst/>
+          </a:prstGeom>
+          <a:solidFill>
+            <a:srgbClr val="FFFFFF"/>
+          </a:solidFill>
+          <a:ln w="50800" cap="rnd" cmpd="dbl" algn="ctr">
+            <a:noFill/>
+            <a:prstDash val="solid"/>
+          </a:ln>
+          <a:effectLst/>
+        </p:spPr>
+        <p:style>
+          <a:lnRef idx="3">
+            <a:schemeClr val="lt1"/>
+          </a:lnRef>
+          <a:fillRef idx="1">
+            <a:schemeClr val="accent1"/>
+          </a:fillRef>
+          <a:effectRef idx="1">
+            <a:schemeClr val="accent1"/>
+          </a:effectRef>
+          <a:fontRef idx="minor">
+            <a:schemeClr val="lt1"/>
+          </a:fontRef>
+        </p:style>
+        <p:txBody>
+          <a:bodyPr anchor="ctr"/>
+          <a:lstStyle/>
+          <a:p>
+            <a:pPr algn="ctr" eaLnBrk="1" latinLnBrk="0" hangingPunct="1"/>
+            <a:endParaRPr kumimoji="0" lang="en-US"/>
+          </a:p>
+        </p:txBody>
+      </p:sp>
+      <p:sp>
+        <p:nvSpPr>
+          <p:cNvPr id="8" name="Rectangle 7"/>
+          <p:cNvSpPr/>
+          <p:nvPr/>
+        </p:nvSpPr>
+        <p:spPr>
+          <a:xfrm>
+            <a:off x="0" y="1280160"/>
+            <a:ext cx="533400" cy="228600"/>
+          </a:xfrm>
+          <a:prstGeom prst="rect">
+            <a:avLst/>
+          </a:prstGeom>
+          <a:solidFill>
+            <a:schemeClr val="accent2">
+              <a:alpha val="100000"/>
+            </a:schemeClr>
+          </a:solidFill>
+          <a:ln w="50800" cap="rnd" cmpd="dbl" algn="ctr">
+            <a:noFill/>
+            <a:prstDash val="solid"/>
+          </a:ln>
+          <a:effectLst/>
+        </p:spPr>
+        <p:style>
+          <a:lnRef idx="3">
+            <a:schemeClr val="lt1"/>
+          </a:lnRef>
+          <a:fillRef idx="1">
+            <a:schemeClr val="accent1"/>
+          </a:fillRef>
+          <a:effectRef idx="1">
+            <a:schemeClr val="accent1"/>
+          </a:effectRef>
+          <a:fontRef idx="minor">
+            <a:schemeClr val="lt1"/>
+          </a:fontRef>
+        </p:style>
+        <p:txBody>
+          <a:bodyPr anchor="ctr"/>
+          <a:lstStyle/>
+          <a:p>
+            <a:pPr algn="ctr" eaLnBrk="1" latinLnBrk="0" hangingPunct="1"/>
+            <a:endParaRPr kumimoji="0" lang="en-US"/>
+          </a:p>
+        </p:txBody>
+      </p:sp>
+      <p:sp>
+        <p:nvSpPr>
+          <p:cNvPr id="9" name="Rectangle 8"/>
+          <p:cNvSpPr/>
+          <p:nvPr/>
+        </p:nvSpPr>
+        <p:spPr>
+          <a:xfrm>
+            <a:off x="590550" y="1280160"/>
+            <a:ext cx="8553450" cy="228600"/>
+          </a:xfrm>
+          <a:prstGeom prst="rect">
+            <a:avLst/>
+          </a:prstGeom>
+          <a:solidFill>
+            <a:schemeClr val="accent1">
+              <a:alpha val="100000"/>
+            </a:schemeClr>
+          </a:solidFill>
+          <a:ln w="50800" cap="rnd" cmpd="dbl" algn="ctr">
+            <a:noFill/>
+            <a:prstDash val="solid"/>
+          </a:ln>
+          <a:effectLst/>
+        </p:spPr>
+        <p:style>
+          <a:lnRef idx="3">
+            <a:schemeClr val="lt1"/>
+          </a:lnRef>
+          <a:fillRef idx="1">
+            <a:schemeClr val="accent1"/>
+          </a:fillRef>
+          <a:effectRef idx="1">
+            <a:schemeClr val="accent1"/>
+          </a:effectRef>
+          <a:fontRef idx="minor">
+            <a:schemeClr val="lt1"/>
+          </a:fontRef>
+        </p:style>
+        <p:txBody>
+          <a:bodyPr anchor="ctr"/>
+          <a:lstStyle/>
+          <a:p>
+            <a:pPr algn="ctr" eaLnBrk="1" latinLnBrk="0" hangingPunct="1"/>
+            <a:endParaRPr kumimoji="0" lang="en-US"/>
+          </a:p>
+        </p:txBody>
+      </p:sp>
+      <p:sp>
+        <p:nvSpPr>
+          <p:cNvPr id="23" name="Slide Number Placeholder 22"/>
           <p:cNvSpPr>
             <a:spLocks noGrp="1"/>
           </p:cNvSpPr>
@@ -3922,22 +4483,22 @@
         </p:nvSpPr>
         <p:spPr>
           <a:xfrm>
-            <a:off x="6553200" y="6356350"/>
-            <a:ext cx="2133600" cy="365125"/>
+            <a:off x="0" y="1272222"/>
+            <a:ext cx="533400" cy="244476"/>
           </a:xfrm>
           <a:prstGeom prst="rect">
             <a:avLst/>
           </a:prstGeom>
         </p:spPr>
         <p:txBody>
-          <a:bodyPr vert="horz" lIns="91440" tIns="45720" rIns="91440" bIns="45720" rtlCol="0" anchor="ctr"/>
+          <a:bodyPr vert="horz" anchor="ctr" anchorCtr="0">
+            <a:normAutofit/>
+          </a:bodyPr>
           <a:lstStyle>
-            <a:lvl1pPr algn="r">
-              <a:defRPr sz="1200">
+            <a:lvl1pPr algn="ctr" eaLnBrk="1" latinLnBrk="0" hangingPunct="1">
+              <a:defRPr kumimoji="0" sz="1400" b="1">
                 <a:solidFill>
-                  <a:schemeClr val="tx1">
-                    <a:tint val="75000"/>
-                  </a:schemeClr>
+                  <a:srgbClr val="FFFFFF"/>
                 </a:solidFill>
               </a:defRPr>
             </a:lvl1pPr>
@@ -3952,36 +4513,31 @@
         </p:txBody>
       </p:sp>
     </p:spTree>
-    <p:extLst>
-      <p:ext uri="{BB962C8B-B14F-4D97-AF65-F5344CB8AC3E}">
-        <p14:creationId xmlns:p14="http://schemas.microsoft.com/office/powerpoint/2010/main" val="3778088942"/>
-      </p:ext>
-    </p:extLst>
   </p:cSld>
   <p:clrMap bg1="lt1" tx1="dk1" bg2="lt2" tx2="dk2" accent1="accent1" accent2="accent2" accent3="accent3" accent4="accent4" accent5="accent5" accent6="accent6" hlink="hlink" folHlink="folHlink"/>
   <p:sldLayoutIdLst>
-    <p:sldLayoutId id="2147483649" r:id="rId1"/>
-    <p:sldLayoutId id="2147483650" r:id="rId2"/>
-    <p:sldLayoutId id="2147483651" r:id="rId3"/>
-    <p:sldLayoutId id="2147483652" r:id="rId4"/>
-    <p:sldLayoutId id="2147483653" r:id="rId5"/>
-    <p:sldLayoutId id="2147483654" r:id="rId6"/>
-    <p:sldLayoutId id="2147483655" r:id="rId7"/>
-    <p:sldLayoutId id="2147483656" r:id="rId8"/>
-    <p:sldLayoutId id="2147483657" r:id="rId9"/>
-    <p:sldLayoutId id="2147483658" r:id="rId10"/>
-    <p:sldLayoutId id="2147483659" r:id="rId11"/>
+    <p:sldLayoutId id="2147483785" r:id="rId1"/>
+    <p:sldLayoutId id="2147483786" r:id="rId2"/>
+    <p:sldLayoutId id="2147483787" r:id="rId3"/>
+    <p:sldLayoutId id="2147483788" r:id="rId4"/>
+    <p:sldLayoutId id="2147483789" r:id="rId5"/>
+    <p:sldLayoutId id="2147483790" r:id="rId6"/>
+    <p:sldLayoutId id="2147483791" r:id="rId7"/>
+    <p:sldLayoutId id="2147483792" r:id="rId8"/>
+    <p:sldLayoutId id="2147483793" r:id="rId9"/>
+    <p:sldLayoutId id="2147483794" r:id="rId10"/>
+    <p:sldLayoutId id="2147483795" r:id="rId11"/>
   </p:sldLayoutIdLst>
   <p:txStyles>
     <p:titleStyle>
-      <a:lvl1pPr algn="ctr" defTabSz="457200" rtl="0" eaLnBrk="1" latinLnBrk="0" hangingPunct="1">
+      <a:lvl1pPr algn="l" rtl="0" eaLnBrk="1" latinLnBrk="0" hangingPunct="1">
         <a:spcBef>
           <a:spcPct val="0"/>
         </a:spcBef>
         <a:buNone/>
-        <a:defRPr sz="4400" kern="1200">
+        <a:defRPr kumimoji="0" sz="4400" b="1" kern="1200">
           <a:solidFill>
-            <a:schemeClr val="tx1"/>
+            <a:schemeClr val="tx2"/>
           </a:solidFill>
           <a:latin typeface="+mj-lt"/>
           <a:ea typeface="+mj-ea"/>
@@ -3990,13 +4546,17 @@
       </a:lvl1pPr>
     </p:titleStyle>
     <p:bodyStyle>
-      <a:lvl1pPr marL="342900" indent="-342900" algn="l" defTabSz="457200" rtl="0" eaLnBrk="1" latinLnBrk="0" hangingPunct="1">
+      <a:lvl1pPr marL="320040" indent="-320040" algn="l" rtl="0" eaLnBrk="1" latinLnBrk="0" hangingPunct="1">
         <a:spcBef>
-          <a:spcPct val="20000"/>
+          <a:spcPts val="700"/>
         </a:spcBef>
-        <a:buFont typeface="Arial"/>
-        <a:buChar char="•"/>
-        <a:defRPr sz="3200" kern="1200">
+        <a:buClr>
+          <a:schemeClr val="accent2"/>
+        </a:buClr>
+        <a:buSzPct val="60000"/>
+        <a:buFont typeface="Wingdings"/>
+        <a:buChar char=""/>
+        <a:defRPr kumimoji="0" sz="2900" kern="1200">
           <a:solidFill>
             <a:schemeClr val="tx1"/>
           </a:solidFill>
@@ -4005,13 +4565,17 @@
           <a:cs typeface="+mn-cs"/>
         </a:defRPr>
       </a:lvl1pPr>
-      <a:lvl2pPr marL="742950" indent="-285750" algn="l" defTabSz="457200" rtl="0" eaLnBrk="1" latinLnBrk="0" hangingPunct="1">
+      <a:lvl2pPr marL="640080" indent="-274320" algn="l" rtl="0" eaLnBrk="1" latinLnBrk="0" hangingPunct="1">
         <a:spcBef>
-          <a:spcPct val="20000"/>
+          <a:spcPts val="550"/>
         </a:spcBef>
-        <a:buFont typeface="Arial"/>
-        <a:buChar char="–"/>
-        <a:defRPr sz="2800" kern="1200">
+        <a:buClr>
+          <a:schemeClr val="accent1"/>
+        </a:buClr>
+        <a:buSzPct val="70000"/>
+        <a:buFont typeface="Wingdings 2"/>
+        <a:buChar char=""/>
+        <a:defRPr kumimoji="0" sz="2600" kern="1200">
           <a:solidFill>
             <a:schemeClr val="tx1"/>
           </a:solidFill>
@@ -4020,13 +4584,17 @@
           <a:cs typeface="+mn-cs"/>
         </a:defRPr>
       </a:lvl2pPr>
-      <a:lvl3pPr marL="1143000" indent="-228600" algn="l" defTabSz="457200" rtl="0" eaLnBrk="1" latinLnBrk="0" hangingPunct="1">
+      <a:lvl3pPr marL="914400" indent="-228600" algn="l" rtl="0" eaLnBrk="1" latinLnBrk="0" hangingPunct="1">
         <a:spcBef>
-          <a:spcPct val="20000"/>
+          <a:spcPts val="500"/>
         </a:spcBef>
-        <a:buFont typeface="Arial"/>
-        <a:buChar char="•"/>
-        <a:defRPr sz="2400" kern="1200">
+        <a:buClr>
+          <a:schemeClr val="accent2"/>
+        </a:buClr>
+        <a:buSzPct val="75000"/>
+        <a:buFont typeface="Wingdings"/>
+        <a:buChar char=""/>
+        <a:defRPr kumimoji="0" sz="2300" kern="1200">
           <a:solidFill>
             <a:schemeClr val="tx1"/>
           </a:solidFill>
@@ -4035,13 +4603,17 @@
           <a:cs typeface="+mn-cs"/>
         </a:defRPr>
       </a:lvl3pPr>
-      <a:lvl4pPr marL="1600200" indent="-228600" algn="l" defTabSz="457200" rtl="0" eaLnBrk="1" latinLnBrk="0" hangingPunct="1">
+      <a:lvl4pPr marL="1371600" indent="-228600" algn="l" rtl="0" eaLnBrk="1" latinLnBrk="0" hangingPunct="1">
         <a:spcBef>
-          <a:spcPct val="20000"/>
+          <a:spcPts val="400"/>
         </a:spcBef>
-        <a:buFont typeface="Arial"/>
-        <a:buChar char="–"/>
-        <a:defRPr sz="2000" kern="1200">
+        <a:buClr>
+          <a:schemeClr val="accent3"/>
+        </a:buClr>
+        <a:buSzPct val="75000"/>
+        <a:buFont typeface="Wingdings"/>
+        <a:buChar char=""/>
+        <a:defRPr kumimoji="0" sz="2000" kern="1200">
           <a:solidFill>
             <a:schemeClr val="tx1"/>
           </a:solidFill>
@@ -4050,13 +4622,17 @@
           <a:cs typeface="+mn-cs"/>
         </a:defRPr>
       </a:lvl4pPr>
-      <a:lvl5pPr marL="2057400" indent="-228600" algn="l" defTabSz="457200" rtl="0" eaLnBrk="1" latinLnBrk="0" hangingPunct="1">
+      <a:lvl5pPr marL="1828800" indent="-228600" algn="l" rtl="0" eaLnBrk="1" latinLnBrk="0" hangingPunct="1">
         <a:spcBef>
-          <a:spcPct val="20000"/>
+          <a:spcPts val="400"/>
         </a:spcBef>
-        <a:buFont typeface="Arial"/>
-        <a:buChar char="»"/>
-        <a:defRPr sz="2000" kern="1200">
+        <a:buClr>
+          <a:schemeClr val="accent4"/>
+        </a:buClr>
+        <a:buSzPct val="65000"/>
+        <a:buFont typeface="Wingdings"/>
+        <a:buChar char=""/>
+        <a:defRPr kumimoji="0" sz="2000" kern="1200">
           <a:solidFill>
             <a:schemeClr val="tx1"/>
           </a:solidFill>
@@ -4065,13 +4641,16 @@
           <a:cs typeface="+mn-cs"/>
         </a:defRPr>
       </a:lvl5pPr>
-      <a:lvl6pPr marL="2514600" indent="-228600" algn="l" defTabSz="457200" rtl="0" eaLnBrk="1" latinLnBrk="0" hangingPunct="1">
+      <a:lvl6pPr marL="2103120" indent="-228600" algn="l" rtl="0" eaLnBrk="1" latinLnBrk="0" hangingPunct="1">
         <a:spcBef>
           <a:spcPct val="20000"/>
         </a:spcBef>
-        <a:buFont typeface="Arial"/>
-        <a:buChar char="•"/>
-        <a:defRPr sz="2000" kern="1200">
+        <a:buClr>
+          <a:schemeClr val="accent1"/>
+        </a:buClr>
+        <a:buFont typeface="Wingdings"/>
+        <a:buChar char="§"/>
+        <a:defRPr kumimoji="0" sz="1800" kern="1200" baseline="0">
           <a:solidFill>
             <a:schemeClr val="tx1"/>
           </a:solidFill>
@@ -4080,13 +4659,16 @@
           <a:cs typeface="+mn-cs"/>
         </a:defRPr>
       </a:lvl6pPr>
-      <a:lvl7pPr marL="2971800" indent="-228600" algn="l" defTabSz="457200" rtl="0" eaLnBrk="1" latinLnBrk="0" hangingPunct="1">
+      <a:lvl7pPr marL="2377440" indent="-228600" algn="l" rtl="0" eaLnBrk="1" latinLnBrk="0" hangingPunct="1">
         <a:spcBef>
           <a:spcPct val="20000"/>
         </a:spcBef>
-        <a:buFont typeface="Arial"/>
-        <a:buChar char="•"/>
-        <a:defRPr sz="2000" kern="1200">
+        <a:buClr>
+          <a:schemeClr val="accent2"/>
+        </a:buClr>
+        <a:buFont typeface="Wingdings"/>
+        <a:buChar char="§"/>
+        <a:defRPr kumimoji="0" sz="1800" kern="1200" baseline="0">
           <a:solidFill>
             <a:schemeClr val="tx1"/>
           </a:solidFill>
@@ -4095,13 +4677,16 @@
           <a:cs typeface="+mn-cs"/>
         </a:defRPr>
       </a:lvl7pPr>
-      <a:lvl8pPr marL="3429000" indent="-228600" algn="l" defTabSz="457200" rtl="0" eaLnBrk="1" latinLnBrk="0" hangingPunct="1">
+      <a:lvl8pPr marL="2651760" indent="-228600" algn="l" rtl="0" eaLnBrk="1" latinLnBrk="0" hangingPunct="1">
         <a:spcBef>
           <a:spcPct val="20000"/>
         </a:spcBef>
-        <a:buFont typeface="Arial"/>
-        <a:buChar char="•"/>
-        <a:defRPr sz="2000" kern="1200">
+        <a:buClr>
+          <a:schemeClr val="accent3"/>
+        </a:buClr>
+        <a:buFont typeface="Wingdings"/>
+        <a:buChar char="§"/>
+        <a:defRPr kumimoji="0" sz="1800" kern="1200" baseline="0">
           <a:solidFill>
             <a:schemeClr val="tx1"/>
           </a:solidFill>
@@ -4110,13 +4695,16 @@
           <a:cs typeface="+mn-cs"/>
         </a:defRPr>
       </a:lvl8pPr>
-      <a:lvl9pPr marL="3886200" indent="-228600" algn="l" defTabSz="457200" rtl="0" eaLnBrk="1" latinLnBrk="0" hangingPunct="1">
+      <a:lvl9pPr marL="2926080" indent="-228600" algn="l" rtl="0" eaLnBrk="1" latinLnBrk="0" hangingPunct="1">
         <a:spcBef>
           <a:spcPct val="20000"/>
         </a:spcBef>
-        <a:buFont typeface="Arial"/>
-        <a:buChar char="•"/>
-        <a:defRPr sz="2000" kern="1200">
+        <a:buClr>
+          <a:schemeClr val="accent4"/>
+        </a:buClr>
+        <a:buFont typeface="Wingdings"/>
+        <a:buChar char="§"/>
+        <a:defRPr kumimoji="0" sz="1800" kern="1200" baseline="0">
           <a:solidFill>
             <a:schemeClr val="tx1"/>
           </a:solidFill>
@@ -4127,11 +4715,8 @@
       </a:lvl9pPr>
     </p:bodyStyle>
     <p:otherStyle>
-      <a:defPPr>
-        <a:defRPr lang="en-US"/>
-      </a:defPPr>
-      <a:lvl1pPr marL="0" algn="l" defTabSz="457200" rtl="0" eaLnBrk="1" latinLnBrk="0" hangingPunct="1">
-        <a:defRPr sz="1800" kern="1200">
+      <a:lvl1pPr marL="0" algn="l" rtl="0" eaLnBrk="1" latinLnBrk="0" hangingPunct="1">
+        <a:defRPr kumimoji="0" kern="1200">
           <a:solidFill>
             <a:schemeClr val="tx1"/>
           </a:solidFill>
@@ -4140,8 +4725,8 @@
           <a:cs typeface="+mn-cs"/>
         </a:defRPr>
       </a:lvl1pPr>
-      <a:lvl2pPr marL="457200" algn="l" defTabSz="457200" rtl="0" eaLnBrk="1" latinLnBrk="0" hangingPunct="1">
-        <a:defRPr sz="1800" kern="1200">
+      <a:lvl2pPr marL="457200" algn="l" rtl="0" eaLnBrk="1" latinLnBrk="0" hangingPunct="1">
+        <a:defRPr kumimoji="0" kern="1200">
           <a:solidFill>
             <a:schemeClr val="tx1"/>
           </a:solidFill>
@@ -4150,8 +4735,8 @@
           <a:cs typeface="+mn-cs"/>
         </a:defRPr>
       </a:lvl2pPr>
-      <a:lvl3pPr marL="914400" algn="l" defTabSz="457200" rtl="0" eaLnBrk="1" latinLnBrk="0" hangingPunct="1">
-        <a:defRPr sz="1800" kern="1200">
+      <a:lvl3pPr marL="914400" algn="l" rtl="0" eaLnBrk="1" latinLnBrk="0" hangingPunct="1">
+        <a:defRPr kumimoji="0" kern="1200">
           <a:solidFill>
             <a:schemeClr val="tx1"/>
           </a:solidFill>
@@ -4160,8 +4745,8 @@
           <a:cs typeface="+mn-cs"/>
         </a:defRPr>
       </a:lvl3pPr>
-      <a:lvl4pPr marL="1371600" algn="l" defTabSz="457200" rtl="0" eaLnBrk="1" latinLnBrk="0" hangingPunct="1">
-        <a:defRPr sz="1800" kern="1200">
+      <a:lvl4pPr marL="1371600" algn="l" rtl="0" eaLnBrk="1" latinLnBrk="0" hangingPunct="1">
+        <a:defRPr kumimoji="0" kern="1200">
           <a:solidFill>
             <a:schemeClr val="tx1"/>
           </a:solidFill>
@@ -4170,8 +4755,8 @@
           <a:cs typeface="+mn-cs"/>
         </a:defRPr>
       </a:lvl4pPr>
-      <a:lvl5pPr marL="1828800" algn="l" defTabSz="457200" rtl="0" eaLnBrk="1" latinLnBrk="0" hangingPunct="1">
-        <a:defRPr sz="1800" kern="1200">
+      <a:lvl5pPr marL="1828800" algn="l" rtl="0" eaLnBrk="1" latinLnBrk="0" hangingPunct="1">
+        <a:defRPr kumimoji="0" kern="1200">
           <a:solidFill>
             <a:schemeClr val="tx1"/>
           </a:solidFill>
@@ -4180,8 +4765,8 @@
           <a:cs typeface="+mn-cs"/>
         </a:defRPr>
       </a:lvl5pPr>
-      <a:lvl6pPr marL="2286000" algn="l" defTabSz="457200" rtl="0" eaLnBrk="1" latinLnBrk="0" hangingPunct="1">
-        <a:defRPr sz="1800" kern="1200">
+      <a:lvl6pPr marL="2286000" algn="l" rtl="0" eaLnBrk="1" latinLnBrk="0" hangingPunct="1">
+        <a:defRPr kumimoji="0" kern="1200">
           <a:solidFill>
             <a:schemeClr val="tx1"/>
           </a:solidFill>
@@ -4190,8 +4775,8 @@
           <a:cs typeface="+mn-cs"/>
         </a:defRPr>
       </a:lvl6pPr>
-      <a:lvl7pPr marL="2743200" algn="l" defTabSz="457200" rtl="0" eaLnBrk="1" latinLnBrk="0" hangingPunct="1">
-        <a:defRPr sz="1800" kern="1200">
+      <a:lvl7pPr marL="2743200" algn="l" rtl="0" eaLnBrk="1" latinLnBrk="0" hangingPunct="1">
+        <a:defRPr kumimoji="0" kern="1200">
           <a:solidFill>
             <a:schemeClr val="tx1"/>
           </a:solidFill>
@@ -4200,8 +4785,8 @@
           <a:cs typeface="+mn-cs"/>
         </a:defRPr>
       </a:lvl7pPr>
-      <a:lvl8pPr marL="3200400" algn="l" defTabSz="457200" rtl="0" eaLnBrk="1" latinLnBrk="0" hangingPunct="1">
-        <a:defRPr sz="1800" kern="1200">
+      <a:lvl8pPr marL="3200400" algn="l" rtl="0" eaLnBrk="1" latinLnBrk="0" hangingPunct="1">
+        <a:defRPr kumimoji="0" kern="1200">
           <a:solidFill>
             <a:schemeClr val="tx1"/>
           </a:solidFill>
@@ -4210,8 +4795,8 @@
           <a:cs typeface="+mn-cs"/>
         </a:defRPr>
       </a:lvl8pPr>
-      <a:lvl9pPr marL="3657600" algn="l" defTabSz="457200" rtl="0" eaLnBrk="1" latinLnBrk="0" hangingPunct="1">
-        <a:defRPr sz="1800" kern="1200">
+      <a:lvl9pPr marL="3657600" algn="l" rtl="0" eaLnBrk="1" latinLnBrk="0" hangingPunct="1">
+        <a:defRPr kumimoji="0" kern="1200">
           <a:solidFill>
             <a:schemeClr val="tx1"/>
           </a:solidFill>
@@ -4244,39 +4829,68 @@
       </p:grpSpPr>
       <p:sp>
         <p:nvSpPr>
-          <p:cNvPr id="2" name="Title 1"/>
-          <p:cNvSpPr>
-            <a:spLocks noGrp="1"/>
-          </p:cNvSpPr>
-          <p:nvPr>
-            <p:ph type="title"/>
-          </p:nvPr>
-        </p:nvSpPr>
-        <p:spPr/>
-        <p:txBody>
-          <a:bodyPr/>
-          <a:lstStyle/>
-          <a:p>
-            <a:endParaRPr lang="en-US" dirty="0"/>
-          </a:p>
-        </p:txBody>
-      </p:sp>
-      <p:sp>
-        <p:nvSpPr>
           <p:cNvPr id="3" name="Content Placeholder 2"/>
           <p:cNvSpPr>
             <a:spLocks noGrp="1"/>
           </p:cNvSpPr>
           <p:nvPr>
-            <p:ph idx="1"/>
+            <p:ph sz="quarter" idx="1"/>
           </p:nvPr>
         </p:nvSpPr>
-        <p:spPr/>
-        <p:txBody>
-          <a:bodyPr/>
+        <p:spPr>
+          <a:xfrm>
+            <a:off x="612648" y="1758950"/>
+            <a:ext cx="8153400" cy="4495800"/>
+          </a:xfrm>
+        </p:spPr>
+        <p:txBody>
+          <a:bodyPr>
+            <a:normAutofit/>
+          </a:bodyPr>
           <a:lstStyle/>
           <a:p>
-            <a:endParaRPr lang="en-US"/>
+            <a:pPr marL="0" indent="0" algn="ctr">
+              <a:buNone/>
+            </a:pPr>
+            <a:r>
+              <a:rPr lang="en-US" sz="4800" b="1" dirty="0" smtClean="0"/>
+              <a:t>An in</a:t>
+            </a:r>
+            <a:r>
+              <a:rPr lang="en-US" sz="4800" b="1" dirty="0"/>
+              <a:t>-depth </a:t>
+            </a:r>
+            <a:r>
+              <a:rPr lang="en-US" sz="4800" b="1" dirty="0" smtClean="0"/>
+              <a:t>comparison </a:t>
+            </a:r>
+          </a:p>
+          <a:p>
+            <a:pPr marL="0" indent="0" algn="ctr">
+              <a:buNone/>
+            </a:pPr>
+            <a:r>
+              <a:rPr lang="en-US" sz="4800" b="1" dirty="0" smtClean="0"/>
+              <a:t>of </a:t>
+            </a:r>
+          </a:p>
+          <a:p>
+            <a:pPr marL="0" indent="0" algn="ctr">
+              <a:buNone/>
+            </a:pPr>
+            <a:r>
+              <a:rPr lang="en-US" sz="4800" b="1" dirty="0" smtClean="0"/>
+              <a:t>Windows Vs</a:t>
+            </a:r>
+            <a:r>
+              <a:rPr lang="en-US" sz="4800" b="1" dirty="0"/>
+              <a:t>. </a:t>
+            </a:r>
+            <a:r>
+              <a:rPr lang="en-US" sz="4800" b="1" dirty="0" smtClean="0"/>
+              <a:t>Linux Design</a:t>
+            </a:r>
+            <a:endParaRPr lang="en-US" sz="4800" dirty="0"/>
           </a:p>
         </p:txBody>
       </p:sp>
@@ -4290,10 +4904,143 @@
   <p:clrMapOvr>
     <a:masterClrMapping/>
   </p:clrMapOvr>
+  <p:timing>
+    <p:tnLst>
+      <p:par>
+        <p:cTn xmlns:p14="http://schemas.microsoft.com/office/powerpoint/2010/main" id="1" dur="indefinite" restart="never" nodeType="tmRoot"/>
+      </p:par>
+    </p:tnLst>
+  </p:timing>
 </p:sld>
 </file>
 
 <file path=ppt/slides/slide10.xml><?xml version="1.0" encoding="utf-8"?>
+<p:sld xmlns:a="http://schemas.openxmlformats.org/drawingml/2006/main" xmlns:r="http://schemas.openxmlformats.org/officeDocument/2006/relationships" xmlns:p="http://schemas.openxmlformats.org/presentationml/2006/main">
+  <p:cSld>
+    <p:spTree>
+      <p:nvGrpSpPr>
+        <p:cNvPr id="1" name=""/>
+        <p:cNvGrpSpPr/>
+        <p:nvPr/>
+      </p:nvGrpSpPr>
+      <p:grpSpPr>
+        <a:xfrm>
+          <a:off x="0" y="0"/>
+          <a:ext cx="0" cy="0"/>
+          <a:chOff x="0" y="0"/>
+          <a:chExt cx="0" cy="0"/>
+        </a:xfrm>
+      </p:grpSpPr>
+      <p:sp>
+        <p:nvSpPr>
+          <p:cNvPr id="2" name="Title 1"/>
+          <p:cNvSpPr>
+            <a:spLocks noGrp="1"/>
+          </p:cNvSpPr>
+          <p:nvPr>
+            <p:ph type="title"/>
+          </p:nvPr>
+        </p:nvSpPr>
+        <p:spPr/>
+        <p:txBody>
+          <a:bodyPr>
+            <a:noAutofit/>
+          </a:bodyPr>
+          <a:lstStyle/>
+          <a:p>
+            <a:r>
+              <a:rPr lang="en-US" sz="3600" dirty="0" smtClean="0">
+                <a:latin typeface="Arial Black"/>
+                <a:cs typeface="Arial Black"/>
+              </a:rPr>
+              <a:t>Key Features Linux Device Driver</a:t>
+            </a:r>
+            <a:endParaRPr lang="en-US" sz="3600" dirty="0">
+              <a:latin typeface="Arial Black"/>
+              <a:cs typeface="Arial Black"/>
+            </a:endParaRPr>
+          </a:p>
+        </p:txBody>
+      </p:sp>
+      <p:sp>
+        <p:nvSpPr>
+          <p:cNvPr id="3" name="Content Placeholder 2"/>
+          <p:cNvSpPr>
+            <a:spLocks noGrp="1"/>
+          </p:cNvSpPr>
+          <p:nvPr>
+            <p:ph sz="quarter" idx="1"/>
+          </p:nvPr>
+        </p:nvSpPr>
+        <p:spPr/>
+        <p:txBody>
+          <a:bodyPr>
+            <a:normAutofit fontScale="92500"/>
+          </a:bodyPr>
+          <a:lstStyle/>
+          <a:p>
+            <a:r>
+              <a:rPr lang="en-US" dirty="0"/>
+              <a:t>No clear distinction of layered modules(no notion of filter, functional and bus driver as in Windows)</a:t>
+            </a:r>
+          </a:p>
+          <a:p>
+            <a:r>
+              <a:rPr lang="en-US" dirty="0"/>
+              <a:t>Devices are named using major and minor numbers</a:t>
+            </a:r>
+          </a:p>
+          <a:p>
+            <a:pPr lvl="1"/>
+            <a:r>
+              <a:rPr lang="en-US" dirty="0"/>
+              <a:t>major numbers in range 0 to 255</a:t>
+            </a:r>
+          </a:p>
+          <a:p>
+            <a:pPr lvl="1"/>
+            <a:r>
+              <a:rPr lang="en-US" dirty="0"/>
+              <a:t>Each driver for a major device number can manage additional 256 minor numbers</a:t>
+            </a:r>
+          </a:p>
+          <a:p>
+            <a:pPr lvl="1"/>
+            <a:r>
+              <a:rPr lang="en-US" dirty="0"/>
+              <a:t>At one time, maximum 256 usable devices handles</a:t>
+            </a:r>
+          </a:p>
+          <a:p>
+            <a:pPr lvl="1"/>
+            <a:r>
+              <a:rPr lang="en-US" dirty="0"/>
+              <a:t>Possible to gain access to 65536(256 X 256) devices</a:t>
+            </a:r>
+          </a:p>
+        </p:txBody>
+      </p:sp>
+    </p:spTree>
+    <p:extLst>
+      <p:ext uri="{BB962C8B-B14F-4D97-AF65-F5344CB8AC3E}">
+        <p14:creationId xmlns:p14="http://schemas.microsoft.com/office/powerpoint/2010/main" val="1920966851"/>
+      </p:ext>
+    </p:extLst>
+  </p:cSld>
+  <p:clrMapOvr>
+    <a:masterClrMapping/>
+  </p:clrMapOvr>
+  <p:timing>
+    <p:tnLst>
+      <p:par>
+        <p:cTn xmlns:p14="http://schemas.microsoft.com/office/powerpoint/2010/main" id="1" dur="indefinite" restart="never" nodeType="tmRoot"/>
+      </p:par>
+    </p:tnLst>
+  </p:timing>
+</p:sld>
+</file>
+
+<file path=ppt/slides/slide11.xml><?xml version="1.0" encoding="utf-8"?>
 <p:sld xmlns:a="http://schemas.openxmlformats.org/drawingml/2006/main" xmlns:r="http://schemas.openxmlformats.org/officeDocument/2006/relationships" xmlns:p="http://schemas.openxmlformats.org/presentationml/2006/main">
   <p:cSld>
     <p:spTree>
@@ -4379,219 +5126,13 @@
   <p:clrMapOvr>
     <a:masterClrMapping/>
   </p:clrMapOvr>
-</p:sld>
-</file>
-
-<file path=ppt/slides/slide11.xml><?xml version="1.0" encoding="utf-8"?>
-<p:sld xmlns:a="http://schemas.openxmlformats.org/drawingml/2006/main" xmlns:r="http://schemas.openxmlformats.org/officeDocument/2006/relationships" xmlns:p="http://schemas.openxmlformats.org/presentationml/2006/main">
-  <p:cSld>
-    <p:spTree>
-      <p:nvGrpSpPr>
-        <p:cNvPr id="1" name=""/>
-        <p:cNvGrpSpPr/>
-        <p:nvPr/>
-      </p:nvGrpSpPr>
-      <p:grpSpPr>
-        <a:xfrm>
-          <a:off x="0" y="0"/>
-          <a:ext cx="0" cy="0"/>
-          <a:chOff x="0" y="0"/>
-          <a:chExt cx="0" cy="0"/>
-        </a:xfrm>
-      </p:grpSpPr>
-      <p:sp>
-        <p:nvSpPr>
-          <p:cNvPr id="2" name="Title 1"/>
-          <p:cNvSpPr>
-            <a:spLocks noGrp="1"/>
-          </p:cNvSpPr>
-          <p:nvPr>
-            <p:ph type="title"/>
-          </p:nvPr>
-        </p:nvSpPr>
-        <p:spPr/>
-        <p:txBody>
-          <a:bodyPr>
-            <a:normAutofit fontScale="90000"/>
-          </a:bodyPr>
-          <a:lstStyle/>
-          <a:p>
-            <a:r>
-              <a:rPr lang="en-US" dirty="0" smtClean="0">
-                <a:latin typeface="Arial Black"/>
-                <a:cs typeface="Arial Black"/>
-              </a:rPr>
-              <a:t>Linux IO User-Kernel Space</a:t>
-            </a:r>
-            <a:endParaRPr lang="en-US" dirty="0">
-              <a:latin typeface="Arial Black"/>
-              <a:cs typeface="Arial Black"/>
-            </a:endParaRPr>
-          </a:p>
-        </p:txBody>
-      </p:sp>
-      <p:sp>
-        <p:nvSpPr>
-          <p:cNvPr id="3" name="Content Placeholder 2"/>
-          <p:cNvSpPr>
-            <a:spLocks noGrp="1"/>
-          </p:cNvSpPr>
-          <p:nvPr>
-            <p:ph idx="1"/>
-          </p:nvPr>
-        </p:nvSpPr>
-        <p:spPr/>
-        <p:txBody>
-          <a:bodyPr>
-            <a:normAutofit fontScale="92500" lnSpcReduction="20000"/>
-          </a:bodyPr>
-          <a:lstStyle/>
-          <a:p>
-            <a:endParaRPr lang="en-US" dirty="0"/>
-          </a:p>
-          <a:p>
-            <a:r>
-              <a:rPr lang="en-US" dirty="0"/>
-              <a:t>RAM based </a:t>
-            </a:r>
-            <a:r>
-              <a:rPr lang="en-US" dirty="0" err="1"/>
-              <a:t>fs</a:t>
-            </a:r>
-            <a:r>
-              <a:rPr lang="en-US" dirty="0"/>
-              <a:t> like </a:t>
-            </a:r>
-            <a:r>
-              <a:rPr lang="en-US" dirty="0" err="1"/>
-              <a:t>procfs</a:t>
-            </a:r>
-            <a:r>
-              <a:rPr lang="en-US" dirty="0"/>
-              <a:t>, sequence files, </a:t>
-            </a:r>
-            <a:r>
-              <a:rPr lang="en-US" dirty="0" err="1"/>
-              <a:t>sysfs</a:t>
-            </a:r>
-            <a:endParaRPr lang="en-US" dirty="0"/>
-          </a:p>
-          <a:p>
-            <a:pPr lvl="1"/>
-            <a:r>
-              <a:rPr lang="en-US" dirty="0" err="1" smtClean="0"/>
-              <a:t>Procfs</a:t>
-            </a:r>
-            <a:r>
-              <a:rPr lang="en-US" dirty="0" smtClean="0"/>
-              <a:t> </a:t>
-            </a:r>
-          </a:p>
-          <a:p>
-            <a:pPr marL="457200" lvl="1" indent="0">
-              <a:buNone/>
-            </a:pPr>
-            <a:r>
-              <a:rPr lang="en-US" dirty="0" smtClean="0"/>
-              <a:t>    info </a:t>
-            </a:r>
-            <a:r>
-              <a:rPr lang="en-US" dirty="0"/>
-              <a:t>about system components like</a:t>
-            </a:r>
-          </a:p>
-          <a:p>
-            <a:pPr lvl="2">
-              <a:buFont typeface="Wingdings" charset="2"/>
-              <a:buChar char="Ø"/>
-            </a:pPr>
-            <a:r>
-              <a:rPr lang="en-US" dirty="0"/>
-              <a:t>CPU</a:t>
-            </a:r>
-          </a:p>
-          <a:p>
-            <a:pPr lvl="2">
-              <a:buFont typeface="Wingdings" charset="2"/>
-              <a:buChar char="Ø"/>
-            </a:pPr>
-            <a:r>
-              <a:rPr lang="en-US" dirty="0"/>
-              <a:t>interrupts</a:t>
-            </a:r>
-          </a:p>
-          <a:p>
-            <a:pPr lvl="2">
-              <a:buFont typeface="Wingdings" charset="2"/>
-              <a:buChar char="Ø"/>
-            </a:pPr>
-            <a:r>
-              <a:rPr lang="en-US" dirty="0" err="1"/>
-              <a:t>meminfo</a:t>
-            </a:r>
-            <a:endParaRPr lang="en-US" dirty="0"/>
-          </a:p>
-          <a:p>
-            <a:pPr lvl="2">
-              <a:buFont typeface="Wingdings" charset="2"/>
-              <a:buChar char="Ø"/>
-            </a:pPr>
-            <a:r>
-              <a:rPr lang="en-US" dirty="0"/>
-              <a:t>networking resources</a:t>
-            </a:r>
-          </a:p>
-          <a:p>
-            <a:pPr lvl="1"/>
-            <a:r>
-              <a:rPr lang="en-US" dirty="0"/>
-              <a:t>sequence files</a:t>
-            </a:r>
-          </a:p>
-          <a:p>
-            <a:pPr lvl="2">
-              <a:buFont typeface="Wingdings" charset="2"/>
-              <a:buChar char="Ø"/>
-            </a:pPr>
-            <a:r>
-              <a:rPr lang="en-US" dirty="0" smtClean="0"/>
-              <a:t>Allow </a:t>
-            </a:r>
-            <a:r>
-              <a:rPr lang="en-US" dirty="0"/>
-              <a:t>data transfer of data which exceeds PAGE_SIZE</a:t>
-            </a:r>
-          </a:p>
-          <a:p>
-            <a:pPr lvl="1"/>
-            <a:r>
-              <a:rPr lang="en-US" dirty="0" err="1"/>
-              <a:t>sysfs</a:t>
-            </a:r>
-            <a:endParaRPr lang="en-US" dirty="0"/>
-          </a:p>
-          <a:p>
-            <a:pPr lvl="2">
-              <a:buFont typeface="Wingdings" charset="2"/>
-              <a:buChar char="Ø"/>
-            </a:pPr>
-            <a:r>
-              <a:rPr lang="en-US" dirty="0"/>
-              <a:t>info about devices, drivers, buses, interconnects</a:t>
-            </a:r>
-          </a:p>
-        </p:txBody>
-      </p:sp>
-    </p:spTree>
-    <p:extLst>
-      <p:ext uri="{BB962C8B-B14F-4D97-AF65-F5344CB8AC3E}">
-        <p14:creationId xmlns:p14="http://schemas.microsoft.com/office/powerpoint/2010/main" val="1877732783"/>
-      </p:ext>
-    </p:extLst>
-  </p:cSld>
-  <p:clrMapOvr>
-    <a:masterClrMapping/>
-  </p:clrMapOvr>
+  <p:timing>
+    <p:tnLst>
+      <p:par>
+        <p:cTn xmlns:p14="http://schemas.microsoft.com/office/powerpoint/2010/main" id="1" dur="indefinite" restart="never" nodeType="tmRoot"/>
+      </p:par>
+    </p:tnLst>
+  </p:timing>
 </p:sld>
 </file>
 
@@ -4624,14 +5165,22 @@
         </p:nvSpPr>
         <p:spPr/>
         <p:txBody>
-          <a:bodyPr/>
+          <a:bodyPr>
+            <a:normAutofit fontScale="90000"/>
+          </a:bodyPr>
           <a:lstStyle/>
           <a:p>
             <a:r>
-              <a:rPr lang="en-US" dirty="0" smtClean="0"/>
-              <a:t>Process Management</a:t>
-            </a:r>
-            <a:endParaRPr lang="en-US" dirty="0"/>
+              <a:rPr lang="en-US" dirty="0" smtClean="0">
+                <a:latin typeface="Arial Black"/>
+                <a:cs typeface="Arial Black"/>
+              </a:rPr>
+              <a:t>Linux IO User-Kernel Space</a:t>
+            </a:r>
+            <a:endParaRPr lang="en-US" dirty="0">
+              <a:latin typeface="Arial Black"/>
+              <a:cs typeface="Arial Black"/>
+            </a:endParaRPr>
           </a:p>
         </p:txBody>
       </p:sp>
@@ -4642,167 +5191,343 @@
             <a:spLocks noGrp="1"/>
           </p:cNvSpPr>
           <p:nvPr>
-            <p:ph idx="1"/>
+            <p:ph sz="quarter" idx="1"/>
           </p:nvPr>
         </p:nvSpPr>
         <p:spPr/>
         <p:txBody>
           <a:bodyPr>
-            <a:normAutofit fontScale="55000" lnSpcReduction="20000"/>
+            <a:normAutofit fontScale="92500" lnSpcReduction="20000"/>
           </a:bodyPr>
           <a:lstStyle/>
           <a:p>
-            <a:r>
-              <a:rPr lang="en-US" dirty="0" smtClean="0"/>
-              <a:t>DLL </a:t>
-            </a:r>
+            <a:endParaRPr lang="en-US" dirty="0"/>
+          </a:p>
+          <a:p>
+            <a:r>
+              <a:rPr lang="en-US" dirty="0"/>
+              <a:t>RAM based </a:t>
+            </a:r>
+            <a:r>
+              <a:rPr lang="en-US" dirty="0" err="1"/>
+              <a:t>fs</a:t>
+            </a:r>
+            <a:r>
+              <a:rPr lang="en-US" dirty="0"/>
+              <a:t> like </a:t>
+            </a:r>
+            <a:r>
+              <a:rPr lang="en-US" dirty="0" err="1"/>
+              <a:t>procfs</a:t>
+            </a:r>
+            <a:r>
+              <a:rPr lang="en-US" dirty="0"/>
+              <a:t>, sequence files, </a:t>
+            </a:r>
+            <a:r>
+              <a:rPr lang="en-US" dirty="0" err="1"/>
+              <a:t>sysfs</a:t>
+            </a:r>
+            <a:endParaRPr lang="en-US" dirty="0"/>
+          </a:p>
+          <a:p>
+            <a:pPr lvl="1"/>
             <a:r>
               <a:rPr lang="en-US" dirty="0" err="1" smtClean="0"/>
-              <a:t>Vs</a:t>
-            </a:r>
-            <a:r>
-              <a:rPr lang="en-US" dirty="0" smtClean="0"/>
-              <a:t> Shared libraries</a:t>
-            </a:r>
-          </a:p>
-          <a:p>
-            <a:pPr lvl="1"/>
-            <a:r>
-              <a:rPr lang="en-US" dirty="0" smtClean="0"/>
-              <a:t>linked to load at particular address in memory.</a:t>
-            </a:r>
-          </a:p>
-          <a:p>
-            <a:pPr lvl="1"/>
-            <a:r>
-              <a:rPr lang="en-US" dirty="0" smtClean="0"/>
-              <a:t>Shared libraries are compiled to use position independent code. </a:t>
-            </a:r>
-          </a:p>
-          <a:p>
-            <a:pPr lvl="1"/>
-            <a:r>
-              <a:rPr lang="en-US" dirty="0" smtClean="0"/>
-              <a:t>Faster startup speed. but slower runtime speed. </a:t>
-            </a:r>
-          </a:p>
-          <a:p>
-            <a:pPr lvl="1"/>
-            <a:r>
-              <a:rPr lang="en-US" dirty="0" smtClean="0"/>
-              <a:t>Lazy binding of functions in shared library.</a:t>
-            </a:r>
-          </a:p>
-          <a:p>
-            <a:r>
-              <a:rPr lang="en-US" dirty="0" smtClean="0"/>
-              <a:t>Efficient process creation </a:t>
-            </a:r>
-            <a:r>
-              <a:rPr lang="en-US" dirty="0" err="1" smtClean="0"/>
-              <a:t>Vs</a:t>
-            </a:r>
-            <a:r>
-              <a:rPr lang="en-US" dirty="0" smtClean="0"/>
-              <a:t> Efficient thread creation</a:t>
-            </a:r>
-          </a:p>
-          <a:p>
-            <a:pPr lvl="1"/>
-            <a:r>
-              <a:rPr lang="en-US" dirty="0" smtClean="0"/>
-              <a:t>fork() </a:t>
-            </a:r>
-            <a:r>
-              <a:rPr lang="en-US" dirty="0" err="1" smtClean="0"/>
-              <a:t>vs</a:t>
+              <a:t>Procfs</a:t>
             </a:r>
             <a:r>
               <a:rPr lang="en-US" dirty="0" smtClean="0"/>
               <a:t> </a:t>
             </a:r>
-            <a:r>
-              <a:rPr lang="en-US" dirty="0" err="1" smtClean="0"/>
+          </a:p>
+          <a:p>
+            <a:pPr marL="457200" lvl="1" indent="0">
+              <a:buNone/>
+            </a:pPr>
+            <a:r>
+              <a:rPr lang="en-US" dirty="0" smtClean="0"/>
+              <a:t>    info </a:t>
+            </a:r>
+            <a:r>
+              <a:rPr lang="en-US" dirty="0"/>
+              <a:t>about system components like</a:t>
+            </a:r>
+          </a:p>
+          <a:p>
+            <a:pPr lvl="2">
+              <a:buFont typeface="Wingdings" charset="2"/>
+              <a:buChar char="Ø"/>
+            </a:pPr>
+            <a:r>
+              <a:rPr lang="en-US" dirty="0"/>
+              <a:t>CPU</a:t>
+            </a:r>
+          </a:p>
+          <a:p>
+            <a:pPr lvl="2">
+              <a:buFont typeface="Wingdings" charset="2"/>
+              <a:buChar char="Ø"/>
+            </a:pPr>
+            <a:r>
+              <a:rPr lang="en-US" dirty="0"/>
+              <a:t>interrupts</a:t>
+            </a:r>
+          </a:p>
+          <a:p>
+            <a:pPr lvl="2">
+              <a:buFont typeface="Wingdings" charset="2"/>
+              <a:buChar char="Ø"/>
+            </a:pPr>
+            <a:r>
+              <a:rPr lang="en-US" dirty="0" err="1"/>
+              <a:t>meminfo</a:t>
+            </a:r>
+            <a:endParaRPr lang="en-US" dirty="0"/>
+          </a:p>
+          <a:p>
+            <a:pPr lvl="2">
+              <a:buFont typeface="Wingdings" charset="2"/>
+              <a:buChar char="Ø"/>
+            </a:pPr>
+            <a:r>
+              <a:rPr lang="en-US" dirty="0"/>
+              <a:t>networking resources</a:t>
+            </a:r>
+          </a:p>
+          <a:p>
+            <a:pPr lvl="1"/>
+            <a:r>
+              <a:rPr lang="en-US" dirty="0"/>
+              <a:t>sequence files</a:t>
+            </a:r>
+          </a:p>
+          <a:p>
+            <a:pPr lvl="2">
+              <a:buFont typeface="Wingdings" charset="2"/>
+              <a:buChar char="Ø"/>
+            </a:pPr>
+            <a:r>
+              <a:rPr lang="en-US" dirty="0" smtClean="0"/>
+              <a:t>Allow </a:t>
+            </a:r>
+            <a:r>
+              <a:rPr lang="en-US" dirty="0"/>
+              <a:t>data transfer of data which exceeds PAGE_SIZE</a:t>
+            </a:r>
+          </a:p>
+          <a:p>
+            <a:pPr lvl="1"/>
+            <a:r>
+              <a:rPr lang="en-US" dirty="0" err="1"/>
+              <a:t>sysfs</a:t>
+            </a:r>
+            <a:endParaRPr lang="en-US" dirty="0"/>
+          </a:p>
+          <a:p>
+            <a:pPr lvl="2">
+              <a:buFont typeface="Wingdings" charset="2"/>
+              <a:buChar char="Ø"/>
+            </a:pPr>
+            <a:r>
+              <a:rPr lang="en-US" dirty="0"/>
+              <a:t>info about devices, drivers, buses, interconnects</a:t>
+            </a:r>
+          </a:p>
+        </p:txBody>
+      </p:sp>
+    </p:spTree>
+    <p:extLst>
+      <p:ext uri="{BB962C8B-B14F-4D97-AF65-F5344CB8AC3E}">
+        <p14:creationId xmlns:p14="http://schemas.microsoft.com/office/powerpoint/2010/main" val="1877732783"/>
+      </p:ext>
+    </p:extLst>
+  </p:cSld>
+  <p:clrMapOvr>
+    <a:masterClrMapping/>
+  </p:clrMapOvr>
+  <p:timing>
+    <p:tnLst>
+      <p:par>
+        <p:cTn xmlns:p14="http://schemas.microsoft.com/office/powerpoint/2010/main" id="1" dur="indefinite" restart="never" nodeType="tmRoot"/>
+      </p:par>
+    </p:tnLst>
+  </p:timing>
+</p:sld>
+</file>
+
+<file path=ppt/slides/slide13.xml><?xml version="1.0" encoding="utf-8"?>
+<p:sld xmlns:a="http://schemas.openxmlformats.org/drawingml/2006/main" xmlns:r="http://schemas.openxmlformats.org/officeDocument/2006/relationships" xmlns:p="http://schemas.openxmlformats.org/presentationml/2006/main">
+  <p:cSld>
+    <p:spTree>
+      <p:nvGrpSpPr>
+        <p:cNvPr id="1" name=""/>
+        <p:cNvGrpSpPr/>
+        <p:nvPr/>
+      </p:nvGrpSpPr>
+      <p:grpSpPr>
+        <a:xfrm>
+          <a:off x="0" y="0"/>
+          <a:ext cx="0" cy="0"/>
+          <a:chOff x="0" y="0"/>
+          <a:chExt cx="0" cy="0"/>
+        </a:xfrm>
+      </p:grpSpPr>
+      <p:sp>
+        <p:nvSpPr>
+          <p:cNvPr id="2" name="Title 1"/>
+          <p:cNvSpPr>
+            <a:spLocks noGrp="1"/>
+          </p:cNvSpPr>
+          <p:nvPr>
+            <p:ph type="title"/>
+          </p:nvPr>
+        </p:nvSpPr>
+        <p:spPr/>
+        <p:txBody>
+          <a:bodyPr/>
+          <a:lstStyle/>
+          <a:p>
+            <a:r>
+              <a:rPr lang="en-US" sz="4000" dirty="0">
+                <a:latin typeface="Arial Black"/>
+                <a:cs typeface="Arial Black"/>
+              </a:rPr>
+              <a:t>Process</a:t>
+            </a:r>
+            <a:r>
+              <a:rPr lang="en-US" dirty="0" smtClean="0"/>
+              <a:t> </a:t>
+            </a:r>
+            <a:r>
+              <a:rPr lang="en-US" sz="4000" dirty="0">
+                <a:latin typeface="Arial Black"/>
+                <a:cs typeface="Arial Black"/>
+              </a:rPr>
+              <a:t>Management</a:t>
+            </a:r>
+            <a:endParaRPr lang="en-US" sz="4000" dirty="0">
+              <a:latin typeface="Arial Black"/>
+              <a:cs typeface="Arial Black"/>
+            </a:endParaRPr>
+          </a:p>
+        </p:txBody>
+      </p:sp>
+      <p:sp>
+        <p:nvSpPr>
+          <p:cNvPr id="3" name="Content Placeholder 2"/>
+          <p:cNvSpPr>
+            <a:spLocks noGrp="1"/>
+          </p:cNvSpPr>
+          <p:nvPr>
+            <p:ph sz="quarter" idx="1"/>
+          </p:nvPr>
+        </p:nvSpPr>
+        <p:spPr/>
+        <p:txBody>
+          <a:bodyPr>
+            <a:noAutofit/>
+          </a:bodyPr>
+          <a:lstStyle/>
+          <a:p>
+            <a:r>
+              <a:rPr lang="en-US" sz="2000" dirty="0" smtClean="0"/>
+              <a:t>DLL </a:t>
+            </a:r>
+            <a:r>
+              <a:rPr lang="en-US" sz="2000" dirty="0" err="1" smtClean="0"/>
+              <a:t>Vs</a:t>
+            </a:r>
+            <a:r>
+              <a:rPr lang="en-US" sz="2000" dirty="0" smtClean="0"/>
+              <a:t> Shared libraries</a:t>
+            </a:r>
+          </a:p>
+          <a:p>
+            <a:pPr lvl="1"/>
+            <a:r>
+              <a:rPr lang="en-US" sz="2000" dirty="0" smtClean="0"/>
+              <a:t>linked to load at particular address in memory.</a:t>
+            </a:r>
+          </a:p>
+          <a:p>
+            <a:pPr lvl="1"/>
+            <a:r>
+              <a:rPr lang="en-US" sz="2000" dirty="0" smtClean="0"/>
+              <a:t>Shared libraries are compiled to use position independent code. </a:t>
+            </a:r>
+          </a:p>
+          <a:p>
+            <a:pPr lvl="1"/>
+            <a:r>
+              <a:rPr lang="en-US" sz="2000" dirty="0" smtClean="0"/>
+              <a:t>Faster startup speed. but slower runtime speed. </a:t>
+            </a:r>
+          </a:p>
+          <a:p>
+            <a:pPr lvl="1"/>
+            <a:r>
+              <a:rPr lang="en-US" sz="2000" dirty="0" smtClean="0"/>
+              <a:t>Lazy binding of functions in shared library.</a:t>
+            </a:r>
+          </a:p>
+          <a:p>
+            <a:r>
+              <a:rPr lang="en-US" sz="2000" dirty="0" smtClean="0"/>
+              <a:t>Efficient process creation </a:t>
+            </a:r>
+            <a:r>
+              <a:rPr lang="en-US" sz="2000" dirty="0" err="1" smtClean="0"/>
+              <a:t>Vs</a:t>
+            </a:r>
+            <a:r>
+              <a:rPr lang="en-US" sz="2000" dirty="0" smtClean="0"/>
+              <a:t> Efficient thread creation</a:t>
+            </a:r>
+          </a:p>
+          <a:p>
+            <a:pPr lvl="1"/>
+            <a:r>
+              <a:rPr lang="en-US" sz="2000" dirty="0" smtClean="0"/>
+              <a:t>fork() </a:t>
+            </a:r>
+            <a:r>
+              <a:rPr lang="en-US" sz="2000" dirty="0" err="1" smtClean="0"/>
+              <a:t>vs</a:t>
+            </a:r>
+            <a:r>
+              <a:rPr lang="en-US" sz="2000" dirty="0" smtClean="0"/>
+              <a:t> </a:t>
+            </a:r>
+            <a:r>
+              <a:rPr lang="en-US" sz="2000" dirty="0" err="1" smtClean="0"/>
               <a:t>createProcess</a:t>
             </a:r>
             <a:r>
-              <a:rPr lang="en-US" dirty="0" smtClean="0"/>
+              <a:rPr lang="en-US" sz="2000" dirty="0" smtClean="0"/>
               <a:t>()</a:t>
             </a:r>
           </a:p>
           <a:p>
             <a:pPr lvl="1"/>
             <a:r>
-              <a:rPr lang="en-US" dirty="0" err="1" smtClean="0"/>
+              <a:rPr lang="en-US" sz="2000" dirty="0" err="1" smtClean="0"/>
               <a:t>multiprocess</a:t>
             </a:r>
             <a:r>
-              <a:rPr lang="en-US" dirty="0" smtClean="0"/>
+              <a:rPr lang="en-US" sz="2000" dirty="0" smtClean="0"/>
               <a:t> applications translate to multithreaded in windows. </a:t>
             </a:r>
           </a:p>
           <a:p>
             <a:pPr lvl="1"/>
             <a:r>
-              <a:rPr lang="en-US" dirty="0" smtClean="0"/>
+              <a:rPr lang="en-US" sz="2000" dirty="0" smtClean="0"/>
               <a:t>No inherent parent/child relationship.</a:t>
             </a:r>
           </a:p>
           <a:p>
-            <a:r>
-              <a:rPr lang="en-US" dirty="0" smtClean="0"/>
-              <a:t>OOM Killer! : Low memory situations.</a:t>
-            </a:r>
-          </a:p>
-          <a:p>
-            <a:pPr lvl="1"/>
-            <a:r>
-              <a:rPr lang="en-US" dirty="0" smtClean="0"/>
-              <a:t>Windows has no Out of Memory Killer. </a:t>
-            </a:r>
-          </a:p>
-          <a:p>
-            <a:r>
-              <a:rPr lang="en-US" dirty="0" smtClean="0"/>
-              <a:t>Daemon </a:t>
-            </a:r>
-            <a:r>
-              <a:rPr lang="en-US" dirty="0" err="1" smtClean="0"/>
-              <a:t>Vs</a:t>
-            </a:r>
-            <a:r>
-              <a:rPr lang="en-US" dirty="0" smtClean="0"/>
-              <a:t> Services </a:t>
-            </a:r>
-          </a:p>
-          <a:p>
-            <a:pPr lvl="1"/>
-            <a:r>
-              <a:rPr lang="en-US" dirty="0" smtClean="0"/>
-              <a:t>Unix : Daemons </a:t>
-            </a:r>
-          </a:p>
-          <a:p>
-            <a:pPr lvl="2"/>
-            <a:r>
-              <a:rPr lang="en-US" dirty="0" smtClean="0"/>
-              <a:t>A daemon is a process that detaches itself from the terminal and runs disconnected in the background, waiting for requests and responding to them. </a:t>
-            </a:r>
-          </a:p>
-          <a:p>
-            <a:pPr lvl="1"/>
-            <a:r>
-              <a:rPr lang="en-US" dirty="0" smtClean="0"/>
-              <a:t>Windows : Services : </a:t>
-            </a:r>
-          </a:p>
-          <a:p>
-            <a:pPr lvl="2"/>
-            <a:r>
-              <a:rPr lang="en-US" dirty="0" smtClean="0"/>
-              <a:t>A service is a special type of application that is available on Windows and runs in the background with special privileges.</a:t>
-            </a:r>
-            <a:endParaRPr lang="en-US" dirty="0"/>
+            <a:endParaRPr lang="en-US" sz="2000" dirty="0"/>
           </a:p>
         </p:txBody>
       </p:sp>
@@ -5139,259 +5864,6 @@
                       </p:childTnLst>
                     </p:cTn>
                   </p:par>
-                  <p:par>
-                    <p:cTn id="25" fill="hold">
-                      <p:stCondLst>
-                        <p:cond delay="indefinite"/>
-                      </p:stCondLst>
-                      <p:childTnLst>
-                        <p:par>
-                          <p:cTn id="26" fill="hold">
-                            <p:stCondLst>
-                              <p:cond delay="0"/>
-                            </p:stCondLst>
-                            <p:childTnLst>
-                              <p:par>
-                                <p:cTn id="27" presetID="1" presetClass="entr" presetSubtype="0" fill="hold" grpId="0" nodeType="clickEffect">
-                                  <p:stCondLst>
-                                    <p:cond delay="0"/>
-                                  </p:stCondLst>
-                                  <p:childTnLst>
-                                    <p:set>
-                                      <p:cBhvr>
-                                        <p:cTn id="28" dur="1" fill="hold">
-                                          <p:stCondLst>
-                                            <p:cond delay="0"/>
-                                          </p:stCondLst>
-                                        </p:cTn>
-                                        <p:tgtEl>
-                                          <p:spTgt spid="3">
-                                            <p:txEl>
-                                              <p:pRg st="9" end="9"/>
-                                            </p:txEl>
-                                          </p:spTgt>
-                                        </p:tgtEl>
-                                        <p:attrNameLst>
-                                          <p:attrName>style.visibility</p:attrName>
-                                        </p:attrNameLst>
-                                      </p:cBhvr>
-                                      <p:to>
-                                        <p:strVal val="visible"/>
-                                      </p:to>
-                                    </p:set>
-                                  </p:childTnLst>
-                                </p:cTn>
-                              </p:par>
-                              <p:par>
-                                <p:cTn id="29" presetID="1" presetClass="entr" presetSubtype="0" fill="hold" grpId="0" nodeType="withEffect">
-                                  <p:stCondLst>
-                                    <p:cond delay="0"/>
-                                  </p:stCondLst>
-                                  <p:childTnLst>
-                                    <p:set>
-                                      <p:cBhvr>
-                                        <p:cTn id="30" dur="1" fill="hold">
-                                          <p:stCondLst>
-                                            <p:cond delay="0"/>
-                                          </p:stCondLst>
-                                        </p:cTn>
-                                        <p:tgtEl>
-                                          <p:spTgt spid="3">
-                                            <p:txEl>
-                                              <p:pRg st="10" end="10"/>
-                                            </p:txEl>
-                                          </p:spTgt>
-                                        </p:tgtEl>
-                                        <p:attrNameLst>
-                                          <p:attrName>style.visibility</p:attrName>
-                                        </p:attrNameLst>
-                                      </p:cBhvr>
-                                      <p:to>
-                                        <p:strVal val="visible"/>
-                                      </p:to>
-                                    </p:set>
-                                  </p:childTnLst>
-                                </p:cTn>
-                              </p:par>
-                            </p:childTnLst>
-                          </p:cTn>
-                        </p:par>
-                      </p:childTnLst>
-                    </p:cTn>
-                  </p:par>
-                  <p:par>
-                    <p:cTn id="31" fill="hold">
-                      <p:stCondLst>
-                        <p:cond delay="indefinite"/>
-                      </p:stCondLst>
-                      <p:childTnLst>
-                        <p:par>
-                          <p:cTn id="32" fill="hold">
-                            <p:stCondLst>
-                              <p:cond delay="0"/>
-                            </p:stCondLst>
-                            <p:childTnLst>
-                              <p:par>
-                                <p:cTn id="33" presetID="1" presetClass="entr" presetSubtype="0" fill="hold" grpId="0" nodeType="clickEffect">
-                                  <p:stCondLst>
-                                    <p:cond delay="0"/>
-                                  </p:stCondLst>
-                                  <p:childTnLst>
-                                    <p:set>
-                                      <p:cBhvr>
-                                        <p:cTn id="34" dur="1" fill="hold">
-                                          <p:stCondLst>
-                                            <p:cond delay="0"/>
-                                          </p:stCondLst>
-                                        </p:cTn>
-                                        <p:tgtEl>
-                                          <p:spTgt spid="3">
-                                            <p:txEl>
-                                              <p:pRg st="11" end="11"/>
-                                            </p:txEl>
-                                          </p:spTgt>
-                                        </p:tgtEl>
-                                        <p:attrNameLst>
-                                          <p:attrName>style.visibility</p:attrName>
-                                        </p:attrNameLst>
-                                      </p:cBhvr>
-                                      <p:to>
-                                        <p:strVal val="visible"/>
-                                      </p:to>
-                                    </p:set>
-                                  </p:childTnLst>
-                                </p:cTn>
-                              </p:par>
-                              <p:par>
-                                <p:cTn id="35" presetID="1" presetClass="entr" presetSubtype="0" fill="hold" grpId="0" nodeType="withEffect">
-                                  <p:stCondLst>
-                                    <p:cond delay="0"/>
-                                  </p:stCondLst>
-                                  <p:childTnLst>
-                                    <p:set>
-                                      <p:cBhvr>
-                                        <p:cTn id="36" dur="1" fill="hold">
-                                          <p:stCondLst>
-                                            <p:cond delay="0"/>
-                                          </p:stCondLst>
-                                        </p:cTn>
-                                        <p:tgtEl>
-                                          <p:spTgt spid="3">
-                                            <p:txEl>
-                                              <p:pRg st="12" end="12"/>
-                                            </p:txEl>
-                                          </p:spTgt>
-                                        </p:tgtEl>
-                                        <p:attrNameLst>
-                                          <p:attrName>style.visibility</p:attrName>
-                                        </p:attrNameLst>
-                                      </p:cBhvr>
-                                      <p:to>
-                                        <p:strVal val="visible"/>
-                                      </p:to>
-                                    </p:set>
-                                  </p:childTnLst>
-                                </p:cTn>
-                              </p:par>
-                              <p:par>
-                                <p:cTn id="37" presetID="1" presetClass="entr" presetSubtype="0" fill="hold" grpId="0" nodeType="withEffect">
-                                  <p:stCondLst>
-                                    <p:cond delay="0"/>
-                                  </p:stCondLst>
-                                  <p:childTnLst>
-                                    <p:set>
-                                      <p:cBhvr>
-                                        <p:cTn id="38" dur="1" fill="hold">
-                                          <p:stCondLst>
-                                            <p:cond delay="0"/>
-                                          </p:stCondLst>
-                                        </p:cTn>
-                                        <p:tgtEl>
-                                          <p:spTgt spid="3">
-                                            <p:txEl>
-                                              <p:pRg st="13" end="13"/>
-                                            </p:txEl>
-                                          </p:spTgt>
-                                        </p:tgtEl>
-                                        <p:attrNameLst>
-                                          <p:attrName>style.visibility</p:attrName>
-                                        </p:attrNameLst>
-                                      </p:cBhvr>
-                                      <p:to>
-                                        <p:strVal val="visible"/>
-                                      </p:to>
-                                    </p:set>
-                                  </p:childTnLst>
-                                </p:cTn>
-                              </p:par>
-                              <p:par>
-                                <p:cTn id="39" presetID="1" presetClass="entr" presetSubtype="0" fill="hold" grpId="0" nodeType="withEffect">
-                                  <p:stCondLst>
-                                    <p:cond delay="0"/>
-                                  </p:stCondLst>
-                                  <p:childTnLst>
-                                    <p:set>
-                                      <p:cBhvr>
-                                        <p:cTn id="40" dur="1" fill="hold">
-                                          <p:stCondLst>
-                                            <p:cond delay="0"/>
-                                          </p:stCondLst>
-                                        </p:cTn>
-                                        <p:tgtEl>
-                                          <p:spTgt spid="3">
-                                            <p:txEl>
-                                              <p:pRg st="14" end="14"/>
-                                            </p:txEl>
-                                          </p:spTgt>
-                                        </p:tgtEl>
-                                        <p:attrNameLst>
-                                          <p:attrName>style.visibility</p:attrName>
-                                        </p:attrNameLst>
-                                      </p:cBhvr>
-                                      <p:to>
-                                        <p:strVal val="visible"/>
-                                      </p:to>
-                                    </p:set>
-                                  </p:childTnLst>
-                                </p:cTn>
-                              </p:par>
-                              <p:par>
-                                <p:cTn id="41" presetID="1" presetClass="entr" presetSubtype="0" fill="hold" grpId="0" nodeType="withEffect">
-                                  <p:stCondLst>
-                                    <p:cond delay="0"/>
-                                  </p:stCondLst>
-                                  <p:childTnLst>
-                                    <p:set>
-                                      <p:cBhvr>
-                                        <p:cTn id="42" dur="1" fill="hold">
-                                          <p:stCondLst>
-                                            <p:cond delay="0"/>
-                                          </p:stCondLst>
-                                        </p:cTn>
-                                        <p:tgtEl>
-                                          <p:spTgt spid="3">
-                                            <p:txEl>
-                                              <p:pRg st="15" end="15"/>
-                                            </p:txEl>
-                                          </p:spTgt>
-                                        </p:tgtEl>
-                                        <p:attrNameLst>
-                                          <p:attrName>style.visibility</p:attrName>
-                                        </p:attrNameLst>
-                                      </p:cBhvr>
-                                      <p:to>
-                                        <p:strVal val="visible"/>
-                                      </p:to>
-                                    </p:set>
-                                  </p:childTnLst>
-                                </p:cTn>
-                              </p:par>
-                            </p:childTnLst>
-                          </p:cTn>
-                        </p:par>
-                      </p:childTnLst>
-                    </p:cTn>
-                  </p:par>
                 </p:childTnLst>
               </p:cTn>
               <p:prevCondLst>
@@ -5420,7 +5892,7 @@
 </p:sld>
 </file>
 
-<file path=ppt/slides/slide13.xml><?xml version="1.0" encoding="utf-8"?>
+<file path=ppt/slides/slide14.xml><?xml version="1.0" encoding="utf-8"?>
 <p:sld xmlns:a="http://schemas.openxmlformats.org/drawingml/2006/main" xmlns:r="http://schemas.openxmlformats.org/officeDocument/2006/relationships" xmlns:p="http://schemas.openxmlformats.org/presentationml/2006/main">
   <p:cSld>
     <p:spTree>
@@ -5439,7 +5911,79 @@
       </p:grpSpPr>
       <p:sp>
         <p:nvSpPr>
-          <p:cNvPr id="2" name="Title 1"/>
+          <p:cNvPr id="3" name="Content Placeholder 2"/>
+          <p:cNvSpPr>
+            <a:spLocks noGrp="1"/>
+          </p:cNvSpPr>
+          <p:nvPr>
+            <p:ph sz="quarter" idx="1"/>
+          </p:nvPr>
+        </p:nvSpPr>
+        <p:spPr/>
+        <p:txBody>
+          <a:bodyPr/>
+          <a:lstStyle/>
+          <a:p>
+            <a:r>
+              <a:rPr lang="en-US" sz="2000" dirty="0"/>
+              <a:t>OOM Killer! : Low memory situations.</a:t>
+            </a:r>
+          </a:p>
+          <a:p>
+            <a:pPr lvl="1"/>
+            <a:r>
+              <a:rPr lang="en-US" sz="2000" dirty="0"/>
+              <a:t>Windows has no Out of Memory Killer. </a:t>
+            </a:r>
+          </a:p>
+          <a:p>
+            <a:r>
+              <a:rPr lang="en-US" sz="2000" dirty="0"/>
+              <a:t>Daemon </a:t>
+            </a:r>
+            <a:r>
+              <a:rPr lang="en-US" sz="2000" dirty="0" err="1"/>
+              <a:t>Vs</a:t>
+            </a:r>
+            <a:r>
+              <a:rPr lang="en-US" sz="2000" dirty="0"/>
+              <a:t> Services </a:t>
+            </a:r>
+          </a:p>
+          <a:p>
+            <a:pPr lvl="1"/>
+            <a:r>
+              <a:rPr lang="en-US" sz="2000" dirty="0"/>
+              <a:t>Unix : Daemons </a:t>
+            </a:r>
+          </a:p>
+          <a:p>
+            <a:pPr lvl="2"/>
+            <a:r>
+              <a:rPr lang="en-US" sz="2000" dirty="0"/>
+              <a:t>A daemon is a process that detaches itself from the terminal and runs disconnected in the background, waiting for requests and responding to them. </a:t>
+            </a:r>
+          </a:p>
+          <a:p>
+            <a:pPr lvl="1"/>
+            <a:r>
+              <a:rPr lang="en-US" sz="2000" dirty="0"/>
+              <a:t>Windows : Services : </a:t>
+            </a:r>
+          </a:p>
+          <a:p>
+            <a:pPr lvl="2"/>
+            <a:r>
+              <a:rPr lang="en-US" sz="2000" dirty="0"/>
+              <a:t>A service is a special type of application that is available on Windows and runs in the background with special privileges.</a:t>
+            </a:r>
+            <a:endParaRPr lang="en-US" dirty="0"/>
+          </a:p>
+        </p:txBody>
+      </p:sp>
+      <p:sp>
+        <p:nvSpPr>
+          <p:cNvPr id="7" name="Title 1"/>
           <p:cNvSpPr>
             <a:spLocks noGrp="1"/>
           </p:cNvSpPr>
@@ -5447,27 +5991,83 @@
             <p:ph type="title"/>
           </p:nvPr>
         </p:nvSpPr>
-        <p:spPr/>
-        <p:txBody>
-          <a:bodyPr/>
+        <p:spPr>
+          <a:xfrm>
+            <a:off x="242782" y="228599"/>
+            <a:ext cx="8901218" cy="1134597"/>
+          </a:xfrm>
+        </p:spPr>
+        <p:txBody>
+          <a:bodyPr>
+            <a:normAutofit/>
+          </a:bodyPr>
           <a:lstStyle/>
           <a:p>
             <a:r>
-              <a:rPr lang="en-US" dirty="0" smtClean="0"/>
+              <a:rPr lang="en-US" dirty="0" smtClean="0">
+                <a:latin typeface="Arial Black"/>
+                <a:cs typeface="Arial Black"/>
+              </a:rPr>
               <a:t>Process Management (</a:t>
             </a:r>
             <a:r>
-              <a:rPr lang="en-US" dirty="0" err="1" smtClean="0"/>
+              <a:rPr lang="en-US" dirty="0" err="1" smtClean="0">
+                <a:latin typeface="Arial Black"/>
+                <a:cs typeface="Arial Black"/>
+              </a:rPr>
               <a:t>Cont</a:t>
             </a:r>
             <a:r>
-              <a:rPr lang="en-US" dirty="0" smtClean="0"/>
+              <a:rPr lang="en-US" dirty="0" smtClean="0">
+                <a:latin typeface="Arial Black"/>
+                <a:cs typeface="Arial Black"/>
+              </a:rPr>
               <a:t>)</a:t>
             </a:r>
-            <a:endParaRPr lang="en-US" dirty="0"/>
-          </a:p>
-        </p:txBody>
-      </p:sp>
+            <a:endParaRPr lang="en-US" dirty="0">
+              <a:latin typeface="Arial Black"/>
+              <a:cs typeface="Arial Black"/>
+            </a:endParaRPr>
+          </a:p>
+        </p:txBody>
+      </p:sp>
+    </p:spTree>
+    <p:extLst>
+      <p:ext uri="{BB962C8B-B14F-4D97-AF65-F5344CB8AC3E}">
+        <p14:creationId xmlns:p14="http://schemas.microsoft.com/office/powerpoint/2010/main" val="417604508"/>
+      </p:ext>
+    </p:extLst>
+  </p:cSld>
+  <p:clrMapOvr>
+    <a:masterClrMapping/>
+  </p:clrMapOvr>
+  <p:timing>
+    <p:tnLst>
+      <p:par>
+        <p:cTn xmlns:p14="http://schemas.microsoft.com/office/powerpoint/2010/main" id="1" dur="indefinite" restart="never" nodeType="tmRoot"/>
+      </p:par>
+    </p:tnLst>
+  </p:timing>
+</p:sld>
+</file>
+
+<file path=ppt/slides/slide15.xml><?xml version="1.0" encoding="utf-8"?>
+<p:sld xmlns:a="http://schemas.openxmlformats.org/drawingml/2006/main" xmlns:r="http://schemas.openxmlformats.org/officeDocument/2006/relationships" xmlns:p="http://schemas.openxmlformats.org/presentationml/2006/main">
+  <p:cSld>
+    <p:spTree>
+      <p:nvGrpSpPr>
+        <p:cNvPr id="1" name=""/>
+        <p:cNvGrpSpPr/>
+        <p:nvPr/>
+      </p:nvGrpSpPr>
+      <p:grpSpPr>
+        <a:xfrm>
+          <a:off x="0" y="0"/>
+          <a:ext cx="0" cy="0"/>
+          <a:chOff x="0" y="0"/>
+          <a:chExt cx="0" cy="0"/>
+        </a:xfrm>
+      </p:grpSpPr>
       <p:sp>
         <p:nvSpPr>
           <p:cNvPr id="3" name="Content Placeholder 2"/>
@@ -5475,18 +6075,23 @@
             <a:spLocks noGrp="1"/>
           </p:cNvSpPr>
           <p:nvPr>
-            <p:ph idx="1"/>
+            <p:ph sz="quarter" idx="1"/>
           </p:nvPr>
         </p:nvSpPr>
-        <p:spPr/>
+        <p:spPr>
+          <a:xfrm>
+            <a:off x="612648" y="1600199"/>
+            <a:ext cx="8153400" cy="4973023"/>
+          </a:xfrm>
+        </p:spPr>
         <p:txBody>
           <a:bodyPr>
-            <a:normAutofit fontScale="77500" lnSpcReduction="20000"/>
+            <a:normAutofit fontScale="85000" lnSpcReduction="20000"/>
           </a:bodyPr>
           <a:lstStyle/>
           <a:p>
             <a:r>
-              <a:rPr lang="en-US" sz="2500" dirty="0"/>
+              <a:rPr lang="en-US" sz="2500" b="1" dirty="0"/>
               <a:t>Windows</a:t>
             </a:r>
           </a:p>
@@ -5534,7 +6139,7 @@
           </a:p>
           <a:p>
             <a:r>
-              <a:rPr lang="en-US" sz="2500" dirty="0" smtClean="0"/>
+              <a:rPr lang="en-US" sz="2500" b="1" dirty="0" smtClean="0"/>
               <a:t>Linux</a:t>
             </a:r>
           </a:p>
@@ -5587,6 +6192,58 @@
               <a:t>Priorities of interactive threads go down (boost)</a:t>
             </a:r>
             <a:endParaRPr lang="en-US" dirty="0"/>
+          </a:p>
+        </p:txBody>
+      </p:sp>
+      <p:sp>
+        <p:nvSpPr>
+          <p:cNvPr id="5" name="Title 1"/>
+          <p:cNvSpPr txBox="1">
+            <a:spLocks/>
+          </p:cNvSpPr>
+          <p:nvPr/>
+        </p:nvSpPr>
+        <p:spPr>
+          <a:xfrm>
+            <a:off x="242782" y="228599"/>
+            <a:ext cx="8901218" cy="1134597"/>
+          </a:xfrm>
+          <a:prstGeom prst="rect">
+            <a:avLst/>
+          </a:prstGeom>
+        </p:spPr>
+        <p:txBody>
+          <a:bodyPr vert="horz" anchor="ctr">
+            <a:normAutofit/>
+          </a:bodyPr>
+          <a:lstStyle>
+            <a:lvl1pPr algn="l" rtl="0" eaLnBrk="1" latinLnBrk="0" hangingPunct="1">
+              <a:spcBef>
+                <a:spcPct val="0"/>
+              </a:spcBef>
+              <a:buNone/>
+              <a:defRPr kumimoji="0" sz="4400" b="1" kern="1200">
+                <a:solidFill>
+                  <a:schemeClr val="tx2"/>
+                </a:solidFill>
+                <a:latin typeface="+mj-lt"/>
+                <a:ea typeface="+mj-ea"/>
+                <a:cs typeface="+mj-cs"/>
+              </a:defRPr>
+            </a:lvl1pPr>
+          </a:lstStyle>
+          <a:p>
+            <a:r>
+              <a:rPr lang="en-US" smtClean="0">
+                <a:latin typeface="Arial Black"/>
+                <a:cs typeface="Arial Black"/>
+              </a:rPr>
+              <a:t>Process Management (Cont)</a:t>
+            </a:r>
+            <a:endParaRPr lang="en-US" dirty="0">
+              <a:latin typeface="Arial Black"/>
+              <a:cs typeface="Arial Black"/>
+            </a:endParaRPr>
           </a:p>
         </p:txBody>
       </p:sp>
@@ -5610,7 +6267,7 @@
 </p:sld>
 </file>
 
-<file path=ppt/slides/slide14.xml><?xml version="1.0" encoding="utf-8"?>
+<file path=ppt/slides/slide16.xml><?xml version="1.0" encoding="utf-8"?>
 <p:sld xmlns:a="http://schemas.openxmlformats.org/drawingml/2006/main" xmlns:r="http://schemas.openxmlformats.org/officeDocument/2006/relationships" xmlns:p="http://schemas.openxmlformats.org/presentationml/2006/main">
   <p:cSld>
     <p:spTree>
@@ -5637,7 +6294,7 @@
         </p:nvGrpSpPr>
         <p:grpSpPr bwMode="auto">
           <a:xfrm>
-            <a:off x="381000" y="1331913"/>
+            <a:off x="381000" y="1698625"/>
             <a:ext cx="2454275" cy="5221287"/>
             <a:chOff x="240" y="839"/>
             <a:chExt cx="1546" cy="3289"/>
@@ -6469,7 +7126,7 @@
         </p:nvGrpSpPr>
         <p:grpSpPr bwMode="auto">
           <a:xfrm>
-            <a:off x="3962400" y="1331913"/>
+            <a:off x="3962400" y="1698625"/>
             <a:ext cx="4019550" cy="5221287"/>
             <a:chOff x="2496" y="839"/>
             <a:chExt cx="2532" cy="3289"/>
@@ -7591,27 +8248,41 @@
         </p:nvSpPr>
         <p:spPr>
           <a:xfrm>
-            <a:off x="457200" y="274638"/>
-            <a:ext cx="8229600" cy="1143000"/>
+            <a:off x="242782" y="228599"/>
+            <a:ext cx="8901218" cy="1134597"/>
           </a:xfrm>
         </p:spPr>
         <p:txBody>
-          <a:bodyPr/>
+          <a:bodyPr>
+            <a:normAutofit/>
+          </a:bodyPr>
           <a:lstStyle/>
           <a:p>
             <a:r>
-              <a:rPr lang="en-US" dirty="0" smtClean="0"/>
+              <a:rPr lang="en-US" dirty="0" smtClean="0">
+                <a:latin typeface="Arial Black"/>
+                <a:cs typeface="Arial Black"/>
+              </a:rPr>
               <a:t>Process Management (</a:t>
             </a:r>
             <a:r>
-              <a:rPr lang="en-US" dirty="0" err="1" smtClean="0"/>
+              <a:rPr lang="en-US" dirty="0" err="1" smtClean="0">
+                <a:latin typeface="Arial Black"/>
+                <a:cs typeface="Arial Black"/>
+              </a:rPr>
               <a:t>Cont</a:t>
             </a:r>
             <a:r>
-              <a:rPr lang="en-US" dirty="0" smtClean="0"/>
+              <a:rPr lang="en-US" dirty="0" smtClean="0">
+                <a:latin typeface="Arial Black"/>
+                <a:cs typeface="Arial Black"/>
+              </a:rPr>
               <a:t>)</a:t>
             </a:r>
-            <a:endParaRPr lang="en-US" dirty="0"/>
+            <a:endParaRPr lang="en-US" dirty="0">
+              <a:latin typeface="Arial Black"/>
+              <a:cs typeface="Arial Black"/>
+            </a:endParaRPr>
           </a:p>
         </p:txBody>
       </p:sp>
@@ -7749,7 +8420,7 @@
 </p:sld>
 </file>
 
-<file path=ppt/slides/slide15.xml><?xml version="1.0" encoding="utf-8"?>
+<file path=ppt/slides/slide17.xml><?xml version="1.0" encoding="utf-8"?>
 <p:sld xmlns:a="http://schemas.openxmlformats.org/drawingml/2006/main" xmlns:r="http://schemas.openxmlformats.org/officeDocument/2006/relationships" xmlns:p="http://schemas.openxmlformats.org/presentationml/2006/main">
   <p:cSld>
     <p:spTree>
@@ -7768,47 +8439,52 @@
       </p:grpSpPr>
       <p:sp>
         <p:nvSpPr>
+          <p:cNvPr id="473090" name="Rectangle 1026"/>
+          <p:cNvSpPr>
+            <a:spLocks noGrp="1" noChangeArrowheads="1"/>
+          </p:cNvSpPr>
+          <p:nvPr>
+            <p:ph type="title"/>
+          </p:nvPr>
+        </p:nvSpPr>
+        <p:spPr/>
+        <p:txBody>
+          <a:bodyPr/>
+          <a:lstStyle/>
+          <a:p>
+            <a:r>
+              <a:rPr lang="en-US" dirty="0">
+                <a:latin typeface="Arial Black"/>
+                <a:cs typeface="Arial Black"/>
+              </a:rPr>
+              <a:t>Linux Scheduling Details</a:t>
+            </a:r>
+          </a:p>
+        </p:txBody>
+      </p:sp>
+      <p:sp>
+        <p:nvSpPr>
           <p:cNvPr id="4" name="Slide Number Placeholder 4"/>
           <p:cNvSpPr>
             <a:spLocks noGrp="1"/>
           </p:cNvSpPr>
           <p:nvPr>
-            <p:ph type="sldNum" sz="quarter" idx="11"/>
+            <p:ph type="sldNum" sz="quarter" idx="12"/>
           </p:nvPr>
         </p:nvSpPr>
         <p:spPr/>
         <p:txBody>
-          <a:bodyPr/>
+          <a:bodyPr>
+            <a:normAutofit fontScale="85000" lnSpcReduction="20000"/>
+          </a:bodyPr>
           <a:lstStyle/>
           <a:p>
             <a:fld id="{AC5725B7-D7BB-A947-B5D1-2F64D543B1B7}" type="slidenum">
               <a:rPr lang="en-GB"/>
               <a:pPr/>
-              <a:t>15</a:t>
+              <a:t>17</a:t>
             </a:fld>
             <a:endParaRPr lang="en-GB"/>
-          </a:p>
-        </p:txBody>
-      </p:sp>
-      <p:sp>
-        <p:nvSpPr>
-          <p:cNvPr id="473090" name="Rectangle 1026"/>
-          <p:cNvSpPr>
-            <a:spLocks noGrp="1" noChangeArrowheads="1"/>
-          </p:cNvSpPr>
-          <p:nvPr>
-            <p:ph type="title"/>
-          </p:nvPr>
-        </p:nvSpPr>
-        <p:spPr/>
-        <p:txBody>
-          <a:bodyPr/>
-          <a:lstStyle/>
-          <a:p>
-            <a:r>
-              <a:rPr lang="en-US"/>
-              <a:t>Linux Scheduling Details</a:t>
-            </a:r>
           </a:p>
         </p:txBody>
       </p:sp>
@@ -7819,12 +8495,12 @@
             <a:spLocks noGrp="1" noChangeArrowheads="1"/>
           </p:cNvSpPr>
           <p:nvPr>
-            <p:ph type="body" idx="1"/>
+            <p:ph sz="quarter" idx="1"/>
           </p:nvPr>
         </p:nvSpPr>
         <p:spPr>
           <a:xfrm>
-            <a:off x="457200" y="1371600"/>
+            <a:off x="457200" y="1563733"/>
             <a:ext cx="4012854" cy="5008563"/>
           </a:xfrm>
         </p:spPr>
@@ -7840,16 +8516,16 @@
               </a:lnSpc>
             </a:pPr>
             <a:r>
-              <a:rPr lang="en-US" sz="2400" dirty="0"/>
-              <a:t>D</a:t>
-            </a:r>
-            <a:r>
-              <a:rPr lang="en-US" sz="2400" dirty="0" smtClean="0"/>
-              <a:t>ynamic </a:t>
-            </a:r>
-            <a:r>
-              <a:rPr lang="en-US" sz="2400" dirty="0"/>
-              <a:t>priority policy </a:t>
+              <a:rPr lang="en-US" sz="2400" b="1" dirty="0" smtClean="0"/>
+              <a:t>Dynamic </a:t>
+            </a:r>
+            <a:r>
+              <a:rPr lang="en-US" sz="2700" b="1" dirty="0" smtClean="0"/>
+              <a:t>priority</a:t>
+            </a:r>
+            <a:r>
+              <a:rPr lang="en-US" sz="2400" b="1" dirty="0" smtClean="0"/>
+              <a:t> policy </a:t>
             </a:r>
           </a:p>
           <a:p>
@@ -7931,7 +8607,7 @@
         </p:nvSpPr>
         <p:spPr>
           <a:xfrm>
-            <a:off x="4885620" y="1371600"/>
+            <a:off x="4964868" y="1562449"/>
             <a:ext cx="3801180" cy="4856163"/>
           </a:xfrm>
           <a:prstGeom prst="rect">
@@ -7940,7 +8616,7 @@
         </p:spPr>
         <p:txBody>
           <a:bodyPr vert="horz" lIns="91440" tIns="45720" rIns="91440" bIns="45720" rtlCol="0">
-            <a:normAutofit fontScale="92500" lnSpcReduction="10000"/>
+            <a:normAutofit fontScale="85000" lnSpcReduction="20000"/>
           </a:bodyPr>
           <a:lstStyle>
             <a:lvl1pPr marL="342900" indent="-342900" algn="l" defTabSz="457200" rtl="0" eaLnBrk="1" latinLnBrk="0" hangingPunct="1">
@@ -8087,39 +8763,68 @@
             </a:pPr>
             <a:r>
               <a:rPr lang="en-US" sz="2400" dirty="0" smtClean="0"/>
-              <a:t>Most threads run in variable priority levels</a:t>
-            </a:r>
-          </a:p>
-          <a:p>
-            <a:pPr lvl="1">
+              <a:t>Most threads </a:t>
+            </a:r>
+            <a:r>
+              <a:rPr lang="en-US" sz="2900" dirty="0"/>
+              <a:t>run</a:t>
+            </a:r>
+            <a:r>
+              <a:rPr lang="en-US" sz="2400" dirty="0" smtClean="0"/>
+              <a:t> in variable priority levels</a:t>
+            </a:r>
+          </a:p>
+          <a:p>
+            <a:pPr marL="640080" lvl="1" indent="-274320">
               <a:lnSpc>
-                <a:spcPct val="90000"/>
+                <a:spcPct val="110000"/>
               </a:lnSpc>
+              <a:spcBef>
+                <a:spcPts val="550"/>
+              </a:spcBef>
+              <a:buClr>
+                <a:schemeClr val="accent1"/>
+              </a:buClr>
+              <a:buSzPct val="70000"/>
+              <a:buFont typeface="Wingdings 2"/>
+              <a:buChar char=""/>
             </a:pPr>
             <a:r>
-              <a:rPr lang="en-US" sz="2000" dirty="0" smtClean="0"/>
+              <a:rPr lang="en-US" sz="2200" dirty="0"/>
               <a:t>Priorities 1-15; </a:t>
             </a:r>
           </a:p>
           <a:p>
-            <a:pPr lvl="1">
-              <a:lnSpc>
-                <a:spcPct val="90000"/>
-              </a:lnSpc>
+            <a:pPr marL="640080" lvl="1" indent="-274320">
+              <a:spcBef>
+                <a:spcPts val="550"/>
+              </a:spcBef>
+              <a:buClr>
+                <a:schemeClr val="accent1"/>
+              </a:buClr>
+              <a:buSzPct val="70000"/>
+              <a:buFont typeface="Wingdings 2"/>
+              <a:buChar char=""/>
             </a:pPr>
             <a:r>
-              <a:rPr lang="en-US" sz="2000" dirty="0" smtClean="0"/>
+              <a:rPr lang="en-US" sz="2200" dirty="0"/>
               <a:t>Threads that complete I/O operations experience priority boosts (but never higher than 15)</a:t>
             </a:r>
           </a:p>
           <a:p>
-            <a:pPr lvl="1">
-              <a:lnSpc>
-                <a:spcPct val="90000"/>
-              </a:lnSpc>
+            <a:pPr marL="640080" lvl="1" indent="-274320">
+              <a:spcBef>
+                <a:spcPts val="550"/>
+              </a:spcBef>
+              <a:buClr>
+                <a:schemeClr val="accent1"/>
+              </a:buClr>
+              <a:buSzPct val="70000"/>
+              <a:buFont typeface="Wingdings 2"/>
+              <a:buChar char=""/>
             </a:pPr>
             <a:r>
-              <a:rPr lang="en-US" sz="2000" dirty="0" smtClean="0"/>
+              <a:rPr lang="en-US" sz="2200" dirty="0"/>
               <a:t>A thread’s priority will never be below base priority</a:t>
             </a:r>
           </a:p>
@@ -8134,27 +8839,53 @@
             </a:r>
           </a:p>
           <a:p>
-            <a:pPr lvl="1"/>
-            <a:r>
-              <a:rPr lang="en-US" sz="2000" dirty="0" smtClean="0"/>
+            <a:pPr marL="640080" lvl="1" indent="-274320">
+              <a:lnSpc>
+                <a:spcPct val="110000"/>
+              </a:lnSpc>
+              <a:spcBef>
+                <a:spcPts val="550"/>
+              </a:spcBef>
+              <a:buClr>
+                <a:schemeClr val="accent1"/>
+              </a:buClr>
+              <a:buSzPct val="70000"/>
+              <a:buFont typeface="Wingdings 2"/>
+              <a:buChar char=""/>
+            </a:pPr>
+            <a:r>
+              <a:rPr lang="en-US" sz="2200" dirty="0"/>
               <a:t>Has MACROS to set priority level within each priority class</a:t>
             </a:r>
           </a:p>
           <a:p>
-            <a:pPr lvl="1"/>
-            <a:r>
-              <a:rPr lang="en-US" sz="2000" dirty="0" smtClean="0"/>
+            <a:pPr marL="640080" lvl="1" indent="-274320">
+              <a:lnSpc>
+                <a:spcPct val="110000"/>
+              </a:lnSpc>
+              <a:spcBef>
+                <a:spcPts val="550"/>
+              </a:spcBef>
+              <a:buClr>
+                <a:schemeClr val="accent1"/>
+              </a:buClr>
+              <a:buSzPct val="70000"/>
+              <a:buFont typeface="Wingdings 2"/>
+              <a:buChar char=""/>
+            </a:pPr>
+            <a:r>
+              <a:rPr lang="en-US" sz="2200" dirty="0"/>
               <a:t>Windows will dynamically adjust priorities for non-</a:t>
             </a:r>
             <a:r>
-              <a:rPr lang="en-US" sz="2000" dirty="0" err="1" smtClean="0"/>
+              <a:rPr lang="en-US" sz="2200" dirty="0" err="1"/>
               <a:t>realtime</a:t>
             </a:r>
             <a:r>
-              <a:rPr lang="en-US" sz="2000" dirty="0" smtClean="0"/>
+              <a:rPr lang="en-US" sz="2200" dirty="0"/>
               <a:t> threads</a:t>
             </a:r>
-            <a:endParaRPr lang="en-US" sz="1800" dirty="0"/>
+            <a:endParaRPr lang="en-US" sz="2200" dirty="0"/>
           </a:p>
         </p:txBody>
       </p:sp>
@@ -8186,7 +8917,7 @@
 </p:sld>
 </file>
 
-<file path=ppt/slides/slide16.xml><?xml version="1.0" encoding="utf-8"?>
+<file path=ppt/slides/slide18.xml><?xml version="1.0" encoding="utf-8"?>
 <p:sld xmlns:a="http://schemas.openxmlformats.org/drawingml/2006/main" xmlns:r="http://schemas.openxmlformats.org/officeDocument/2006/relationships" xmlns:p="http://schemas.openxmlformats.org/presentationml/2006/main">
   <p:cSld>
     <p:spTree>
@@ -8205,30 +8936,6 @@
       </p:grpSpPr>
       <p:sp>
         <p:nvSpPr>
-          <p:cNvPr id="20" name="Slide Number Placeholder 4"/>
-          <p:cNvSpPr>
-            <a:spLocks noGrp="1"/>
-          </p:cNvSpPr>
-          <p:nvPr>
-            <p:ph type="sldNum" sz="quarter" idx="11"/>
-          </p:nvPr>
-        </p:nvSpPr>
-        <p:spPr/>
-        <p:txBody>
-          <a:bodyPr/>
-          <a:lstStyle/>
-          <a:p>
-            <a:fld id="{9C9B1318-2050-E645-8AA4-FBE213CE0DC6}" type="slidenum">
-              <a:rPr lang="en-GB"/>
-              <a:pPr/>
-              <a:t>16</a:t>
-            </a:fld>
-            <a:endParaRPr lang="en-GB"/>
-          </a:p>
-        </p:txBody>
-      </p:sp>
-      <p:sp>
-        <p:nvSpPr>
           <p:cNvPr id="405506" name="Rectangle 2"/>
           <p:cNvSpPr>
             <a:spLocks noGrp="1" noChangeArrowheads="1"/>
@@ -8245,14 +8952,54 @@
         </p:spPr>
         <p:txBody>
           <a:bodyPr>
-            <a:normAutofit fontScale="90000"/>
+            <a:noAutofit/>
           </a:bodyPr>
           <a:lstStyle/>
           <a:p>
             <a:r>
-              <a:rPr lang="en-US"/>
-              <a:t>Scheduling Timeslices</a:t>
-            </a:r>
+              <a:rPr lang="en-US" dirty="0">
+                <a:latin typeface="Arial Black"/>
+                <a:cs typeface="Arial Black"/>
+              </a:rPr>
+              <a:t>Scheduling </a:t>
+            </a:r>
+            <a:r>
+              <a:rPr lang="en-US" dirty="0" err="1">
+                <a:latin typeface="Arial Black"/>
+                <a:cs typeface="Arial Black"/>
+              </a:rPr>
+              <a:t>Timeslices</a:t>
+            </a:r>
+            <a:endParaRPr lang="en-US" dirty="0">
+              <a:latin typeface="Arial Black"/>
+              <a:cs typeface="Arial Black"/>
+            </a:endParaRPr>
+          </a:p>
+        </p:txBody>
+      </p:sp>
+      <p:sp>
+        <p:nvSpPr>
+          <p:cNvPr id="20" name="Slide Number Placeholder 4"/>
+          <p:cNvSpPr>
+            <a:spLocks noGrp="1"/>
+          </p:cNvSpPr>
+          <p:nvPr>
+            <p:ph type="sldNum" sz="quarter" idx="12"/>
+          </p:nvPr>
+        </p:nvSpPr>
+        <p:spPr/>
+        <p:txBody>
+          <a:bodyPr>
+            <a:normAutofit fontScale="85000" lnSpcReduction="20000"/>
+          </a:bodyPr>
+          <a:lstStyle/>
+          <a:p>
+            <a:fld id="{9C9B1318-2050-E645-8AA4-FBE213CE0DC6}" type="slidenum">
+              <a:rPr lang="en-GB"/>
+              <a:pPr/>
+              <a:t>18</a:t>
+            </a:fld>
+            <a:endParaRPr lang="en-GB"/>
           </a:p>
         </p:txBody>
       </p:sp>
@@ -8263,12 +9010,12 @@
             <a:spLocks noGrp="1" noChangeArrowheads="1"/>
           </p:cNvSpPr>
           <p:nvPr>
-            <p:ph type="body" idx="1"/>
+            <p:ph sz="quarter" idx="1"/>
           </p:nvPr>
         </p:nvSpPr>
         <p:spPr>
           <a:xfrm>
-            <a:off x="457200" y="981075"/>
+            <a:off x="289120" y="1516698"/>
             <a:ext cx="4095750" cy="5459413"/>
           </a:xfrm>
           <a:noFill/>
@@ -8675,10 +9422,10 @@
         </p:nvGrpSpPr>
         <p:grpSpPr bwMode="auto">
           <a:xfrm>
-            <a:off x="4664075" y="981075"/>
-            <a:ext cx="4175125" cy="5518150"/>
-            <a:chOff x="2938" y="618"/>
-            <a:chExt cx="2630" cy="3476"/>
+            <a:off x="4724400" y="1516698"/>
+            <a:ext cx="4130675" cy="5133976"/>
+            <a:chOff x="2938" y="772"/>
+            <a:chExt cx="2602" cy="3234"/>
           </a:xfrm>
         </p:grpSpPr>
         <p:sp>
@@ -8691,8 +9438,8 @@
           </p:nvSpPr>
           <p:spPr bwMode="auto">
             <a:xfrm>
-              <a:off x="2988" y="618"/>
-              <a:ext cx="2580" cy="3476"/>
+              <a:off x="2960" y="772"/>
+              <a:ext cx="2580" cy="3078"/>
             </a:xfrm>
             <a:prstGeom prst="rect">
               <a:avLst/>
@@ -8803,11 +9550,7 @@
               </a:pPr>
               <a:r>
                 <a:rPr lang="en-US" sz="2000" dirty="0"/>
-                <a:t>Default </a:t>
-              </a:r>
-              <a:r>
-                <a:rPr lang="en-US" sz="2000" dirty="0"/>
-                <a:t>is 100ms</a:t>
+                <a:t>Default is 100ms</a:t>
               </a:r>
             </a:p>
             <a:p>
@@ -8931,7 +9674,7 @@
               <a:p>
                 <a:pPr algn="ctr"/>
                 <a:r>
-                  <a:rPr lang="en-US" sz="1800"/>
+                  <a:rPr lang="en-US" sz="1800" dirty="0"/>
                   <a:t>100ms</a:t>
                 </a:r>
               </a:p>
@@ -9224,7 +9967,7 @@
               <a:lstStyle/>
               <a:p>
                 <a:r>
-                  <a:rPr lang="en-US" sz="1800"/>
+                  <a:rPr lang="en-US" sz="1800" dirty="0"/>
                   <a:t>200ms</a:t>
                 </a:r>
               </a:p>
@@ -9297,7 +10040,7 @@
               <a:lstStyle/>
               <a:p>
                 <a:r>
-                  <a:rPr lang="en-US" sz="1800"/>
+                  <a:rPr lang="en-US" sz="1800" dirty="0"/>
                   <a:t>10ms</a:t>
                 </a:r>
               </a:p>
@@ -9447,7 +10190,7 @@
 </p:sld>
 </file>
 
-<file path=ppt/slides/slide17.xml><?xml version="1.0" encoding="utf-8"?>
+<file path=ppt/slides/slide19.xml><?xml version="1.0" encoding="utf-8"?>
 <p:sld xmlns:a="http://schemas.openxmlformats.org/drawingml/2006/main" xmlns:r="http://schemas.openxmlformats.org/officeDocument/2006/relationships" xmlns:p="http://schemas.openxmlformats.org/presentationml/2006/main">
   <p:cSld>
     <p:spTree>
@@ -9466,54 +10209,59 @@
       </p:grpSpPr>
       <p:sp>
         <p:nvSpPr>
+          <p:cNvPr id="419842" name="Rectangle 2"/>
+          <p:cNvSpPr>
+            <a:spLocks noGrp="1" noChangeArrowheads="1"/>
+          </p:cNvSpPr>
+          <p:nvPr>
+            <p:ph type="title"/>
+          </p:nvPr>
+        </p:nvSpPr>
+        <p:spPr>
+          <a:xfrm>
+            <a:off x="457200" y="220663"/>
+            <a:ext cx="8229600" cy="1051559"/>
+          </a:xfrm>
+        </p:spPr>
+        <p:txBody>
+          <a:bodyPr>
+            <a:normAutofit/>
+          </a:bodyPr>
+          <a:lstStyle/>
+          <a:p>
+            <a:r>
+              <a:rPr lang="en-US" dirty="0">
+                <a:latin typeface="Arial Black"/>
+                <a:cs typeface="Arial Black"/>
+              </a:rPr>
+              <a:t>Security</a:t>
+            </a:r>
+          </a:p>
+        </p:txBody>
+      </p:sp>
+      <p:sp>
+        <p:nvSpPr>
           <p:cNvPr id="5" name="Slide Number Placeholder 4"/>
           <p:cNvSpPr>
             <a:spLocks noGrp="1"/>
           </p:cNvSpPr>
           <p:nvPr>
-            <p:ph type="sldNum" sz="quarter" idx="11"/>
+            <p:ph type="sldNum" sz="quarter" idx="12"/>
           </p:nvPr>
         </p:nvSpPr>
         <p:spPr/>
         <p:txBody>
-          <a:bodyPr/>
+          <a:bodyPr>
+            <a:normAutofit fontScale="85000" lnSpcReduction="20000"/>
+          </a:bodyPr>
           <a:lstStyle/>
           <a:p>
             <a:fld id="{40C40BD7-E18B-5C4E-B1EA-FA08CBF24F05}" type="slidenum">
               <a:rPr lang="en-GB"/>
               <a:pPr/>
-              <a:t>17</a:t>
+              <a:t>19</a:t>
             </a:fld>
             <a:endParaRPr lang="en-GB"/>
-          </a:p>
-        </p:txBody>
-      </p:sp>
-      <p:sp>
-        <p:nvSpPr>
-          <p:cNvPr id="419842" name="Rectangle 2"/>
-          <p:cNvSpPr>
-            <a:spLocks noGrp="1" noChangeArrowheads="1"/>
-          </p:cNvSpPr>
-          <p:nvPr>
-            <p:ph type="title"/>
-          </p:nvPr>
-        </p:nvSpPr>
-        <p:spPr>
-          <a:xfrm>
-            <a:off x="457200" y="220663"/>
-            <a:ext cx="8229600" cy="714375"/>
-          </a:xfrm>
-        </p:spPr>
-        <p:txBody>
-          <a:bodyPr>
-            <a:normAutofit fontScale="90000"/>
-          </a:bodyPr>
-          <a:lstStyle/>
-          <a:p>
-            <a:r>
-              <a:rPr lang="en-US"/>
-              <a:t>Security</a:t>
-            </a:r>
           </a:p>
         </p:txBody>
       </p:sp>
@@ -9524,19 +10272,21 @@
             <a:spLocks noGrp="1" noChangeArrowheads="1"/>
           </p:cNvSpPr>
           <p:nvPr>
-            <p:ph type="body" idx="1"/>
+            <p:ph sz="quarter" idx="1"/>
           </p:nvPr>
         </p:nvSpPr>
         <p:spPr>
           <a:xfrm>
-            <a:off x="457200" y="981075"/>
+            <a:off x="457200" y="1516698"/>
             <a:ext cx="4095750" cy="5459413"/>
           </a:xfrm>
           <a:noFill/>
           <a:ln/>
         </p:spPr>
         <p:txBody>
-          <a:bodyPr/>
+          <a:bodyPr>
+            <a:noAutofit/>
+          </a:bodyPr>
           <a:lstStyle/>
           <a:p>
             <a:pPr>
@@ -9547,7 +10297,7 @@
               <a:buNone/>
             </a:pPr>
             <a:r>
-              <a:rPr lang="en-US" sz="2000" dirty="0">
+              <a:rPr lang="en-US" dirty="0">
                 <a:solidFill>
                   <a:srgbClr val="FF9933"/>
                 </a:solidFill>
@@ -9562,7 +10312,7 @@
               </a:lnSpc>
             </a:pPr>
             <a:r>
-              <a:rPr lang="en-US" sz="1600" dirty="0"/>
+              <a:rPr lang="en-US" sz="2400" dirty="0"/>
               <a:t>Very flexible security model based on Access Control Lists</a:t>
             </a:r>
           </a:p>
@@ -9573,7 +10323,7 @@
               </a:lnSpc>
             </a:pPr>
             <a:r>
-              <a:rPr lang="en-US" sz="1600" dirty="0"/>
+              <a:rPr lang="en-US" sz="2400" dirty="0"/>
               <a:t>Users are defined with</a:t>
             </a:r>
           </a:p>
@@ -9584,7 +10334,7 @@
               </a:lnSpc>
             </a:pPr>
             <a:r>
-              <a:rPr lang="en-US" sz="1400" dirty="0"/>
+              <a:rPr lang="en-US" sz="2400" dirty="0"/>
               <a:t>Privileges</a:t>
             </a:r>
           </a:p>
@@ -9595,7 +10345,7 @@
               </a:lnSpc>
             </a:pPr>
             <a:r>
-              <a:rPr lang="en-US" sz="1400" dirty="0"/>
+              <a:rPr lang="en-US" sz="2400" dirty="0"/>
               <a:t>Member groups</a:t>
             </a:r>
           </a:p>
@@ -9606,7 +10356,7 @@
               </a:lnSpc>
             </a:pPr>
             <a:r>
-              <a:rPr lang="en-US" sz="1600" dirty="0"/>
+              <a:rPr lang="en-US" sz="2400" dirty="0"/>
               <a:t>Security can be applied to any Object Manager object</a:t>
             </a:r>
           </a:p>
@@ -9617,8 +10367,8 @@
               </a:lnSpc>
             </a:pPr>
             <a:r>
-              <a:rPr lang="en-US" sz="1400" dirty="0"/>
-              <a:t>Files, processes, synchronization objects, …</a:t>
+              <a:rPr lang="en-US" sz="2400" dirty="0"/>
+              <a:t>Files, processes, synchronization objects, </a:t>
             </a:r>
           </a:p>
           <a:p>
@@ -9628,7 +10378,7 @@
               </a:lnSpc>
             </a:pPr>
             <a:r>
-              <a:rPr lang="en-US" sz="1600" dirty="0"/>
+              <a:rPr lang="en-US" sz="2400" dirty="0"/>
               <a:t>Supports auditing</a:t>
             </a:r>
           </a:p>
@@ -9636,287 +10386,312 @@
       </p:sp>
       <p:sp>
         <p:nvSpPr>
-          <p:cNvPr id="419844" name="Rectangle 4"/>
-          <p:cNvSpPr>
+          <p:cNvPr id="6" name="Rectangle 3"/>
+          <p:cNvSpPr txBox="1">
             <a:spLocks noChangeArrowheads="1"/>
           </p:cNvSpPr>
           <p:nvPr/>
         </p:nvSpPr>
-        <p:spPr bwMode="auto">
+        <p:spPr>
           <a:xfrm>
-            <a:off x="4743450" y="981075"/>
-            <a:ext cx="4095750" cy="5518150"/>
+            <a:off x="4743581" y="1516698"/>
+            <a:ext cx="4565323" cy="5459413"/>
           </a:xfrm>
           <a:prstGeom prst="rect">
             <a:avLst/>
           </a:prstGeom>
           <a:noFill/>
-          <a:ln>
-            <a:noFill/>
-          </a:ln>
-          <a:effectLst/>
-          <a:extLst>
-            <a:ext uri="{909E8E84-426E-40dd-AFC4-6F175D3DCCD1}">
-              <a14:hiddenFill xmlns:a14="http://schemas.microsoft.com/office/drawing/2010/main">
-                <a:solidFill>
-                  <a:schemeClr val="accent1"/>
-                </a:solidFill>
-              </a14:hiddenFill>
-            </a:ext>
-            <a:ext uri="{91240B29-F687-4f45-9708-019B960494DF}">
-              <a14:hiddenLine xmlns:a14="http://schemas.microsoft.com/office/drawing/2010/main" w="9525">
+          <a:ln/>
+        </p:spPr>
+        <p:txBody>
+          <a:bodyPr vert="horz">
+            <a:noAutofit/>
+          </a:bodyPr>
+          <a:lstStyle>
+            <a:lvl1pPr marL="320040" indent="-320040" algn="l" rtl="0" eaLnBrk="1" latinLnBrk="0" hangingPunct="1">
+              <a:spcBef>
+                <a:spcPts val="700"/>
+              </a:spcBef>
+              <a:buClr>
+                <a:schemeClr val="accent2"/>
+              </a:buClr>
+              <a:buSzPct val="60000"/>
+              <a:buFont typeface="Wingdings"/>
+              <a:buChar char=""/>
+              <a:defRPr kumimoji="0" sz="2900" kern="1200">
                 <a:solidFill>
                   <a:schemeClr val="tx1"/>
                 </a:solidFill>
-                <a:miter lim="800000"/>
-                <a:headEnd/>
-                <a:tailEnd/>
-              </a14:hiddenLine>
-            </a:ext>
-            <a:ext uri="{AF507438-7753-43e0-B8FC-AC1667EBCBE1}">
-              <a14:hiddenEffects xmlns:a14="http://schemas.microsoft.com/office/drawing/2010/main">
-                <a:effectLst>
-                  <a:outerShdw blurRad="63500" dist="38099" dir="2700000" algn="ctr" rotWithShape="0">
-                    <a:schemeClr val="bg2">
-                      <a:alpha val="74998"/>
-                    </a:schemeClr>
-                  </a:outerShdw>
-                </a:effectLst>
-              </a14:hiddenEffects>
-            </a:ext>
-          </a:extLst>
-        </p:spPr>
-        <p:txBody>
-          <a:bodyPr/>
-          <a:lstStyle/>
-          <a:p>
-            <a:pPr marL="357188" indent="-357188">
-              <a:lnSpc>
-                <a:spcPct val="70000"/>
-              </a:lnSpc>
+                <a:latin typeface="+mn-lt"/>
+                <a:ea typeface="+mn-ea"/>
+                <a:cs typeface="+mn-cs"/>
+              </a:defRPr>
+            </a:lvl1pPr>
+            <a:lvl2pPr marL="640080" indent="-274320" algn="l" rtl="0" eaLnBrk="1" latinLnBrk="0" hangingPunct="1">
+              <a:spcBef>
+                <a:spcPts val="550"/>
+              </a:spcBef>
+              <a:buClr>
+                <a:schemeClr val="accent1"/>
+              </a:buClr>
+              <a:buSzPct val="70000"/>
+              <a:buFont typeface="Wingdings 2"/>
+              <a:buChar char=""/>
+              <a:defRPr kumimoji="0" sz="2600" kern="1200">
+                <a:solidFill>
+                  <a:schemeClr val="tx1"/>
+                </a:solidFill>
+                <a:latin typeface="+mn-lt"/>
+                <a:ea typeface="+mn-ea"/>
+                <a:cs typeface="+mn-cs"/>
+              </a:defRPr>
+            </a:lvl2pPr>
+            <a:lvl3pPr marL="914400" indent="-228600" algn="l" rtl="0" eaLnBrk="1" latinLnBrk="0" hangingPunct="1">
+              <a:spcBef>
+                <a:spcPts val="500"/>
+              </a:spcBef>
+              <a:buClr>
+                <a:schemeClr val="accent2"/>
+              </a:buClr>
+              <a:buSzPct val="75000"/>
+              <a:buFont typeface="Wingdings"/>
+              <a:buChar char=""/>
+              <a:defRPr kumimoji="0" sz="2300" kern="1200">
+                <a:solidFill>
+                  <a:schemeClr val="tx1"/>
+                </a:solidFill>
+                <a:latin typeface="+mn-lt"/>
+                <a:ea typeface="+mn-ea"/>
+                <a:cs typeface="+mn-cs"/>
+              </a:defRPr>
+            </a:lvl3pPr>
+            <a:lvl4pPr marL="1371600" indent="-228600" algn="l" rtl="0" eaLnBrk="1" latinLnBrk="0" hangingPunct="1">
+              <a:spcBef>
+                <a:spcPts val="400"/>
+              </a:spcBef>
+              <a:buClr>
+                <a:schemeClr val="accent3"/>
+              </a:buClr>
+              <a:buSzPct val="75000"/>
+              <a:buFont typeface="Wingdings"/>
+              <a:buChar char=""/>
+              <a:defRPr kumimoji="0" sz="2000" kern="1200">
+                <a:solidFill>
+                  <a:schemeClr val="tx1"/>
+                </a:solidFill>
+                <a:latin typeface="+mn-lt"/>
+                <a:ea typeface="+mn-ea"/>
+                <a:cs typeface="+mn-cs"/>
+              </a:defRPr>
+            </a:lvl4pPr>
+            <a:lvl5pPr marL="1828800" indent="-228600" algn="l" rtl="0" eaLnBrk="1" latinLnBrk="0" hangingPunct="1">
+              <a:spcBef>
+                <a:spcPts val="400"/>
+              </a:spcBef>
+              <a:buClr>
+                <a:schemeClr val="accent4"/>
+              </a:buClr>
+              <a:buSzPct val="65000"/>
+              <a:buFont typeface="Wingdings"/>
+              <a:buChar char=""/>
+              <a:defRPr kumimoji="0" sz="2000" kern="1200">
+                <a:solidFill>
+                  <a:schemeClr val="tx1"/>
+                </a:solidFill>
+                <a:latin typeface="+mn-lt"/>
+                <a:ea typeface="+mn-ea"/>
+                <a:cs typeface="+mn-cs"/>
+              </a:defRPr>
+            </a:lvl5pPr>
+            <a:lvl6pPr marL="2103120" indent="-228600" algn="l" rtl="0" eaLnBrk="1" latinLnBrk="0" hangingPunct="1">
               <a:spcBef>
                 <a:spcPct val="20000"/>
               </a:spcBef>
-              <a:spcAft>
+              <a:buClr>
+                <a:schemeClr val="accent1"/>
+              </a:buClr>
+              <a:buFont typeface="Wingdings"/>
+              <a:buChar char="§"/>
+              <a:defRPr kumimoji="0" sz="1800" kern="1200" baseline="0">
+                <a:solidFill>
+                  <a:schemeClr val="tx1"/>
+                </a:solidFill>
+                <a:latin typeface="+mn-lt"/>
+                <a:ea typeface="+mn-ea"/>
+                <a:cs typeface="+mn-cs"/>
+              </a:defRPr>
+            </a:lvl6pPr>
+            <a:lvl7pPr marL="2377440" indent="-228600" algn="l" rtl="0" eaLnBrk="1" latinLnBrk="0" hangingPunct="1">
+              <a:spcBef>
                 <a:spcPct val="20000"/>
-              </a:spcAft>
-              <a:buSzPct val="110000"/>
+              </a:spcBef>
+              <a:buClr>
+                <a:schemeClr val="accent2"/>
+              </a:buClr>
+              <a:buFont typeface="Wingdings"/>
+              <a:buChar char="§"/>
+              <a:defRPr kumimoji="0" sz="1800" kern="1200" baseline="0">
+                <a:solidFill>
+                  <a:schemeClr val="tx1"/>
+                </a:solidFill>
+                <a:latin typeface="+mn-lt"/>
+                <a:ea typeface="+mn-ea"/>
+                <a:cs typeface="+mn-cs"/>
+              </a:defRPr>
+            </a:lvl7pPr>
+            <a:lvl8pPr marL="2651760" indent="-228600" algn="l" rtl="0" eaLnBrk="1" latinLnBrk="0" hangingPunct="1">
+              <a:spcBef>
+                <a:spcPct val="20000"/>
+              </a:spcBef>
+              <a:buClr>
+                <a:schemeClr val="accent3"/>
+              </a:buClr>
+              <a:buFont typeface="Wingdings"/>
+              <a:buChar char="§"/>
+              <a:defRPr kumimoji="0" sz="1800" kern="1200" baseline="0">
+                <a:solidFill>
+                  <a:schemeClr val="tx1"/>
+                </a:solidFill>
+                <a:latin typeface="+mn-lt"/>
+                <a:ea typeface="+mn-ea"/>
+                <a:cs typeface="+mn-cs"/>
+              </a:defRPr>
+            </a:lvl8pPr>
+            <a:lvl9pPr marL="2926080" indent="-228600" algn="l" rtl="0" eaLnBrk="1" latinLnBrk="0" hangingPunct="1">
+              <a:spcBef>
+                <a:spcPct val="20000"/>
+              </a:spcBef>
+              <a:buClr>
+                <a:schemeClr val="accent4"/>
+              </a:buClr>
+              <a:buFont typeface="Wingdings"/>
+              <a:buChar char="§"/>
+              <a:defRPr kumimoji="0" sz="1800" kern="1200" baseline="0">
+                <a:solidFill>
+                  <a:schemeClr val="tx1"/>
+                </a:solidFill>
+                <a:latin typeface="+mn-lt"/>
+                <a:ea typeface="+mn-ea"/>
+                <a:cs typeface="+mn-cs"/>
+              </a:defRPr>
+            </a:lvl9pPr>
+          </a:lstStyle>
+          <a:p>
+            <a:pPr>
+              <a:lnSpc>
+                <a:spcPct val="80000"/>
+              </a:lnSpc>
+              <a:buFontTx/>
+              <a:buNone/>
             </a:pPr>
             <a:r>
-              <a:rPr lang="en-US" dirty="0">
+              <a:rPr lang="en-US" dirty="0" smtClean="0">
                 <a:solidFill>
                   <a:srgbClr val="FF9933"/>
                 </a:solidFill>
-                <a:effectLst>
-                  <a:outerShdw blurRad="38100" dist="38100" dir="2700000" algn="tl">
-                    <a:srgbClr val="000000"/>
-                  </a:outerShdw>
-                </a:effectLst>
               </a:rPr>
               <a:t>Linux</a:t>
             </a:r>
           </a:p>
           <a:p>
-            <a:pPr marL="285750" indent="-285750">
+            <a:pPr>
               <a:lnSpc>
                 <a:spcPct val="80000"/>
               </a:lnSpc>
-              <a:spcBef>
-                <a:spcPct val="20000"/>
-              </a:spcBef>
-              <a:spcAft>
-                <a:spcPct val="20000"/>
-              </a:spcAft>
-              <a:buSzPct val="110000"/>
-              <a:buFont typeface="Arial"/>
-              <a:buChar char="•"/>
             </a:pPr>
             <a:r>
-              <a:rPr lang="en-US" sz="1600" dirty="0"/>
-              <a:t>Two models: </a:t>
-            </a:r>
-            <a:endParaRPr lang="en-US" sz="1600" dirty="0" smtClean="0"/>
-          </a:p>
-          <a:p>
-            <a:pPr marL="742950" lvl="1" indent="-285750">
+              <a:rPr lang="en-US" sz="2400" dirty="0" smtClean="0"/>
+              <a:t>Two Modals</a:t>
+            </a:r>
+          </a:p>
+          <a:p>
+            <a:pPr lvl="1">
               <a:lnSpc>
                 <a:spcPct val="80000"/>
               </a:lnSpc>
-              <a:spcBef>
-                <a:spcPct val="20000"/>
-              </a:spcBef>
-              <a:spcAft>
-                <a:spcPct val="20000"/>
-              </a:spcAft>
-              <a:buSzPct val="110000"/>
-              <a:buFont typeface="Arial"/>
-              <a:buChar char="–"/>
             </a:pPr>
             <a:r>
-              <a:rPr lang="en-US" sz="1400" dirty="0"/>
-              <a:t>Standard </a:t>
-            </a:r>
-            <a:r>
-              <a:rPr lang="en-US" sz="1400" dirty="0"/>
-              <a:t>UNIX </a:t>
-            </a:r>
-            <a:r>
-              <a:rPr lang="en-US" sz="1400" dirty="0"/>
-              <a:t>model</a:t>
-            </a:r>
-          </a:p>
-          <a:p>
-            <a:pPr marL="742950" lvl="1" indent="-285750">
+              <a:rPr lang="en-US" sz="2100" dirty="0"/>
+              <a:t>Standard UNIX model</a:t>
+            </a:r>
+          </a:p>
+          <a:p>
+            <a:pPr lvl="1">
               <a:lnSpc>
                 <a:spcPct val="80000"/>
               </a:lnSpc>
-              <a:spcBef>
-                <a:spcPct val="20000"/>
-              </a:spcBef>
-              <a:spcAft>
-                <a:spcPct val="20000"/>
-              </a:spcAft>
-              <a:buSzPct val="110000"/>
-              <a:buFont typeface="Arial"/>
-              <a:buChar char="–"/>
             </a:pPr>
             <a:r>
-              <a:rPr lang="en-US" sz="1400" dirty="0"/>
-              <a:t>Access </a:t>
-            </a:r>
-            <a:r>
-              <a:rPr lang="en-US" sz="1400" dirty="0"/>
-              <a:t>Control Lists (</a:t>
-            </a:r>
-            <a:r>
-              <a:rPr lang="en-US" sz="1400" dirty="0" err="1"/>
-              <a:t>SELinux</a:t>
-            </a:r>
-            <a:r>
-              <a:rPr lang="en-US" sz="1400" dirty="0"/>
-              <a:t>)</a:t>
-            </a:r>
-          </a:p>
-          <a:p>
-            <a:pPr marL="285750" indent="-285750">
+              <a:rPr lang="en-US" sz="2100" dirty="0"/>
+              <a:t>Access Control Lists (</a:t>
+            </a:r>
+            <a:r>
+              <a:rPr lang="en-US" sz="2100" dirty="0" err="1"/>
+              <a:t>SELinuxto</a:t>
+            </a:r>
+            <a:r>
+              <a:rPr lang="en-US" sz="2100" dirty="0"/>
+              <a:t> </a:t>
+            </a:r>
+            <a:r>
+              <a:rPr lang="en-US" sz="2100" dirty="0" smtClean="0"/>
+              <a:t>any Object Manager object</a:t>
+            </a:r>
+          </a:p>
+          <a:p>
+            <a:pPr>
               <a:lnSpc>
                 <a:spcPct val="80000"/>
               </a:lnSpc>
-              <a:spcBef>
-                <a:spcPct val="20000"/>
-              </a:spcBef>
-              <a:spcAft>
-                <a:spcPct val="20000"/>
-              </a:spcAft>
-              <a:buSzPct val="110000"/>
-              <a:buFont typeface="Arial"/>
-              <a:buChar char="•"/>
             </a:pPr>
             <a:r>
-              <a:rPr lang="en-US" sz="1600" dirty="0"/>
-              <a:t>Users are </a:t>
-            </a:r>
-            <a:r>
-              <a:rPr lang="en-US" sz="1600" dirty="0" smtClean="0"/>
-              <a:t>defined with:</a:t>
-            </a:r>
-          </a:p>
-          <a:p>
-            <a:pPr marL="742950" lvl="1" indent="-285750">
+              <a:rPr lang="en-US" sz="2700" dirty="0"/>
+              <a:t>Users are defined with:</a:t>
+            </a:r>
+          </a:p>
+          <a:p>
+            <a:pPr lvl="1">
               <a:lnSpc>
                 <a:spcPct val="80000"/>
               </a:lnSpc>
-              <a:spcBef>
-                <a:spcPct val="20000"/>
-              </a:spcBef>
-              <a:spcAft>
-                <a:spcPct val="20000"/>
-              </a:spcAft>
-              <a:buSzPct val="110000"/>
-              <a:buFont typeface="Arial"/>
-              <a:buChar char="–"/>
             </a:pPr>
             <a:r>
-              <a:rPr lang="en-US" sz="1400" dirty="0"/>
-              <a:t>Capabilities </a:t>
-            </a:r>
-            <a:r>
-              <a:rPr lang="en-US" sz="1400" dirty="0"/>
-              <a:t>(privileges</a:t>
-            </a:r>
-            <a:r>
-              <a:rPr lang="en-US" sz="1400" dirty="0"/>
-              <a:t>)</a:t>
-            </a:r>
-          </a:p>
-          <a:p>
-            <a:pPr marL="742950" lvl="1" indent="-285750">
+              <a:rPr lang="en-US" sz="2400" dirty="0"/>
+              <a:t>Capabilities (privileges)</a:t>
+            </a:r>
+          </a:p>
+          <a:p>
+            <a:pPr lvl="1">
               <a:lnSpc>
                 <a:spcPct val="80000"/>
               </a:lnSpc>
-              <a:spcBef>
-                <a:spcPct val="20000"/>
-              </a:spcBef>
-              <a:spcAft>
-                <a:spcPct val="20000"/>
-              </a:spcAft>
-              <a:buSzPct val="110000"/>
-              <a:buFont typeface="Arial"/>
-              <a:buChar char="–"/>
             </a:pPr>
             <a:r>
-              <a:rPr lang="en-US" sz="1400" dirty="0"/>
-              <a:t>Member </a:t>
-            </a:r>
-            <a:r>
-              <a:rPr lang="en-US" sz="1400" dirty="0"/>
-              <a:t>groups</a:t>
-            </a:r>
-          </a:p>
-          <a:p>
-            <a:pPr marL="285750" indent="-285750">
+              <a:rPr lang="en-US" sz="2400" dirty="0"/>
+              <a:t>Member groups</a:t>
+            </a:r>
+          </a:p>
+          <a:p>
+            <a:pPr>
               <a:lnSpc>
                 <a:spcPct val="80000"/>
               </a:lnSpc>
-              <a:spcBef>
-                <a:spcPct val="20000"/>
-              </a:spcBef>
-              <a:spcAft>
-                <a:spcPct val="20000"/>
-              </a:spcAft>
-              <a:buSzPct val="110000"/>
-              <a:buFont typeface="Arial"/>
-              <a:buChar char="•"/>
             </a:pPr>
             <a:r>
-              <a:rPr lang="en-US" sz="1600" dirty="0"/>
+              <a:rPr lang="en-US" sz="2700" dirty="0"/>
               <a:t>Security is implemented on an object-by-object basis</a:t>
             </a:r>
           </a:p>
           <a:p>
-            <a:pPr marL="285750" indent="-285750">
+            <a:pPr>
               <a:lnSpc>
                 <a:spcPct val="80000"/>
               </a:lnSpc>
-              <a:spcBef>
-                <a:spcPct val="20000"/>
-              </a:spcBef>
-              <a:spcAft>
-                <a:spcPct val="20000"/>
-              </a:spcAft>
-              <a:buSzPct val="110000"/>
-              <a:buFont typeface="Arial"/>
-              <a:buChar char="•"/>
             </a:pPr>
             <a:r>
-              <a:rPr lang="en-US" sz="1600" dirty="0"/>
-              <a:t>Has no built-in auditing </a:t>
-            </a:r>
-            <a:r>
-              <a:rPr lang="en-US" sz="1600" dirty="0" smtClean="0"/>
-              <a:t>support</a:t>
-            </a:r>
-            <a:endParaRPr lang="en-US" sz="1600" dirty="0"/>
+              <a:rPr lang="en-US" sz="2700" dirty="0"/>
+              <a:t>Has no built-in auditing support</a:t>
+            </a:r>
           </a:p>
         </p:txBody>
       </p:sp>
@@ -9938,286 +10713,6 @@
       <p:transition xmlns:p14="http://schemas.microsoft.com/office/powerpoint/2010/main" spd="slow"/>
     </mc:Fallback>
   </mc:AlternateContent>
-  <p:timing>
-    <p:tnLst>
-      <p:par>
-        <p:cTn xmlns:p14="http://schemas.microsoft.com/office/powerpoint/2010/main" id="1" dur="indefinite" restart="never" nodeType="tmRoot">
-          <p:childTnLst>
-            <p:seq concurrent="1" nextAc="seek">
-              <p:cTn id="2" dur="indefinite" nodeType="mainSeq">
-                <p:childTnLst>
-                  <p:par>
-                    <p:cTn id="3" fill="hold" nodeType="clickPar">
-                      <p:stCondLst>
-                        <p:cond delay="indefinite"/>
-                      </p:stCondLst>
-                      <p:childTnLst>
-                        <p:par>
-                          <p:cTn id="4" fill="hold" nodeType="withGroup">
-                            <p:stCondLst>
-                              <p:cond delay="0"/>
-                            </p:stCondLst>
-                            <p:childTnLst>
-                              <p:par>
-                                <p:cTn id="5" presetID="2" presetClass="entr" presetSubtype="2" fill="hold" grpId="0" nodeType="clickEffect">
-                                  <p:stCondLst>
-                                    <p:cond delay="0"/>
-                                  </p:stCondLst>
-                                  <p:childTnLst>
-                                    <p:set>
-                                      <p:cBhvr>
-                                        <p:cTn id="6" dur="1" fill="hold">
-                                          <p:stCondLst>
-                                            <p:cond delay="0"/>
-                                          </p:stCondLst>
-                                        </p:cTn>
-                                        <p:tgtEl>
-                                          <p:spTgt spid="419844"/>
-                                        </p:tgtEl>
-                                        <p:attrNameLst>
-                                          <p:attrName>style.visibility</p:attrName>
-                                        </p:attrNameLst>
-                                      </p:cBhvr>
-                                      <p:to>
-                                        <p:strVal val="visible"/>
-                                      </p:to>
-                                    </p:set>
-                                    <p:anim calcmode="lin" valueType="num">
-                                      <p:cBhvr additive="base">
-                                        <p:cTn id="7" dur="500" fill="hold"/>
-                                        <p:tgtEl>
-                                          <p:spTgt spid="419844"/>
-                                        </p:tgtEl>
-                                        <p:attrNameLst>
-                                          <p:attrName>ppt_x</p:attrName>
-                                        </p:attrNameLst>
-                                      </p:cBhvr>
-                                      <p:tavLst>
-                                        <p:tav tm="0">
-                                          <p:val>
-                                            <p:strVal val="1+#ppt_w/2"/>
-                                          </p:val>
-                                        </p:tav>
-                                        <p:tav tm="100000">
-                                          <p:val>
-                                            <p:strVal val="#ppt_x"/>
-                                          </p:val>
-                                        </p:tav>
-                                      </p:tavLst>
-                                    </p:anim>
-                                    <p:anim calcmode="lin" valueType="num">
-                                      <p:cBhvr additive="base">
-                                        <p:cTn id="8" dur="500" fill="hold"/>
-                                        <p:tgtEl>
-                                          <p:spTgt spid="419844"/>
-                                        </p:tgtEl>
-                                        <p:attrNameLst>
-                                          <p:attrName>ppt_y</p:attrName>
-                                        </p:attrNameLst>
-                                      </p:cBhvr>
-                                      <p:tavLst>
-                                        <p:tav tm="0">
-                                          <p:val>
-                                            <p:strVal val="#ppt_y"/>
-                                          </p:val>
-                                        </p:tav>
-                                        <p:tav tm="100000">
-                                          <p:val>
-                                            <p:strVal val="#ppt_y"/>
-                                          </p:val>
-                                        </p:tav>
-                                      </p:tavLst>
-                                    </p:anim>
-                                  </p:childTnLst>
-                                </p:cTn>
-                              </p:par>
-                            </p:childTnLst>
-                          </p:cTn>
-                        </p:par>
-                      </p:childTnLst>
-                    </p:cTn>
-                  </p:par>
-                </p:childTnLst>
-              </p:cTn>
-              <p:prevCondLst>
-                <p:cond evt="onPrev" delay="0">
-                  <p:tgtEl>
-                    <p:sldTgt/>
-                  </p:tgtEl>
-                </p:cond>
-              </p:prevCondLst>
-              <p:nextCondLst>
-                <p:cond evt="onNext" delay="0">
-                  <p:tgtEl>
-                    <p:sldTgt/>
-                  </p:tgtEl>
-                </p:cond>
-              </p:nextCondLst>
-            </p:seq>
-          </p:childTnLst>
-        </p:cTn>
-      </p:par>
-    </p:tnLst>
-    <p:bldLst>
-      <p:bldP spid="419844" grpId="0" autoUpdateAnimBg="0"/>
-    </p:bldLst>
-  </p:timing>
-</p:sld>
-</file>
-
-<file path=ppt/slides/slide18.xml><?xml version="1.0" encoding="utf-8"?>
-<p:sld xmlns:a="http://schemas.openxmlformats.org/drawingml/2006/main" xmlns:r="http://schemas.openxmlformats.org/officeDocument/2006/relationships" xmlns:p="http://schemas.openxmlformats.org/presentationml/2006/main">
-  <p:cSld>
-    <p:spTree>
-      <p:nvGrpSpPr>
-        <p:cNvPr id="1" name=""/>
-        <p:cNvGrpSpPr/>
-        <p:nvPr/>
-      </p:nvGrpSpPr>
-      <p:grpSpPr>
-        <a:xfrm>
-          <a:off x="0" y="0"/>
-          <a:ext cx="0" cy="0"/>
-          <a:chOff x="0" y="0"/>
-          <a:chExt cx="0" cy="0"/>
-        </a:xfrm>
-      </p:grpSpPr>
-      <p:sp>
-        <p:nvSpPr>
-          <p:cNvPr id="2" name="Title 1"/>
-          <p:cNvSpPr>
-            <a:spLocks noGrp="1"/>
-          </p:cNvSpPr>
-          <p:nvPr>
-            <p:ph type="title"/>
-          </p:nvPr>
-        </p:nvSpPr>
-        <p:spPr/>
-        <p:txBody>
-          <a:bodyPr/>
-          <a:lstStyle/>
-          <a:p>
-            <a:r>
-              <a:rPr lang="en-US" dirty="0" smtClean="0"/>
-              <a:t>File System</a:t>
-            </a:r>
-            <a:endParaRPr lang="en-US" dirty="0"/>
-          </a:p>
-        </p:txBody>
-      </p:sp>
-      <p:sp>
-        <p:nvSpPr>
-          <p:cNvPr id="3" name="Content Placeholder 2"/>
-          <p:cNvSpPr>
-            <a:spLocks noGrp="1"/>
-          </p:cNvSpPr>
-          <p:nvPr>
-            <p:ph idx="1"/>
-          </p:nvPr>
-        </p:nvSpPr>
-        <p:spPr/>
-        <p:txBody>
-          <a:bodyPr>
-            <a:normAutofit lnSpcReduction="10000"/>
-          </a:bodyPr>
-          <a:lstStyle/>
-          <a:p>
-            <a:r>
-              <a:rPr lang="en-US" dirty="0" smtClean="0"/>
-              <a:t>Everything is a file</a:t>
-            </a:r>
-          </a:p>
-          <a:p>
-            <a:pPr lvl="1"/>
-            <a:r>
-              <a:rPr lang="en-US" dirty="0" err="1" smtClean="0"/>
-              <a:t>Inode</a:t>
-            </a:r>
-            <a:r>
-              <a:rPr lang="en-US" dirty="0" smtClean="0"/>
-              <a:t> </a:t>
-            </a:r>
-            <a:r>
-              <a:rPr lang="en-US" dirty="0" err="1" smtClean="0"/>
-              <a:t>Vs</a:t>
-            </a:r>
-            <a:r>
-              <a:rPr lang="en-US" dirty="0" smtClean="0"/>
-              <a:t> NTFS</a:t>
-            </a:r>
-          </a:p>
-          <a:p>
-            <a:pPr lvl="1"/>
-            <a:r>
-              <a:rPr lang="en-US" dirty="0" smtClean="0"/>
-              <a:t>Rename/delete file while its open</a:t>
-            </a:r>
-          </a:p>
-          <a:p>
-            <a:pPr lvl="2"/>
-            <a:r>
-              <a:rPr lang="en-US" dirty="0" smtClean="0"/>
-              <a:t>Default in </a:t>
-            </a:r>
-            <a:r>
-              <a:rPr lang="en-US" dirty="0" err="1" smtClean="0"/>
-              <a:t>linux</a:t>
-            </a:r>
-            <a:endParaRPr lang="en-US" dirty="0" smtClean="0"/>
-          </a:p>
-          <a:p>
-            <a:pPr lvl="2"/>
-            <a:r>
-              <a:rPr lang="en-US" dirty="0" smtClean="0"/>
-              <a:t>NTFS Support : C library </a:t>
-            </a:r>
-            <a:r>
-              <a:rPr lang="en-US" dirty="0" err="1" smtClean="0"/>
-              <a:t>fopen</a:t>
-            </a:r>
-            <a:r>
-              <a:rPr lang="en-US" dirty="0" smtClean="0"/>
-              <a:t> FILE_SHARE_DELETE</a:t>
-            </a:r>
-          </a:p>
-          <a:p>
-            <a:r>
-              <a:rPr lang="en-US" dirty="0" smtClean="0"/>
-              <a:t>Boot Process directory sort </a:t>
-            </a:r>
-          </a:p>
-          <a:p>
-            <a:r>
-              <a:rPr lang="en-US" dirty="0" smtClean="0"/>
-              <a:t>Merged program / documentation directories </a:t>
-            </a:r>
-          </a:p>
-          <a:p>
-            <a:pPr lvl="1"/>
-            <a:r>
-              <a:rPr lang="en-US" dirty="0" smtClean="0"/>
-              <a:t>No per application space for files</a:t>
-            </a:r>
-          </a:p>
-          <a:p>
-            <a:r>
-              <a:rPr lang="en-US" dirty="0" smtClean="0"/>
-              <a:t>Transparent network file system access</a:t>
-            </a:r>
-            <a:endParaRPr lang="en-US" dirty="0"/>
-          </a:p>
-        </p:txBody>
-      </p:sp>
-    </p:spTree>
-    <p:extLst>
-      <p:ext uri="{BB962C8B-B14F-4D97-AF65-F5344CB8AC3E}">
-        <p14:creationId xmlns:p14="http://schemas.microsoft.com/office/powerpoint/2010/main" val="4217624738"/>
-      </p:ext>
-    </p:extLst>
-  </p:cSld>
-  <p:clrMapOvr>
-    <a:masterClrMapping/>
-  </p:clrMapOvr>
   <p:timing>
     <p:tnLst>
       <p:par>
@@ -10257,24 +10752,140 @@
         </p:nvSpPr>
         <p:spPr/>
         <p:txBody>
-          <a:bodyPr>
-            <a:normAutofit fontScale="90000"/>
+          <a:bodyPr/>
+          <a:lstStyle/>
+          <a:p>
+            <a:r>
+              <a:rPr lang="en-US" dirty="0" smtClean="0"/>
+              <a:t>			</a:t>
+            </a:r>
+            <a:endParaRPr lang="en-US" dirty="0"/>
+          </a:p>
+        </p:txBody>
+      </p:sp>
+      <p:sp>
+        <p:nvSpPr>
+          <p:cNvPr id="3" name="Content Placeholder 2"/>
+          <p:cNvSpPr>
+            <a:spLocks noGrp="1"/>
+          </p:cNvSpPr>
+          <p:nvPr>
+            <p:ph sz="quarter" idx="1"/>
+          </p:nvPr>
+        </p:nvSpPr>
+        <p:spPr/>
+        <p:txBody>
+          <a:bodyPr/>
+          <a:lstStyle/>
+          <a:p>
+            <a:endParaRPr lang="en-US" dirty="0"/>
+          </a:p>
+        </p:txBody>
+      </p:sp>
+      <p:sp>
+        <p:nvSpPr>
+          <p:cNvPr id="4" name="Title 1"/>
+          <p:cNvSpPr txBox="1">
+            <a:spLocks/>
+          </p:cNvSpPr>
+          <p:nvPr/>
+        </p:nvSpPr>
+        <p:spPr>
+          <a:xfrm>
+            <a:off x="765048" y="381000"/>
+            <a:ext cx="8153400" cy="990600"/>
+          </a:xfrm>
+          <a:prstGeom prst="rect">
+            <a:avLst/>
+          </a:prstGeom>
+        </p:spPr>
+        <p:txBody>
+          <a:bodyPr vert="horz" anchor="ctr">
+            <a:normAutofit/>
           </a:bodyPr>
+          <a:lstStyle>
+            <a:lvl1pPr algn="l" rtl="0" eaLnBrk="1" latinLnBrk="0" hangingPunct="1">
+              <a:spcBef>
+                <a:spcPct val="0"/>
+              </a:spcBef>
+              <a:buNone/>
+              <a:defRPr kumimoji="0" sz="4400" b="1" kern="1200">
+                <a:solidFill>
+                  <a:schemeClr val="tx2"/>
+                </a:solidFill>
+                <a:latin typeface="+mj-lt"/>
+                <a:ea typeface="+mj-ea"/>
+                <a:cs typeface="+mj-cs"/>
+              </a:defRPr>
+            </a:lvl1pPr>
+          </a:lstStyle>
+          <a:p>
+            <a:r>
+              <a:rPr lang="en-US" smtClean="0"/>
+              <a:t>			AGENDA</a:t>
+            </a:r>
+            <a:endParaRPr lang="en-US" dirty="0"/>
+          </a:p>
+        </p:txBody>
+      </p:sp>
+    </p:spTree>
+    <p:extLst>
+      <p:ext uri="{BB962C8B-B14F-4D97-AF65-F5344CB8AC3E}">
+        <p14:creationId xmlns:p14="http://schemas.microsoft.com/office/powerpoint/2010/main" val="2316676927"/>
+      </p:ext>
+    </p:extLst>
+  </p:cSld>
+  <p:clrMapOvr>
+    <a:masterClrMapping/>
+  </p:clrMapOvr>
+  <p:timing>
+    <p:tnLst>
+      <p:par>
+        <p:cTn xmlns:p14="http://schemas.microsoft.com/office/powerpoint/2010/main" id="1" dur="indefinite" restart="never" nodeType="tmRoot"/>
+      </p:par>
+    </p:tnLst>
+  </p:timing>
+</p:sld>
+</file>
+
+<file path=ppt/slides/slide20.xml><?xml version="1.0" encoding="utf-8"?>
+<p:sld xmlns:a="http://schemas.openxmlformats.org/drawingml/2006/main" xmlns:r="http://schemas.openxmlformats.org/officeDocument/2006/relationships" xmlns:p="http://schemas.openxmlformats.org/presentationml/2006/main">
+  <p:cSld>
+    <p:spTree>
+      <p:nvGrpSpPr>
+        <p:cNvPr id="1" name=""/>
+        <p:cNvGrpSpPr/>
+        <p:nvPr/>
+      </p:nvGrpSpPr>
+      <p:grpSpPr>
+        <a:xfrm>
+          <a:off x="0" y="0"/>
+          <a:ext cx="0" cy="0"/>
+          <a:chOff x="0" y="0"/>
+          <a:chExt cx="0" cy="0"/>
+        </a:xfrm>
+      </p:grpSpPr>
+      <p:sp>
+        <p:nvSpPr>
+          <p:cNvPr id="2" name="Title 1"/>
+          <p:cNvSpPr>
+            <a:spLocks noGrp="1"/>
+          </p:cNvSpPr>
+          <p:nvPr>
+            <p:ph type="title"/>
+          </p:nvPr>
+        </p:nvSpPr>
+        <p:spPr/>
+        <p:txBody>
+          <a:bodyPr/>
           <a:lstStyle/>
           <a:p>
-            <a:r>
-              <a:rPr lang="en-US" sz="5400" dirty="0" smtClean="0">
-                <a:latin typeface="Arial Black"/>
-                <a:cs typeface="Arial Black"/>
-              </a:rPr>
-              <a:t> </a:t>
-            </a:r>
             <a:r>
               <a:rPr lang="en-US" dirty="0" smtClean="0">
                 <a:latin typeface="Arial Black"/>
                 <a:cs typeface="Arial Black"/>
               </a:rPr>
-              <a:t>Device Driver Architecture</a:t>
+              <a:t>File System</a:t>
             </a:r>
             <a:endParaRPr lang="en-US" dirty="0">
               <a:latin typeface="Arial Black"/>
@@ -10290,71 +10901,98 @@
             <a:spLocks noGrp="1"/>
           </p:cNvSpPr>
           <p:nvPr>
-            <p:ph idx="1"/>
+            <p:ph sz="quarter" idx="1"/>
           </p:nvPr>
         </p:nvSpPr>
         <p:spPr/>
         <p:txBody>
-          <a:bodyPr/>
+          <a:bodyPr>
+            <a:normAutofit lnSpcReduction="10000"/>
+          </a:bodyPr>
           <a:lstStyle/>
           <a:p>
-            <a:pPr marL="285750" indent="-285750" algn="just"/>
-            <a:r>
-              <a:rPr lang="en-US" dirty="0"/>
-              <a:t>Both Windows and Linux support addition of device  driver modules in runtime</a:t>
-            </a:r>
-          </a:p>
-          <a:p>
-            <a:pPr marL="285750" indent="-285750" algn="just"/>
-            <a:r>
-              <a:rPr lang="en-US" dirty="0"/>
-              <a:t>Driver module expose callback routines</a:t>
-            </a:r>
-          </a:p>
-          <a:p>
-            <a:pPr lvl="1" algn="just">
-              <a:buFont typeface="Arial"/>
-              <a:buChar char="•"/>
-            </a:pPr>
-            <a:r>
-              <a:rPr lang="en-US" sz="3200" dirty="0" smtClean="0"/>
-              <a:t>Driver Initialization</a:t>
-            </a:r>
-          </a:p>
-          <a:p>
-            <a:pPr lvl="1" algn="just">
-              <a:buFont typeface="Arial"/>
-              <a:buChar char="•"/>
-            </a:pPr>
-            <a:r>
-              <a:rPr lang="en-US" sz="3200" dirty="0" smtClean="0"/>
-              <a:t>IO functionality</a:t>
-            </a:r>
-          </a:p>
-          <a:p>
-            <a:pPr lvl="1" algn="just">
-              <a:buFont typeface="Arial"/>
-              <a:buChar char="•"/>
-            </a:pPr>
-            <a:r>
-              <a:rPr lang="en-US" sz="3200" dirty="0" smtClean="0"/>
-              <a:t>Device add/remove</a:t>
-            </a:r>
-          </a:p>
-          <a:p>
-            <a:pPr lvl="1" algn="just">
-              <a:buFont typeface="Arial"/>
-              <a:buChar char="•"/>
-            </a:pPr>
-            <a:r>
-              <a:rPr lang="en-US" sz="3200" dirty="0" smtClean="0"/>
-              <a:t>Driver unload</a:t>
-            </a:r>
-          </a:p>
-          <a:p>
-            <a:pPr marL="0" indent="0">
-              <a:buNone/>
-            </a:pPr>
+            <a:r>
+              <a:rPr lang="en-US" dirty="0" smtClean="0"/>
+              <a:t>Everything is a file</a:t>
+            </a:r>
+          </a:p>
+          <a:p>
+            <a:pPr lvl="1"/>
+            <a:r>
+              <a:rPr lang="en-US" dirty="0" err="1" smtClean="0"/>
+              <a:t>Inode</a:t>
+            </a:r>
+            <a:r>
+              <a:rPr lang="en-US" dirty="0" smtClean="0"/>
+              <a:t> </a:t>
+            </a:r>
+            <a:r>
+              <a:rPr lang="en-US" dirty="0" err="1" smtClean="0"/>
+              <a:t>Vs</a:t>
+            </a:r>
+            <a:r>
+              <a:rPr lang="en-US" dirty="0" smtClean="0"/>
+              <a:t> NTFS</a:t>
+            </a:r>
+          </a:p>
+          <a:p>
+            <a:pPr lvl="1"/>
+            <a:r>
+              <a:rPr lang="en-US" dirty="0" smtClean="0"/>
+              <a:t>Rename/delete file while its open</a:t>
+            </a:r>
+          </a:p>
+          <a:p>
+            <a:pPr lvl="2"/>
+            <a:r>
+              <a:rPr lang="en-US" dirty="0" smtClean="0"/>
+              <a:t>Default in </a:t>
+            </a:r>
+            <a:r>
+              <a:rPr lang="en-US" dirty="0" err="1" smtClean="0"/>
+              <a:t>linux</a:t>
+            </a:r>
+            <a:endParaRPr lang="en-US" dirty="0" smtClean="0"/>
+          </a:p>
+          <a:p>
+            <a:pPr lvl="2"/>
+            <a:r>
+              <a:rPr lang="en-US" dirty="0" smtClean="0"/>
+              <a:t>NTFS Support : C library </a:t>
+            </a:r>
+            <a:r>
+              <a:rPr lang="en-US" dirty="0" err="1" smtClean="0"/>
+              <a:t>fopen</a:t>
+            </a:r>
+            <a:r>
+              <a:rPr lang="en-US" dirty="0" smtClean="0"/>
+              <a:t> FILE_SHARE_DELETE</a:t>
+            </a:r>
+          </a:p>
+          <a:p>
+            <a:r>
+              <a:rPr lang="en-US" dirty="0" smtClean="0"/>
+              <a:t>Boot Process directory sort </a:t>
+            </a:r>
+          </a:p>
+          <a:p>
+            <a:r>
+              <a:rPr lang="en-US" dirty="0" smtClean="0"/>
+              <a:t>Merged program / documentation directories </a:t>
+            </a:r>
+          </a:p>
+          <a:p>
+            <a:pPr lvl="1"/>
+            <a:r>
+              <a:rPr lang="en-US" dirty="0" smtClean="0"/>
+              <a:t>No per application space for files</a:t>
+            </a:r>
+          </a:p>
+          <a:p>
+            <a:r>
+              <a:rPr lang="en-US" dirty="0" smtClean="0"/>
+              <a:t>Transparent network file system access</a:t>
+            </a:r>
             <a:endParaRPr lang="en-US" dirty="0"/>
           </a:p>
         </p:txBody>
@@ -10362,7 +11000,7 @@
     </p:spTree>
     <p:extLst>
       <p:ext uri="{BB962C8B-B14F-4D97-AF65-F5344CB8AC3E}">
-        <p14:creationId xmlns:p14="http://schemas.microsoft.com/office/powerpoint/2010/main" val="2926970501"/>
+        <p14:creationId xmlns:p14="http://schemas.microsoft.com/office/powerpoint/2010/main" val="4217624738"/>
       </p:ext>
     </p:extLst>
   </p:cSld>
@@ -10414,11 +11052,18 @@
           <a:lstStyle/>
           <a:p>
             <a:r>
+              <a:rPr lang="en-US" sz="5400" dirty="0" smtClean="0">
+                <a:latin typeface="Arial Black"/>
+                <a:cs typeface="Arial Black"/>
+              </a:rPr>
+              <a:t> </a:t>
+            </a:r>
+            <a:r>
               <a:rPr lang="en-US" dirty="0" smtClean="0">
                 <a:latin typeface="Arial Black"/>
                 <a:cs typeface="Arial Black"/>
               </a:rPr>
-              <a:t>Windows Driver Architecture</a:t>
+              <a:t>Device Driver Architecture</a:t>
             </a:r>
             <a:endParaRPr lang="en-US" dirty="0">
               <a:latin typeface="Arial Black"/>
@@ -10434,73 +11079,99 @@
             <a:spLocks noGrp="1"/>
           </p:cNvSpPr>
           <p:nvPr>
-            <p:ph idx="1"/>
+            <p:ph sz="quarter" idx="1"/>
           </p:nvPr>
         </p:nvSpPr>
         <p:spPr/>
         <p:txBody>
-          <a:bodyPr/>
+          <a:bodyPr>
+            <a:normAutofit/>
+          </a:bodyPr>
           <a:lstStyle/>
           <a:p>
-            <a:r>
-              <a:rPr lang="en-US" dirty="0" smtClean="0"/>
-              <a:t>Two broad classes</a:t>
-            </a:r>
-          </a:p>
-          <a:p>
-            <a:pPr lvl="1"/>
-            <a:r>
-              <a:rPr lang="en-US" dirty="0" smtClean="0"/>
-              <a:t>Legacy</a:t>
-            </a:r>
-          </a:p>
-          <a:p>
-            <a:pPr lvl="1"/>
-            <a:r>
-              <a:rPr lang="en-US" dirty="0" smtClean="0"/>
-              <a:t>PnP(Plug and Play)</a:t>
-            </a:r>
-          </a:p>
-          <a:p>
-            <a:pPr lvl="1"/>
-            <a:endParaRPr lang="en-US" dirty="0"/>
-          </a:p>
-          <a:p>
-            <a:pPr lvl="1"/>
-            <a:endParaRPr lang="en-US" dirty="0" smtClean="0"/>
-          </a:p>
-          <a:p>
-            <a:r>
-              <a:rPr lang="en-US" dirty="0" smtClean="0"/>
-              <a:t>PnP Driver Characteristics</a:t>
-            </a:r>
-          </a:p>
-          <a:p>
-            <a:pPr lvl="1"/>
-            <a:r>
-              <a:rPr lang="en-US" dirty="0" smtClean="0"/>
-              <a:t>Loaded On Demand</a:t>
-            </a:r>
-          </a:p>
-          <a:p>
-            <a:pPr lvl="1"/>
-            <a:r>
-              <a:rPr lang="en-US" dirty="0" smtClean="0"/>
-              <a:t>Does not consume  extra resources</a:t>
-            </a:r>
-          </a:p>
-          <a:p>
-            <a:pPr marL="457200" lvl="1" indent="0">
+            <a:pPr marL="285750" indent="-285750" algn="just"/>
+            <a:r>
+              <a:rPr lang="en-US" sz="2400" dirty="0">
+                <a:latin typeface="Arial"/>
+                <a:cs typeface="Arial"/>
+              </a:rPr>
+              <a:t>Both Windows and Linux support addition of device  driver modules in runtime</a:t>
+            </a:r>
+          </a:p>
+          <a:p>
+            <a:pPr marL="285750" indent="-285750" algn="just"/>
+            <a:r>
+              <a:rPr lang="en-US" sz="2400" dirty="0">
+                <a:latin typeface="Arial"/>
+                <a:cs typeface="Arial"/>
+              </a:rPr>
+              <a:t>Driver module expose callback routines</a:t>
+            </a:r>
+          </a:p>
+          <a:p>
+            <a:pPr lvl="1" algn="just">
+              <a:buFont typeface="Arial"/>
+              <a:buChar char="•"/>
+            </a:pPr>
+            <a:r>
+              <a:rPr lang="en-US" sz="2400" dirty="0" smtClean="0">
+                <a:latin typeface="Arial"/>
+                <a:cs typeface="Arial"/>
+              </a:rPr>
+              <a:t>Driver Initialization</a:t>
+            </a:r>
+          </a:p>
+          <a:p>
+            <a:pPr lvl="1" algn="just">
+              <a:buFont typeface="Arial"/>
+              <a:buChar char="•"/>
+            </a:pPr>
+            <a:r>
+              <a:rPr lang="en-US" sz="2400" dirty="0" smtClean="0">
+                <a:latin typeface="Arial"/>
+                <a:cs typeface="Arial"/>
+              </a:rPr>
+              <a:t>IO functionality</a:t>
+            </a:r>
+          </a:p>
+          <a:p>
+            <a:pPr lvl="1" algn="just">
+              <a:buFont typeface="Arial"/>
+              <a:buChar char="•"/>
+            </a:pPr>
+            <a:r>
+              <a:rPr lang="en-US" sz="2400" dirty="0" smtClean="0">
+                <a:latin typeface="Arial"/>
+                <a:cs typeface="Arial"/>
+              </a:rPr>
+              <a:t>Device add/remove</a:t>
+            </a:r>
+          </a:p>
+          <a:p>
+            <a:pPr lvl="1" algn="just">
+              <a:buFont typeface="Arial"/>
+              <a:buChar char="•"/>
+            </a:pPr>
+            <a:r>
+              <a:rPr lang="en-US" sz="2400" dirty="0" smtClean="0">
+                <a:latin typeface="Arial"/>
+                <a:cs typeface="Arial"/>
+              </a:rPr>
+              <a:t>Driver unload</a:t>
+            </a:r>
+          </a:p>
+          <a:p>
+            <a:pPr marL="0" indent="0">
               <a:buNone/>
             </a:pPr>
-            <a:endParaRPr lang="en-US" dirty="0" smtClean="0"/>
+            <a:endParaRPr lang="en-US" dirty="0"/>
           </a:p>
         </p:txBody>
       </p:sp>
     </p:spTree>
     <p:extLst>
       <p:ext uri="{BB962C8B-B14F-4D97-AF65-F5344CB8AC3E}">
-        <p14:creationId xmlns:p14="http://schemas.microsoft.com/office/powerpoint/2010/main" val="715153443"/>
+        <p14:creationId xmlns:p14="http://schemas.microsoft.com/office/powerpoint/2010/main" val="2926970501"/>
       </p:ext>
     </p:extLst>
   </p:cSld>
@@ -10544,6 +11215,158 @@
             <p:ph type="title"/>
           </p:nvPr>
         </p:nvSpPr>
+        <p:spPr>
+          <a:xfrm>
+            <a:off x="612647" y="228600"/>
+            <a:ext cx="8314249" cy="990600"/>
+          </a:xfrm>
+        </p:spPr>
+        <p:txBody>
+          <a:bodyPr>
+            <a:normAutofit fontScale="90000"/>
+          </a:bodyPr>
+          <a:lstStyle/>
+          <a:p>
+            <a:r>
+              <a:rPr lang="en-US" dirty="0" smtClean="0">
+                <a:latin typeface="Arial Black"/>
+                <a:cs typeface="Arial Black"/>
+              </a:rPr>
+              <a:t>Windows </a:t>
+            </a:r>
+            <a:r>
+              <a:rPr lang="en-US" dirty="0" smtClean="0">
+                <a:latin typeface="Arial Black"/>
+                <a:cs typeface="Arial Black"/>
+              </a:rPr>
+              <a:t>Driver Architecture</a:t>
+            </a:r>
+            <a:endParaRPr lang="en-US" dirty="0">
+              <a:latin typeface="Arial Black"/>
+              <a:cs typeface="Arial Black"/>
+            </a:endParaRPr>
+          </a:p>
+        </p:txBody>
+      </p:sp>
+      <p:sp>
+        <p:nvSpPr>
+          <p:cNvPr id="3" name="Content Placeholder 2"/>
+          <p:cNvSpPr>
+            <a:spLocks noGrp="1"/>
+          </p:cNvSpPr>
+          <p:nvPr>
+            <p:ph sz="quarter" idx="1"/>
+          </p:nvPr>
+        </p:nvSpPr>
+        <p:spPr/>
+        <p:txBody>
+          <a:bodyPr>
+            <a:normAutofit/>
+          </a:bodyPr>
+          <a:lstStyle/>
+          <a:p>
+            <a:r>
+              <a:rPr lang="en-US" sz="2400" dirty="0" smtClean="0"/>
+              <a:t>Two broad classes</a:t>
+            </a:r>
+          </a:p>
+          <a:p>
+            <a:pPr lvl="1"/>
+            <a:r>
+              <a:rPr lang="en-US" sz="2400" dirty="0" smtClean="0"/>
+              <a:t>Legacy</a:t>
+            </a:r>
+          </a:p>
+          <a:p>
+            <a:pPr lvl="1"/>
+            <a:r>
+              <a:rPr lang="en-US" sz="2400" dirty="0" smtClean="0"/>
+              <a:t>PnP(Plug and Play)</a:t>
+            </a:r>
+          </a:p>
+          <a:p>
+            <a:pPr lvl="1"/>
+            <a:endParaRPr lang="en-US" sz="2400" dirty="0"/>
+          </a:p>
+          <a:p>
+            <a:pPr lvl="1"/>
+            <a:endParaRPr lang="en-US" sz="2400" dirty="0" smtClean="0"/>
+          </a:p>
+          <a:p>
+            <a:r>
+              <a:rPr lang="en-US" sz="2400" dirty="0" smtClean="0"/>
+              <a:t>PnP Driver Characteristics</a:t>
+            </a:r>
+          </a:p>
+          <a:p>
+            <a:pPr lvl="1"/>
+            <a:r>
+              <a:rPr lang="en-US" sz="2400" dirty="0" smtClean="0"/>
+              <a:t>Loaded On Demand</a:t>
+            </a:r>
+          </a:p>
+          <a:p>
+            <a:pPr lvl="1"/>
+            <a:r>
+              <a:rPr lang="en-US" sz="2400" dirty="0" smtClean="0"/>
+              <a:t>Does not consume  extra resources</a:t>
+            </a:r>
+          </a:p>
+          <a:p>
+            <a:pPr marL="457200" lvl="1" indent="0">
+              <a:buNone/>
+            </a:pPr>
+            <a:endParaRPr lang="en-US" sz="2400" dirty="0" smtClean="0"/>
+          </a:p>
+        </p:txBody>
+      </p:sp>
+    </p:spTree>
+    <p:extLst>
+      <p:ext uri="{BB962C8B-B14F-4D97-AF65-F5344CB8AC3E}">
+        <p14:creationId xmlns:p14="http://schemas.microsoft.com/office/powerpoint/2010/main" val="715153443"/>
+      </p:ext>
+    </p:extLst>
+  </p:cSld>
+  <p:clrMapOvr>
+    <a:masterClrMapping/>
+  </p:clrMapOvr>
+  <p:timing>
+    <p:tnLst>
+      <p:par>
+        <p:cTn xmlns:p14="http://schemas.microsoft.com/office/powerpoint/2010/main" id="1" dur="indefinite" restart="never" nodeType="tmRoot"/>
+      </p:par>
+    </p:tnLst>
+  </p:timing>
+</p:sld>
+</file>
+
+<file path=ppt/slides/slide5.xml><?xml version="1.0" encoding="utf-8"?>
+<p:sld xmlns:a="http://schemas.openxmlformats.org/drawingml/2006/main" xmlns:r="http://schemas.openxmlformats.org/officeDocument/2006/relationships" xmlns:p="http://schemas.openxmlformats.org/presentationml/2006/main">
+  <p:cSld>
+    <p:spTree>
+      <p:nvGrpSpPr>
+        <p:cNvPr id="1" name=""/>
+        <p:cNvGrpSpPr/>
+        <p:nvPr/>
+      </p:nvGrpSpPr>
+      <p:grpSpPr>
+        <a:xfrm>
+          <a:off x="0" y="0"/>
+          <a:ext cx="0" cy="0"/>
+          <a:chOff x="0" y="0"/>
+          <a:chExt cx="0" cy="0"/>
+        </a:xfrm>
+      </p:grpSpPr>
+      <p:sp>
+        <p:nvSpPr>
+          <p:cNvPr id="2" name="Title 1"/>
+          <p:cNvSpPr>
+            <a:spLocks noGrp="1"/>
+          </p:cNvSpPr>
+          <p:nvPr>
+            <p:ph type="title"/>
+          </p:nvPr>
+        </p:nvSpPr>
         <p:spPr/>
         <p:txBody>
           <a:bodyPr>
@@ -10572,7 +11395,7 @@
             <a:spLocks noGrp="1"/>
           </p:cNvSpPr>
           <p:nvPr>
-            <p:ph idx="1"/>
+            <p:ph sz="quarter" idx="1"/>
           </p:nvPr>
         </p:nvSpPr>
         <p:spPr/>
@@ -10604,12 +11427,12 @@
           <a:p>
             <a:pPr lvl="1"/>
             <a:r>
-              <a:rPr lang="en-US" dirty="0" err="1"/>
-              <a:t>Fucntional</a:t>
+              <a:rPr lang="en-US" dirty="0" smtClean="0"/>
+              <a:t>Functional </a:t>
             </a:r>
             <a:r>
               <a:rPr lang="en-US" dirty="0"/>
-              <a:t> Driver</a:t>
+              <a:t>Driver</a:t>
             </a:r>
           </a:p>
           <a:p>
@@ -10684,7 +11507,7 @@
 </p:sld>
 </file>
 
-<file path=ppt/slides/slide5.xml><?xml version="1.0" encoding="utf-8"?>
+<file path=ppt/slides/slide6.xml><?xml version="1.0" encoding="utf-8"?>
 <p:sld xmlns:a="http://schemas.openxmlformats.org/drawingml/2006/main" xmlns:r="http://schemas.openxmlformats.org/officeDocument/2006/relationships" xmlns:p="http://schemas.openxmlformats.org/presentationml/2006/main">
   <p:cSld>
     <p:spTree>
@@ -10723,8 +11546,8 @@
         </p:blipFill>
         <p:spPr>
           <a:xfrm>
-            <a:off x="0" y="1250292"/>
-            <a:ext cx="8789165" cy="5607707"/>
+            <a:off x="188344" y="1624632"/>
+            <a:ext cx="8789165" cy="5065301"/>
           </a:xfrm>
           <a:prstGeom prst="rect">
             <a:avLst/>
@@ -10733,48 +11556,37 @@
       </p:pic>
       <p:sp>
         <p:nvSpPr>
-          <p:cNvPr id="7" name="TextBox 6"/>
-          <p:cNvSpPr txBox="1"/>
-          <p:nvPr/>
+          <p:cNvPr id="4" name="Title 1"/>
+          <p:cNvSpPr>
+            <a:spLocks noGrp="1"/>
+          </p:cNvSpPr>
+          <p:nvPr>
+            <p:ph type="title"/>
+          </p:nvPr>
         </p:nvSpPr>
         <p:spPr>
           <a:xfrm>
-            <a:off x="57615" y="542406"/>
-            <a:ext cx="9086385" cy="692497"/>
+            <a:off x="336159" y="228600"/>
+            <a:ext cx="8807841" cy="990600"/>
           </a:xfrm>
-          <a:prstGeom prst="rect">
-            <a:avLst/>
-          </a:prstGeom>
-          <a:noFill/>
         </p:spPr>
         <p:txBody>
-          <a:bodyPr wrap="none" rtlCol="0">
-            <a:spAutoFit/>
+          <a:bodyPr>
+            <a:noAutofit/>
           </a:bodyPr>
           <a:lstStyle/>
           <a:p>
-            <a:r>
-              <a:rPr lang="en-US" sz="3900" dirty="0" smtClean="0">
-                <a:latin typeface="Arial Black"/>
-                <a:cs typeface="Arial Black"/>
-              </a:rPr>
-              <a:t>IRP flow in </a:t>
-            </a:r>
             <a:r>
               <a:rPr lang="en-US" sz="3600" dirty="0" smtClean="0">
                 <a:latin typeface="Arial Black"/>
                 <a:cs typeface="Arial Black"/>
               </a:rPr>
-              <a:t>Windows</a:t>
-            </a:r>
-            <a:r>
-              <a:rPr lang="en-US" sz="3900" dirty="0" smtClean="0">
-                <a:latin typeface="Arial Black"/>
-                <a:cs typeface="Arial Black"/>
-              </a:rPr>
-              <a:t> Driver Stack</a:t>
-            </a:r>
-            <a:endParaRPr lang="en-US" sz="3900" dirty="0"/>
+              <a:t>IRP Flow in Windows Driver Stack</a:t>
+            </a:r>
+            <a:endParaRPr lang="en-US" sz="3600" dirty="0">
+              <a:latin typeface="Arial Black"/>
+              <a:cs typeface="Arial Black"/>
+            </a:endParaRPr>
           </a:p>
         </p:txBody>
       </p:sp>
@@ -10798,154 +11610,6 @@
 </p:sld>
 </file>
 
-<file path=ppt/slides/slide6.xml><?xml version="1.0" encoding="utf-8"?>
-<p:sld xmlns:a="http://schemas.openxmlformats.org/drawingml/2006/main" xmlns:r="http://schemas.openxmlformats.org/officeDocument/2006/relationships" xmlns:p="http://schemas.openxmlformats.org/presentationml/2006/main">
-  <p:cSld>
-    <p:spTree>
-      <p:nvGrpSpPr>
-        <p:cNvPr id="1" name=""/>
-        <p:cNvGrpSpPr/>
-        <p:nvPr/>
-      </p:nvGrpSpPr>
-      <p:grpSpPr>
-        <a:xfrm>
-          <a:off x="0" y="0"/>
-          <a:ext cx="0" cy="0"/>
-          <a:chOff x="0" y="0"/>
-          <a:chExt cx="0" cy="0"/>
-        </a:xfrm>
-      </p:grpSpPr>
-      <p:sp>
-        <p:nvSpPr>
-          <p:cNvPr id="2" name="Title 1"/>
-          <p:cNvSpPr>
-            <a:spLocks noGrp="1"/>
-          </p:cNvSpPr>
-          <p:nvPr>
-            <p:ph type="title"/>
-          </p:nvPr>
-        </p:nvSpPr>
-        <p:spPr>
-          <a:xfrm>
-            <a:off x="457200" y="274638"/>
-            <a:ext cx="8451022" cy="1143000"/>
-          </a:xfrm>
-        </p:spPr>
-        <p:txBody>
-          <a:bodyPr>
-            <a:normAutofit/>
-          </a:bodyPr>
-          <a:lstStyle/>
-          <a:p>
-            <a:r>
-              <a:rPr lang="en-US" sz="3600" dirty="0" smtClean="0">
-                <a:latin typeface="Arial Black"/>
-                <a:cs typeface="Arial Black"/>
-              </a:rPr>
-              <a:t>WDM Driver Primary callbacks</a:t>
-            </a:r>
-            <a:endParaRPr lang="en-US" sz="3600" dirty="0">
-              <a:latin typeface="Arial Black"/>
-              <a:cs typeface="Arial Black"/>
-            </a:endParaRPr>
-          </a:p>
-        </p:txBody>
-      </p:sp>
-      <p:sp>
-        <p:nvSpPr>
-          <p:cNvPr id="3" name="Content Placeholder 2"/>
-          <p:cNvSpPr>
-            <a:spLocks noGrp="1"/>
-          </p:cNvSpPr>
-          <p:nvPr>
-            <p:ph idx="1"/>
-          </p:nvPr>
-        </p:nvSpPr>
-        <p:spPr/>
-        <p:txBody>
-          <a:bodyPr>
-            <a:normAutofit/>
-          </a:bodyPr>
-          <a:lstStyle/>
-          <a:p>
-            <a:pPr algn="just"/>
-            <a:r>
-              <a:rPr lang="en-US" dirty="0" err="1"/>
-              <a:t>DriverEntry</a:t>
-            </a:r>
-            <a:r>
-              <a:rPr lang="en-US" dirty="0"/>
-              <a:t>() </a:t>
-            </a:r>
-          </a:p>
-          <a:p>
-            <a:pPr lvl="1" algn="just"/>
-            <a:r>
-              <a:rPr lang="en-US" dirty="0"/>
-              <a:t>Driver load and resource initialization</a:t>
-            </a:r>
-          </a:p>
-          <a:p>
-            <a:pPr algn="just"/>
-            <a:r>
-              <a:rPr lang="en-US" dirty="0" err="1"/>
-              <a:t>AddDevice</a:t>
-            </a:r>
-            <a:r>
-              <a:rPr lang="en-US" dirty="0"/>
-              <a:t>() </a:t>
-            </a:r>
-          </a:p>
-          <a:p>
-            <a:pPr lvl="1" algn="just"/>
-            <a:r>
-              <a:rPr lang="en-US" dirty="0"/>
-              <a:t>Device Object create and resource allocation</a:t>
-            </a:r>
-          </a:p>
-          <a:p>
-            <a:pPr lvl="1" algn="just"/>
-            <a:r>
-              <a:rPr lang="en-US" dirty="0"/>
-              <a:t>128 GUIDs generated for Device Identifier</a:t>
-            </a:r>
-          </a:p>
-          <a:p>
-            <a:pPr lvl="1" algn="just"/>
-            <a:r>
-              <a:rPr lang="en-US" dirty="0"/>
-              <a:t>Driver registers the GUID for a device</a:t>
-            </a:r>
-          </a:p>
-          <a:p>
-            <a:pPr algn="just"/>
-            <a:r>
-              <a:rPr lang="en-US" dirty="0"/>
-              <a:t>Dispatch()</a:t>
-            </a:r>
-          </a:p>
-          <a:p>
-            <a:pPr lvl="1" algn="just"/>
-            <a:r>
-              <a:rPr lang="en-US" dirty="0"/>
-              <a:t>Handles IO requests(sent as IRP)</a:t>
-            </a:r>
-          </a:p>
-        </p:txBody>
-      </p:sp>
-    </p:spTree>
-    <p:extLst>
-      <p:ext uri="{BB962C8B-B14F-4D97-AF65-F5344CB8AC3E}">
-        <p14:creationId xmlns:p14="http://schemas.microsoft.com/office/powerpoint/2010/main" val="1575657690"/>
-      </p:ext>
-    </p:extLst>
-  </p:cSld>
-  <p:clrMapOvr>
-    <a:masterClrMapping/>
-  </p:clrMapOvr>
-</p:sld>
-</file>
-
 <file path=ppt/slides/slide7.xml><?xml version="1.0" encoding="utf-8"?>
 <p:sld xmlns:a="http://schemas.openxmlformats.org/drawingml/2006/main" xmlns:r="http://schemas.openxmlformats.org/officeDocument/2006/relationships" xmlns:p="http://schemas.openxmlformats.org/presentationml/2006/main">
   <p:cSld>
@@ -10973,7 +11637,12 @@
             <p:ph type="title"/>
           </p:nvPr>
         </p:nvSpPr>
-        <p:spPr/>
+        <p:spPr>
+          <a:xfrm>
+            <a:off x="457200" y="274638"/>
+            <a:ext cx="8451022" cy="1143000"/>
+          </a:xfrm>
+        </p:spPr>
         <p:txBody>
           <a:bodyPr>
             <a:normAutofit/>
@@ -10981,13 +11650,13 @@
           <a:lstStyle/>
           <a:p>
             <a:r>
-              <a:rPr lang="en-US" sz="4000" dirty="0" smtClean="0">
+              <a:rPr lang="en-US" sz="3600" dirty="0" smtClean="0">
                 <a:latin typeface="Arial Black"/>
                 <a:cs typeface="Arial Black"/>
               </a:rPr>
-              <a:t>WDM IO User-Kernel Space</a:t>
-            </a:r>
-            <a:endParaRPr lang="en-US" sz="4000" dirty="0">
+              <a:t>WDM Driver Primary callbacks</a:t>
+            </a:r>
+            <a:endParaRPr lang="en-US" sz="3600" dirty="0">
               <a:latin typeface="Arial Black"/>
               <a:cs typeface="Arial Black"/>
             </a:endParaRPr>
@@ -11001,79 +11670,77 @@
             <a:spLocks noGrp="1"/>
           </p:cNvSpPr>
           <p:nvPr>
-            <p:ph idx="1"/>
+            <p:ph sz="quarter" idx="1"/>
           </p:nvPr>
         </p:nvSpPr>
         <p:spPr/>
         <p:txBody>
           <a:bodyPr>
-            <a:normAutofit fontScale="92500" lnSpcReduction="20000"/>
+            <a:normAutofit/>
           </a:bodyPr>
           <a:lstStyle/>
           <a:p>
+            <a:pPr algn="just"/>
+            <a:r>
+              <a:rPr lang="en-US" dirty="0" err="1"/>
+              <a:t>DriverEntry</a:t>
+            </a:r>
             <a:r>
               <a:rPr lang="en-US" dirty="0"/>
-              <a:t>Three primary ways</a:t>
-            </a:r>
-          </a:p>
-          <a:p>
+              <a:t>() </a:t>
+            </a:r>
+          </a:p>
+          <a:p>
+            <a:pPr lvl="1" algn="just"/>
             <a:r>
               <a:rPr lang="en-US" dirty="0"/>
-              <a:t>Buffered IO</a:t>
-            </a:r>
-          </a:p>
-          <a:p>
-            <a:pPr lvl="1"/>
+              <a:t>Driver load and resource initialization</a:t>
+            </a:r>
+          </a:p>
+          <a:p>
+            <a:pPr algn="just"/>
+            <a:r>
+              <a:rPr lang="en-US" dirty="0" err="1"/>
+              <a:t>AddDevice</a:t>
+            </a:r>
             <a:r>
               <a:rPr lang="en-US" dirty="0"/>
-              <a:t>Kernel buffer allocated</a:t>
-            </a:r>
-          </a:p>
-          <a:p>
-            <a:pPr lvl="1"/>
+              <a:t>() </a:t>
+            </a:r>
+          </a:p>
+          <a:p>
+            <a:pPr lvl="1" algn="just"/>
             <a:r>
               <a:rPr lang="en-US" dirty="0"/>
-              <a:t>OS validates buffer before copying contents</a:t>
-            </a:r>
-          </a:p>
-          <a:p>
+              <a:t>Device Object create and resource allocation</a:t>
+            </a:r>
+          </a:p>
+          <a:p>
+            <a:pPr lvl="1" algn="just"/>
             <a:r>
               <a:rPr lang="en-US" dirty="0"/>
-              <a:t>Direct IO</a:t>
-            </a:r>
-          </a:p>
-          <a:p>
-            <a:pPr lvl="1"/>
+              <a:t>128 GUIDs generated for Device Identifier</a:t>
+            </a:r>
+          </a:p>
+          <a:p>
+            <a:pPr lvl="1" algn="just"/>
             <a:r>
               <a:rPr lang="en-US" dirty="0"/>
-              <a:t>User space locked memory allocated</a:t>
-            </a:r>
-          </a:p>
-          <a:p>
-            <a:pPr lvl="1"/>
+              <a:t>Driver registers the GUID for a device</a:t>
+            </a:r>
+          </a:p>
+          <a:p>
+            <a:pPr algn="just"/>
             <a:r>
               <a:rPr lang="en-US" dirty="0"/>
-              <a:t>Memory Descriptor List(MDL) passed on to driver via IRP</a:t>
-            </a:r>
-          </a:p>
-          <a:p>
-            <a:pPr lvl="1"/>
+              <a:t>Dispatch()</a:t>
+            </a:r>
+          </a:p>
+          <a:p>
+            <a:pPr lvl="1" algn="just"/>
             <a:r>
               <a:rPr lang="en-US" dirty="0"/>
-              <a:t>Driver initiates DMA to/from buffer using MDL info</a:t>
-            </a:r>
-          </a:p>
-          <a:p>
-            <a:r>
-              <a:rPr lang="en-US" dirty="0"/>
-              <a:t>Method Neither IO </a:t>
-            </a:r>
-          </a:p>
-          <a:p>
-            <a:pPr lvl="1"/>
-            <a:r>
-              <a:rPr lang="en-US" dirty="0"/>
-              <a:t>User space virtual pointer passed to driver</a:t>
+              <a:t>Handles IO requests(sent as IRP)</a:t>
             </a:r>
           </a:p>
         </p:txBody>
@@ -11081,13 +11748,20 @@
     </p:spTree>
     <p:extLst>
       <p:ext uri="{BB962C8B-B14F-4D97-AF65-F5344CB8AC3E}">
-        <p14:creationId xmlns:p14="http://schemas.microsoft.com/office/powerpoint/2010/main" val="1243093642"/>
+        <p14:creationId xmlns:p14="http://schemas.microsoft.com/office/powerpoint/2010/main" val="1575657690"/>
       </p:ext>
     </p:extLst>
   </p:cSld>
   <p:clrMapOvr>
     <a:masterClrMapping/>
   </p:clrMapOvr>
+  <p:timing>
+    <p:tnLst>
+      <p:par>
+        <p:cTn xmlns:p14="http://schemas.microsoft.com/office/powerpoint/2010/main" id="1" dur="indefinite" restart="never" nodeType="tmRoot"/>
+      </p:par>
+    </p:tnLst>
+  </p:timing>
 </p:sld>
 </file>
 
@@ -11130,7 +11804,7 @@
                 <a:latin typeface="Arial Black"/>
                 <a:cs typeface="Arial Black"/>
               </a:rPr>
-              <a:t>Linux Driver Architecture</a:t>
+              <a:t>WDM IO User-Kernel Space</a:t>
             </a:r>
             <a:endParaRPr lang="en-US" sz="4000" dirty="0">
               <a:latin typeface="Arial Black"/>
@@ -11146,55 +11820,79 @@
             <a:spLocks noGrp="1"/>
           </p:cNvSpPr>
           <p:nvPr>
-            <p:ph idx="1"/>
+            <p:ph sz="quarter" idx="1"/>
           </p:nvPr>
         </p:nvSpPr>
         <p:spPr/>
         <p:txBody>
-          <a:bodyPr/>
+          <a:bodyPr>
+            <a:normAutofit fontScale="92500" lnSpcReduction="20000"/>
+          </a:bodyPr>
           <a:lstStyle/>
           <a:p>
             <a:r>
               <a:rPr lang="en-US" dirty="0"/>
-              <a:t>Drivers in Linux represented as modules</a:t>
+              <a:t>Three primary ways</a:t>
             </a:r>
           </a:p>
           <a:p>
             <a:r>
               <a:rPr lang="en-US" dirty="0"/>
-              <a:t>Communication between modules done using  function call</a:t>
-            </a:r>
-          </a:p>
-          <a:p>
+              <a:t>Buffered IO</a:t>
+            </a:r>
+          </a:p>
+          <a:p>
+            <a:pPr lvl="1"/>
             <a:r>
               <a:rPr lang="en-US" dirty="0"/>
-              <a:t>Modules can export public function to a symbol table maintained by kernel</a:t>
-            </a:r>
-          </a:p>
-          <a:p>
-            <a:r>
-              <a:rPr lang="en-US" dirty="0" err="1"/>
-              <a:t>module_init</a:t>
-            </a:r>
+              <a:t>Kernel buffer allocated</a:t>
+            </a:r>
+          </a:p>
+          <a:p>
+            <a:pPr lvl="1"/>
             <a:r>
               <a:rPr lang="en-US" dirty="0"/>
-              <a:t> and </a:t>
-            </a:r>
-            <a:r>
-              <a:rPr lang="en-US" dirty="0" err="1"/>
-              <a:t>module_exit</a:t>
-            </a:r>
+              <a:t>OS validates buffer before copying contents</a:t>
+            </a:r>
+          </a:p>
+          <a:p>
             <a:r>
               <a:rPr lang="en-US" dirty="0"/>
-              <a:t> macros to initialize/unload driver(analogous to </a:t>
-            </a:r>
-            <a:r>
-              <a:rPr lang="en-US" dirty="0" err="1"/>
-              <a:t>DriverEntry</a:t>
-            </a:r>
+              <a:t>Direct IO</a:t>
+            </a:r>
+          </a:p>
+          <a:p>
+            <a:pPr lvl="1"/>
             <a:r>
               <a:rPr lang="en-US" dirty="0"/>
-              <a:t>())</a:t>
+              <a:t>User space locked memory allocated</a:t>
+            </a:r>
+          </a:p>
+          <a:p>
+            <a:pPr lvl="1"/>
+            <a:r>
+              <a:rPr lang="en-US" dirty="0"/>
+              <a:t>Memory Descriptor List(MDL) passed on to driver via IRP</a:t>
+            </a:r>
+          </a:p>
+          <a:p>
+            <a:pPr lvl="1"/>
+            <a:r>
+              <a:rPr lang="en-US" dirty="0"/>
+              <a:t>Driver initiates DMA to/from buffer using MDL info</a:t>
+            </a:r>
+          </a:p>
+          <a:p>
+            <a:r>
+              <a:rPr lang="en-US" dirty="0"/>
+              <a:t>Method Neither IO </a:t>
+            </a:r>
+          </a:p>
+          <a:p>
+            <a:pPr lvl="1"/>
+            <a:r>
+              <a:rPr lang="en-US" dirty="0"/>
+              <a:t>User space virtual pointer passed to driver</a:t>
             </a:r>
           </a:p>
         </p:txBody>
@@ -11202,13 +11900,20 @@
     </p:spTree>
     <p:extLst>
       <p:ext uri="{BB962C8B-B14F-4D97-AF65-F5344CB8AC3E}">
-        <p14:creationId xmlns:p14="http://schemas.microsoft.com/office/powerpoint/2010/main" val="3679262061"/>
+        <p14:creationId xmlns:p14="http://schemas.microsoft.com/office/powerpoint/2010/main" val="1243093642"/>
       </p:ext>
     </p:extLst>
   </p:cSld>
   <p:clrMapOvr>
     <a:masterClrMapping/>
   </p:clrMapOvr>
+  <p:timing>
+    <p:tnLst>
+      <p:par>
+        <p:cTn xmlns:p14="http://schemas.microsoft.com/office/powerpoint/2010/main" id="1" dur="indefinite" restart="never" nodeType="tmRoot"/>
+      </p:par>
+    </p:tnLst>
+  </p:timing>
 </p:sld>
 </file>
 
@@ -11242,18 +11947,18 @@
         <p:spPr/>
         <p:txBody>
           <a:bodyPr>
-            <a:noAutofit/>
+            <a:normAutofit/>
           </a:bodyPr>
           <a:lstStyle/>
           <a:p>
             <a:r>
-              <a:rPr lang="en-US" sz="3600" dirty="0" smtClean="0">
+              <a:rPr lang="en-US" sz="4000" dirty="0" smtClean="0">
                 <a:latin typeface="Arial Black"/>
                 <a:cs typeface="Arial Black"/>
               </a:rPr>
-              <a:t>Key Features Linux Device Driver</a:t>
-            </a:r>
-            <a:endParaRPr lang="en-US" sz="3600" dirty="0">
+              <a:t>Linux Driver Architecture</a:t>
+            </a:r>
+            <a:endParaRPr lang="en-US" sz="4000" dirty="0">
               <a:latin typeface="Arial Black"/>
               <a:cs typeface="Arial Black"/>
             </a:endParaRPr>
@@ -11267,53 +11972,55 @@
             <a:spLocks noGrp="1"/>
           </p:cNvSpPr>
           <p:nvPr>
-            <p:ph idx="1"/>
+            <p:ph sz="quarter" idx="1"/>
           </p:nvPr>
         </p:nvSpPr>
         <p:spPr/>
         <p:txBody>
-          <a:bodyPr>
-            <a:normAutofit fontScale="92500"/>
-          </a:bodyPr>
+          <a:bodyPr/>
           <a:lstStyle/>
           <a:p>
             <a:r>
               <a:rPr lang="en-US" dirty="0"/>
-              <a:t>No clear distinction of layered modules(no notion of filter, functional and bus driver as in Windows)</a:t>
+              <a:t>Drivers in Linux represented as modules</a:t>
             </a:r>
           </a:p>
           <a:p>
             <a:r>
               <a:rPr lang="en-US" dirty="0"/>
-              <a:t>Devices are named using major and minor numbers</a:t>
-            </a:r>
-          </a:p>
-          <a:p>
-            <a:pPr lvl="1"/>
+              <a:t>Communication between modules done using  function call</a:t>
+            </a:r>
+          </a:p>
+          <a:p>
             <a:r>
               <a:rPr lang="en-US" dirty="0"/>
-              <a:t>major numbers in range 0 to 255</a:t>
-            </a:r>
-          </a:p>
-          <a:p>
-            <a:pPr lvl="1"/>
+              <a:t>Modules can export public function to a symbol table maintained by kernel</a:t>
+            </a:r>
+          </a:p>
+          <a:p>
+            <a:r>
+              <a:rPr lang="en-US" dirty="0" err="1"/>
+              <a:t>module_init</a:t>
+            </a:r>
             <a:r>
               <a:rPr lang="en-US" dirty="0"/>
-              <a:t>Each driver for a major device number can manage additional 256 minor numbers</a:t>
-            </a:r>
-          </a:p>
-          <a:p>
-            <a:pPr lvl="1"/>
+              <a:t> and </a:t>
+            </a:r>
+            <a:r>
+              <a:rPr lang="en-US" dirty="0" err="1"/>
+              <a:t>module_exit</a:t>
+            </a:r>
             <a:r>
               <a:rPr lang="en-US" dirty="0"/>
-              <a:t>At one time, maximum 256 usable devices handles</a:t>
-            </a:r>
-          </a:p>
-          <a:p>
-            <a:pPr lvl="1"/>
+              <a:t> macros to initialize/unload driver(analogous to </a:t>
+            </a:r>
+            <a:r>
+              <a:rPr lang="en-US" dirty="0" err="1"/>
+              <a:t>DriverEntry</a:t>
+            </a:r>
             <a:r>
               <a:rPr lang="en-US" dirty="0"/>
-              <a:t>Possible to gain access to 65536(256 X 256) devices</a:t>
+              <a:t>())</a:t>
             </a:r>
           </a:p>
         </p:txBody>
@@ -11321,20 +12028,27 @@
     </p:spTree>
     <p:extLst>
       <p:ext uri="{BB962C8B-B14F-4D97-AF65-F5344CB8AC3E}">
-        <p14:creationId xmlns:p14="http://schemas.microsoft.com/office/powerpoint/2010/main" val="1920966851"/>
+        <p14:creationId xmlns:p14="http://schemas.microsoft.com/office/powerpoint/2010/main" val="3679262061"/>
       </p:ext>
     </p:extLst>
   </p:cSld>
   <p:clrMapOvr>
     <a:masterClrMapping/>
   </p:clrMapOvr>
+  <p:timing>
+    <p:tnLst>
+      <p:par>
+        <p:cTn xmlns:p14="http://schemas.microsoft.com/office/powerpoint/2010/main" id="1" dur="indefinite" restart="never" nodeType="tmRoot"/>
+      </p:par>
+    </p:tnLst>
+  </p:timing>
 </p:sld>
 </file>
 
 <file path=ppt/theme/theme1.xml><?xml version="1.0" encoding="utf-8"?>
-<a:theme xmlns:a="http://schemas.openxmlformats.org/drawingml/2006/main" name="Office Theme">
+<a:theme xmlns:a="http://schemas.openxmlformats.org/drawingml/2006/main" name="Median">
   <a:themeElements>
-    <a:clrScheme name="Office">
+    <a:clrScheme name="Median">
       <a:dk1>
         <a:sysClr val="windowText" lastClr="000000"/>
       </a:dk1>
@@ -11342,80 +12056,45 @@
         <a:sysClr val="window" lastClr="FFFFFF"/>
       </a:lt1>
       <a:dk2>
-        <a:srgbClr val="1F497D"/>
+        <a:srgbClr val="775F55"/>
       </a:dk2>
       <a:lt2>
-        <a:srgbClr val="EEECE1"/>
+        <a:srgbClr val="EBDDC3"/>
       </a:lt2>
       <a:accent1>
-        <a:srgbClr val="4F81BD"/>
+        <a:srgbClr val="94B6D2"/>
       </a:accent1>
       <a:accent2>
-        <a:srgbClr val="C0504D"/>
+        <a:srgbClr val="DD8047"/>
       </a:accent2>
       <a:accent3>
-        <a:srgbClr val="9BBB59"/>
+        <a:srgbClr val="A5AB81"/>
       </a:accent3>
       <a:accent4>
-        <a:srgbClr val="8064A2"/>
+        <a:srgbClr val="D8B25C"/>
       </a:accent4>
       <a:accent5>
-        <a:srgbClr val="4BACC6"/>
+        <a:srgbClr val="7BA79D"/>
       </a:accent5>
       <a:accent6>
-        <a:srgbClr val="F79646"/>
+        <a:srgbClr val="968C8C"/>
       </a:accent6>
       <a:hlink>
-        <a:srgbClr val="0000FF"/>
+        <a:srgbClr val="F7B615"/>
       </a:hlink>
       <a:folHlink>
-        <a:srgbClr val="800080"/>
+        <a:srgbClr val="704404"/>
       </a:folHlink>
     </a:clrScheme>
-    <a:fontScheme name="Office">
+    <a:fontScheme name="Office Classic 2">
       <a:majorFont>
-        <a:latin typeface="Calibri"/>
+        <a:latin typeface="Arial"/>
         <a:ea typeface=""/>
         <a:cs typeface=""/>
         <a:font script="Jpan" typeface="ＭＳ Ｐゴシック"/>
-        <a:font script="Hang" typeface="맑은 고딕"/>
-        <a:font script="Hans" typeface="宋体"/>
-        <a:font script="Hant" typeface="新細明體"/>
-        <a:font script="Arab" typeface="Times New Roman"/>
-        <a:font script="Hebr" typeface="Times New Roman"/>
-        <a:font script="Thai" typeface="Angsana New"/>
-        <a:font script="Ethi" typeface="Nyala"/>
-        <a:font script="Beng" typeface="Vrinda"/>
-        <a:font script="Gujr" typeface="Shruti"/>
-        <a:font script="Khmr" typeface="MoolBoran"/>
-        <a:font script="Knda" typeface="Tunga"/>
-        <a:font script="Guru" typeface="Raavi"/>
-        <a:font script="Cans" typeface="Euphemia"/>
-        <a:font script="Cher" typeface="Plantagenet Cherokee"/>
-        <a:font script="Yiii" typeface="Microsoft Yi Baiti"/>
-        <a:font script="Tibt" typeface="Microsoft Himalaya"/>
-        <a:font script="Thaa" typeface="MV Boli"/>
-        <a:font script="Deva" typeface="Mangal"/>
-        <a:font script="Telu" typeface="Gautami"/>
-        <a:font script="Taml" typeface="Latha"/>
-        <a:font script="Syrc" typeface="Estrangelo Edessa"/>
-        <a:font script="Orya" typeface="Kalinga"/>
-        <a:font script="Mlym" typeface="Kartika"/>
-        <a:font script="Laoo" typeface="DokChampa"/>
-        <a:font script="Sinh" typeface="Iskoola Pota"/>
-        <a:font script="Mong" typeface="Mongolian Baiti"/>
-        <a:font script="Viet" typeface="Times New Roman"/>
-        <a:font script="Uigh" typeface="Microsoft Uighur"/>
-        <a:font script="Geor" typeface="Sylfaen"/>
-      </a:majorFont>
-      <a:minorFont>
-        <a:latin typeface="Calibri"/>
-        <a:ea typeface=""/>
-        <a:cs typeface=""/>
-        <a:font script="Jpan" typeface="ＭＳ Ｐゴシック"/>
-        <a:font script="Hang" typeface="맑은 고딕"/>
-        <a:font script="Hans" typeface="宋体"/>
-        <a:font script="Hant" typeface="新細明體"/>
+        <a:font script="Hang" typeface="굴림"/>
+        <a:font script="Hans" typeface="黑体"/>
+        <a:font script="Hant" typeface="微軟正黑體"/>
         <a:font script="Arab" typeface="Arial"/>
         <a:font script="Hebr" typeface="Arial"/>
         <a:font script="Thai" typeface="Cordia New"/>
@@ -11441,74 +12120,70 @@
         <a:font script="Mong" typeface="Mongolian Baiti"/>
         <a:font script="Viet" typeface="Arial"/>
         <a:font script="Uigh" typeface="Microsoft Uighur"/>
-        <a:font script="Geor" typeface="Sylfaen"/>
+      </a:majorFont>
+      <a:minorFont>
+        <a:latin typeface="Arial"/>
+        <a:ea typeface=""/>
+        <a:cs typeface=""/>
+        <a:font script="Jpan" typeface="ＭＳ Ｐゴシック"/>
+        <a:font script="Hang" typeface="굴림"/>
+        <a:font script="Hans" typeface="黑体"/>
+        <a:font script="Hant" typeface="微軟正黑體"/>
+        <a:font script="Arab" typeface="Arial"/>
+        <a:font script="Hebr" typeface="Arial"/>
+        <a:font script="Thai" typeface="Cordia New"/>
+        <a:font script="Ethi" typeface="Nyala"/>
+        <a:font script="Beng" typeface="Vrinda"/>
+        <a:font script="Gujr" typeface="Shruti"/>
+        <a:font script="Khmr" typeface="DaunPenh"/>
+        <a:font script="Knda" typeface="Tunga"/>
+        <a:font script="Guru" typeface="Raavi"/>
+        <a:font script="Cans" typeface="Euphemia"/>
+        <a:font script="Cher" typeface="Plantagenet Cherokee"/>
+        <a:font script="Yiii" typeface="Microsoft Yi Baiti"/>
+        <a:font script="Tibt" typeface="Microsoft Himalaya"/>
+        <a:font script="Thaa" typeface="MV Boli"/>
+        <a:font script="Deva" typeface="Mangal"/>
+        <a:font script="Telu" typeface="Gautami"/>
+        <a:font script="Taml" typeface="Latha"/>
+        <a:font script="Syrc" typeface="Estrangelo Edessa"/>
+        <a:font script="Orya" typeface="Kalinga"/>
+        <a:font script="Mlym" typeface="Kartika"/>
+        <a:font script="Laoo" typeface="DokChampa"/>
+        <a:font script="Sinh" typeface="Iskoola Pota"/>
+        <a:font script="Mong" typeface="Mongolian Baiti"/>
+        <a:font script="Viet" typeface="Arial"/>
+        <a:font script="Uigh" typeface="Microsoft Uighur"/>
       </a:minorFont>
     </a:fontScheme>
-    <a:fmtScheme name="Office">
+    <a:fmtScheme name="Median">
       <a:fillStyleLst>
         <a:solidFill>
           <a:schemeClr val="phClr"/>
         </a:solidFill>
-        <a:gradFill rotWithShape="1">
-          <a:gsLst>
-            <a:gs pos="0">
-              <a:schemeClr val="phClr">
-                <a:tint val="50000"/>
-                <a:satMod val="300000"/>
-              </a:schemeClr>
-            </a:gs>
-            <a:gs pos="35000">
-              <a:schemeClr val="phClr">
-                <a:tint val="37000"/>
-                <a:satMod val="300000"/>
-              </a:schemeClr>
-            </a:gs>
-            <a:gs pos="100000">
-              <a:schemeClr val="phClr">
-                <a:tint val="15000"/>
-                <a:satMod val="350000"/>
-              </a:schemeClr>
-            </a:gs>
-          </a:gsLst>
-          <a:lin ang="16200000" scaled="1"/>
-        </a:gradFill>
-        <a:gradFill rotWithShape="1">
-          <a:gsLst>
-            <a:gs pos="0">
-              <a:schemeClr val="phClr">
-                <a:tint val="100000"/>
-                <a:shade val="100000"/>
-                <a:satMod val="130000"/>
-              </a:schemeClr>
-            </a:gs>
-            <a:gs pos="100000">
-              <a:schemeClr val="phClr">
-                <a:tint val="50000"/>
-                <a:shade val="100000"/>
-                <a:satMod val="350000"/>
-              </a:schemeClr>
-            </a:gs>
-          </a:gsLst>
-          <a:lin ang="16200000" scaled="0"/>
-        </a:gradFill>
+        <a:solidFill>
+          <a:schemeClr val="phClr">
+            <a:tint val="50000"/>
+          </a:schemeClr>
+        </a:solidFill>
+        <a:solidFill>
+          <a:schemeClr val="phClr"/>
+        </a:solidFill>
       </a:fillStyleLst>
       <a:lnStyleLst>
-        <a:ln w="9525" cap="flat" cmpd="sng" algn="ctr">
-          <a:solidFill>
-            <a:schemeClr val="phClr">
-              <a:shade val="95000"/>
-              <a:satMod val="105000"/>
-            </a:schemeClr>
-          </a:solidFill>
-          <a:prstDash val="solid"/>
-        </a:ln>
-        <a:ln w="25400" cap="flat" cmpd="sng" algn="ctr">
+        <a:ln w="10000" cap="flat" cmpd="sng" algn="ctr">
           <a:solidFill>
             <a:schemeClr val="phClr"/>
           </a:solidFill>
           <a:prstDash val="solid"/>
         </a:ln>
-        <a:ln w="38100" cap="flat" cmpd="sng" algn="ctr">
+        <a:ln w="19050" cap="flat" cmpd="sng" algn="ctr">
+          <a:solidFill>
+            <a:schemeClr val="phClr"/>
+          </a:solidFill>
+          <a:prstDash val="solid"/>
+        </a:ln>
+        <a:ln w="47625" cap="flat" cmpd="dbl" algn="ctr">
           <a:solidFill>
             <a:schemeClr val="phClr"/>
           </a:solidFill>
@@ -11518,40 +12193,43 @@
       <a:effectStyleLst>
         <a:effectStyle>
           <a:effectLst>
-            <a:outerShdw blurRad="40000" dist="20000" dir="5400000" rotWithShape="0">
+            <a:outerShdw blurRad="38100" dist="30000" dir="5400000" rotWithShape="0">
               <a:srgbClr val="000000">
-                <a:alpha val="38000"/>
+                <a:alpha val="45000"/>
               </a:srgbClr>
             </a:outerShdw>
           </a:effectLst>
         </a:effectStyle>
         <a:effectStyle>
           <a:effectLst>
-            <a:outerShdw blurRad="40000" dist="23000" dir="5400000" rotWithShape="0">
+            <a:outerShdw blurRad="38100" dist="30000" dir="5400000" rotWithShape="0">
               <a:srgbClr val="000000">
-                <a:alpha val="35000"/>
+                <a:alpha val="45000"/>
               </a:srgbClr>
             </a:outerShdw>
           </a:effectLst>
         </a:effectStyle>
         <a:effectStyle>
           <a:effectLst>
-            <a:outerShdw blurRad="40000" dist="23000" dir="5400000" rotWithShape="0">
+            <a:outerShdw blurRad="38100" dist="25400" dir="5400000" rotWithShape="0">
               <a:srgbClr val="000000">
                 <a:alpha val="35000"/>
               </a:srgbClr>
             </a:outerShdw>
           </a:effectLst>
           <a:scene3d>
-            <a:camera prst="orthographicFront">
+            <a:camera prst="isometricTopDown" fov="0">
               <a:rot lat="0" lon="0" rev="0"/>
             </a:camera>
-            <a:lightRig rig="threePt" dir="t">
-              <a:rot lat="0" lon="0" rev="1200000"/>
+            <a:lightRig rig="balanced" dir="t">
+              <a:rot lat="0" lon="0" rev="13800000"/>
             </a:lightRig>
           </a:scene3d>
-          <a:sp3d>
-            <a:bevelT w="63500" h="25400"/>
+          <a:sp3d extrusionH="12700" prstMaterial="plastic">
+            <a:bevelT w="38100" h="25400" prst="softRound"/>
+            <a:contourClr>
+              <a:schemeClr val="phClr"/>
+            </a:contourClr>
           </a:sp3d>
         </a:effectStyle>
       </a:effectStyleLst>
@@ -11559,59 +12237,46 @@
         <a:solidFill>
           <a:schemeClr val="phClr"/>
         </a:solidFill>
-        <a:gradFill rotWithShape="1">
-          <a:gsLst>
-            <a:gs pos="0">
+        <a:blipFill>
+          <a:blip xmlns:r="http://schemas.openxmlformats.org/officeDocument/2006/relationships" r:embed="rId1">
+            <a:duotone>
               <a:schemeClr val="phClr">
-                <a:tint val="40000"/>
-                <a:satMod val="350000"/>
+                <a:shade val="90000"/>
+                <a:satMod val="140000"/>
               </a:schemeClr>
-            </a:gs>
-            <a:gs pos="40000">
               <a:schemeClr val="phClr">
-                <a:tint val="45000"/>
-                <a:shade val="99000"/>
-                <a:satMod val="350000"/>
+                <a:satMod val="120000"/>
               </a:schemeClr>
-            </a:gs>
-            <a:gs pos="100000">
+            </a:duotone>
+          </a:blip>
+          <a:tile tx="0" ty="0" sx="100000" sy="100000" flip="none" algn="tl"/>
+        </a:blipFill>
+        <a:blipFill>
+          <a:blip xmlns:r="http://schemas.openxmlformats.org/officeDocument/2006/relationships" r:embed="rId2">
+            <a:duotone>
               <a:schemeClr val="phClr">
-                <a:shade val="20000"/>
-                <a:satMod val="255000"/>
+                <a:shade val="90000"/>
+                <a:satMod val="140000"/>
               </a:schemeClr>
-            </a:gs>
-          </a:gsLst>
-          <a:path path="circle">
-            <a:fillToRect l="50000" t="-80000" r="50000" b="180000"/>
-          </a:path>
-        </a:gradFill>
-        <a:gradFill rotWithShape="1">
-          <a:gsLst>
-            <a:gs pos="0">
               <a:schemeClr val="phClr">
-                <a:tint val="80000"/>
-                <a:satMod val="300000"/>
+                <a:satMod val="120000"/>
               </a:schemeClr>
-            </a:gs>
-            <a:gs pos="100000">
-              <a:schemeClr val="phClr">
-                <a:shade val="30000"/>
-                <a:satMod val="200000"/>
-              </a:schemeClr>
-            </a:gs>
-          </a:gsLst>
-          <a:path path="circle">
-            <a:fillToRect l="50000" t="50000" r="50000" b="50000"/>
-          </a:path>
-        </a:gradFill>
+            </a:duotone>
+          </a:blip>
+          <a:tile tx="0" ty="0" sx="100000" sy="100000" flip="none" algn="tl"/>
+        </a:blipFill>
       </a:bgFillStyleLst>
     </a:fmtScheme>
   </a:themeElements>
   <a:objectDefaults>
     <a:spDef>
       <a:spPr/>
-      <a:bodyPr/>
-      <a:lstStyle/>
+      <a:bodyPr rtlCol="0" anchor="ctr"/>
+      <a:lstStyle>
+        <a:defPPr algn="ctr">
+          <a:defRPr/>
+        </a:defPPr>
+      </a:lstStyle>
       <a:style>
         <a:lnRef idx="1">
           <a:schemeClr val="accent1"/>

--- a/4th_credit/survey.pptx
+++ b/4th_credit/survey.pptx
@@ -5,7 +5,7 @@
     <p:sldMasterId id="2147483784" r:id="rId1"/>
   </p:sldMasterIdLst>
   <p:notesMasterIdLst>
-    <p:notesMasterId r:id="rId22"/>
+    <p:notesMasterId r:id="rId30"/>
   </p:notesMasterIdLst>
   <p:sldIdLst>
     <p:sldId id="276" r:id="rId2"/>
@@ -28,6 +28,14 @@
     <p:sldId id="273" r:id="rId19"/>
     <p:sldId id="274" r:id="rId20"/>
     <p:sldId id="275" r:id="rId21"/>
+    <p:sldId id="281" r:id="rId22"/>
+    <p:sldId id="282" r:id="rId23"/>
+    <p:sldId id="283" r:id="rId24"/>
+    <p:sldId id="284" r:id="rId25"/>
+    <p:sldId id="285" r:id="rId26"/>
+    <p:sldId id="286" r:id="rId27"/>
+    <p:sldId id="287" r:id="rId28"/>
+    <p:sldId id="288" r:id="rId29"/>
   </p:sldIdLst>
   <p:sldSz cx="9144000" cy="6858000" type="screen4x3"/>
   <p:notesSz cx="6858000" cy="9144000"/>
@@ -718,6 +726,816 @@
 </p:notes>
 </file>
 
+<file path=ppt/notesSlides/notesSlide10.xml><?xml version="1.0" encoding="utf-8"?>
+<p:notes xmlns:a="http://schemas.openxmlformats.org/drawingml/2006/main" xmlns:r="http://schemas.openxmlformats.org/officeDocument/2006/relationships" xmlns:p="http://schemas.openxmlformats.org/presentationml/2006/main">
+  <p:cSld>
+    <p:bg>
+      <p:bgPr>
+        <a:solidFill>
+          <a:srgbClr val="FFFFFF"/>
+        </a:solidFill>
+        <a:effectLst/>
+      </p:bgPr>
+    </p:bg>
+    <p:spTree>
+      <p:nvGrpSpPr>
+        <p:cNvPr id="1" name=""/>
+        <p:cNvGrpSpPr/>
+        <p:nvPr/>
+      </p:nvGrpSpPr>
+      <p:grpSpPr>
+        <a:xfrm>
+          <a:off x="0" y="0"/>
+          <a:ext cx="0" cy="0"/>
+          <a:chOff x="0" y="0"/>
+          <a:chExt cx="0" cy="0"/>
+        </a:xfrm>
+      </p:grpSpPr>
+      <p:sp>
+        <p:nvSpPr>
+          <p:cNvPr id="7" name="Rectangle 6"/>
+          <p:cNvSpPr>
+            <a:spLocks noGrp="1" noChangeArrowheads="1"/>
+          </p:cNvSpPr>
+          <p:nvPr>
+            <p:ph type="sldNum"/>
+          </p:nvPr>
+        </p:nvSpPr>
+        <p:spPr>
+          <a:ln/>
+        </p:spPr>
+        <p:txBody>
+          <a:bodyPr/>
+          <a:lstStyle/>
+          <a:p>
+            <a:fld id="{9807ECBA-0786-E54D-9F9B-F924D85E756E}" type="slidenum">
+              <a:rPr lang="en-US"/>
+              <a:pPr/>
+              <a:t>24</a:t>
+            </a:fld>
+            <a:endParaRPr lang="en-US"/>
+          </a:p>
+        </p:txBody>
+      </p:sp>
+      <p:sp>
+        <p:nvSpPr>
+          <p:cNvPr id="17409" name="Text Box 1"/>
+          <p:cNvSpPr txBox="1">
+            <a:spLocks noChangeArrowheads="1"/>
+          </p:cNvSpPr>
+          <p:nvPr>
+            <p:ph type="sldImg"/>
+          </p:nvPr>
+        </p:nvSpPr>
+        <p:spPr bwMode="auto">
+          <a:xfrm>
+            <a:off x="1468438" y="769938"/>
+            <a:ext cx="3921125" cy="2941637"/>
+          </a:xfrm>
+          <a:prstGeom prst="rect">
+            <a:avLst/>
+          </a:prstGeom>
+          <a:solidFill>
+            <a:srgbClr val="FFFFFF"/>
+          </a:solidFill>
+          <a:ln>
+            <a:solidFill>
+              <a:srgbClr val="000000"/>
+            </a:solidFill>
+            <a:miter lim="800000"/>
+            <a:headEnd/>
+            <a:tailEnd/>
+          </a:ln>
+          <a:extLst>
+            <a:ext uri="{AF507438-7753-43e0-B8FC-AC1667EBCBE1}">
+              <a14:hiddenEffects xmlns:a14="http://schemas.microsoft.com/office/drawing/2010/main">
+                <a:effectLst>
+                  <a:outerShdw blurRad="63500" dist="38099" dir="2700000" algn="ctr" rotWithShape="0">
+                    <a:srgbClr val="000000">
+                      <a:alpha val="74998"/>
+                    </a:srgbClr>
+                  </a:outerShdw>
+                </a:effectLst>
+              </a14:hiddenEffects>
+            </a:ext>
+          </a:extLst>
+        </p:spPr>
+      </p:sp>
+      <p:sp>
+        <p:nvSpPr>
+          <p:cNvPr id="17410" name="Text Box 2"/>
+          <p:cNvSpPr txBox="1">
+            <a:spLocks noChangeArrowheads="1"/>
+          </p:cNvSpPr>
+          <p:nvPr>
+            <p:ph type="body" idx="1"/>
+          </p:nvPr>
+        </p:nvSpPr>
+        <p:spPr bwMode="auto">
+          <a:xfrm>
+            <a:off x="652743" y="4001943"/>
+            <a:ext cx="5552515" cy="4310784"/>
+          </a:xfrm>
+          <a:prstGeom prst="rect">
+            <a:avLst/>
+          </a:prstGeom>
+          <a:noFill/>
+          <a:ln/>
+          <a:extLst>
+            <a:ext uri="{909E8E84-426E-40dd-AFC4-6F175D3DCCD1}">
+              <a14:hiddenFill xmlns:a14="http://schemas.microsoft.com/office/drawing/2010/main">
+                <a:solidFill>
+                  <a:srgbClr val="FFFFFF"/>
+                </a:solidFill>
+              </a14:hiddenFill>
+            </a:ext>
+            <a:ext uri="{91240B29-F687-4f45-9708-019B960494DF}">
+              <a14:hiddenLine xmlns:a14="http://schemas.microsoft.com/office/drawing/2010/main" w="9525" cap="flat">
+                <a:solidFill>
+                  <a:srgbClr val="3465A4"/>
+                </a:solidFill>
+                <a:round/>
+                <a:headEnd/>
+                <a:tailEnd/>
+              </a14:hiddenLine>
+            </a:ext>
+            <a:ext uri="{AF507438-7753-43e0-B8FC-AC1667EBCBE1}">
+              <a14:hiddenEffects xmlns:a14="http://schemas.microsoft.com/office/drawing/2010/main">
+                <a:effectLst>
+                  <a:outerShdw blurRad="63500" dist="38099" dir="2700000" algn="ctr" rotWithShape="0">
+                    <a:srgbClr val="000000">
+                      <a:alpha val="74998"/>
+                    </a:srgbClr>
+                  </a:outerShdw>
+                </a:effectLst>
+              </a14:hiddenEffects>
+            </a:ext>
+          </a:extLst>
+        </p:spPr>
+        <p:txBody>
+          <a:bodyPr wrap="none" anchor="ctr"/>
+          <a:lstStyle/>
+          <a:p>
+            <a:endParaRPr lang="en-US"/>
+          </a:p>
+        </p:txBody>
+      </p:sp>
+    </p:spTree>
+  </p:cSld>
+  <p:clrMapOvr>
+    <a:masterClrMapping/>
+  </p:clrMapOvr>
+</p:notes>
+</file>
+
+<file path=ppt/notesSlides/notesSlide11.xml><?xml version="1.0" encoding="utf-8"?>
+<p:notes xmlns:a="http://schemas.openxmlformats.org/drawingml/2006/main" xmlns:r="http://schemas.openxmlformats.org/officeDocument/2006/relationships" xmlns:p="http://schemas.openxmlformats.org/presentationml/2006/main">
+  <p:cSld>
+    <p:bg>
+      <p:bgPr>
+        <a:solidFill>
+          <a:srgbClr val="FFFFFF"/>
+        </a:solidFill>
+        <a:effectLst/>
+      </p:bgPr>
+    </p:bg>
+    <p:spTree>
+      <p:nvGrpSpPr>
+        <p:cNvPr id="1" name=""/>
+        <p:cNvGrpSpPr/>
+        <p:nvPr/>
+      </p:nvGrpSpPr>
+      <p:grpSpPr>
+        <a:xfrm>
+          <a:off x="0" y="0"/>
+          <a:ext cx="0" cy="0"/>
+          <a:chOff x="0" y="0"/>
+          <a:chExt cx="0" cy="0"/>
+        </a:xfrm>
+      </p:grpSpPr>
+      <p:sp>
+        <p:nvSpPr>
+          <p:cNvPr id="7" name="Rectangle 6"/>
+          <p:cNvSpPr>
+            <a:spLocks noGrp="1" noChangeArrowheads="1"/>
+          </p:cNvSpPr>
+          <p:nvPr>
+            <p:ph type="sldNum"/>
+          </p:nvPr>
+        </p:nvSpPr>
+        <p:spPr>
+          <a:ln/>
+        </p:spPr>
+        <p:txBody>
+          <a:bodyPr/>
+          <a:lstStyle/>
+          <a:p>
+            <a:fld id="{D5642B51-7B14-9E47-A2C0-17FB0FA9390A}" type="slidenum">
+              <a:rPr lang="en-US"/>
+              <a:pPr/>
+              <a:t>25</a:t>
+            </a:fld>
+            <a:endParaRPr lang="en-US"/>
+          </a:p>
+        </p:txBody>
+      </p:sp>
+      <p:sp>
+        <p:nvSpPr>
+          <p:cNvPr id="18433" name="Text Box 1"/>
+          <p:cNvSpPr txBox="1">
+            <a:spLocks noChangeArrowheads="1"/>
+          </p:cNvSpPr>
+          <p:nvPr>
+            <p:ph type="sldImg"/>
+          </p:nvPr>
+        </p:nvSpPr>
+        <p:spPr bwMode="auto">
+          <a:xfrm>
+            <a:off x="1468438" y="769938"/>
+            <a:ext cx="3921125" cy="2941637"/>
+          </a:xfrm>
+          <a:prstGeom prst="rect">
+            <a:avLst/>
+          </a:prstGeom>
+          <a:solidFill>
+            <a:srgbClr val="FFFFFF"/>
+          </a:solidFill>
+          <a:ln>
+            <a:solidFill>
+              <a:srgbClr val="000000"/>
+            </a:solidFill>
+            <a:miter lim="800000"/>
+            <a:headEnd/>
+            <a:tailEnd/>
+          </a:ln>
+          <a:extLst>
+            <a:ext uri="{AF507438-7753-43e0-B8FC-AC1667EBCBE1}">
+              <a14:hiddenEffects xmlns:a14="http://schemas.microsoft.com/office/drawing/2010/main">
+                <a:effectLst>
+                  <a:outerShdw blurRad="63500" dist="38099" dir="2700000" algn="ctr" rotWithShape="0">
+                    <a:srgbClr val="000000">
+                      <a:alpha val="74998"/>
+                    </a:srgbClr>
+                  </a:outerShdw>
+                </a:effectLst>
+              </a14:hiddenEffects>
+            </a:ext>
+          </a:extLst>
+        </p:spPr>
+      </p:sp>
+      <p:sp>
+        <p:nvSpPr>
+          <p:cNvPr id="18434" name="Text Box 2"/>
+          <p:cNvSpPr txBox="1">
+            <a:spLocks noChangeArrowheads="1"/>
+          </p:cNvSpPr>
+          <p:nvPr>
+            <p:ph type="body" idx="1"/>
+          </p:nvPr>
+        </p:nvSpPr>
+        <p:spPr bwMode="auto">
+          <a:xfrm>
+            <a:off x="652743" y="4001943"/>
+            <a:ext cx="5552515" cy="4310784"/>
+          </a:xfrm>
+          <a:prstGeom prst="rect">
+            <a:avLst/>
+          </a:prstGeom>
+          <a:noFill/>
+          <a:ln/>
+          <a:extLst>
+            <a:ext uri="{909E8E84-426E-40dd-AFC4-6F175D3DCCD1}">
+              <a14:hiddenFill xmlns:a14="http://schemas.microsoft.com/office/drawing/2010/main">
+                <a:solidFill>
+                  <a:srgbClr val="FFFFFF"/>
+                </a:solidFill>
+              </a14:hiddenFill>
+            </a:ext>
+            <a:ext uri="{91240B29-F687-4f45-9708-019B960494DF}">
+              <a14:hiddenLine xmlns:a14="http://schemas.microsoft.com/office/drawing/2010/main" w="9525" cap="flat">
+                <a:solidFill>
+                  <a:srgbClr val="3465A4"/>
+                </a:solidFill>
+                <a:round/>
+                <a:headEnd/>
+                <a:tailEnd/>
+              </a14:hiddenLine>
+            </a:ext>
+            <a:ext uri="{AF507438-7753-43e0-B8FC-AC1667EBCBE1}">
+              <a14:hiddenEffects xmlns:a14="http://schemas.microsoft.com/office/drawing/2010/main">
+                <a:effectLst>
+                  <a:outerShdw blurRad="63500" dist="38099" dir="2700000" algn="ctr" rotWithShape="0">
+                    <a:srgbClr val="000000">
+                      <a:alpha val="74998"/>
+                    </a:srgbClr>
+                  </a:outerShdw>
+                </a:effectLst>
+              </a14:hiddenEffects>
+            </a:ext>
+          </a:extLst>
+        </p:spPr>
+        <p:txBody>
+          <a:bodyPr wrap="none" anchor="ctr"/>
+          <a:lstStyle/>
+          <a:p>
+            <a:endParaRPr lang="en-US"/>
+          </a:p>
+        </p:txBody>
+      </p:sp>
+    </p:spTree>
+  </p:cSld>
+  <p:clrMapOvr>
+    <a:masterClrMapping/>
+  </p:clrMapOvr>
+</p:notes>
+</file>
+
+<file path=ppt/notesSlides/notesSlide12.xml><?xml version="1.0" encoding="utf-8"?>
+<p:notes xmlns:a="http://schemas.openxmlformats.org/drawingml/2006/main" xmlns:r="http://schemas.openxmlformats.org/officeDocument/2006/relationships" xmlns:p="http://schemas.openxmlformats.org/presentationml/2006/main">
+  <p:cSld>
+    <p:bg>
+      <p:bgPr>
+        <a:solidFill>
+          <a:srgbClr val="FFFFFF"/>
+        </a:solidFill>
+        <a:effectLst/>
+      </p:bgPr>
+    </p:bg>
+    <p:spTree>
+      <p:nvGrpSpPr>
+        <p:cNvPr id="1" name=""/>
+        <p:cNvGrpSpPr/>
+        <p:nvPr/>
+      </p:nvGrpSpPr>
+      <p:grpSpPr>
+        <a:xfrm>
+          <a:off x="0" y="0"/>
+          <a:ext cx="0" cy="0"/>
+          <a:chOff x="0" y="0"/>
+          <a:chExt cx="0" cy="0"/>
+        </a:xfrm>
+      </p:grpSpPr>
+      <p:sp>
+        <p:nvSpPr>
+          <p:cNvPr id="7" name="Rectangle 6"/>
+          <p:cNvSpPr>
+            <a:spLocks noGrp="1" noChangeArrowheads="1"/>
+          </p:cNvSpPr>
+          <p:nvPr>
+            <p:ph type="sldNum"/>
+          </p:nvPr>
+        </p:nvSpPr>
+        <p:spPr>
+          <a:ln/>
+        </p:spPr>
+        <p:txBody>
+          <a:bodyPr/>
+          <a:lstStyle/>
+          <a:p>
+            <a:fld id="{8826955A-E38A-9843-9741-F2D0AA14D4A0}" type="slidenum">
+              <a:rPr lang="en-US"/>
+              <a:pPr/>
+              <a:t>26</a:t>
+            </a:fld>
+            <a:endParaRPr lang="en-US"/>
+          </a:p>
+        </p:txBody>
+      </p:sp>
+      <p:sp>
+        <p:nvSpPr>
+          <p:cNvPr id="19457" name="Text Box 1"/>
+          <p:cNvSpPr txBox="1">
+            <a:spLocks noChangeArrowheads="1"/>
+          </p:cNvSpPr>
+          <p:nvPr>
+            <p:ph type="sldImg"/>
+          </p:nvPr>
+        </p:nvSpPr>
+        <p:spPr bwMode="auto">
+          <a:xfrm>
+            <a:off x="1468438" y="769938"/>
+            <a:ext cx="3921125" cy="2941637"/>
+          </a:xfrm>
+          <a:prstGeom prst="rect">
+            <a:avLst/>
+          </a:prstGeom>
+          <a:solidFill>
+            <a:srgbClr val="FFFFFF"/>
+          </a:solidFill>
+          <a:ln>
+            <a:solidFill>
+              <a:srgbClr val="000000"/>
+            </a:solidFill>
+            <a:miter lim="800000"/>
+            <a:headEnd/>
+            <a:tailEnd/>
+          </a:ln>
+          <a:extLst>
+            <a:ext uri="{AF507438-7753-43e0-B8FC-AC1667EBCBE1}">
+              <a14:hiddenEffects xmlns:a14="http://schemas.microsoft.com/office/drawing/2010/main">
+                <a:effectLst>
+                  <a:outerShdw blurRad="63500" dist="38099" dir="2700000" algn="ctr" rotWithShape="0">
+                    <a:srgbClr val="000000">
+                      <a:alpha val="74998"/>
+                    </a:srgbClr>
+                  </a:outerShdw>
+                </a:effectLst>
+              </a14:hiddenEffects>
+            </a:ext>
+          </a:extLst>
+        </p:spPr>
+      </p:sp>
+      <p:sp>
+        <p:nvSpPr>
+          <p:cNvPr id="19458" name="Text Box 2"/>
+          <p:cNvSpPr txBox="1">
+            <a:spLocks noChangeArrowheads="1"/>
+          </p:cNvSpPr>
+          <p:nvPr>
+            <p:ph type="body" idx="1"/>
+          </p:nvPr>
+        </p:nvSpPr>
+        <p:spPr bwMode="auto">
+          <a:xfrm>
+            <a:off x="652743" y="4001943"/>
+            <a:ext cx="5552515" cy="4310784"/>
+          </a:xfrm>
+          <a:prstGeom prst="rect">
+            <a:avLst/>
+          </a:prstGeom>
+          <a:noFill/>
+          <a:ln/>
+          <a:extLst>
+            <a:ext uri="{909E8E84-426E-40dd-AFC4-6F175D3DCCD1}">
+              <a14:hiddenFill xmlns:a14="http://schemas.microsoft.com/office/drawing/2010/main">
+                <a:solidFill>
+                  <a:srgbClr val="FFFFFF"/>
+                </a:solidFill>
+              </a14:hiddenFill>
+            </a:ext>
+            <a:ext uri="{91240B29-F687-4f45-9708-019B960494DF}">
+              <a14:hiddenLine xmlns:a14="http://schemas.microsoft.com/office/drawing/2010/main" w="9525" cap="flat">
+                <a:solidFill>
+                  <a:srgbClr val="3465A4"/>
+                </a:solidFill>
+                <a:round/>
+                <a:headEnd/>
+                <a:tailEnd/>
+              </a14:hiddenLine>
+            </a:ext>
+            <a:ext uri="{AF507438-7753-43e0-B8FC-AC1667EBCBE1}">
+              <a14:hiddenEffects xmlns:a14="http://schemas.microsoft.com/office/drawing/2010/main">
+                <a:effectLst>
+                  <a:outerShdw blurRad="63500" dist="38099" dir="2700000" algn="ctr" rotWithShape="0">
+                    <a:srgbClr val="000000">
+                      <a:alpha val="74998"/>
+                    </a:srgbClr>
+                  </a:outerShdw>
+                </a:effectLst>
+              </a14:hiddenEffects>
+            </a:ext>
+          </a:extLst>
+        </p:spPr>
+        <p:txBody>
+          <a:bodyPr wrap="none" anchor="ctr"/>
+          <a:lstStyle/>
+          <a:p>
+            <a:endParaRPr lang="en-US"/>
+          </a:p>
+        </p:txBody>
+      </p:sp>
+    </p:spTree>
+  </p:cSld>
+  <p:clrMapOvr>
+    <a:masterClrMapping/>
+  </p:clrMapOvr>
+</p:notes>
+</file>
+
+<file path=ppt/notesSlides/notesSlide13.xml><?xml version="1.0" encoding="utf-8"?>
+<p:notes xmlns:a="http://schemas.openxmlformats.org/drawingml/2006/main" xmlns:r="http://schemas.openxmlformats.org/officeDocument/2006/relationships" xmlns:p="http://schemas.openxmlformats.org/presentationml/2006/main">
+  <p:cSld>
+    <p:bg>
+      <p:bgPr>
+        <a:solidFill>
+          <a:srgbClr val="FFFFFF"/>
+        </a:solidFill>
+        <a:effectLst/>
+      </p:bgPr>
+    </p:bg>
+    <p:spTree>
+      <p:nvGrpSpPr>
+        <p:cNvPr id="1" name=""/>
+        <p:cNvGrpSpPr/>
+        <p:nvPr/>
+      </p:nvGrpSpPr>
+      <p:grpSpPr>
+        <a:xfrm>
+          <a:off x="0" y="0"/>
+          <a:ext cx="0" cy="0"/>
+          <a:chOff x="0" y="0"/>
+          <a:chExt cx="0" cy="0"/>
+        </a:xfrm>
+      </p:grpSpPr>
+      <p:sp>
+        <p:nvSpPr>
+          <p:cNvPr id="7" name="Rectangle 6"/>
+          <p:cNvSpPr>
+            <a:spLocks noGrp="1" noChangeArrowheads="1"/>
+          </p:cNvSpPr>
+          <p:nvPr>
+            <p:ph type="sldNum"/>
+          </p:nvPr>
+        </p:nvSpPr>
+        <p:spPr>
+          <a:ln/>
+        </p:spPr>
+        <p:txBody>
+          <a:bodyPr/>
+          <a:lstStyle/>
+          <a:p>
+            <a:fld id="{0921CA70-2B27-D743-87DF-103A9CDC3986}" type="slidenum">
+              <a:rPr lang="en-US"/>
+              <a:pPr/>
+              <a:t>27</a:t>
+            </a:fld>
+            <a:endParaRPr lang="en-US"/>
+          </a:p>
+        </p:txBody>
+      </p:sp>
+      <p:sp>
+        <p:nvSpPr>
+          <p:cNvPr id="20481" name="Text Box 1"/>
+          <p:cNvSpPr txBox="1">
+            <a:spLocks noChangeArrowheads="1"/>
+          </p:cNvSpPr>
+          <p:nvPr>
+            <p:ph type="sldImg"/>
+          </p:nvPr>
+        </p:nvSpPr>
+        <p:spPr bwMode="auto">
+          <a:xfrm>
+            <a:off x="1468438" y="769938"/>
+            <a:ext cx="3921125" cy="2941637"/>
+          </a:xfrm>
+          <a:prstGeom prst="rect">
+            <a:avLst/>
+          </a:prstGeom>
+          <a:solidFill>
+            <a:srgbClr val="FFFFFF"/>
+          </a:solidFill>
+          <a:ln>
+            <a:solidFill>
+              <a:srgbClr val="000000"/>
+            </a:solidFill>
+            <a:miter lim="800000"/>
+            <a:headEnd/>
+            <a:tailEnd/>
+          </a:ln>
+          <a:extLst>
+            <a:ext uri="{AF507438-7753-43e0-B8FC-AC1667EBCBE1}">
+              <a14:hiddenEffects xmlns:a14="http://schemas.microsoft.com/office/drawing/2010/main">
+                <a:effectLst>
+                  <a:outerShdw blurRad="63500" dist="38099" dir="2700000" algn="ctr" rotWithShape="0">
+                    <a:srgbClr val="000000">
+                      <a:alpha val="74998"/>
+                    </a:srgbClr>
+                  </a:outerShdw>
+                </a:effectLst>
+              </a14:hiddenEffects>
+            </a:ext>
+          </a:extLst>
+        </p:spPr>
+      </p:sp>
+      <p:sp>
+        <p:nvSpPr>
+          <p:cNvPr id="20482" name="Text Box 2"/>
+          <p:cNvSpPr txBox="1">
+            <a:spLocks noChangeArrowheads="1"/>
+          </p:cNvSpPr>
+          <p:nvPr>
+            <p:ph type="body" idx="1"/>
+          </p:nvPr>
+        </p:nvSpPr>
+        <p:spPr bwMode="auto">
+          <a:xfrm>
+            <a:off x="652743" y="4001943"/>
+            <a:ext cx="5552515" cy="4310784"/>
+          </a:xfrm>
+          <a:prstGeom prst="rect">
+            <a:avLst/>
+          </a:prstGeom>
+          <a:noFill/>
+          <a:ln/>
+          <a:extLst>
+            <a:ext uri="{909E8E84-426E-40dd-AFC4-6F175D3DCCD1}">
+              <a14:hiddenFill xmlns:a14="http://schemas.microsoft.com/office/drawing/2010/main">
+                <a:solidFill>
+                  <a:srgbClr val="FFFFFF"/>
+                </a:solidFill>
+              </a14:hiddenFill>
+            </a:ext>
+            <a:ext uri="{91240B29-F687-4f45-9708-019B960494DF}">
+              <a14:hiddenLine xmlns:a14="http://schemas.microsoft.com/office/drawing/2010/main" w="9525" cap="flat">
+                <a:solidFill>
+                  <a:srgbClr val="3465A4"/>
+                </a:solidFill>
+                <a:round/>
+                <a:headEnd/>
+                <a:tailEnd/>
+              </a14:hiddenLine>
+            </a:ext>
+            <a:ext uri="{AF507438-7753-43e0-B8FC-AC1667EBCBE1}">
+              <a14:hiddenEffects xmlns:a14="http://schemas.microsoft.com/office/drawing/2010/main">
+                <a:effectLst>
+                  <a:outerShdw blurRad="63500" dist="38099" dir="2700000" algn="ctr" rotWithShape="0">
+                    <a:srgbClr val="000000">
+                      <a:alpha val="74998"/>
+                    </a:srgbClr>
+                  </a:outerShdw>
+                </a:effectLst>
+              </a14:hiddenEffects>
+            </a:ext>
+          </a:extLst>
+        </p:spPr>
+        <p:txBody>
+          <a:bodyPr wrap="none" anchor="ctr"/>
+          <a:lstStyle/>
+          <a:p>
+            <a:endParaRPr lang="en-US"/>
+          </a:p>
+        </p:txBody>
+      </p:sp>
+    </p:spTree>
+  </p:cSld>
+  <p:clrMapOvr>
+    <a:masterClrMapping/>
+  </p:clrMapOvr>
+</p:notes>
+</file>
+
+<file path=ppt/notesSlides/notesSlide14.xml><?xml version="1.0" encoding="utf-8"?>
+<p:notes xmlns:a="http://schemas.openxmlformats.org/drawingml/2006/main" xmlns:r="http://schemas.openxmlformats.org/officeDocument/2006/relationships" xmlns:p="http://schemas.openxmlformats.org/presentationml/2006/main">
+  <p:cSld>
+    <p:bg>
+      <p:bgPr>
+        <a:solidFill>
+          <a:srgbClr val="FFFFFF"/>
+        </a:solidFill>
+        <a:effectLst/>
+      </p:bgPr>
+    </p:bg>
+    <p:spTree>
+      <p:nvGrpSpPr>
+        <p:cNvPr id="1" name=""/>
+        <p:cNvGrpSpPr/>
+        <p:nvPr/>
+      </p:nvGrpSpPr>
+      <p:grpSpPr>
+        <a:xfrm>
+          <a:off x="0" y="0"/>
+          <a:ext cx="0" cy="0"/>
+          <a:chOff x="0" y="0"/>
+          <a:chExt cx="0" cy="0"/>
+        </a:xfrm>
+      </p:grpSpPr>
+      <p:sp>
+        <p:nvSpPr>
+          <p:cNvPr id="7" name="Rectangle 6"/>
+          <p:cNvSpPr>
+            <a:spLocks noGrp="1" noChangeArrowheads="1"/>
+          </p:cNvSpPr>
+          <p:nvPr>
+            <p:ph type="sldNum"/>
+          </p:nvPr>
+        </p:nvSpPr>
+        <p:spPr>
+          <a:ln/>
+        </p:spPr>
+        <p:txBody>
+          <a:bodyPr/>
+          <a:lstStyle/>
+          <a:p>
+            <a:fld id="{16F98DD8-5C19-6E45-B2E1-A55FCEF4DC9C}" type="slidenum">
+              <a:rPr lang="en-US"/>
+              <a:pPr/>
+              <a:t>28</a:t>
+            </a:fld>
+            <a:endParaRPr lang="en-US"/>
+          </a:p>
+        </p:txBody>
+      </p:sp>
+      <p:sp>
+        <p:nvSpPr>
+          <p:cNvPr id="21505" name="Text Box 1"/>
+          <p:cNvSpPr txBox="1">
+            <a:spLocks noChangeArrowheads="1"/>
+          </p:cNvSpPr>
+          <p:nvPr>
+            <p:ph type="sldImg"/>
+          </p:nvPr>
+        </p:nvSpPr>
+        <p:spPr bwMode="auto">
+          <a:xfrm>
+            <a:off x="1468438" y="769938"/>
+            <a:ext cx="3921125" cy="2941637"/>
+          </a:xfrm>
+          <a:prstGeom prst="rect">
+            <a:avLst/>
+          </a:prstGeom>
+          <a:solidFill>
+            <a:srgbClr val="FFFFFF"/>
+          </a:solidFill>
+          <a:ln>
+            <a:solidFill>
+              <a:srgbClr val="000000"/>
+            </a:solidFill>
+            <a:miter lim="800000"/>
+            <a:headEnd/>
+            <a:tailEnd/>
+          </a:ln>
+          <a:extLst>
+            <a:ext uri="{AF507438-7753-43e0-B8FC-AC1667EBCBE1}">
+              <a14:hiddenEffects xmlns:a14="http://schemas.microsoft.com/office/drawing/2010/main">
+                <a:effectLst>
+                  <a:outerShdw blurRad="63500" dist="38099" dir="2700000" algn="ctr" rotWithShape="0">
+                    <a:srgbClr val="000000">
+                      <a:alpha val="74998"/>
+                    </a:srgbClr>
+                  </a:outerShdw>
+                </a:effectLst>
+              </a14:hiddenEffects>
+            </a:ext>
+          </a:extLst>
+        </p:spPr>
+      </p:sp>
+      <p:sp>
+        <p:nvSpPr>
+          <p:cNvPr id="21506" name="Text Box 2"/>
+          <p:cNvSpPr txBox="1">
+            <a:spLocks noChangeArrowheads="1"/>
+          </p:cNvSpPr>
+          <p:nvPr>
+            <p:ph type="body" idx="1"/>
+          </p:nvPr>
+        </p:nvSpPr>
+        <p:spPr bwMode="auto">
+          <a:xfrm>
+            <a:off x="652743" y="4001943"/>
+            <a:ext cx="5552515" cy="4310784"/>
+          </a:xfrm>
+          <a:prstGeom prst="rect">
+            <a:avLst/>
+          </a:prstGeom>
+          <a:noFill/>
+          <a:ln/>
+          <a:extLst>
+            <a:ext uri="{909E8E84-426E-40dd-AFC4-6F175D3DCCD1}">
+              <a14:hiddenFill xmlns:a14="http://schemas.microsoft.com/office/drawing/2010/main">
+                <a:solidFill>
+                  <a:srgbClr val="FFFFFF"/>
+                </a:solidFill>
+              </a14:hiddenFill>
+            </a:ext>
+            <a:ext uri="{91240B29-F687-4f45-9708-019B960494DF}">
+              <a14:hiddenLine xmlns:a14="http://schemas.microsoft.com/office/drawing/2010/main" w="9525" cap="flat">
+                <a:solidFill>
+                  <a:srgbClr val="3465A4"/>
+                </a:solidFill>
+                <a:round/>
+                <a:headEnd/>
+                <a:tailEnd/>
+              </a14:hiddenLine>
+            </a:ext>
+            <a:ext uri="{AF507438-7753-43e0-B8FC-AC1667EBCBE1}">
+              <a14:hiddenEffects xmlns:a14="http://schemas.microsoft.com/office/drawing/2010/main">
+                <a:effectLst>
+                  <a:outerShdw blurRad="63500" dist="38099" dir="2700000" algn="ctr" rotWithShape="0">
+                    <a:srgbClr val="000000">
+                      <a:alpha val="74998"/>
+                    </a:srgbClr>
+                  </a:outerShdw>
+                </a:effectLst>
+              </a14:hiddenEffects>
+            </a:ext>
+          </a:extLst>
+        </p:spPr>
+        <p:txBody>
+          <a:bodyPr wrap="none" anchor="ctr"/>
+          <a:lstStyle/>
+          <a:p>
+            <a:endParaRPr lang="en-US"/>
+          </a:p>
+        </p:txBody>
+      </p:sp>
+    </p:spTree>
+  </p:cSld>
+  <p:clrMapOvr>
+    <a:masterClrMapping/>
+  </p:clrMapOvr>
+</p:notes>
+</file>
+
 <file path=ppt/notesSlides/notesSlide2.xml><?xml version="1.0" encoding="utf-8"?>
 <p:notes xmlns:a="http://schemas.openxmlformats.org/drawingml/2006/main" xmlns:r="http://schemas.openxmlformats.org/officeDocument/2006/relationships" xmlns:p="http://schemas.openxmlformats.org/presentationml/2006/main">
   <p:cSld>
@@ -1249,6 +2067,492 @@
         <p14:creationId xmlns:p14="http://schemas.microsoft.com/office/powerpoint/2010/main" val="2735013116"/>
       </p:ext>
     </p:extLst>
+  </p:cSld>
+  <p:clrMapOvr>
+    <a:masterClrMapping/>
+  </p:clrMapOvr>
+</p:notes>
+</file>
+
+<file path=ppt/notesSlides/notesSlide7.xml><?xml version="1.0" encoding="utf-8"?>
+<p:notes xmlns:a="http://schemas.openxmlformats.org/drawingml/2006/main" xmlns:r="http://schemas.openxmlformats.org/officeDocument/2006/relationships" xmlns:p="http://schemas.openxmlformats.org/presentationml/2006/main">
+  <p:cSld>
+    <p:bg>
+      <p:bgPr>
+        <a:solidFill>
+          <a:srgbClr val="FFFFFF"/>
+        </a:solidFill>
+        <a:effectLst/>
+      </p:bgPr>
+    </p:bg>
+    <p:spTree>
+      <p:nvGrpSpPr>
+        <p:cNvPr id="1" name=""/>
+        <p:cNvGrpSpPr/>
+        <p:nvPr/>
+      </p:nvGrpSpPr>
+      <p:grpSpPr>
+        <a:xfrm>
+          <a:off x="0" y="0"/>
+          <a:ext cx="0" cy="0"/>
+          <a:chOff x="0" y="0"/>
+          <a:chExt cx="0" cy="0"/>
+        </a:xfrm>
+      </p:grpSpPr>
+      <p:sp>
+        <p:nvSpPr>
+          <p:cNvPr id="7" name="Rectangle 6"/>
+          <p:cNvSpPr>
+            <a:spLocks noGrp="1" noChangeArrowheads="1"/>
+          </p:cNvSpPr>
+          <p:nvPr>
+            <p:ph type="sldNum"/>
+          </p:nvPr>
+        </p:nvSpPr>
+        <p:spPr>
+          <a:ln/>
+        </p:spPr>
+        <p:txBody>
+          <a:bodyPr/>
+          <a:lstStyle/>
+          <a:p>
+            <a:fld id="{3961F7E8-0954-F541-95DC-6FB0C6BD5D6F}" type="slidenum">
+              <a:rPr lang="en-US"/>
+              <a:pPr/>
+              <a:t>21</a:t>
+            </a:fld>
+            <a:endParaRPr lang="en-US"/>
+          </a:p>
+        </p:txBody>
+      </p:sp>
+      <p:sp>
+        <p:nvSpPr>
+          <p:cNvPr id="14337" name="Text Box 1"/>
+          <p:cNvSpPr txBox="1">
+            <a:spLocks noChangeArrowheads="1"/>
+          </p:cNvSpPr>
+          <p:nvPr>
+            <p:ph type="sldImg"/>
+          </p:nvPr>
+        </p:nvSpPr>
+        <p:spPr bwMode="auto">
+          <a:xfrm>
+            <a:off x="1468438" y="769938"/>
+            <a:ext cx="3921125" cy="2941637"/>
+          </a:xfrm>
+          <a:prstGeom prst="rect">
+            <a:avLst/>
+          </a:prstGeom>
+          <a:solidFill>
+            <a:srgbClr val="FFFFFF"/>
+          </a:solidFill>
+          <a:ln>
+            <a:solidFill>
+              <a:srgbClr val="000000"/>
+            </a:solidFill>
+            <a:miter lim="800000"/>
+            <a:headEnd/>
+            <a:tailEnd/>
+          </a:ln>
+          <a:extLst>
+            <a:ext uri="{AF507438-7753-43e0-B8FC-AC1667EBCBE1}">
+              <a14:hiddenEffects xmlns:a14="http://schemas.microsoft.com/office/drawing/2010/main">
+                <a:effectLst>
+                  <a:outerShdw blurRad="63500" dist="38099" dir="2700000" algn="ctr" rotWithShape="0">
+                    <a:srgbClr val="000000">
+                      <a:alpha val="74998"/>
+                    </a:srgbClr>
+                  </a:outerShdw>
+                </a:effectLst>
+              </a14:hiddenEffects>
+            </a:ext>
+          </a:extLst>
+        </p:spPr>
+      </p:sp>
+      <p:sp>
+        <p:nvSpPr>
+          <p:cNvPr id="14338" name="Text Box 2"/>
+          <p:cNvSpPr txBox="1">
+            <a:spLocks noChangeArrowheads="1"/>
+          </p:cNvSpPr>
+          <p:nvPr>
+            <p:ph type="body" idx="1"/>
+          </p:nvPr>
+        </p:nvSpPr>
+        <p:spPr bwMode="auto">
+          <a:xfrm>
+            <a:off x="652743" y="4001943"/>
+            <a:ext cx="5552515" cy="4310784"/>
+          </a:xfrm>
+          <a:prstGeom prst="rect">
+            <a:avLst/>
+          </a:prstGeom>
+          <a:noFill/>
+          <a:ln/>
+          <a:extLst>
+            <a:ext uri="{909E8E84-426E-40dd-AFC4-6F175D3DCCD1}">
+              <a14:hiddenFill xmlns:a14="http://schemas.microsoft.com/office/drawing/2010/main">
+                <a:solidFill>
+                  <a:srgbClr val="FFFFFF"/>
+                </a:solidFill>
+              </a14:hiddenFill>
+            </a:ext>
+            <a:ext uri="{91240B29-F687-4f45-9708-019B960494DF}">
+              <a14:hiddenLine xmlns:a14="http://schemas.microsoft.com/office/drawing/2010/main" w="9525" cap="flat">
+                <a:solidFill>
+                  <a:srgbClr val="3465A4"/>
+                </a:solidFill>
+                <a:round/>
+                <a:headEnd/>
+                <a:tailEnd/>
+              </a14:hiddenLine>
+            </a:ext>
+            <a:ext uri="{AF507438-7753-43e0-B8FC-AC1667EBCBE1}">
+              <a14:hiddenEffects xmlns:a14="http://schemas.microsoft.com/office/drawing/2010/main">
+                <a:effectLst>
+                  <a:outerShdw blurRad="63500" dist="38099" dir="2700000" algn="ctr" rotWithShape="0">
+                    <a:srgbClr val="000000">
+                      <a:alpha val="74998"/>
+                    </a:srgbClr>
+                  </a:outerShdw>
+                </a:effectLst>
+              </a14:hiddenEffects>
+            </a:ext>
+          </a:extLst>
+        </p:spPr>
+        <p:txBody>
+          <a:bodyPr wrap="none" anchor="ctr"/>
+          <a:lstStyle/>
+          <a:p>
+            <a:endParaRPr lang="en-US"/>
+          </a:p>
+        </p:txBody>
+      </p:sp>
+    </p:spTree>
+  </p:cSld>
+  <p:clrMapOvr>
+    <a:masterClrMapping/>
+  </p:clrMapOvr>
+</p:notes>
+</file>
+
+<file path=ppt/notesSlides/notesSlide8.xml><?xml version="1.0" encoding="utf-8"?>
+<p:notes xmlns:a="http://schemas.openxmlformats.org/drawingml/2006/main" xmlns:r="http://schemas.openxmlformats.org/officeDocument/2006/relationships" xmlns:p="http://schemas.openxmlformats.org/presentationml/2006/main">
+  <p:cSld>
+    <p:bg>
+      <p:bgPr>
+        <a:solidFill>
+          <a:srgbClr val="FFFFFF"/>
+        </a:solidFill>
+        <a:effectLst/>
+      </p:bgPr>
+    </p:bg>
+    <p:spTree>
+      <p:nvGrpSpPr>
+        <p:cNvPr id="1" name=""/>
+        <p:cNvGrpSpPr/>
+        <p:nvPr/>
+      </p:nvGrpSpPr>
+      <p:grpSpPr>
+        <a:xfrm>
+          <a:off x="0" y="0"/>
+          <a:ext cx="0" cy="0"/>
+          <a:chOff x="0" y="0"/>
+          <a:chExt cx="0" cy="0"/>
+        </a:xfrm>
+      </p:grpSpPr>
+      <p:sp>
+        <p:nvSpPr>
+          <p:cNvPr id="7" name="Rectangle 6"/>
+          <p:cNvSpPr>
+            <a:spLocks noGrp="1" noChangeArrowheads="1"/>
+          </p:cNvSpPr>
+          <p:nvPr>
+            <p:ph type="sldNum"/>
+          </p:nvPr>
+        </p:nvSpPr>
+        <p:spPr>
+          <a:ln/>
+        </p:spPr>
+        <p:txBody>
+          <a:bodyPr/>
+          <a:lstStyle/>
+          <a:p>
+            <a:fld id="{4E10630D-4DE4-3C4A-880B-B50C37A6D43E}" type="slidenum">
+              <a:rPr lang="en-US"/>
+              <a:pPr/>
+              <a:t>22</a:t>
+            </a:fld>
+            <a:endParaRPr lang="en-US"/>
+          </a:p>
+        </p:txBody>
+      </p:sp>
+      <p:sp>
+        <p:nvSpPr>
+          <p:cNvPr id="15361" name="Text Box 1"/>
+          <p:cNvSpPr txBox="1">
+            <a:spLocks noChangeArrowheads="1"/>
+          </p:cNvSpPr>
+          <p:nvPr>
+            <p:ph type="sldImg"/>
+          </p:nvPr>
+        </p:nvSpPr>
+        <p:spPr bwMode="auto">
+          <a:xfrm>
+            <a:off x="1468438" y="769938"/>
+            <a:ext cx="3921125" cy="2941637"/>
+          </a:xfrm>
+          <a:prstGeom prst="rect">
+            <a:avLst/>
+          </a:prstGeom>
+          <a:solidFill>
+            <a:srgbClr val="FFFFFF"/>
+          </a:solidFill>
+          <a:ln>
+            <a:solidFill>
+              <a:srgbClr val="000000"/>
+            </a:solidFill>
+            <a:miter lim="800000"/>
+            <a:headEnd/>
+            <a:tailEnd/>
+          </a:ln>
+          <a:extLst>
+            <a:ext uri="{AF507438-7753-43e0-B8FC-AC1667EBCBE1}">
+              <a14:hiddenEffects xmlns:a14="http://schemas.microsoft.com/office/drawing/2010/main">
+                <a:effectLst>
+                  <a:outerShdw blurRad="63500" dist="38099" dir="2700000" algn="ctr" rotWithShape="0">
+                    <a:srgbClr val="000000">
+                      <a:alpha val="74998"/>
+                    </a:srgbClr>
+                  </a:outerShdw>
+                </a:effectLst>
+              </a14:hiddenEffects>
+            </a:ext>
+          </a:extLst>
+        </p:spPr>
+      </p:sp>
+      <p:sp>
+        <p:nvSpPr>
+          <p:cNvPr id="15362" name="Text Box 2"/>
+          <p:cNvSpPr txBox="1">
+            <a:spLocks noChangeArrowheads="1"/>
+          </p:cNvSpPr>
+          <p:nvPr>
+            <p:ph type="body" idx="1"/>
+          </p:nvPr>
+        </p:nvSpPr>
+        <p:spPr bwMode="auto">
+          <a:xfrm>
+            <a:off x="652743" y="4001943"/>
+            <a:ext cx="5552515" cy="4310784"/>
+          </a:xfrm>
+          <a:prstGeom prst="rect">
+            <a:avLst/>
+          </a:prstGeom>
+          <a:noFill/>
+          <a:ln/>
+          <a:extLst>
+            <a:ext uri="{909E8E84-426E-40dd-AFC4-6F175D3DCCD1}">
+              <a14:hiddenFill xmlns:a14="http://schemas.microsoft.com/office/drawing/2010/main">
+                <a:solidFill>
+                  <a:srgbClr val="FFFFFF"/>
+                </a:solidFill>
+              </a14:hiddenFill>
+            </a:ext>
+            <a:ext uri="{91240B29-F687-4f45-9708-019B960494DF}">
+              <a14:hiddenLine xmlns:a14="http://schemas.microsoft.com/office/drawing/2010/main" w="9525" cap="flat">
+                <a:solidFill>
+                  <a:srgbClr val="3465A4"/>
+                </a:solidFill>
+                <a:round/>
+                <a:headEnd/>
+                <a:tailEnd/>
+              </a14:hiddenLine>
+            </a:ext>
+            <a:ext uri="{AF507438-7753-43e0-B8FC-AC1667EBCBE1}">
+              <a14:hiddenEffects xmlns:a14="http://schemas.microsoft.com/office/drawing/2010/main">
+                <a:effectLst>
+                  <a:outerShdw blurRad="63500" dist="38099" dir="2700000" algn="ctr" rotWithShape="0">
+                    <a:srgbClr val="000000">
+                      <a:alpha val="74998"/>
+                    </a:srgbClr>
+                  </a:outerShdw>
+                </a:effectLst>
+              </a14:hiddenEffects>
+            </a:ext>
+          </a:extLst>
+        </p:spPr>
+        <p:txBody>
+          <a:bodyPr wrap="none" anchor="ctr"/>
+          <a:lstStyle/>
+          <a:p>
+            <a:endParaRPr lang="en-US"/>
+          </a:p>
+        </p:txBody>
+      </p:sp>
+    </p:spTree>
+  </p:cSld>
+  <p:clrMapOvr>
+    <a:masterClrMapping/>
+  </p:clrMapOvr>
+</p:notes>
+</file>
+
+<file path=ppt/notesSlides/notesSlide9.xml><?xml version="1.0" encoding="utf-8"?>
+<p:notes xmlns:a="http://schemas.openxmlformats.org/drawingml/2006/main" xmlns:r="http://schemas.openxmlformats.org/officeDocument/2006/relationships" xmlns:p="http://schemas.openxmlformats.org/presentationml/2006/main">
+  <p:cSld>
+    <p:bg>
+      <p:bgPr>
+        <a:solidFill>
+          <a:srgbClr val="FFFFFF"/>
+        </a:solidFill>
+        <a:effectLst/>
+      </p:bgPr>
+    </p:bg>
+    <p:spTree>
+      <p:nvGrpSpPr>
+        <p:cNvPr id="1" name=""/>
+        <p:cNvGrpSpPr/>
+        <p:nvPr/>
+      </p:nvGrpSpPr>
+      <p:grpSpPr>
+        <a:xfrm>
+          <a:off x="0" y="0"/>
+          <a:ext cx="0" cy="0"/>
+          <a:chOff x="0" y="0"/>
+          <a:chExt cx="0" cy="0"/>
+        </a:xfrm>
+      </p:grpSpPr>
+      <p:sp>
+        <p:nvSpPr>
+          <p:cNvPr id="7" name="Rectangle 6"/>
+          <p:cNvSpPr>
+            <a:spLocks noGrp="1" noChangeArrowheads="1"/>
+          </p:cNvSpPr>
+          <p:nvPr>
+            <p:ph type="sldNum"/>
+          </p:nvPr>
+        </p:nvSpPr>
+        <p:spPr>
+          <a:ln/>
+        </p:spPr>
+        <p:txBody>
+          <a:bodyPr/>
+          <a:lstStyle/>
+          <a:p>
+            <a:fld id="{09B19E4C-1F9D-6E4C-991A-73891FBEF075}" type="slidenum">
+              <a:rPr lang="en-US"/>
+              <a:pPr/>
+              <a:t>23</a:t>
+            </a:fld>
+            <a:endParaRPr lang="en-US"/>
+          </a:p>
+        </p:txBody>
+      </p:sp>
+      <p:sp>
+        <p:nvSpPr>
+          <p:cNvPr id="16385" name="Text Box 1"/>
+          <p:cNvSpPr txBox="1">
+            <a:spLocks noChangeArrowheads="1"/>
+          </p:cNvSpPr>
+          <p:nvPr>
+            <p:ph type="sldImg"/>
+          </p:nvPr>
+        </p:nvSpPr>
+        <p:spPr bwMode="auto">
+          <a:xfrm>
+            <a:off x="1468438" y="769938"/>
+            <a:ext cx="3921125" cy="2941637"/>
+          </a:xfrm>
+          <a:prstGeom prst="rect">
+            <a:avLst/>
+          </a:prstGeom>
+          <a:solidFill>
+            <a:srgbClr val="FFFFFF"/>
+          </a:solidFill>
+          <a:ln>
+            <a:solidFill>
+              <a:srgbClr val="000000"/>
+            </a:solidFill>
+            <a:miter lim="800000"/>
+            <a:headEnd/>
+            <a:tailEnd/>
+          </a:ln>
+          <a:extLst>
+            <a:ext uri="{AF507438-7753-43e0-B8FC-AC1667EBCBE1}">
+              <a14:hiddenEffects xmlns:a14="http://schemas.microsoft.com/office/drawing/2010/main">
+                <a:effectLst>
+                  <a:outerShdw blurRad="63500" dist="38099" dir="2700000" algn="ctr" rotWithShape="0">
+                    <a:srgbClr val="000000">
+                      <a:alpha val="74998"/>
+                    </a:srgbClr>
+                  </a:outerShdw>
+                </a:effectLst>
+              </a14:hiddenEffects>
+            </a:ext>
+          </a:extLst>
+        </p:spPr>
+      </p:sp>
+      <p:sp>
+        <p:nvSpPr>
+          <p:cNvPr id="16386" name="Text Box 2"/>
+          <p:cNvSpPr txBox="1">
+            <a:spLocks noChangeArrowheads="1"/>
+          </p:cNvSpPr>
+          <p:nvPr>
+            <p:ph type="body" idx="1"/>
+          </p:nvPr>
+        </p:nvSpPr>
+        <p:spPr bwMode="auto">
+          <a:xfrm>
+            <a:off x="652743" y="4001943"/>
+            <a:ext cx="5552515" cy="4310784"/>
+          </a:xfrm>
+          <a:prstGeom prst="rect">
+            <a:avLst/>
+          </a:prstGeom>
+          <a:noFill/>
+          <a:ln/>
+          <a:extLst>
+            <a:ext uri="{909E8E84-426E-40dd-AFC4-6F175D3DCCD1}">
+              <a14:hiddenFill xmlns:a14="http://schemas.microsoft.com/office/drawing/2010/main">
+                <a:solidFill>
+                  <a:srgbClr val="FFFFFF"/>
+                </a:solidFill>
+              </a14:hiddenFill>
+            </a:ext>
+            <a:ext uri="{91240B29-F687-4f45-9708-019B960494DF}">
+              <a14:hiddenLine xmlns:a14="http://schemas.microsoft.com/office/drawing/2010/main" w="9525" cap="flat">
+                <a:solidFill>
+                  <a:srgbClr val="3465A4"/>
+                </a:solidFill>
+                <a:round/>
+                <a:headEnd/>
+                <a:tailEnd/>
+              </a14:hiddenLine>
+            </a:ext>
+            <a:ext uri="{AF507438-7753-43e0-B8FC-AC1667EBCBE1}">
+              <a14:hiddenEffects xmlns:a14="http://schemas.microsoft.com/office/drawing/2010/main">
+                <a:effectLst>
+                  <a:outerShdw blurRad="63500" dist="38099" dir="2700000" algn="ctr" rotWithShape="0">
+                    <a:srgbClr val="000000">
+                      <a:alpha val="74998"/>
+                    </a:srgbClr>
+                  </a:outerShdw>
+                </a:effectLst>
+              </a14:hiddenEffects>
+            </a:ext>
+          </a:extLst>
+        </p:spPr>
+        <p:txBody>
+          <a:bodyPr wrap="none" anchor="ctr"/>
+          <a:lstStyle/>
+          <a:p>
+            <a:endParaRPr lang="en-US"/>
+          </a:p>
+        </p:txBody>
+      </p:sp>
+    </p:spTree>
   </p:cSld>
   <p:clrMapOvr>
     <a:masterClrMapping/>
@@ -5406,10 +6710,6 @@
               </a:rPr>
               <a:t>Management</a:t>
             </a:r>
-            <a:endParaRPr lang="en-US" sz="4000" dirty="0">
-              <a:latin typeface="Arial Black"/>
-              <a:cs typeface="Arial Black"/>
-            </a:endParaRPr>
           </a:p>
         </p:txBody>
       </p:sp>
@@ -8885,7 +10185,6 @@
               <a:rPr lang="en-US" sz="2200" dirty="0"/>
               <a:t> threads</a:t>
             </a:r>
-            <a:endParaRPr lang="en-US" sz="2200" dirty="0"/>
           </a:p>
         </p:txBody>
       </p:sp>
@@ -11017,6 +12316,5591 @@
 </p:sld>
 </file>
 
+<file path=ppt/slides/slide21.xml><?xml version="1.0" encoding="utf-8"?>
+<p:sld xmlns:a="http://schemas.openxmlformats.org/drawingml/2006/main" xmlns:r="http://schemas.openxmlformats.org/officeDocument/2006/relationships" xmlns:p="http://schemas.openxmlformats.org/presentationml/2006/main">
+  <p:cSld>
+    <p:spTree>
+      <p:nvGrpSpPr>
+        <p:cNvPr id="1" name=""/>
+        <p:cNvGrpSpPr/>
+        <p:nvPr/>
+      </p:nvGrpSpPr>
+      <p:grpSpPr>
+        <a:xfrm>
+          <a:off x="0" y="0"/>
+          <a:ext cx="0" cy="0"/>
+          <a:chOff x="0" y="0"/>
+          <a:chExt cx="0" cy="0"/>
+        </a:xfrm>
+      </p:grpSpPr>
+      <p:sp>
+        <p:nvSpPr>
+          <p:cNvPr id="5121" name="Rectangle 1"/>
+          <p:cNvSpPr>
+            <a:spLocks noGrp="1" noChangeArrowheads="1"/>
+          </p:cNvSpPr>
+          <p:nvPr>
+            <p:ph type="title"/>
+          </p:nvPr>
+        </p:nvSpPr>
+        <p:spPr>
+          <a:xfrm>
+            <a:off x="456481" y="273629"/>
+            <a:ext cx="8228160" cy="1144921"/>
+          </a:xfrm>
+          <a:ln/>
+        </p:spPr>
+        <p:txBody>
+          <a:bodyPr lIns="82945" tIns="48004" rIns="82945" bIns="41473">
+            <a:normAutofit/>
+          </a:bodyPr>
+          <a:lstStyle/>
+          <a:p>
+            <a:pPr>
+              <a:tabLst>
+                <a:tab pos="414726" algn="l"/>
+                <a:tab pos="829452" algn="l"/>
+                <a:tab pos="1244178" algn="l"/>
+                <a:tab pos="1658904" algn="l"/>
+                <a:tab pos="2073631" algn="l"/>
+                <a:tab pos="2488357" algn="l"/>
+                <a:tab pos="2903083" algn="l"/>
+                <a:tab pos="3317809" algn="l"/>
+                <a:tab pos="3732535" algn="l"/>
+                <a:tab pos="4147261" algn="l"/>
+                <a:tab pos="4561987" algn="l"/>
+                <a:tab pos="4976713" algn="l"/>
+                <a:tab pos="5391440" algn="l"/>
+                <a:tab pos="5806166" algn="l"/>
+                <a:tab pos="6220892" algn="l"/>
+                <a:tab pos="6635618" algn="l"/>
+                <a:tab pos="7050344" algn="l"/>
+                <a:tab pos="7465070" algn="l"/>
+                <a:tab pos="7879796" algn="l"/>
+              </a:tabLst>
+            </a:pPr>
+            <a:r>
+              <a:rPr lang="en-US" dirty="0" smtClean="0">
+                <a:latin typeface="Arial Black"/>
+                <a:cs typeface="Arial Black"/>
+              </a:rPr>
+              <a:t>Memory Management</a:t>
+            </a:r>
+            <a:r>
+              <a:rPr lang="en-US" dirty="0">
+                <a:latin typeface="Arial Black"/>
+                <a:cs typeface="Arial Black"/>
+              </a:rPr>
+              <a:t>	</a:t>
+            </a:r>
+          </a:p>
+        </p:txBody>
+      </p:sp>
+      <p:sp>
+        <p:nvSpPr>
+          <p:cNvPr id="3" name="Rectangle 2"/>
+          <p:cNvSpPr/>
+          <p:nvPr/>
+        </p:nvSpPr>
+        <p:spPr>
+          <a:xfrm>
+            <a:off x="968375" y="1845430"/>
+            <a:ext cx="7572375" cy="2123658"/>
+          </a:xfrm>
+          <a:prstGeom prst="rect">
+            <a:avLst/>
+          </a:prstGeom>
+        </p:spPr>
+        <p:txBody>
+          <a:bodyPr wrap="square">
+            <a:spAutoFit/>
+          </a:bodyPr>
+          <a:lstStyle/>
+          <a:p>
+            <a:pPr marL="285750" indent="-285750">
+              <a:buFont typeface="Arial"/>
+              <a:buChar char="•"/>
+            </a:pPr>
+            <a:r>
+              <a:rPr lang="en-US" sz="2200" dirty="0"/>
+              <a:t>System independent hardware abstraction </a:t>
+            </a:r>
+            <a:r>
+              <a:rPr lang="en-US" sz="2200" dirty="0" smtClean="0"/>
+              <a:t>layer</a:t>
+            </a:r>
+            <a:endParaRPr lang="en-US" sz="2200" dirty="0"/>
+          </a:p>
+          <a:p>
+            <a:pPr marL="285750" indent="-285750">
+              <a:buFont typeface="Arial"/>
+              <a:buChar char="•"/>
+            </a:pPr>
+            <a:r>
+              <a:rPr lang="en-US" sz="2200" dirty="0"/>
+              <a:t>Copy on </a:t>
+            </a:r>
+            <a:r>
+              <a:rPr lang="en-US" sz="2200" dirty="0" smtClean="0"/>
+              <a:t>write</a:t>
+            </a:r>
+            <a:endParaRPr lang="en-US" sz="2200" dirty="0"/>
+          </a:p>
+          <a:p>
+            <a:pPr marL="285750" indent="-285750">
+              <a:buFont typeface="Arial"/>
+              <a:buChar char="•"/>
+            </a:pPr>
+            <a:r>
+              <a:rPr lang="en-US" sz="2200" dirty="0"/>
+              <a:t>Shadow </a:t>
+            </a:r>
+            <a:r>
+              <a:rPr lang="en-US" sz="2200" dirty="0" smtClean="0"/>
+              <a:t>Paging</a:t>
+            </a:r>
+            <a:endParaRPr lang="en-US" sz="2200" dirty="0"/>
+          </a:p>
+          <a:p>
+            <a:pPr marL="285750" indent="-285750">
+              <a:buFont typeface="Arial"/>
+              <a:buChar char="•"/>
+            </a:pPr>
+            <a:r>
+              <a:rPr lang="en-US" sz="2200" dirty="0"/>
+              <a:t>Memory mapped </a:t>
+            </a:r>
+            <a:r>
+              <a:rPr lang="en-US" sz="2200" dirty="0" smtClean="0"/>
+              <a:t>files</a:t>
+            </a:r>
+            <a:endParaRPr lang="en-US" sz="2200" dirty="0"/>
+          </a:p>
+          <a:p>
+            <a:pPr marL="285750" indent="-285750">
+              <a:buFont typeface="Arial"/>
+              <a:buChar char="•"/>
+            </a:pPr>
+            <a:r>
+              <a:rPr lang="en-US" sz="2200" dirty="0"/>
+              <a:t>Inter Process Communication</a:t>
+            </a:r>
+          </a:p>
+          <a:p>
+            <a:endParaRPr lang="en-US" sz="2200" dirty="0"/>
+          </a:p>
+        </p:txBody>
+      </p:sp>
+    </p:spTree>
+    <p:extLst>
+      <p:ext uri="{BB962C8B-B14F-4D97-AF65-F5344CB8AC3E}">
+        <p14:creationId xmlns:p14="http://schemas.microsoft.com/office/powerpoint/2010/main" val="4141088407"/>
+      </p:ext>
+    </p:extLst>
+  </p:cSld>
+  <p:clrMapOvr>
+    <a:masterClrMapping/>
+  </p:clrMapOvr>
+  <p:transition xmlns:p14="http://schemas.microsoft.com/office/powerpoint/2010/main" spd="med"/>
+  <p:timing>
+    <p:tnLst>
+      <p:par>
+        <p:cTn xmlns:p14="http://schemas.microsoft.com/office/powerpoint/2010/main" id="1" dur="indefinite" nodeType="tmRoot">
+          <p:childTnLst>
+            <p:seq concurrent="1" nextAc="seek">
+              <p:cTn id="2" dur="0" nodeType="mainSeq"/>
+              <p:prevCondLst>
+                <p:cond evt="onPrev" delay="0">
+                  <p:tgtEl>
+                    <p:sldTgt/>
+                  </p:tgtEl>
+                </p:cond>
+              </p:prevCondLst>
+              <p:nextCondLst>
+                <p:cond evt="onNext" delay="0">
+                  <p:tgtEl>
+                    <p:sldTgt/>
+                  </p:tgtEl>
+                </p:cond>
+              </p:nextCondLst>
+            </p:seq>
+          </p:childTnLst>
+        </p:cTn>
+      </p:par>
+    </p:tnLst>
+  </p:timing>
+</p:sld>
+</file>
+
+<file path=ppt/slides/slide22.xml><?xml version="1.0" encoding="utf-8"?>
+<p:sld xmlns:a="http://schemas.openxmlformats.org/drawingml/2006/main" xmlns:r="http://schemas.openxmlformats.org/officeDocument/2006/relationships" xmlns:p="http://schemas.openxmlformats.org/presentationml/2006/main">
+  <p:cSld>
+    <p:spTree>
+      <p:nvGrpSpPr>
+        <p:cNvPr id="1" name=""/>
+        <p:cNvGrpSpPr/>
+        <p:nvPr/>
+      </p:nvGrpSpPr>
+      <p:grpSpPr>
+        <a:xfrm>
+          <a:off x="0" y="0"/>
+          <a:ext cx="0" cy="0"/>
+          <a:chOff x="0" y="0"/>
+          <a:chExt cx="0" cy="0"/>
+        </a:xfrm>
+      </p:grpSpPr>
+      <p:sp>
+        <p:nvSpPr>
+          <p:cNvPr id="6145" name="Rectangle 1"/>
+          <p:cNvSpPr>
+            <a:spLocks noGrp="1" noChangeArrowheads="1"/>
+          </p:cNvSpPr>
+          <p:nvPr>
+            <p:ph type="title"/>
+          </p:nvPr>
+        </p:nvSpPr>
+        <p:spPr>
+          <a:xfrm>
+            <a:off x="0" y="-60487"/>
+            <a:ext cx="9699625" cy="1814591"/>
+          </a:xfrm>
+          <a:ln/>
+        </p:spPr>
+        <p:txBody>
+          <a:bodyPr lIns="82945" tIns="48004" rIns="82945" bIns="41473"/>
+          <a:lstStyle/>
+          <a:p>
+            <a:pPr>
+              <a:tabLst>
+                <a:tab pos="414726" algn="l"/>
+                <a:tab pos="829452" algn="l"/>
+                <a:tab pos="1244178" algn="l"/>
+                <a:tab pos="1658904" algn="l"/>
+                <a:tab pos="2073631" algn="l"/>
+                <a:tab pos="2488357" algn="l"/>
+                <a:tab pos="2903083" algn="l"/>
+                <a:tab pos="3317809" algn="l"/>
+                <a:tab pos="3732535" algn="l"/>
+                <a:tab pos="4147261" algn="l"/>
+                <a:tab pos="4561987" algn="l"/>
+                <a:tab pos="4976713" algn="l"/>
+                <a:tab pos="5391440" algn="l"/>
+                <a:tab pos="5806166" algn="l"/>
+                <a:tab pos="6220892" algn="l"/>
+                <a:tab pos="6635618" algn="l"/>
+                <a:tab pos="7050344" algn="l"/>
+                <a:tab pos="7465070" algn="l"/>
+                <a:tab pos="7879796" algn="l"/>
+              </a:tabLst>
+            </a:pPr>
+            <a:r>
+              <a:rPr lang="en-US" dirty="0">
+                <a:latin typeface="Arial Black"/>
+                <a:cs typeface="Arial Black"/>
+              </a:rPr>
+              <a:t>Window Memory Management</a:t>
+            </a:r>
+          </a:p>
+        </p:txBody>
+      </p:sp>
+      <p:sp>
+        <p:nvSpPr>
+          <p:cNvPr id="6146" name="Rectangle 2"/>
+          <p:cNvSpPr>
+            <a:spLocks noGrp="1" noChangeArrowheads="1"/>
+          </p:cNvSpPr>
+          <p:nvPr>
+            <p:ph type="body" idx="1"/>
+          </p:nvPr>
+        </p:nvSpPr>
+        <p:spPr>
+          <a:xfrm>
+            <a:off x="456480" y="1654734"/>
+            <a:ext cx="8229600" cy="3977698"/>
+          </a:xfrm>
+          <a:ln/>
+        </p:spPr>
+        <p:txBody>
+          <a:bodyPr lIns="82945" tIns="19201" rIns="82945" bIns="41473"/>
+          <a:lstStyle/>
+          <a:p>
+            <a:pPr indent="-309605">
+              <a:tabLst>
+                <a:tab pos="414726" algn="l"/>
+                <a:tab pos="829452" algn="l"/>
+                <a:tab pos="1244178" algn="l"/>
+                <a:tab pos="1658904" algn="l"/>
+                <a:tab pos="2073631" algn="l"/>
+                <a:tab pos="2488357" algn="l"/>
+                <a:tab pos="2903083" algn="l"/>
+                <a:tab pos="3317809" algn="l"/>
+                <a:tab pos="3732535" algn="l"/>
+                <a:tab pos="4147261" algn="l"/>
+                <a:tab pos="4561987" algn="l"/>
+                <a:tab pos="4976713" algn="l"/>
+                <a:tab pos="5391440" algn="l"/>
+                <a:tab pos="5806166" algn="l"/>
+                <a:tab pos="6220892" algn="l"/>
+                <a:tab pos="6635618" algn="l"/>
+                <a:tab pos="7050344" algn="l"/>
+                <a:tab pos="7465070" algn="l"/>
+                <a:tab pos="7879796" algn="l"/>
+              </a:tabLst>
+            </a:pPr>
+            <a:r>
+              <a:rPr lang="en-US" sz="2500" dirty="0" smtClean="0">
+                <a:solidFill>
+                  <a:srgbClr val="000000"/>
+                </a:solidFill>
+                <a:latin typeface="Times New Roman" charset="0"/>
+                <a:cs typeface="Times New Roman" charset="0"/>
+              </a:rPr>
+              <a:t>Virtual </a:t>
+            </a:r>
+            <a:r>
+              <a:rPr lang="en-US" sz="2500" dirty="0">
+                <a:solidFill>
+                  <a:srgbClr val="000000"/>
+                </a:solidFill>
+                <a:latin typeface="Times New Roman" charset="0"/>
+                <a:cs typeface="Times New Roman" charset="0"/>
+              </a:rPr>
+              <a:t>memory manager (VMM)</a:t>
+            </a:r>
+          </a:p>
+          <a:p>
+            <a:pPr marL="673930" indent="-257764">
+              <a:tabLst>
+                <a:tab pos="414726" algn="l"/>
+                <a:tab pos="829452" algn="l"/>
+                <a:tab pos="1244178" algn="l"/>
+                <a:tab pos="1658904" algn="l"/>
+                <a:tab pos="2073631" algn="l"/>
+                <a:tab pos="2488357" algn="l"/>
+                <a:tab pos="2903083" algn="l"/>
+                <a:tab pos="3317809" algn="l"/>
+                <a:tab pos="3732535" algn="l"/>
+                <a:tab pos="4147261" algn="l"/>
+                <a:tab pos="4561987" algn="l"/>
+                <a:tab pos="4976713" algn="l"/>
+                <a:tab pos="5391440" algn="l"/>
+                <a:tab pos="5806166" algn="l"/>
+                <a:tab pos="6220892" algn="l"/>
+                <a:tab pos="6635618" algn="l"/>
+                <a:tab pos="7050344" algn="l"/>
+                <a:tab pos="7465070" algn="l"/>
+                <a:tab pos="7879796" algn="l"/>
+              </a:tabLst>
+            </a:pPr>
+            <a:r>
+              <a:rPr lang="en-US" sz="2000" dirty="0"/>
+              <a:t>	</a:t>
+            </a:r>
+            <a:r>
+              <a:rPr lang="en-US" sz="2000" dirty="0">
+                <a:solidFill>
+                  <a:srgbClr val="000000"/>
+                </a:solidFill>
+                <a:latin typeface="Times New Roman" charset="0"/>
+                <a:cs typeface="Times New Roman" charset="0"/>
+              </a:rPr>
+              <a:t>Executive component responsible for managing memory</a:t>
+            </a:r>
+          </a:p>
+          <a:p>
+            <a:pPr indent="-309605">
+              <a:tabLst>
+                <a:tab pos="414726" algn="l"/>
+                <a:tab pos="829452" algn="l"/>
+                <a:tab pos="1244178" algn="l"/>
+                <a:tab pos="1658904" algn="l"/>
+                <a:tab pos="2073631" algn="l"/>
+                <a:tab pos="2488357" algn="l"/>
+                <a:tab pos="2903083" algn="l"/>
+                <a:tab pos="3317809" algn="l"/>
+                <a:tab pos="3732535" algn="l"/>
+                <a:tab pos="4147261" algn="l"/>
+                <a:tab pos="4561987" algn="l"/>
+                <a:tab pos="4976713" algn="l"/>
+                <a:tab pos="5391440" algn="l"/>
+                <a:tab pos="5806166" algn="l"/>
+                <a:tab pos="6220892" algn="l"/>
+                <a:tab pos="6635618" algn="l"/>
+                <a:tab pos="7050344" algn="l"/>
+                <a:tab pos="7465070" algn="l"/>
+                <a:tab pos="7879796" algn="l"/>
+              </a:tabLst>
+            </a:pPr>
+            <a:r>
+              <a:rPr lang="en-US" sz="2500" dirty="0" smtClean="0">
+                <a:solidFill>
+                  <a:srgbClr val="000000"/>
+                </a:solidFill>
+                <a:latin typeface="Times New Roman" charset="0"/>
+                <a:cs typeface="Times New Roman" charset="0"/>
+              </a:rPr>
+              <a:t>Lazy </a:t>
+            </a:r>
+            <a:r>
+              <a:rPr lang="en-US" sz="2500" dirty="0">
+                <a:solidFill>
+                  <a:srgbClr val="000000"/>
+                </a:solidFill>
+                <a:latin typeface="Times New Roman" charset="0"/>
+                <a:cs typeface="Times New Roman" charset="0"/>
+              </a:rPr>
+              <a:t>allocation</a:t>
+            </a:r>
+          </a:p>
+          <a:p>
+            <a:pPr marL="673930" indent="-257764">
+              <a:tabLst>
+                <a:tab pos="414726" algn="l"/>
+                <a:tab pos="829452" algn="l"/>
+                <a:tab pos="1244178" algn="l"/>
+                <a:tab pos="1658904" algn="l"/>
+                <a:tab pos="2073631" algn="l"/>
+                <a:tab pos="2488357" algn="l"/>
+                <a:tab pos="2903083" algn="l"/>
+                <a:tab pos="3317809" algn="l"/>
+                <a:tab pos="3732535" algn="l"/>
+                <a:tab pos="4147261" algn="l"/>
+                <a:tab pos="4561987" algn="l"/>
+                <a:tab pos="4976713" algn="l"/>
+                <a:tab pos="5391440" algn="l"/>
+                <a:tab pos="5806166" algn="l"/>
+                <a:tab pos="6220892" algn="l"/>
+                <a:tab pos="6635618" algn="l"/>
+                <a:tab pos="7050344" algn="l"/>
+                <a:tab pos="7465070" algn="l"/>
+                <a:tab pos="7879796" algn="l"/>
+              </a:tabLst>
+            </a:pPr>
+            <a:r>
+              <a:rPr lang="en-US" sz="2000" dirty="0" smtClean="0">
+                <a:solidFill>
+                  <a:srgbClr val="000000"/>
+                </a:solidFill>
+                <a:latin typeface="Times New Roman" charset="0"/>
+                <a:cs typeface="Times New Roman" charset="0"/>
+              </a:rPr>
+              <a:t>Avoid </a:t>
+            </a:r>
+            <a:r>
+              <a:rPr lang="en-US" sz="2000" dirty="0">
+                <a:solidFill>
+                  <a:srgbClr val="000000"/>
+                </a:solidFill>
+                <a:latin typeface="Times New Roman" charset="0"/>
+                <a:cs typeface="Times New Roman" charset="0"/>
+              </a:rPr>
+              <a:t>allocating memory until necessary</a:t>
+            </a:r>
+          </a:p>
+          <a:p>
+            <a:pPr indent="-309605">
+              <a:tabLst>
+                <a:tab pos="414726" algn="l"/>
+                <a:tab pos="829452" algn="l"/>
+                <a:tab pos="1244178" algn="l"/>
+                <a:tab pos="1658904" algn="l"/>
+                <a:tab pos="2073631" algn="l"/>
+                <a:tab pos="2488357" algn="l"/>
+                <a:tab pos="2903083" algn="l"/>
+                <a:tab pos="3317809" algn="l"/>
+                <a:tab pos="3732535" algn="l"/>
+                <a:tab pos="4147261" algn="l"/>
+                <a:tab pos="4561987" algn="l"/>
+                <a:tab pos="4976713" algn="l"/>
+                <a:tab pos="5391440" algn="l"/>
+                <a:tab pos="5806166" algn="l"/>
+                <a:tab pos="6220892" algn="l"/>
+                <a:tab pos="6635618" algn="l"/>
+                <a:tab pos="7050344" algn="l"/>
+                <a:tab pos="7465070" algn="l"/>
+                <a:tab pos="7879796" algn="l"/>
+              </a:tabLst>
+            </a:pPr>
+            <a:r>
+              <a:rPr lang="en-US" sz="2500" dirty="0" smtClean="0">
+                <a:solidFill>
+                  <a:srgbClr val="000000"/>
+                </a:solidFill>
+                <a:latin typeface="Times New Roman" charset="0"/>
+                <a:cs typeface="Times New Roman" charset="0"/>
+              </a:rPr>
+              <a:t>Prefetching</a:t>
+            </a:r>
+            <a:endParaRPr lang="en-US" sz="2500" dirty="0">
+              <a:solidFill>
+                <a:srgbClr val="000000"/>
+              </a:solidFill>
+              <a:latin typeface="Times New Roman" charset="0"/>
+              <a:cs typeface="Times New Roman" charset="0"/>
+            </a:endParaRPr>
+          </a:p>
+          <a:p>
+            <a:pPr marL="673930" indent="-257764">
+              <a:tabLst>
+                <a:tab pos="414726" algn="l"/>
+                <a:tab pos="829452" algn="l"/>
+                <a:tab pos="1244178" algn="l"/>
+                <a:tab pos="1658904" algn="l"/>
+                <a:tab pos="2073631" algn="l"/>
+                <a:tab pos="2488357" algn="l"/>
+                <a:tab pos="2903083" algn="l"/>
+                <a:tab pos="3317809" algn="l"/>
+                <a:tab pos="3732535" algn="l"/>
+                <a:tab pos="4147261" algn="l"/>
+                <a:tab pos="4561987" algn="l"/>
+                <a:tab pos="4976713" algn="l"/>
+                <a:tab pos="5391440" algn="l"/>
+                <a:tab pos="5806166" algn="l"/>
+                <a:tab pos="6220892" algn="l"/>
+                <a:tab pos="6635618" algn="l"/>
+                <a:tab pos="7050344" algn="l"/>
+                <a:tab pos="7465070" algn="l"/>
+                <a:tab pos="7879796" algn="l"/>
+              </a:tabLst>
+            </a:pPr>
+            <a:r>
+              <a:rPr lang="en-US" sz="2000" dirty="0"/>
+              <a:t>	</a:t>
+            </a:r>
+            <a:r>
+              <a:rPr lang="en-US" sz="2000" dirty="0">
+                <a:solidFill>
+                  <a:srgbClr val="000000"/>
+                </a:solidFill>
+                <a:latin typeface="Times New Roman" charset="0"/>
+                <a:cs typeface="Times New Roman" charset="0"/>
+              </a:rPr>
+              <a:t>Move pages from disk to main memory before they are needed</a:t>
+            </a:r>
+          </a:p>
+          <a:p>
+            <a:pPr indent="-309605">
+              <a:tabLst>
+                <a:tab pos="414726" algn="l"/>
+                <a:tab pos="829452" algn="l"/>
+                <a:tab pos="1244178" algn="l"/>
+                <a:tab pos="1658904" algn="l"/>
+                <a:tab pos="2073631" algn="l"/>
+                <a:tab pos="2488357" algn="l"/>
+                <a:tab pos="2903083" algn="l"/>
+                <a:tab pos="3317809" algn="l"/>
+                <a:tab pos="3732535" algn="l"/>
+                <a:tab pos="4147261" algn="l"/>
+                <a:tab pos="4561987" algn="l"/>
+                <a:tab pos="4976713" algn="l"/>
+                <a:tab pos="5391440" algn="l"/>
+                <a:tab pos="5806166" algn="l"/>
+                <a:tab pos="6220892" algn="l"/>
+                <a:tab pos="6635618" algn="l"/>
+                <a:tab pos="7050344" algn="l"/>
+                <a:tab pos="7465070" algn="l"/>
+                <a:tab pos="7879796" algn="l"/>
+              </a:tabLst>
+            </a:pPr>
+            <a:r>
+              <a:rPr lang="en-US" sz="2500" dirty="0" err="1" smtClean="0">
+                <a:solidFill>
+                  <a:srgbClr val="000000"/>
+                </a:solidFill>
+                <a:latin typeface="Times New Roman" charset="0"/>
+                <a:cs typeface="Times New Roman" charset="0"/>
+              </a:rPr>
+              <a:t>Pagefile</a:t>
+            </a:r>
+            <a:endParaRPr lang="en-US" sz="2500" dirty="0">
+              <a:solidFill>
+                <a:srgbClr val="000000"/>
+              </a:solidFill>
+              <a:latin typeface="Times New Roman" charset="0"/>
+              <a:cs typeface="Times New Roman" charset="0"/>
+            </a:endParaRPr>
+          </a:p>
+          <a:p>
+            <a:pPr marL="673930" indent="-257764">
+              <a:tabLst>
+                <a:tab pos="414726" algn="l"/>
+                <a:tab pos="829452" algn="l"/>
+                <a:tab pos="1244178" algn="l"/>
+                <a:tab pos="1658904" algn="l"/>
+                <a:tab pos="2073631" algn="l"/>
+                <a:tab pos="2488357" algn="l"/>
+                <a:tab pos="2903083" algn="l"/>
+                <a:tab pos="3317809" algn="l"/>
+                <a:tab pos="3732535" algn="l"/>
+                <a:tab pos="4147261" algn="l"/>
+                <a:tab pos="4561987" algn="l"/>
+                <a:tab pos="4976713" algn="l"/>
+                <a:tab pos="5391440" algn="l"/>
+                <a:tab pos="5806166" algn="l"/>
+                <a:tab pos="6220892" algn="l"/>
+                <a:tab pos="6635618" algn="l"/>
+                <a:tab pos="7050344" algn="l"/>
+                <a:tab pos="7465070" algn="l"/>
+                <a:tab pos="7879796" algn="l"/>
+              </a:tabLst>
+            </a:pPr>
+            <a:r>
+              <a:rPr lang="en-US" sz="2000" dirty="0"/>
+              <a:t>	</a:t>
+            </a:r>
+            <a:r>
+              <a:rPr lang="en-US" sz="2000" dirty="0">
+                <a:solidFill>
+                  <a:srgbClr val="000000"/>
+                </a:solidFill>
+                <a:latin typeface="Times New Roman" charset="0"/>
+                <a:cs typeface="Times New Roman" charset="0"/>
+              </a:rPr>
+              <a:t>Stores pages that do not fit in main memory </a:t>
+            </a:r>
+          </a:p>
+          <a:p>
+            <a:pPr marL="673930" indent="-257764">
+              <a:tabLst>
+                <a:tab pos="414726" algn="l"/>
+                <a:tab pos="829452" algn="l"/>
+                <a:tab pos="1244178" algn="l"/>
+                <a:tab pos="1658904" algn="l"/>
+                <a:tab pos="2073631" algn="l"/>
+                <a:tab pos="2488357" algn="l"/>
+                <a:tab pos="2903083" algn="l"/>
+                <a:tab pos="3317809" algn="l"/>
+                <a:tab pos="3732535" algn="l"/>
+                <a:tab pos="4147261" algn="l"/>
+                <a:tab pos="4561987" algn="l"/>
+                <a:tab pos="4976713" algn="l"/>
+                <a:tab pos="5391440" algn="l"/>
+                <a:tab pos="5806166" algn="l"/>
+                <a:tab pos="6220892" algn="l"/>
+                <a:tab pos="6635618" algn="l"/>
+                <a:tab pos="7050344" algn="l"/>
+                <a:tab pos="7465070" algn="l"/>
+                <a:tab pos="7879796" algn="l"/>
+              </a:tabLst>
+            </a:pPr>
+            <a:r>
+              <a:rPr lang="en-US" sz="2000" dirty="0"/>
+              <a:t>	</a:t>
+            </a:r>
+            <a:r>
+              <a:rPr lang="en-US" sz="2000" dirty="0">
+                <a:solidFill>
+                  <a:srgbClr val="000000"/>
+                </a:solidFill>
+                <a:latin typeface="Times New Roman" charset="0"/>
+                <a:cs typeface="Times New Roman" charset="0"/>
+              </a:rPr>
+              <a:t>Windows XP supports up to 16 </a:t>
+            </a:r>
+            <a:r>
+              <a:rPr lang="en-US" sz="2000" dirty="0" err="1">
+                <a:solidFill>
+                  <a:srgbClr val="000000"/>
+                </a:solidFill>
+                <a:latin typeface="Times New Roman" charset="0"/>
+                <a:cs typeface="Times New Roman" charset="0"/>
+              </a:rPr>
+              <a:t>pagefiles</a:t>
+            </a:r>
+            <a:endParaRPr lang="en-US" sz="2000" dirty="0">
+              <a:solidFill>
+                <a:srgbClr val="000000"/>
+              </a:solidFill>
+              <a:latin typeface="Times New Roman" charset="0"/>
+              <a:cs typeface="Times New Roman" charset="0"/>
+            </a:endParaRPr>
+          </a:p>
+        </p:txBody>
+      </p:sp>
+    </p:spTree>
+    <p:extLst>
+      <p:ext uri="{BB962C8B-B14F-4D97-AF65-F5344CB8AC3E}">
+        <p14:creationId xmlns:p14="http://schemas.microsoft.com/office/powerpoint/2010/main" val="3381040906"/>
+      </p:ext>
+    </p:extLst>
+  </p:cSld>
+  <p:clrMapOvr>
+    <a:masterClrMapping/>
+  </p:clrMapOvr>
+  <p:transition xmlns:p14="http://schemas.microsoft.com/office/powerpoint/2010/main" spd="med"/>
+  <p:timing>
+    <p:tnLst>
+      <p:par>
+        <p:cTn xmlns:p14="http://schemas.microsoft.com/office/powerpoint/2010/main" id="1" dur="indefinite" nodeType="tmRoot">
+          <p:childTnLst>
+            <p:seq concurrent="1" nextAc="seek">
+              <p:cTn id="2" dur="0" nodeType="mainSeq"/>
+              <p:prevCondLst>
+                <p:cond evt="onPrev" delay="0">
+                  <p:tgtEl>
+                    <p:sldTgt/>
+                  </p:tgtEl>
+                </p:cond>
+              </p:prevCondLst>
+              <p:nextCondLst>
+                <p:cond evt="onNext" delay="0">
+                  <p:tgtEl>
+                    <p:sldTgt/>
+                  </p:tgtEl>
+                </p:cond>
+              </p:nextCondLst>
+            </p:seq>
+          </p:childTnLst>
+        </p:cTn>
+      </p:par>
+    </p:tnLst>
+  </p:timing>
+</p:sld>
+</file>
+
+<file path=ppt/slides/slide23.xml><?xml version="1.0" encoding="utf-8"?>
+<p:sld xmlns:a="http://schemas.openxmlformats.org/drawingml/2006/main" xmlns:r="http://schemas.openxmlformats.org/officeDocument/2006/relationships" xmlns:p="http://schemas.openxmlformats.org/presentationml/2006/main">
+  <p:cSld>
+    <p:spTree>
+      <p:nvGrpSpPr>
+        <p:cNvPr id="1" name=""/>
+        <p:cNvGrpSpPr/>
+        <p:nvPr/>
+      </p:nvGrpSpPr>
+      <p:grpSpPr>
+        <a:xfrm>
+          <a:off x="0" y="0"/>
+          <a:ext cx="0" cy="0"/>
+          <a:chOff x="0" y="0"/>
+          <a:chExt cx="0" cy="0"/>
+        </a:xfrm>
+      </p:grpSpPr>
+      <p:sp>
+        <p:nvSpPr>
+          <p:cNvPr id="7169" name="Rectangle 1"/>
+          <p:cNvSpPr>
+            <a:spLocks noGrp="1" noChangeArrowheads="1"/>
+          </p:cNvSpPr>
+          <p:nvPr>
+            <p:ph type="title"/>
+          </p:nvPr>
+        </p:nvSpPr>
+        <p:spPr>
+          <a:xfrm>
+            <a:off x="456481" y="273629"/>
+            <a:ext cx="8228160" cy="1144921"/>
+          </a:xfrm>
+          <a:ln/>
+        </p:spPr>
+        <p:txBody>
+          <a:bodyPr lIns="82945" tIns="48004" rIns="82945" bIns="41473">
+            <a:normAutofit/>
+          </a:bodyPr>
+          <a:lstStyle/>
+          <a:p>
+            <a:pPr>
+              <a:tabLst>
+                <a:tab pos="414726" algn="l"/>
+                <a:tab pos="829452" algn="l"/>
+                <a:tab pos="1244178" algn="l"/>
+                <a:tab pos="1658904" algn="l"/>
+                <a:tab pos="2073631" algn="l"/>
+                <a:tab pos="2488357" algn="l"/>
+                <a:tab pos="2903083" algn="l"/>
+                <a:tab pos="3317809" algn="l"/>
+                <a:tab pos="3732535" algn="l"/>
+                <a:tab pos="4147261" algn="l"/>
+                <a:tab pos="4561987" algn="l"/>
+                <a:tab pos="4976713" algn="l"/>
+                <a:tab pos="5391440" algn="l"/>
+                <a:tab pos="5806166" algn="l"/>
+                <a:tab pos="6220892" algn="l"/>
+                <a:tab pos="6635618" algn="l"/>
+                <a:tab pos="7050344" algn="l"/>
+                <a:tab pos="7465070" algn="l"/>
+                <a:tab pos="7879796" algn="l"/>
+              </a:tabLst>
+            </a:pPr>
+            <a:r>
+              <a:rPr lang="en-US" dirty="0">
+                <a:latin typeface="Arial Black"/>
+                <a:cs typeface="Arial Black"/>
+              </a:rPr>
+              <a:t>Memory Organization	</a:t>
+            </a:r>
+          </a:p>
+        </p:txBody>
+      </p:sp>
+      <p:sp>
+        <p:nvSpPr>
+          <p:cNvPr id="7170" name="Rectangle 2"/>
+          <p:cNvSpPr>
+            <a:spLocks noGrp="1" noChangeArrowheads="1"/>
+          </p:cNvSpPr>
+          <p:nvPr>
+            <p:ph type="body" idx="1"/>
+          </p:nvPr>
+        </p:nvSpPr>
+        <p:spPr>
+          <a:xfrm>
+            <a:off x="456480" y="1654734"/>
+            <a:ext cx="8229600" cy="3977698"/>
+          </a:xfrm>
+          <a:ln/>
+        </p:spPr>
+        <p:txBody>
+          <a:bodyPr lIns="82945" tIns="19201" rIns="82945" bIns="41473"/>
+          <a:lstStyle/>
+          <a:p>
+            <a:pPr indent="-309605">
+              <a:tabLst>
+                <a:tab pos="414726" algn="l"/>
+                <a:tab pos="829452" algn="l"/>
+                <a:tab pos="1244178" algn="l"/>
+                <a:tab pos="1658904" algn="l"/>
+                <a:tab pos="2073631" algn="l"/>
+                <a:tab pos="2488357" algn="l"/>
+                <a:tab pos="2903083" algn="l"/>
+                <a:tab pos="3317809" algn="l"/>
+                <a:tab pos="3732535" algn="l"/>
+                <a:tab pos="4147261" algn="l"/>
+                <a:tab pos="4561987" algn="l"/>
+                <a:tab pos="4976713" algn="l"/>
+                <a:tab pos="5391440" algn="l"/>
+                <a:tab pos="5806166" algn="l"/>
+                <a:tab pos="6220892" algn="l"/>
+                <a:tab pos="6635618" algn="l"/>
+                <a:tab pos="7050344" algn="l"/>
+                <a:tab pos="7465070" algn="l"/>
+                <a:tab pos="7879796" algn="l"/>
+              </a:tabLst>
+            </a:pPr>
+            <a:r>
+              <a:rPr lang="en-US" sz="2500" dirty="0" smtClean="0">
+                <a:solidFill>
+                  <a:srgbClr val="000000"/>
+                </a:solidFill>
+                <a:latin typeface="Times New Roman" charset="0"/>
+                <a:cs typeface="Times New Roman" charset="0"/>
+              </a:rPr>
+              <a:t>32</a:t>
+            </a:r>
+            <a:r>
+              <a:rPr lang="en-US" sz="2500" dirty="0">
+                <a:solidFill>
+                  <a:srgbClr val="000000"/>
+                </a:solidFill>
+                <a:latin typeface="Times New Roman" charset="0"/>
+                <a:cs typeface="Times New Roman" charset="0"/>
+              </a:rPr>
+              <a:t>-bit virtual address space</a:t>
+            </a:r>
+          </a:p>
+          <a:p>
+            <a:pPr marL="673930" indent="-257764">
+              <a:tabLst>
+                <a:tab pos="414726" algn="l"/>
+                <a:tab pos="829452" algn="l"/>
+                <a:tab pos="1244178" algn="l"/>
+                <a:tab pos="1658904" algn="l"/>
+                <a:tab pos="2073631" algn="l"/>
+                <a:tab pos="2488357" algn="l"/>
+                <a:tab pos="2903083" algn="l"/>
+                <a:tab pos="3317809" algn="l"/>
+                <a:tab pos="3732535" algn="l"/>
+                <a:tab pos="4147261" algn="l"/>
+                <a:tab pos="4561987" algn="l"/>
+                <a:tab pos="4976713" algn="l"/>
+                <a:tab pos="5391440" algn="l"/>
+                <a:tab pos="5806166" algn="l"/>
+                <a:tab pos="6220892" algn="l"/>
+                <a:tab pos="6635618" algn="l"/>
+                <a:tab pos="7050344" algn="l"/>
+                <a:tab pos="7465070" algn="l"/>
+                <a:tab pos="7879796" algn="l"/>
+              </a:tabLst>
+            </a:pPr>
+            <a:r>
+              <a:rPr lang="en-US" sz="2000" dirty="0" smtClean="0">
+                <a:solidFill>
+                  <a:srgbClr val="000000"/>
+                </a:solidFill>
+                <a:latin typeface="Times New Roman" charset="0"/>
+                <a:cs typeface="Times New Roman" charset="0"/>
+              </a:rPr>
+              <a:t>Windows </a:t>
+            </a:r>
+            <a:r>
+              <a:rPr lang="en-US" sz="2000" dirty="0">
+                <a:solidFill>
+                  <a:srgbClr val="000000"/>
+                </a:solidFill>
+                <a:latin typeface="Times New Roman" charset="0"/>
+                <a:cs typeface="Times New Roman" charset="0"/>
+              </a:rPr>
+              <a:t>64-Bit Edition has 64-bit address space. </a:t>
+            </a:r>
+          </a:p>
+          <a:p>
+            <a:pPr marL="673930" indent="-257764">
+              <a:tabLst>
+                <a:tab pos="414726" algn="l"/>
+                <a:tab pos="829452" algn="l"/>
+                <a:tab pos="1244178" algn="l"/>
+                <a:tab pos="1658904" algn="l"/>
+                <a:tab pos="2073631" algn="l"/>
+                <a:tab pos="2488357" algn="l"/>
+                <a:tab pos="2903083" algn="l"/>
+                <a:tab pos="3317809" algn="l"/>
+                <a:tab pos="3732535" algn="l"/>
+                <a:tab pos="4147261" algn="l"/>
+                <a:tab pos="4561987" algn="l"/>
+                <a:tab pos="4976713" algn="l"/>
+                <a:tab pos="5391440" algn="l"/>
+                <a:tab pos="5806166" algn="l"/>
+                <a:tab pos="6220892" algn="l"/>
+                <a:tab pos="6635618" algn="l"/>
+                <a:tab pos="7050344" algn="l"/>
+                <a:tab pos="7465070" algn="l"/>
+                <a:tab pos="7879796" algn="l"/>
+              </a:tabLst>
+            </a:pPr>
+            <a:r>
+              <a:rPr lang="en-US" sz="2000" dirty="0" smtClean="0">
+                <a:solidFill>
+                  <a:srgbClr val="000000"/>
+                </a:solidFill>
+                <a:latin typeface="Times New Roman" charset="0"/>
+                <a:cs typeface="Times New Roman" charset="0"/>
+              </a:rPr>
+              <a:t>4GB </a:t>
+            </a:r>
+            <a:r>
+              <a:rPr lang="en-US" sz="2000" dirty="0">
+                <a:solidFill>
+                  <a:srgbClr val="000000"/>
+                </a:solidFill>
+                <a:latin typeface="Times New Roman" charset="0"/>
+                <a:cs typeface="Times New Roman" charset="0"/>
+              </a:rPr>
+              <a:t>virtual address space per process</a:t>
+            </a:r>
+          </a:p>
+          <a:p>
+            <a:pPr indent="-309605">
+              <a:tabLst>
+                <a:tab pos="414726" algn="l"/>
+                <a:tab pos="829452" algn="l"/>
+                <a:tab pos="1244178" algn="l"/>
+                <a:tab pos="1658904" algn="l"/>
+                <a:tab pos="2073631" algn="l"/>
+                <a:tab pos="2488357" algn="l"/>
+                <a:tab pos="2903083" algn="l"/>
+                <a:tab pos="3317809" algn="l"/>
+                <a:tab pos="3732535" algn="l"/>
+                <a:tab pos="4147261" algn="l"/>
+                <a:tab pos="4561987" algn="l"/>
+                <a:tab pos="4976713" algn="l"/>
+                <a:tab pos="5391440" algn="l"/>
+                <a:tab pos="5806166" algn="l"/>
+                <a:tab pos="6220892" algn="l"/>
+                <a:tab pos="6635618" algn="l"/>
+                <a:tab pos="7050344" algn="l"/>
+                <a:tab pos="7465070" algn="l"/>
+                <a:tab pos="7879796" algn="l"/>
+              </a:tabLst>
+            </a:pPr>
+            <a:r>
+              <a:rPr lang="en-US" sz="2500" dirty="0" smtClean="0">
+                <a:solidFill>
+                  <a:srgbClr val="000000"/>
+                </a:solidFill>
+                <a:latin typeface="Times New Roman" charset="0"/>
+                <a:cs typeface="Times New Roman" charset="0"/>
+              </a:rPr>
+              <a:t>User </a:t>
+            </a:r>
+            <a:r>
+              <a:rPr lang="en-US" sz="2500" dirty="0">
+                <a:solidFill>
+                  <a:srgbClr val="000000"/>
+                </a:solidFill>
+                <a:latin typeface="Times New Roman" charset="0"/>
+                <a:cs typeface="Times New Roman" charset="0"/>
+              </a:rPr>
+              <a:t>space vs. System space</a:t>
+            </a:r>
+          </a:p>
+          <a:p>
+            <a:pPr marL="673930" indent="-257764">
+              <a:tabLst>
+                <a:tab pos="414726" algn="l"/>
+                <a:tab pos="829452" algn="l"/>
+                <a:tab pos="1244178" algn="l"/>
+                <a:tab pos="1658904" algn="l"/>
+                <a:tab pos="2073631" algn="l"/>
+                <a:tab pos="2488357" algn="l"/>
+                <a:tab pos="2903083" algn="l"/>
+                <a:tab pos="3317809" algn="l"/>
+                <a:tab pos="3732535" algn="l"/>
+                <a:tab pos="4147261" algn="l"/>
+                <a:tab pos="4561987" algn="l"/>
+                <a:tab pos="4976713" algn="l"/>
+                <a:tab pos="5391440" algn="l"/>
+                <a:tab pos="5806166" algn="l"/>
+                <a:tab pos="6220892" algn="l"/>
+                <a:tab pos="6635618" algn="l"/>
+                <a:tab pos="7050344" algn="l"/>
+                <a:tab pos="7465070" algn="l"/>
+                <a:tab pos="7879796" algn="l"/>
+              </a:tabLst>
+            </a:pPr>
+            <a:r>
+              <a:rPr lang="en-US" sz="2000" dirty="0" smtClean="0">
+                <a:solidFill>
+                  <a:srgbClr val="000000"/>
+                </a:solidFill>
+                <a:latin typeface="Times New Roman" charset="0"/>
+                <a:cs typeface="Times New Roman" charset="0"/>
+              </a:rPr>
+              <a:t>Process </a:t>
+            </a:r>
+            <a:r>
+              <a:rPr lang="en-US" sz="2000" dirty="0">
+                <a:solidFill>
+                  <a:srgbClr val="000000"/>
+                </a:solidFill>
+                <a:latin typeface="Times New Roman" charset="0"/>
+                <a:cs typeface="Times New Roman" charset="0"/>
+              </a:rPr>
+              <a:t>can access only user space</a:t>
+            </a:r>
+          </a:p>
+          <a:p>
+            <a:pPr marL="673930" indent="-257764">
+              <a:tabLst>
+                <a:tab pos="414726" algn="l"/>
+                <a:tab pos="829452" algn="l"/>
+                <a:tab pos="1244178" algn="l"/>
+                <a:tab pos="1658904" algn="l"/>
+                <a:tab pos="2073631" algn="l"/>
+                <a:tab pos="2488357" algn="l"/>
+                <a:tab pos="2903083" algn="l"/>
+                <a:tab pos="3317809" algn="l"/>
+                <a:tab pos="3732535" algn="l"/>
+                <a:tab pos="4147261" algn="l"/>
+                <a:tab pos="4561987" algn="l"/>
+                <a:tab pos="4976713" algn="l"/>
+                <a:tab pos="5391440" algn="l"/>
+                <a:tab pos="5806166" algn="l"/>
+                <a:tab pos="6220892" algn="l"/>
+                <a:tab pos="6635618" algn="l"/>
+                <a:tab pos="7050344" algn="l"/>
+                <a:tab pos="7465070" algn="l"/>
+                <a:tab pos="7879796" algn="l"/>
+              </a:tabLst>
+            </a:pPr>
+            <a:r>
+              <a:rPr lang="en-US" sz="2000" dirty="0" smtClean="0">
+                <a:solidFill>
+                  <a:srgbClr val="000000"/>
+                </a:solidFill>
+                <a:latin typeface="Times New Roman" charset="0"/>
+                <a:cs typeface="Times New Roman" charset="0"/>
+              </a:rPr>
+              <a:t>VMM </a:t>
+            </a:r>
+            <a:r>
+              <a:rPr lang="en-US" sz="2000" dirty="0">
+                <a:solidFill>
+                  <a:srgbClr val="000000"/>
+                </a:solidFill>
+                <a:latin typeface="Times New Roman" charset="0"/>
+                <a:cs typeface="Times New Roman" charset="0"/>
+              </a:rPr>
+              <a:t>stores page tables and other data in system </a:t>
+            </a:r>
+            <a:r>
+              <a:rPr lang="en-US" sz="2000" dirty="0" smtClean="0">
+                <a:solidFill>
+                  <a:srgbClr val="000000"/>
+                </a:solidFill>
+                <a:latin typeface="Times New Roman" charset="0"/>
+                <a:cs typeface="Times New Roman" charset="0"/>
+              </a:rPr>
+              <a:t>space</a:t>
+            </a:r>
+          </a:p>
+          <a:p>
+            <a:pPr marL="673930" indent="-257764">
+              <a:tabLst>
+                <a:tab pos="414726" algn="l"/>
+                <a:tab pos="829452" algn="l"/>
+                <a:tab pos="1244178" algn="l"/>
+                <a:tab pos="1658904" algn="l"/>
+                <a:tab pos="2073631" algn="l"/>
+                <a:tab pos="2488357" algn="l"/>
+                <a:tab pos="2903083" algn="l"/>
+                <a:tab pos="3317809" algn="l"/>
+                <a:tab pos="3732535" algn="l"/>
+                <a:tab pos="4147261" algn="l"/>
+                <a:tab pos="4561987" algn="l"/>
+                <a:tab pos="4976713" algn="l"/>
+                <a:tab pos="5391440" algn="l"/>
+                <a:tab pos="5806166" algn="l"/>
+                <a:tab pos="6220892" algn="l"/>
+                <a:tab pos="6635618" algn="l"/>
+                <a:tab pos="7050344" algn="l"/>
+                <a:tab pos="7465070" algn="l"/>
+                <a:tab pos="7879796" algn="l"/>
+              </a:tabLst>
+            </a:pPr>
+            <a:r>
+              <a:rPr lang="en-US" sz="2000" dirty="0" smtClean="0">
+                <a:solidFill>
+                  <a:srgbClr val="000000"/>
+                </a:solidFill>
+                <a:latin typeface="Times New Roman" charset="0"/>
+                <a:cs typeface="Times New Roman" charset="0"/>
+              </a:rPr>
+              <a:t>2GB </a:t>
+            </a:r>
+            <a:r>
+              <a:rPr lang="en-US" sz="2000" dirty="0">
+                <a:solidFill>
+                  <a:srgbClr val="000000"/>
+                </a:solidFill>
+                <a:latin typeface="Times New Roman" charset="0"/>
+                <a:cs typeface="Times New Roman" charset="0"/>
+              </a:rPr>
+              <a:t>user space, 2GB system space</a:t>
+            </a:r>
+          </a:p>
+          <a:p>
+            <a:pPr indent="-309605">
+              <a:tabLst>
+                <a:tab pos="414726" algn="l"/>
+                <a:tab pos="829452" algn="l"/>
+                <a:tab pos="1244178" algn="l"/>
+                <a:tab pos="1658904" algn="l"/>
+                <a:tab pos="2073631" algn="l"/>
+                <a:tab pos="2488357" algn="l"/>
+                <a:tab pos="2903083" algn="l"/>
+                <a:tab pos="3317809" algn="l"/>
+                <a:tab pos="3732535" algn="l"/>
+                <a:tab pos="4147261" algn="l"/>
+                <a:tab pos="4561987" algn="l"/>
+                <a:tab pos="4976713" algn="l"/>
+                <a:tab pos="5391440" algn="l"/>
+                <a:tab pos="5806166" algn="l"/>
+                <a:tab pos="6220892" algn="l"/>
+                <a:tab pos="6635618" algn="l"/>
+                <a:tab pos="7050344" algn="l"/>
+                <a:tab pos="7465070" algn="l"/>
+                <a:tab pos="7879796" algn="l"/>
+              </a:tabLst>
+            </a:pPr>
+            <a:r>
+              <a:rPr lang="en-US" sz="2500" dirty="0" smtClean="0"/>
+              <a:t>•</a:t>
+            </a:r>
+            <a:r>
+              <a:rPr lang="en-US" sz="2500" dirty="0" smtClean="0">
+                <a:solidFill>
+                  <a:srgbClr val="000000"/>
+                </a:solidFill>
+                <a:latin typeface="Times New Roman" charset="0"/>
+                <a:cs typeface="Times New Roman" charset="0"/>
+              </a:rPr>
+              <a:t>4KB pages</a:t>
+            </a:r>
+            <a:endParaRPr lang="en-US" sz="2500" dirty="0">
+              <a:solidFill>
+                <a:srgbClr val="000000"/>
+              </a:solidFill>
+              <a:latin typeface="Times New Roman" charset="0"/>
+              <a:cs typeface="Times New Roman" charset="0"/>
+            </a:endParaRPr>
+          </a:p>
+        </p:txBody>
+      </p:sp>
+      <p:pic>
+        <p:nvPicPr>
+          <p:cNvPr id="7171" name="Picture 3"/>
+          <p:cNvPicPr>
+            <a:picLocks noChangeAspect="1" noChangeArrowheads="1"/>
+          </p:cNvPicPr>
+          <p:nvPr/>
+        </p:nvPicPr>
+        <p:blipFill>
+          <a:blip r:embed="rId3">
+            <a:extLst>
+              <a:ext uri="{28A0092B-C50C-407E-A947-70E740481C1C}">
+                <a14:useLocalDpi xmlns:a14="http://schemas.microsoft.com/office/drawing/2010/main" val="0"/>
+              </a:ext>
+            </a:extLst>
+          </a:blip>
+          <a:srcRect/>
+          <a:stretch>
+            <a:fillRect/>
+          </a:stretch>
+        </p:blipFill>
+        <p:spPr bwMode="auto">
+          <a:xfrm>
+            <a:off x="6719040" y="4645928"/>
+            <a:ext cx="1851840" cy="1968687"/>
+          </a:xfrm>
+          <a:prstGeom prst="rect">
+            <a:avLst/>
+          </a:prstGeom>
+          <a:noFill/>
+          <a:ln>
+            <a:noFill/>
+          </a:ln>
+          <a:effectLst/>
+          <a:extLst>
+            <a:ext uri="{909E8E84-426E-40dd-AFC4-6F175D3DCCD1}">
+              <a14:hiddenFill xmlns:a14="http://schemas.microsoft.com/office/drawing/2010/main">
+                <a:blipFill dpi="0" rotWithShape="0">
+                  <a:blip/>
+                  <a:srcRect/>
+                  <a:stretch>
+                    <a:fillRect/>
+                  </a:stretch>
+                </a:blipFill>
+              </a14:hiddenFill>
+            </a:ext>
+            <a:ext uri="{91240B29-F687-4f45-9708-019B960494DF}">
+              <a14:hiddenLine xmlns:a14="http://schemas.microsoft.com/office/drawing/2010/main" w="9525" cap="flat">
+                <a:solidFill>
+                  <a:srgbClr val="3465A4"/>
+                </a:solidFill>
+                <a:round/>
+                <a:headEnd/>
+                <a:tailEnd/>
+              </a14:hiddenLine>
+            </a:ext>
+            <a:ext uri="{AF507438-7753-43e0-B8FC-AC1667EBCBE1}">
+              <a14:hiddenEffects xmlns:a14="http://schemas.microsoft.com/office/drawing/2010/main">
+                <a:effectLst>
+                  <a:outerShdw blurRad="63500" dist="38099" dir="2700000" algn="ctr" rotWithShape="0">
+                    <a:srgbClr val="000000">
+                      <a:alpha val="74998"/>
+                    </a:srgbClr>
+                  </a:outerShdw>
+                </a:effectLst>
+              </a14:hiddenEffects>
+            </a:ext>
+          </a:extLst>
+        </p:spPr>
+      </p:pic>
+    </p:spTree>
+    <p:extLst>
+      <p:ext uri="{BB962C8B-B14F-4D97-AF65-F5344CB8AC3E}">
+        <p14:creationId xmlns:p14="http://schemas.microsoft.com/office/powerpoint/2010/main" val="2522728003"/>
+      </p:ext>
+    </p:extLst>
+  </p:cSld>
+  <p:clrMapOvr>
+    <a:masterClrMapping/>
+  </p:clrMapOvr>
+  <p:transition xmlns:p14="http://schemas.microsoft.com/office/powerpoint/2010/main" spd="med"/>
+  <p:timing>
+    <p:tnLst>
+      <p:par>
+        <p:cTn xmlns:p14="http://schemas.microsoft.com/office/powerpoint/2010/main" id="1" dur="indefinite" nodeType="tmRoot">
+          <p:childTnLst>
+            <p:seq concurrent="1" nextAc="seek">
+              <p:cTn id="2" dur="0" nodeType="mainSeq"/>
+              <p:prevCondLst>
+                <p:cond evt="onPrev" delay="0">
+                  <p:tgtEl>
+                    <p:sldTgt/>
+                  </p:tgtEl>
+                </p:cond>
+              </p:prevCondLst>
+              <p:nextCondLst>
+                <p:cond evt="onNext" delay="0">
+                  <p:tgtEl>
+                    <p:sldTgt/>
+                  </p:tgtEl>
+                </p:cond>
+              </p:nextCondLst>
+            </p:seq>
+          </p:childTnLst>
+        </p:cTn>
+      </p:par>
+    </p:tnLst>
+  </p:timing>
+</p:sld>
+</file>
+
+<file path=ppt/slides/slide24.xml><?xml version="1.0" encoding="utf-8"?>
+<p:sld xmlns:a="http://schemas.openxmlformats.org/drawingml/2006/main" xmlns:r="http://schemas.openxmlformats.org/officeDocument/2006/relationships" xmlns:p="http://schemas.openxmlformats.org/presentationml/2006/main">
+  <p:cSld>
+    <p:spTree>
+      <p:nvGrpSpPr>
+        <p:cNvPr id="1" name=""/>
+        <p:cNvGrpSpPr/>
+        <p:nvPr/>
+      </p:nvGrpSpPr>
+      <p:grpSpPr>
+        <a:xfrm>
+          <a:off x="0" y="0"/>
+          <a:ext cx="0" cy="0"/>
+          <a:chOff x="0" y="0"/>
+          <a:chExt cx="0" cy="0"/>
+        </a:xfrm>
+      </p:grpSpPr>
+      <p:sp>
+        <p:nvSpPr>
+          <p:cNvPr id="8193" name="Rectangle 1"/>
+          <p:cNvSpPr>
+            <a:spLocks noGrp="1" noChangeArrowheads="1"/>
+          </p:cNvSpPr>
+          <p:nvPr>
+            <p:ph type="title"/>
+          </p:nvPr>
+        </p:nvSpPr>
+        <p:spPr>
+          <a:xfrm>
+            <a:off x="456480" y="260668"/>
+            <a:ext cx="8229600" cy="1131959"/>
+          </a:xfrm>
+          <a:ln/>
+        </p:spPr>
+        <p:txBody>
+          <a:bodyPr lIns="82945" tIns="48004" rIns="82945" bIns="41473"/>
+          <a:lstStyle/>
+          <a:p>
+            <a:pPr>
+              <a:tabLst>
+                <a:tab pos="414726" algn="l"/>
+                <a:tab pos="829452" algn="l"/>
+                <a:tab pos="1244178" algn="l"/>
+                <a:tab pos="1658904" algn="l"/>
+                <a:tab pos="2073631" algn="l"/>
+                <a:tab pos="2488357" algn="l"/>
+                <a:tab pos="2903083" algn="l"/>
+                <a:tab pos="3317809" algn="l"/>
+                <a:tab pos="3732535" algn="l"/>
+                <a:tab pos="4147261" algn="l"/>
+                <a:tab pos="4561987" algn="l"/>
+                <a:tab pos="4976713" algn="l"/>
+                <a:tab pos="5391440" algn="l"/>
+                <a:tab pos="5806166" algn="l"/>
+                <a:tab pos="6220892" algn="l"/>
+                <a:tab pos="6635618" algn="l"/>
+                <a:tab pos="7050344" algn="l"/>
+                <a:tab pos="7465070" algn="l"/>
+                <a:tab pos="7879796" algn="l"/>
+              </a:tabLst>
+            </a:pPr>
+            <a:r>
+              <a:rPr lang="en-US" dirty="0" smtClean="0">
+                <a:latin typeface="Arial Black"/>
+                <a:cs typeface="Arial Black"/>
+              </a:rPr>
+              <a:t>Memory Organization</a:t>
+            </a:r>
+            <a:endParaRPr lang="en-US" dirty="0">
+              <a:latin typeface="Arial Black"/>
+              <a:cs typeface="Arial Black"/>
+            </a:endParaRPr>
+          </a:p>
+        </p:txBody>
+      </p:sp>
+      <p:sp>
+        <p:nvSpPr>
+          <p:cNvPr id="5" name="Rectangle 2"/>
+          <p:cNvSpPr txBox="1">
+            <a:spLocks noChangeArrowheads="1"/>
+          </p:cNvSpPr>
+          <p:nvPr/>
+        </p:nvSpPr>
+        <p:spPr>
+          <a:xfrm>
+            <a:off x="456481" y="1512332"/>
+            <a:ext cx="8229600" cy="4520168"/>
+          </a:xfrm>
+          <a:prstGeom prst="rect">
+            <a:avLst/>
+          </a:prstGeom>
+          <a:ln/>
+        </p:spPr>
+        <p:txBody>
+          <a:bodyPr vert="horz" lIns="82945" tIns="19201" rIns="82945" bIns="41473">
+            <a:noAutofit/>
+          </a:bodyPr>
+          <a:lstStyle>
+            <a:lvl1pPr marL="320040" indent="-320040" algn="l" rtl="0" eaLnBrk="1" latinLnBrk="0" hangingPunct="1">
+              <a:spcBef>
+                <a:spcPts val="700"/>
+              </a:spcBef>
+              <a:buClr>
+                <a:schemeClr val="accent2"/>
+              </a:buClr>
+              <a:buSzPct val="60000"/>
+              <a:buFont typeface="Wingdings"/>
+              <a:buChar char=""/>
+              <a:defRPr kumimoji="0" sz="2900" kern="1200">
+                <a:solidFill>
+                  <a:schemeClr val="tx1"/>
+                </a:solidFill>
+                <a:latin typeface="+mn-lt"/>
+                <a:ea typeface="+mn-ea"/>
+                <a:cs typeface="+mn-cs"/>
+              </a:defRPr>
+            </a:lvl1pPr>
+            <a:lvl2pPr marL="640080" indent="-274320" algn="l" rtl="0" eaLnBrk="1" latinLnBrk="0" hangingPunct="1">
+              <a:spcBef>
+                <a:spcPts val="550"/>
+              </a:spcBef>
+              <a:buClr>
+                <a:schemeClr val="accent1"/>
+              </a:buClr>
+              <a:buSzPct val="70000"/>
+              <a:buFont typeface="Wingdings 2"/>
+              <a:buChar char=""/>
+              <a:defRPr kumimoji="0" sz="2600" kern="1200">
+                <a:solidFill>
+                  <a:schemeClr val="tx1"/>
+                </a:solidFill>
+                <a:latin typeface="+mn-lt"/>
+                <a:ea typeface="+mn-ea"/>
+                <a:cs typeface="+mn-cs"/>
+              </a:defRPr>
+            </a:lvl2pPr>
+            <a:lvl3pPr marL="914400" indent="-228600" algn="l" rtl="0" eaLnBrk="1" latinLnBrk="0" hangingPunct="1">
+              <a:spcBef>
+                <a:spcPts val="500"/>
+              </a:spcBef>
+              <a:buClr>
+                <a:schemeClr val="accent2"/>
+              </a:buClr>
+              <a:buSzPct val="75000"/>
+              <a:buFont typeface="Wingdings"/>
+              <a:buChar char=""/>
+              <a:defRPr kumimoji="0" sz="2300" kern="1200">
+                <a:solidFill>
+                  <a:schemeClr val="tx1"/>
+                </a:solidFill>
+                <a:latin typeface="+mn-lt"/>
+                <a:ea typeface="+mn-ea"/>
+                <a:cs typeface="+mn-cs"/>
+              </a:defRPr>
+            </a:lvl3pPr>
+            <a:lvl4pPr marL="1371600" indent="-228600" algn="l" rtl="0" eaLnBrk="1" latinLnBrk="0" hangingPunct="1">
+              <a:spcBef>
+                <a:spcPts val="400"/>
+              </a:spcBef>
+              <a:buClr>
+                <a:schemeClr val="accent3"/>
+              </a:buClr>
+              <a:buSzPct val="75000"/>
+              <a:buFont typeface="Wingdings"/>
+              <a:buChar char=""/>
+              <a:defRPr kumimoji="0" sz="2000" kern="1200">
+                <a:solidFill>
+                  <a:schemeClr val="tx1"/>
+                </a:solidFill>
+                <a:latin typeface="+mn-lt"/>
+                <a:ea typeface="+mn-ea"/>
+                <a:cs typeface="+mn-cs"/>
+              </a:defRPr>
+            </a:lvl4pPr>
+            <a:lvl5pPr marL="1828800" indent="-228600" algn="l" rtl="0" eaLnBrk="1" latinLnBrk="0" hangingPunct="1">
+              <a:spcBef>
+                <a:spcPts val="400"/>
+              </a:spcBef>
+              <a:buClr>
+                <a:schemeClr val="accent4"/>
+              </a:buClr>
+              <a:buSzPct val="65000"/>
+              <a:buFont typeface="Wingdings"/>
+              <a:buChar char=""/>
+              <a:defRPr kumimoji="0" sz="2000" kern="1200">
+                <a:solidFill>
+                  <a:schemeClr val="tx1"/>
+                </a:solidFill>
+                <a:latin typeface="+mn-lt"/>
+                <a:ea typeface="+mn-ea"/>
+                <a:cs typeface="+mn-cs"/>
+              </a:defRPr>
+            </a:lvl5pPr>
+            <a:lvl6pPr marL="2103120" indent="-228600" algn="l" rtl="0" eaLnBrk="1" latinLnBrk="0" hangingPunct="1">
+              <a:spcBef>
+                <a:spcPct val="20000"/>
+              </a:spcBef>
+              <a:buClr>
+                <a:schemeClr val="accent1"/>
+              </a:buClr>
+              <a:buFont typeface="Wingdings"/>
+              <a:buChar char="§"/>
+              <a:defRPr kumimoji="0" sz="1800" kern="1200" baseline="0">
+                <a:solidFill>
+                  <a:schemeClr val="tx1"/>
+                </a:solidFill>
+                <a:latin typeface="+mn-lt"/>
+                <a:ea typeface="+mn-ea"/>
+                <a:cs typeface="+mn-cs"/>
+              </a:defRPr>
+            </a:lvl6pPr>
+            <a:lvl7pPr marL="2377440" indent="-228600" algn="l" rtl="0" eaLnBrk="1" latinLnBrk="0" hangingPunct="1">
+              <a:spcBef>
+                <a:spcPct val="20000"/>
+              </a:spcBef>
+              <a:buClr>
+                <a:schemeClr val="accent2"/>
+              </a:buClr>
+              <a:buFont typeface="Wingdings"/>
+              <a:buChar char="§"/>
+              <a:defRPr kumimoji="0" sz="1800" kern="1200" baseline="0">
+                <a:solidFill>
+                  <a:schemeClr val="tx1"/>
+                </a:solidFill>
+                <a:latin typeface="+mn-lt"/>
+                <a:ea typeface="+mn-ea"/>
+                <a:cs typeface="+mn-cs"/>
+              </a:defRPr>
+            </a:lvl7pPr>
+            <a:lvl8pPr marL="2651760" indent="-228600" algn="l" rtl="0" eaLnBrk="1" latinLnBrk="0" hangingPunct="1">
+              <a:spcBef>
+                <a:spcPct val="20000"/>
+              </a:spcBef>
+              <a:buClr>
+                <a:schemeClr val="accent3"/>
+              </a:buClr>
+              <a:buFont typeface="Wingdings"/>
+              <a:buChar char="§"/>
+              <a:defRPr kumimoji="0" sz="1800" kern="1200" baseline="0">
+                <a:solidFill>
+                  <a:schemeClr val="tx1"/>
+                </a:solidFill>
+                <a:latin typeface="+mn-lt"/>
+                <a:ea typeface="+mn-ea"/>
+                <a:cs typeface="+mn-cs"/>
+              </a:defRPr>
+            </a:lvl8pPr>
+            <a:lvl9pPr marL="2926080" indent="-228600" algn="l" rtl="0" eaLnBrk="1" latinLnBrk="0" hangingPunct="1">
+              <a:spcBef>
+                <a:spcPct val="20000"/>
+              </a:spcBef>
+              <a:buClr>
+                <a:schemeClr val="accent4"/>
+              </a:buClr>
+              <a:buFont typeface="Wingdings"/>
+              <a:buChar char="§"/>
+              <a:defRPr kumimoji="0" sz="1800" kern="1200" baseline="0">
+                <a:solidFill>
+                  <a:schemeClr val="tx1"/>
+                </a:solidFill>
+                <a:latin typeface="+mn-lt"/>
+                <a:ea typeface="+mn-ea"/>
+                <a:cs typeface="+mn-cs"/>
+              </a:defRPr>
+            </a:lvl9pPr>
+          </a:lstStyle>
+          <a:p>
+            <a:pPr indent="-309605">
+              <a:tabLst>
+                <a:tab pos="414726" algn="l"/>
+                <a:tab pos="829452" algn="l"/>
+                <a:tab pos="1244178" algn="l"/>
+                <a:tab pos="1658904" algn="l"/>
+                <a:tab pos="2073631" algn="l"/>
+                <a:tab pos="2488357" algn="l"/>
+                <a:tab pos="2903083" algn="l"/>
+                <a:tab pos="3317809" algn="l"/>
+                <a:tab pos="3732535" algn="l"/>
+                <a:tab pos="4147261" algn="l"/>
+                <a:tab pos="4561987" algn="l"/>
+                <a:tab pos="4976713" algn="l"/>
+                <a:tab pos="5391440" algn="l"/>
+                <a:tab pos="5806166" algn="l"/>
+                <a:tab pos="6220892" algn="l"/>
+                <a:tab pos="6635618" algn="l"/>
+                <a:tab pos="7050344" algn="l"/>
+                <a:tab pos="7465070" algn="l"/>
+                <a:tab pos="7879796" algn="l"/>
+              </a:tabLst>
+            </a:pPr>
+            <a:r>
+              <a:rPr lang="en-US" sz="2200" dirty="0" smtClean="0">
+                <a:solidFill>
+                  <a:srgbClr val="000000"/>
+                </a:solidFill>
+                <a:latin typeface="Times New Roman" charset="0"/>
+                <a:cs typeface="Times New Roman" charset="0"/>
+              </a:rPr>
+              <a:t>Virtual memory manager (VMM)</a:t>
+            </a:r>
+          </a:p>
+          <a:p>
+            <a:pPr lvl="1" indent="-309605">
+              <a:tabLst>
+                <a:tab pos="414726" algn="l"/>
+                <a:tab pos="829452" algn="l"/>
+                <a:tab pos="1244178" algn="l"/>
+                <a:tab pos="1658904" algn="l"/>
+                <a:tab pos="2073631" algn="l"/>
+                <a:tab pos="2488357" algn="l"/>
+                <a:tab pos="2903083" algn="l"/>
+                <a:tab pos="3317809" algn="l"/>
+                <a:tab pos="3732535" algn="l"/>
+                <a:tab pos="4147261" algn="l"/>
+                <a:tab pos="4561987" algn="l"/>
+                <a:tab pos="4976713" algn="l"/>
+                <a:tab pos="5391440" algn="l"/>
+                <a:tab pos="5806166" algn="l"/>
+                <a:tab pos="6220892" algn="l"/>
+                <a:tab pos="6635618" algn="l"/>
+                <a:tab pos="7050344" algn="l"/>
+                <a:tab pos="7465070" algn="l"/>
+                <a:tab pos="7879796" algn="l"/>
+              </a:tabLst>
+            </a:pPr>
+            <a:r>
+              <a:rPr lang="en-US" sz="2200" dirty="0" smtClean="0">
+                <a:solidFill>
+                  <a:srgbClr val="000000"/>
+                </a:solidFill>
+                <a:latin typeface="Times New Roman" charset="0"/>
+                <a:cs typeface="Times New Roman" charset="0"/>
+              </a:rPr>
+              <a:t>Executive component responsible for managing memory</a:t>
+            </a:r>
+          </a:p>
+          <a:p>
+            <a:pPr lvl="1" indent="-309605">
+              <a:tabLst>
+                <a:tab pos="414726" algn="l"/>
+                <a:tab pos="829452" algn="l"/>
+                <a:tab pos="1244178" algn="l"/>
+                <a:tab pos="1658904" algn="l"/>
+                <a:tab pos="2073631" algn="l"/>
+                <a:tab pos="2488357" algn="l"/>
+                <a:tab pos="2903083" algn="l"/>
+                <a:tab pos="3317809" algn="l"/>
+                <a:tab pos="3732535" algn="l"/>
+                <a:tab pos="4147261" algn="l"/>
+                <a:tab pos="4561987" algn="l"/>
+                <a:tab pos="4976713" algn="l"/>
+                <a:tab pos="5391440" algn="l"/>
+                <a:tab pos="5806166" algn="l"/>
+                <a:tab pos="6220892" algn="l"/>
+                <a:tab pos="6635618" algn="l"/>
+                <a:tab pos="7050344" algn="l"/>
+                <a:tab pos="7465070" algn="l"/>
+                <a:tab pos="7879796" algn="l"/>
+              </a:tabLst>
+            </a:pPr>
+            <a:r>
+              <a:rPr lang="en-US" sz="2200" dirty="0">
+                <a:solidFill>
+                  <a:srgbClr val="000000"/>
+                </a:solidFill>
+                <a:latin typeface="Times New Roman" charset="0"/>
+                <a:cs typeface="Times New Roman" charset="0"/>
+              </a:rPr>
+              <a:t>Two-level hierarchical memory map</a:t>
+            </a:r>
+          </a:p>
+          <a:p>
+            <a:pPr indent="-309605">
+              <a:tabLst>
+                <a:tab pos="414726" algn="l"/>
+                <a:tab pos="829452" algn="l"/>
+                <a:tab pos="1244178" algn="l"/>
+                <a:tab pos="1658904" algn="l"/>
+                <a:tab pos="2073631" algn="l"/>
+                <a:tab pos="2488357" algn="l"/>
+                <a:tab pos="2903083" algn="l"/>
+                <a:tab pos="3317809" algn="l"/>
+                <a:tab pos="3732535" algn="l"/>
+                <a:tab pos="4147261" algn="l"/>
+                <a:tab pos="4561987" algn="l"/>
+                <a:tab pos="4976713" algn="l"/>
+                <a:tab pos="5391440" algn="l"/>
+                <a:tab pos="5806166" algn="l"/>
+                <a:tab pos="6220892" algn="l"/>
+                <a:tab pos="6635618" algn="l"/>
+                <a:tab pos="7050344" algn="l"/>
+                <a:tab pos="7465070" algn="l"/>
+                <a:tab pos="7879796" algn="l"/>
+              </a:tabLst>
+            </a:pPr>
+            <a:r>
+              <a:rPr lang="en-US" sz="2200" dirty="0">
+                <a:solidFill>
+                  <a:srgbClr val="000000"/>
+                </a:solidFill>
+                <a:latin typeface="Times New Roman" charset="0"/>
+                <a:cs typeface="Times New Roman" charset="0"/>
+              </a:rPr>
+              <a:t>Page directory table</a:t>
+            </a:r>
+          </a:p>
+          <a:p>
+            <a:pPr lvl="1" indent="-309605">
+              <a:tabLst>
+                <a:tab pos="414726" algn="l"/>
+                <a:tab pos="829452" algn="l"/>
+                <a:tab pos="1244178" algn="l"/>
+                <a:tab pos="1658904" algn="l"/>
+                <a:tab pos="2073631" algn="l"/>
+                <a:tab pos="2488357" algn="l"/>
+                <a:tab pos="2903083" algn="l"/>
+                <a:tab pos="3317809" algn="l"/>
+                <a:tab pos="3732535" algn="l"/>
+                <a:tab pos="4147261" algn="l"/>
+                <a:tab pos="4561987" algn="l"/>
+                <a:tab pos="4976713" algn="l"/>
+                <a:tab pos="5391440" algn="l"/>
+                <a:tab pos="5806166" algn="l"/>
+                <a:tab pos="6220892" algn="l"/>
+                <a:tab pos="6635618" algn="l"/>
+                <a:tab pos="7050344" algn="l"/>
+                <a:tab pos="7465070" algn="l"/>
+                <a:tab pos="7879796" algn="l"/>
+              </a:tabLst>
+            </a:pPr>
+            <a:r>
+              <a:rPr lang="en-US" sz="2200" dirty="0">
+                <a:solidFill>
+                  <a:srgbClr val="000000"/>
+                </a:solidFill>
+                <a:latin typeface="Times New Roman" charset="0"/>
+                <a:cs typeface="Times New Roman" charset="0"/>
+              </a:rPr>
+              <a:t>Page directory entries (PDEs) point to page table</a:t>
+            </a:r>
+          </a:p>
+          <a:p>
+            <a:pPr lvl="1" indent="-309605">
+              <a:tabLst>
+                <a:tab pos="414726" algn="l"/>
+                <a:tab pos="829452" algn="l"/>
+                <a:tab pos="1244178" algn="l"/>
+                <a:tab pos="1658904" algn="l"/>
+                <a:tab pos="2073631" algn="l"/>
+                <a:tab pos="2488357" algn="l"/>
+                <a:tab pos="2903083" algn="l"/>
+                <a:tab pos="3317809" algn="l"/>
+                <a:tab pos="3732535" algn="l"/>
+                <a:tab pos="4147261" algn="l"/>
+                <a:tab pos="4561987" algn="l"/>
+                <a:tab pos="4976713" algn="l"/>
+                <a:tab pos="5391440" algn="l"/>
+                <a:tab pos="5806166" algn="l"/>
+                <a:tab pos="6220892" algn="l"/>
+                <a:tab pos="6635618" algn="l"/>
+                <a:tab pos="7050344" algn="l"/>
+                <a:tab pos="7465070" algn="l"/>
+                <a:tab pos="7879796" algn="l"/>
+              </a:tabLst>
+            </a:pPr>
+            <a:r>
+              <a:rPr lang="en-US" sz="2200" dirty="0">
+                <a:solidFill>
+                  <a:srgbClr val="000000"/>
+                </a:solidFill>
+                <a:latin typeface="Times New Roman" charset="0"/>
+                <a:cs typeface="Times New Roman" charset="0"/>
+              </a:rPr>
+              <a:t>One page directory table per process</a:t>
+            </a:r>
+          </a:p>
+          <a:p>
+            <a:pPr lvl="1" indent="-309605">
+              <a:tabLst>
+                <a:tab pos="414726" algn="l"/>
+                <a:tab pos="829452" algn="l"/>
+                <a:tab pos="1244178" algn="l"/>
+                <a:tab pos="1658904" algn="l"/>
+                <a:tab pos="2073631" algn="l"/>
+                <a:tab pos="2488357" algn="l"/>
+                <a:tab pos="2903083" algn="l"/>
+                <a:tab pos="3317809" algn="l"/>
+                <a:tab pos="3732535" algn="l"/>
+                <a:tab pos="4147261" algn="l"/>
+                <a:tab pos="4561987" algn="l"/>
+                <a:tab pos="4976713" algn="l"/>
+                <a:tab pos="5391440" algn="l"/>
+                <a:tab pos="5806166" algn="l"/>
+                <a:tab pos="6220892" algn="l"/>
+                <a:tab pos="6635618" algn="l"/>
+                <a:tab pos="7050344" algn="l"/>
+                <a:tab pos="7465070" algn="l"/>
+                <a:tab pos="7879796" algn="l"/>
+              </a:tabLst>
+            </a:pPr>
+            <a:r>
+              <a:rPr lang="en-US" sz="2200" dirty="0">
+                <a:solidFill>
+                  <a:srgbClr val="000000"/>
+                </a:solidFill>
+                <a:latin typeface="Times New Roman" charset="0"/>
+                <a:cs typeface="Times New Roman" charset="0"/>
+              </a:rPr>
+              <a:t>Location in page directory register</a:t>
+            </a:r>
+          </a:p>
+          <a:p>
+            <a:pPr indent="-309605">
+              <a:tabLst>
+                <a:tab pos="414726" algn="l"/>
+                <a:tab pos="829452" algn="l"/>
+                <a:tab pos="1244178" algn="l"/>
+                <a:tab pos="1658904" algn="l"/>
+                <a:tab pos="2073631" algn="l"/>
+                <a:tab pos="2488357" algn="l"/>
+                <a:tab pos="2903083" algn="l"/>
+                <a:tab pos="3317809" algn="l"/>
+                <a:tab pos="3732535" algn="l"/>
+                <a:tab pos="4147261" algn="l"/>
+                <a:tab pos="4561987" algn="l"/>
+                <a:tab pos="4976713" algn="l"/>
+                <a:tab pos="5391440" algn="l"/>
+                <a:tab pos="5806166" algn="l"/>
+                <a:tab pos="6220892" algn="l"/>
+                <a:tab pos="6635618" algn="l"/>
+                <a:tab pos="7050344" algn="l"/>
+                <a:tab pos="7465070" algn="l"/>
+                <a:tab pos="7879796" algn="l"/>
+              </a:tabLst>
+            </a:pPr>
+            <a:r>
+              <a:rPr lang="en-US" sz="2200" dirty="0">
+                <a:solidFill>
+                  <a:srgbClr val="000000"/>
+                </a:solidFill>
+                <a:latin typeface="Times New Roman" charset="0"/>
+                <a:cs typeface="Times New Roman" charset="0"/>
+              </a:rPr>
+              <a:t>Page table</a:t>
+            </a:r>
+          </a:p>
+          <a:p>
+            <a:pPr lvl="1" indent="-309605">
+              <a:tabLst>
+                <a:tab pos="414726" algn="l"/>
+                <a:tab pos="829452" algn="l"/>
+                <a:tab pos="1244178" algn="l"/>
+                <a:tab pos="1658904" algn="l"/>
+                <a:tab pos="2073631" algn="l"/>
+                <a:tab pos="2488357" algn="l"/>
+                <a:tab pos="2903083" algn="l"/>
+                <a:tab pos="3317809" algn="l"/>
+                <a:tab pos="3732535" algn="l"/>
+                <a:tab pos="4147261" algn="l"/>
+                <a:tab pos="4561987" algn="l"/>
+                <a:tab pos="4976713" algn="l"/>
+                <a:tab pos="5391440" algn="l"/>
+                <a:tab pos="5806166" algn="l"/>
+                <a:tab pos="6220892" algn="l"/>
+                <a:tab pos="6635618" algn="l"/>
+                <a:tab pos="7050344" algn="l"/>
+                <a:tab pos="7465070" algn="l"/>
+                <a:tab pos="7879796" algn="l"/>
+              </a:tabLst>
+            </a:pPr>
+            <a:r>
+              <a:rPr lang="en-US" sz="2200" dirty="0">
+                <a:solidFill>
+                  <a:srgbClr val="000000"/>
+                </a:solidFill>
+                <a:latin typeface="Times New Roman" charset="0"/>
+                <a:cs typeface="Times New Roman" charset="0"/>
+              </a:rPr>
+              <a:t>Page table entries (PTEs) point to page frames</a:t>
+            </a:r>
+          </a:p>
+          <a:p>
+            <a:pPr indent="-309605">
+              <a:tabLst>
+                <a:tab pos="414726" algn="l"/>
+                <a:tab pos="829452" algn="l"/>
+                <a:tab pos="1244178" algn="l"/>
+                <a:tab pos="1658904" algn="l"/>
+                <a:tab pos="2073631" algn="l"/>
+                <a:tab pos="2488357" algn="l"/>
+                <a:tab pos="2903083" algn="l"/>
+                <a:tab pos="3317809" algn="l"/>
+                <a:tab pos="3732535" algn="l"/>
+                <a:tab pos="4147261" algn="l"/>
+                <a:tab pos="4561987" algn="l"/>
+                <a:tab pos="4976713" algn="l"/>
+                <a:tab pos="5391440" algn="l"/>
+                <a:tab pos="5806166" algn="l"/>
+                <a:tab pos="6220892" algn="l"/>
+                <a:tab pos="6635618" algn="l"/>
+                <a:tab pos="7050344" algn="l"/>
+                <a:tab pos="7465070" algn="l"/>
+                <a:tab pos="7879796" algn="l"/>
+              </a:tabLst>
+            </a:pPr>
+            <a:r>
+              <a:rPr lang="en-US" sz="2200" dirty="0">
+                <a:solidFill>
+                  <a:srgbClr val="000000"/>
+                </a:solidFill>
+                <a:latin typeface="Times New Roman" charset="0"/>
+                <a:cs typeface="Times New Roman" charset="0"/>
+              </a:rPr>
+              <a:t>Page frame</a:t>
+            </a:r>
+          </a:p>
+          <a:p>
+            <a:pPr lvl="1" indent="-309605">
+              <a:tabLst>
+                <a:tab pos="414726" algn="l"/>
+                <a:tab pos="829452" algn="l"/>
+                <a:tab pos="1244178" algn="l"/>
+                <a:tab pos="1658904" algn="l"/>
+                <a:tab pos="2073631" algn="l"/>
+                <a:tab pos="2488357" algn="l"/>
+                <a:tab pos="2903083" algn="l"/>
+                <a:tab pos="3317809" algn="l"/>
+                <a:tab pos="3732535" algn="l"/>
+                <a:tab pos="4147261" algn="l"/>
+                <a:tab pos="4561987" algn="l"/>
+                <a:tab pos="4976713" algn="l"/>
+                <a:tab pos="5391440" algn="l"/>
+                <a:tab pos="5806166" algn="l"/>
+                <a:tab pos="6220892" algn="l"/>
+                <a:tab pos="6635618" algn="l"/>
+                <a:tab pos="7050344" algn="l"/>
+                <a:tab pos="7465070" algn="l"/>
+                <a:tab pos="7879796" algn="l"/>
+              </a:tabLst>
+            </a:pPr>
+            <a:r>
+              <a:rPr lang="en-US" sz="2200" dirty="0">
+                <a:solidFill>
+                  <a:srgbClr val="000000"/>
+                </a:solidFill>
+                <a:latin typeface="Times New Roman" charset="0"/>
+                <a:cs typeface="Times New Roman" charset="0"/>
+              </a:rPr>
+              <a:t>Contains page of data</a:t>
+            </a:r>
+          </a:p>
+          <a:p>
+            <a:pPr lvl="1" indent="-309605">
+              <a:tabLst>
+                <a:tab pos="414726" algn="l"/>
+                <a:tab pos="829452" algn="l"/>
+                <a:tab pos="1244178" algn="l"/>
+                <a:tab pos="1658904" algn="l"/>
+                <a:tab pos="2073631" algn="l"/>
+                <a:tab pos="2488357" algn="l"/>
+                <a:tab pos="2903083" algn="l"/>
+                <a:tab pos="3317809" algn="l"/>
+                <a:tab pos="3732535" algn="l"/>
+                <a:tab pos="4147261" algn="l"/>
+                <a:tab pos="4561987" algn="l"/>
+                <a:tab pos="4976713" algn="l"/>
+                <a:tab pos="5391440" algn="l"/>
+                <a:tab pos="5806166" algn="l"/>
+                <a:tab pos="6220892" algn="l"/>
+                <a:tab pos="6635618" algn="l"/>
+                <a:tab pos="7050344" algn="l"/>
+                <a:tab pos="7465070" algn="l"/>
+                <a:tab pos="7879796" algn="l"/>
+              </a:tabLst>
+            </a:pPr>
+            <a:r>
+              <a:rPr lang="en-US" sz="2200" dirty="0">
+                <a:solidFill>
+                  <a:srgbClr val="000000"/>
+                </a:solidFill>
+                <a:latin typeface="Times New Roman" charset="0"/>
+                <a:cs typeface="Times New Roman" charset="0"/>
+              </a:rPr>
+              <a:t>TLB (translation </a:t>
+            </a:r>
+            <a:r>
+              <a:rPr lang="en-US" sz="2200" dirty="0" err="1">
+                <a:solidFill>
+                  <a:srgbClr val="000000"/>
+                </a:solidFill>
+                <a:latin typeface="Times New Roman" charset="0"/>
+                <a:cs typeface="Times New Roman" charset="0"/>
+              </a:rPr>
+              <a:t>lookaside</a:t>
+            </a:r>
+            <a:r>
+              <a:rPr lang="en-US" sz="2200" dirty="0">
+                <a:solidFill>
+                  <a:srgbClr val="000000"/>
+                </a:solidFill>
+                <a:latin typeface="Times New Roman" charset="0"/>
+                <a:cs typeface="Times New Roman" charset="0"/>
+              </a:rPr>
+              <a:t> buffer) accelerates address translation</a:t>
+            </a:r>
+          </a:p>
+          <a:p>
+            <a:pPr indent="-309605">
+              <a:tabLst>
+                <a:tab pos="414726" algn="l"/>
+                <a:tab pos="829452" algn="l"/>
+                <a:tab pos="1244178" algn="l"/>
+                <a:tab pos="1658904" algn="l"/>
+                <a:tab pos="2073631" algn="l"/>
+                <a:tab pos="2488357" algn="l"/>
+                <a:tab pos="2903083" algn="l"/>
+                <a:tab pos="3317809" algn="l"/>
+                <a:tab pos="3732535" algn="l"/>
+                <a:tab pos="4147261" algn="l"/>
+                <a:tab pos="4561987" algn="l"/>
+                <a:tab pos="4976713" algn="l"/>
+                <a:tab pos="5391440" algn="l"/>
+                <a:tab pos="5806166" algn="l"/>
+                <a:tab pos="6220892" algn="l"/>
+                <a:tab pos="6635618" algn="l"/>
+                <a:tab pos="7050344" algn="l"/>
+                <a:tab pos="7465070" algn="l"/>
+                <a:tab pos="7879796" algn="l"/>
+              </a:tabLst>
+            </a:pPr>
+            <a:endParaRPr lang="en-US" sz="2200" dirty="0" smtClean="0">
+              <a:solidFill>
+                <a:srgbClr val="000000"/>
+              </a:solidFill>
+              <a:latin typeface="Times New Roman" charset="0"/>
+              <a:cs typeface="Times New Roman" charset="0"/>
+            </a:endParaRPr>
+          </a:p>
+        </p:txBody>
+      </p:sp>
+    </p:spTree>
+    <p:extLst>
+      <p:ext uri="{BB962C8B-B14F-4D97-AF65-F5344CB8AC3E}">
+        <p14:creationId xmlns:p14="http://schemas.microsoft.com/office/powerpoint/2010/main" val="2354289585"/>
+      </p:ext>
+    </p:extLst>
+  </p:cSld>
+  <p:clrMapOvr>
+    <a:masterClrMapping/>
+  </p:clrMapOvr>
+  <p:transition xmlns:p14="http://schemas.microsoft.com/office/powerpoint/2010/main" spd="med"/>
+  <p:timing>
+    <p:tnLst>
+      <p:par>
+        <p:cTn xmlns:p14="http://schemas.microsoft.com/office/powerpoint/2010/main" id="1" dur="indefinite" nodeType="tmRoot">
+          <p:childTnLst>
+            <p:seq concurrent="1" nextAc="seek">
+              <p:cTn id="2" dur="0" nodeType="mainSeq"/>
+              <p:prevCondLst>
+                <p:cond evt="onPrev" delay="0">
+                  <p:tgtEl>
+                    <p:sldTgt/>
+                  </p:tgtEl>
+                </p:cond>
+              </p:prevCondLst>
+              <p:nextCondLst>
+                <p:cond evt="onNext" delay="0">
+                  <p:tgtEl>
+                    <p:sldTgt/>
+                  </p:tgtEl>
+                </p:cond>
+              </p:nextCondLst>
+            </p:seq>
+          </p:childTnLst>
+        </p:cTn>
+      </p:par>
+    </p:tnLst>
+  </p:timing>
+</p:sld>
+</file>
+
+<file path=ppt/slides/slide25.xml><?xml version="1.0" encoding="utf-8"?>
+<p:sld xmlns:a="http://schemas.openxmlformats.org/drawingml/2006/main" xmlns:r="http://schemas.openxmlformats.org/officeDocument/2006/relationships" xmlns:p="http://schemas.openxmlformats.org/presentationml/2006/main">
+  <p:cSld>
+    <p:spTree>
+      <p:nvGrpSpPr>
+        <p:cNvPr id="1" name=""/>
+        <p:cNvGrpSpPr/>
+        <p:nvPr/>
+      </p:nvGrpSpPr>
+      <p:grpSpPr>
+        <a:xfrm>
+          <a:off x="0" y="0"/>
+          <a:ext cx="0" cy="0"/>
+          <a:chOff x="0" y="0"/>
+          <a:chExt cx="0" cy="0"/>
+        </a:xfrm>
+      </p:grpSpPr>
+      <p:sp>
+        <p:nvSpPr>
+          <p:cNvPr id="9217" name="Rectangle 1"/>
+          <p:cNvSpPr>
+            <a:spLocks noGrp="1" noChangeArrowheads="1"/>
+          </p:cNvSpPr>
+          <p:nvPr>
+            <p:ph type="title"/>
+          </p:nvPr>
+        </p:nvSpPr>
+        <p:spPr>
+          <a:xfrm>
+            <a:off x="456480" y="260668"/>
+            <a:ext cx="8229600" cy="1131959"/>
+          </a:xfrm>
+          <a:ln/>
+        </p:spPr>
+        <p:txBody>
+          <a:bodyPr lIns="82945" tIns="8229" rIns="82945" bIns="41473">
+            <a:normAutofit fontScale="90000"/>
+          </a:bodyPr>
+          <a:lstStyle/>
+          <a:p>
+            <a:pPr>
+              <a:lnSpc>
+                <a:spcPct val="98000"/>
+              </a:lnSpc>
+              <a:tabLst>
+                <a:tab pos="414726" algn="l"/>
+                <a:tab pos="829452" algn="l"/>
+                <a:tab pos="1244178" algn="l"/>
+                <a:tab pos="1658904" algn="l"/>
+                <a:tab pos="2073631" algn="l"/>
+                <a:tab pos="2488357" algn="l"/>
+                <a:tab pos="2903083" algn="l"/>
+                <a:tab pos="3317809" algn="l"/>
+                <a:tab pos="3732535" algn="l"/>
+                <a:tab pos="4147261" algn="l"/>
+                <a:tab pos="4561987" algn="l"/>
+                <a:tab pos="4976713" algn="l"/>
+                <a:tab pos="5391440" algn="l"/>
+                <a:tab pos="5806166" algn="l"/>
+                <a:tab pos="6220892" algn="l"/>
+                <a:tab pos="6635618" algn="l"/>
+                <a:tab pos="7050344" algn="l"/>
+                <a:tab pos="7465070" algn="l"/>
+                <a:tab pos="7879796" algn="l"/>
+              </a:tabLst>
+            </a:pPr>
+            <a:r>
+              <a:rPr lang="en-US" dirty="0">
+                <a:latin typeface="Arial Black"/>
+                <a:cs typeface="Arial Black"/>
+              </a:rPr>
+              <a:t>Linux</a:t>
+            </a:r>
+            <a:r>
+              <a:rPr lang="en-US" sz="3300" dirty="0">
+                <a:solidFill>
+                  <a:srgbClr val="990033"/>
+                </a:solidFill>
+                <a:effectLst>
+                  <a:outerShdw blurRad="38100" dist="38100" dir="2700000" algn="tl">
+                    <a:srgbClr val="DDDDDD"/>
+                  </a:outerShdw>
+                </a:effectLst>
+                <a:latin typeface="Technical" charset="0"/>
+              </a:rPr>
+              <a:t> </a:t>
+            </a:r>
+            <a:r>
+              <a:rPr lang="en-US" dirty="0">
+                <a:latin typeface="Arial Black"/>
+                <a:cs typeface="Arial Black"/>
+              </a:rPr>
+              <a:t>Memory</a:t>
+            </a:r>
+            <a:r>
+              <a:rPr lang="en-US" sz="3300" dirty="0">
+                <a:solidFill>
+                  <a:srgbClr val="990033"/>
+                </a:solidFill>
+                <a:effectLst>
+                  <a:outerShdw blurRad="38100" dist="38100" dir="2700000" algn="tl">
+                    <a:srgbClr val="DDDDDD"/>
+                  </a:outerShdw>
+                </a:effectLst>
+                <a:latin typeface="Technical" charset="0"/>
+              </a:rPr>
+              <a:t> </a:t>
+            </a:r>
+            <a:r>
+              <a:rPr lang="en-US" dirty="0">
+                <a:latin typeface="Arial Black"/>
+                <a:cs typeface="Arial Black"/>
+              </a:rPr>
+              <a:t>Management</a:t>
+            </a:r>
+          </a:p>
+        </p:txBody>
+      </p:sp>
+      <p:sp>
+        <p:nvSpPr>
+          <p:cNvPr id="4" name="Rectangle 2"/>
+          <p:cNvSpPr txBox="1">
+            <a:spLocks noChangeArrowheads="1"/>
+          </p:cNvSpPr>
+          <p:nvPr/>
+        </p:nvSpPr>
+        <p:spPr>
+          <a:xfrm>
+            <a:off x="456481" y="1512332"/>
+            <a:ext cx="8229600" cy="4520168"/>
+          </a:xfrm>
+          <a:prstGeom prst="rect">
+            <a:avLst/>
+          </a:prstGeom>
+          <a:ln/>
+        </p:spPr>
+        <p:txBody>
+          <a:bodyPr vert="horz" lIns="82945" tIns="19201" rIns="82945" bIns="41473">
+            <a:noAutofit/>
+          </a:bodyPr>
+          <a:lstStyle>
+            <a:lvl1pPr marL="320040" indent="-320040" algn="l" rtl="0" eaLnBrk="1" latinLnBrk="0" hangingPunct="1">
+              <a:spcBef>
+                <a:spcPts val="700"/>
+              </a:spcBef>
+              <a:buClr>
+                <a:schemeClr val="accent2"/>
+              </a:buClr>
+              <a:buSzPct val="60000"/>
+              <a:buFont typeface="Wingdings"/>
+              <a:buChar char=""/>
+              <a:defRPr kumimoji="0" sz="2900" kern="1200">
+                <a:solidFill>
+                  <a:schemeClr val="tx1"/>
+                </a:solidFill>
+                <a:latin typeface="+mn-lt"/>
+                <a:ea typeface="+mn-ea"/>
+                <a:cs typeface="+mn-cs"/>
+              </a:defRPr>
+            </a:lvl1pPr>
+            <a:lvl2pPr marL="640080" indent="-274320" algn="l" rtl="0" eaLnBrk="1" latinLnBrk="0" hangingPunct="1">
+              <a:spcBef>
+                <a:spcPts val="550"/>
+              </a:spcBef>
+              <a:buClr>
+                <a:schemeClr val="accent1"/>
+              </a:buClr>
+              <a:buSzPct val="70000"/>
+              <a:buFont typeface="Wingdings 2"/>
+              <a:buChar char=""/>
+              <a:defRPr kumimoji="0" sz="2600" kern="1200">
+                <a:solidFill>
+                  <a:schemeClr val="tx1"/>
+                </a:solidFill>
+                <a:latin typeface="+mn-lt"/>
+                <a:ea typeface="+mn-ea"/>
+                <a:cs typeface="+mn-cs"/>
+              </a:defRPr>
+            </a:lvl2pPr>
+            <a:lvl3pPr marL="914400" indent="-228600" algn="l" rtl="0" eaLnBrk="1" latinLnBrk="0" hangingPunct="1">
+              <a:spcBef>
+                <a:spcPts val="500"/>
+              </a:spcBef>
+              <a:buClr>
+                <a:schemeClr val="accent2"/>
+              </a:buClr>
+              <a:buSzPct val="75000"/>
+              <a:buFont typeface="Wingdings"/>
+              <a:buChar char=""/>
+              <a:defRPr kumimoji="0" sz="2300" kern="1200">
+                <a:solidFill>
+                  <a:schemeClr val="tx1"/>
+                </a:solidFill>
+                <a:latin typeface="+mn-lt"/>
+                <a:ea typeface="+mn-ea"/>
+                <a:cs typeface="+mn-cs"/>
+              </a:defRPr>
+            </a:lvl3pPr>
+            <a:lvl4pPr marL="1371600" indent="-228600" algn="l" rtl="0" eaLnBrk="1" latinLnBrk="0" hangingPunct="1">
+              <a:spcBef>
+                <a:spcPts val="400"/>
+              </a:spcBef>
+              <a:buClr>
+                <a:schemeClr val="accent3"/>
+              </a:buClr>
+              <a:buSzPct val="75000"/>
+              <a:buFont typeface="Wingdings"/>
+              <a:buChar char=""/>
+              <a:defRPr kumimoji="0" sz="2000" kern="1200">
+                <a:solidFill>
+                  <a:schemeClr val="tx1"/>
+                </a:solidFill>
+                <a:latin typeface="+mn-lt"/>
+                <a:ea typeface="+mn-ea"/>
+                <a:cs typeface="+mn-cs"/>
+              </a:defRPr>
+            </a:lvl4pPr>
+            <a:lvl5pPr marL="1828800" indent="-228600" algn="l" rtl="0" eaLnBrk="1" latinLnBrk="0" hangingPunct="1">
+              <a:spcBef>
+                <a:spcPts val="400"/>
+              </a:spcBef>
+              <a:buClr>
+                <a:schemeClr val="accent4"/>
+              </a:buClr>
+              <a:buSzPct val="65000"/>
+              <a:buFont typeface="Wingdings"/>
+              <a:buChar char=""/>
+              <a:defRPr kumimoji="0" sz="2000" kern="1200">
+                <a:solidFill>
+                  <a:schemeClr val="tx1"/>
+                </a:solidFill>
+                <a:latin typeface="+mn-lt"/>
+                <a:ea typeface="+mn-ea"/>
+                <a:cs typeface="+mn-cs"/>
+              </a:defRPr>
+            </a:lvl5pPr>
+            <a:lvl6pPr marL="2103120" indent="-228600" algn="l" rtl="0" eaLnBrk="1" latinLnBrk="0" hangingPunct="1">
+              <a:spcBef>
+                <a:spcPct val="20000"/>
+              </a:spcBef>
+              <a:buClr>
+                <a:schemeClr val="accent1"/>
+              </a:buClr>
+              <a:buFont typeface="Wingdings"/>
+              <a:buChar char="§"/>
+              <a:defRPr kumimoji="0" sz="1800" kern="1200" baseline="0">
+                <a:solidFill>
+                  <a:schemeClr val="tx1"/>
+                </a:solidFill>
+                <a:latin typeface="+mn-lt"/>
+                <a:ea typeface="+mn-ea"/>
+                <a:cs typeface="+mn-cs"/>
+              </a:defRPr>
+            </a:lvl6pPr>
+            <a:lvl7pPr marL="2377440" indent="-228600" algn="l" rtl="0" eaLnBrk="1" latinLnBrk="0" hangingPunct="1">
+              <a:spcBef>
+                <a:spcPct val="20000"/>
+              </a:spcBef>
+              <a:buClr>
+                <a:schemeClr val="accent2"/>
+              </a:buClr>
+              <a:buFont typeface="Wingdings"/>
+              <a:buChar char="§"/>
+              <a:defRPr kumimoji="0" sz="1800" kern="1200" baseline="0">
+                <a:solidFill>
+                  <a:schemeClr val="tx1"/>
+                </a:solidFill>
+                <a:latin typeface="+mn-lt"/>
+                <a:ea typeface="+mn-ea"/>
+                <a:cs typeface="+mn-cs"/>
+              </a:defRPr>
+            </a:lvl7pPr>
+            <a:lvl8pPr marL="2651760" indent="-228600" algn="l" rtl="0" eaLnBrk="1" latinLnBrk="0" hangingPunct="1">
+              <a:spcBef>
+                <a:spcPct val="20000"/>
+              </a:spcBef>
+              <a:buClr>
+                <a:schemeClr val="accent3"/>
+              </a:buClr>
+              <a:buFont typeface="Wingdings"/>
+              <a:buChar char="§"/>
+              <a:defRPr kumimoji="0" sz="1800" kern="1200" baseline="0">
+                <a:solidFill>
+                  <a:schemeClr val="tx1"/>
+                </a:solidFill>
+                <a:latin typeface="+mn-lt"/>
+                <a:ea typeface="+mn-ea"/>
+                <a:cs typeface="+mn-cs"/>
+              </a:defRPr>
+            </a:lvl8pPr>
+            <a:lvl9pPr marL="2926080" indent="-228600" algn="l" rtl="0" eaLnBrk="1" latinLnBrk="0" hangingPunct="1">
+              <a:spcBef>
+                <a:spcPct val="20000"/>
+              </a:spcBef>
+              <a:buClr>
+                <a:schemeClr val="accent4"/>
+              </a:buClr>
+              <a:buFont typeface="Wingdings"/>
+              <a:buChar char="§"/>
+              <a:defRPr kumimoji="0" sz="1800" kern="1200" baseline="0">
+                <a:solidFill>
+                  <a:schemeClr val="tx1"/>
+                </a:solidFill>
+                <a:latin typeface="+mn-lt"/>
+                <a:ea typeface="+mn-ea"/>
+                <a:cs typeface="+mn-cs"/>
+              </a:defRPr>
+            </a:lvl9pPr>
+          </a:lstStyle>
+          <a:p>
+            <a:pPr indent="-309605">
+              <a:tabLst>
+                <a:tab pos="414726" algn="l"/>
+                <a:tab pos="829452" algn="l"/>
+                <a:tab pos="1244178" algn="l"/>
+                <a:tab pos="1658904" algn="l"/>
+                <a:tab pos="2073631" algn="l"/>
+                <a:tab pos="2488357" algn="l"/>
+                <a:tab pos="2903083" algn="l"/>
+                <a:tab pos="3317809" algn="l"/>
+                <a:tab pos="3732535" algn="l"/>
+                <a:tab pos="4147261" algn="l"/>
+                <a:tab pos="4561987" algn="l"/>
+                <a:tab pos="4976713" algn="l"/>
+                <a:tab pos="5391440" algn="l"/>
+                <a:tab pos="5806166" algn="l"/>
+                <a:tab pos="6220892" algn="l"/>
+                <a:tab pos="6635618" algn="l"/>
+                <a:tab pos="7050344" algn="l"/>
+                <a:tab pos="7465070" algn="l"/>
+                <a:tab pos="7879796" algn="l"/>
+              </a:tabLst>
+            </a:pPr>
+            <a:r>
+              <a:rPr lang="en-US" sz="2400" dirty="0" smtClean="0">
+                <a:solidFill>
+                  <a:srgbClr val="000000"/>
+                </a:solidFill>
+                <a:latin typeface="Times New Roman" charset="0"/>
+                <a:cs typeface="Times New Roman" charset="0"/>
+              </a:rPr>
+              <a:t>Memory </a:t>
+            </a:r>
+            <a:r>
+              <a:rPr lang="en-US" sz="2400" dirty="0">
+                <a:solidFill>
+                  <a:srgbClr val="000000"/>
+                </a:solidFill>
+                <a:latin typeface="Times New Roman" charset="0"/>
+                <a:cs typeface="Times New Roman" charset="0"/>
+              </a:rPr>
+              <a:t>manager supports 32- and 64-bit addresses</a:t>
+            </a:r>
+          </a:p>
+          <a:p>
+            <a:pPr marL="10435" indent="0">
+              <a:buNone/>
+              <a:tabLst>
+                <a:tab pos="414726" algn="l"/>
+                <a:tab pos="829452" algn="l"/>
+                <a:tab pos="1244178" algn="l"/>
+                <a:tab pos="1658904" algn="l"/>
+                <a:tab pos="2073631" algn="l"/>
+                <a:tab pos="2488357" algn="l"/>
+                <a:tab pos="2903083" algn="l"/>
+                <a:tab pos="3317809" algn="l"/>
+                <a:tab pos="3732535" algn="l"/>
+                <a:tab pos="4147261" algn="l"/>
+                <a:tab pos="4561987" algn="l"/>
+                <a:tab pos="4976713" algn="l"/>
+                <a:tab pos="5391440" algn="l"/>
+                <a:tab pos="5806166" algn="l"/>
+                <a:tab pos="6220892" algn="l"/>
+                <a:tab pos="6635618" algn="l"/>
+                <a:tab pos="7050344" algn="l"/>
+                <a:tab pos="7465070" algn="l"/>
+                <a:tab pos="7879796" algn="l"/>
+              </a:tabLst>
+            </a:pPr>
+            <a:endParaRPr lang="en-US" sz="2400" dirty="0">
+              <a:solidFill>
+                <a:srgbClr val="000000"/>
+              </a:solidFill>
+              <a:latin typeface="Times New Roman" charset="0"/>
+              <a:cs typeface="Times New Roman" charset="0"/>
+            </a:endParaRPr>
+          </a:p>
+          <a:p>
+            <a:pPr indent="-309605">
+              <a:tabLst>
+                <a:tab pos="414726" algn="l"/>
+                <a:tab pos="829452" algn="l"/>
+                <a:tab pos="1244178" algn="l"/>
+                <a:tab pos="1658904" algn="l"/>
+                <a:tab pos="2073631" algn="l"/>
+                <a:tab pos="2488357" algn="l"/>
+                <a:tab pos="2903083" algn="l"/>
+                <a:tab pos="3317809" algn="l"/>
+                <a:tab pos="3732535" algn="l"/>
+                <a:tab pos="4147261" algn="l"/>
+                <a:tab pos="4561987" algn="l"/>
+                <a:tab pos="4976713" algn="l"/>
+                <a:tab pos="5391440" algn="l"/>
+                <a:tab pos="5806166" algn="l"/>
+                <a:tab pos="6220892" algn="l"/>
+                <a:tab pos="6635618" algn="l"/>
+                <a:tab pos="7050344" algn="l"/>
+                <a:tab pos="7465070" algn="l"/>
+                <a:tab pos="7879796" algn="l"/>
+              </a:tabLst>
+            </a:pPr>
+            <a:r>
+              <a:rPr lang="en-US" sz="2400" dirty="0">
+                <a:solidFill>
+                  <a:srgbClr val="000000"/>
+                </a:solidFill>
+                <a:latin typeface="Times New Roman" charset="0"/>
+                <a:cs typeface="Times New Roman" charset="0"/>
+              </a:rPr>
+              <a:t>Also supports NUMA (</a:t>
+            </a:r>
+            <a:r>
+              <a:rPr lang="en-US" sz="2400" dirty="0" err="1">
+                <a:solidFill>
+                  <a:srgbClr val="000000"/>
+                </a:solidFill>
+                <a:latin typeface="Times New Roman" charset="0"/>
+                <a:cs typeface="Times New Roman" charset="0"/>
+              </a:rPr>
+              <a:t>nonuniform</a:t>
+            </a:r>
+            <a:r>
+              <a:rPr lang="en-US" sz="2400" dirty="0">
+                <a:solidFill>
+                  <a:srgbClr val="000000"/>
+                </a:solidFill>
+                <a:latin typeface="Times New Roman" charset="0"/>
+                <a:cs typeface="Times New Roman" charset="0"/>
+              </a:rPr>
+              <a:t> memory access architectures)</a:t>
+            </a:r>
+          </a:p>
+          <a:p>
+            <a:pPr indent="-309605">
+              <a:tabLst>
+                <a:tab pos="414726" algn="l"/>
+                <a:tab pos="829452" algn="l"/>
+                <a:tab pos="1244178" algn="l"/>
+                <a:tab pos="1658904" algn="l"/>
+                <a:tab pos="2073631" algn="l"/>
+                <a:tab pos="2488357" algn="l"/>
+                <a:tab pos="2903083" algn="l"/>
+                <a:tab pos="3317809" algn="l"/>
+                <a:tab pos="3732535" algn="l"/>
+                <a:tab pos="4147261" algn="l"/>
+                <a:tab pos="4561987" algn="l"/>
+                <a:tab pos="4976713" algn="l"/>
+                <a:tab pos="5391440" algn="l"/>
+                <a:tab pos="5806166" algn="l"/>
+                <a:tab pos="6220892" algn="l"/>
+                <a:tab pos="6635618" algn="l"/>
+                <a:tab pos="7050344" algn="l"/>
+                <a:tab pos="7465070" algn="l"/>
+                <a:tab pos="7879796" algn="l"/>
+              </a:tabLst>
+            </a:pPr>
+            <a:endParaRPr lang="en-US" sz="2400" dirty="0">
+              <a:solidFill>
+                <a:srgbClr val="000000"/>
+              </a:solidFill>
+              <a:latin typeface="Times New Roman" charset="0"/>
+              <a:cs typeface="Times New Roman" charset="0"/>
+            </a:endParaRPr>
+          </a:p>
+          <a:p>
+            <a:pPr indent="-309605">
+              <a:tabLst>
+                <a:tab pos="414726" algn="l"/>
+                <a:tab pos="829452" algn="l"/>
+                <a:tab pos="1244178" algn="l"/>
+                <a:tab pos="1658904" algn="l"/>
+                <a:tab pos="2073631" algn="l"/>
+                <a:tab pos="2488357" algn="l"/>
+                <a:tab pos="2903083" algn="l"/>
+                <a:tab pos="3317809" algn="l"/>
+                <a:tab pos="3732535" algn="l"/>
+                <a:tab pos="4147261" algn="l"/>
+                <a:tab pos="4561987" algn="l"/>
+                <a:tab pos="4976713" algn="l"/>
+                <a:tab pos="5391440" algn="l"/>
+                <a:tab pos="5806166" algn="l"/>
+                <a:tab pos="6220892" algn="l"/>
+                <a:tab pos="6635618" algn="l"/>
+                <a:tab pos="7050344" algn="l"/>
+                <a:tab pos="7465070" algn="l"/>
+                <a:tab pos="7879796" algn="l"/>
+              </a:tabLst>
+            </a:pPr>
+            <a:r>
+              <a:rPr lang="en-US" sz="2400" dirty="0">
+                <a:solidFill>
+                  <a:srgbClr val="000000"/>
+                </a:solidFill>
+                <a:latin typeface="Times New Roman" charset="0"/>
+                <a:cs typeface="Times New Roman" charset="0"/>
+              </a:rPr>
+              <a:t>To allow Linux to scale from desktops and workstations, to servers and supercomputers</a:t>
+            </a:r>
+          </a:p>
+          <a:p>
+            <a:pPr indent="-309605">
+              <a:tabLst>
+                <a:tab pos="414726" algn="l"/>
+                <a:tab pos="829452" algn="l"/>
+                <a:tab pos="1244178" algn="l"/>
+                <a:tab pos="1658904" algn="l"/>
+                <a:tab pos="2073631" algn="l"/>
+                <a:tab pos="2488357" algn="l"/>
+                <a:tab pos="2903083" algn="l"/>
+                <a:tab pos="3317809" algn="l"/>
+                <a:tab pos="3732535" algn="l"/>
+                <a:tab pos="4147261" algn="l"/>
+                <a:tab pos="4561987" algn="l"/>
+                <a:tab pos="4976713" algn="l"/>
+                <a:tab pos="5391440" algn="l"/>
+                <a:tab pos="5806166" algn="l"/>
+                <a:tab pos="6220892" algn="l"/>
+                <a:tab pos="6635618" algn="l"/>
+                <a:tab pos="7050344" algn="l"/>
+                <a:tab pos="7465070" algn="l"/>
+                <a:tab pos="7879796" algn="l"/>
+              </a:tabLst>
+            </a:pPr>
+            <a:endParaRPr lang="en-US" sz="2400" dirty="0">
+              <a:solidFill>
+                <a:srgbClr val="000000"/>
+              </a:solidFill>
+              <a:latin typeface="Times New Roman" charset="0"/>
+              <a:cs typeface="Times New Roman" charset="0"/>
+            </a:endParaRPr>
+          </a:p>
+          <a:p>
+            <a:pPr indent="-309605">
+              <a:tabLst>
+                <a:tab pos="414726" algn="l"/>
+                <a:tab pos="829452" algn="l"/>
+                <a:tab pos="1244178" algn="l"/>
+                <a:tab pos="1658904" algn="l"/>
+                <a:tab pos="2073631" algn="l"/>
+                <a:tab pos="2488357" algn="l"/>
+                <a:tab pos="2903083" algn="l"/>
+                <a:tab pos="3317809" algn="l"/>
+                <a:tab pos="3732535" algn="l"/>
+                <a:tab pos="4147261" algn="l"/>
+                <a:tab pos="4561987" algn="l"/>
+                <a:tab pos="4976713" algn="l"/>
+                <a:tab pos="5391440" algn="l"/>
+                <a:tab pos="5806166" algn="l"/>
+                <a:tab pos="6220892" algn="l"/>
+                <a:tab pos="6635618" algn="l"/>
+                <a:tab pos="7050344" algn="l"/>
+                <a:tab pos="7465070" algn="l"/>
+                <a:tab pos="7879796" algn="l"/>
+              </a:tabLst>
+            </a:pPr>
+            <a:endParaRPr lang="en-US" sz="2400" dirty="0">
+              <a:solidFill>
+                <a:srgbClr val="000000"/>
+              </a:solidFill>
+              <a:latin typeface="Times New Roman" charset="0"/>
+              <a:cs typeface="Times New Roman" charset="0"/>
+            </a:endParaRPr>
+          </a:p>
+          <a:p>
+            <a:pPr indent="-309605">
+              <a:tabLst>
+                <a:tab pos="414726" algn="l"/>
+                <a:tab pos="829452" algn="l"/>
+                <a:tab pos="1244178" algn="l"/>
+                <a:tab pos="1658904" algn="l"/>
+                <a:tab pos="2073631" algn="l"/>
+                <a:tab pos="2488357" algn="l"/>
+                <a:tab pos="2903083" algn="l"/>
+                <a:tab pos="3317809" algn="l"/>
+                <a:tab pos="3732535" algn="l"/>
+                <a:tab pos="4147261" algn="l"/>
+                <a:tab pos="4561987" algn="l"/>
+                <a:tab pos="4976713" algn="l"/>
+                <a:tab pos="5391440" algn="l"/>
+                <a:tab pos="5806166" algn="l"/>
+                <a:tab pos="6220892" algn="l"/>
+                <a:tab pos="6635618" algn="l"/>
+                <a:tab pos="7050344" algn="l"/>
+                <a:tab pos="7465070" algn="l"/>
+                <a:tab pos="7879796" algn="l"/>
+              </a:tabLst>
+            </a:pPr>
+            <a:endParaRPr lang="en-US" sz="2400" dirty="0">
+              <a:solidFill>
+                <a:srgbClr val="000000"/>
+              </a:solidFill>
+              <a:latin typeface="Times New Roman" charset="0"/>
+              <a:cs typeface="Times New Roman" charset="0"/>
+            </a:endParaRPr>
+          </a:p>
+          <a:p>
+            <a:pPr indent="-309605">
+              <a:tabLst>
+                <a:tab pos="414726" algn="l"/>
+                <a:tab pos="829452" algn="l"/>
+                <a:tab pos="1244178" algn="l"/>
+                <a:tab pos="1658904" algn="l"/>
+                <a:tab pos="2073631" algn="l"/>
+                <a:tab pos="2488357" algn="l"/>
+                <a:tab pos="2903083" algn="l"/>
+                <a:tab pos="3317809" algn="l"/>
+                <a:tab pos="3732535" algn="l"/>
+                <a:tab pos="4147261" algn="l"/>
+                <a:tab pos="4561987" algn="l"/>
+                <a:tab pos="4976713" algn="l"/>
+                <a:tab pos="5391440" algn="l"/>
+                <a:tab pos="5806166" algn="l"/>
+                <a:tab pos="6220892" algn="l"/>
+                <a:tab pos="6635618" algn="l"/>
+                <a:tab pos="7050344" algn="l"/>
+                <a:tab pos="7465070" algn="l"/>
+                <a:tab pos="7879796" algn="l"/>
+              </a:tabLst>
+            </a:pPr>
+            <a:endParaRPr lang="en-US" sz="2400" dirty="0">
+              <a:solidFill>
+                <a:srgbClr val="000000"/>
+              </a:solidFill>
+              <a:latin typeface="Times New Roman" charset="0"/>
+              <a:cs typeface="Times New Roman" charset="0"/>
+            </a:endParaRPr>
+          </a:p>
+          <a:p>
+            <a:pPr indent="-309605">
+              <a:tabLst>
+                <a:tab pos="414726" algn="l"/>
+                <a:tab pos="829452" algn="l"/>
+                <a:tab pos="1244178" algn="l"/>
+                <a:tab pos="1658904" algn="l"/>
+                <a:tab pos="2073631" algn="l"/>
+                <a:tab pos="2488357" algn="l"/>
+                <a:tab pos="2903083" algn="l"/>
+                <a:tab pos="3317809" algn="l"/>
+                <a:tab pos="3732535" algn="l"/>
+                <a:tab pos="4147261" algn="l"/>
+                <a:tab pos="4561987" algn="l"/>
+                <a:tab pos="4976713" algn="l"/>
+                <a:tab pos="5391440" algn="l"/>
+                <a:tab pos="5806166" algn="l"/>
+                <a:tab pos="6220892" algn="l"/>
+                <a:tab pos="6635618" algn="l"/>
+                <a:tab pos="7050344" algn="l"/>
+                <a:tab pos="7465070" algn="l"/>
+                <a:tab pos="7879796" algn="l"/>
+              </a:tabLst>
+            </a:pPr>
+            <a:endParaRPr lang="en-US" sz="2400" dirty="0">
+              <a:solidFill>
+                <a:srgbClr val="000000"/>
+              </a:solidFill>
+              <a:latin typeface="Times New Roman" charset="0"/>
+              <a:cs typeface="Times New Roman" charset="0"/>
+            </a:endParaRPr>
+          </a:p>
+          <a:p>
+            <a:pPr indent="-309605">
+              <a:tabLst>
+                <a:tab pos="414726" algn="l"/>
+                <a:tab pos="829452" algn="l"/>
+                <a:tab pos="1244178" algn="l"/>
+                <a:tab pos="1658904" algn="l"/>
+                <a:tab pos="2073631" algn="l"/>
+                <a:tab pos="2488357" algn="l"/>
+                <a:tab pos="2903083" algn="l"/>
+                <a:tab pos="3317809" algn="l"/>
+                <a:tab pos="3732535" algn="l"/>
+                <a:tab pos="4147261" algn="l"/>
+                <a:tab pos="4561987" algn="l"/>
+                <a:tab pos="4976713" algn="l"/>
+                <a:tab pos="5391440" algn="l"/>
+                <a:tab pos="5806166" algn="l"/>
+                <a:tab pos="6220892" algn="l"/>
+                <a:tab pos="6635618" algn="l"/>
+                <a:tab pos="7050344" algn="l"/>
+                <a:tab pos="7465070" algn="l"/>
+                <a:tab pos="7879796" algn="l"/>
+              </a:tabLst>
+            </a:pPr>
+            <a:endParaRPr lang="en-US" sz="2400" dirty="0" smtClean="0">
+              <a:solidFill>
+                <a:srgbClr val="000000"/>
+              </a:solidFill>
+              <a:latin typeface="Times New Roman" charset="0"/>
+              <a:cs typeface="Times New Roman" charset="0"/>
+            </a:endParaRPr>
+          </a:p>
+        </p:txBody>
+      </p:sp>
+    </p:spTree>
+    <p:extLst>
+      <p:ext uri="{BB962C8B-B14F-4D97-AF65-F5344CB8AC3E}">
+        <p14:creationId xmlns:p14="http://schemas.microsoft.com/office/powerpoint/2010/main" val="1670436755"/>
+      </p:ext>
+    </p:extLst>
+  </p:cSld>
+  <p:clrMapOvr>
+    <a:masterClrMapping/>
+  </p:clrMapOvr>
+  <p:transition xmlns:p14="http://schemas.microsoft.com/office/powerpoint/2010/main" spd="med"/>
+  <p:timing>
+    <p:tnLst>
+      <p:par>
+        <p:cTn xmlns:p14="http://schemas.microsoft.com/office/powerpoint/2010/main" id="1" dur="indefinite" nodeType="tmRoot">
+          <p:childTnLst>
+            <p:seq concurrent="1" nextAc="seek">
+              <p:cTn id="2" dur="0" nodeType="mainSeq"/>
+              <p:prevCondLst>
+                <p:cond evt="onPrev" delay="0">
+                  <p:tgtEl>
+                    <p:sldTgt/>
+                  </p:tgtEl>
+                </p:cond>
+              </p:prevCondLst>
+              <p:nextCondLst>
+                <p:cond evt="onNext" delay="0">
+                  <p:tgtEl>
+                    <p:sldTgt/>
+                  </p:tgtEl>
+                </p:cond>
+              </p:nextCondLst>
+            </p:seq>
+          </p:childTnLst>
+        </p:cTn>
+      </p:par>
+    </p:tnLst>
+  </p:timing>
+</p:sld>
+</file>
+
+<file path=ppt/slides/slide26.xml><?xml version="1.0" encoding="utf-8"?>
+<p:sld xmlns:a="http://schemas.openxmlformats.org/drawingml/2006/main" xmlns:r="http://schemas.openxmlformats.org/officeDocument/2006/relationships" xmlns:p="http://schemas.openxmlformats.org/presentationml/2006/main">
+  <p:cSld>
+    <p:spTree>
+      <p:nvGrpSpPr>
+        <p:cNvPr id="1" name=""/>
+        <p:cNvGrpSpPr/>
+        <p:nvPr/>
+      </p:nvGrpSpPr>
+      <p:grpSpPr>
+        <a:xfrm>
+          <a:off x="0" y="0"/>
+          <a:ext cx="0" cy="0"/>
+          <a:chOff x="0" y="0"/>
+          <a:chExt cx="0" cy="0"/>
+        </a:xfrm>
+      </p:grpSpPr>
+      <p:sp>
+        <p:nvSpPr>
+          <p:cNvPr id="10241" name="Rectangle 1"/>
+          <p:cNvSpPr>
+            <a:spLocks noGrp="1" noChangeArrowheads="1"/>
+          </p:cNvSpPr>
+          <p:nvPr>
+            <p:ph type="title"/>
+          </p:nvPr>
+        </p:nvSpPr>
+        <p:spPr>
+          <a:xfrm>
+            <a:off x="456480" y="260668"/>
+            <a:ext cx="8687520" cy="1131959"/>
+          </a:xfrm>
+          <a:ln/>
+        </p:spPr>
+        <p:txBody>
+          <a:bodyPr lIns="82945" tIns="8229" rIns="82945" bIns="41473">
+            <a:normAutofit fontScale="90000"/>
+          </a:bodyPr>
+          <a:lstStyle/>
+          <a:p>
+            <a:pPr>
+              <a:lnSpc>
+                <a:spcPct val="98000"/>
+              </a:lnSpc>
+              <a:tabLst>
+                <a:tab pos="414726" algn="l"/>
+                <a:tab pos="829452" algn="l"/>
+                <a:tab pos="1244178" algn="l"/>
+                <a:tab pos="1658904" algn="l"/>
+                <a:tab pos="2073631" algn="l"/>
+                <a:tab pos="2488357" algn="l"/>
+                <a:tab pos="2903083" algn="l"/>
+                <a:tab pos="3317809" algn="l"/>
+                <a:tab pos="3732535" algn="l"/>
+                <a:tab pos="4147261" algn="l"/>
+                <a:tab pos="4561987" algn="l"/>
+                <a:tab pos="4976713" algn="l"/>
+                <a:tab pos="5391440" algn="l"/>
+                <a:tab pos="5806166" algn="l"/>
+                <a:tab pos="6220892" algn="l"/>
+                <a:tab pos="6635618" algn="l"/>
+                <a:tab pos="7050344" algn="l"/>
+                <a:tab pos="7465070" algn="l"/>
+                <a:tab pos="7879796" algn="l"/>
+              </a:tabLst>
+            </a:pPr>
+            <a:r>
+              <a:rPr lang="en-US" sz="4000" dirty="0">
+                <a:latin typeface="Arial Black"/>
+                <a:cs typeface="Arial Black"/>
+              </a:rPr>
+              <a:t>Linux</a:t>
+            </a:r>
+            <a:r>
+              <a:rPr lang="en-US" sz="3300" dirty="0">
+                <a:solidFill>
+                  <a:srgbClr val="990033"/>
+                </a:solidFill>
+                <a:effectLst>
+                  <a:outerShdw blurRad="38100" dist="38100" dir="2700000" algn="tl">
+                    <a:srgbClr val="DDDDDD"/>
+                  </a:outerShdw>
+                </a:effectLst>
+                <a:latin typeface="Technical" charset="0"/>
+              </a:rPr>
+              <a:t> </a:t>
+            </a:r>
+            <a:r>
+              <a:rPr lang="en-US" sz="4000" dirty="0">
+                <a:latin typeface="Arial Black"/>
+                <a:cs typeface="Arial Black"/>
+              </a:rPr>
+              <a:t>ia-32 </a:t>
+            </a:r>
+            <a:r>
+              <a:rPr lang="en-US" sz="4000" dirty="0" smtClean="0">
+                <a:latin typeface="Arial Black"/>
+                <a:cs typeface="Arial Black"/>
+              </a:rPr>
+              <a:t>Memory </a:t>
+            </a:r>
+            <a:r>
+              <a:rPr lang="en-US" sz="4000" dirty="0">
+                <a:latin typeface="Arial Black"/>
+                <a:cs typeface="Arial Black"/>
+              </a:rPr>
+              <a:t>O</a:t>
+            </a:r>
+            <a:r>
+              <a:rPr lang="en-US" sz="4000" dirty="0" smtClean="0">
+                <a:latin typeface="Arial Black"/>
+                <a:cs typeface="Arial Black"/>
+              </a:rPr>
+              <a:t>rganization</a:t>
+            </a:r>
+            <a:endParaRPr lang="en-US" sz="4000" dirty="0">
+              <a:latin typeface="Arial Black"/>
+              <a:cs typeface="Arial Black"/>
+            </a:endParaRPr>
+          </a:p>
+        </p:txBody>
+      </p:sp>
+      <p:pic>
+        <p:nvPicPr>
+          <p:cNvPr id="10243" name="Picture 3"/>
+          <p:cNvPicPr>
+            <a:picLocks noChangeAspect="1" noChangeArrowheads="1"/>
+          </p:cNvPicPr>
+          <p:nvPr/>
+        </p:nvPicPr>
+        <p:blipFill>
+          <a:blip r:embed="rId3">
+            <a:extLst>
+              <a:ext uri="{28A0092B-C50C-407E-A947-70E740481C1C}">
+                <a14:useLocalDpi xmlns:a14="http://schemas.microsoft.com/office/drawing/2010/main" val="0"/>
+              </a:ext>
+            </a:extLst>
+          </a:blip>
+          <a:srcRect/>
+          <a:stretch>
+            <a:fillRect/>
+          </a:stretch>
+        </p:blipFill>
+        <p:spPr bwMode="auto">
+          <a:xfrm>
+            <a:off x="7695360" y="5060692"/>
+            <a:ext cx="1448640" cy="1742583"/>
+          </a:xfrm>
+          <a:prstGeom prst="rect">
+            <a:avLst/>
+          </a:prstGeom>
+          <a:noFill/>
+          <a:ln>
+            <a:noFill/>
+          </a:ln>
+          <a:effectLst/>
+          <a:extLst>
+            <a:ext uri="{909E8E84-426E-40dd-AFC4-6F175D3DCCD1}">
+              <a14:hiddenFill xmlns:a14="http://schemas.microsoft.com/office/drawing/2010/main">
+                <a:blipFill dpi="0" rotWithShape="0">
+                  <a:blip/>
+                  <a:srcRect/>
+                  <a:stretch>
+                    <a:fillRect/>
+                  </a:stretch>
+                </a:blipFill>
+              </a14:hiddenFill>
+            </a:ext>
+            <a:ext uri="{91240B29-F687-4f45-9708-019B960494DF}">
+              <a14:hiddenLine xmlns:a14="http://schemas.microsoft.com/office/drawing/2010/main" w="9525" cap="flat">
+                <a:solidFill>
+                  <a:srgbClr val="3465A4"/>
+                </a:solidFill>
+                <a:round/>
+                <a:headEnd/>
+                <a:tailEnd/>
+              </a14:hiddenLine>
+            </a:ext>
+            <a:ext uri="{AF507438-7753-43e0-B8FC-AC1667EBCBE1}">
+              <a14:hiddenEffects xmlns:a14="http://schemas.microsoft.com/office/drawing/2010/main">
+                <a:effectLst>
+                  <a:outerShdw blurRad="63500" dist="38099" dir="2700000" algn="ctr" rotWithShape="0">
+                    <a:srgbClr val="000000">
+                      <a:alpha val="74998"/>
+                    </a:srgbClr>
+                  </a:outerShdw>
+                </a:effectLst>
+              </a14:hiddenEffects>
+            </a:ext>
+          </a:extLst>
+        </p:spPr>
+      </p:pic>
+      <p:sp>
+        <p:nvSpPr>
+          <p:cNvPr id="6" name="Rectangle 2"/>
+          <p:cNvSpPr txBox="1">
+            <a:spLocks noChangeArrowheads="1"/>
+          </p:cNvSpPr>
+          <p:nvPr/>
+        </p:nvSpPr>
+        <p:spPr>
+          <a:xfrm>
+            <a:off x="456481" y="1512332"/>
+            <a:ext cx="8229600" cy="4520168"/>
+          </a:xfrm>
+          <a:prstGeom prst="rect">
+            <a:avLst/>
+          </a:prstGeom>
+          <a:ln/>
+        </p:spPr>
+        <p:txBody>
+          <a:bodyPr vert="horz" lIns="82945" tIns="19201" rIns="82945" bIns="41473">
+            <a:noAutofit/>
+          </a:bodyPr>
+          <a:lstStyle>
+            <a:lvl1pPr marL="320040" indent="-320040" algn="l" rtl="0" eaLnBrk="1" latinLnBrk="0" hangingPunct="1">
+              <a:spcBef>
+                <a:spcPts val="700"/>
+              </a:spcBef>
+              <a:buClr>
+                <a:schemeClr val="accent2"/>
+              </a:buClr>
+              <a:buSzPct val="60000"/>
+              <a:buFont typeface="Wingdings"/>
+              <a:buChar char=""/>
+              <a:defRPr kumimoji="0" sz="2900" kern="1200">
+                <a:solidFill>
+                  <a:schemeClr val="tx1"/>
+                </a:solidFill>
+                <a:latin typeface="+mn-lt"/>
+                <a:ea typeface="+mn-ea"/>
+                <a:cs typeface="+mn-cs"/>
+              </a:defRPr>
+            </a:lvl1pPr>
+            <a:lvl2pPr marL="640080" indent="-274320" algn="l" rtl="0" eaLnBrk="1" latinLnBrk="0" hangingPunct="1">
+              <a:spcBef>
+                <a:spcPts val="550"/>
+              </a:spcBef>
+              <a:buClr>
+                <a:schemeClr val="accent1"/>
+              </a:buClr>
+              <a:buSzPct val="70000"/>
+              <a:buFont typeface="Wingdings 2"/>
+              <a:buChar char=""/>
+              <a:defRPr kumimoji="0" sz="2600" kern="1200">
+                <a:solidFill>
+                  <a:schemeClr val="tx1"/>
+                </a:solidFill>
+                <a:latin typeface="+mn-lt"/>
+                <a:ea typeface="+mn-ea"/>
+                <a:cs typeface="+mn-cs"/>
+              </a:defRPr>
+            </a:lvl2pPr>
+            <a:lvl3pPr marL="914400" indent="-228600" algn="l" rtl="0" eaLnBrk="1" latinLnBrk="0" hangingPunct="1">
+              <a:spcBef>
+                <a:spcPts val="500"/>
+              </a:spcBef>
+              <a:buClr>
+                <a:schemeClr val="accent2"/>
+              </a:buClr>
+              <a:buSzPct val="75000"/>
+              <a:buFont typeface="Wingdings"/>
+              <a:buChar char=""/>
+              <a:defRPr kumimoji="0" sz="2300" kern="1200">
+                <a:solidFill>
+                  <a:schemeClr val="tx1"/>
+                </a:solidFill>
+                <a:latin typeface="+mn-lt"/>
+                <a:ea typeface="+mn-ea"/>
+                <a:cs typeface="+mn-cs"/>
+              </a:defRPr>
+            </a:lvl3pPr>
+            <a:lvl4pPr marL="1371600" indent="-228600" algn="l" rtl="0" eaLnBrk="1" latinLnBrk="0" hangingPunct="1">
+              <a:spcBef>
+                <a:spcPts val="400"/>
+              </a:spcBef>
+              <a:buClr>
+                <a:schemeClr val="accent3"/>
+              </a:buClr>
+              <a:buSzPct val="75000"/>
+              <a:buFont typeface="Wingdings"/>
+              <a:buChar char=""/>
+              <a:defRPr kumimoji="0" sz="2000" kern="1200">
+                <a:solidFill>
+                  <a:schemeClr val="tx1"/>
+                </a:solidFill>
+                <a:latin typeface="+mn-lt"/>
+                <a:ea typeface="+mn-ea"/>
+                <a:cs typeface="+mn-cs"/>
+              </a:defRPr>
+            </a:lvl4pPr>
+            <a:lvl5pPr marL="1828800" indent="-228600" algn="l" rtl="0" eaLnBrk="1" latinLnBrk="0" hangingPunct="1">
+              <a:spcBef>
+                <a:spcPts val="400"/>
+              </a:spcBef>
+              <a:buClr>
+                <a:schemeClr val="accent4"/>
+              </a:buClr>
+              <a:buSzPct val="65000"/>
+              <a:buFont typeface="Wingdings"/>
+              <a:buChar char=""/>
+              <a:defRPr kumimoji="0" sz="2000" kern="1200">
+                <a:solidFill>
+                  <a:schemeClr val="tx1"/>
+                </a:solidFill>
+                <a:latin typeface="+mn-lt"/>
+                <a:ea typeface="+mn-ea"/>
+                <a:cs typeface="+mn-cs"/>
+              </a:defRPr>
+            </a:lvl5pPr>
+            <a:lvl6pPr marL="2103120" indent="-228600" algn="l" rtl="0" eaLnBrk="1" latinLnBrk="0" hangingPunct="1">
+              <a:spcBef>
+                <a:spcPct val="20000"/>
+              </a:spcBef>
+              <a:buClr>
+                <a:schemeClr val="accent1"/>
+              </a:buClr>
+              <a:buFont typeface="Wingdings"/>
+              <a:buChar char="§"/>
+              <a:defRPr kumimoji="0" sz="1800" kern="1200" baseline="0">
+                <a:solidFill>
+                  <a:schemeClr val="tx1"/>
+                </a:solidFill>
+                <a:latin typeface="+mn-lt"/>
+                <a:ea typeface="+mn-ea"/>
+                <a:cs typeface="+mn-cs"/>
+              </a:defRPr>
+            </a:lvl6pPr>
+            <a:lvl7pPr marL="2377440" indent="-228600" algn="l" rtl="0" eaLnBrk="1" latinLnBrk="0" hangingPunct="1">
+              <a:spcBef>
+                <a:spcPct val="20000"/>
+              </a:spcBef>
+              <a:buClr>
+                <a:schemeClr val="accent2"/>
+              </a:buClr>
+              <a:buFont typeface="Wingdings"/>
+              <a:buChar char="§"/>
+              <a:defRPr kumimoji="0" sz="1800" kern="1200" baseline="0">
+                <a:solidFill>
+                  <a:schemeClr val="tx1"/>
+                </a:solidFill>
+                <a:latin typeface="+mn-lt"/>
+                <a:ea typeface="+mn-ea"/>
+                <a:cs typeface="+mn-cs"/>
+              </a:defRPr>
+            </a:lvl7pPr>
+            <a:lvl8pPr marL="2651760" indent="-228600" algn="l" rtl="0" eaLnBrk="1" latinLnBrk="0" hangingPunct="1">
+              <a:spcBef>
+                <a:spcPct val="20000"/>
+              </a:spcBef>
+              <a:buClr>
+                <a:schemeClr val="accent3"/>
+              </a:buClr>
+              <a:buFont typeface="Wingdings"/>
+              <a:buChar char="§"/>
+              <a:defRPr kumimoji="0" sz="1800" kern="1200" baseline="0">
+                <a:solidFill>
+                  <a:schemeClr val="tx1"/>
+                </a:solidFill>
+                <a:latin typeface="+mn-lt"/>
+                <a:ea typeface="+mn-ea"/>
+                <a:cs typeface="+mn-cs"/>
+              </a:defRPr>
+            </a:lvl8pPr>
+            <a:lvl9pPr marL="2926080" indent="-228600" algn="l" rtl="0" eaLnBrk="1" latinLnBrk="0" hangingPunct="1">
+              <a:spcBef>
+                <a:spcPct val="20000"/>
+              </a:spcBef>
+              <a:buClr>
+                <a:schemeClr val="accent4"/>
+              </a:buClr>
+              <a:buFont typeface="Wingdings"/>
+              <a:buChar char="§"/>
+              <a:defRPr kumimoji="0" sz="1800" kern="1200" baseline="0">
+                <a:solidFill>
+                  <a:schemeClr val="tx1"/>
+                </a:solidFill>
+                <a:latin typeface="+mn-lt"/>
+                <a:ea typeface="+mn-ea"/>
+                <a:cs typeface="+mn-cs"/>
+              </a:defRPr>
+            </a:lvl9pPr>
+          </a:lstStyle>
+          <a:p>
+            <a:pPr indent="-309605">
+              <a:tabLst>
+                <a:tab pos="414726" algn="l"/>
+                <a:tab pos="829452" algn="l"/>
+                <a:tab pos="1244178" algn="l"/>
+                <a:tab pos="1658904" algn="l"/>
+                <a:tab pos="2073631" algn="l"/>
+                <a:tab pos="2488357" algn="l"/>
+                <a:tab pos="2903083" algn="l"/>
+                <a:tab pos="3317809" algn="l"/>
+                <a:tab pos="3732535" algn="l"/>
+                <a:tab pos="4147261" algn="l"/>
+                <a:tab pos="4561987" algn="l"/>
+                <a:tab pos="4976713" algn="l"/>
+                <a:tab pos="5391440" algn="l"/>
+                <a:tab pos="5806166" algn="l"/>
+                <a:tab pos="6220892" algn="l"/>
+                <a:tab pos="6635618" algn="l"/>
+                <a:tab pos="7050344" algn="l"/>
+                <a:tab pos="7465070" algn="l"/>
+                <a:tab pos="7879796" algn="l"/>
+              </a:tabLst>
+            </a:pPr>
+            <a:r>
+              <a:rPr lang="en-US" sz="2400" dirty="0" smtClean="0">
+                <a:solidFill>
+                  <a:srgbClr val="000000"/>
+                </a:solidFill>
+                <a:latin typeface="Times New Roman" charset="0"/>
+                <a:cs typeface="Times New Roman" charset="0"/>
+              </a:rPr>
+              <a:t>Kernel </a:t>
+            </a:r>
+            <a:r>
+              <a:rPr lang="en-US" sz="2400" dirty="0">
+                <a:solidFill>
+                  <a:srgbClr val="000000"/>
+                </a:solidFill>
+                <a:latin typeface="Times New Roman" charset="0"/>
+                <a:cs typeface="Times New Roman" charset="0"/>
+              </a:rPr>
+              <a:t>attempts to reduce overhead due to TLB flushing on context switch</a:t>
+            </a:r>
+          </a:p>
+          <a:p>
+            <a:pPr indent="-309605">
+              <a:tabLst>
+                <a:tab pos="414726" algn="l"/>
+                <a:tab pos="829452" algn="l"/>
+                <a:tab pos="1244178" algn="l"/>
+                <a:tab pos="1658904" algn="l"/>
+                <a:tab pos="2073631" algn="l"/>
+                <a:tab pos="2488357" algn="l"/>
+                <a:tab pos="2903083" algn="l"/>
+                <a:tab pos="3317809" algn="l"/>
+                <a:tab pos="3732535" algn="l"/>
+                <a:tab pos="4147261" algn="l"/>
+                <a:tab pos="4561987" algn="l"/>
+                <a:tab pos="4976713" algn="l"/>
+                <a:tab pos="5391440" algn="l"/>
+                <a:tab pos="5806166" algn="l"/>
+                <a:tab pos="6220892" algn="l"/>
+                <a:tab pos="6635618" algn="l"/>
+                <a:tab pos="7050344" algn="l"/>
+                <a:tab pos="7465070" algn="l"/>
+                <a:tab pos="7879796" algn="l"/>
+              </a:tabLst>
+            </a:pPr>
+            <a:endParaRPr lang="en-US" sz="2400" dirty="0">
+              <a:solidFill>
+                <a:srgbClr val="000000"/>
+              </a:solidFill>
+              <a:latin typeface="Times New Roman" charset="0"/>
+              <a:cs typeface="Times New Roman" charset="0"/>
+            </a:endParaRPr>
+          </a:p>
+          <a:p>
+            <a:pPr indent="-309605">
+              <a:tabLst>
+                <a:tab pos="414726" algn="l"/>
+                <a:tab pos="829452" algn="l"/>
+                <a:tab pos="1244178" algn="l"/>
+                <a:tab pos="1658904" algn="l"/>
+                <a:tab pos="2073631" algn="l"/>
+                <a:tab pos="2488357" algn="l"/>
+                <a:tab pos="2903083" algn="l"/>
+                <a:tab pos="3317809" algn="l"/>
+                <a:tab pos="3732535" algn="l"/>
+                <a:tab pos="4147261" algn="l"/>
+                <a:tab pos="4561987" algn="l"/>
+                <a:tab pos="4976713" algn="l"/>
+                <a:tab pos="5391440" algn="l"/>
+                <a:tab pos="5806166" algn="l"/>
+                <a:tab pos="6220892" algn="l"/>
+                <a:tab pos="6635618" algn="l"/>
+                <a:tab pos="7050344" algn="l"/>
+                <a:tab pos="7465070" algn="l"/>
+                <a:tab pos="7879796" algn="l"/>
+              </a:tabLst>
+            </a:pPr>
+            <a:r>
+              <a:rPr lang="en-US" sz="2400" dirty="0">
+                <a:solidFill>
+                  <a:srgbClr val="000000"/>
+                </a:solidFill>
+                <a:latin typeface="Times New Roman" charset="0"/>
+                <a:cs typeface="Times New Roman" charset="0"/>
+              </a:rPr>
+              <a:t>Divides each 4GB address space into a 3GB region for process data and instructions and a 1GB address space for kernel data and instructions</a:t>
+            </a:r>
+          </a:p>
+          <a:p>
+            <a:pPr indent="-309605">
+              <a:tabLst>
+                <a:tab pos="414726" algn="l"/>
+                <a:tab pos="829452" algn="l"/>
+                <a:tab pos="1244178" algn="l"/>
+                <a:tab pos="1658904" algn="l"/>
+                <a:tab pos="2073631" algn="l"/>
+                <a:tab pos="2488357" algn="l"/>
+                <a:tab pos="2903083" algn="l"/>
+                <a:tab pos="3317809" algn="l"/>
+                <a:tab pos="3732535" algn="l"/>
+                <a:tab pos="4147261" algn="l"/>
+                <a:tab pos="4561987" algn="l"/>
+                <a:tab pos="4976713" algn="l"/>
+                <a:tab pos="5391440" algn="l"/>
+                <a:tab pos="5806166" algn="l"/>
+                <a:tab pos="6220892" algn="l"/>
+                <a:tab pos="6635618" algn="l"/>
+                <a:tab pos="7050344" algn="l"/>
+                <a:tab pos="7465070" algn="l"/>
+                <a:tab pos="7879796" algn="l"/>
+              </a:tabLst>
+            </a:pPr>
+            <a:endParaRPr lang="en-US" sz="2400" dirty="0">
+              <a:solidFill>
+                <a:srgbClr val="000000"/>
+              </a:solidFill>
+              <a:latin typeface="Times New Roman" charset="0"/>
+              <a:cs typeface="Times New Roman" charset="0"/>
+            </a:endParaRPr>
+          </a:p>
+          <a:p>
+            <a:pPr indent="-309605">
+              <a:tabLst>
+                <a:tab pos="414726" algn="l"/>
+                <a:tab pos="829452" algn="l"/>
+                <a:tab pos="1244178" algn="l"/>
+                <a:tab pos="1658904" algn="l"/>
+                <a:tab pos="2073631" algn="l"/>
+                <a:tab pos="2488357" algn="l"/>
+                <a:tab pos="2903083" algn="l"/>
+                <a:tab pos="3317809" algn="l"/>
+                <a:tab pos="3732535" algn="l"/>
+                <a:tab pos="4147261" algn="l"/>
+                <a:tab pos="4561987" algn="l"/>
+                <a:tab pos="4976713" algn="l"/>
+                <a:tab pos="5391440" algn="l"/>
+                <a:tab pos="5806166" algn="l"/>
+                <a:tab pos="6220892" algn="l"/>
+                <a:tab pos="6635618" algn="l"/>
+                <a:tab pos="7050344" algn="l"/>
+                <a:tab pos="7465070" algn="l"/>
+                <a:tab pos="7879796" algn="l"/>
+              </a:tabLst>
+            </a:pPr>
+            <a:r>
+              <a:rPr lang="en-US" sz="2400" dirty="0">
+                <a:solidFill>
+                  <a:srgbClr val="000000"/>
+                </a:solidFill>
+                <a:latin typeface="Times New Roman" charset="0"/>
+                <a:cs typeface="Times New Roman" charset="0"/>
+              </a:rPr>
+              <a:t>Most of the kernel’s address space is directly mapped to main memory so that it can access information belonging to any process</a:t>
+            </a:r>
+          </a:p>
+          <a:p>
+            <a:pPr indent="-309605">
+              <a:tabLst>
+                <a:tab pos="414726" algn="l"/>
+                <a:tab pos="829452" algn="l"/>
+                <a:tab pos="1244178" algn="l"/>
+                <a:tab pos="1658904" algn="l"/>
+                <a:tab pos="2073631" algn="l"/>
+                <a:tab pos="2488357" algn="l"/>
+                <a:tab pos="2903083" algn="l"/>
+                <a:tab pos="3317809" algn="l"/>
+                <a:tab pos="3732535" algn="l"/>
+                <a:tab pos="4147261" algn="l"/>
+                <a:tab pos="4561987" algn="l"/>
+                <a:tab pos="4976713" algn="l"/>
+                <a:tab pos="5391440" algn="l"/>
+                <a:tab pos="5806166" algn="l"/>
+                <a:tab pos="6220892" algn="l"/>
+                <a:tab pos="6635618" algn="l"/>
+                <a:tab pos="7050344" algn="l"/>
+                <a:tab pos="7465070" algn="l"/>
+                <a:tab pos="7879796" algn="l"/>
+              </a:tabLst>
+            </a:pPr>
+            <a:endParaRPr lang="en-US" sz="2400" dirty="0">
+              <a:solidFill>
+                <a:srgbClr val="000000"/>
+              </a:solidFill>
+              <a:latin typeface="Times New Roman" charset="0"/>
+              <a:cs typeface="Times New Roman" charset="0"/>
+            </a:endParaRPr>
+          </a:p>
+          <a:p>
+            <a:pPr indent="-309605">
+              <a:tabLst>
+                <a:tab pos="414726" algn="l"/>
+                <a:tab pos="829452" algn="l"/>
+                <a:tab pos="1244178" algn="l"/>
+                <a:tab pos="1658904" algn="l"/>
+                <a:tab pos="2073631" algn="l"/>
+                <a:tab pos="2488357" algn="l"/>
+                <a:tab pos="2903083" algn="l"/>
+                <a:tab pos="3317809" algn="l"/>
+                <a:tab pos="3732535" algn="l"/>
+                <a:tab pos="4147261" algn="l"/>
+                <a:tab pos="4561987" algn="l"/>
+                <a:tab pos="4976713" algn="l"/>
+                <a:tab pos="5391440" algn="l"/>
+                <a:tab pos="5806166" algn="l"/>
+                <a:tab pos="6220892" algn="l"/>
+                <a:tab pos="6635618" algn="l"/>
+                <a:tab pos="7050344" algn="l"/>
+                <a:tab pos="7465070" algn="l"/>
+                <a:tab pos="7879796" algn="l"/>
+              </a:tabLst>
+            </a:pPr>
+            <a:endParaRPr lang="en-US" sz="2400" dirty="0">
+              <a:solidFill>
+                <a:srgbClr val="000000"/>
+              </a:solidFill>
+              <a:latin typeface="Times New Roman" charset="0"/>
+              <a:cs typeface="Times New Roman" charset="0"/>
+            </a:endParaRPr>
+          </a:p>
+          <a:p>
+            <a:pPr marL="10435" indent="0">
+              <a:buNone/>
+              <a:tabLst>
+                <a:tab pos="414726" algn="l"/>
+                <a:tab pos="829452" algn="l"/>
+                <a:tab pos="1244178" algn="l"/>
+                <a:tab pos="1658904" algn="l"/>
+                <a:tab pos="2073631" algn="l"/>
+                <a:tab pos="2488357" algn="l"/>
+                <a:tab pos="2903083" algn="l"/>
+                <a:tab pos="3317809" algn="l"/>
+                <a:tab pos="3732535" algn="l"/>
+                <a:tab pos="4147261" algn="l"/>
+                <a:tab pos="4561987" algn="l"/>
+                <a:tab pos="4976713" algn="l"/>
+                <a:tab pos="5391440" algn="l"/>
+                <a:tab pos="5806166" algn="l"/>
+                <a:tab pos="6220892" algn="l"/>
+                <a:tab pos="6635618" algn="l"/>
+                <a:tab pos="7050344" algn="l"/>
+                <a:tab pos="7465070" algn="l"/>
+                <a:tab pos="7879796" algn="l"/>
+              </a:tabLst>
+            </a:pPr>
+            <a:endParaRPr lang="en-US" sz="2400" dirty="0">
+              <a:solidFill>
+                <a:srgbClr val="000000"/>
+              </a:solidFill>
+              <a:latin typeface="Times New Roman" charset="0"/>
+              <a:cs typeface="Times New Roman" charset="0"/>
+            </a:endParaRPr>
+          </a:p>
+          <a:p>
+            <a:pPr indent="-309605">
+              <a:tabLst>
+                <a:tab pos="414726" algn="l"/>
+                <a:tab pos="829452" algn="l"/>
+                <a:tab pos="1244178" algn="l"/>
+                <a:tab pos="1658904" algn="l"/>
+                <a:tab pos="2073631" algn="l"/>
+                <a:tab pos="2488357" algn="l"/>
+                <a:tab pos="2903083" algn="l"/>
+                <a:tab pos="3317809" algn="l"/>
+                <a:tab pos="3732535" algn="l"/>
+                <a:tab pos="4147261" algn="l"/>
+                <a:tab pos="4561987" algn="l"/>
+                <a:tab pos="4976713" algn="l"/>
+                <a:tab pos="5391440" algn="l"/>
+                <a:tab pos="5806166" algn="l"/>
+                <a:tab pos="6220892" algn="l"/>
+                <a:tab pos="6635618" algn="l"/>
+                <a:tab pos="7050344" algn="l"/>
+                <a:tab pos="7465070" algn="l"/>
+                <a:tab pos="7879796" algn="l"/>
+              </a:tabLst>
+            </a:pPr>
+            <a:endParaRPr lang="en-US" sz="2400" dirty="0">
+              <a:solidFill>
+                <a:srgbClr val="000000"/>
+              </a:solidFill>
+              <a:latin typeface="Times New Roman" charset="0"/>
+              <a:cs typeface="Times New Roman" charset="0"/>
+            </a:endParaRPr>
+          </a:p>
+          <a:p>
+            <a:pPr indent="-309605">
+              <a:tabLst>
+                <a:tab pos="414726" algn="l"/>
+                <a:tab pos="829452" algn="l"/>
+                <a:tab pos="1244178" algn="l"/>
+                <a:tab pos="1658904" algn="l"/>
+                <a:tab pos="2073631" algn="l"/>
+                <a:tab pos="2488357" algn="l"/>
+                <a:tab pos="2903083" algn="l"/>
+                <a:tab pos="3317809" algn="l"/>
+                <a:tab pos="3732535" algn="l"/>
+                <a:tab pos="4147261" algn="l"/>
+                <a:tab pos="4561987" algn="l"/>
+                <a:tab pos="4976713" algn="l"/>
+                <a:tab pos="5391440" algn="l"/>
+                <a:tab pos="5806166" algn="l"/>
+                <a:tab pos="6220892" algn="l"/>
+                <a:tab pos="6635618" algn="l"/>
+                <a:tab pos="7050344" algn="l"/>
+                <a:tab pos="7465070" algn="l"/>
+                <a:tab pos="7879796" algn="l"/>
+              </a:tabLst>
+            </a:pPr>
+            <a:endParaRPr lang="en-US" sz="2400" dirty="0">
+              <a:solidFill>
+                <a:srgbClr val="000000"/>
+              </a:solidFill>
+              <a:latin typeface="Times New Roman" charset="0"/>
+              <a:cs typeface="Times New Roman" charset="0"/>
+            </a:endParaRPr>
+          </a:p>
+          <a:p>
+            <a:pPr indent="-309605">
+              <a:tabLst>
+                <a:tab pos="414726" algn="l"/>
+                <a:tab pos="829452" algn="l"/>
+                <a:tab pos="1244178" algn="l"/>
+                <a:tab pos="1658904" algn="l"/>
+                <a:tab pos="2073631" algn="l"/>
+                <a:tab pos="2488357" algn="l"/>
+                <a:tab pos="2903083" algn="l"/>
+                <a:tab pos="3317809" algn="l"/>
+                <a:tab pos="3732535" algn="l"/>
+                <a:tab pos="4147261" algn="l"/>
+                <a:tab pos="4561987" algn="l"/>
+                <a:tab pos="4976713" algn="l"/>
+                <a:tab pos="5391440" algn="l"/>
+                <a:tab pos="5806166" algn="l"/>
+                <a:tab pos="6220892" algn="l"/>
+                <a:tab pos="6635618" algn="l"/>
+                <a:tab pos="7050344" algn="l"/>
+                <a:tab pos="7465070" algn="l"/>
+                <a:tab pos="7879796" algn="l"/>
+              </a:tabLst>
+            </a:pPr>
+            <a:endParaRPr lang="en-US" sz="2400" dirty="0">
+              <a:solidFill>
+                <a:srgbClr val="000000"/>
+              </a:solidFill>
+              <a:latin typeface="Times New Roman" charset="0"/>
+              <a:cs typeface="Times New Roman" charset="0"/>
+            </a:endParaRPr>
+          </a:p>
+          <a:p>
+            <a:pPr indent="-309605">
+              <a:tabLst>
+                <a:tab pos="414726" algn="l"/>
+                <a:tab pos="829452" algn="l"/>
+                <a:tab pos="1244178" algn="l"/>
+                <a:tab pos="1658904" algn="l"/>
+                <a:tab pos="2073631" algn="l"/>
+                <a:tab pos="2488357" algn="l"/>
+                <a:tab pos="2903083" algn="l"/>
+                <a:tab pos="3317809" algn="l"/>
+                <a:tab pos="3732535" algn="l"/>
+                <a:tab pos="4147261" algn="l"/>
+                <a:tab pos="4561987" algn="l"/>
+                <a:tab pos="4976713" algn="l"/>
+                <a:tab pos="5391440" algn="l"/>
+                <a:tab pos="5806166" algn="l"/>
+                <a:tab pos="6220892" algn="l"/>
+                <a:tab pos="6635618" algn="l"/>
+                <a:tab pos="7050344" algn="l"/>
+                <a:tab pos="7465070" algn="l"/>
+                <a:tab pos="7879796" algn="l"/>
+              </a:tabLst>
+            </a:pPr>
+            <a:endParaRPr lang="en-US" sz="2400" dirty="0">
+              <a:solidFill>
+                <a:srgbClr val="000000"/>
+              </a:solidFill>
+              <a:latin typeface="Times New Roman" charset="0"/>
+              <a:cs typeface="Times New Roman" charset="0"/>
+            </a:endParaRPr>
+          </a:p>
+          <a:p>
+            <a:pPr indent="-309605">
+              <a:tabLst>
+                <a:tab pos="414726" algn="l"/>
+                <a:tab pos="829452" algn="l"/>
+                <a:tab pos="1244178" algn="l"/>
+                <a:tab pos="1658904" algn="l"/>
+                <a:tab pos="2073631" algn="l"/>
+                <a:tab pos="2488357" algn="l"/>
+                <a:tab pos="2903083" algn="l"/>
+                <a:tab pos="3317809" algn="l"/>
+                <a:tab pos="3732535" algn="l"/>
+                <a:tab pos="4147261" algn="l"/>
+                <a:tab pos="4561987" algn="l"/>
+                <a:tab pos="4976713" algn="l"/>
+                <a:tab pos="5391440" algn="l"/>
+                <a:tab pos="5806166" algn="l"/>
+                <a:tab pos="6220892" algn="l"/>
+                <a:tab pos="6635618" algn="l"/>
+                <a:tab pos="7050344" algn="l"/>
+                <a:tab pos="7465070" algn="l"/>
+                <a:tab pos="7879796" algn="l"/>
+              </a:tabLst>
+            </a:pPr>
+            <a:endParaRPr lang="en-US" sz="2400" dirty="0" smtClean="0">
+              <a:solidFill>
+                <a:srgbClr val="000000"/>
+              </a:solidFill>
+              <a:latin typeface="Times New Roman" charset="0"/>
+              <a:cs typeface="Times New Roman" charset="0"/>
+            </a:endParaRPr>
+          </a:p>
+        </p:txBody>
+      </p:sp>
+    </p:spTree>
+    <p:extLst>
+      <p:ext uri="{BB962C8B-B14F-4D97-AF65-F5344CB8AC3E}">
+        <p14:creationId xmlns:p14="http://schemas.microsoft.com/office/powerpoint/2010/main" val="1712971915"/>
+      </p:ext>
+    </p:extLst>
+  </p:cSld>
+  <p:clrMapOvr>
+    <a:masterClrMapping/>
+  </p:clrMapOvr>
+  <p:transition xmlns:p14="http://schemas.microsoft.com/office/powerpoint/2010/main" spd="med"/>
+  <p:timing>
+    <p:tnLst>
+      <p:par>
+        <p:cTn xmlns:p14="http://schemas.microsoft.com/office/powerpoint/2010/main" id="1" dur="indefinite" nodeType="tmRoot">
+          <p:childTnLst>
+            <p:seq concurrent="1" nextAc="seek">
+              <p:cTn id="2" dur="0" nodeType="mainSeq"/>
+              <p:prevCondLst>
+                <p:cond evt="onPrev" delay="0">
+                  <p:tgtEl>
+                    <p:sldTgt/>
+                  </p:tgtEl>
+                </p:cond>
+              </p:prevCondLst>
+              <p:nextCondLst>
+                <p:cond evt="onNext" delay="0">
+                  <p:tgtEl>
+                    <p:sldTgt/>
+                  </p:tgtEl>
+                </p:cond>
+              </p:nextCondLst>
+            </p:seq>
+          </p:childTnLst>
+        </p:cTn>
+      </p:par>
+    </p:tnLst>
+  </p:timing>
+</p:sld>
+</file>
+
+<file path=ppt/slides/slide27.xml><?xml version="1.0" encoding="utf-8"?>
+<p:sld xmlns:a="http://schemas.openxmlformats.org/drawingml/2006/main" xmlns:r="http://schemas.openxmlformats.org/officeDocument/2006/relationships" xmlns:p="http://schemas.openxmlformats.org/presentationml/2006/main">
+  <p:cSld>
+    <p:spTree>
+      <p:nvGrpSpPr>
+        <p:cNvPr id="1" name=""/>
+        <p:cNvGrpSpPr/>
+        <p:nvPr/>
+      </p:nvGrpSpPr>
+      <p:grpSpPr>
+        <a:xfrm>
+          <a:off x="0" y="0"/>
+          <a:ext cx="0" cy="0"/>
+          <a:chOff x="0" y="0"/>
+          <a:chExt cx="0" cy="0"/>
+        </a:xfrm>
+      </p:grpSpPr>
+      <p:sp>
+        <p:nvSpPr>
+          <p:cNvPr id="11265" name="Rectangle 1"/>
+          <p:cNvSpPr>
+            <a:spLocks noGrp="1" noChangeArrowheads="1"/>
+          </p:cNvSpPr>
+          <p:nvPr>
+            <p:ph type="title"/>
+          </p:nvPr>
+        </p:nvSpPr>
+        <p:spPr>
+          <a:xfrm>
+            <a:off x="456480" y="260668"/>
+            <a:ext cx="8229600" cy="1131959"/>
+          </a:xfrm>
+          <a:ln/>
+        </p:spPr>
+        <p:txBody>
+          <a:bodyPr lIns="82945" tIns="8229" rIns="82945" bIns="41473">
+            <a:normAutofit/>
+          </a:bodyPr>
+          <a:lstStyle/>
+          <a:p>
+            <a:pPr>
+              <a:lnSpc>
+                <a:spcPct val="98000"/>
+              </a:lnSpc>
+              <a:tabLst>
+                <a:tab pos="414726" algn="l"/>
+                <a:tab pos="829452" algn="l"/>
+                <a:tab pos="1244178" algn="l"/>
+                <a:tab pos="1658904" algn="l"/>
+                <a:tab pos="2073631" algn="l"/>
+                <a:tab pos="2488357" algn="l"/>
+                <a:tab pos="2903083" algn="l"/>
+                <a:tab pos="3317809" algn="l"/>
+                <a:tab pos="3732535" algn="l"/>
+                <a:tab pos="4147261" algn="l"/>
+                <a:tab pos="4561987" algn="l"/>
+                <a:tab pos="4976713" algn="l"/>
+                <a:tab pos="5391440" algn="l"/>
+                <a:tab pos="5806166" algn="l"/>
+                <a:tab pos="6220892" algn="l"/>
+                <a:tab pos="6635618" algn="l"/>
+                <a:tab pos="7050344" algn="l"/>
+                <a:tab pos="7465070" algn="l"/>
+                <a:tab pos="7879796" algn="l"/>
+              </a:tabLst>
+            </a:pPr>
+            <a:r>
+              <a:rPr lang="en-US" dirty="0" smtClean="0">
+                <a:latin typeface="Arial Black"/>
+                <a:cs typeface="Arial Black"/>
+              </a:rPr>
+              <a:t>Memory Organization</a:t>
+            </a:r>
+            <a:endParaRPr lang="en-US" dirty="0">
+              <a:latin typeface="Arial Black"/>
+              <a:cs typeface="Arial Black"/>
+            </a:endParaRPr>
+          </a:p>
+        </p:txBody>
+      </p:sp>
+      <p:sp>
+        <p:nvSpPr>
+          <p:cNvPr id="4" name="Rectangle 2"/>
+          <p:cNvSpPr txBox="1">
+            <a:spLocks noChangeArrowheads="1"/>
+          </p:cNvSpPr>
+          <p:nvPr/>
+        </p:nvSpPr>
+        <p:spPr>
+          <a:xfrm>
+            <a:off x="456481" y="1512331"/>
+            <a:ext cx="8229600" cy="5107543"/>
+          </a:xfrm>
+          <a:prstGeom prst="rect">
+            <a:avLst/>
+          </a:prstGeom>
+          <a:ln/>
+        </p:spPr>
+        <p:txBody>
+          <a:bodyPr vert="horz" lIns="82945" tIns="19201" rIns="82945" bIns="41473">
+            <a:noAutofit/>
+          </a:bodyPr>
+          <a:lstStyle>
+            <a:lvl1pPr marL="320040" indent="-320040" algn="l" rtl="0" eaLnBrk="1" latinLnBrk="0" hangingPunct="1">
+              <a:spcBef>
+                <a:spcPts val="700"/>
+              </a:spcBef>
+              <a:buClr>
+                <a:schemeClr val="accent2"/>
+              </a:buClr>
+              <a:buSzPct val="60000"/>
+              <a:buFont typeface="Wingdings"/>
+              <a:buChar char=""/>
+              <a:defRPr kumimoji="0" sz="2900" kern="1200">
+                <a:solidFill>
+                  <a:schemeClr val="tx1"/>
+                </a:solidFill>
+                <a:latin typeface="+mn-lt"/>
+                <a:ea typeface="+mn-ea"/>
+                <a:cs typeface="+mn-cs"/>
+              </a:defRPr>
+            </a:lvl1pPr>
+            <a:lvl2pPr marL="640080" indent="-274320" algn="l" rtl="0" eaLnBrk="1" latinLnBrk="0" hangingPunct="1">
+              <a:spcBef>
+                <a:spcPts val="550"/>
+              </a:spcBef>
+              <a:buClr>
+                <a:schemeClr val="accent1"/>
+              </a:buClr>
+              <a:buSzPct val="70000"/>
+              <a:buFont typeface="Wingdings 2"/>
+              <a:buChar char=""/>
+              <a:defRPr kumimoji="0" sz="2600" kern="1200">
+                <a:solidFill>
+                  <a:schemeClr val="tx1"/>
+                </a:solidFill>
+                <a:latin typeface="+mn-lt"/>
+                <a:ea typeface="+mn-ea"/>
+                <a:cs typeface="+mn-cs"/>
+              </a:defRPr>
+            </a:lvl2pPr>
+            <a:lvl3pPr marL="914400" indent="-228600" algn="l" rtl="0" eaLnBrk="1" latinLnBrk="0" hangingPunct="1">
+              <a:spcBef>
+                <a:spcPts val="500"/>
+              </a:spcBef>
+              <a:buClr>
+                <a:schemeClr val="accent2"/>
+              </a:buClr>
+              <a:buSzPct val="75000"/>
+              <a:buFont typeface="Wingdings"/>
+              <a:buChar char=""/>
+              <a:defRPr kumimoji="0" sz="2300" kern="1200">
+                <a:solidFill>
+                  <a:schemeClr val="tx1"/>
+                </a:solidFill>
+                <a:latin typeface="+mn-lt"/>
+                <a:ea typeface="+mn-ea"/>
+                <a:cs typeface="+mn-cs"/>
+              </a:defRPr>
+            </a:lvl3pPr>
+            <a:lvl4pPr marL="1371600" indent="-228600" algn="l" rtl="0" eaLnBrk="1" latinLnBrk="0" hangingPunct="1">
+              <a:spcBef>
+                <a:spcPts val="400"/>
+              </a:spcBef>
+              <a:buClr>
+                <a:schemeClr val="accent3"/>
+              </a:buClr>
+              <a:buSzPct val="75000"/>
+              <a:buFont typeface="Wingdings"/>
+              <a:buChar char=""/>
+              <a:defRPr kumimoji="0" sz="2000" kern="1200">
+                <a:solidFill>
+                  <a:schemeClr val="tx1"/>
+                </a:solidFill>
+                <a:latin typeface="+mn-lt"/>
+                <a:ea typeface="+mn-ea"/>
+                <a:cs typeface="+mn-cs"/>
+              </a:defRPr>
+            </a:lvl4pPr>
+            <a:lvl5pPr marL="1828800" indent="-228600" algn="l" rtl="0" eaLnBrk="1" latinLnBrk="0" hangingPunct="1">
+              <a:spcBef>
+                <a:spcPts val="400"/>
+              </a:spcBef>
+              <a:buClr>
+                <a:schemeClr val="accent4"/>
+              </a:buClr>
+              <a:buSzPct val="65000"/>
+              <a:buFont typeface="Wingdings"/>
+              <a:buChar char=""/>
+              <a:defRPr kumimoji="0" sz="2000" kern="1200">
+                <a:solidFill>
+                  <a:schemeClr val="tx1"/>
+                </a:solidFill>
+                <a:latin typeface="+mn-lt"/>
+                <a:ea typeface="+mn-ea"/>
+                <a:cs typeface="+mn-cs"/>
+              </a:defRPr>
+            </a:lvl5pPr>
+            <a:lvl6pPr marL="2103120" indent="-228600" algn="l" rtl="0" eaLnBrk="1" latinLnBrk="0" hangingPunct="1">
+              <a:spcBef>
+                <a:spcPct val="20000"/>
+              </a:spcBef>
+              <a:buClr>
+                <a:schemeClr val="accent1"/>
+              </a:buClr>
+              <a:buFont typeface="Wingdings"/>
+              <a:buChar char="§"/>
+              <a:defRPr kumimoji="0" sz="1800" kern="1200" baseline="0">
+                <a:solidFill>
+                  <a:schemeClr val="tx1"/>
+                </a:solidFill>
+                <a:latin typeface="+mn-lt"/>
+                <a:ea typeface="+mn-ea"/>
+                <a:cs typeface="+mn-cs"/>
+              </a:defRPr>
+            </a:lvl6pPr>
+            <a:lvl7pPr marL="2377440" indent="-228600" algn="l" rtl="0" eaLnBrk="1" latinLnBrk="0" hangingPunct="1">
+              <a:spcBef>
+                <a:spcPct val="20000"/>
+              </a:spcBef>
+              <a:buClr>
+                <a:schemeClr val="accent2"/>
+              </a:buClr>
+              <a:buFont typeface="Wingdings"/>
+              <a:buChar char="§"/>
+              <a:defRPr kumimoji="0" sz="1800" kern="1200" baseline="0">
+                <a:solidFill>
+                  <a:schemeClr val="tx1"/>
+                </a:solidFill>
+                <a:latin typeface="+mn-lt"/>
+                <a:ea typeface="+mn-ea"/>
+                <a:cs typeface="+mn-cs"/>
+              </a:defRPr>
+            </a:lvl7pPr>
+            <a:lvl8pPr marL="2651760" indent="-228600" algn="l" rtl="0" eaLnBrk="1" latinLnBrk="0" hangingPunct="1">
+              <a:spcBef>
+                <a:spcPct val="20000"/>
+              </a:spcBef>
+              <a:buClr>
+                <a:schemeClr val="accent3"/>
+              </a:buClr>
+              <a:buFont typeface="Wingdings"/>
+              <a:buChar char="§"/>
+              <a:defRPr kumimoji="0" sz="1800" kern="1200" baseline="0">
+                <a:solidFill>
+                  <a:schemeClr val="tx1"/>
+                </a:solidFill>
+                <a:latin typeface="+mn-lt"/>
+                <a:ea typeface="+mn-ea"/>
+                <a:cs typeface="+mn-cs"/>
+              </a:defRPr>
+            </a:lvl8pPr>
+            <a:lvl9pPr marL="2926080" indent="-228600" algn="l" rtl="0" eaLnBrk="1" latinLnBrk="0" hangingPunct="1">
+              <a:spcBef>
+                <a:spcPct val="20000"/>
+              </a:spcBef>
+              <a:buClr>
+                <a:schemeClr val="accent4"/>
+              </a:buClr>
+              <a:buFont typeface="Wingdings"/>
+              <a:buChar char="§"/>
+              <a:defRPr kumimoji="0" sz="1800" kern="1200" baseline="0">
+                <a:solidFill>
+                  <a:schemeClr val="tx1"/>
+                </a:solidFill>
+                <a:latin typeface="+mn-lt"/>
+                <a:ea typeface="+mn-ea"/>
+                <a:cs typeface="+mn-cs"/>
+              </a:defRPr>
+            </a:lvl9pPr>
+          </a:lstStyle>
+          <a:p>
+            <a:pPr indent="-309605">
+              <a:tabLst>
+                <a:tab pos="414726" algn="l"/>
+                <a:tab pos="829452" algn="l"/>
+                <a:tab pos="1244178" algn="l"/>
+                <a:tab pos="1658904" algn="l"/>
+                <a:tab pos="2073631" algn="l"/>
+                <a:tab pos="2488357" algn="l"/>
+                <a:tab pos="2903083" algn="l"/>
+                <a:tab pos="3317809" algn="l"/>
+                <a:tab pos="3732535" algn="l"/>
+                <a:tab pos="4147261" algn="l"/>
+                <a:tab pos="4561987" algn="l"/>
+                <a:tab pos="4976713" algn="l"/>
+                <a:tab pos="5391440" algn="l"/>
+                <a:tab pos="5806166" algn="l"/>
+                <a:tab pos="6220892" algn="l"/>
+                <a:tab pos="6635618" algn="l"/>
+                <a:tab pos="7050344" algn="l"/>
+                <a:tab pos="7465070" algn="l"/>
+                <a:tab pos="7879796" algn="l"/>
+              </a:tabLst>
+            </a:pPr>
+            <a:r>
+              <a:rPr lang="en-US" sz="2400" dirty="0">
+                <a:solidFill>
+                  <a:srgbClr val="000000"/>
+                </a:solidFill>
+                <a:latin typeface="Times New Roman" charset="0"/>
+                <a:cs typeface="Times New Roman" charset="0"/>
+              </a:rPr>
+              <a:t>Linux uses paging </a:t>
+            </a:r>
+            <a:r>
+              <a:rPr lang="en-US" sz="2400" dirty="0" smtClean="0">
+                <a:solidFill>
+                  <a:srgbClr val="000000"/>
+                </a:solidFill>
+                <a:latin typeface="Times New Roman" charset="0"/>
+                <a:cs typeface="Times New Roman" charset="0"/>
+              </a:rPr>
+              <a:t>exclusively</a:t>
+            </a:r>
+            <a:endParaRPr lang="en-US" sz="2400" dirty="0">
+              <a:solidFill>
+                <a:srgbClr val="000000"/>
+              </a:solidFill>
+              <a:latin typeface="Times New Roman" charset="0"/>
+              <a:cs typeface="Times New Roman" charset="0"/>
+            </a:endParaRPr>
+          </a:p>
+          <a:p>
+            <a:pPr indent="-309605">
+              <a:tabLst>
+                <a:tab pos="414726" algn="l"/>
+                <a:tab pos="829452" algn="l"/>
+                <a:tab pos="1244178" algn="l"/>
+                <a:tab pos="1658904" algn="l"/>
+                <a:tab pos="2073631" algn="l"/>
+                <a:tab pos="2488357" algn="l"/>
+                <a:tab pos="2903083" algn="l"/>
+                <a:tab pos="3317809" algn="l"/>
+                <a:tab pos="3732535" algn="l"/>
+                <a:tab pos="4147261" algn="l"/>
+                <a:tab pos="4561987" algn="l"/>
+                <a:tab pos="4976713" algn="l"/>
+                <a:tab pos="5391440" algn="l"/>
+                <a:tab pos="5806166" algn="l"/>
+                <a:tab pos="6220892" algn="l"/>
+                <a:tab pos="6635618" algn="l"/>
+                <a:tab pos="7050344" algn="l"/>
+                <a:tab pos="7465070" algn="l"/>
+                <a:tab pos="7879796" algn="l"/>
+              </a:tabLst>
+            </a:pPr>
+            <a:r>
+              <a:rPr lang="en-US" sz="2400" dirty="0">
+                <a:solidFill>
+                  <a:srgbClr val="000000"/>
+                </a:solidFill>
+                <a:latin typeface="Times New Roman" charset="0"/>
+                <a:cs typeface="Times New Roman" charset="0"/>
+              </a:rPr>
+              <a:t>Often implemented using a single page </a:t>
+            </a:r>
+            <a:r>
+              <a:rPr lang="en-US" sz="2400" dirty="0" smtClean="0">
+                <a:solidFill>
+                  <a:srgbClr val="000000"/>
+                </a:solidFill>
+                <a:latin typeface="Times New Roman" charset="0"/>
+                <a:cs typeface="Times New Roman" charset="0"/>
+              </a:rPr>
+              <a:t>size</a:t>
+            </a:r>
+            <a:endParaRPr lang="en-US" sz="2400" dirty="0">
+              <a:solidFill>
+                <a:srgbClr val="000000"/>
+              </a:solidFill>
+              <a:latin typeface="Times New Roman" charset="0"/>
+              <a:cs typeface="Times New Roman" charset="0"/>
+            </a:endParaRPr>
+          </a:p>
+          <a:p>
+            <a:pPr lvl="1" indent="-309605">
+              <a:tabLst>
+                <a:tab pos="414726" algn="l"/>
+                <a:tab pos="829452" algn="l"/>
+                <a:tab pos="1244178" algn="l"/>
+                <a:tab pos="1658904" algn="l"/>
+                <a:tab pos="2073631" algn="l"/>
+                <a:tab pos="2488357" algn="l"/>
+                <a:tab pos="2903083" algn="l"/>
+                <a:tab pos="3317809" algn="l"/>
+                <a:tab pos="3732535" algn="l"/>
+                <a:tab pos="4147261" algn="l"/>
+                <a:tab pos="4561987" algn="l"/>
+                <a:tab pos="4976713" algn="l"/>
+                <a:tab pos="5391440" algn="l"/>
+                <a:tab pos="5806166" algn="l"/>
+                <a:tab pos="6220892" algn="l"/>
+                <a:tab pos="6635618" algn="l"/>
+                <a:tab pos="7050344" algn="l"/>
+                <a:tab pos="7465070" algn="l"/>
+                <a:tab pos="7879796" algn="l"/>
+              </a:tabLst>
+            </a:pPr>
+            <a:r>
+              <a:rPr lang="en-US" sz="2100" dirty="0">
+                <a:solidFill>
+                  <a:srgbClr val="000000"/>
+                </a:solidFill>
+                <a:latin typeface="Times New Roman" charset="0"/>
+                <a:cs typeface="Times New Roman" charset="0"/>
+              </a:rPr>
+              <a:t>On 32-bit systems, kernel can address 4GB of </a:t>
+            </a:r>
+            <a:r>
+              <a:rPr lang="en-US" sz="2100" dirty="0" smtClean="0">
+                <a:solidFill>
+                  <a:srgbClr val="000000"/>
+                </a:solidFill>
+                <a:latin typeface="Times New Roman" charset="0"/>
+                <a:cs typeface="Times New Roman" charset="0"/>
+              </a:rPr>
+              <a:t>data</a:t>
+            </a:r>
+            <a:endParaRPr lang="en-US" sz="2100" dirty="0">
+              <a:solidFill>
+                <a:srgbClr val="000000"/>
+              </a:solidFill>
+              <a:latin typeface="Times New Roman" charset="0"/>
+              <a:cs typeface="Times New Roman" charset="0"/>
+            </a:endParaRPr>
+          </a:p>
+          <a:p>
+            <a:pPr lvl="1" indent="-309605">
+              <a:tabLst>
+                <a:tab pos="414726" algn="l"/>
+                <a:tab pos="829452" algn="l"/>
+                <a:tab pos="1244178" algn="l"/>
+                <a:tab pos="1658904" algn="l"/>
+                <a:tab pos="2073631" algn="l"/>
+                <a:tab pos="2488357" algn="l"/>
+                <a:tab pos="2903083" algn="l"/>
+                <a:tab pos="3317809" algn="l"/>
+                <a:tab pos="3732535" algn="l"/>
+                <a:tab pos="4147261" algn="l"/>
+                <a:tab pos="4561987" algn="l"/>
+                <a:tab pos="4976713" algn="l"/>
+                <a:tab pos="5391440" algn="l"/>
+                <a:tab pos="5806166" algn="l"/>
+                <a:tab pos="6220892" algn="l"/>
+                <a:tab pos="6635618" algn="l"/>
+                <a:tab pos="7050344" algn="l"/>
+                <a:tab pos="7465070" algn="l"/>
+                <a:tab pos="7879796" algn="l"/>
+              </a:tabLst>
+            </a:pPr>
+            <a:r>
+              <a:rPr lang="en-US" sz="2100" dirty="0">
+                <a:solidFill>
+                  <a:srgbClr val="000000"/>
+                </a:solidFill>
+                <a:latin typeface="Times New Roman" charset="0"/>
+                <a:cs typeface="Times New Roman" charset="0"/>
+              </a:rPr>
+              <a:t>On 64-bit systems, the kernel supports up to 2 petabytes of </a:t>
+            </a:r>
+            <a:r>
+              <a:rPr lang="en-US" sz="2100" dirty="0" smtClean="0">
+                <a:solidFill>
+                  <a:srgbClr val="000000"/>
+                </a:solidFill>
+                <a:latin typeface="Times New Roman" charset="0"/>
+                <a:cs typeface="Times New Roman" charset="0"/>
+              </a:rPr>
+              <a:t>data</a:t>
+            </a:r>
+            <a:endParaRPr lang="en-US" sz="2100" dirty="0">
+              <a:solidFill>
+                <a:srgbClr val="000000"/>
+              </a:solidFill>
+              <a:latin typeface="Times New Roman" charset="0"/>
+              <a:cs typeface="Times New Roman" charset="0"/>
+            </a:endParaRPr>
+          </a:p>
+          <a:p>
+            <a:pPr indent="-309605">
+              <a:tabLst>
+                <a:tab pos="414726" algn="l"/>
+                <a:tab pos="829452" algn="l"/>
+                <a:tab pos="1244178" algn="l"/>
+                <a:tab pos="1658904" algn="l"/>
+                <a:tab pos="2073631" algn="l"/>
+                <a:tab pos="2488357" algn="l"/>
+                <a:tab pos="2903083" algn="l"/>
+                <a:tab pos="3317809" algn="l"/>
+                <a:tab pos="3732535" algn="l"/>
+                <a:tab pos="4147261" algn="l"/>
+                <a:tab pos="4561987" algn="l"/>
+                <a:tab pos="4976713" algn="l"/>
+                <a:tab pos="5391440" algn="l"/>
+                <a:tab pos="5806166" algn="l"/>
+                <a:tab pos="6220892" algn="l"/>
+                <a:tab pos="6635618" algn="l"/>
+                <a:tab pos="7050344" algn="l"/>
+                <a:tab pos="7465070" algn="l"/>
+                <a:tab pos="7879796" algn="l"/>
+              </a:tabLst>
+            </a:pPr>
+            <a:r>
+              <a:rPr lang="en-US" sz="2400" dirty="0">
+                <a:solidFill>
+                  <a:srgbClr val="000000"/>
+                </a:solidFill>
+                <a:latin typeface="Times New Roman" charset="0"/>
+                <a:cs typeface="Times New Roman" charset="0"/>
+              </a:rPr>
+              <a:t>Three levels of page </a:t>
+            </a:r>
+            <a:r>
+              <a:rPr lang="en-US" sz="2400" dirty="0" smtClean="0">
+                <a:solidFill>
+                  <a:srgbClr val="000000"/>
+                </a:solidFill>
+                <a:latin typeface="Times New Roman" charset="0"/>
+                <a:cs typeface="Times New Roman" charset="0"/>
+              </a:rPr>
+              <a:t>tables</a:t>
+            </a:r>
+            <a:endParaRPr lang="en-US" sz="2400" dirty="0">
+              <a:solidFill>
+                <a:srgbClr val="000000"/>
+              </a:solidFill>
+              <a:latin typeface="Times New Roman" charset="0"/>
+              <a:cs typeface="Times New Roman" charset="0"/>
+            </a:endParaRPr>
+          </a:p>
+          <a:p>
+            <a:pPr lvl="1" indent="-309605">
+              <a:tabLst>
+                <a:tab pos="414726" algn="l"/>
+                <a:tab pos="829452" algn="l"/>
+                <a:tab pos="1244178" algn="l"/>
+                <a:tab pos="1658904" algn="l"/>
+                <a:tab pos="2073631" algn="l"/>
+                <a:tab pos="2488357" algn="l"/>
+                <a:tab pos="2903083" algn="l"/>
+                <a:tab pos="3317809" algn="l"/>
+                <a:tab pos="3732535" algn="l"/>
+                <a:tab pos="4147261" algn="l"/>
+                <a:tab pos="4561987" algn="l"/>
+                <a:tab pos="4976713" algn="l"/>
+                <a:tab pos="5391440" algn="l"/>
+                <a:tab pos="5806166" algn="l"/>
+                <a:tab pos="6220892" algn="l"/>
+                <a:tab pos="6635618" algn="l"/>
+                <a:tab pos="7050344" algn="l"/>
+                <a:tab pos="7465070" algn="l"/>
+                <a:tab pos="7879796" algn="l"/>
+              </a:tabLst>
+            </a:pPr>
+            <a:r>
+              <a:rPr lang="en-US" sz="2100" dirty="0">
+                <a:solidFill>
+                  <a:srgbClr val="000000"/>
+                </a:solidFill>
+                <a:latin typeface="Times New Roman" charset="0"/>
+                <a:cs typeface="Times New Roman" charset="0"/>
+              </a:rPr>
+              <a:t>Page global </a:t>
+            </a:r>
+            <a:r>
+              <a:rPr lang="en-US" sz="2100" dirty="0" smtClean="0">
+                <a:solidFill>
+                  <a:srgbClr val="000000"/>
+                </a:solidFill>
+                <a:latin typeface="Times New Roman" charset="0"/>
+                <a:cs typeface="Times New Roman" charset="0"/>
+              </a:rPr>
+              <a:t>directory</a:t>
+            </a:r>
+            <a:endParaRPr lang="en-US" sz="2400" dirty="0">
+              <a:solidFill>
+                <a:srgbClr val="000000"/>
+              </a:solidFill>
+              <a:latin typeface="Times New Roman" charset="0"/>
+              <a:cs typeface="Times New Roman" charset="0"/>
+            </a:endParaRPr>
+          </a:p>
+          <a:p>
+            <a:pPr lvl="1" indent="-309605">
+              <a:tabLst>
+                <a:tab pos="414726" algn="l"/>
+                <a:tab pos="829452" algn="l"/>
+                <a:tab pos="1244178" algn="l"/>
+                <a:tab pos="1658904" algn="l"/>
+                <a:tab pos="2073631" algn="l"/>
+                <a:tab pos="2488357" algn="l"/>
+                <a:tab pos="2903083" algn="l"/>
+                <a:tab pos="3317809" algn="l"/>
+                <a:tab pos="3732535" algn="l"/>
+                <a:tab pos="4147261" algn="l"/>
+                <a:tab pos="4561987" algn="l"/>
+                <a:tab pos="4976713" algn="l"/>
+                <a:tab pos="5391440" algn="l"/>
+                <a:tab pos="5806166" algn="l"/>
+                <a:tab pos="6220892" algn="l"/>
+                <a:tab pos="6635618" algn="l"/>
+                <a:tab pos="7050344" algn="l"/>
+                <a:tab pos="7465070" algn="l"/>
+                <a:tab pos="7879796" algn="l"/>
+              </a:tabLst>
+            </a:pPr>
+            <a:r>
+              <a:rPr lang="en-US" sz="2100" dirty="0">
+                <a:solidFill>
+                  <a:srgbClr val="000000"/>
+                </a:solidFill>
+                <a:latin typeface="Times New Roman" charset="0"/>
+                <a:cs typeface="Times New Roman" charset="0"/>
+              </a:rPr>
+              <a:t>Page middle </a:t>
+            </a:r>
+            <a:r>
+              <a:rPr lang="en-US" sz="2100" dirty="0" smtClean="0">
+                <a:solidFill>
+                  <a:srgbClr val="000000"/>
+                </a:solidFill>
+                <a:latin typeface="Times New Roman" charset="0"/>
+                <a:cs typeface="Times New Roman" charset="0"/>
+              </a:rPr>
+              <a:t>directory</a:t>
+            </a:r>
+            <a:endParaRPr lang="en-US" sz="2400" dirty="0">
+              <a:solidFill>
+                <a:srgbClr val="000000"/>
+              </a:solidFill>
+              <a:latin typeface="Times New Roman" charset="0"/>
+              <a:cs typeface="Times New Roman" charset="0"/>
+            </a:endParaRPr>
+          </a:p>
+          <a:p>
+            <a:pPr lvl="1" indent="-309605">
+              <a:tabLst>
+                <a:tab pos="414726" algn="l"/>
+                <a:tab pos="829452" algn="l"/>
+                <a:tab pos="1244178" algn="l"/>
+                <a:tab pos="1658904" algn="l"/>
+                <a:tab pos="2073631" algn="l"/>
+                <a:tab pos="2488357" algn="l"/>
+                <a:tab pos="2903083" algn="l"/>
+                <a:tab pos="3317809" algn="l"/>
+                <a:tab pos="3732535" algn="l"/>
+                <a:tab pos="4147261" algn="l"/>
+                <a:tab pos="4561987" algn="l"/>
+                <a:tab pos="4976713" algn="l"/>
+                <a:tab pos="5391440" algn="l"/>
+                <a:tab pos="5806166" algn="l"/>
+                <a:tab pos="6220892" algn="l"/>
+                <a:tab pos="6635618" algn="l"/>
+                <a:tab pos="7050344" algn="l"/>
+                <a:tab pos="7465070" algn="l"/>
+                <a:tab pos="7879796" algn="l"/>
+              </a:tabLst>
+            </a:pPr>
+            <a:r>
+              <a:rPr lang="en-US" sz="2100" dirty="0">
+                <a:solidFill>
+                  <a:srgbClr val="000000"/>
+                </a:solidFill>
+                <a:latin typeface="Times New Roman" charset="0"/>
+                <a:cs typeface="Times New Roman" charset="0"/>
+              </a:rPr>
+              <a:t>Page </a:t>
+            </a:r>
+            <a:r>
+              <a:rPr lang="en-US" sz="2100" dirty="0" smtClean="0">
+                <a:solidFill>
+                  <a:srgbClr val="000000"/>
+                </a:solidFill>
+                <a:latin typeface="Times New Roman" charset="0"/>
+                <a:cs typeface="Times New Roman" charset="0"/>
+              </a:rPr>
+              <a:t>tables</a:t>
+            </a:r>
+          </a:p>
+          <a:p>
+            <a:pPr indent="-309605">
+              <a:tabLst>
+                <a:tab pos="414726" algn="l"/>
+                <a:tab pos="829452" algn="l"/>
+                <a:tab pos="1244178" algn="l"/>
+                <a:tab pos="1658904" algn="l"/>
+                <a:tab pos="2073631" algn="l"/>
+                <a:tab pos="2488357" algn="l"/>
+                <a:tab pos="2903083" algn="l"/>
+                <a:tab pos="3317809" algn="l"/>
+                <a:tab pos="3732535" algn="l"/>
+                <a:tab pos="4147261" algn="l"/>
+                <a:tab pos="4561987" algn="l"/>
+                <a:tab pos="4976713" algn="l"/>
+                <a:tab pos="5391440" algn="l"/>
+                <a:tab pos="5806166" algn="l"/>
+                <a:tab pos="6220892" algn="l"/>
+                <a:tab pos="6635618" algn="l"/>
+                <a:tab pos="7050344" algn="l"/>
+                <a:tab pos="7465070" algn="l"/>
+                <a:tab pos="7879796" algn="l"/>
+              </a:tabLst>
+            </a:pPr>
+            <a:r>
+              <a:rPr lang="en-US" sz="2400" dirty="0">
+                <a:solidFill>
+                  <a:srgbClr val="000000"/>
+                </a:solidFill>
+                <a:latin typeface="Times New Roman" charset="0"/>
+                <a:cs typeface="Times New Roman" charset="0"/>
+              </a:rPr>
+              <a:t>On systems that support only two levels of page tables, page middle directory contains exactly one </a:t>
+            </a:r>
+            <a:r>
+              <a:rPr lang="en-US" sz="2400" dirty="0">
+                <a:solidFill>
+                  <a:srgbClr val="000000"/>
+                </a:solidFill>
+                <a:latin typeface="Times New Roman" charset="0"/>
+                <a:cs typeface="Times New Roman" charset="0"/>
+              </a:rPr>
+              <a:t>entry</a:t>
+            </a:r>
+            <a:endParaRPr lang="en-US" sz="2400" dirty="0">
+              <a:solidFill>
+                <a:srgbClr val="000000"/>
+              </a:solidFill>
+              <a:latin typeface="Times New Roman" charset="0"/>
+              <a:cs typeface="Times New Roman" charset="0"/>
+            </a:endParaRPr>
+          </a:p>
+          <a:p>
+            <a:pPr indent="-309605">
+              <a:tabLst>
+                <a:tab pos="414726" algn="l"/>
+                <a:tab pos="829452" algn="l"/>
+                <a:tab pos="1244178" algn="l"/>
+                <a:tab pos="1658904" algn="l"/>
+                <a:tab pos="2073631" algn="l"/>
+                <a:tab pos="2488357" algn="l"/>
+                <a:tab pos="2903083" algn="l"/>
+                <a:tab pos="3317809" algn="l"/>
+                <a:tab pos="3732535" algn="l"/>
+                <a:tab pos="4147261" algn="l"/>
+                <a:tab pos="4561987" algn="l"/>
+                <a:tab pos="4976713" algn="l"/>
+                <a:tab pos="5391440" algn="l"/>
+                <a:tab pos="5806166" algn="l"/>
+                <a:tab pos="6220892" algn="l"/>
+                <a:tab pos="6635618" algn="l"/>
+                <a:tab pos="7050344" algn="l"/>
+                <a:tab pos="7465070" algn="l"/>
+                <a:tab pos="7879796" algn="l"/>
+              </a:tabLst>
+            </a:pPr>
+            <a:r>
+              <a:rPr lang="en-US" sz="2400" dirty="0">
+                <a:solidFill>
+                  <a:srgbClr val="000000"/>
+                </a:solidFill>
+                <a:latin typeface="Times New Roman" charset="0"/>
+                <a:cs typeface="Times New Roman" charset="0"/>
+              </a:rPr>
+              <a:t>Virtual address space organized into virtual memory areas to group information with same permissions (similar to segments)</a:t>
+            </a:r>
+          </a:p>
+          <a:p>
+            <a:pPr indent="-309605">
+              <a:tabLst>
+                <a:tab pos="414726" algn="l"/>
+                <a:tab pos="829452" algn="l"/>
+                <a:tab pos="1244178" algn="l"/>
+                <a:tab pos="1658904" algn="l"/>
+                <a:tab pos="2073631" algn="l"/>
+                <a:tab pos="2488357" algn="l"/>
+                <a:tab pos="2903083" algn="l"/>
+                <a:tab pos="3317809" algn="l"/>
+                <a:tab pos="3732535" algn="l"/>
+                <a:tab pos="4147261" algn="l"/>
+                <a:tab pos="4561987" algn="l"/>
+                <a:tab pos="4976713" algn="l"/>
+                <a:tab pos="5391440" algn="l"/>
+                <a:tab pos="5806166" algn="l"/>
+                <a:tab pos="6220892" algn="l"/>
+                <a:tab pos="6635618" algn="l"/>
+                <a:tab pos="7050344" algn="l"/>
+                <a:tab pos="7465070" algn="l"/>
+                <a:tab pos="7879796" algn="l"/>
+              </a:tabLst>
+            </a:pPr>
+            <a:endParaRPr lang="en-US" sz="2800" dirty="0">
+              <a:solidFill>
+                <a:srgbClr val="000000"/>
+              </a:solidFill>
+              <a:latin typeface="Times New Roman" charset="0"/>
+              <a:cs typeface="Times New Roman" charset="0"/>
+            </a:endParaRPr>
+          </a:p>
+          <a:p>
+            <a:pPr indent="-309605">
+              <a:tabLst>
+                <a:tab pos="414726" algn="l"/>
+                <a:tab pos="829452" algn="l"/>
+                <a:tab pos="1244178" algn="l"/>
+                <a:tab pos="1658904" algn="l"/>
+                <a:tab pos="2073631" algn="l"/>
+                <a:tab pos="2488357" algn="l"/>
+                <a:tab pos="2903083" algn="l"/>
+                <a:tab pos="3317809" algn="l"/>
+                <a:tab pos="3732535" algn="l"/>
+                <a:tab pos="4147261" algn="l"/>
+                <a:tab pos="4561987" algn="l"/>
+                <a:tab pos="4976713" algn="l"/>
+                <a:tab pos="5391440" algn="l"/>
+                <a:tab pos="5806166" algn="l"/>
+                <a:tab pos="6220892" algn="l"/>
+                <a:tab pos="6635618" algn="l"/>
+                <a:tab pos="7050344" algn="l"/>
+                <a:tab pos="7465070" algn="l"/>
+                <a:tab pos="7879796" algn="l"/>
+              </a:tabLst>
+            </a:pPr>
+            <a:endParaRPr lang="en-US" sz="2700" dirty="0">
+              <a:solidFill>
+                <a:srgbClr val="000000"/>
+              </a:solidFill>
+              <a:latin typeface="Times New Roman" charset="0"/>
+              <a:cs typeface="Times New Roman" charset="0"/>
+            </a:endParaRPr>
+          </a:p>
+        </p:txBody>
+      </p:sp>
+    </p:spTree>
+    <p:extLst>
+      <p:ext uri="{BB962C8B-B14F-4D97-AF65-F5344CB8AC3E}">
+        <p14:creationId xmlns:p14="http://schemas.microsoft.com/office/powerpoint/2010/main" val="1030610320"/>
+      </p:ext>
+    </p:extLst>
+  </p:cSld>
+  <p:clrMapOvr>
+    <a:masterClrMapping/>
+  </p:clrMapOvr>
+  <p:transition xmlns:p14="http://schemas.microsoft.com/office/powerpoint/2010/main" spd="med"/>
+  <p:timing>
+    <p:tnLst>
+      <p:par>
+        <p:cTn xmlns:p14="http://schemas.microsoft.com/office/powerpoint/2010/main" id="1" dur="indefinite" nodeType="tmRoot">
+          <p:childTnLst>
+            <p:seq concurrent="1" nextAc="seek">
+              <p:cTn id="2" dur="0" nodeType="mainSeq"/>
+              <p:prevCondLst>
+                <p:cond evt="onPrev" delay="0">
+                  <p:tgtEl>
+                    <p:sldTgt/>
+                  </p:tgtEl>
+                </p:cond>
+              </p:prevCondLst>
+              <p:nextCondLst>
+                <p:cond evt="onNext" delay="0">
+                  <p:tgtEl>
+                    <p:sldTgt/>
+                  </p:tgtEl>
+                </p:cond>
+              </p:nextCondLst>
+            </p:seq>
+          </p:childTnLst>
+        </p:cTn>
+      </p:par>
+    </p:tnLst>
+  </p:timing>
+</p:sld>
+</file>
+
+<file path=ppt/slides/slide28.xml><?xml version="1.0" encoding="utf-8"?>
+<p:sld xmlns:a="http://schemas.openxmlformats.org/drawingml/2006/main" xmlns:r="http://schemas.openxmlformats.org/officeDocument/2006/relationships" xmlns:p="http://schemas.openxmlformats.org/presentationml/2006/main">
+  <p:cSld>
+    <p:spTree>
+      <p:nvGrpSpPr>
+        <p:cNvPr id="1" name=""/>
+        <p:cNvGrpSpPr/>
+        <p:nvPr/>
+      </p:nvGrpSpPr>
+      <p:grpSpPr>
+        <a:xfrm>
+          <a:off x="0" y="0"/>
+          <a:ext cx="0" cy="0"/>
+          <a:chOff x="0" y="0"/>
+          <a:chExt cx="0" cy="0"/>
+        </a:xfrm>
+      </p:grpSpPr>
+      <p:sp>
+        <p:nvSpPr>
+          <p:cNvPr id="12289" name="Rectangle 1"/>
+          <p:cNvSpPr>
+            <a:spLocks noGrp="1" noChangeArrowheads="1"/>
+          </p:cNvSpPr>
+          <p:nvPr>
+            <p:ph type="title"/>
+          </p:nvPr>
+        </p:nvSpPr>
+        <p:spPr>
+          <a:xfrm>
+            <a:off x="456480" y="260668"/>
+            <a:ext cx="8229600" cy="1131959"/>
+          </a:xfrm>
+          <a:ln/>
+        </p:spPr>
+        <p:txBody>
+          <a:bodyPr lIns="82945" tIns="8229" rIns="82945" bIns="41473"/>
+          <a:lstStyle/>
+          <a:p>
+            <a:pPr>
+              <a:lnSpc>
+                <a:spcPct val="98000"/>
+              </a:lnSpc>
+              <a:tabLst>
+                <a:tab pos="414726" algn="l"/>
+                <a:tab pos="829452" algn="l"/>
+                <a:tab pos="1244178" algn="l"/>
+                <a:tab pos="1658904" algn="l"/>
+                <a:tab pos="2073631" algn="l"/>
+                <a:tab pos="2488357" algn="l"/>
+                <a:tab pos="2903083" algn="l"/>
+                <a:tab pos="3317809" algn="l"/>
+                <a:tab pos="3732535" algn="l"/>
+                <a:tab pos="4147261" algn="l"/>
+                <a:tab pos="4561987" algn="l"/>
+                <a:tab pos="4976713" algn="l"/>
+                <a:tab pos="5391440" algn="l"/>
+                <a:tab pos="5806166" algn="l"/>
+                <a:tab pos="6220892" algn="l"/>
+                <a:tab pos="6635618" algn="l"/>
+                <a:tab pos="7050344" algn="l"/>
+                <a:tab pos="7465070" algn="l"/>
+                <a:tab pos="7879796" algn="l"/>
+              </a:tabLst>
+            </a:pPr>
+            <a:r>
+              <a:rPr lang="en-US" dirty="0">
+                <a:latin typeface="Arial Black"/>
+                <a:cs typeface="Arial Black"/>
+              </a:rPr>
+              <a:t>Memory</a:t>
+            </a:r>
+            <a:r>
+              <a:rPr lang="en-US" sz="3300" dirty="0">
+                <a:solidFill>
+                  <a:srgbClr val="990033"/>
+                </a:solidFill>
+                <a:effectLst>
+                  <a:outerShdw blurRad="38100" dist="38100" dir="2700000" algn="tl">
+                    <a:srgbClr val="DDDDDD"/>
+                  </a:outerShdw>
+                </a:effectLst>
+                <a:latin typeface="Technical" charset="0"/>
+              </a:rPr>
+              <a:t> </a:t>
+            </a:r>
+            <a:r>
+              <a:rPr lang="en-US" dirty="0">
+                <a:latin typeface="Arial Black"/>
+                <a:cs typeface="Arial Black"/>
+              </a:rPr>
+              <a:t>Organization</a:t>
+            </a:r>
+          </a:p>
+        </p:txBody>
+      </p:sp>
+      <p:sp>
+        <p:nvSpPr>
+          <p:cNvPr id="4" name="Rectangle 2"/>
+          <p:cNvSpPr txBox="1">
+            <a:spLocks noGrp="1" noChangeArrowheads="1"/>
+          </p:cNvSpPr>
+          <p:nvPr>
+            <p:ph type="body" idx="1"/>
+          </p:nvPr>
+        </p:nvSpPr>
+        <p:spPr>
+          <a:xfrm>
+            <a:off x="457200" y="1654175"/>
+            <a:ext cx="8229600" cy="5305425"/>
+          </a:xfrm>
+          <a:prstGeom prst="rect">
+            <a:avLst/>
+          </a:prstGeom>
+          <a:ln/>
+        </p:spPr>
+        <p:txBody>
+          <a:bodyPr vert="horz" lIns="82945" tIns="19201" rIns="82945" bIns="41473">
+            <a:noAutofit/>
+          </a:bodyPr>
+          <a:lstStyle>
+            <a:lvl1pPr marL="320040" indent="-320040" algn="l" rtl="0" eaLnBrk="1" latinLnBrk="0" hangingPunct="1">
+              <a:spcBef>
+                <a:spcPts val="700"/>
+              </a:spcBef>
+              <a:buClr>
+                <a:schemeClr val="accent2"/>
+              </a:buClr>
+              <a:buSzPct val="60000"/>
+              <a:buFont typeface="Wingdings"/>
+              <a:buChar char=""/>
+              <a:defRPr kumimoji="0" sz="2900" kern="1200">
+                <a:solidFill>
+                  <a:schemeClr val="tx1"/>
+                </a:solidFill>
+                <a:latin typeface="+mn-lt"/>
+                <a:ea typeface="+mn-ea"/>
+                <a:cs typeface="+mn-cs"/>
+              </a:defRPr>
+            </a:lvl1pPr>
+            <a:lvl2pPr marL="640080" indent="-274320" algn="l" rtl="0" eaLnBrk="1" latinLnBrk="0" hangingPunct="1">
+              <a:spcBef>
+                <a:spcPts val="550"/>
+              </a:spcBef>
+              <a:buClr>
+                <a:schemeClr val="accent1"/>
+              </a:buClr>
+              <a:buSzPct val="70000"/>
+              <a:buFont typeface="Wingdings 2"/>
+              <a:buChar char=""/>
+              <a:defRPr kumimoji="0" sz="2600" kern="1200">
+                <a:solidFill>
+                  <a:schemeClr val="tx1"/>
+                </a:solidFill>
+                <a:latin typeface="+mn-lt"/>
+                <a:ea typeface="+mn-ea"/>
+                <a:cs typeface="+mn-cs"/>
+              </a:defRPr>
+            </a:lvl2pPr>
+            <a:lvl3pPr marL="914400" indent="-228600" algn="l" rtl="0" eaLnBrk="1" latinLnBrk="0" hangingPunct="1">
+              <a:spcBef>
+                <a:spcPts val="500"/>
+              </a:spcBef>
+              <a:buClr>
+                <a:schemeClr val="accent2"/>
+              </a:buClr>
+              <a:buSzPct val="75000"/>
+              <a:buFont typeface="Wingdings"/>
+              <a:buChar char=""/>
+              <a:defRPr kumimoji="0" sz="2300" kern="1200">
+                <a:solidFill>
+                  <a:schemeClr val="tx1"/>
+                </a:solidFill>
+                <a:latin typeface="+mn-lt"/>
+                <a:ea typeface="+mn-ea"/>
+                <a:cs typeface="+mn-cs"/>
+              </a:defRPr>
+            </a:lvl3pPr>
+            <a:lvl4pPr marL="1371600" indent="-228600" algn="l" rtl="0" eaLnBrk="1" latinLnBrk="0" hangingPunct="1">
+              <a:spcBef>
+                <a:spcPts val="400"/>
+              </a:spcBef>
+              <a:buClr>
+                <a:schemeClr val="accent3"/>
+              </a:buClr>
+              <a:buSzPct val="75000"/>
+              <a:buFont typeface="Wingdings"/>
+              <a:buChar char=""/>
+              <a:defRPr kumimoji="0" sz="2000" kern="1200">
+                <a:solidFill>
+                  <a:schemeClr val="tx1"/>
+                </a:solidFill>
+                <a:latin typeface="+mn-lt"/>
+                <a:ea typeface="+mn-ea"/>
+                <a:cs typeface="+mn-cs"/>
+              </a:defRPr>
+            </a:lvl4pPr>
+            <a:lvl5pPr marL="1828800" indent="-228600" algn="l" rtl="0" eaLnBrk="1" latinLnBrk="0" hangingPunct="1">
+              <a:spcBef>
+                <a:spcPts val="400"/>
+              </a:spcBef>
+              <a:buClr>
+                <a:schemeClr val="accent4"/>
+              </a:buClr>
+              <a:buSzPct val="65000"/>
+              <a:buFont typeface="Wingdings"/>
+              <a:buChar char=""/>
+              <a:defRPr kumimoji="0" sz="2000" kern="1200">
+                <a:solidFill>
+                  <a:schemeClr val="tx1"/>
+                </a:solidFill>
+                <a:latin typeface="+mn-lt"/>
+                <a:ea typeface="+mn-ea"/>
+                <a:cs typeface="+mn-cs"/>
+              </a:defRPr>
+            </a:lvl5pPr>
+            <a:lvl6pPr marL="2103120" indent="-228600" algn="l" rtl="0" eaLnBrk="1" latinLnBrk="0" hangingPunct="1">
+              <a:spcBef>
+                <a:spcPct val="20000"/>
+              </a:spcBef>
+              <a:buClr>
+                <a:schemeClr val="accent1"/>
+              </a:buClr>
+              <a:buFont typeface="Wingdings"/>
+              <a:buChar char="§"/>
+              <a:defRPr kumimoji="0" sz="1800" kern="1200" baseline="0">
+                <a:solidFill>
+                  <a:schemeClr val="tx1"/>
+                </a:solidFill>
+                <a:latin typeface="+mn-lt"/>
+                <a:ea typeface="+mn-ea"/>
+                <a:cs typeface="+mn-cs"/>
+              </a:defRPr>
+            </a:lvl6pPr>
+            <a:lvl7pPr marL="2377440" indent="-228600" algn="l" rtl="0" eaLnBrk="1" latinLnBrk="0" hangingPunct="1">
+              <a:spcBef>
+                <a:spcPct val="20000"/>
+              </a:spcBef>
+              <a:buClr>
+                <a:schemeClr val="accent2"/>
+              </a:buClr>
+              <a:buFont typeface="Wingdings"/>
+              <a:buChar char="§"/>
+              <a:defRPr kumimoji="0" sz="1800" kern="1200" baseline="0">
+                <a:solidFill>
+                  <a:schemeClr val="tx1"/>
+                </a:solidFill>
+                <a:latin typeface="+mn-lt"/>
+                <a:ea typeface="+mn-ea"/>
+                <a:cs typeface="+mn-cs"/>
+              </a:defRPr>
+            </a:lvl7pPr>
+            <a:lvl8pPr marL="2651760" indent="-228600" algn="l" rtl="0" eaLnBrk="1" latinLnBrk="0" hangingPunct="1">
+              <a:spcBef>
+                <a:spcPct val="20000"/>
+              </a:spcBef>
+              <a:buClr>
+                <a:schemeClr val="accent3"/>
+              </a:buClr>
+              <a:buFont typeface="Wingdings"/>
+              <a:buChar char="§"/>
+              <a:defRPr kumimoji="0" sz="1800" kern="1200" baseline="0">
+                <a:solidFill>
+                  <a:schemeClr val="tx1"/>
+                </a:solidFill>
+                <a:latin typeface="+mn-lt"/>
+                <a:ea typeface="+mn-ea"/>
+                <a:cs typeface="+mn-cs"/>
+              </a:defRPr>
+            </a:lvl8pPr>
+            <a:lvl9pPr marL="2926080" indent="-228600" algn="l" rtl="0" eaLnBrk="1" latinLnBrk="0" hangingPunct="1">
+              <a:spcBef>
+                <a:spcPct val="20000"/>
+              </a:spcBef>
+              <a:buClr>
+                <a:schemeClr val="accent4"/>
+              </a:buClr>
+              <a:buFont typeface="Wingdings"/>
+              <a:buChar char="§"/>
+              <a:defRPr kumimoji="0" sz="1800" kern="1200" baseline="0">
+                <a:solidFill>
+                  <a:schemeClr val="tx1"/>
+                </a:solidFill>
+                <a:latin typeface="+mn-lt"/>
+                <a:ea typeface="+mn-ea"/>
+                <a:cs typeface="+mn-cs"/>
+              </a:defRPr>
+            </a:lvl9pPr>
+          </a:lstStyle>
+          <a:p>
+            <a:pPr indent="-309605">
+              <a:tabLst>
+                <a:tab pos="414726" algn="l"/>
+                <a:tab pos="829452" algn="l"/>
+                <a:tab pos="1244178" algn="l"/>
+                <a:tab pos="1658904" algn="l"/>
+                <a:tab pos="2073631" algn="l"/>
+                <a:tab pos="2488357" algn="l"/>
+                <a:tab pos="2903083" algn="l"/>
+                <a:tab pos="3317809" algn="l"/>
+                <a:tab pos="3732535" algn="l"/>
+                <a:tab pos="4147261" algn="l"/>
+                <a:tab pos="4561987" algn="l"/>
+                <a:tab pos="4976713" algn="l"/>
+                <a:tab pos="5391440" algn="l"/>
+                <a:tab pos="5806166" algn="l"/>
+                <a:tab pos="6220892" algn="l"/>
+                <a:tab pos="6635618" algn="l"/>
+                <a:tab pos="7050344" algn="l"/>
+                <a:tab pos="7465070" algn="l"/>
+                <a:tab pos="7879796" algn="l"/>
+              </a:tabLst>
+            </a:pPr>
+            <a:r>
+              <a:rPr lang="en-US" sz="2400" dirty="0" smtClean="0">
+                <a:solidFill>
+                  <a:srgbClr val="000000"/>
+                </a:solidFill>
+                <a:latin typeface="Times New Roman" charset="0"/>
+                <a:cs typeface="Times New Roman" charset="0"/>
+              </a:rPr>
+              <a:t>Memory zones</a:t>
+            </a:r>
+            <a:endParaRPr lang="en-US" sz="2400" dirty="0">
+              <a:solidFill>
+                <a:srgbClr val="000000"/>
+              </a:solidFill>
+              <a:latin typeface="Times New Roman" charset="0"/>
+              <a:cs typeface="Times New Roman" charset="0"/>
+            </a:endParaRPr>
+          </a:p>
+          <a:p>
+            <a:pPr lvl="1" indent="-309605">
+              <a:tabLst>
+                <a:tab pos="414726" algn="l"/>
+                <a:tab pos="829452" algn="l"/>
+                <a:tab pos="1244178" algn="l"/>
+                <a:tab pos="1658904" algn="l"/>
+                <a:tab pos="2073631" algn="l"/>
+                <a:tab pos="2488357" algn="l"/>
+                <a:tab pos="2903083" algn="l"/>
+                <a:tab pos="3317809" algn="l"/>
+                <a:tab pos="3732535" algn="l"/>
+                <a:tab pos="4147261" algn="l"/>
+                <a:tab pos="4561987" algn="l"/>
+                <a:tab pos="4976713" algn="l"/>
+                <a:tab pos="5391440" algn="l"/>
+                <a:tab pos="5806166" algn="l"/>
+                <a:tab pos="6220892" algn="l"/>
+                <a:tab pos="6635618" algn="l"/>
+                <a:tab pos="7050344" algn="l"/>
+                <a:tab pos="7465070" algn="l"/>
+                <a:tab pos="7879796" algn="l"/>
+              </a:tabLst>
+            </a:pPr>
+            <a:r>
+              <a:rPr lang="en-US" sz="2100" dirty="0">
+                <a:solidFill>
+                  <a:srgbClr val="000000"/>
+                </a:solidFill>
+                <a:latin typeface="Times New Roman" charset="0"/>
+                <a:cs typeface="Times New Roman" charset="0"/>
+              </a:rPr>
+              <a:t>DMA memory: first 16MB of main </a:t>
+            </a:r>
+            <a:r>
+              <a:rPr lang="en-US" sz="2100" dirty="0" smtClean="0">
+                <a:solidFill>
+                  <a:srgbClr val="000000"/>
+                </a:solidFill>
+                <a:latin typeface="Times New Roman" charset="0"/>
+                <a:cs typeface="Times New Roman" charset="0"/>
+              </a:rPr>
+              <a:t>memory</a:t>
+            </a:r>
+            <a:endParaRPr lang="en-US" sz="2100" dirty="0">
+              <a:solidFill>
+                <a:srgbClr val="000000"/>
+              </a:solidFill>
+              <a:latin typeface="Times New Roman" charset="0"/>
+              <a:cs typeface="Times New Roman" charset="0"/>
+            </a:endParaRPr>
+          </a:p>
+          <a:p>
+            <a:pPr lvl="2" indent="-309605">
+              <a:tabLst>
+                <a:tab pos="414726" algn="l"/>
+                <a:tab pos="829452" algn="l"/>
+                <a:tab pos="1244178" algn="l"/>
+                <a:tab pos="1658904" algn="l"/>
+                <a:tab pos="2073631" algn="l"/>
+                <a:tab pos="2488357" algn="l"/>
+                <a:tab pos="2903083" algn="l"/>
+                <a:tab pos="3317809" algn="l"/>
+                <a:tab pos="3732535" algn="l"/>
+                <a:tab pos="4147261" algn="l"/>
+                <a:tab pos="4561987" algn="l"/>
+                <a:tab pos="4976713" algn="l"/>
+                <a:tab pos="5391440" algn="l"/>
+                <a:tab pos="5806166" algn="l"/>
+                <a:tab pos="6220892" algn="l"/>
+                <a:tab pos="6635618" algn="l"/>
+                <a:tab pos="7050344" algn="l"/>
+                <a:tab pos="7465070" algn="l"/>
+                <a:tab pos="7879796" algn="l"/>
+              </a:tabLst>
+            </a:pPr>
+            <a:r>
+              <a:rPr lang="en-US" sz="1800" dirty="0">
+                <a:solidFill>
+                  <a:srgbClr val="000000"/>
+                </a:solidFill>
+                <a:latin typeface="Times New Roman" charset="0"/>
+                <a:cs typeface="Times New Roman" charset="0"/>
+              </a:rPr>
+              <a:t>Kernel attempts to make memory available in this region for legacy </a:t>
+            </a:r>
+            <a:r>
+              <a:rPr lang="en-US" sz="1800" dirty="0" smtClean="0">
+                <a:solidFill>
+                  <a:srgbClr val="000000"/>
+                </a:solidFill>
+                <a:latin typeface="Times New Roman" charset="0"/>
+                <a:cs typeface="Times New Roman" charset="0"/>
+              </a:rPr>
+              <a:t>hardware</a:t>
+            </a:r>
+            <a:endParaRPr lang="en-US" sz="1800" dirty="0">
+              <a:solidFill>
+                <a:srgbClr val="000000"/>
+              </a:solidFill>
+              <a:latin typeface="Times New Roman" charset="0"/>
+              <a:cs typeface="Times New Roman" charset="0"/>
+            </a:endParaRPr>
+          </a:p>
+          <a:p>
+            <a:pPr lvl="1" indent="-309605">
+              <a:tabLst>
+                <a:tab pos="414726" algn="l"/>
+                <a:tab pos="829452" algn="l"/>
+                <a:tab pos="1244178" algn="l"/>
+                <a:tab pos="1658904" algn="l"/>
+                <a:tab pos="2073631" algn="l"/>
+                <a:tab pos="2488357" algn="l"/>
+                <a:tab pos="2903083" algn="l"/>
+                <a:tab pos="3317809" algn="l"/>
+                <a:tab pos="3732535" algn="l"/>
+                <a:tab pos="4147261" algn="l"/>
+                <a:tab pos="4561987" algn="l"/>
+                <a:tab pos="4976713" algn="l"/>
+                <a:tab pos="5391440" algn="l"/>
+                <a:tab pos="5806166" algn="l"/>
+                <a:tab pos="6220892" algn="l"/>
+                <a:tab pos="6635618" algn="l"/>
+                <a:tab pos="7050344" algn="l"/>
+                <a:tab pos="7465070" algn="l"/>
+                <a:tab pos="7879796" algn="l"/>
+              </a:tabLst>
+            </a:pPr>
+            <a:r>
+              <a:rPr lang="en-US" sz="2100" dirty="0" smtClean="0">
+                <a:solidFill>
+                  <a:srgbClr val="000000"/>
+                </a:solidFill>
+                <a:latin typeface="Times New Roman" charset="0"/>
+                <a:cs typeface="Times New Roman" charset="0"/>
+              </a:rPr>
+              <a:t>Normal </a:t>
+            </a:r>
+            <a:r>
+              <a:rPr lang="en-US" sz="2100" dirty="0">
+                <a:solidFill>
+                  <a:srgbClr val="000000"/>
+                </a:solidFill>
+                <a:latin typeface="Times New Roman" charset="0"/>
+                <a:cs typeface="Times New Roman" charset="0"/>
+              </a:rPr>
+              <a:t>memory: between 16MB and 896MB on the IA-32 </a:t>
+            </a:r>
+            <a:r>
+              <a:rPr lang="en-US" sz="2100" dirty="0" smtClean="0">
+                <a:solidFill>
+                  <a:srgbClr val="000000"/>
+                </a:solidFill>
+                <a:latin typeface="Times New Roman" charset="0"/>
+                <a:cs typeface="Times New Roman" charset="0"/>
+              </a:rPr>
+              <a:t>architecture</a:t>
+            </a:r>
+            <a:endParaRPr lang="en-US" sz="2100" dirty="0">
+              <a:solidFill>
+                <a:srgbClr val="000000"/>
+              </a:solidFill>
+              <a:latin typeface="Times New Roman" charset="0"/>
+              <a:cs typeface="Times New Roman" charset="0"/>
+            </a:endParaRPr>
+          </a:p>
+          <a:p>
+            <a:pPr lvl="1" indent="-309605">
+              <a:tabLst>
+                <a:tab pos="414726" algn="l"/>
+                <a:tab pos="829452" algn="l"/>
+                <a:tab pos="1244178" algn="l"/>
+                <a:tab pos="1658904" algn="l"/>
+                <a:tab pos="2073631" algn="l"/>
+                <a:tab pos="2488357" algn="l"/>
+                <a:tab pos="2903083" algn="l"/>
+                <a:tab pos="3317809" algn="l"/>
+                <a:tab pos="3732535" algn="l"/>
+                <a:tab pos="4147261" algn="l"/>
+                <a:tab pos="4561987" algn="l"/>
+                <a:tab pos="4976713" algn="l"/>
+                <a:tab pos="5391440" algn="l"/>
+                <a:tab pos="5806166" algn="l"/>
+                <a:tab pos="6220892" algn="l"/>
+                <a:tab pos="6635618" algn="l"/>
+                <a:tab pos="7050344" algn="l"/>
+                <a:tab pos="7465070" algn="l"/>
+                <a:tab pos="7879796" algn="l"/>
+              </a:tabLst>
+            </a:pPr>
+            <a:r>
+              <a:rPr lang="en-US" sz="2100" dirty="0" smtClean="0">
+                <a:solidFill>
+                  <a:srgbClr val="000000"/>
+                </a:solidFill>
+                <a:latin typeface="Times New Roman" charset="0"/>
+                <a:cs typeface="Times New Roman" charset="0"/>
+              </a:rPr>
+              <a:t>Stores </a:t>
+            </a:r>
+            <a:r>
+              <a:rPr lang="en-US" sz="2100" dirty="0">
+                <a:solidFill>
+                  <a:srgbClr val="000000"/>
+                </a:solidFill>
+                <a:latin typeface="Times New Roman" charset="0"/>
+                <a:cs typeface="Times New Roman" charset="0"/>
+              </a:rPr>
+              <a:t>user data and most kernel </a:t>
+            </a:r>
+            <a:r>
+              <a:rPr lang="en-US" sz="2100" dirty="0" smtClean="0">
+                <a:solidFill>
+                  <a:srgbClr val="000000"/>
+                </a:solidFill>
+                <a:latin typeface="Times New Roman" charset="0"/>
+                <a:cs typeface="Times New Roman" charset="0"/>
+              </a:rPr>
+              <a:t>data</a:t>
+            </a:r>
+            <a:endParaRPr lang="en-US" sz="2100" dirty="0">
+              <a:solidFill>
+                <a:srgbClr val="000000"/>
+              </a:solidFill>
+              <a:latin typeface="Times New Roman" charset="0"/>
+              <a:cs typeface="Times New Roman" charset="0"/>
+            </a:endParaRPr>
+          </a:p>
+          <a:p>
+            <a:pPr indent="-309605">
+              <a:tabLst>
+                <a:tab pos="414726" algn="l"/>
+                <a:tab pos="829452" algn="l"/>
+                <a:tab pos="1244178" algn="l"/>
+                <a:tab pos="1658904" algn="l"/>
+                <a:tab pos="2073631" algn="l"/>
+                <a:tab pos="2488357" algn="l"/>
+                <a:tab pos="2903083" algn="l"/>
+                <a:tab pos="3317809" algn="l"/>
+                <a:tab pos="3732535" algn="l"/>
+                <a:tab pos="4147261" algn="l"/>
+                <a:tab pos="4561987" algn="l"/>
+                <a:tab pos="4976713" algn="l"/>
+                <a:tab pos="5391440" algn="l"/>
+                <a:tab pos="5806166" algn="l"/>
+                <a:tab pos="6220892" algn="l"/>
+                <a:tab pos="6635618" algn="l"/>
+                <a:tab pos="7050344" algn="l"/>
+                <a:tab pos="7465070" algn="l"/>
+                <a:tab pos="7879796" algn="l"/>
+              </a:tabLst>
+            </a:pPr>
+            <a:r>
+              <a:rPr lang="en-US" sz="2400" dirty="0">
+                <a:solidFill>
+                  <a:srgbClr val="000000"/>
+                </a:solidFill>
+                <a:latin typeface="Times New Roman" charset="0"/>
+                <a:cs typeface="Times New Roman" charset="0"/>
+              </a:rPr>
+              <a:t>High memory: &gt; 896MB on the IA-32 </a:t>
+            </a:r>
+            <a:r>
+              <a:rPr lang="en-US" sz="2400" dirty="0" smtClean="0">
+                <a:solidFill>
+                  <a:srgbClr val="000000"/>
+                </a:solidFill>
+                <a:latin typeface="Times New Roman" charset="0"/>
+                <a:cs typeface="Times New Roman" charset="0"/>
+              </a:rPr>
+              <a:t>architecture</a:t>
+            </a:r>
+            <a:endParaRPr lang="en-US" sz="2400" dirty="0">
+              <a:solidFill>
+                <a:srgbClr val="000000"/>
+              </a:solidFill>
+              <a:latin typeface="Times New Roman" charset="0"/>
+              <a:cs typeface="Times New Roman" charset="0"/>
+            </a:endParaRPr>
+          </a:p>
+          <a:p>
+            <a:pPr lvl="1" indent="-309605">
+              <a:tabLst>
+                <a:tab pos="414726" algn="l"/>
+                <a:tab pos="829452" algn="l"/>
+                <a:tab pos="1244178" algn="l"/>
+                <a:tab pos="1658904" algn="l"/>
+                <a:tab pos="2073631" algn="l"/>
+                <a:tab pos="2488357" algn="l"/>
+                <a:tab pos="2903083" algn="l"/>
+                <a:tab pos="3317809" algn="l"/>
+                <a:tab pos="3732535" algn="l"/>
+                <a:tab pos="4147261" algn="l"/>
+                <a:tab pos="4561987" algn="l"/>
+                <a:tab pos="4976713" algn="l"/>
+                <a:tab pos="5391440" algn="l"/>
+                <a:tab pos="5806166" algn="l"/>
+                <a:tab pos="6220892" algn="l"/>
+                <a:tab pos="6635618" algn="l"/>
+                <a:tab pos="7050344" algn="l"/>
+                <a:tab pos="7465070" algn="l"/>
+                <a:tab pos="7879796" algn="l"/>
+              </a:tabLst>
+            </a:pPr>
+            <a:r>
+              <a:rPr lang="en-US" sz="2100" dirty="0">
+                <a:solidFill>
+                  <a:srgbClr val="000000"/>
+                </a:solidFill>
+                <a:latin typeface="Times New Roman" charset="0"/>
+                <a:cs typeface="Times New Roman" charset="0"/>
+              </a:rPr>
+              <a:t>Contains memory that the kernel does not permanently map to its address </a:t>
+            </a:r>
+            <a:r>
+              <a:rPr lang="en-US" sz="2100" dirty="0" smtClean="0">
+                <a:solidFill>
+                  <a:srgbClr val="000000"/>
+                </a:solidFill>
+                <a:latin typeface="Times New Roman" charset="0"/>
+                <a:cs typeface="Times New Roman" charset="0"/>
+              </a:rPr>
+              <a:t>space</a:t>
+            </a:r>
+            <a:endParaRPr lang="en-US" sz="2100" dirty="0">
+              <a:solidFill>
+                <a:srgbClr val="000000"/>
+              </a:solidFill>
+              <a:latin typeface="Times New Roman" charset="0"/>
+              <a:cs typeface="Times New Roman" charset="0"/>
+            </a:endParaRPr>
+          </a:p>
+          <a:p>
+            <a:pPr indent="-309605">
+              <a:tabLst>
+                <a:tab pos="414726" algn="l"/>
+                <a:tab pos="829452" algn="l"/>
+                <a:tab pos="1244178" algn="l"/>
+                <a:tab pos="1658904" algn="l"/>
+                <a:tab pos="2073631" algn="l"/>
+                <a:tab pos="2488357" algn="l"/>
+                <a:tab pos="2903083" algn="l"/>
+                <a:tab pos="3317809" algn="l"/>
+                <a:tab pos="3732535" algn="l"/>
+                <a:tab pos="4147261" algn="l"/>
+                <a:tab pos="4561987" algn="l"/>
+                <a:tab pos="4976713" algn="l"/>
+                <a:tab pos="5391440" algn="l"/>
+                <a:tab pos="5806166" algn="l"/>
+                <a:tab pos="6220892" algn="l"/>
+                <a:tab pos="6635618" algn="l"/>
+                <a:tab pos="7050344" algn="l"/>
+                <a:tab pos="7465070" algn="l"/>
+                <a:tab pos="7879796" algn="l"/>
+              </a:tabLst>
+            </a:pPr>
+            <a:r>
+              <a:rPr lang="en-US" sz="2400" dirty="0">
+                <a:solidFill>
+                  <a:srgbClr val="000000"/>
+                </a:solidFill>
+                <a:latin typeface="Times New Roman" charset="0"/>
+                <a:cs typeface="Times New Roman" charset="0"/>
+              </a:rPr>
+              <a:t>Bounce </a:t>
+            </a:r>
+            <a:r>
+              <a:rPr lang="en-US" sz="2400" dirty="0" smtClean="0">
+                <a:solidFill>
+                  <a:srgbClr val="000000"/>
+                </a:solidFill>
+                <a:latin typeface="Times New Roman" charset="0"/>
+                <a:cs typeface="Times New Roman" charset="0"/>
+              </a:rPr>
+              <a:t>buffer</a:t>
+            </a:r>
+            <a:endParaRPr lang="en-US" sz="2400" dirty="0">
+              <a:solidFill>
+                <a:srgbClr val="000000"/>
+              </a:solidFill>
+              <a:latin typeface="Times New Roman" charset="0"/>
+              <a:cs typeface="Times New Roman" charset="0"/>
+            </a:endParaRPr>
+          </a:p>
+          <a:p>
+            <a:pPr lvl="1" indent="-309605">
+              <a:tabLst>
+                <a:tab pos="414726" algn="l"/>
+                <a:tab pos="829452" algn="l"/>
+                <a:tab pos="1244178" algn="l"/>
+                <a:tab pos="1658904" algn="l"/>
+                <a:tab pos="2073631" algn="l"/>
+                <a:tab pos="2488357" algn="l"/>
+                <a:tab pos="2903083" algn="l"/>
+                <a:tab pos="3317809" algn="l"/>
+                <a:tab pos="3732535" algn="l"/>
+                <a:tab pos="4147261" algn="l"/>
+                <a:tab pos="4561987" algn="l"/>
+                <a:tab pos="4976713" algn="l"/>
+                <a:tab pos="5391440" algn="l"/>
+                <a:tab pos="5806166" algn="l"/>
+                <a:tab pos="6220892" algn="l"/>
+                <a:tab pos="6635618" algn="l"/>
+                <a:tab pos="7050344" algn="l"/>
+                <a:tab pos="7465070" algn="l"/>
+                <a:tab pos="7879796" algn="l"/>
+              </a:tabLst>
+            </a:pPr>
+            <a:r>
+              <a:rPr lang="en-US" sz="2100" dirty="0">
+                <a:solidFill>
+                  <a:srgbClr val="000000"/>
+                </a:solidFill>
+                <a:latin typeface="Times New Roman" charset="0"/>
+                <a:cs typeface="Times New Roman" charset="0"/>
+              </a:rPr>
+              <a:t>Allocates low memory temporarily for I/</a:t>
+            </a:r>
+            <a:r>
+              <a:rPr lang="en-US" sz="2100" dirty="0" smtClean="0">
+                <a:solidFill>
+                  <a:srgbClr val="000000"/>
+                </a:solidFill>
+                <a:latin typeface="Times New Roman" charset="0"/>
+                <a:cs typeface="Times New Roman" charset="0"/>
+              </a:rPr>
+              <a:t>O</a:t>
+            </a:r>
+            <a:endParaRPr lang="en-US" sz="2400" dirty="0">
+              <a:solidFill>
+                <a:srgbClr val="000000"/>
+              </a:solidFill>
+              <a:latin typeface="Times New Roman" charset="0"/>
+              <a:cs typeface="Times New Roman" charset="0"/>
+            </a:endParaRPr>
+          </a:p>
+          <a:p>
+            <a:pPr lvl="1" indent="-309605">
+              <a:tabLst>
+                <a:tab pos="414726" algn="l"/>
+                <a:tab pos="829452" algn="l"/>
+                <a:tab pos="1244178" algn="l"/>
+                <a:tab pos="1658904" algn="l"/>
+                <a:tab pos="2073631" algn="l"/>
+                <a:tab pos="2488357" algn="l"/>
+                <a:tab pos="2903083" algn="l"/>
+                <a:tab pos="3317809" algn="l"/>
+                <a:tab pos="3732535" algn="l"/>
+                <a:tab pos="4147261" algn="l"/>
+                <a:tab pos="4561987" algn="l"/>
+                <a:tab pos="4976713" algn="l"/>
+                <a:tab pos="5391440" algn="l"/>
+                <a:tab pos="5806166" algn="l"/>
+                <a:tab pos="6220892" algn="l"/>
+                <a:tab pos="6635618" algn="l"/>
+                <a:tab pos="7050344" algn="l"/>
+                <a:tab pos="7465070" algn="l"/>
+                <a:tab pos="7879796" algn="l"/>
+              </a:tabLst>
+            </a:pPr>
+            <a:r>
+              <a:rPr lang="en-US" sz="2100" dirty="0">
+                <a:solidFill>
+                  <a:srgbClr val="000000"/>
+                </a:solidFill>
+                <a:latin typeface="Times New Roman" charset="0"/>
+                <a:cs typeface="Times New Roman" charset="0"/>
+              </a:rPr>
+              <a:t>Data is “bounced” to high memory after I/O completes</a:t>
+            </a:r>
+          </a:p>
+          <a:p>
+            <a:pPr indent="-309605">
+              <a:tabLst>
+                <a:tab pos="414726" algn="l"/>
+                <a:tab pos="829452" algn="l"/>
+                <a:tab pos="1244178" algn="l"/>
+                <a:tab pos="1658904" algn="l"/>
+                <a:tab pos="2073631" algn="l"/>
+                <a:tab pos="2488357" algn="l"/>
+                <a:tab pos="2903083" algn="l"/>
+                <a:tab pos="3317809" algn="l"/>
+                <a:tab pos="3732535" algn="l"/>
+                <a:tab pos="4147261" algn="l"/>
+                <a:tab pos="4561987" algn="l"/>
+                <a:tab pos="4976713" algn="l"/>
+                <a:tab pos="5391440" algn="l"/>
+                <a:tab pos="5806166" algn="l"/>
+                <a:tab pos="6220892" algn="l"/>
+                <a:tab pos="6635618" algn="l"/>
+                <a:tab pos="7050344" algn="l"/>
+                <a:tab pos="7465070" algn="l"/>
+                <a:tab pos="7879796" algn="l"/>
+              </a:tabLst>
+            </a:pPr>
+            <a:endParaRPr lang="en-US" sz="2400" dirty="0">
+              <a:solidFill>
+                <a:srgbClr val="000000"/>
+              </a:solidFill>
+              <a:latin typeface="Times New Roman" charset="0"/>
+              <a:cs typeface="Times New Roman" charset="0"/>
+            </a:endParaRPr>
+          </a:p>
+          <a:p>
+            <a:pPr indent="-309605">
+              <a:tabLst>
+                <a:tab pos="414726" algn="l"/>
+                <a:tab pos="829452" algn="l"/>
+                <a:tab pos="1244178" algn="l"/>
+                <a:tab pos="1658904" algn="l"/>
+                <a:tab pos="2073631" algn="l"/>
+                <a:tab pos="2488357" algn="l"/>
+                <a:tab pos="2903083" algn="l"/>
+                <a:tab pos="3317809" algn="l"/>
+                <a:tab pos="3732535" algn="l"/>
+                <a:tab pos="4147261" algn="l"/>
+                <a:tab pos="4561987" algn="l"/>
+                <a:tab pos="4976713" algn="l"/>
+                <a:tab pos="5391440" algn="l"/>
+                <a:tab pos="5806166" algn="l"/>
+                <a:tab pos="6220892" algn="l"/>
+                <a:tab pos="6635618" algn="l"/>
+                <a:tab pos="7050344" algn="l"/>
+                <a:tab pos="7465070" algn="l"/>
+                <a:tab pos="7879796" algn="l"/>
+              </a:tabLst>
+            </a:pPr>
+            <a:endParaRPr lang="en-US" sz="2400" dirty="0">
+              <a:solidFill>
+                <a:srgbClr val="000000"/>
+              </a:solidFill>
+              <a:latin typeface="Times New Roman" charset="0"/>
+              <a:cs typeface="Times New Roman" charset="0"/>
+            </a:endParaRPr>
+          </a:p>
+          <a:p>
+            <a:pPr marL="10435" indent="0">
+              <a:buNone/>
+              <a:tabLst>
+                <a:tab pos="414726" algn="l"/>
+                <a:tab pos="829452" algn="l"/>
+                <a:tab pos="1244178" algn="l"/>
+                <a:tab pos="1658904" algn="l"/>
+                <a:tab pos="2073631" algn="l"/>
+                <a:tab pos="2488357" algn="l"/>
+                <a:tab pos="2903083" algn="l"/>
+                <a:tab pos="3317809" algn="l"/>
+                <a:tab pos="3732535" algn="l"/>
+                <a:tab pos="4147261" algn="l"/>
+                <a:tab pos="4561987" algn="l"/>
+                <a:tab pos="4976713" algn="l"/>
+                <a:tab pos="5391440" algn="l"/>
+                <a:tab pos="5806166" algn="l"/>
+                <a:tab pos="6220892" algn="l"/>
+                <a:tab pos="6635618" algn="l"/>
+                <a:tab pos="7050344" algn="l"/>
+                <a:tab pos="7465070" algn="l"/>
+                <a:tab pos="7879796" algn="l"/>
+              </a:tabLst>
+            </a:pPr>
+            <a:endParaRPr lang="en-US" sz="2400" dirty="0">
+              <a:solidFill>
+                <a:srgbClr val="000000"/>
+              </a:solidFill>
+              <a:latin typeface="Times New Roman" charset="0"/>
+              <a:cs typeface="Times New Roman" charset="0"/>
+            </a:endParaRPr>
+          </a:p>
+          <a:p>
+            <a:pPr indent="-309605">
+              <a:tabLst>
+                <a:tab pos="414726" algn="l"/>
+                <a:tab pos="829452" algn="l"/>
+                <a:tab pos="1244178" algn="l"/>
+                <a:tab pos="1658904" algn="l"/>
+                <a:tab pos="2073631" algn="l"/>
+                <a:tab pos="2488357" algn="l"/>
+                <a:tab pos="2903083" algn="l"/>
+                <a:tab pos="3317809" algn="l"/>
+                <a:tab pos="3732535" algn="l"/>
+                <a:tab pos="4147261" algn="l"/>
+                <a:tab pos="4561987" algn="l"/>
+                <a:tab pos="4976713" algn="l"/>
+                <a:tab pos="5391440" algn="l"/>
+                <a:tab pos="5806166" algn="l"/>
+                <a:tab pos="6220892" algn="l"/>
+                <a:tab pos="6635618" algn="l"/>
+                <a:tab pos="7050344" algn="l"/>
+                <a:tab pos="7465070" algn="l"/>
+                <a:tab pos="7879796" algn="l"/>
+              </a:tabLst>
+            </a:pPr>
+            <a:endParaRPr lang="en-US" sz="2800" dirty="0">
+              <a:solidFill>
+                <a:srgbClr val="000000"/>
+              </a:solidFill>
+              <a:latin typeface="Times New Roman" charset="0"/>
+              <a:cs typeface="Times New Roman" charset="0"/>
+            </a:endParaRPr>
+          </a:p>
+          <a:p>
+            <a:pPr indent="-309605">
+              <a:tabLst>
+                <a:tab pos="414726" algn="l"/>
+                <a:tab pos="829452" algn="l"/>
+                <a:tab pos="1244178" algn="l"/>
+                <a:tab pos="1658904" algn="l"/>
+                <a:tab pos="2073631" algn="l"/>
+                <a:tab pos="2488357" algn="l"/>
+                <a:tab pos="2903083" algn="l"/>
+                <a:tab pos="3317809" algn="l"/>
+                <a:tab pos="3732535" algn="l"/>
+                <a:tab pos="4147261" algn="l"/>
+                <a:tab pos="4561987" algn="l"/>
+                <a:tab pos="4976713" algn="l"/>
+                <a:tab pos="5391440" algn="l"/>
+                <a:tab pos="5806166" algn="l"/>
+                <a:tab pos="6220892" algn="l"/>
+                <a:tab pos="6635618" algn="l"/>
+                <a:tab pos="7050344" algn="l"/>
+                <a:tab pos="7465070" algn="l"/>
+                <a:tab pos="7879796" algn="l"/>
+              </a:tabLst>
+            </a:pPr>
+            <a:endParaRPr lang="en-US" sz="2700" dirty="0">
+              <a:solidFill>
+                <a:srgbClr val="000000"/>
+              </a:solidFill>
+              <a:latin typeface="Times New Roman" charset="0"/>
+              <a:cs typeface="Times New Roman" charset="0"/>
+            </a:endParaRPr>
+          </a:p>
+        </p:txBody>
+      </p:sp>
+    </p:spTree>
+    <p:extLst>
+      <p:ext uri="{BB962C8B-B14F-4D97-AF65-F5344CB8AC3E}">
+        <p14:creationId xmlns:p14="http://schemas.microsoft.com/office/powerpoint/2010/main" val="4193498529"/>
+      </p:ext>
+    </p:extLst>
+  </p:cSld>
+  <p:clrMapOvr>
+    <a:masterClrMapping/>
+  </p:clrMapOvr>
+  <p:transition xmlns:p14="http://schemas.microsoft.com/office/powerpoint/2010/main" spd="med"/>
+  <p:timing>
+    <p:tnLst>
+      <p:par>
+        <p:cTn xmlns:p14="http://schemas.microsoft.com/office/powerpoint/2010/main" id="1" dur="indefinite" nodeType="tmRoot">
+          <p:childTnLst>
+            <p:seq concurrent="1" nextAc="seek">
+              <p:cTn id="2" dur="0" nodeType="mainSeq"/>
+              <p:prevCondLst>
+                <p:cond evt="onPrev" delay="0">
+                  <p:tgtEl>
+                    <p:sldTgt/>
+                  </p:tgtEl>
+                </p:cond>
+              </p:prevCondLst>
+              <p:nextCondLst>
+                <p:cond evt="onNext" delay="0">
+                  <p:tgtEl>
+                    <p:sldTgt/>
+                  </p:tgtEl>
+                </p:cond>
+              </p:nextCondLst>
+            </p:seq>
+          </p:childTnLst>
+        </p:cTn>
+      </p:par>
+    </p:tnLst>
+  </p:timing>
+</p:sld>
+</file>
+
 <file path=ppt/slides/slide3.xml><?xml version="1.0" encoding="utf-8"?>
 <p:sld xmlns:a="http://schemas.openxmlformats.org/drawingml/2006/main" xmlns:r="http://schemas.openxmlformats.org/officeDocument/2006/relationships" xmlns:p="http://schemas.openxmlformats.org/presentationml/2006/main">
   <p:cSld>
@@ -11232,14 +18116,7 @@
                 <a:latin typeface="Arial Black"/>
                 <a:cs typeface="Arial Black"/>
               </a:rPr>
-              <a:t>Windows </a:t>
-            </a:r>
-            <a:r>
-              <a:rPr lang="en-US" dirty="0" smtClean="0">
-                <a:latin typeface="Arial Black"/>
-                <a:cs typeface="Arial Black"/>
-              </a:rPr>
-              <a:t>Driver Architecture</a:t>
+              <a:t>Windows Driver Architecture</a:t>
             </a:r>
             <a:endParaRPr lang="en-US" dirty="0">
               <a:latin typeface="Arial Black"/>
